--- a/Lecture Slides/04 Graphics and GUIs.pptx
+++ b/Lecture Slides/04 Graphics and GUIs.pptx
@@ -5,46 +5,45 @@
     <p:sldMasterId id="2147483648" r:id="rId4"/>
   </p:sldMasterIdLst>
   <p:notesMasterIdLst>
-    <p:notesMasterId r:id="rId39"/>
+    <p:notesMasterId r:id="rId38"/>
   </p:notesMasterIdLst>
   <p:handoutMasterIdLst>
-    <p:handoutMasterId r:id="rId40"/>
+    <p:handoutMasterId r:id="rId39"/>
   </p:handoutMasterIdLst>
   <p:sldIdLst>
     <p:sldId id="256" r:id="rId5"/>
     <p:sldId id="257" r:id="rId6"/>
-    <p:sldId id="289" r:id="rId7"/>
-    <p:sldId id="258" r:id="rId8"/>
-    <p:sldId id="288" r:id="rId9"/>
-    <p:sldId id="259" r:id="rId10"/>
-    <p:sldId id="261" r:id="rId11"/>
-    <p:sldId id="265" r:id="rId12"/>
-    <p:sldId id="260" r:id="rId13"/>
-    <p:sldId id="262" r:id="rId14"/>
-    <p:sldId id="263" r:id="rId15"/>
-    <p:sldId id="267" r:id="rId16"/>
-    <p:sldId id="268" r:id="rId17"/>
-    <p:sldId id="264" r:id="rId18"/>
-    <p:sldId id="266" r:id="rId19"/>
-    <p:sldId id="269" r:id="rId20"/>
-    <p:sldId id="270" r:id="rId21"/>
-    <p:sldId id="271" r:id="rId22"/>
-    <p:sldId id="272" r:id="rId23"/>
-    <p:sldId id="273" r:id="rId24"/>
-    <p:sldId id="274" r:id="rId25"/>
-    <p:sldId id="276" r:id="rId26"/>
-    <p:sldId id="277" r:id="rId27"/>
-    <p:sldId id="278" r:id="rId28"/>
-    <p:sldId id="279" r:id="rId29"/>
-    <p:sldId id="275" r:id="rId30"/>
-    <p:sldId id="287" r:id="rId31"/>
-    <p:sldId id="280" r:id="rId32"/>
-    <p:sldId id="281" r:id="rId33"/>
-    <p:sldId id="282" r:id="rId34"/>
-    <p:sldId id="283" r:id="rId35"/>
-    <p:sldId id="284" r:id="rId36"/>
-    <p:sldId id="285" r:id="rId37"/>
-    <p:sldId id="286" r:id="rId38"/>
+    <p:sldId id="258" r:id="rId7"/>
+    <p:sldId id="288" r:id="rId8"/>
+    <p:sldId id="259" r:id="rId9"/>
+    <p:sldId id="261" r:id="rId10"/>
+    <p:sldId id="265" r:id="rId11"/>
+    <p:sldId id="260" r:id="rId12"/>
+    <p:sldId id="262" r:id="rId13"/>
+    <p:sldId id="263" r:id="rId14"/>
+    <p:sldId id="267" r:id="rId15"/>
+    <p:sldId id="268" r:id="rId16"/>
+    <p:sldId id="264" r:id="rId17"/>
+    <p:sldId id="266" r:id="rId18"/>
+    <p:sldId id="269" r:id="rId19"/>
+    <p:sldId id="270" r:id="rId20"/>
+    <p:sldId id="271" r:id="rId21"/>
+    <p:sldId id="272" r:id="rId22"/>
+    <p:sldId id="273" r:id="rId23"/>
+    <p:sldId id="274" r:id="rId24"/>
+    <p:sldId id="276" r:id="rId25"/>
+    <p:sldId id="277" r:id="rId26"/>
+    <p:sldId id="278" r:id="rId27"/>
+    <p:sldId id="279" r:id="rId28"/>
+    <p:sldId id="275" r:id="rId29"/>
+    <p:sldId id="287" r:id="rId30"/>
+    <p:sldId id="280" r:id="rId31"/>
+    <p:sldId id="281" r:id="rId32"/>
+    <p:sldId id="282" r:id="rId33"/>
+    <p:sldId id="283" r:id="rId34"/>
+    <p:sldId id="284" r:id="rId35"/>
+    <p:sldId id="285" r:id="rId36"/>
+    <p:sldId id="286" r:id="rId37"/>
   </p:sldIdLst>
   <p:sldSz cx="9144000" cy="6858000" type="screen4x3"/>
   <p:notesSz cx="6858000" cy="9144000"/>
@@ -195,14 +194,6 @@
 </p:presentation>
 </file>
 
-<file path=ppt/revisionInfo.xml><?xml version="1.0" encoding="utf-8"?>
-<p1510:revInfo xmlns:a="http://schemas.openxmlformats.org/drawingml/2006/main" xmlns:r="http://schemas.openxmlformats.org/officeDocument/2006/relationships" xmlns:p1510="http://schemas.microsoft.com/office/powerpoint/2015/10/main">
-  <p1510:revLst>
-    <p1510:client id="{B67A0CA6-5104-41BA-AF53-48E3B8BA4D24}" v="10" dt="2024-09-23T14:58:21.907"/>
-  </p1510:revLst>
-</p1510:revInfo>
-</file>
-
 <file path=ppt/changesInfos/changesInfo1.xml><?xml version="1.0" encoding="utf-8"?>
 <pc:chgInfo xmlns:a="http://schemas.openxmlformats.org/drawingml/2006/main" xmlns:r="http://schemas.openxmlformats.org/officeDocument/2006/relationships" xmlns:ac="http://schemas.microsoft.com/office/drawing/2013/main/command" xmlns:pc="http://schemas.microsoft.com/office/powerpoint/2013/main/command">
   <pc:docChgLst>
@@ -3255,13 +3246,28 @@
   </pc:docChgLst>
   <pc:docChgLst>
     <pc:chgData name="Raymer, Michael L." userId="96c2fb1d-e79c-4ca3-9876-783e98fdd04a" providerId="ADAL" clId="{868473B7-D1CC-4586-8D54-9827FB9591DF}"/>
-    <pc:docChg chg="addSld modSld">
-      <pc:chgData name="Raymer, Michael L." userId="96c2fb1d-e79c-4ca3-9876-783e98fdd04a" providerId="ADAL" clId="{868473B7-D1CC-4586-8D54-9827FB9591DF}" dt="2024-09-23T15:50:45.474" v="22" actId="20577"/>
+    <pc:docChg chg="addSld delSld modSld">
+      <pc:chgData name="Raymer, Michael L." userId="96c2fb1d-e79c-4ca3-9876-783e98fdd04a" providerId="ADAL" clId="{868473B7-D1CC-4586-8D54-9827FB9591DF}" dt="2024-09-25T16:01:11.446" v="43" actId="20577"/>
       <pc:docMkLst>
         <pc:docMk/>
       </pc:docMkLst>
-      <pc:sldChg chg="modSp new mod">
-        <pc:chgData name="Raymer, Michael L." userId="96c2fb1d-e79c-4ca3-9876-783e98fdd04a" providerId="ADAL" clId="{868473B7-D1CC-4586-8D54-9827FB9591DF}" dt="2024-09-23T15:50:45.474" v="22" actId="20577"/>
+      <pc:sldChg chg="modSp mod">
+        <pc:chgData name="Raymer, Michael L." userId="96c2fb1d-e79c-4ca3-9876-783e98fdd04a" providerId="ADAL" clId="{868473B7-D1CC-4586-8D54-9827FB9591DF}" dt="2024-09-25T16:01:11.446" v="43" actId="20577"/>
+        <pc:sldMkLst>
+          <pc:docMk/>
+          <pc:sldMk cId="1015549311" sldId="288"/>
+        </pc:sldMkLst>
+        <pc:spChg chg="mod">
+          <ac:chgData name="Raymer, Michael L." userId="96c2fb1d-e79c-4ca3-9876-783e98fdd04a" providerId="ADAL" clId="{868473B7-D1CC-4586-8D54-9827FB9591DF}" dt="2024-09-25T16:01:11.446" v="43" actId="20577"/>
+          <ac:spMkLst>
+            <pc:docMk/>
+            <pc:sldMk cId="1015549311" sldId="288"/>
+            <ac:spMk id="8" creationId="{DD11ED09-FF3F-9D25-B8D5-DA46C1294FDE}"/>
+          </ac:spMkLst>
+        </pc:spChg>
+      </pc:sldChg>
+      <pc:sldChg chg="modSp new del mod">
+        <pc:chgData name="Raymer, Michael L." userId="96c2fb1d-e79c-4ca3-9876-783e98fdd04a" providerId="ADAL" clId="{868473B7-D1CC-4586-8D54-9827FB9591DF}" dt="2024-09-25T14:57:45.232" v="23" actId="47"/>
         <pc:sldMkLst>
           <pc:docMk/>
           <pc:sldMk cId="2928898040" sldId="289"/>
@@ -7622,7 +7628,7 @@
             <a:fld id="{842CDC8A-7565-474E-A73E-9E07F1581644}" type="slidenum">
               <a:rPr lang="en-US" altLang="en-US" smtClean="0"/>
               <a:pPr/>
-              <a:t>13</a:t>
+              <a:t>12</a:t>
             </a:fld>
             <a:endParaRPr lang="en-US" altLang="en-US"/>
           </a:p>
@@ -11802,7 +11808,7 @@
           <p:cNvPr id="2" name="Title 1">
             <a:extLst>
               <a:ext uri="{FF2B5EF4-FFF2-40B4-BE49-F238E27FC236}">
-                <a16:creationId xmlns:a16="http://schemas.microsoft.com/office/drawing/2014/main" id="{EA3E4B51-D98E-F92E-3FE5-9ECAB36FB3BD}"/>
+                <a16:creationId xmlns:a16="http://schemas.microsoft.com/office/drawing/2014/main" id="{947FB863-AC46-3B0A-0FE2-87D6C447E39B}"/>
               </a:ext>
             </a:extLst>
           </p:cNvPr>
@@ -11819,8 +11825,20 @@
           <a:lstStyle/>
           <a:p>
             <a:r>
+              <a:rPr lang="en-US" dirty="0" err="1"/>
+              <a:t>JPanel</a:t>
+            </a:r>
+            <a:r>
               <a:rPr lang="en-US" dirty="0"/>
-              <a:t>Adding GUI Elements</a:t>
+              <a:t> </a:t>
+            </a:r>
+            <a:r>
+              <a:rPr lang="en-US" sz="2400" dirty="0"/>
+              <a:t>(and Layout Managers) </a:t>
+            </a:r>
+            <a:r>
+              <a:rPr lang="en-US" dirty="0"/>
+              <a:t>to the Rescue!</a:t>
             </a:r>
           </a:p>
         </p:txBody>
@@ -11830,7 +11848,7 @@
           <p:cNvPr id="3" name="Content Placeholder 2">
             <a:extLst>
               <a:ext uri="{FF2B5EF4-FFF2-40B4-BE49-F238E27FC236}">
-                <a16:creationId xmlns:a16="http://schemas.microsoft.com/office/drawing/2014/main" id="{733C795C-5163-77F9-B525-D1A3B0912085}"/>
+                <a16:creationId xmlns:a16="http://schemas.microsoft.com/office/drawing/2014/main" id="{EB385DE7-85B1-BCA8-8682-510352321CD7}"/>
               </a:ext>
             </a:extLst>
           </p:cNvPr>
@@ -11844,7 +11862,7 @@
         <p:spPr>
           <a:xfrm>
             <a:off x="381000" y="1219200"/>
-            <a:ext cx="8382000" cy="609600"/>
+            <a:ext cx="8382000" cy="4267200"/>
           </a:xfrm>
         </p:spPr>
         <p:txBody>
@@ -11852,24 +11870,12 @@
           <a:lstStyle/>
           <a:p>
             <a:r>
+              <a:rPr lang="en-US" dirty="0" err="1"/>
+              <a:t>JPanel</a:t>
+            </a:r>
+            <a:r>
               <a:rPr lang="en-US" dirty="0"/>
-              <a:t>BUT… a </a:t>
-            </a:r>
-            <a:r>
-              <a:rPr lang="en-US" dirty="0" err="1"/>
-              <a:t>JFrame</a:t>
-            </a:r>
-            <a:r>
-              <a:rPr lang="en-US" dirty="0"/>
-              <a:t> only shows </a:t>
-            </a:r>
-            <a:r>
-              <a:rPr lang="en-US" u="sng" dirty="0"/>
-              <a:t>one</a:t>
-            </a:r>
-            <a:r>
-              <a:rPr lang="en-US" dirty="0"/>
-              <a:t> item:</a:t>
+              <a:t> can hold all kinds of GUI elements and allows you to set a Layout Manager to keep them nicely arranged.</a:t>
             </a:r>
           </a:p>
         </p:txBody>
@@ -11879,7 +11885,7 @@
           <p:cNvPr id="4" name="Footer Placeholder 3">
             <a:extLst>
               <a:ext uri="{FF2B5EF4-FFF2-40B4-BE49-F238E27FC236}">
-                <a16:creationId xmlns:a16="http://schemas.microsoft.com/office/drawing/2014/main" id="{F3607297-6D8D-314E-02DC-0DBD01D1873D}"/>
+                <a16:creationId xmlns:a16="http://schemas.microsoft.com/office/drawing/2014/main" id="{805FD0F8-8821-0DCB-F732-22E450D6C9A9}"/>
               </a:ext>
             </a:extLst>
           </p:cNvPr>
@@ -11911,7 +11917,7 @@
           <p:cNvPr id="5" name="Slide Number Placeholder 4">
             <a:extLst>
               <a:ext uri="{FF2B5EF4-FFF2-40B4-BE49-F238E27FC236}">
-                <a16:creationId xmlns:a16="http://schemas.microsoft.com/office/drawing/2014/main" id="{37C33766-0675-9DB0-87ED-B725205AE229}"/>
+                <a16:creationId xmlns:a16="http://schemas.microsoft.com/office/drawing/2014/main" id="{32151D0E-23AF-B1AB-3FCC-DFFEDF4BDC3E}"/>
               </a:ext>
             </a:extLst>
           </p:cNvPr>
@@ -11936,1124 +11942,12 @@
           </a:p>
         </p:txBody>
       </p:sp>
-      <p:sp>
-        <p:nvSpPr>
-          <p:cNvPr id="9" name="Content Placeholder 2">
+      <p:pic>
+        <p:nvPicPr>
+          <p:cNvPr id="7" name="Picture 6">
             <a:extLst>
               <a:ext uri="{FF2B5EF4-FFF2-40B4-BE49-F238E27FC236}">
-                <a16:creationId xmlns:a16="http://schemas.microsoft.com/office/drawing/2014/main" id="{911B8906-E0D2-5AB7-C6C8-D6C6606B0064}"/>
-              </a:ext>
-            </a:extLst>
-          </p:cNvPr>
-          <p:cNvSpPr txBox="1">
-            <a:spLocks/>
-          </p:cNvSpPr>
-          <p:nvPr/>
-        </p:nvSpPr>
-        <p:spPr bwMode="auto">
-          <a:xfrm>
-            <a:off x="381000" y="5334000"/>
-            <a:ext cx="8382000" cy="609600"/>
-          </a:xfrm>
-          <a:prstGeom prst="rect">
-            <a:avLst/>
-          </a:prstGeom>
-          <a:noFill/>
-          <a:ln>
-            <a:noFill/>
-          </a:ln>
-          <a:effectLst/>
-          <a:extLst>
-            <a:ext uri="{909E8E84-426E-40DD-AFC4-6F175D3DCCD1}">
-              <a14:hiddenFill xmlns:a14="http://schemas.microsoft.com/office/drawing/2010/main">
-                <a:solidFill>
-                  <a:schemeClr val="accent1"/>
-                </a:solidFill>
-              </a14:hiddenFill>
-            </a:ext>
-            <a:ext uri="{91240B29-F687-4F45-9708-019B960494DF}">
-              <a14:hiddenLine xmlns:a14="http://schemas.microsoft.com/office/drawing/2010/main" w="9525">
-                <a:solidFill>
-                  <a:schemeClr val="tx1"/>
-                </a:solidFill>
-                <a:miter lim="800000"/>
-                <a:headEnd/>
-                <a:tailEnd/>
-              </a14:hiddenLine>
-            </a:ext>
-            <a:ext uri="{AF507438-7753-43E0-B8FC-AC1667EBCBE1}">
-              <a14:hiddenEffects xmlns:a14="http://schemas.microsoft.com/office/drawing/2010/main">
-                <a:effectLst>
-                  <a:outerShdw dist="35921" dir="2700000" algn="ctr" rotWithShape="0">
-                    <a:schemeClr val="bg2"/>
-                  </a:outerShdw>
-                </a:effectLst>
-              </a14:hiddenEffects>
-            </a:ext>
-          </a:extLst>
-        </p:spPr>
-        <p:txBody>
-          <a:bodyPr vert="horz" wrap="square" lIns="91440" tIns="45720" rIns="91440" bIns="45720" numCol="1" anchor="t" anchorCtr="0" compatLnSpc="1">
-            <a:prstTxWarp prst="textNoShape">
-              <a:avLst/>
-            </a:prstTxWarp>
-          </a:bodyPr>
-          <a:lstStyle>
-            <a:lvl1pPr marL="342900" indent="-342900" algn="l" rtl="0" eaLnBrk="0" fontAlgn="base" hangingPunct="0">
-              <a:spcBef>
-                <a:spcPct val="20000"/>
-              </a:spcBef>
-              <a:spcAft>
-                <a:spcPct val="0"/>
-              </a:spcAft>
-              <a:buClr>
-                <a:srgbClr val="777777"/>
-              </a:buClr>
-              <a:buFont typeface="Symbol" panose="05050102010706020507" pitchFamily="18" charset="2"/>
-              <a:buChar char=""/>
-              <a:defRPr sz="3200" kern="1200">
-                <a:solidFill>
-                  <a:schemeClr val="tx1"/>
-                </a:solidFill>
-                <a:latin typeface="+mn-lt"/>
-                <a:ea typeface="+mn-ea"/>
-                <a:cs typeface="+mn-cs"/>
-              </a:defRPr>
-            </a:lvl1pPr>
-            <a:lvl2pPr marL="742950" indent="-285750" algn="l" rtl="0" eaLnBrk="0" fontAlgn="base" hangingPunct="0">
-              <a:spcBef>
-                <a:spcPct val="20000"/>
-              </a:spcBef>
-              <a:spcAft>
-                <a:spcPct val="0"/>
-              </a:spcAft>
-              <a:buChar char="•"/>
-              <a:defRPr sz="2800" kern="1200">
-                <a:solidFill>
-                  <a:schemeClr val="tx1"/>
-                </a:solidFill>
-                <a:latin typeface="+mn-lt"/>
-                <a:ea typeface="+mn-ea"/>
-                <a:cs typeface="+mn-cs"/>
-              </a:defRPr>
-            </a:lvl2pPr>
-            <a:lvl3pPr marL="1143000" indent="-228600" algn="l" rtl="0" eaLnBrk="0" fontAlgn="base" hangingPunct="0">
-              <a:spcBef>
-                <a:spcPct val="20000"/>
-              </a:spcBef>
-              <a:spcAft>
-                <a:spcPct val="0"/>
-              </a:spcAft>
-              <a:buSzPct val="65000"/>
-              <a:buFont typeface="Dreaming Outloud Pro" panose="03050502040302030504" pitchFamily="66" charset="0"/>
-              <a:buChar char=" "/>
-              <a:defRPr sz="2400" kern="1200">
-                <a:solidFill>
-                  <a:schemeClr val="tx1"/>
-                </a:solidFill>
-                <a:latin typeface="+mn-lt"/>
-                <a:ea typeface="+mn-ea"/>
-                <a:cs typeface="+mn-cs"/>
-              </a:defRPr>
-            </a:lvl3pPr>
-            <a:lvl4pPr marL="1600200" indent="-228600" algn="l" rtl="0" eaLnBrk="0" fontAlgn="base" hangingPunct="0">
-              <a:spcBef>
-                <a:spcPct val="20000"/>
-              </a:spcBef>
-              <a:spcAft>
-                <a:spcPct val="0"/>
-              </a:spcAft>
-              <a:buFont typeface="Wingdings" panose="05000000000000000000" pitchFamily="2" charset="2"/>
-              <a:buChar char="Ø"/>
-              <a:defRPr sz="2000" kern="1200">
-                <a:solidFill>
-                  <a:schemeClr val="tx1"/>
-                </a:solidFill>
-                <a:latin typeface="+mn-lt"/>
-                <a:ea typeface="+mn-ea"/>
-                <a:cs typeface="+mn-cs"/>
-              </a:defRPr>
-            </a:lvl4pPr>
-            <a:lvl5pPr marL="2057400" indent="-228600" algn="l" rtl="0" eaLnBrk="0" fontAlgn="base" hangingPunct="0">
-              <a:spcBef>
-                <a:spcPct val="20000"/>
-              </a:spcBef>
-              <a:spcAft>
-                <a:spcPct val="0"/>
-              </a:spcAft>
-              <a:buFont typeface="Dreaming Outloud Pro" panose="03050502040302030504" pitchFamily="66" charset="0"/>
-              <a:buChar char=" "/>
-              <a:defRPr sz="2000" kern="1200">
-                <a:solidFill>
-                  <a:schemeClr val="tx1"/>
-                </a:solidFill>
-                <a:latin typeface="+mn-lt"/>
-                <a:ea typeface="+mn-ea"/>
-                <a:cs typeface="+mn-cs"/>
-              </a:defRPr>
-            </a:lvl5pPr>
-            <a:lvl6pPr marL="2514600" indent="-228600" algn="l" defTabSz="914400" rtl="0" eaLnBrk="1" latinLnBrk="0" hangingPunct="1">
-              <a:lnSpc>
-                <a:spcPct val="90000"/>
-              </a:lnSpc>
-              <a:spcBef>
-                <a:spcPts val="500"/>
-              </a:spcBef>
-              <a:buFont typeface="Arial" panose="020B0604020202020204" pitchFamily="34" charset="0"/>
-              <a:buChar char="•"/>
-              <a:defRPr sz="1800" kern="1200">
-                <a:solidFill>
-                  <a:schemeClr val="tx1"/>
-                </a:solidFill>
-                <a:latin typeface="+mn-lt"/>
-                <a:ea typeface="+mn-ea"/>
-                <a:cs typeface="+mn-cs"/>
-              </a:defRPr>
-            </a:lvl6pPr>
-            <a:lvl7pPr marL="2971800" indent="-228600" algn="l" defTabSz="914400" rtl="0" eaLnBrk="1" latinLnBrk="0" hangingPunct="1">
-              <a:lnSpc>
-                <a:spcPct val="90000"/>
-              </a:lnSpc>
-              <a:spcBef>
-                <a:spcPts val="500"/>
-              </a:spcBef>
-              <a:buFont typeface="Arial" panose="020B0604020202020204" pitchFamily="34" charset="0"/>
-              <a:buChar char="•"/>
-              <a:defRPr sz="1800" kern="1200">
-                <a:solidFill>
-                  <a:schemeClr val="tx1"/>
-                </a:solidFill>
-                <a:latin typeface="+mn-lt"/>
-                <a:ea typeface="+mn-ea"/>
-                <a:cs typeface="+mn-cs"/>
-              </a:defRPr>
-            </a:lvl7pPr>
-            <a:lvl8pPr marL="3429000" indent="-228600" algn="l" defTabSz="914400" rtl="0" eaLnBrk="1" latinLnBrk="0" hangingPunct="1">
-              <a:lnSpc>
-                <a:spcPct val="90000"/>
-              </a:lnSpc>
-              <a:spcBef>
-                <a:spcPts val="500"/>
-              </a:spcBef>
-              <a:buFont typeface="Arial" panose="020B0604020202020204" pitchFamily="34" charset="0"/>
-              <a:buChar char="•"/>
-              <a:defRPr sz="1800" kern="1200">
-                <a:solidFill>
-                  <a:schemeClr val="tx1"/>
-                </a:solidFill>
-                <a:latin typeface="+mn-lt"/>
-                <a:ea typeface="+mn-ea"/>
-                <a:cs typeface="+mn-cs"/>
-              </a:defRPr>
-            </a:lvl8pPr>
-            <a:lvl9pPr marL="3886200" indent="-228600" algn="l" defTabSz="914400" rtl="0" eaLnBrk="1" latinLnBrk="0" hangingPunct="1">
-              <a:lnSpc>
-                <a:spcPct val="90000"/>
-              </a:lnSpc>
-              <a:spcBef>
-                <a:spcPts val="500"/>
-              </a:spcBef>
-              <a:buFont typeface="Arial" panose="020B0604020202020204" pitchFamily="34" charset="0"/>
-              <a:buChar char="•"/>
-              <a:defRPr sz="1800" kern="1200">
-                <a:solidFill>
-                  <a:schemeClr val="tx1"/>
-                </a:solidFill>
-                <a:latin typeface="+mn-lt"/>
-                <a:ea typeface="+mn-ea"/>
-                <a:cs typeface="+mn-cs"/>
-              </a:defRPr>
-            </a:lvl9pPr>
-          </a:lstStyle>
-          <a:p>
-            <a:r>
-              <a:rPr lang="en-US" dirty="0"/>
-              <a:t>So, what do we do about that?</a:t>
-            </a:r>
-          </a:p>
-        </p:txBody>
-      </p:sp>
-      <p:sp>
-        <p:nvSpPr>
-          <p:cNvPr id="7" name="TextBox 6">
-            <a:extLst>
-              <a:ext uri="{FF2B5EF4-FFF2-40B4-BE49-F238E27FC236}">
-                <a16:creationId xmlns:a16="http://schemas.microsoft.com/office/drawing/2014/main" id="{4C4A172A-020D-D9AA-0D7B-9D12F0527709}"/>
-              </a:ext>
-            </a:extLst>
-          </p:cNvPr>
-          <p:cNvSpPr txBox="1"/>
-          <p:nvPr/>
-        </p:nvSpPr>
-        <p:spPr>
-          <a:xfrm>
-            <a:off x="914400" y="1967023"/>
-            <a:ext cx="7467600" cy="2554545"/>
-          </a:xfrm>
-          <a:prstGeom prst="rect">
-            <a:avLst/>
-          </a:prstGeom>
-          <a:noFill/>
-        </p:spPr>
-        <p:txBody>
-          <a:bodyPr wrap="square">
-            <a:spAutoFit/>
-          </a:bodyPr>
-          <a:lstStyle/>
-          <a:p>
-            <a:r>
-              <a:rPr lang="en-US" sz="1600" b="0" dirty="0">
-                <a:solidFill>
-                  <a:srgbClr val="3B3B3B"/>
-                </a:solidFill>
-                <a:effectLst/>
-                <a:highlight>
-                  <a:srgbClr val="FFFFFF"/>
-                </a:highlight>
-                <a:latin typeface="Consolas" panose="020B0609020204030204" pitchFamily="49" charset="0"/>
-              </a:rPr>
-              <a:t>    </a:t>
-            </a:r>
-            <a:r>
-              <a:rPr lang="en-US" sz="1600" b="0" dirty="0">
-                <a:solidFill>
-                  <a:srgbClr val="0000FF"/>
-                </a:solidFill>
-                <a:effectLst/>
-                <a:highlight>
-                  <a:srgbClr val="FFFFFF"/>
-                </a:highlight>
-                <a:latin typeface="Consolas" panose="020B0609020204030204" pitchFamily="49" charset="0"/>
-              </a:rPr>
-              <a:t>public</a:t>
-            </a:r>
-            <a:r>
-              <a:rPr lang="en-US" sz="1600" b="0" dirty="0">
-                <a:solidFill>
-                  <a:srgbClr val="3B3B3B"/>
-                </a:solidFill>
-                <a:effectLst/>
-                <a:highlight>
-                  <a:srgbClr val="FFFFFF"/>
-                </a:highlight>
-                <a:latin typeface="Consolas" panose="020B0609020204030204" pitchFamily="49" charset="0"/>
-              </a:rPr>
-              <a:t> </a:t>
-            </a:r>
-            <a:r>
-              <a:rPr lang="en-US" sz="1600" b="0" dirty="0" err="1">
-                <a:solidFill>
-                  <a:srgbClr val="795E26"/>
-                </a:solidFill>
-                <a:effectLst/>
-                <a:highlight>
-                  <a:srgbClr val="FFFFFF"/>
-                </a:highlight>
-                <a:latin typeface="Consolas" panose="020B0609020204030204" pitchFamily="49" charset="0"/>
-              </a:rPr>
-              <a:t>MainWindow</a:t>
-            </a:r>
-            <a:r>
-              <a:rPr lang="en-US" sz="1600" b="0" dirty="0">
-                <a:solidFill>
-                  <a:srgbClr val="3B3B3B"/>
-                </a:solidFill>
-                <a:effectLst/>
-                <a:highlight>
-                  <a:srgbClr val="FFFFFF"/>
-                </a:highlight>
-                <a:latin typeface="Consolas" panose="020B0609020204030204" pitchFamily="49" charset="0"/>
-              </a:rPr>
-              <a:t>(</a:t>
-            </a:r>
-            <a:r>
-              <a:rPr lang="en-US" sz="1600" b="0" dirty="0">
-                <a:solidFill>
-                  <a:srgbClr val="267F99"/>
-                </a:solidFill>
-                <a:effectLst/>
-                <a:highlight>
-                  <a:srgbClr val="FFFFFF"/>
-                </a:highlight>
-                <a:latin typeface="Consolas" panose="020B0609020204030204" pitchFamily="49" charset="0"/>
-              </a:rPr>
-              <a:t>String</a:t>
-            </a:r>
-            <a:r>
-              <a:rPr lang="en-US" sz="1600" b="0" dirty="0">
-                <a:solidFill>
-                  <a:srgbClr val="3B3B3B"/>
-                </a:solidFill>
-                <a:effectLst/>
-                <a:highlight>
-                  <a:srgbClr val="FFFFFF"/>
-                </a:highlight>
-                <a:latin typeface="Consolas" panose="020B0609020204030204" pitchFamily="49" charset="0"/>
-              </a:rPr>
-              <a:t> </a:t>
-            </a:r>
-            <a:r>
-              <a:rPr lang="en-US" sz="1600" b="0" dirty="0">
-                <a:solidFill>
-                  <a:srgbClr val="001080"/>
-                </a:solidFill>
-                <a:effectLst/>
-                <a:highlight>
-                  <a:srgbClr val="FFFFFF"/>
-                </a:highlight>
-                <a:latin typeface="Consolas" panose="020B0609020204030204" pitchFamily="49" charset="0"/>
-              </a:rPr>
-              <a:t>title</a:t>
-            </a:r>
-            <a:r>
-              <a:rPr lang="en-US" sz="1600" b="0" dirty="0">
-                <a:solidFill>
-                  <a:srgbClr val="3B3B3B"/>
-                </a:solidFill>
-                <a:effectLst/>
-                <a:highlight>
-                  <a:srgbClr val="FFFFFF"/>
-                </a:highlight>
-                <a:latin typeface="Consolas" panose="020B0609020204030204" pitchFamily="49" charset="0"/>
-              </a:rPr>
-              <a:t>){</a:t>
-            </a:r>
-          </a:p>
-          <a:p>
-            <a:r>
-              <a:rPr lang="en-US" sz="1600" b="0" dirty="0">
-                <a:solidFill>
-                  <a:srgbClr val="3B3B3B"/>
-                </a:solidFill>
-                <a:effectLst/>
-                <a:highlight>
-                  <a:srgbClr val="FFFFFF"/>
-                </a:highlight>
-                <a:latin typeface="Consolas" panose="020B0609020204030204" pitchFamily="49" charset="0"/>
-              </a:rPr>
-              <a:t>        </a:t>
-            </a:r>
-            <a:r>
-              <a:rPr lang="en-US" sz="1600" b="0" dirty="0">
-                <a:solidFill>
-                  <a:srgbClr val="0000FF"/>
-                </a:solidFill>
-                <a:effectLst/>
-                <a:highlight>
-                  <a:srgbClr val="FFFFFF"/>
-                </a:highlight>
-                <a:latin typeface="Consolas" panose="020B0609020204030204" pitchFamily="49" charset="0"/>
-              </a:rPr>
-              <a:t>super</a:t>
-            </a:r>
-            <a:r>
-              <a:rPr lang="en-US" sz="1600" b="0" dirty="0">
-                <a:solidFill>
-                  <a:srgbClr val="3B3B3B"/>
-                </a:solidFill>
-                <a:effectLst/>
-                <a:highlight>
-                  <a:srgbClr val="FFFFFF"/>
-                </a:highlight>
-                <a:latin typeface="Consolas" panose="020B0609020204030204" pitchFamily="49" charset="0"/>
-              </a:rPr>
-              <a:t>(</a:t>
-            </a:r>
-            <a:r>
-              <a:rPr lang="en-US" sz="1600" b="0" dirty="0">
-                <a:solidFill>
-                  <a:srgbClr val="001080"/>
-                </a:solidFill>
-                <a:effectLst/>
-                <a:highlight>
-                  <a:srgbClr val="FFFFFF"/>
-                </a:highlight>
-                <a:latin typeface="Consolas" panose="020B0609020204030204" pitchFamily="49" charset="0"/>
-              </a:rPr>
-              <a:t>title</a:t>
-            </a:r>
-            <a:r>
-              <a:rPr lang="en-US" sz="1600" b="0" dirty="0">
-                <a:solidFill>
-                  <a:srgbClr val="3B3B3B"/>
-                </a:solidFill>
-                <a:effectLst/>
-                <a:highlight>
-                  <a:srgbClr val="FFFFFF"/>
-                </a:highlight>
-                <a:latin typeface="Consolas" panose="020B0609020204030204" pitchFamily="49" charset="0"/>
-              </a:rPr>
-              <a:t>);</a:t>
-            </a:r>
-          </a:p>
-          <a:p>
-            <a:r>
-              <a:rPr lang="en-US" sz="1600" b="0" dirty="0">
-                <a:solidFill>
-                  <a:srgbClr val="3B3B3B"/>
-                </a:solidFill>
-                <a:effectLst/>
-                <a:highlight>
-                  <a:srgbClr val="FFFFFF"/>
-                </a:highlight>
-                <a:latin typeface="Consolas" panose="020B0609020204030204" pitchFamily="49" charset="0"/>
-              </a:rPr>
-              <a:t>        </a:t>
-            </a:r>
-            <a:r>
-              <a:rPr lang="en-US" sz="1600" b="0" dirty="0" err="1">
-                <a:solidFill>
-                  <a:srgbClr val="001080"/>
-                </a:solidFill>
-                <a:effectLst/>
-                <a:highlight>
-                  <a:srgbClr val="FFFFFF"/>
-                </a:highlight>
-                <a:latin typeface="Consolas" panose="020B0609020204030204" pitchFamily="49" charset="0"/>
-              </a:rPr>
-              <a:t>clickCount</a:t>
-            </a:r>
-            <a:r>
-              <a:rPr lang="en-US" sz="1600" b="0" dirty="0">
-                <a:solidFill>
-                  <a:srgbClr val="3B3B3B"/>
-                </a:solidFill>
-                <a:effectLst/>
-                <a:highlight>
-                  <a:srgbClr val="FFFFFF"/>
-                </a:highlight>
-                <a:latin typeface="Consolas" panose="020B0609020204030204" pitchFamily="49" charset="0"/>
-              </a:rPr>
-              <a:t> </a:t>
-            </a:r>
-            <a:r>
-              <a:rPr lang="en-US" sz="1600" b="0" dirty="0">
-                <a:solidFill>
-                  <a:srgbClr val="000000"/>
-                </a:solidFill>
-                <a:effectLst/>
-                <a:highlight>
-                  <a:srgbClr val="FFFFFF"/>
-                </a:highlight>
-                <a:latin typeface="Consolas" panose="020B0609020204030204" pitchFamily="49" charset="0"/>
-              </a:rPr>
-              <a:t>=</a:t>
-            </a:r>
-            <a:r>
-              <a:rPr lang="en-US" sz="1600" b="0" dirty="0">
-                <a:solidFill>
-                  <a:srgbClr val="3B3B3B"/>
-                </a:solidFill>
-                <a:effectLst/>
-                <a:highlight>
-                  <a:srgbClr val="FFFFFF"/>
-                </a:highlight>
-                <a:latin typeface="Consolas" panose="020B0609020204030204" pitchFamily="49" charset="0"/>
-              </a:rPr>
-              <a:t> </a:t>
-            </a:r>
-            <a:r>
-              <a:rPr lang="en-US" sz="1600" b="0" dirty="0">
-                <a:solidFill>
-                  <a:srgbClr val="098658"/>
-                </a:solidFill>
-                <a:effectLst/>
-                <a:highlight>
-                  <a:srgbClr val="FFFFFF"/>
-                </a:highlight>
-                <a:latin typeface="Consolas" panose="020B0609020204030204" pitchFamily="49" charset="0"/>
-              </a:rPr>
-              <a:t>0</a:t>
-            </a:r>
-            <a:r>
-              <a:rPr lang="en-US" sz="1600" b="0" dirty="0">
-                <a:solidFill>
-                  <a:srgbClr val="3B3B3B"/>
-                </a:solidFill>
-                <a:effectLst/>
-                <a:highlight>
-                  <a:srgbClr val="FFFFFF"/>
-                </a:highlight>
-                <a:latin typeface="Consolas" panose="020B0609020204030204" pitchFamily="49" charset="0"/>
-              </a:rPr>
-              <a:t>;</a:t>
-            </a:r>
-          </a:p>
-          <a:p>
-            <a:br>
-              <a:rPr lang="en-US" sz="1600" b="0" dirty="0">
-                <a:solidFill>
-                  <a:srgbClr val="3B3B3B"/>
-                </a:solidFill>
-                <a:effectLst/>
-                <a:highlight>
-                  <a:srgbClr val="FFFFFF"/>
-                </a:highlight>
-                <a:latin typeface="Consolas" panose="020B0609020204030204" pitchFamily="49" charset="0"/>
-              </a:rPr>
-            </a:br>
-            <a:r>
-              <a:rPr lang="en-US" sz="1600" b="0" dirty="0">
-                <a:solidFill>
-                  <a:srgbClr val="3B3B3B"/>
-                </a:solidFill>
-                <a:effectLst/>
-                <a:highlight>
-                  <a:srgbClr val="FFFFFF"/>
-                </a:highlight>
-                <a:latin typeface="Consolas" panose="020B0609020204030204" pitchFamily="49" charset="0"/>
-              </a:rPr>
-              <a:t>        </a:t>
-            </a:r>
-            <a:r>
-              <a:rPr lang="en-US" sz="1600" b="0" dirty="0" err="1">
-                <a:solidFill>
-                  <a:srgbClr val="267F99"/>
-                </a:solidFill>
-                <a:effectLst/>
-                <a:highlight>
-                  <a:srgbClr val="FFFFFF"/>
-                </a:highlight>
-                <a:latin typeface="Consolas" panose="020B0609020204030204" pitchFamily="49" charset="0"/>
-              </a:rPr>
-              <a:t>JButton</a:t>
-            </a:r>
-            <a:r>
-              <a:rPr lang="en-US" sz="1600" b="0" dirty="0">
-                <a:solidFill>
-                  <a:srgbClr val="3B3B3B"/>
-                </a:solidFill>
-                <a:effectLst/>
-                <a:highlight>
-                  <a:srgbClr val="FFFFFF"/>
-                </a:highlight>
-                <a:latin typeface="Consolas" panose="020B0609020204030204" pitchFamily="49" charset="0"/>
-              </a:rPr>
-              <a:t> </a:t>
-            </a:r>
-            <a:r>
-              <a:rPr lang="en-US" sz="1600" b="0" dirty="0" err="1">
-                <a:solidFill>
-                  <a:srgbClr val="001080"/>
-                </a:solidFill>
-                <a:effectLst/>
-                <a:highlight>
-                  <a:srgbClr val="FFFFFF"/>
-                </a:highlight>
-                <a:latin typeface="Consolas" panose="020B0609020204030204" pitchFamily="49" charset="0"/>
-              </a:rPr>
-              <a:t>aButton</a:t>
-            </a:r>
-            <a:r>
-              <a:rPr lang="en-US" sz="1600" b="0" dirty="0">
-                <a:solidFill>
-                  <a:srgbClr val="3B3B3B"/>
-                </a:solidFill>
-                <a:effectLst/>
-                <a:highlight>
-                  <a:srgbClr val="FFFFFF"/>
-                </a:highlight>
-                <a:latin typeface="Consolas" panose="020B0609020204030204" pitchFamily="49" charset="0"/>
-              </a:rPr>
-              <a:t> </a:t>
-            </a:r>
-            <a:r>
-              <a:rPr lang="en-US" sz="1600" b="0" dirty="0">
-                <a:solidFill>
-                  <a:srgbClr val="000000"/>
-                </a:solidFill>
-                <a:effectLst/>
-                <a:highlight>
-                  <a:srgbClr val="FFFFFF"/>
-                </a:highlight>
-                <a:latin typeface="Consolas" panose="020B0609020204030204" pitchFamily="49" charset="0"/>
-              </a:rPr>
-              <a:t>=</a:t>
-            </a:r>
-            <a:r>
-              <a:rPr lang="en-US" sz="1600" b="0" dirty="0">
-                <a:solidFill>
-                  <a:srgbClr val="3B3B3B"/>
-                </a:solidFill>
-                <a:effectLst/>
-                <a:highlight>
-                  <a:srgbClr val="FFFFFF"/>
-                </a:highlight>
-                <a:latin typeface="Consolas" panose="020B0609020204030204" pitchFamily="49" charset="0"/>
-              </a:rPr>
-              <a:t> </a:t>
-            </a:r>
-            <a:r>
-              <a:rPr lang="en-US" sz="1600" b="0" dirty="0">
-                <a:solidFill>
-                  <a:srgbClr val="AF00DB"/>
-                </a:solidFill>
-                <a:effectLst/>
-                <a:highlight>
-                  <a:srgbClr val="FFFFFF"/>
-                </a:highlight>
-                <a:latin typeface="Consolas" panose="020B0609020204030204" pitchFamily="49" charset="0"/>
-              </a:rPr>
-              <a:t>new</a:t>
-            </a:r>
-            <a:r>
-              <a:rPr lang="en-US" sz="1600" b="0" dirty="0">
-                <a:solidFill>
-                  <a:srgbClr val="3B3B3B"/>
-                </a:solidFill>
-                <a:effectLst/>
-                <a:highlight>
-                  <a:srgbClr val="FFFFFF"/>
-                </a:highlight>
-                <a:latin typeface="Consolas" panose="020B0609020204030204" pitchFamily="49" charset="0"/>
-              </a:rPr>
-              <a:t> </a:t>
-            </a:r>
-            <a:r>
-              <a:rPr lang="en-US" sz="1600" b="0" dirty="0" err="1">
-                <a:solidFill>
-                  <a:srgbClr val="795E26"/>
-                </a:solidFill>
-                <a:effectLst/>
-                <a:highlight>
-                  <a:srgbClr val="FFFFFF"/>
-                </a:highlight>
-                <a:latin typeface="Consolas" panose="020B0609020204030204" pitchFamily="49" charset="0"/>
-              </a:rPr>
-              <a:t>JButton</a:t>
-            </a:r>
-            <a:r>
-              <a:rPr lang="en-US" sz="1600" b="0" dirty="0">
-                <a:solidFill>
-                  <a:srgbClr val="3B3B3B"/>
-                </a:solidFill>
-                <a:effectLst/>
-                <a:highlight>
-                  <a:srgbClr val="FFFFFF"/>
-                </a:highlight>
-                <a:latin typeface="Consolas" panose="020B0609020204030204" pitchFamily="49" charset="0"/>
-              </a:rPr>
-              <a:t>(</a:t>
-            </a:r>
-            <a:r>
-              <a:rPr lang="en-US" sz="1600" b="0" dirty="0">
-                <a:solidFill>
-                  <a:srgbClr val="A31515"/>
-                </a:solidFill>
-                <a:effectLst/>
-                <a:highlight>
-                  <a:srgbClr val="FFFFFF"/>
-                </a:highlight>
-                <a:latin typeface="Consolas" panose="020B0609020204030204" pitchFamily="49" charset="0"/>
-              </a:rPr>
-              <a:t>"Click me!"</a:t>
-            </a:r>
-            <a:r>
-              <a:rPr lang="en-US" sz="1600" b="0" dirty="0">
-                <a:solidFill>
-                  <a:srgbClr val="3B3B3B"/>
-                </a:solidFill>
-                <a:effectLst/>
-                <a:highlight>
-                  <a:srgbClr val="FFFFFF"/>
-                </a:highlight>
-                <a:latin typeface="Consolas" panose="020B0609020204030204" pitchFamily="49" charset="0"/>
-              </a:rPr>
-              <a:t>);</a:t>
-            </a:r>
-          </a:p>
-          <a:p>
-            <a:r>
-              <a:rPr lang="en-US" sz="1600" b="0" dirty="0">
-                <a:solidFill>
-                  <a:srgbClr val="3B3B3B"/>
-                </a:solidFill>
-                <a:effectLst/>
-                <a:highlight>
-                  <a:srgbClr val="FFFFFF"/>
-                </a:highlight>
-                <a:latin typeface="Consolas" panose="020B0609020204030204" pitchFamily="49" charset="0"/>
-              </a:rPr>
-              <a:t>        </a:t>
-            </a:r>
-            <a:r>
-              <a:rPr lang="en-US" sz="1600" b="0" dirty="0" err="1">
-                <a:solidFill>
-                  <a:srgbClr val="0000FF"/>
-                </a:solidFill>
-                <a:effectLst/>
-                <a:highlight>
-                  <a:srgbClr val="FFFFFF"/>
-                </a:highlight>
-                <a:latin typeface="Consolas" panose="020B0609020204030204" pitchFamily="49" charset="0"/>
-              </a:rPr>
-              <a:t>this</a:t>
-            </a:r>
-            <a:r>
-              <a:rPr lang="en-US" sz="1600" b="0" dirty="0" err="1">
-                <a:solidFill>
-                  <a:srgbClr val="3B3B3B"/>
-                </a:solidFill>
-                <a:effectLst/>
-                <a:highlight>
-                  <a:srgbClr val="FFFFFF"/>
-                </a:highlight>
-                <a:latin typeface="Consolas" panose="020B0609020204030204" pitchFamily="49" charset="0"/>
-              </a:rPr>
-              <a:t>.</a:t>
-            </a:r>
-            <a:r>
-              <a:rPr lang="en-US" sz="1600" b="0" dirty="0" err="1">
-                <a:solidFill>
-                  <a:srgbClr val="795E26"/>
-                </a:solidFill>
-                <a:effectLst/>
-                <a:highlight>
-                  <a:srgbClr val="FFFFFF"/>
-                </a:highlight>
-                <a:latin typeface="Consolas" panose="020B0609020204030204" pitchFamily="49" charset="0"/>
-              </a:rPr>
-              <a:t>add</a:t>
-            </a:r>
-            <a:r>
-              <a:rPr lang="en-US" sz="1600" b="0" dirty="0">
-                <a:solidFill>
-                  <a:srgbClr val="3B3B3B"/>
-                </a:solidFill>
-                <a:effectLst/>
-                <a:highlight>
-                  <a:srgbClr val="FFFFFF"/>
-                </a:highlight>
-                <a:latin typeface="Consolas" panose="020B0609020204030204" pitchFamily="49" charset="0"/>
-              </a:rPr>
-              <a:t>(</a:t>
-            </a:r>
-            <a:r>
-              <a:rPr lang="en-US" sz="1600" b="0" dirty="0" err="1">
-                <a:solidFill>
-                  <a:srgbClr val="001080"/>
-                </a:solidFill>
-                <a:effectLst/>
-                <a:highlight>
-                  <a:srgbClr val="FFFFFF"/>
-                </a:highlight>
-                <a:latin typeface="Consolas" panose="020B0609020204030204" pitchFamily="49" charset="0"/>
-              </a:rPr>
-              <a:t>aButton</a:t>
-            </a:r>
-            <a:r>
-              <a:rPr lang="en-US" sz="1600" b="0" dirty="0">
-                <a:solidFill>
-                  <a:srgbClr val="3B3B3B"/>
-                </a:solidFill>
-                <a:effectLst/>
-                <a:highlight>
-                  <a:srgbClr val="FFFFFF"/>
-                </a:highlight>
-                <a:latin typeface="Consolas" panose="020B0609020204030204" pitchFamily="49" charset="0"/>
-              </a:rPr>
-              <a:t>);</a:t>
-            </a:r>
-          </a:p>
-          <a:p>
-            <a:r>
-              <a:rPr lang="en-US" sz="1600" b="0" dirty="0">
-                <a:solidFill>
-                  <a:srgbClr val="3B3B3B"/>
-                </a:solidFill>
-                <a:effectLst/>
-                <a:highlight>
-                  <a:srgbClr val="FFFFFF"/>
-                </a:highlight>
-                <a:latin typeface="Consolas" panose="020B0609020204030204" pitchFamily="49" charset="0"/>
-              </a:rPr>
-              <a:t>        </a:t>
-            </a:r>
-            <a:r>
-              <a:rPr lang="en-US" sz="1600" b="0" dirty="0" err="1">
-                <a:solidFill>
-                  <a:srgbClr val="267F99"/>
-                </a:solidFill>
-                <a:effectLst/>
-                <a:highlight>
-                  <a:srgbClr val="FFFFFF"/>
-                </a:highlight>
-                <a:latin typeface="Consolas" panose="020B0609020204030204" pitchFamily="49" charset="0"/>
-              </a:rPr>
-              <a:t>JButton</a:t>
-            </a:r>
-            <a:r>
-              <a:rPr lang="en-US" sz="1600" b="0" dirty="0">
-                <a:solidFill>
-                  <a:srgbClr val="3B3B3B"/>
-                </a:solidFill>
-                <a:effectLst/>
-                <a:highlight>
-                  <a:srgbClr val="FFFFFF"/>
-                </a:highlight>
-                <a:latin typeface="Consolas" panose="020B0609020204030204" pitchFamily="49" charset="0"/>
-              </a:rPr>
-              <a:t> </a:t>
-            </a:r>
-            <a:r>
-              <a:rPr lang="en-US" sz="1600" b="0" dirty="0" err="1">
-                <a:solidFill>
-                  <a:srgbClr val="001080"/>
-                </a:solidFill>
-                <a:effectLst/>
-                <a:highlight>
-                  <a:srgbClr val="FFFFFF"/>
-                </a:highlight>
-                <a:latin typeface="Consolas" panose="020B0609020204030204" pitchFamily="49" charset="0"/>
-              </a:rPr>
-              <a:t>otherButton</a:t>
-            </a:r>
-            <a:r>
-              <a:rPr lang="en-US" sz="1600" b="0" dirty="0">
-                <a:solidFill>
-                  <a:srgbClr val="3B3B3B"/>
-                </a:solidFill>
-                <a:effectLst/>
-                <a:highlight>
-                  <a:srgbClr val="FFFFFF"/>
-                </a:highlight>
-                <a:latin typeface="Consolas" panose="020B0609020204030204" pitchFamily="49" charset="0"/>
-              </a:rPr>
-              <a:t> </a:t>
-            </a:r>
-            <a:r>
-              <a:rPr lang="en-US" sz="1600" b="0" dirty="0">
-                <a:solidFill>
-                  <a:srgbClr val="000000"/>
-                </a:solidFill>
-                <a:effectLst/>
-                <a:highlight>
-                  <a:srgbClr val="FFFFFF"/>
-                </a:highlight>
-                <a:latin typeface="Consolas" panose="020B0609020204030204" pitchFamily="49" charset="0"/>
-              </a:rPr>
-              <a:t>=</a:t>
-            </a:r>
-            <a:r>
-              <a:rPr lang="en-US" sz="1600" b="0" dirty="0">
-                <a:solidFill>
-                  <a:srgbClr val="3B3B3B"/>
-                </a:solidFill>
-                <a:effectLst/>
-                <a:highlight>
-                  <a:srgbClr val="FFFFFF"/>
-                </a:highlight>
-                <a:latin typeface="Consolas" panose="020B0609020204030204" pitchFamily="49" charset="0"/>
-              </a:rPr>
-              <a:t> </a:t>
-            </a:r>
-            <a:r>
-              <a:rPr lang="en-US" sz="1600" b="0" dirty="0">
-                <a:solidFill>
-                  <a:srgbClr val="AF00DB"/>
-                </a:solidFill>
-                <a:effectLst/>
-                <a:highlight>
-                  <a:srgbClr val="FFFFFF"/>
-                </a:highlight>
-                <a:latin typeface="Consolas" panose="020B0609020204030204" pitchFamily="49" charset="0"/>
-              </a:rPr>
-              <a:t>new</a:t>
-            </a:r>
-            <a:r>
-              <a:rPr lang="en-US" sz="1600" b="0" dirty="0">
-                <a:solidFill>
-                  <a:srgbClr val="3B3B3B"/>
-                </a:solidFill>
-                <a:effectLst/>
-                <a:highlight>
-                  <a:srgbClr val="FFFFFF"/>
-                </a:highlight>
-                <a:latin typeface="Consolas" panose="020B0609020204030204" pitchFamily="49" charset="0"/>
-              </a:rPr>
-              <a:t> </a:t>
-            </a:r>
-            <a:r>
-              <a:rPr lang="en-US" sz="1600" b="0" dirty="0" err="1">
-                <a:solidFill>
-                  <a:srgbClr val="795E26"/>
-                </a:solidFill>
-                <a:effectLst/>
-                <a:highlight>
-                  <a:srgbClr val="FFFFFF"/>
-                </a:highlight>
-                <a:latin typeface="Consolas" panose="020B0609020204030204" pitchFamily="49" charset="0"/>
-              </a:rPr>
-              <a:t>JButton</a:t>
-            </a:r>
-            <a:r>
-              <a:rPr lang="en-US" sz="1600" b="0" dirty="0">
-                <a:solidFill>
-                  <a:srgbClr val="3B3B3B"/>
-                </a:solidFill>
-                <a:effectLst/>
-                <a:highlight>
-                  <a:srgbClr val="FFFFFF"/>
-                </a:highlight>
-                <a:latin typeface="Consolas" panose="020B0609020204030204" pitchFamily="49" charset="0"/>
-              </a:rPr>
-              <a:t>(</a:t>
-            </a:r>
-            <a:r>
-              <a:rPr lang="en-US" sz="1600" b="0" dirty="0">
-                <a:solidFill>
-                  <a:srgbClr val="A31515"/>
-                </a:solidFill>
-                <a:effectLst/>
-                <a:highlight>
-                  <a:srgbClr val="FFFFFF"/>
-                </a:highlight>
-                <a:latin typeface="Consolas" panose="020B0609020204030204" pitchFamily="49" charset="0"/>
-              </a:rPr>
-              <a:t>"Click me too!"</a:t>
-            </a:r>
-            <a:r>
-              <a:rPr lang="en-US" sz="1600" b="0" dirty="0">
-                <a:solidFill>
-                  <a:srgbClr val="3B3B3B"/>
-                </a:solidFill>
-                <a:effectLst/>
-                <a:highlight>
-                  <a:srgbClr val="FFFFFF"/>
-                </a:highlight>
-                <a:latin typeface="Consolas" panose="020B0609020204030204" pitchFamily="49" charset="0"/>
-              </a:rPr>
-              <a:t>);</a:t>
-            </a:r>
-          </a:p>
-          <a:p>
-            <a:r>
-              <a:rPr lang="en-US" sz="1600" b="0" dirty="0">
-                <a:solidFill>
-                  <a:srgbClr val="3B3B3B"/>
-                </a:solidFill>
-                <a:effectLst/>
-                <a:highlight>
-                  <a:srgbClr val="FFFFFF"/>
-                </a:highlight>
-                <a:latin typeface="Consolas" panose="020B0609020204030204" pitchFamily="49" charset="0"/>
-              </a:rPr>
-              <a:t>        </a:t>
-            </a:r>
-            <a:r>
-              <a:rPr lang="en-US" sz="1600" b="0" dirty="0" err="1">
-                <a:solidFill>
-                  <a:srgbClr val="0000FF"/>
-                </a:solidFill>
-                <a:effectLst/>
-                <a:highlight>
-                  <a:srgbClr val="FFFFFF"/>
-                </a:highlight>
-                <a:latin typeface="Consolas" panose="020B0609020204030204" pitchFamily="49" charset="0"/>
-              </a:rPr>
-              <a:t>this</a:t>
-            </a:r>
-            <a:r>
-              <a:rPr lang="en-US" sz="1600" b="0" dirty="0" err="1">
-                <a:solidFill>
-                  <a:srgbClr val="3B3B3B"/>
-                </a:solidFill>
-                <a:effectLst/>
-                <a:highlight>
-                  <a:srgbClr val="FFFFFF"/>
-                </a:highlight>
-                <a:latin typeface="Consolas" panose="020B0609020204030204" pitchFamily="49" charset="0"/>
-              </a:rPr>
-              <a:t>.</a:t>
-            </a:r>
-            <a:r>
-              <a:rPr lang="en-US" sz="1600" b="0" dirty="0" err="1">
-                <a:solidFill>
-                  <a:srgbClr val="795E26"/>
-                </a:solidFill>
-                <a:effectLst/>
-                <a:highlight>
-                  <a:srgbClr val="FFFFFF"/>
-                </a:highlight>
-                <a:latin typeface="Consolas" panose="020B0609020204030204" pitchFamily="49" charset="0"/>
-              </a:rPr>
-              <a:t>add</a:t>
-            </a:r>
-            <a:r>
-              <a:rPr lang="en-US" sz="1600" b="0" dirty="0">
-                <a:solidFill>
-                  <a:srgbClr val="3B3B3B"/>
-                </a:solidFill>
-                <a:effectLst/>
-                <a:highlight>
-                  <a:srgbClr val="FFFFFF"/>
-                </a:highlight>
-                <a:latin typeface="Consolas" panose="020B0609020204030204" pitchFamily="49" charset="0"/>
-              </a:rPr>
-              <a:t>(</a:t>
-            </a:r>
-            <a:r>
-              <a:rPr lang="en-US" sz="1600" b="0" dirty="0" err="1">
-                <a:solidFill>
-                  <a:srgbClr val="001080"/>
-                </a:solidFill>
-                <a:effectLst/>
-                <a:highlight>
-                  <a:srgbClr val="FFFFFF"/>
-                </a:highlight>
-                <a:latin typeface="Consolas" panose="020B0609020204030204" pitchFamily="49" charset="0"/>
-              </a:rPr>
-              <a:t>otherButton</a:t>
-            </a:r>
-            <a:r>
-              <a:rPr lang="en-US" sz="1600" b="0" dirty="0">
-                <a:solidFill>
-                  <a:srgbClr val="3B3B3B"/>
-                </a:solidFill>
-                <a:effectLst/>
-                <a:highlight>
-                  <a:srgbClr val="FFFFFF"/>
-                </a:highlight>
-                <a:latin typeface="Consolas" panose="020B0609020204030204" pitchFamily="49" charset="0"/>
-              </a:rPr>
-              <a:t>);</a:t>
-            </a:r>
-          </a:p>
-          <a:p>
-            <a:br>
-              <a:rPr lang="en-US" sz="1600" b="0" dirty="0">
-                <a:solidFill>
-                  <a:srgbClr val="3B3B3B"/>
-                </a:solidFill>
-                <a:effectLst/>
-                <a:highlight>
-                  <a:srgbClr val="FFFFFF"/>
-                </a:highlight>
-                <a:latin typeface="Consolas" panose="020B0609020204030204" pitchFamily="49" charset="0"/>
-              </a:rPr>
-            </a:br>
-            <a:r>
-              <a:rPr lang="en-US" sz="1600" b="0" dirty="0">
-                <a:solidFill>
-                  <a:srgbClr val="3B3B3B"/>
-                </a:solidFill>
-                <a:effectLst/>
-                <a:highlight>
-                  <a:srgbClr val="FFFFFF"/>
-                </a:highlight>
-                <a:latin typeface="Consolas" panose="020B0609020204030204" pitchFamily="49" charset="0"/>
-              </a:rPr>
-              <a:t>    }</a:t>
-            </a:r>
-          </a:p>
-        </p:txBody>
-      </p:sp>
-      <p:pic>
-        <p:nvPicPr>
-          <p:cNvPr id="8" name="Picture 7" descr="A black and white logo of a person making a &quot;hush&quot; gesture.">
-            <a:extLst>
-              <a:ext uri="{FF2B5EF4-FFF2-40B4-BE49-F238E27FC236}">
-                <a16:creationId xmlns:a16="http://schemas.microsoft.com/office/drawing/2014/main" id="{CB24AD74-9522-15A2-ADA7-5EE3F1BFDEBB}"/>
+                <a16:creationId xmlns:a16="http://schemas.microsoft.com/office/drawing/2014/main" id="{17824768-26B6-2D88-2710-2867956A6A1D}"/>
               </a:ext>
             </a:extLst>
           </p:cNvPr>
@@ -13063,85 +11957,25 @@
           <p:nvPr/>
         </p:nvPicPr>
         <p:blipFill>
-          <a:blip r:embed="rId2">
-            <a:clrChange>
-              <a:clrFrom>
-                <a:srgbClr val="FFFFFF"/>
-              </a:clrFrom>
-              <a:clrTo>
-                <a:srgbClr val="FFFFFF">
-                  <a:alpha val="0"/>
-                </a:srgbClr>
-              </a:clrTo>
-            </a:clrChange>
-          </a:blip>
-          <a:srcRect l="31111" t="30000" r="31111" b="31111"/>
-          <a:stretch/>
+          <a:blip r:embed="rId2"/>
+          <a:stretch>
+            <a:fillRect/>
+          </a:stretch>
         </p:blipFill>
         <p:spPr>
           <a:xfrm>
-            <a:off x="6949998" y="2081000"/>
-            <a:ext cx="685800" cy="705971"/>
+            <a:off x="3162103" y="3429000"/>
+            <a:ext cx="2819794" cy="1457528"/>
           </a:xfrm>
           <a:prstGeom prst="rect">
             <a:avLst/>
           </a:prstGeom>
         </p:spPr>
       </p:pic>
-      <p:sp>
-        <p:nvSpPr>
-          <p:cNvPr id="10" name="Speech Bubble: Oval 9">
-            <a:extLst>
-              <a:ext uri="{FF2B5EF4-FFF2-40B4-BE49-F238E27FC236}">
-                <a16:creationId xmlns:a16="http://schemas.microsoft.com/office/drawing/2014/main" id="{2C4815EF-9018-6856-0359-FBDE03CA5EF9}"/>
-              </a:ext>
-            </a:extLst>
-          </p:cNvPr>
-          <p:cNvSpPr/>
-          <p:nvPr/>
-        </p:nvSpPr>
-        <p:spPr>
-          <a:xfrm>
-            <a:off x="7292898" y="462235"/>
-            <a:ext cx="1676400" cy="1447800"/>
-          </a:xfrm>
-          <a:prstGeom prst="wedgeEllipseCallout">
-            <a:avLst>
-              <a:gd name="adj1" fmla="val -38128"/>
-              <a:gd name="adj2" fmla="val 63013"/>
-            </a:avLst>
-          </a:prstGeom>
-        </p:spPr>
-        <p:style>
-          <a:lnRef idx="2">
-            <a:schemeClr val="dk1"/>
-          </a:lnRef>
-          <a:fillRef idx="1">
-            <a:schemeClr val="lt1"/>
-          </a:fillRef>
-          <a:effectRef idx="0">
-            <a:schemeClr val="dk1"/>
-          </a:effectRef>
-          <a:fontRef idx="minor">
-            <a:schemeClr val="dk1"/>
-          </a:fontRef>
-        </p:style>
-        <p:txBody>
-          <a:bodyPr rtlCol="0" anchor="ctr"/>
-          <a:lstStyle/>
-          <a:p>
-            <a:pPr algn="ctr"/>
-            <a:r>
-              <a:rPr lang="en-US" sz="1600" dirty="0"/>
-              <a:t>I’m lying, but we’ll get to that later.</a:t>
-            </a:r>
-          </a:p>
-        </p:txBody>
-      </p:sp>
     </p:spTree>
     <p:extLst>
       <p:ext uri="{BB962C8B-B14F-4D97-AF65-F5344CB8AC3E}">
-        <p14:creationId xmlns:p14="http://schemas.microsoft.com/office/powerpoint/2010/main" val="1554973696"/>
+        <p14:creationId xmlns:p14="http://schemas.microsoft.com/office/powerpoint/2010/main" val="2787997700"/>
       </p:ext>
     </p:extLst>
   </p:cSld>
@@ -13227,7 +12061,7 @@
         <p:spPr>
           <a:xfrm>
             <a:off x="381000" y="1219200"/>
-            <a:ext cx="8382000" cy="4267200"/>
+            <a:ext cx="8382000" cy="1068341"/>
           </a:xfrm>
         </p:spPr>
         <p:txBody>
@@ -13235,12 +12069,16 @@
           <a:lstStyle/>
           <a:p>
             <a:r>
+              <a:rPr lang="en-US" dirty="0"/>
+              <a:t>The default layout manager is called </a:t>
+            </a:r>
+            <a:r>
               <a:rPr lang="en-US" dirty="0" err="1"/>
-              <a:t>JPanel</a:t>
+              <a:t>FlowLayout</a:t>
             </a:r>
             <a:r>
               <a:rPr lang="en-US" dirty="0"/>
-              <a:t> can hold all kinds of GUI elements and allows you to set a Layout Manager to keep them nicely arranged.</a:t>
+              <a:t>.  We’ll see some others soon.</a:t>
             </a:r>
           </a:p>
         </p:txBody>
@@ -13302,209 +12140,6 @@
               <a:rPr lang="en-US" altLang="en-US" smtClean="0"/>
               <a:pPr/>
               <a:t>11</a:t>
-            </a:fld>
-            <a:endParaRPr lang="en-US" altLang="en-US"/>
-          </a:p>
-        </p:txBody>
-      </p:sp>
-      <p:pic>
-        <p:nvPicPr>
-          <p:cNvPr id="7" name="Picture 6">
-            <a:extLst>
-              <a:ext uri="{FF2B5EF4-FFF2-40B4-BE49-F238E27FC236}">
-                <a16:creationId xmlns:a16="http://schemas.microsoft.com/office/drawing/2014/main" id="{17824768-26B6-2D88-2710-2867956A6A1D}"/>
-              </a:ext>
-            </a:extLst>
-          </p:cNvPr>
-          <p:cNvPicPr>
-            <a:picLocks noChangeAspect="1"/>
-          </p:cNvPicPr>
-          <p:nvPr/>
-        </p:nvPicPr>
-        <p:blipFill>
-          <a:blip r:embed="rId2"/>
-          <a:stretch>
-            <a:fillRect/>
-          </a:stretch>
-        </p:blipFill>
-        <p:spPr>
-          <a:xfrm>
-            <a:off x="3162103" y="3429000"/>
-            <a:ext cx="2819794" cy="1457528"/>
-          </a:xfrm>
-          <a:prstGeom prst="rect">
-            <a:avLst/>
-          </a:prstGeom>
-        </p:spPr>
-      </p:pic>
-    </p:spTree>
-    <p:extLst>
-      <p:ext uri="{BB962C8B-B14F-4D97-AF65-F5344CB8AC3E}">
-        <p14:creationId xmlns:p14="http://schemas.microsoft.com/office/powerpoint/2010/main" val="2787997700"/>
-      </p:ext>
-    </p:extLst>
-  </p:cSld>
-  <p:clrMapOvr>
-    <a:masterClrMapping/>
-  </p:clrMapOvr>
-</p:sld>
-</file>
-
-<file path=ppt/slides/slide12.xml><?xml version="1.0" encoding="utf-8"?>
-<p:sld xmlns:a="http://schemas.openxmlformats.org/drawingml/2006/main" xmlns:r="http://schemas.openxmlformats.org/officeDocument/2006/relationships" xmlns:p="http://schemas.openxmlformats.org/presentationml/2006/main">
-  <p:cSld>
-    <p:spTree>
-      <p:nvGrpSpPr>
-        <p:cNvPr id="1" name=""/>
-        <p:cNvGrpSpPr/>
-        <p:nvPr/>
-      </p:nvGrpSpPr>
-      <p:grpSpPr>
-        <a:xfrm>
-          <a:off x="0" y="0"/>
-          <a:ext cx="0" cy="0"/>
-          <a:chOff x="0" y="0"/>
-          <a:chExt cx="0" cy="0"/>
-        </a:xfrm>
-      </p:grpSpPr>
-      <p:sp>
-        <p:nvSpPr>
-          <p:cNvPr id="2" name="Title 1">
-            <a:extLst>
-              <a:ext uri="{FF2B5EF4-FFF2-40B4-BE49-F238E27FC236}">
-                <a16:creationId xmlns:a16="http://schemas.microsoft.com/office/drawing/2014/main" id="{947FB863-AC46-3B0A-0FE2-87D6C447E39B}"/>
-              </a:ext>
-            </a:extLst>
-          </p:cNvPr>
-          <p:cNvSpPr>
-            <a:spLocks noGrp="1"/>
-          </p:cNvSpPr>
-          <p:nvPr>
-            <p:ph type="title"/>
-          </p:nvPr>
-        </p:nvSpPr>
-        <p:spPr/>
-        <p:txBody>
-          <a:bodyPr/>
-          <a:lstStyle/>
-          <a:p>
-            <a:r>
-              <a:rPr lang="en-US" dirty="0" err="1"/>
-              <a:t>JPanel</a:t>
-            </a:r>
-            <a:r>
-              <a:rPr lang="en-US" dirty="0"/>
-              <a:t> </a:t>
-            </a:r>
-            <a:r>
-              <a:rPr lang="en-US" sz="2400" dirty="0"/>
-              <a:t>(and Layout Managers) </a:t>
-            </a:r>
-            <a:r>
-              <a:rPr lang="en-US" dirty="0"/>
-              <a:t>to the Rescue!</a:t>
-            </a:r>
-          </a:p>
-        </p:txBody>
-      </p:sp>
-      <p:sp>
-        <p:nvSpPr>
-          <p:cNvPr id="3" name="Content Placeholder 2">
-            <a:extLst>
-              <a:ext uri="{FF2B5EF4-FFF2-40B4-BE49-F238E27FC236}">
-                <a16:creationId xmlns:a16="http://schemas.microsoft.com/office/drawing/2014/main" id="{EB385DE7-85B1-BCA8-8682-510352321CD7}"/>
-              </a:ext>
-            </a:extLst>
-          </p:cNvPr>
-          <p:cNvSpPr>
-            <a:spLocks noGrp="1"/>
-          </p:cNvSpPr>
-          <p:nvPr>
-            <p:ph idx="1"/>
-          </p:nvPr>
-        </p:nvSpPr>
-        <p:spPr>
-          <a:xfrm>
-            <a:off x="381000" y="1219200"/>
-            <a:ext cx="8382000" cy="1068341"/>
-          </a:xfrm>
-        </p:spPr>
-        <p:txBody>
-          <a:bodyPr/>
-          <a:lstStyle/>
-          <a:p>
-            <a:r>
-              <a:rPr lang="en-US" dirty="0"/>
-              <a:t>The default layout manager is called </a:t>
-            </a:r>
-            <a:r>
-              <a:rPr lang="en-US" dirty="0" err="1"/>
-              <a:t>FlowLayout</a:t>
-            </a:r>
-            <a:r>
-              <a:rPr lang="en-US" dirty="0"/>
-              <a:t>.  We’ll see some others soon.</a:t>
-            </a:r>
-          </a:p>
-        </p:txBody>
-      </p:sp>
-      <p:sp>
-        <p:nvSpPr>
-          <p:cNvPr id="4" name="Footer Placeholder 3">
-            <a:extLst>
-              <a:ext uri="{FF2B5EF4-FFF2-40B4-BE49-F238E27FC236}">
-                <a16:creationId xmlns:a16="http://schemas.microsoft.com/office/drawing/2014/main" id="{805FD0F8-8821-0DCB-F732-22E450D6C9A9}"/>
-              </a:ext>
-            </a:extLst>
-          </p:cNvPr>
-          <p:cNvSpPr>
-            <a:spLocks noGrp="1"/>
-          </p:cNvSpPr>
-          <p:nvPr>
-            <p:ph type="ftr" sz="quarter" idx="10"/>
-          </p:nvPr>
-        </p:nvSpPr>
-        <p:spPr/>
-        <p:txBody>
-          <a:bodyPr/>
-          <a:lstStyle/>
-          <a:p>
-            <a:pPr>
-              <a:defRPr/>
-            </a:pPr>
-            <a:r>
-              <a:rPr lang="fr-FR" altLang="en-US"/>
-              <a:t>CS 1181 – Computer Science II    Dr. Michael Raymer</a:t>
-            </a:r>
-            <a:endParaRPr lang="en-US" altLang="en-US" dirty="0"/>
-          </a:p>
-        </p:txBody>
-      </p:sp>
-      <p:sp>
-        <p:nvSpPr>
-          <p:cNvPr id="5" name="Slide Number Placeholder 4">
-            <a:extLst>
-              <a:ext uri="{FF2B5EF4-FFF2-40B4-BE49-F238E27FC236}">
-                <a16:creationId xmlns:a16="http://schemas.microsoft.com/office/drawing/2014/main" id="{32151D0E-23AF-B1AB-3FCC-DFFEDF4BDC3E}"/>
-              </a:ext>
-            </a:extLst>
-          </p:cNvPr>
-          <p:cNvSpPr>
-            <a:spLocks noGrp="1"/>
-          </p:cNvSpPr>
-          <p:nvPr>
-            <p:ph type="sldNum" sz="quarter" idx="11"/>
-          </p:nvPr>
-        </p:nvSpPr>
-        <p:spPr/>
-        <p:txBody>
-          <a:bodyPr/>
-          <a:lstStyle/>
-          <a:p>
-            <a:fld id="{19B0E89C-C97D-402E-B9E0-A1BE29AA681C}" type="slidenum">
-              <a:rPr lang="en-US" altLang="en-US" smtClean="0"/>
-              <a:pPr/>
-              <a:t>12</a:t>
             </a:fld>
             <a:endParaRPr lang="en-US" altLang="en-US"/>
           </a:p>
@@ -14832,7 +13467,7 @@
 </p:sld>
 </file>
 
-<file path=ppt/slides/slide13.xml><?xml version="1.0" encoding="utf-8"?>
+<file path=ppt/slides/slide12.xml><?xml version="1.0" encoding="utf-8"?>
 <p:sld xmlns:a="http://schemas.openxmlformats.org/drawingml/2006/main" xmlns:r="http://schemas.openxmlformats.org/officeDocument/2006/relationships" xmlns:p="http://schemas.openxmlformats.org/presentationml/2006/main">
   <p:cSld>
     <p:spTree>
@@ -14980,7 +13615,7 @@
             <a:fld id="{19B0E89C-C97D-402E-B9E0-A1BE29AA681C}" type="slidenum">
               <a:rPr lang="en-US" altLang="en-US" smtClean="0"/>
               <a:pPr/>
-              <a:t>13</a:t>
+              <a:t>12</a:t>
             </a:fld>
             <a:endParaRPr lang="en-US" altLang="en-US"/>
           </a:p>
@@ -15714,7 +14349,7 @@
 </p:sld>
 </file>
 
-<file path=ppt/slides/slide14.xml><?xml version="1.0" encoding="utf-8"?>
+<file path=ppt/slides/slide13.xml><?xml version="1.0" encoding="utf-8"?>
 <p:sld xmlns:a="http://schemas.openxmlformats.org/drawingml/2006/main" xmlns:r="http://schemas.openxmlformats.org/officeDocument/2006/relationships" xmlns:p="http://schemas.openxmlformats.org/presentationml/2006/main">
   <p:cSld>
     <p:spTree>
@@ -15848,7 +14483,7 @@
             <a:fld id="{19B0E89C-C97D-402E-B9E0-A1BE29AA681C}" type="slidenum">
               <a:rPr lang="en-US" altLang="en-US" smtClean="0"/>
               <a:pPr/>
-              <a:t>14</a:t>
+              <a:t>13</a:t>
             </a:fld>
             <a:endParaRPr lang="en-US" altLang="en-US"/>
           </a:p>
@@ -16678,7 +15313,7 @@
 </p:sld>
 </file>
 
-<file path=ppt/slides/slide15.xml><?xml version="1.0" encoding="utf-8"?>
+<file path=ppt/slides/slide14.xml><?xml version="1.0" encoding="utf-8"?>
 <p:sld xmlns:a="http://schemas.openxmlformats.org/drawingml/2006/main" xmlns:r="http://schemas.openxmlformats.org/officeDocument/2006/relationships" xmlns:p="http://schemas.openxmlformats.org/presentationml/2006/main">
   <p:cSld>
     <p:spTree>
@@ -16843,7 +15478,7 @@
             <a:fld id="{19B0E89C-C97D-402E-B9E0-A1BE29AA681C}" type="slidenum">
               <a:rPr lang="en-US" altLang="en-US" smtClean="0"/>
               <a:pPr/>
-              <a:t>15</a:t>
+              <a:t>14</a:t>
             </a:fld>
             <a:endParaRPr lang="en-US" altLang="en-US"/>
           </a:p>
@@ -18243,7 +16878,7 @@
 </p:sld>
 </file>
 
-<file path=ppt/slides/slide16.xml><?xml version="1.0" encoding="utf-8"?>
+<file path=ppt/slides/slide15.xml><?xml version="1.0" encoding="utf-8"?>
 <p:sld xmlns:a="http://schemas.openxmlformats.org/drawingml/2006/main" xmlns:r="http://schemas.openxmlformats.org/officeDocument/2006/relationships" xmlns:p="http://schemas.openxmlformats.org/presentationml/2006/main">
   <p:cSld>
     <p:spTree>
@@ -18344,7 +16979,7 @@
             <a:fld id="{19B0E89C-C97D-402E-B9E0-A1BE29AA681C}" type="slidenum">
               <a:rPr lang="en-US" altLang="en-US" smtClean="0"/>
               <a:pPr/>
-              <a:t>16</a:t>
+              <a:t>15</a:t>
             </a:fld>
             <a:endParaRPr lang="en-US" altLang="en-US"/>
           </a:p>
@@ -20789,7 +19424,7 @@
 </p:sld>
 </file>
 
-<file path=ppt/slides/slide17.xml><?xml version="1.0" encoding="utf-8"?>
+<file path=ppt/slides/slide16.xml><?xml version="1.0" encoding="utf-8"?>
 <p:sld xmlns:a="http://schemas.openxmlformats.org/drawingml/2006/main" xmlns:r="http://schemas.openxmlformats.org/officeDocument/2006/relationships" xmlns:p="http://schemas.openxmlformats.org/presentationml/2006/main">
   <p:cSld>
     <p:spTree>
@@ -20890,7 +19525,7 @@
             <a:fld id="{19B0E89C-C97D-402E-B9E0-A1BE29AA681C}" type="slidenum">
               <a:rPr lang="en-US" altLang="en-US" smtClean="0"/>
               <a:pPr/>
-              <a:t>17</a:t>
+              <a:t>16</a:t>
             </a:fld>
             <a:endParaRPr lang="en-US" altLang="en-US"/>
           </a:p>
@@ -22915,7 +21550,7 @@
 </p:sld>
 </file>
 
-<file path=ppt/slides/slide18.xml><?xml version="1.0" encoding="utf-8"?>
+<file path=ppt/slides/slide17.xml><?xml version="1.0" encoding="utf-8"?>
 <p:sld xmlns:a="http://schemas.openxmlformats.org/drawingml/2006/main" xmlns:r="http://schemas.openxmlformats.org/officeDocument/2006/relationships" xmlns:p="http://schemas.openxmlformats.org/presentationml/2006/main">
   <p:cSld>
     <p:spTree>
@@ -23139,7 +21774,7 @@
             <a:fld id="{19B0E89C-C97D-402E-B9E0-A1BE29AA681C}" type="slidenum">
               <a:rPr lang="en-US" altLang="en-US" smtClean="0"/>
               <a:pPr/>
-              <a:t>18</a:t>
+              <a:t>17</a:t>
             </a:fld>
             <a:endParaRPr lang="en-US" altLang="en-US"/>
           </a:p>
@@ -23158,7 +21793,7 @@
 </p:sld>
 </file>
 
-<file path=ppt/slides/slide19.xml><?xml version="1.0" encoding="utf-8"?>
+<file path=ppt/slides/slide18.xml><?xml version="1.0" encoding="utf-8"?>
 <p:sld xmlns:a="http://schemas.openxmlformats.org/drawingml/2006/main" xmlns:r="http://schemas.openxmlformats.org/officeDocument/2006/relationships" xmlns:p="http://schemas.openxmlformats.org/presentationml/2006/main">
   <p:cSld>
     <p:spTree>
@@ -23259,7 +21894,7 @@
             <a:fld id="{19B0E89C-C97D-402E-B9E0-A1BE29AA681C}" type="slidenum">
               <a:rPr lang="en-US" altLang="en-US" smtClean="0"/>
               <a:pPr/>
-              <a:t>19</a:t>
+              <a:t>18</a:t>
             </a:fld>
             <a:endParaRPr lang="en-US" altLang="en-US"/>
           </a:p>
@@ -25124,6 +23759,1081 @@
     <p:extLst>
       <p:ext uri="{BB962C8B-B14F-4D97-AF65-F5344CB8AC3E}">
         <p14:creationId xmlns:p14="http://schemas.microsoft.com/office/powerpoint/2010/main" val="2187929995"/>
+      </p:ext>
+    </p:extLst>
+  </p:cSld>
+  <p:clrMapOvr>
+    <a:masterClrMapping/>
+  </p:clrMapOvr>
+</p:sld>
+</file>
+
+<file path=ppt/slides/slide19.xml><?xml version="1.0" encoding="utf-8"?>
+<p:sld xmlns:a="http://schemas.openxmlformats.org/drawingml/2006/main" xmlns:r="http://schemas.openxmlformats.org/officeDocument/2006/relationships" xmlns:p="http://schemas.openxmlformats.org/presentationml/2006/main">
+  <p:cSld>
+    <p:spTree>
+      <p:nvGrpSpPr>
+        <p:cNvPr id="1" name=""/>
+        <p:cNvGrpSpPr/>
+        <p:nvPr/>
+      </p:nvGrpSpPr>
+      <p:grpSpPr>
+        <a:xfrm>
+          <a:off x="0" y="0"/>
+          <a:ext cx="0" cy="0"/>
+          <a:chOff x="0" y="0"/>
+          <a:chExt cx="0" cy="0"/>
+        </a:xfrm>
+      </p:grpSpPr>
+      <p:sp>
+        <p:nvSpPr>
+          <p:cNvPr id="2" name="Title 1">
+            <a:extLst>
+              <a:ext uri="{FF2B5EF4-FFF2-40B4-BE49-F238E27FC236}">
+                <a16:creationId xmlns:a16="http://schemas.microsoft.com/office/drawing/2014/main" id="{0FE9524B-791C-73D0-787E-D034454EFA0E}"/>
+              </a:ext>
+            </a:extLst>
+          </p:cNvPr>
+          <p:cNvSpPr>
+            <a:spLocks noGrp="1"/>
+          </p:cNvSpPr>
+          <p:nvPr>
+            <p:ph type="title"/>
+          </p:nvPr>
+        </p:nvSpPr>
+        <p:spPr/>
+        <p:txBody>
+          <a:bodyPr/>
+          <a:lstStyle/>
+          <a:p>
+            <a:r>
+              <a:rPr lang="en-US" dirty="0"/>
+              <a:t>Anonymous Inner Classes</a:t>
+            </a:r>
+          </a:p>
+        </p:txBody>
+      </p:sp>
+      <p:sp>
+        <p:nvSpPr>
+          <p:cNvPr id="3" name="Content Placeholder 2">
+            <a:extLst>
+              <a:ext uri="{FF2B5EF4-FFF2-40B4-BE49-F238E27FC236}">
+                <a16:creationId xmlns:a16="http://schemas.microsoft.com/office/drawing/2014/main" id="{4E624060-FF79-F38C-EC6A-DB48248B15E3}"/>
+              </a:ext>
+            </a:extLst>
+          </p:cNvPr>
+          <p:cNvSpPr>
+            <a:spLocks noGrp="1"/>
+          </p:cNvSpPr>
+          <p:nvPr>
+            <p:ph idx="1"/>
+          </p:nvPr>
+        </p:nvSpPr>
+        <p:spPr>
+          <a:xfrm>
+            <a:off x="381000" y="990600"/>
+            <a:ext cx="8382000" cy="1600200"/>
+          </a:xfrm>
+        </p:spPr>
+        <p:txBody>
+          <a:bodyPr/>
+          <a:lstStyle/>
+          <a:p>
+            <a:r>
+              <a:rPr lang="en-US" dirty="0"/>
+              <a:t>If we aren’t going to re-use the class, we can create it </a:t>
+            </a:r>
+            <a:r>
+              <a:rPr lang="en-US" b="1" dirty="0">
+                <a:effectLst>
+                  <a:outerShdw blurRad="38100" dist="38100" dir="2700000" algn="tl">
+                    <a:srgbClr val="000000">
+                      <a:alpha val="43137"/>
+                    </a:srgbClr>
+                  </a:outerShdw>
+                </a:effectLst>
+              </a:rPr>
+              <a:t>inside</a:t>
+            </a:r>
+            <a:r>
+              <a:rPr lang="en-US" dirty="0"/>
+              <a:t> the call to </a:t>
+            </a:r>
+            <a:r>
+              <a:rPr lang="en-US" dirty="0" err="1"/>
+              <a:t>addActionListener</a:t>
+            </a:r>
+            <a:r>
+              <a:rPr lang="en-US" dirty="0"/>
+              <a:t>()</a:t>
+            </a:r>
+          </a:p>
+        </p:txBody>
+      </p:sp>
+      <p:sp>
+        <p:nvSpPr>
+          <p:cNvPr id="4" name="Footer Placeholder 3">
+            <a:extLst>
+              <a:ext uri="{FF2B5EF4-FFF2-40B4-BE49-F238E27FC236}">
+                <a16:creationId xmlns:a16="http://schemas.microsoft.com/office/drawing/2014/main" id="{B8513A32-5475-42A7-5852-2397EEBCD4BC}"/>
+              </a:ext>
+            </a:extLst>
+          </p:cNvPr>
+          <p:cNvSpPr>
+            <a:spLocks noGrp="1"/>
+          </p:cNvSpPr>
+          <p:nvPr>
+            <p:ph type="ftr" sz="quarter" idx="10"/>
+          </p:nvPr>
+        </p:nvSpPr>
+        <p:spPr/>
+        <p:txBody>
+          <a:bodyPr/>
+          <a:lstStyle/>
+          <a:p>
+            <a:pPr>
+              <a:defRPr/>
+            </a:pPr>
+            <a:r>
+              <a:rPr lang="fr-FR" altLang="en-US"/>
+              <a:t>CS 1181 – Computer Science II    Dr. Michael Raymer</a:t>
+            </a:r>
+            <a:endParaRPr lang="en-US" altLang="en-US" dirty="0"/>
+          </a:p>
+        </p:txBody>
+      </p:sp>
+      <p:sp>
+        <p:nvSpPr>
+          <p:cNvPr id="5" name="Slide Number Placeholder 4">
+            <a:extLst>
+              <a:ext uri="{FF2B5EF4-FFF2-40B4-BE49-F238E27FC236}">
+                <a16:creationId xmlns:a16="http://schemas.microsoft.com/office/drawing/2014/main" id="{701176F9-F3FB-B869-DCA3-A789595880CE}"/>
+              </a:ext>
+            </a:extLst>
+          </p:cNvPr>
+          <p:cNvSpPr>
+            <a:spLocks noGrp="1"/>
+          </p:cNvSpPr>
+          <p:nvPr>
+            <p:ph type="sldNum" sz="quarter" idx="11"/>
+          </p:nvPr>
+        </p:nvSpPr>
+        <p:spPr/>
+        <p:txBody>
+          <a:bodyPr/>
+          <a:lstStyle/>
+          <a:p>
+            <a:fld id="{19B0E89C-C97D-402E-B9E0-A1BE29AA681C}" type="slidenum">
+              <a:rPr lang="en-US" altLang="en-US" smtClean="0"/>
+              <a:pPr/>
+              <a:t>19</a:t>
+            </a:fld>
+            <a:endParaRPr lang="en-US" altLang="en-US"/>
+          </a:p>
+        </p:txBody>
+      </p:sp>
+      <p:sp>
+        <p:nvSpPr>
+          <p:cNvPr id="7" name="TextBox 6">
+            <a:extLst>
+              <a:ext uri="{FF2B5EF4-FFF2-40B4-BE49-F238E27FC236}">
+                <a16:creationId xmlns:a16="http://schemas.microsoft.com/office/drawing/2014/main" id="{C409E33D-A58B-9997-83B6-FBCFD3E0BB66}"/>
+              </a:ext>
+            </a:extLst>
+          </p:cNvPr>
+          <p:cNvSpPr txBox="1"/>
+          <p:nvPr/>
+        </p:nvSpPr>
+        <p:spPr>
+          <a:xfrm>
+            <a:off x="609600" y="2949476"/>
+            <a:ext cx="8382000" cy="2308324"/>
+          </a:xfrm>
+          <a:prstGeom prst="rect">
+            <a:avLst/>
+          </a:prstGeom>
+          <a:noFill/>
+        </p:spPr>
+        <p:txBody>
+          <a:bodyPr wrap="square">
+            <a:spAutoFit/>
+          </a:bodyPr>
+          <a:lstStyle/>
+          <a:p>
+            <a:r>
+              <a:rPr lang="en-US" sz="1600" b="0" dirty="0">
+                <a:solidFill>
+                  <a:srgbClr val="3B3B3B"/>
+                </a:solidFill>
+                <a:effectLst/>
+                <a:highlight>
+                  <a:srgbClr val="FFFFFF"/>
+                </a:highlight>
+                <a:latin typeface="Consolas" panose="020B0609020204030204" pitchFamily="49" charset="0"/>
+              </a:rPr>
+              <a:t>       </a:t>
+            </a:r>
+            <a:r>
+              <a:rPr lang="en-US" sz="1600" b="0" dirty="0" err="1">
+                <a:solidFill>
+                  <a:srgbClr val="267F99"/>
+                </a:solidFill>
+                <a:effectLst/>
+                <a:highlight>
+                  <a:srgbClr val="FFFFFF"/>
+                </a:highlight>
+                <a:latin typeface="Consolas" panose="020B0609020204030204" pitchFamily="49" charset="0"/>
+              </a:rPr>
+              <a:t>JButton</a:t>
+            </a:r>
+            <a:r>
+              <a:rPr lang="en-US" sz="1600" b="0" dirty="0">
+                <a:solidFill>
+                  <a:srgbClr val="3B3B3B"/>
+                </a:solidFill>
+                <a:effectLst/>
+                <a:highlight>
+                  <a:srgbClr val="FFFFFF"/>
+                </a:highlight>
+                <a:latin typeface="Consolas" panose="020B0609020204030204" pitchFamily="49" charset="0"/>
+              </a:rPr>
+              <a:t> </a:t>
+            </a:r>
+            <a:r>
+              <a:rPr lang="en-US" sz="1600" b="0" dirty="0" err="1">
+                <a:solidFill>
+                  <a:srgbClr val="001080"/>
+                </a:solidFill>
+                <a:effectLst/>
+                <a:highlight>
+                  <a:srgbClr val="FFFFFF"/>
+                </a:highlight>
+                <a:latin typeface="Consolas" panose="020B0609020204030204" pitchFamily="49" charset="0"/>
+              </a:rPr>
+              <a:t>aButton</a:t>
+            </a:r>
+            <a:r>
+              <a:rPr lang="en-US" sz="1600" b="0" dirty="0">
+                <a:solidFill>
+                  <a:srgbClr val="3B3B3B"/>
+                </a:solidFill>
+                <a:effectLst/>
+                <a:highlight>
+                  <a:srgbClr val="FFFFFF"/>
+                </a:highlight>
+                <a:latin typeface="Consolas" panose="020B0609020204030204" pitchFamily="49" charset="0"/>
+              </a:rPr>
+              <a:t> </a:t>
+            </a:r>
+            <a:r>
+              <a:rPr lang="en-US" sz="1600" b="0" dirty="0">
+                <a:solidFill>
+                  <a:srgbClr val="000000"/>
+                </a:solidFill>
+                <a:effectLst/>
+                <a:highlight>
+                  <a:srgbClr val="FFFFFF"/>
+                </a:highlight>
+                <a:latin typeface="Consolas" panose="020B0609020204030204" pitchFamily="49" charset="0"/>
+              </a:rPr>
+              <a:t>=</a:t>
+            </a:r>
+            <a:r>
+              <a:rPr lang="en-US" sz="1600" b="0" dirty="0">
+                <a:solidFill>
+                  <a:srgbClr val="3B3B3B"/>
+                </a:solidFill>
+                <a:effectLst/>
+                <a:highlight>
+                  <a:srgbClr val="FFFFFF"/>
+                </a:highlight>
+                <a:latin typeface="Consolas" panose="020B0609020204030204" pitchFamily="49" charset="0"/>
+              </a:rPr>
+              <a:t> </a:t>
+            </a:r>
+            <a:r>
+              <a:rPr lang="en-US" sz="1600" b="0" dirty="0">
+                <a:solidFill>
+                  <a:srgbClr val="AF00DB"/>
+                </a:solidFill>
+                <a:effectLst/>
+                <a:highlight>
+                  <a:srgbClr val="FFFFFF"/>
+                </a:highlight>
+                <a:latin typeface="Consolas" panose="020B0609020204030204" pitchFamily="49" charset="0"/>
+              </a:rPr>
+              <a:t>new</a:t>
+            </a:r>
+            <a:r>
+              <a:rPr lang="en-US" sz="1600" b="0" dirty="0">
+                <a:solidFill>
+                  <a:srgbClr val="3B3B3B"/>
+                </a:solidFill>
+                <a:effectLst/>
+                <a:highlight>
+                  <a:srgbClr val="FFFFFF"/>
+                </a:highlight>
+                <a:latin typeface="Consolas" panose="020B0609020204030204" pitchFamily="49" charset="0"/>
+              </a:rPr>
+              <a:t> </a:t>
+            </a:r>
+            <a:r>
+              <a:rPr lang="en-US" sz="1600" b="0" dirty="0" err="1">
+                <a:solidFill>
+                  <a:srgbClr val="795E26"/>
+                </a:solidFill>
+                <a:effectLst/>
+                <a:highlight>
+                  <a:srgbClr val="FFFFFF"/>
+                </a:highlight>
+                <a:latin typeface="Consolas" panose="020B0609020204030204" pitchFamily="49" charset="0"/>
+              </a:rPr>
+              <a:t>JButton</a:t>
+            </a:r>
+            <a:r>
+              <a:rPr lang="en-US" sz="1600" b="0" dirty="0">
+                <a:solidFill>
+                  <a:srgbClr val="3B3B3B"/>
+                </a:solidFill>
+                <a:effectLst/>
+                <a:highlight>
+                  <a:srgbClr val="FFFFFF"/>
+                </a:highlight>
+                <a:latin typeface="Consolas" panose="020B0609020204030204" pitchFamily="49" charset="0"/>
+              </a:rPr>
+              <a:t>(</a:t>
+            </a:r>
+            <a:r>
+              <a:rPr lang="en-US" sz="1600" b="0" dirty="0">
+                <a:solidFill>
+                  <a:srgbClr val="A31515"/>
+                </a:solidFill>
+                <a:effectLst/>
+                <a:highlight>
+                  <a:srgbClr val="FFFFFF"/>
+                </a:highlight>
+                <a:latin typeface="Consolas" panose="020B0609020204030204" pitchFamily="49" charset="0"/>
+              </a:rPr>
+              <a:t>"Click me!"</a:t>
+            </a:r>
+            <a:r>
+              <a:rPr lang="en-US" sz="1600" b="0" dirty="0">
+                <a:solidFill>
+                  <a:srgbClr val="3B3B3B"/>
+                </a:solidFill>
+                <a:effectLst/>
+                <a:highlight>
+                  <a:srgbClr val="FFFFFF"/>
+                </a:highlight>
+                <a:latin typeface="Consolas" panose="020B0609020204030204" pitchFamily="49" charset="0"/>
+              </a:rPr>
+              <a:t>);</a:t>
+            </a:r>
+          </a:p>
+          <a:p>
+            <a:r>
+              <a:rPr lang="en-US" sz="1600" b="0" dirty="0">
+                <a:solidFill>
+                  <a:srgbClr val="3B3B3B"/>
+                </a:solidFill>
+                <a:effectLst/>
+                <a:highlight>
+                  <a:srgbClr val="FFFFFF"/>
+                </a:highlight>
+                <a:latin typeface="Consolas" panose="020B0609020204030204" pitchFamily="49" charset="0"/>
+              </a:rPr>
+              <a:t>       </a:t>
+            </a:r>
+            <a:r>
+              <a:rPr lang="en-US" sz="1600" b="0" dirty="0" err="1">
+                <a:solidFill>
+                  <a:srgbClr val="001080"/>
+                </a:solidFill>
+                <a:effectLst/>
+                <a:highlight>
+                  <a:srgbClr val="FFFFFF"/>
+                </a:highlight>
+                <a:latin typeface="Consolas" panose="020B0609020204030204" pitchFamily="49" charset="0"/>
+              </a:rPr>
+              <a:t>aButton</a:t>
+            </a:r>
+            <a:r>
+              <a:rPr lang="en-US" sz="1600" b="0" dirty="0" err="1">
+                <a:solidFill>
+                  <a:srgbClr val="3B3B3B"/>
+                </a:solidFill>
+                <a:effectLst/>
+                <a:highlight>
+                  <a:srgbClr val="FFFFFF"/>
+                </a:highlight>
+                <a:latin typeface="Consolas" panose="020B0609020204030204" pitchFamily="49" charset="0"/>
+              </a:rPr>
+              <a:t>.</a:t>
+            </a:r>
+            <a:r>
+              <a:rPr lang="en-US" sz="1600" b="0" dirty="0" err="1">
+                <a:solidFill>
+                  <a:srgbClr val="795E26"/>
+                </a:solidFill>
+                <a:effectLst/>
+                <a:highlight>
+                  <a:srgbClr val="FFFFFF"/>
+                </a:highlight>
+                <a:latin typeface="Consolas" panose="020B0609020204030204" pitchFamily="49" charset="0"/>
+              </a:rPr>
+              <a:t>addActionListener</a:t>
+            </a:r>
+            <a:r>
+              <a:rPr lang="en-US" sz="1600" b="0" dirty="0">
+                <a:solidFill>
+                  <a:srgbClr val="3B3B3B"/>
+                </a:solidFill>
+                <a:effectLst/>
+                <a:highlight>
+                  <a:srgbClr val="FFFFFF"/>
+                </a:highlight>
+                <a:latin typeface="Consolas" panose="020B0609020204030204" pitchFamily="49" charset="0"/>
+              </a:rPr>
+              <a:t>(</a:t>
+            </a:r>
+            <a:r>
+              <a:rPr lang="en-US" sz="1600" b="0" dirty="0">
+                <a:solidFill>
+                  <a:srgbClr val="AF00DB"/>
+                </a:solidFill>
+                <a:effectLst/>
+                <a:highlight>
+                  <a:srgbClr val="FFFFFF"/>
+                </a:highlight>
+                <a:latin typeface="Consolas" panose="020B0609020204030204" pitchFamily="49" charset="0"/>
+              </a:rPr>
+              <a:t>new</a:t>
+            </a:r>
+            <a:r>
+              <a:rPr lang="en-US" sz="1600" b="0" dirty="0">
+                <a:solidFill>
+                  <a:srgbClr val="3B3B3B"/>
+                </a:solidFill>
+                <a:effectLst/>
+                <a:highlight>
+                  <a:srgbClr val="FFFFFF"/>
+                </a:highlight>
+                <a:latin typeface="Consolas" panose="020B0609020204030204" pitchFamily="49" charset="0"/>
+              </a:rPr>
+              <a:t> </a:t>
+            </a:r>
+            <a:r>
+              <a:rPr lang="en-US" sz="1600" b="0" dirty="0">
+                <a:solidFill>
+                  <a:srgbClr val="795E26"/>
+                </a:solidFill>
+                <a:effectLst/>
+                <a:highlight>
+                  <a:srgbClr val="FFFFFF"/>
+                </a:highlight>
+                <a:latin typeface="Consolas" panose="020B0609020204030204" pitchFamily="49" charset="0"/>
+              </a:rPr>
+              <a:t>ActionListener</a:t>
+            </a:r>
+            <a:r>
+              <a:rPr lang="en-US" sz="1600" b="0" dirty="0">
+                <a:solidFill>
+                  <a:srgbClr val="3B3B3B"/>
+                </a:solidFill>
+                <a:effectLst/>
+                <a:highlight>
+                  <a:srgbClr val="FFFFFF"/>
+                </a:highlight>
+                <a:latin typeface="Consolas" panose="020B0609020204030204" pitchFamily="49" charset="0"/>
+              </a:rPr>
+              <a:t>(){</a:t>
+            </a:r>
+          </a:p>
+          <a:p>
+            <a:r>
+              <a:rPr lang="en-US" sz="1600" b="0" dirty="0">
+                <a:solidFill>
+                  <a:srgbClr val="3B3B3B"/>
+                </a:solidFill>
+                <a:effectLst/>
+                <a:highlight>
+                  <a:srgbClr val="FFFFFF"/>
+                </a:highlight>
+                <a:latin typeface="Consolas" panose="020B0609020204030204" pitchFamily="49" charset="0"/>
+              </a:rPr>
+              <a:t>            @</a:t>
+            </a:r>
+            <a:r>
+              <a:rPr lang="en-US" sz="1600" b="0" dirty="0">
+                <a:solidFill>
+                  <a:srgbClr val="267F99"/>
+                </a:solidFill>
+                <a:effectLst/>
+                <a:highlight>
+                  <a:srgbClr val="FFFFFF"/>
+                </a:highlight>
+                <a:latin typeface="Consolas" panose="020B0609020204030204" pitchFamily="49" charset="0"/>
+              </a:rPr>
+              <a:t>Override</a:t>
+            </a:r>
+            <a:endParaRPr lang="en-US" sz="1600" b="0" dirty="0">
+              <a:solidFill>
+                <a:srgbClr val="3B3B3B"/>
+              </a:solidFill>
+              <a:effectLst/>
+              <a:highlight>
+                <a:srgbClr val="FFFFFF"/>
+              </a:highlight>
+              <a:latin typeface="Consolas" panose="020B0609020204030204" pitchFamily="49" charset="0"/>
+            </a:endParaRPr>
+          </a:p>
+          <a:p>
+            <a:r>
+              <a:rPr lang="en-US" sz="1600" b="0" dirty="0">
+                <a:solidFill>
+                  <a:srgbClr val="3B3B3B"/>
+                </a:solidFill>
+                <a:effectLst/>
+                <a:highlight>
+                  <a:srgbClr val="FFFFFF"/>
+                </a:highlight>
+                <a:latin typeface="Consolas" panose="020B0609020204030204" pitchFamily="49" charset="0"/>
+              </a:rPr>
+              <a:t>            </a:t>
+            </a:r>
+            <a:r>
+              <a:rPr lang="en-US" sz="1600" b="0" dirty="0">
+                <a:solidFill>
+                  <a:srgbClr val="0000FF"/>
+                </a:solidFill>
+                <a:effectLst/>
+                <a:highlight>
+                  <a:srgbClr val="FFFFFF"/>
+                </a:highlight>
+                <a:latin typeface="Consolas" panose="020B0609020204030204" pitchFamily="49" charset="0"/>
+              </a:rPr>
+              <a:t>public</a:t>
+            </a:r>
+            <a:r>
+              <a:rPr lang="en-US" sz="1600" b="0" dirty="0">
+                <a:solidFill>
+                  <a:srgbClr val="3B3B3B"/>
+                </a:solidFill>
+                <a:effectLst/>
+                <a:highlight>
+                  <a:srgbClr val="FFFFFF"/>
+                </a:highlight>
+                <a:latin typeface="Consolas" panose="020B0609020204030204" pitchFamily="49" charset="0"/>
+              </a:rPr>
+              <a:t> </a:t>
+            </a:r>
+            <a:r>
+              <a:rPr lang="en-US" sz="1600" b="0" dirty="0">
+                <a:solidFill>
+                  <a:srgbClr val="267F99"/>
+                </a:solidFill>
+                <a:effectLst/>
+                <a:highlight>
+                  <a:srgbClr val="FFFFFF"/>
+                </a:highlight>
+                <a:latin typeface="Consolas" panose="020B0609020204030204" pitchFamily="49" charset="0"/>
+              </a:rPr>
+              <a:t>void</a:t>
+            </a:r>
+            <a:r>
+              <a:rPr lang="en-US" sz="1600" b="0" dirty="0">
+                <a:solidFill>
+                  <a:srgbClr val="3B3B3B"/>
+                </a:solidFill>
+                <a:effectLst/>
+                <a:highlight>
+                  <a:srgbClr val="FFFFFF"/>
+                </a:highlight>
+                <a:latin typeface="Consolas" panose="020B0609020204030204" pitchFamily="49" charset="0"/>
+              </a:rPr>
+              <a:t> </a:t>
+            </a:r>
+            <a:r>
+              <a:rPr lang="en-US" sz="1600" b="0" dirty="0" err="1">
+                <a:solidFill>
+                  <a:srgbClr val="795E26"/>
+                </a:solidFill>
+                <a:effectLst/>
+                <a:highlight>
+                  <a:srgbClr val="FFFFFF"/>
+                </a:highlight>
+                <a:latin typeface="Consolas" panose="020B0609020204030204" pitchFamily="49" charset="0"/>
+              </a:rPr>
+              <a:t>actionPerformed</a:t>
+            </a:r>
+            <a:r>
+              <a:rPr lang="en-US" sz="1600" b="0" dirty="0">
+                <a:solidFill>
+                  <a:srgbClr val="3B3B3B"/>
+                </a:solidFill>
+                <a:effectLst/>
+                <a:highlight>
+                  <a:srgbClr val="FFFFFF"/>
+                </a:highlight>
+                <a:latin typeface="Consolas" panose="020B0609020204030204" pitchFamily="49" charset="0"/>
+              </a:rPr>
+              <a:t>(</a:t>
+            </a:r>
+            <a:r>
+              <a:rPr lang="en-US" sz="1600" b="0" dirty="0" err="1">
+                <a:solidFill>
+                  <a:srgbClr val="267F99"/>
+                </a:solidFill>
+                <a:effectLst/>
+                <a:highlight>
+                  <a:srgbClr val="FFFFFF"/>
+                </a:highlight>
+                <a:latin typeface="Consolas" panose="020B0609020204030204" pitchFamily="49" charset="0"/>
+              </a:rPr>
+              <a:t>ActionEvent</a:t>
+            </a:r>
+            <a:r>
+              <a:rPr lang="en-US" sz="1600" b="0" dirty="0">
+                <a:solidFill>
+                  <a:srgbClr val="3B3B3B"/>
+                </a:solidFill>
+                <a:effectLst/>
+                <a:highlight>
+                  <a:srgbClr val="FFFFFF"/>
+                </a:highlight>
+                <a:latin typeface="Consolas" panose="020B0609020204030204" pitchFamily="49" charset="0"/>
+              </a:rPr>
+              <a:t> </a:t>
+            </a:r>
+            <a:r>
+              <a:rPr lang="en-US" sz="1600" b="0" dirty="0">
+                <a:solidFill>
+                  <a:srgbClr val="001080"/>
+                </a:solidFill>
+                <a:effectLst/>
+                <a:highlight>
+                  <a:srgbClr val="FFFFFF"/>
+                </a:highlight>
+                <a:latin typeface="Consolas" panose="020B0609020204030204" pitchFamily="49" charset="0"/>
+              </a:rPr>
+              <a:t>e</a:t>
+            </a:r>
+            <a:r>
+              <a:rPr lang="en-US" sz="1600" b="0" dirty="0">
+                <a:solidFill>
+                  <a:srgbClr val="3B3B3B"/>
+                </a:solidFill>
+                <a:effectLst/>
+                <a:highlight>
+                  <a:srgbClr val="FFFFFF"/>
+                </a:highlight>
+                <a:latin typeface="Consolas" panose="020B0609020204030204" pitchFamily="49" charset="0"/>
+              </a:rPr>
+              <a:t>) {</a:t>
+            </a:r>
+          </a:p>
+          <a:p>
+            <a:r>
+              <a:rPr lang="en-US" sz="1600" b="0" dirty="0">
+                <a:solidFill>
+                  <a:srgbClr val="3B3B3B"/>
+                </a:solidFill>
+                <a:effectLst/>
+                <a:highlight>
+                  <a:srgbClr val="FFFFFF"/>
+                </a:highlight>
+                <a:latin typeface="Consolas" panose="020B0609020204030204" pitchFamily="49" charset="0"/>
+              </a:rPr>
+              <a:t>                </a:t>
+            </a:r>
+            <a:r>
+              <a:rPr lang="en-US" sz="1600" b="0" dirty="0" err="1">
+                <a:solidFill>
+                  <a:srgbClr val="001080"/>
+                </a:solidFill>
+                <a:effectLst/>
+                <a:highlight>
+                  <a:srgbClr val="FFFFFF"/>
+                </a:highlight>
+                <a:latin typeface="Consolas" panose="020B0609020204030204" pitchFamily="49" charset="0"/>
+              </a:rPr>
+              <a:t>clickCount</a:t>
+            </a:r>
+            <a:r>
+              <a:rPr lang="en-US" sz="1600" b="0" dirty="0">
+                <a:solidFill>
+                  <a:srgbClr val="000000"/>
+                </a:solidFill>
+                <a:effectLst/>
+                <a:highlight>
+                  <a:srgbClr val="FFFFFF"/>
+                </a:highlight>
+                <a:latin typeface="Consolas" panose="020B0609020204030204" pitchFamily="49" charset="0"/>
+              </a:rPr>
+              <a:t>++</a:t>
+            </a:r>
+            <a:r>
+              <a:rPr lang="en-US" sz="1600" b="0" dirty="0">
+                <a:solidFill>
+                  <a:srgbClr val="3B3B3B"/>
+                </a:solidFill>
+                <a:effectLst/>
+                <a:highlight>
+                  <a:srgbClr val="FFFFFF"/>
+                </a:highlight>
+                <a:latin typeface="Consolas" panose="020B0609020204030204" pitchFamily="49" charset="0"/>
+              </a:rPr>
+              <a:t>;</a:t>
+            </a:r>
+          </a:p>
+          <a:p>
+            <a:r>
+              <a:rPr lang="en-US" sz="1600" b="0" dirty="0">
+                <a:solidFill>
+                  <a:srgbClr val="3B3B3B"/>
+                </a:solidFill>
+                <a:effectLst/>
+                <a:highlight>
+                  <a:srgbClr val="FFFFFF"/>
+                </a:highlight>
+                <a:latin typeface="Consolas" panose="020B0609020204030204" pitchFamily="49" charset="0"/>
+              </a:rPr>
+              <a:t>                </a:t>
+            </a:r>
+            <a:r>
+              <a:rPr lang="en-US" sz="1600" b="0" dirty="0" err="1">
+                <a:solidFill>
+                  <a:srgbClr val="267F99"/>
+                </a:solidFill>
+                <a:effectLst/>
+                <a:highlight>
+                  <a:srgbClr val="FFFFFF"/>
+                </a:highlight>
+                <a:latin typeface="Consolas" panose="020B0609020204030204" pitchFamily="49" charset="0"/>
+              </a:rPr>
+              <a:t>System</a:t>
+            </a:r>
+            <a:r>
+              <a:rPr lang="en-US" sz="1600" b="0" dirty="0" err="1">
+                <a:solidFill>
+                  <a:srgbClr val="3B3B3B"/>
+                </a:solidFill>
+                <a:effectLst/>
+                <a:highlight>
+                  <a:srgbClr val="FFFFFF"/>
+                </a:highlight>
+                <a:latin typeface="Consolas" panose="020B0609020204030204" pitchFamily="49" charset="0"/>
+              </a:rPr>
+              <a:t>.</a:t>
+            </a:r>
+            <a:r>
+              <a:rPr lang="en-US" sz="1600" b="0" dirty="0" err="1">
+                <a:solidFill>
+                  <a:srgbClr val="0070C1"/>
+                </a:solidFill>
+                <a:effectLst/>
+                <a:highlight>
+                  <a:srgbClr val="FFFFFF"/>
+                </a:highlight>
+                <a:latin typeface="Consolas" panose="020B0609020204030204" pitchFamily="49" charset="0"/>
+              </a:rPr>
+              <a:t>out</a:t>
+            </a:r>
+            <a:r>
+              <a:rPr lang="en-US" sz="1600" b="0" dirty="0" err="1">
+                <a:solidFill>
+                  <a:srgbClr val="3B3B3B"/>
+                </a:solidFill>
+                <a:effectLst/>
+                <a:highlight>
+                  <a:srgbClr val="FFFFFF"/>
+                </a:highlight>
+                <a:latin typeface="Consolas" panose="020B0609020204030204" pitchFamily="49" charset="0"/>
+              </a:rPr>
+              <a:t>.</a:t>
+            </a:r>
+            <a:r>
+              <a:rPr lang="en-US" sz="1600" b="0" dirty="0" err="1">
+                <a:solidFill>
+                  <a:srgbClr val="795E26"/>
+                </a:solidFill>
+                <a:effectLst/>
+                <a:highlight>
+                  <a:srgbClr val="FFFFFF"/>
+                </a:highlight>
+                <a:latin typeface="Consolas" panose="020B0609020204030204" pitchFamily="49" charset="0"/>
+              </a:rPr>
+              <a:t>println</a:t>
+            </a:r>
+            <a:r>
+              <a:rPr lang="en-US" sz="1600" b="0" dirty="0">
+                <a:solidFill>
+                  <a:srgbClr val="3B3B3B"/>
+                </a:solidFill>
+                <a:effectLst/>
+                <a:highlight>
+                  <a:srgbClr val="FFFFFF"/>
+                </a:highlight>
+                <a:latin typeface="Consolas" panose="020B0609020204030204" pitchFamily="49" charset="0"/>
+              </a:rPr>
+              <a:t>(</a:t>
+            </a:r>
+            <a:r>
+              <a:rPr lang="en-US" sz="1600" b="0" dirty="0">
+                <a:solidFill>
+                  <a:srgbClr val="A31515"/>
+                </a:solidFill>
+                <a:effectLst/>
+                <a:highlight>
+                  <a:srgbClr val="FFFFFF"/>
+                </a:highlight>
+                <a:latin typeface="Consolas" panose="020B0609020204030204" pitchFamily="49" charset="0"/>
+              </a:rPr>
+              <a:t>"The button has been clicked "</a:t>
+            </a:r>
+            <a:endParaRPr lang="en-US" sz="1600" dirty="0">
+              <a:solidFill>
+                <a:srgbClr val="3B3B3B"/>
+              </a:solidFill>
+              <a:highlight>
+                <a:srgbClr val="FFFFFF"/>
+              </a:highlight>
+              <a:latin typeface="Consolas" panose="020B0609020204030204" pitchFamily="49" charset="0"/>
+            </a:endParaRPr>
+          </a:p>
+          <a:p>
+            <a:r>
+              <a:rPr lang="en-US" sz="1600" b="0" dirty="0">
+                <a:solidFill>
+                  <a:srgbClr val="3B3B3B"/>
+                </a:solidFill>
+                <a:effectLst/>
+                <a:highlight>
+                  <a:srgbClr val="FFFFFF"/>
+                </a:highlight>
+                <a:latin typeface="Consolas" panose="020B0609020204030204" pitchFamily="49" charset="0"/>
+              </a:rPr>
+              <a:t>                    </a:t>
+            </a:r>
+            <a:r>
+              <a:rPr lang="en-US" sz="1600" b="0" dirty="0">
+                <a:solidFill>
+                  <a:srgbClr val="000000"/>
+                </a:solidFill>
+                <a:effectLst/>
+                <a:highlight>
+                  <a:srgbClr val="FFFFFF"/>
+                </a:highlight>
+                <a:latin typeface="Consolas" panose="020B0609020204030204" pitchFamily="49" charset="0"/>
+              </a:rPr>
+              <a:t>+</a:t>
+            </a:r>
+            <a:r>
+              <a:rPr lang="en-US" sz="1600" b="0" dirty="0">
+                <a:solidFill>
+                  <a:srgbClr val="3B3B3B"/>
+                </a:solidFill>
+                <a:effectLst/>
+                <a:highlight>
+                  <a:srgbClr val="FFFFFF"/>
+                </a:highlight>
+                <a:latin typeface="Consolas" panose="020B0609020204030204" pitchFamily="49" charset="0"/>
+              </a:rPr>
+              <a:t> </a:t>
+            </a:r>
+            <a:r>
+              <a:rPr lang="en-US" sz="1600" b="0" dirty="0" err="1">
+                <a:solidFill>
+                  <a:srgbClr val="001080"/>
+                </a:solidFill>
+                <a:effectLst/>
+                <a:highlight>
+                  <a:srgbClr val="FFFFFF"/>
+                </a:highlight>
+                <a:latin typeface="Consolas" panose="020B0609020204030204" pitchFamily="49" charset="0"/>
+              </a:rPr>
+              <a:t>clickCount</a:t>
+            </a:r>
+            <a:r>
+              <a:rPr lang="en-US" sz="1600" b="0" dirty="0">
+                <a:solidFill>
+                  <a:srgbClr val="3B3B3B"/>
+                </a:solidFill>
+                <a:effectLst/>
+                <a:highlight>
+                  <a:srgbClr val="FFFFFF"/>
+                </a:highlight>
+                <a:latin typeface="Consolas" panose="020B0609020204030204" pitchFamily="49" charset="0"/>
+              </a:rPr>
+              <a:t> </a:t>
+            </a:r>
+            <a:r>
+              <a:rPr lang="en-US" sz="1600" b="0" dirty="0">
+                <a:solidFill>
+                  <a:srgbClr val="000000"/>
+                </a:solidFill>
+                <a:effectLst/>
+                <a:highlight>
+                  <a:srgbClr val="FFFFFF"/>
+                </a:highlight>
+                <a:latin typeface="Consolas" panose="020B0609020204030204" pitchFamily="49" charset="0"/>
+              </a:rPr>
+              <a:t>+</a:t>
+            </a:r>
+            <a:r>
+              <a:rPr lang="en-US" sz="1600" b="0" dirty="0">
+                <a:solidFill>
+                  <a:srgbClr val="3B3B3B"/>
+                </a:solidFill>
+                <a:effectLst/>
+                <a:highlight>
+                  <a:srgbClr val="FFFFFF"/>
+                </a:highlight>
+                <a:latin typeface="Consolas" panose="020B0609020204030204" pitchFamily="49" charset="0"/>
+              </a:rPr>
+              <a:t> </a:t>
+            </a:r>
+            <a:r>
+              <a:rPr lang="en-US" sz="1600" b="0" dirty="0">
+                <a:solidFill>
+                  <a:srgbClr val="A31515"/>
+                </a:solidFill>
+                <a:effectLst/>
+                <a:highlight>
+                  <a:srgbClr val="FFFFFF"/>
+                </a:highlight>
+                <a:latin typeface="Consolas" panose="020B0609020204030204" pitchFamily="49" charset="0"/>
+              </a:rPr>
+              <a:t>" times"</a:t>
+            </a:r>
+            <a:r>
+              <a:rPr lang="en-US" sz="1600" b="0" dirty="0">
+                <a:solidFill>
+                  <a:srgbClr val="3B3B3B"/>
+                </a:solidFill>
+                <a:effectLst/>
+                <a:highlight>
+                  <a:srgbClr val="FFFFFF"/>
+                </a:highlight>
+                <a:latin typeface="Consolas" panose="020B0609020204030204" pitchFamily="49" charset="0"/>
+              </a:rPr>
+              <a:t>);</a:t>
+            </a:r>
+          </a:p>
+          <a:p>
+            <a:r>
+              <a:rPr lang="en-US" sz="1600" b="0" dirty="0">
+                <a:solidFill>
+                  <a:srgbClr val="3B3B3B"/>
+                </a:solidFill>
+                <a:effectLst/>
+                <a:highlight>
+                  <a:srgbClr val="FFFFFF"/>
+                </a:highlight>
+                <a:latin typeface="Consolas" panose="020B0609020204030204" pitchFamily="49" charset="0"/>
+              </a:rPr>
+              <a:t>            }});</a:t>
+            </a:r>
+          </a:p>
+          <a:p>
+            <a:r>
+              <a:rPr lang="en-US" sz="1600" b="0" dirty="0">
+                <a:solidFill>
+                  <a:srgbClr val="3B3B3B"/>
+                </a:solidFill>
+                <a:effectLst/>
+                <a:highlight>
+                  <a:srgbClr val="FFFFFF"/>
+                </a:highlight>
+                <a:latin typeface="Consolas" panose="020B0609020204030204" pitchFamily="49" charset="0"/>
+              </a:rPr>
+              <a:t>        </a:t>
+            </a:r>
+            <a:r>
+              <a:rPr lang="en-US" sz="1600" b="0" dirty="0" err="1">
+                <a:solidFill>
+                  <a:srgbClr val="001080"/>
+                </a:solidFill>
+                <a:effectLst/>
+                <a:highlight>
+                  <a:srgbClr val="FFFFFF"/>
+                </a:highlight>
+                <a:latin typeface="Consolas" panose="020B0609020204030204" pitchFamily="49" charset="0"/>
+              </a:rPr>
+              <a:t>content</a:t>
+            </a:r>
+            <a:r>
+              <a:rPr lang="en-US" sz="1600" b="0" dirty="0" err="1">
+                <a:solidFill>
+                  <a:srgbClr val="3B3B3B"/>
+                </a:solidFill>
+                <a:effectLst/>
+                <a:highlight>
+                  <a:srgbClr val="FFFFFF"/>
+                </a:highlight>
+                <a:latin typeface="Consolas" panose="020B0609020204030204" pitchFamily="49" charset="0"/>
+              </a:rPr>
+              <a:t>.</a:t>
+            </a:r>
+            <a:r>
+              <a:rPr lang="en-US" sz="1600" b="0" dirty="0" err="1">
+                <a:solidFill>
+                  <a:srgbClr val="795E26"/>
+                </a:solidFill>
+                <a:effectLst/>
+                <a:highlight>
+                  <a:srgbClr val="FFFFFF"/>
+                </a:highlight>
+                <a:latin typeface="Consolas" panose="020B0609020204030204" pitchFamily="49" charset="0"/>
+              </a:rPr>
+              <a:t>add</a:t>
+            </a:r>
+            <a:r>
+              <a:rPr lang="en-US" sz="1600" b="0" dirty="0">
+                <a:solidFill>
+                  <a:srgbClr val="3B3B3B"/>
+                </a:solidFill>
+                <a:effectLst/>
+                <a:highlight>
+                  <a:srgbClr val="FFFFFF"/>
+                </a:highlight>
+                <a:latin typeface="Consolas" panose="020B0609020204030204" pitchFamily="49" charset="0"/>
+              </a:rPr>
+              <a:t>(</a:t>
+            </a:r>
+            <a:r>
+              <a:rPr lang="en-US" sz="1600" b="0" dirty="0" err="1">
+                <a:solidFill>
+                  <a:srgbClr val="001080"/>
+                </a:solidFill>
+                <a:effectLst/>
+                <a:highlight>
+                  <a:srgbClr val="FFFFFF"/>
+                </a:highlight>
+                <a:latin typeface="Consolas" panose="020B0609020204030204" pitchFamily="49" charset="0"/>
+              </a:rPr>
+              <a:t>aButton</a:t>
+            </a:r>
+            <a:r>
+              <a:rPr lang="en-US" sz="1600" b="0" dirty="0">
+                <a:solidFill>
+                  <a:srgbClr val="3B3B3B"/>
+                </a:solidFill>
+                <a:effectLst/>
+                <a:highlight>
+                  <a:srgbClr val="FFFFFF"/>
+                </a:highlight>
+                <a:latin typeface="Consolas" panose="020B0609020204030204" pitchFamily="49" charset="0"/>
+              </a:rPr>
+              <a:t>);</a:t>
+            </a:r>
+          </a:p>
+        </p:txBody>
+      </p:sp>
+    </p:spTree>
+    <p:extLst>
+      <p:ext uri="{BB962C8B-B14F-4D97-AF65-F5344CB8AC3E}">
+        <p14:creationId xmlns:p14="http://schemas.microsoft.com/office/powerpoint/2010/main" val="1503911380"/>
       </p:ext>
     </p:extLst>
   </p:cSld>
@@ -26681,63 +26391,6 @@
       </p:sp>
       <p:sp>
         <p:nvSpPr>
-          <p:cNvPr id="3" name="Content Placeholder 2">
-            <a:extLst>
-              <a:ext uri="{FF2B5EF4-FFF2-40B4-BE49-F238E27FC236}">
-                <a16:creationId xmlns:a16="http://schemas.microsoft.com/office/drawing/2014/main" id="{4E624060-FF79-F38C-EC6A-DB48248B15E3}"/>
-              </a:ext>
-            </a:extLst>
-          </p:cNvPr>
-          <p:cNvSpPr>
-            <a:spLocks noGrp="1"/>
-          </p:cNvSpPr>
-          <p:nvPr>
-            <p:ph idx="1"/>
-          </p:nvPr>
-        </p:nvSpPr>
-        <p:spPr>
-          <a:xfrm>
-            <a:off x="381000" y="990600"/>
-            <a:ext cx="8382000" cy="1600200"/>
-          </a:xfrm>
-        </p:spPr>
-        <p:txBody>
-          <a:bodyPr/>
-          <a:lstStyle/>
-          <a:p>
-            <a:r>
-              <a:rPr lang="en-US" dirty="0"/>
-              <a:t>If we aren’t going to re-use the class, we can create it </a:t>
-            </a:r>
-            <a:r>
-              <a:rPr lang="en-US" b="1" dirty="0">
-                <a:effectLst>
-                  <a:outerShdw blurRad="38100" dist="38100" dir="2700000" algn="tl">
-                    <a:srgbClr val="000000">
-                      <a:alpha val="43137"/>
-                    </a:srgbClr>
-                  </a:outerShdw>
-                </a:effectLst>
-              </a:rPr>
-              <a:t>inside</a:t>
-            </a:r>
-            <a:r>
-              <a:rPr lang="en-US" dirty="0"/>
-              <a:t> the call to </a:t>
-            </a:r>
-            <a:r>
-              <a:rPr lang="en-US" dirty="0" err="1"/>
-              <a:t>addActionListener</a:t>
-            </a:r>
-            <a:r>
-              <a:rPr lang="en-US" dirty="0"/>
-              <a:t>()</a:t>
-            </a:r>
-          </a:p>
-        </p:txBody>
-      </p:sp>
-      <p:sp>
-        <p:nvSpPr>
           <p:cNvPr id="4" name="Footer Placeholder 3">
             <a:extLst>
               <a:ext uri="{FF2B5EF4-FFF2-40B4-BE49-F238E27FC236}">
@@ -26793,1024 +26446,6 @@
               <a:rPr lang="en-US" altLang="en-US" smtClean="0"/>
               <a:pPr/>
               <a:t>20</a:t>
-            </a:fld>
-            <a:endParaRPr lang="en-US" altLang="en-US"/>
-          </a:p>
-        </p:txBody>
-      </p:sp>
-      <p:sp>
-        <p:nvSpPr>
-          <p:cNvPr id="7" name="TextBox 6">
-            <a:extLst>
-              <a:ext uri="{FF2B5EF4-FFF2-40B4-BE49-F238E27FC236}">
-                <a16:creationId xmlns:a16="http://schemas.microsoft.com/office/drawing/2014/main" id="{C409E33D-A58B-9997-83B6-FBCFD3E0BB66}"/>
-              </a:ext>
-            </a:extLst>
-          </p:cNvPr>
-          <p:cNvSpPr txBox="1"/>
-          <p:nvPr/>
-        </p:nvSpPr>
-        <p:spPr>
-          <a:xfrm>
-            <a:off x="609600" y="2949476"/>
-            <a:ext cx="8382000" cy="2308324"/>
-          </a:xfrm>
-          <a:prstGeom prst="rect">
-            <a:avLst/>
-          </a:prstGeom>
-          <a:noFill/>
-        </p:spPr>
-        <p:txBody>
-          <a:bodyPr wrap="square">
-            <a:spAutoFit/>
-          </a:bodyPr>
-          <a:lstStyle/>
-          <a:p>
-            <a:r>
-              <a:rPr lang="en-US" sz="1600" b="0" dirty="0">
-                <a:solidFill>
-                  <a:srgbClr val="3B3B3B"/>
-                </a:solidFill>
-                <a:effectLst/>
-                <a:highlight>
-                  <a:srgbClr val="FFFFFF"/>
-                </a:highlight>
-                <a:latin typeface="Consolas" panose="020B0609020204030204" pitchFamily="49" charset="0"/>
-              </a:rPr>
-              <a:t>       </a:t>
-            </a:r>
-            <a:r>
-              <a:rPr lang="en-US" sz="1600" b="0" dirty="0" err="1">
-                <a:solidFill>
-                  <a:srgbClr val="267F99"/>
-                </a:solidFill>
-                <a:effectLst/>
-                <a:highlight>
-                  <a:srgbClr val="FFFFFF"/>
-                </a:highlight>
-                <a:latin typeface="Consolas" panose="020B0609020204030204" pitchFamily="49" charset="0"/>
-              </a:rPr>
-              <a:t>JButton</a:t>
-            </a:r>
-            <a:r>
-              <a:rPr lang="en-US" sz="1600" b="0" dirty="0">
-                <a:solidFill>
-                  <a:srgbClr val="3B3B3B"/>
-                </a:solidFill>
-                <a:effectLst/>
-                <a:highlight>
-                  <a:srgbClr val="FFFFFF"/>
-                </a:highlight>
-                <a:latin typeface="Consolas" panose="020B0609020204030204" pitchFamily="49" charset="0"/>
-              </a:rPr>
-              <a:t> </a:t>
-            </a:r>
-            <a:r>
-              <a:rPr lang="en-US" sz="1600" b="0" dirty="0" err="1">
-                <a:solidFill>
-                  <a:srgbClr val="001080"/>
-                </a:solidFill>
-                <a:effectLst/>
-                <a:highlight>
-                  <a:srgbClr val="FFFFFF"/>
-                </a:highlight>
-                <a:latin typeface="Consolas" panose="020B0609020204030204" pitchFamily="49" charset="0"/>
-              </a:rPr>
-              <a:t>aButton</a:t>
-            </a:r>
-            <a:r>
-              <a:rPr lang="en-US" sz="1600" b="0" dirty="0">
-                <a:solidFill>
-                  <a:srgbClr val="3B3B3B"/>
-                </a:solidFill>
-                <a:effectLst/>
-                <a:highlight>
-                  <a:srgbClr val="FFFFFF"/>
-                </a:highlight>
-                <a:latin typeface="Consolas" panose="020B0609020204030204" pitchFamily="49" charset="0"/>
-              </a:rPr>
-              <a:t> </a:t>
-            </a:r>
-            <a:r>
-              <a:rPr lang="en-US" sz="1600" b="0" dirty="0">
-                <a:solidFill>
-                  <a:srgbClr val="000000"/>
-                </a:solidFill>
-                <a:effectLst/>
-                <a:highlight>
-                  <a:srgbClr val="FFFFFF"/>
-                </a:highlight>
-                <a:latin typeface="Consolas" panose="020B0609020204030204" pitchFamily="49" charset="0"/>
-              </a:rPr>
-              <a:t>=</a:t>
-            </a:r>
-            <a:r>
-              <a:rPr lang="en-US" sz="1600" b="0" dirty="0">
-                <a:solidFill>
-                  <a:srgbClr val="3B3B3B"/>
-                </a:solidFill>
-                <a:effectLst/>
-                <a:highlight>
-                  <a:srgbClr val="FFFFFF"/>
-                </a:highlight>
-                <a:latin typeface="Consolas" panose="020B0609020204030204" pitchFamily="49" charset="0"/>
-              </a:rPr>
-              <a:t> </a:t>
-            </a:r>
-            <a:r>
-              <a:rPr lang="en-US" sz="1600" b="0" dirty="0">
-                <a:solidFill>
-                  <a:srgbClr val="AF00DB"/>
-                </a:solidFill>
-                <a:effectLst/>
-                <a:highlight>
-                  <a:srgbClr val="FFFFFF"/>
-                </a:highlight>
-                <a:latin typeface="Consolas" panose="020B0609020204030204" pitchFamily="49" charset="0"/>
-              </a:rPr>
-              <a:t>new</a:t>
-            </a:r>
-            <a:r>
-              <a:rPr lang="en-US" sz="1600" b="0" dirty="0">
-                <a:solidFill>
-                  <a:srgbClr val="3B3B3B"/>
-                </a:solidFill>
-                <a:effectLst/>
-                <a:highlight>
-                  <a:srgbClr val="FFFFFF"/>
-                </a:highlight>
-                <a:latin typeface="Consolas" panose="020B0609020204030204" pitchFamily="49" charset="0"/>
-              </a:rPr>
-              <a:t> </a:t>
-            </a:r>
-            <a:r>
-              <a:rPr lang="en-US" sz="1600" b="0" dirty="0" err="1">
-                <a:solidFill>
-                  <a:srgbClr val="795E26"/>
-                </a:solidFill>
-                <a:effectLst/>
-                <a:highlight>
-                  <a:srgbClr val="FFFFFF"/>
-                </a:highlight>
-                <a:latin typeface="Consolas" panose="020B0609020204030204" pitchFamily="49" charset="0"/>
-              </a:rPr>
-              <a:t>JButton</a:t>
-            </a:r>
-            <a:r>
-              <a:rPr lang="en-US" sz="1600" b="0" dirty="0">
-                <a:solidFill>
-                  <a:srgbClr val="3B3B3B"/>
-                </a:solidFill>
-                <a:effectLst/>
-                <a:highlight>
-                  <a:srgbClr val="FFFFFF"/>
-                </a:highlight>
-                <a:latin typeface="Consolas" panose="020B0609020204030204" pitchFamily="49" charset="0"/>
-              </a:rPr>
-              <a:t>(</a:t>
-            </a:r>
-            <a:r>
-              <a:rPr lang="en-US" sz="1600" b="0" dirty="0">
-                <a:solidFill>
-                  <a:srgbClr val="A31515"/>
-                </a:solidFill>
-                <a:effectLst/>
-                <a:highlight>
-                  <a:srgbClr val="FFFFFF"/>
-                </a:highlight>
-                <a:latin typeface="Consolas" panose="020B0609020204030204" pitchFamily="49" charset="0"/>
-              </a:rPr>
-              <a:t>"Click me!"</a:t>
-            </a:r>
-            <a:r>
-              <a:rPr lang="en-US" sz="1600" b="0" dirty="0">
-                <a:solidFill>
-                  <a:srgbClr val="3B3B3B"/>
-                </a:solidFill>
-                <a:effectLst/>
-                <a:highlight>
-                  <a:srgbClr val="FFFFFF"/>
-                </a:highlight>
-                <a:latin typeface="Consolas" panose="020B0609020204030204" pitchFamily="49" charset="0"/>
-              </a:rPr>
-              <a:t>);</a:t>
-            </a:r>
-          </a:p>
-          <a:p>
-            <a:r>
-              <a:rPr lang="en-US" sz="1600" b="0" dirty="0">
-                <a:solidFill>
-                  <a:srgbClr val="3B3B3B"/>
-                </a:solidFill>
-                <a:effectLst/>
-                <a:highlight>
-                  <a:srgbClr val="FFFFFF"/>
-                </a:highlight>
-                <a:latin typeface="Consolas" panose="020B0609020204030204" pitchFamily="49" charset="0"/>
-              </a:rPr>
-              <a:t>       </a:t>
-            </a:r>
-            <a:r>
-              <a:rPr lang="en-US" sz="1600" b="0" dirty="0" err="1">
-                <a:solidFill>
-                  <a:srgbClr val="001080"/>
-                </a:solidFill>
-                <a:effectLst/>
-                <a:highlight>
-                  <a:srgbClr val="FFFFFF"/>
-                </a:highlight>
-                <a:latin typeface="Consolas" panose="020B0609020204030204" pitchFamily="49" charset="0"/>
-              </a:rPr>
-              <a:t>aButton</a:t>
-            </a:r>
-            <a:r>
-              <a:rPr lang="en-US" sz="1600" b="0" dirty="0" err="1">
-                <a:solidFill>
-                  <a:srgbClr val="3B3B3B"/>
-                </a:solidFill>
-                <a:effectLst/>
-                <a:highlight>
-                  <a:srgbClr val="FFFFFF"/>
-                </a:highlight>
-                <a:latin typeface="Consolas" panose="020B0609020204030204" pitchFamily="49" charset="0"/>
-              </a:rPr>
-              <a:t>.</a:t>
-            </a:r>
-            <a:r>
-              <a:rPr lang="en-US" sz="1600" b="0" dirty="0" err="1">
-                <a:solidFill>
-                  <a:srgbClr val="795E26"/>
-                </a:solidFill>
-                <a:effectLst/>
-                <a:highlight>
-                  <a:srgbClr val="FFFFFF"/>
-                </a:highlight>
-                <a:latin typeface="Consolas" panose="020B0609020204030204" pitchFamily="49" charset="0"/>
-              </a:rPr>
-              <a:t>addActionListener</a:t>
-            </a:r>
-            <a:r>
-              <a:rPr lang="en-US" sz="1600" b="0" dirty="0">
-                <a:solidFill>
-                  <a:srgbClr val="3B3B3B"/>
-                </a:solidFill>
-                <a:effectLst/>
-                <a:highlight>
-                  <a:srgbClr val="FFFFFF"/>
-                </a:highlight>
-                <a:latin typeface="Consolas" panose="020B0609020204030204" pitchFamily="49" charset="0"/>
-              </a:rPr>
-              <a:t>(</a:t>
-            </a:r>
-            <a:r>
-              <a:rPr lang="en-US" sz="1600" b="0" dirty="0">
-                <a:solidFill>
-                  <a:srgbClr val="AF00DB"/>
-                </a:solidFill>
-                <a:effectLst/>
-                <a:highlight>
-                  <a:srgbClr val="FFFFFF"/>
-                </a:highlight>
-                <a:latin typeface="Consolas" panose="020B0609020204030204" pitchFamily="49" charset="0"/>
-              </a:rPr>
-              <a:t>new</a:t>
-            </a:r>
-            <a:r>
-              <a:rPr lang="en-US" sz="1600" b="0" dirty="0">
-                <a:solidFill>
-                  <a:srgbClr val="3B3B3B"/>
-                </a:solidFill>
-                <a:effectLst/>
-                <a:highlight>
-                  <a:srgbClr val="FFFFFF"/>
-                </a:highlight>
-                <a:latin typeface="Consolas" panose="020B0609020204030204" pitchFamily="49" charset="0"/>
-              </a:rPr>
-              <a:t> </a:t>
-            </a:r>
-            <a:r>
-              <a:rPr lang="en-US" sz="1600" b="0" dirty="0">
-                <a:solidFill>
-                  <a:srgbClr val="795E26"/>
-                </a:solidFill>
-                <a:effectLst/>
-                <a:highlight>
-                  <a:srgbClr val="FFFFFF"/>
-                </a:highlight>
-                <a:latin typeface="Consolas" panose="020B0609020204030204" pitchFamily="49" charset="0"/>
-              </a:rPr>
-              <a:t>ActionListener</a:t>
-            </a:r>
-            <a:r>
-              <a:rPr lang="en-US" sz="1600" b="0" dirty="0">
-                <a:solidFill>
-                  <a:srgbClr val="3B3B3B"/>
-                </a:solidFill>
-                <a:effectLst/>
-                <a:highlight>
-                  <a:srgbClr val="FFFFFF"/>
-                </a:highlight>
-                <a:latin typeface="Consolas" panose="020B0609020204030204" pitchFamily="49" charset="0"/>
-              </a:rPr>
-              <a:t>(){</a:t>
-            </a:r>
-          </a:p>
-          <a:p>
-            <a:r>
-              <a:rPr lang="en-US" sz="1600" b="0" dirty="0">
-                <a:solidFill>
-                  <a:srgbClr val="3B3B3B"/>
-                </a:solidFill>
-                <a:effectLst/>
-                <a:highlight>
-                  <a:srgbClr val="FFFFFF"/>
-                </a:highlight>
-                <a:latin typeface="Consolas" panose="020B0609020204030204" pitchFamily="49" charset="0"/>
-              </a:rPr>
-              <a:t>            @</a:t>
-            </a:r>
-            <a:r>
-              <a:rPr lang="en-US" sz="1600" b="0" dirty="0">
-                <a:solidFill>
-                  <a:srgbClr val="267F99"/>
-                </a:solidFill>
-                <a:effectLst/>
-                <a:highlight>
-                  <a:srgbClr val="FFFFFF"/>
-                </a:highlight>
-                <a:latin typeface="Consolas" panose="020B0609020204030204" pitchFamily="49" charset="0"/>
-              </a:rPr>
-              <a:t>Override</a:t>
-            </a:r>
-            <a:endParaRPr lang="en-US" sz="1600" b="0" dirty="0">
-              <a:solidFill>
-                <a:srgbClr val="3B3B3B"/>
-              </a:solidFill>
-              <a:effectLst/>
-              <a:highlight>
-                <a:srgbClr val="FFFFFF"/>
-              </a:highlight>
-              <a:latin typeface="Consolas" panose="020B0609020204030204" pitchFamily="49" charset="0"/>
-            </a:endParaRPr>
-          </a:p>
-          <a:p>
-            <a:r>
-              <a:rPr lang="en-US" sz="1600" b="0" dirty="0">
-                <a:solidFill>
-                  <a:srgbClr val="3B3B3B"/>
-                </a:solidFill>
-                <a:effectLst/>
-                <a:highlight>
-                  <a:srgbClr val="FFFFFF"/>
-                </a:highlight>
-                <a:latin typeface="Consolas" panose="020B0609020204030204" pitchFamily="49" charset="0"/>
-              </a:rPr>
-              <a:t>            </a:t>
-            </a:r>
-            <a:r>
-              <a:rPr lang="en-US" sz="1600" b="0" dirty="0">
-                <a:solidFill>
-                  <a:srgbClr val="0000FF"/>
-                </a:solidFill>
-                <a:effectLst/>
-                <a:highlight>
-                  <a:srgbClr val="FFFFFF"/>
-                </a:highlight>
-                <a:latin typeface="Consolas" panose="020B0609020204030204" pitchFamily="49" charset="0"/>
-              </a:rPr>
-              <a:t>public</a:t>
-            </a:r>
-            <a:r>
-              <a:rPr lang="en-US" sz="1600" b="0" dirty="0">
-                <a:solidFill>
-                  <a:srgbClr val="3B3B3B"/>
-                </a:solidFill>
-                <a:effectLst/>
-                <a:highlight>
-                  <a:srgbClr val="FFFFFF"/>
-                </a:highlight>
-                <a:latin typeface="Consolas" panose="020B0609020204030204" pitchFamily="49" charset="0"/>
-              </a:rPr>
-              <a:t> </a:t>
-            </a:r>
-            <a:r>
-              <a:rPr lang="en-US" sz="1600" b="0" dirty="0">
-                <a:solidFill>
-                  <a:srgbClr val="267F99"/>
-                </a:solidFill>
-                <a:effectLst/>
-                <a:highlight>
-                  <a:srgbClr val="FFFFFF"/>
-                </a:highlight>
-                <a:latin typeface="Consolas" panose="020B0609020204030204" pitchFamily="49" charset="0"/>
-              </a:rPr>
-              <a:t>void</a:t>
-            </a:r>
-            <a:r>
-              <a:rPr lang="en-US" sz="1600" b="0" dirty="0">
-                <a:solidFill>
-                  <a:srgbClr val="3B3B3B"/>
-                </a:solidFill>
-                <a:effectLst/>
-                <a:highlight>
-                  <a:srgbClr val="FFFFFF"/>
-                </a:highlight>
-                <a:latin typeface="Consolas" panose="020B0609020204030204" pitchFamily="49" charset="0"/>
-              </a:rPr>
-              <a:t> </a:t>
-            </a:r>
-            <a:r>
-              <a:rPr lang="en-US" sz="1600" b="0" dirty="0" err="1">
-                <a:solidFill>
-                  <a:srgbClr val="795E26"/>
-                </a:solidFill>
-                <a:effectLst/>
-                <a:highlight>
-                  <a:srgbClr val="FFFFFF"/>
-                </a:highlight>
-                <a:latin typeface="Consolas" panose="020B0609020204030204" pitchFamily="49" charset="0"/>
-              </a:rPr>
-              <a:t>actionPerformed</a:t>
-            </a:r>
-            <a:r>
-              <a:rPr lang="en-US" sz="1600" b="0" dirty="0">
-                <a:solidFill>
-                  <a:srgbClr val="3B3B3B"/>
-                </a:solidFill>
-                <a:effectLst/>
-                <a:highlight>
-                  <a:srgbClr val="FFFFFF"/>
-                </a:highlight>
-                <a:latin typeface="Consolas" panose="020B0609020204030204" pitchFamily="49" charset="0"/>
-              </a:rPr>
-              <a:t>(</a:t>
-            </a:r>
-            <a:r>
-              <a:rPr lang="en-US" sz="1600" b="0" dirty="0" err="1">
-                <a:solidFill>
-                  <a:srgbClr val="267F99"/>
-                </a:solidFill>
-                <a:effectLst/>
-                <a:highlight>
-                  <a:srgbClr val="FFFFFF"/>
-                </a:highlight>
-                <a:latin typeface="Consolas" panose="020B0609020204030204" pitchFamily="49" charset="0"/>
-              </a:rPr>
-              <a:t>ActionEvent</a:t>
-            </a:r>
-            <a:r>
-              <a:rPr lang="en-US" sz="1600" b="0" dirty="0">
-                <a:solidFill>
-                  <a:srgbClr val="3B3B3B"/>
-                </a:solidFill>
-                <a:effectLst/>
-                <a:highlight>
-                  <a:srgbClr val="FFFFFF"/>
-                </a:highlight>
-                <a:latin typeface="Consolas" panose="020B0609020204030204" pitchFamily="49" charset="0"/>
-              </a:rPr>
-              <a:t> </a:t>
-            </a:r>
-            <a:r>
-              <a:rPr lang="en-US" sz="1600" b="0" dirty="0">
-                <a:solidFill>
-                  <a:srgbClr val="001080"/>
-                </a:solidFill>
-                <a:effectLst/>
-                <a:highlight>
-                  <a:srgbClr val="FFFFFF"/>
-                </a:highlight>
-                <a:latin typeface="Consolas" panose="020B0609020204030204" pitchFamily="49" charset="0"/>
-              </a:rPr>
-              <a:t>e</a:t>
-            </a:r>
-            <a:r>
-              <a:rPr lang="en-US" sz="1600" b="0" dirty="0">
-                <a:solidFill>
-                  <a:srgbClr val="3B3B3B"/>
-                </a:solidFill>
-                <a:effectLst/>
-                <a:highlight>
-                  <a:srgbClr val="FFFFFF"/>
-                </a:highlight>
-                <a:latin typeface="Consolas" panose="020B0609020204030204" pitchFamily="49" charset="0"/>
-              </a:rPr>
-              <a:t>) {</a:t>
-            </a:r>
-          </a:p>
-          <a:p>
-            <a:r>
-              <a:rPr lang="en-US" sz="1600" b="0" dirty="0">
-                <a:solidFill>
-                  <a:srgbClr val="3B3B3B"/>
-                </a:solidFill>
-                <a:effectLst/>
-                <a:highlight>
-                  <a:srgbClr val="FFFFFF"/>
-                </a:highlight>
-                <a:latin typeface="Consolas" panose="020B0609020204030204" pitchFamily="49" charset="0"/>
-              </a:rPr>
-              <a:t>                </a:t>
-            </a:r>
-            <a:r>
-              <a:rPr lang="en-US" sz="1600" b="0" dirty="0" err="1">
-                <a:solidFill>
-                  <a:srgbClr val="001080"/>
-                </a:solidFill>
-                <a:effectLst/>
-                <a:highlight>
-                  <a:srgbClr val="FFFFFF"/>
-                </a:highlight>
-                <a:latin typeface="Consolas" panose="020B0609020204030204" pitchFamily="49" charset="0"/>
-              </a:rPr>
-              <a:t>clickCount</a:t>
-            </a:r>
-            <a:r>
-              <a:rPr lang="en-US" sz="1600" b="0" dirty="0">
-                <a:solidFill>
-                  <a:srgbClr val="000000"/>
-                </a:solidFill>
-                <a:effectLst/>
-                <a:highlight>
-                  <a:srgbClr val="FFFFFF"/>
-                </a:highlight>
-                <a:latin typeface="Consolas" panose="020B0609020204030204" pitchFamily="49" charset="0"/>
-              </a:rPr>
-              <a:t>++</a:t>
-            </a:r>
-            <a:r>
-              <a:rPr lang="en-US" sz="1600" b="0" dirty="0">
-                <a:solidFill>
-                  <a:srgbClr val="3B3B3B"/>
-                </a:solidFill>
-                <a:effectLst/>
-                <a:highlight>
-                  <a:srgbClr val="FFFFFF"/>
-                </a:highlight>
-                <a:latin typeface="Consolas" panose="020B0609020204030204" pitchFamily="49" charset="0"/>
-              </a:rPr>
-              <a:t>;</a:t>
-            </a:r>
-          </a:p>
-          <a:p>
-            <a:r>
-              <a:rPr lang="en-US" sz="1600" b="0" dirty="0">
-                <a:solidFill>
-                  <a:srgbClr val="3B3B3B"/>
-                </a:solidFill>
-                <a:effectLst/>
-                <a:highlight>
-                  <a:srgbClr val="FFFFFF"/>
-                </a:highlight>
-                <a:latin typeface="Consolas" panose="020B0609020204030204" pitchFamily="49" charset="0"/>
-              </a:rPr>
-              <a:t>                </a:t>
-            </a:r>
-            <a:r>
-              <a:rPr lang="en-US" sz="1600" b="0" dirty="0" err="1">
-                <a:solidFill>
-                  <a:srgbClr val="267F99"/>
-                </a:solidFill>
-                <a:effectLst/>
-                <a:highlight>
-                  <a:srgbClr val="FFFFFF"/>
-                </a:highlight>
-                <a:latin typeface="Consolas" panose="020B0609020204030204" pitchFamily="49" charset="0"/>
-              </a:rPr>
-              <a:t>System</a:t>
-            </a:r>
-            <a:r>
-              <a:rPr lang="en-US" sz="1600" b="0" dirty="0" err="1">
-                <a:solidFill>
-                  <a:srgbClr val="3B3B3B"/>
-                </a:solidFill>
-                <a:effectLst/>
-                <a:highlight>
-                  <a:srgbClr val="FFFFFF"/>
-                </a:highlight>
-                <a:latin typeface="Consolas" panose="020B0609020204030204" pitchFamily="49" charset="0"/>
-              </a:rPr>
-              <a:t>.</a:t>
-            </a:r>
-            <a:r>
-              <a:rPr lang="en-US" sz="1600" b="0" dirty="0" err="1">
-                <a:solidFill>
-                  <a:srgbClr val="0070C1"/>
-                </a:solidFill>
-                <a:effectLst/>
-                <a:highlight>
-                  <a:srgbClr val="FFFFFF"/>
-                </a:highlight>
-                <a:latin typeface="Consolas" panose="020B0609020204030204" pitchFamily="49" charset="0"/>
-              </a:rPr>
-              <a:t>out</a:t>
-            </a:r>
-            <a:r>
-              <a:rPr lang="en-US" sz="1600" b="0" dirty="0" err="1">
-                <a:solidFill>
-                  <a:srgbClr val="3B3B3B"/>
-                </a:solidFill>
-                <a:effectLst/>
-                <a:highlight>
-                  <a:srgbClr val="FFFFFF"/>
-                </a:highlight>
-                <a:latin typeface="Consolas" panose="020B0609020204030204" pitchFamily="49" charset="0"/>
-              </a:rPr>
-              <a:t>.</a:t>
-            </a:r>
-            <a:r>
-              <a:rPr lang="en-US" sz="1600" b="0" dirty="0" err="1">
-                <a:solidFill>
-                  <a:srgbClr val="795E26"/>
-                </a:solidFill>
-                <a:effectLst/>
-                <a:highlight>
-                  <a:srgbClr val="FFFFFF"/>
-                </a:highlight>
-                <a:latin typeface="Consolas" panose="020B0609020204030204" pitchFamily="49" charset="0"/>
-              </a:rPr>
-              <a:t>println</a:t>
-            </a:r>
-            <a:r>
-              <a:rPr lang="en-US" sz="1600" b="0" dirty="0">
-                <a:solidFill>
-                  <a:srgbClr val="3B3B3B"/>
-                </a:solidFill>
-                <a:effectLst/>
-                <a:highlight>
-                  <a:srgbClr val="FFFFFF"/>
-                </a:highlight>
-                <a:latin typeface="Consolas" panose="020B0609020204030204" pitchFamily="49" charset="0"/>
-              </a:rPr>
-              <a:t>(</a:t>
-            </a:r>
-            <a:r>
-              <a:rPr lang="en-US" sz="1600" b="0" dirty="0">
-                <a:solidFill>
-                  <a:srgbClr val="A31515"/>
-                </a:solidFill>
-                <a:effectLst/>
-                <a:highlight>
-                  <a:srgbClr val="FFFFFF"/>
-                </a:highlight>
-                <a:latin typeface="Consolas" panose="020B0609020204030204" pitchFamily="49" charset="0"/>
-              </a:rPr>
-              <a:t>"The button has been clicked "</a:t>
-            </a:r>
-            <a:endParaRPr lang="en-US" sz="1600" dirty="0">
-              <a:solidFill>
-                <a:srgbClr val="3B3B3B"/>
-              </a:solidFill>
-              <a:highlight>
-                <a:srgbClr val="FFFFFF"/>
-              </a:highlight>
-              <a:latin typeface="Consolas" panose="020B0609020204030204" pitchFamily="49" charset="0"/>
-            </a:endParaRPr>
-          </a:p>
-          <a:p>
-            <a:r>
-              <a:rPr lang="en-US" sz="1600" b="0" dirty="0">
-                <a:solidFill>
-                  <a:srgbClr val="3B3B3B"/>
-                </a:solidFill>
-                <a:effectLst/>
-                <a:highlight>
-                  <a:srgbClr val="FFFFFF"/>
-                </a:highlight>
-                <a:latin typeface="Consolas" panose="020B0609020204030204" pitchFamily="49" charset="0"/>
-              </a:rPr>
-              <a:t>                    </a:t>
-            </a:r>
-            <a:r>
-              <a:rPr lang="en-US" sz="1600" b="0" dirty="0">
-                <a:solidFill>
-                  <a:srgbClr val="000000"/>
-                </a:solidFill>
-                <a:effectLst/>
-                <a:highlight>
-                  <a:srgbClr val="FFFFFF"/>
-                </a:highlight>
-                <a:latin typeface="Consolas" panose="020B0609020204030204" pitchFamily="49" charset="0"/>
-              </a:rPr>
-              <a:t>+</a:t>
-            </a:r>
-            <a:r>
-              <a:rPr lang="en-US" sz="1600" b="0" dirty="0">
-                <a:solidFill>
-                  <a:srgbClr val="3B3B3B"/>
-                </a:solidFill>
-                <a:effectLst/>
-                <a:highlight>
-                  <a:srgbClr val="FFFFFF"/>
-                </a:highlight>
-                <a:latin typeface="Consolas" panose="020B0609020204030204" pitchFamily="49" charset="0"/>
-              </a:rPr>
-              <a:t> </a:t>
-            </a:r>
-            <a:r>
-              <a:rPr lang="en-US" sz="1600" b="0" dirty="0" err="1">
-                <a:solidFill>
-                  <a:srgbClr val="001080"/>
-                </a:solidFill>
-                <a:effectLst/>
-                <a:highlight>
-                  <a:srgbClr val="FFFFFF"/>
-                </a:highlight>
-                <a:latin typeface="Consolas" panose="020B0609020204030204" pitchFamily="49" charset="0"/>
-              </a:rPr>
-              <a:t>clickCount</a:t>
-            </a:r>
-            <a:r>
-              <a:rPr lang="en-US" sz="1600" b="0" dirty="0">
-                <a:solidFill>
-                  <a:srgbClr val="3B3B3B"/>
-                </a:solidFill>
-                <a:effectLst/>
-                <a:highlight>
-                  <a:srgbClr val="FFFFFF"/>
-                </a:highlight>
-                <a:latin typeface="Consolas" panose="020B0609020204030204" pitchFamily="49" charset="0"/>
-              </a:rPr>
-              <a:t> </a:t>
-            </a:r>
-            <a:r>
-              <a:rPr lang="en-US" sz="1600" b="0" dirty="0">
-                <a:solidFill>
-                  <a:srgbClr val="000000"/>
-                </a:solidFill>
-                <a:effectLst/>
-                <a:highlight>
-                  <a:srgbClr val="FFFFFF"/>
-                </a:highlight>
-                <a:latin typeface="Consolas" panose="020B0609020204030204" pitchFamily="49" charset="0"/>
-              </a:rPr>
-              <a:t>+</a:t>
-            </a:r>
-            <a:r>
-              <a:rPr lang="en-US" sz="1600" b="0" dirty="0">
-                <a:solidFill>
-                  <a:srgbClr val="3B3B3B"/>
-                </a:solidFill>
-                <a:effectLst/>
-                <a:highlight>
-                  <a:srgbClr val="FFFFFF"/>
-                </a:highlight>
-                <a:latin typeface="Consolas" panose="020B0609020204030204" pitchFamily="49" charset="0"/>
-              </a:rPr>
-              <a:t> </a:t>
-            </a:r>
-            <a:r>
-              <a:rPr lang="en-US" sz="1600" b="0" dirty="0">
-                <a:solidFill>
-                  <a:srgbClr val="A31515"/>
-                </a:solidFill>
-                <a:effectLst/>
-                <a:highlight>
-                  <a:srgbClr val="FFFFFF"/>
-                </a:highlight>
-                <a:latin typeface="Consolas" panose="020B0609020204030204" pitchFamily="49" charset="0"/>
-              </a:rPr>
-              <a:t>" times"</a:t>
-            </a:r>
-            <a:r>
-              <a:rPr lang="en-US" sz="1600" b="0" dirty="0">
-                <a:solidFill>
-                  <a:srgbClr val="3B3B3B"/>
-                </a:solidFill>
-                <a:effectLst/>
-                <a:highlight>
-                  <a:srgbClr val="FFFFFF"/>
-                </a:highlight>
-                <a:latin typeface="Consolas" panose="020B0609020204030204" pitchFamily="49" charset="0"/>
-              </a:rPr>
-              <a:t>);</a:t>
-            </a:r>
-          </a:p>
-          <a:p>
-            <a:r>
-              <a:rPr lang="en-US" sz="1600" b="0" dirty="0">
-                <a:solidFill>
-                  <a:srgbClr val="3B3B3B"/>
-                </a:solidFill>
-                <a:effectLst/>
-                <a:highlight>
-                  <a:srgbClr val="FFFFFF"/>
-                </a:highlight>
-                <a:latin typeface="Consolas" panose="020B0609020204030204" pitchFamily="49" charset="0"/>
-              </a:rPr>
-              <a:t>            }});</a:t>
-            </a:r>
-          </a:p>
-          <a:p>
-            <a:r>
-              <a:rPr lang="en-US" sz="1600" b="0" dirty="0">
-                <a:solidFill>
-                  <a:srgbClr val="3B3B3B"/>
-                </a:solidFill>
-                <a:effectLst/>
-                <a:highlight>
-                  <a:srgbClr val="FFFFFF"/>
-                </a:highlight>
-                <a:latin typeface="Consolas" panose="020B0609020204030204" pitchFamily="49" charset="0"/>
-              </a:rPr>
-              <a:t>        </a:t>
-            </a:r>
-            <a:r>
-              <a:rPr lang="en-US" sz="1600" b="0" dirty="0" err="1">
-                <a:solidFill>
-                  <a:srgbClr val="001080"/>
-                </a:solidFill>
-                <a:effectLst/>
-                <a:highlight>
-                  <a:srgbClr val="FFFFFF"/>
-                </a:highlight>
-                <a:latin typeface="Consolas" panose="020B0609020204030204" pitchFamily="49" charset="0"/>
-              </a:rPr>
-              <a:t>content</a:t>
-            </a:r>
-            <a:r>
-              <a:rPr lang="en-US" sz="1600" b="0" dirty="0" err="1">
-                <a:solidFill>
-                  <a:srgbClr val="3B3B3B"/>
-                </a:solidFill>
-                <a:effectLst/>
-                <a:highlight>
-                  <a:srgbClr val="FFFFFF"/>
-                </a:highlight>
-                <a:latin typeface="Consolas" panose="020B0609020204030204" pitchFamily="49" charset="0"/>
-              </a:rPr>
-              <a:t>.</a:t>
-            </a:r>
-            <a:r>
-              <a:rPr lang="en-US" sz="1600" b="0" dirty="0" err="1">
-                <a:solidFill>
-                  <a:srgbClr val="795E26"/>
-                </a:solidFill>
-                <a:effectLst/>
-                <a:highlight>
-                  <a:srgbClr val="FFFFFF"/>
-                </a:highlight>
-                <a:latin typeface="Consolas" panose="020B0609020204030204" pitchFamily="49" charset="0"/>
-              </a:rPr>
-              <a:t>add</a:t>
-            </a:r>
-            <a:r>
-              <a:rPr lang="en-US" sz="1600" b="0" dirty="0">
-                <a:solidFill>
-                  <a:srgbClr val="3B3B3B"/>
-                </a:solidFill>
-                <a:effectLst/>
-                <a:highlight>
-                  <a:srgbClr val="FFFFFF"/>
-                </a:highlight>
-                <a:latin typeface="Consolas" panose="020B0609020204030204" pitchFamily="49" charset="0"/>
-              </a:rPr>
-              <a:t>(</a:t>
-            </a:r>
-            <a:r>
-              <a:rPr lang="en-US" sz="1600" b="0" dirty="0" err="1">
-                <a:solidFill>
-                  <a:srgbClr val="001080"/>
-                </a:solidFill>
-                <a:effectLst/>
-                <a:highlight>
-                  <a:srgbClr val="FFFFFF"/>
-                </a:highlight>
-                <a:latin typeface="Consolas" panose="020B0609020204030204" pitchFamily="49" charset="0"/>
-              </a:rPr>
-              <a:t>aButton</a:t>
-            </a:r>
-            <a:r>
-              <a:rPr lang="en-US" sz="1600" b="0" dirty="0">
-                <a:solidFill>
-                  <a:srgbClr val="3B3B3B"/>
-                </a:solidFill>
-                <a:effectLst/>
-                <a:highlight>
-                  <a:srgbClr val="FFFFFF"/>
-                </a:highlight>
-                <a:latin typeface="Consolas" panose="020B0609020204030204" pitchFamily="49" charset="0"/>
-              </a:rPr>
-              <a:t>);</a:t>
-            </a:r>
-          </a:p>
-        </p:txBody>
-      </p:sp>
-    </p:spTree>
-    <p:extLst>
-      <p:ext uri="{BB962C8B-B14F-4D97-AF65-F5344CB8AC3E}">
-        <p14:creationId xmlns:p14="http://schemas.microsoft.com/office/powerpoint/2010/main" val="1503911380"/>
-      </p:ext>
-    </p:extLst>
-  </p:cSld>
-  <p:clrMapOvr>
-    <a:masterClrMapping/>
-  </p:clrMapOvr>
-</p:sld>
-</file>
-
-<file path=ppt/slides/slide21.xml><?xml version="1.0" encoding="utf-8"?>
-<p:sld xmlns:a="http://schemas.openxmlformats.org/drawingml/2006/main" xmlns:r="http://schemas.openxmlformats.org/officeDocument/2006/relationships" xmlns:p="http://schemas.openxmlformats.org/presentationml/2006/main">
-  <p:cSld>
-    <p:spTree>
-      <p:nvGrpSpPr>
-        <p:cNvPr id="1" name=""/>
-        <p:cNvGrpSpPr/>
-        <p:nvPr/>
-      </p:nvGrpSpPr>
-      <p:grpSpPr>
-        <a:xfrm>
-          <a:off x="0" y="0"/>
-          <a:ext cx="0" cy="0"/>
-          <a:chOff x="0" y="0"/>
-          <a:chExt cx="0" cy="0"/>
-        </a:xfrm>
-      </p:grpSpPr>
-      <p:sp>
-        <p:nvSpPr>
-          <p:cNvPr id="2" name="Title 1">
-            <a:extLst>
-              <a:ext uri="{FF2B5EF4-FFF2-40B4-BE49-F238E27FC236}">
-                <a16:creationId xmlns:a16="http://schemas.microsoft.com/office/drawing/2014/main" id="{0FE9524B-791C-73D0-787E-D034454EFA0E}"/>
-              </a:ext>
-            </a:extLst>
-          </p:cNvPr>
-          <p:cNvSpPr>
-            <a:spLocks noGrp="1"/>
-          </p:cNvSpPr>
-          <p:nvPr>
-            <p:ph type="title"/>
-          </p:nvPr>
-        </p:nvSpPr>
-        <p:spPr/>
-        <p:txBody>
-          <a:bodyPr/>
-          <a:lstStyle/>
-          <a:p>
-            <a:r>
-              <a:rPr lang="en-US" dirty="0"/>
-              <a:t>Anonymous Inner Classes</a:t>
-            </a:r>
-          </a:p>
-        </p:txBody>
-      </p:sp>
-      <p:sp>
-        <p:nvSpPr>
-          <p:cNvPr id="4" name="Footer Placeholder 3">
-            <a:extLst>
-              <a:ext uri="{FF2B5EF4-FFF2-40B4-BE49-F238E27FC236}">
-                <a16:creationId xmlns:a16="http://schemas.microsoft.com/office/drawing/2014/main" id="{B8513A32-5475-42A7-5852-2397EEBCD4BC}"/>
-              </a:ext>
-            </a:extLst>
-          </p:cNvPr>
-          <p:cNvSpPr>
-            <a:spLocks noGrp="1"/>
-          </p:cNvSpPr>
-          <p:nvPr>
-            <p:ph type="ftr" sz="quarter" idx="10"/>
-          </p:nvPr>
-        </p:nvSpPr>
-        <p:spPr/>
-        <p:txBody>
-          <a:bodyPr/>
-          <a:lstStyle/>
-          <a:p>
-            <a:pPr>
-              <a:defRPr/>
-            </a:pPr>
-            <a:r>
-              <a:rPr lang="fr-FR" altLang="en-US"/>
-              <a:t>CS 1181 – Computer Science II    Dr. Michael Raymer</a:t>
-            </a:r>
-            <a:endParaRPr lang="en-US" altLang="en-US" dirty="0"/>
-          </a:p>
-        </p:txBody>
-      </p:sp>
-      <p:sp>
-        <p:nvSpPr>
-          <p:cNvPr id="5" name="Slide Number Placeholder 4">
-            <a:extLst>
-              <a:ext uri="{FF2B5EF4-FFF2-40B4-BE49-F238E27FC236}">
-                <a16:creationId xmlns:a16="http://schemas.microsoft.com/office/drawing/2014/main" id="{701176F9-F3FB-B869-DCA3-A789595880CE}"/>
-              </a:ext>
-            </a:extLst>
-          </p:cNvPr>
-          <p:cNvSpPr>
-            <a:spLocks noGrp="1"/>
-          </p:cNvSpPr>
-          <p:nvPr>
-            <p:ph type="sldNum" sz="quarter" idx="11"/>
-          </p:nvPr>
-        </p:nvSpPr>
-        <p:spPr/>
-        <p:txBody>
-          <a:bodyPr/>
-          <a:lstStyle/>
-          <a:p>
-            <a:fld id="{19B0E89C-C97D-402E-B9E0-A1BE29AA681C}" type="slidenum">
-              <a:rPr lang="en-US" altLang="en-US" smtClean="0"/>
-              <a:pPr/>
-              <a:t>21</a:t>
             </a:fld>
             <a:endParaRPr lang="en-US" altLang="en-US"/>
           </a:p>
@@ -28709,7 +27344,7 @@
 </p:sld>
 </file>
 
-<file path=ppt/slides/slide22.xml><?xml version="1.0" encoding="utf-8"?>
+<file path=ppt/slides/slide21.xml><?xml version="1.0" encoding="utf-8"?>
 <p:sld xmlns:a="http://schemas.openxmlformats.org/drawingml/2006/main" xmlns:r="http://schemas.openxmlformats.org/officeDocument/2006/relationships" xmlns:p="http://schemas.openxmlformats.org/presentationml/2006/main">
   <p:cSld>
     <p:spTree>
@@ -28843,7 +27478,7 @@
             <a:fld id="{19B0E89C-C97D-402E-B9E0-A1BE29AA681C}" type="slidenum">
               <a:rPr lang="en-US" altLang="en-US" smtClean="0"/>
               <a:pPr/>
-              <a:t>22</a:t>
+              <a:t>21</a:t>
             </a:fld>
             <a:endParaRPr lang="en-US" altLang="en-US"/>
           </a:p>
@@ -29458,7 +28093,7 @@
 </p:sld>
 </file>
 
-<file path=ppt/slides/slide23.xml><?xml version="1.0" encoding="utf-8"?>
+<file path=ppt/slides/slide22.xml><?xml version="1.0" encoding="utf-8"?>
 <p:sld xmlns:a="http://schemas.openxmlformats.org/drawingml/2006/main" xmlns:r="http://schemas.openxmlformats.org/officeDocument/2006/relationships" xmlns:p="http://schemas.openxmlformats.org/presentationml/2006/main">
   <p:cSld>
     <p:spTree>
@@ -29559,7 +28194,7 @@
             <a:fld id="{19B0E89C-C97D-402E-B9E0-A1BE29AA681C}" type="slidenum">
               <a:rPr lang="en-US" altLang="en-US" smtClean="0"/>
               <a:pPr/>
-              <a:t>23</a:t>
+              <a:t>22</a:t>
             </a:fld>
             <a:endParaRPr lang="en-US" altLang="en-US"/>
           </a:p>
@@ -30027,7 +28662,7 @@
 </p:sld>
 </file>
 
-<file path=ppt/slides/slide24.xml><?xml version="1.0" encoding="utf-8"?>
+<file path=ppt/slides/slide23.xml><?xml version="1.0" encoding="utf-8"?>
 <p:sld xmlns:a="http://schemas.openxmlformats.org/drawingml/2006/main" xmlns:r="http://schemas.openxmlformats.org/officeDocument/2006/relationships" xmlns:p="http://schemas.openxmlformats.org/presentationml/2006/main">
   <p:cSld>
     <p:spTree>
@@ -30128,7 +28763,7 @@
             <a:fld id="{19B0E89C-C97D-402E-B9E0-A1BE29AA681C}" type="slidenum">
               <a:rPr lang="en-US" altLang="en-US" smtClean="0"/>
               <a:pPr/>
-              <a:t>24</a:t>
+              <a:t>23</a:t>
             </a:fld>
             <a:endParaRPr lang="en-US" altLang="en-US"/>
           </a:p>
@@ -30699,7 +29334,7 @@
 </p:sld>
 </file>
 
-<file path=ppt/slides/slide25.xml><?xml version="1.0" encoding="utf-8"?>
+<file path=ppt/slides/slide24.xml><?xml version="1.0" encoding="utf-8"?>
 <p:sld xmlns:a="http://schemas.openxmlformats.org/drawingml/2006/main" xmlns:r="http://schemas.openxmlformats.org/officeDocument/2006/relationships" xmlns:p="http://schemas.openxmlformats.org/presentationml/2006/main">
   <p:cSld>
     <p:spTree>
@@ -30800,7 +29435,7 @@
             <a:fld id="{19B0E89C-C97D-402E-B9E0-A1BE29AA681C}" type="slidenum">
               <a:rPr lang="en-US" altLang="en-US" smtClean="0"/>
               <a:pPr/>
-              <a:t>25</a:t>
+              <a:t>24</a:t>
             </a:fld>
             <a:endParaRPr lang="en-US" altLang="en-US"/>
           </a:p>
@@ -31471,7 +30106,7 @@
 </p:sld>
 </file>
 
-<file path=ppt/slides/slide26.xml><?xml version="1.0" encoding="utf-8"?>
+<file path=ppt/slides/slide25.xml><?xml version="1.0" encoding="utf-8"?>
 <p:sld xmlns:a="http://schemas.openxmlformats.org/drawingml/2006/main" xmlns:r="http://schemas.openxmlformats.org/officeDocument/2006/relationships" xmlns:p="http://schemas.openxmlformats.org/presentationml/2006/main">
   <p:cSld>
     <p:spTree>
@@ -31572,7 +30207,7 @@
             <a:fld id="{19B0E89C-C97D-402E-B9E0-A1BE29AA681C}" type="slidenum">
               <a:rPr lang="en-US" altLang="en-US" smtClean="0"/>
               <a:pPr/>
-              <a:t>26</a:t>
+              <a:t>25</a:t>
             </a:fld>
             <a:endParaRPr lang="en-US" altLang="en-US"/>
           </a:p>
@@ -34141,7 +32776,7 @@
 </p:sld>
 </file>
 
-<file path=ppt/slides/slide27.xml><?xml version="1.0" encoding="utf-8"?>
+<file path=ppt/slides/slide26.xml><?xml version="1.0" encoding="utf-8"?>
 <p:sld xmlns:a="http://schemas.openxmlformats.org/drawingml/2006/main" xmlns:r="http://schemas.openxmlformats.org/officeDocument/2006/relationships" xmlns:p="http://schemas.openxmlformats.org/presentationml/2006/main">
   <p:cSld>
     <p:spTree>
@@ -34295,7 +32930,7 @@
             <a:fld id="{19B0E89C-C97D-402E-B9E0-A1BE29AA681C}" type="slidenum">
               <a:rPr lang="en-US" altLang="en-US" smtClean="0"/>
               <a:pPr/>
-              <a:t>27</a:t>
+              <a:t>26</a:t>
             </a:fld>
             <a:endParaRPr lang="en-US" altLang="en-US"/>
           </a:p>
@@ -35234,7 +33869,7 @@
 </p:sld>
 </file>
 
-<file path=ppt/slides/slide28.xml><?xml version="1.0" encoding="utf-8"?>
+<file path=ppt/slides/slide27.xml><?xml version="1.0" encoding="utf-8"?>
 <p:sld xmlns:a="http://schemas.openxmlformats.org/drawingml/2006/main" xmlns:r="http://schemas.openxmlformats.org/officeDocument/2006/relationships" xmlns:p="http://schemas.openxmlformats.org/presentationml/2006/main">
   <p:cSld>
     <p:spTree>
@@ -35471,7 +34106,7 @@
             <a:fld id="{19B0E89C-C97D-402E-B9E0-A1BE29AA681C}" type="slidenum">
               <a:rPr lang="en-US" altLang="en-US" smtClean="0"/>
               <a:pPr/>
-              <a:t>28</a:t>
+              <a:t>27</a:t>
             </a:fld>
             <a:endParaRPr lang="en-US" altLang="en-US"/>
           </a:p>
@@ -35597,7 +34232,7 @@
 </p:sld>
 </file>
 
-<file path=ppt/slides/slide29.xml><?xml version="1.0" encoding="utf-8"?>
+<file path=ppt/slides/slide28.xml><?xml version="1.0" encoding="utf-8"?>
 <p:sld xmlns:a="http://schemas.openxmlformats.org/drawingml/2006/main" xmlns:r="http://schemas.openxmlformats.org/officeDocument/2006/relationships" xmlns:p="http://schemas.openxmlformats.org/presentationml/2006/main">
   <p:cSld>
     <p:spTree>
@@ -35699,7 +34334,7 @@
             <a:fld id="{19B0E89C-C97D-402E-B9E0-A1BE29AA681C}" type="slidenum">
               <a:rPr lang="en-US" altLang="en-US" smtClean="0"/>
               <a:pPr/>
-              <a:t>29</a:t>
+              <a:t>28</a:t>
             </a:fld>
             <a:endParaRPr lang="en-US" altLang="en-US"/>
           </a:p>
@@ -35956,155 +34591,7 @@
 </p:sld>
 </file>
 
-<file path=ppt/slides/slide3.xml><?xml version="1.0" encoding="utf-8"?>
-<p:sld xmlns:a="http://schemas.openxmlformats.org/drawingml/2006/main" xmlns:r="http://schemas.openxmlformats.org/officeDocument/2006/relationships" xmlns:p="http://schemas.openxmlformats.org/presentationml/2006/main">
-  <p:cSld>
-    <p:spTree>
-      <p:nvGrpSpPr>
-        <p:cNvPr id="1" name=""/>
-        <p:cNvGrpSpPr/>
-        <p:nvPr/>
-      </p:nvGrpSpPr>
-      <p:grpSpPr>
-        <a:xfrm>
-          <a:off x="0" y="0"/>
-          <a:ext cx="0" cy="0"/>
-          <a:chOff x="0" y="0"/>
-          <a:chExt cx="0" cy="0"/>
-        </a:xfrm>
-      </p:grpSpPr>
-      <p:sp>
-        <p:nvSpPr>
-          <p:cNvPr id="2" name="Title 1">
-            <a:extLst>
-              <a:ext uri="{FF2B5EF4-FFF2-40B4-BE49-F238E27FC236}">
-                <a16:creationId xmlns:a16="http://schemas.microsoft.com/office/drawing/2014/main" id="{C9530864-484B-969C-74C5-E8F135D14254}"/>
-              </a:ext>
-            </a:extLst>
-          </p:cNvPr>
-          <p:cNvSpPr>
-            <a:spLocks noGrp="1"/>
-          </p:cNvSpPr>
-          <p:nvPr>
-            <p:ph type="title"/>
-          </p:nvPr>
-        </p:nvSpPr>
-        <p:spPr/>
-        <p:txBody>
-          <a:bodyPr/>
-          <a:lstStyle/>
-          <a:p>
-            <a:r>
-              <a:rPr lang="en-US" dirty="0"/>
-              <a:t>Quiz Password</a:t>
-            </a:r>
-          </a:p>
-        </p:txBody>
-      </p:sp>
-      <p:sp>
-        <p:nvSpPr>
-          <p:cNvPr id="3" name="Content Placeholder 2">
-            <a:extLst>
-              <a:ext uri="{FF2B5EF4-FFF2-40B4-BE49-F238E27FC236}">
-                <a16:creationId xmlns:a16="http://schemas.microsoft.com/office/drawing/2014/main" id="{7FA36E91-0D57-7B2F-4B1C-F3BC44613B65}"/>
-              </a:ext>
-            </a:extLst>
-          </p:cNvPr>
-          <p:cNvSpPr>
-            <a:spLocks noGrp="1"/>
-          </p:cNvSpPr>
-          <p:nvPr>
-            <p:ph idx="1"/>
-          </p:nvPr>
-        </p:nvSpPr>
-        <p:spPr/>
-        <p:txBody>
-          <a:bodyPr/>
-          <a:lstStyle/>
-          <a:p>
-            <a:r>
-              <a:rPr lang="en-US" dirty="0"/>
-              <a:t>interface</a:t>
-            </a:r>
-          </a:p>
-        </p:txBody>
-      </p:sp>
-      <p:sp>
-        <p:nvSpPr>
-          <p:cNvPr id="4" name="Footer Placeholder 3">
-            <a:extLst>
-              <a:ext uri="{FF2B5EF4-FFF2-40B4-BE49-F238E27FC236}">
-                <a16:creationId xmlns:a16="http://schemas.microsoft.com/office/drawing/2014/main" id="{A403446A-E8C3-EE29-76EB-1869D4965C88}"/>
-              </a:ext>
-            </a:extLst>
-          </p:cNvPr>
-          <p:cNvSpPr>
-            <a:spLocks noGrp="1"/>
-          </p:cNvSpPr>
-          <p:nvPr>
-            <p:ph type="ftr" sz="quarter" idx="10"/>
-          </p:nvPr>
-        </p:nvSpPr>
-        <p:spPr/>
-        <p:txBody>
-          <a:bodyPr/>
-          <a:lstStyle/>
-          <a:p>
-            <a:pPr>
-              <a:defRPr/>
-            </a:pPr>
-            <a:r>
-              <a:rPr lang="fr-FR" altLang="en-US"/>
-              <a:t>CS 1181 – Computer Science II    Dr. Michael Raymer</a:t>
-            </a:r>
-            <a:endParaRPr lang="en-US" altLang="en-US" dirty="0"/>
-          </a:p>
-        </p:txBody>
-      </p:sp>
-      <p:sp>
-        <p:nvSpPr>
-          <p:cNvPr id="5" name="Slide Number Placeholder 4">
-            <a:extLst>
-              <a:ext uri="{FF2B5EF4-FFF2-40B4-BE49-F238E27FC236}">
-                <a16:creationId xmlns:a16="http://schemas.microsoft.com/office/drawing/2014/main" id="{8F5F3042-B930-B244-61A8-7755ED247F3E}"/>
-              </a:ext>
-            </a:extLst>
-          </p:cNvPr>
-          <p:cNvSpPr>
-            <a:spLocks noGrp="1"/>
-          </p:cNvSpPr>
-          <p:nvPr>
-            <p:ph type="sldNum" sz="quarter" idx="11"/>
-          </p:nvPr>
-        </p:nvSpPr>
-        <p:spPr/>
-        <p:txBody>
-          <a:bodyPr/>
-          <a:lstStyle/>
-          <a:p>
-            <a:fld id="{19B0E89C-C97D-402E-B9E0-A1BE29AA681C}" type="slidenum">
-              <a:rPr lang="en-US" altLang="en-US" smtClean="0"/>
-              <a:pPr/>
-              <a:t>3</a:t>
-            </a:fld>
-            <a:endParaRPr lang="en-US" altLang="en-US"/>
-          </a:p>
-        </p:txBody>
-      </p:sp>
-    </p:spTree>
-    <p:extLst>
-      <p:ext uri="{BB962C8B-B14F-4D97-AF65-F5344CB8AC3E}">
-        <p14:creationId xmlns:p14="http://schemas.microsoft.com/office/powerpoint/2010/main" val="2928898040"/>
-      </p:ext>
-    </p:extLst>
-  </p:cSld>
-  <p:clrMapOvr>
-    <a:masterClrMapping/>
-  </p:clrMapOvr>
-</p:sld>
-</file>
-
-<file path=ppt/slides/slide30.xml><?xml version="1.0" encoding="utf-8"?>
+<file path=ppt/slides/slide29.xml><?xml version="1.0" encoding="utf-8"?>
 <p:sld xmlns:a="http://schemas.openxmlformats.org/drawingml/2006/main" xmlns:r="http://schemas.openxmlformats.org/officeDocument/2006/relationships" xmlns:p="http://schemas.openxmlformats.org/presentationml/2006/main">
   <p:cSld>
     <p:spTree>
@@ -36250,7 +34737,7 @@
             <a:fld id="{19B0E89C-C97D-402E-B9E0-A1BE29AA681C}" type="slidenum">
               <a:rPr lang="en-US" altLang="en-US" smtClean="0"/>
               <a:pPr/>
-              <a:t>30</a:t>
+              <a:t>29</a:t>
             </a:fld>
             <a:endParaRPr lang="en-US" altLang="en-US"/>
           </a:p>
@@ -37078,7 +35565,1352 @@
 </p:sld>
 </file>
 
-<file path=ppt/slides/slide31.xml><?xml version="1.0" encoding="utf-8"?>
+<file path=ppt/slides/slide3.xml><?xml version="1.0" encoding="utf-8"?>
+<p:sld xmlns:a="http://schemas.openxmlformats.org/drawingml/2006/main" xmlns:r="http://schemas.openxmlformats.org/officeDocument/2006/relationships" xmlns:p="http://schemas.openxmlformats.org/presentationml/2006/main">
+  <p:cSld>
+    <p:spTree>
+      <p:nvGrpSpPr>
+        <p:cNvPr id="1" name=""/>
+        <p:cNvGrpSpPr/>
+        <p:nvPr/>
+      </p:nvGrpSpPr>
+      <p:grpSpPr>
+        <a:xfrm>
+          <a:off x="0" y="0"/>
+          <a:ext cx="0" cy="0"/>
+          <a:chOff x="0" y="0"/>
+          <a:chExt cx="0" cy="0"/>
+        </a:xfrm>
+      </p:grpSpPr>
+      <p:sp>
+        <p:nvSpPr>
+          <p:cNvPr id="2" name="Title 1">
+            <a:extLst>
+              <a:ext uri="{FF2B5EF4-FFF2-40B4-BE49-F238E27FC236}">
+                <a16:creationId xmlns:a16="http://schemas.microsoft.com/office/drawing/2014/main" id="{45B729C2-3DAA-F3D7-6DDB-DB860E51BF57}"/>
+              </a:ext>
+            </a:extLst>
+          </p:cNvPr>
+          <p:cNvSpPr>
+            <a:spLocks noGrp="1"/>
+          </p:cNvSpPr>
+          <p:nvPr>
+            <p:ph type="title"/>
+          </p:nvPr>
+        </p:nvSpPr>
+        <p:spPr/>
+        <p:txBody>
+          <a:bodyPr/>
+          <a:lstStyle/>
+          <a:p>
+            <a:r>
+              <a:rPr lang="en-US" dirty="0"/>
+              <a:t>Our First Execution Thread</a:t>
+            </a:r>
+          </a:p>
+        </p:txBody>
+      </p:sp>
+      <p:sp>
+        <p:nvSpPr>
+          <p:cNvPr id="3" name="Content Placeholder 2">
+            <a:extLst>
+              <a:ext uri="{FF2B5EF4-FFF2-40B4-BE49-F238E27FC236}">
+                <a16:creationId xmlns:a16="http://schemas.microsoft.com/office/drawing/2014/main" id="{7A90971C-E153-553E-5C03-63E51733E9CD}"/>
+              </a:ext>
+            </a:extLst>
+          </p:cNvPr>
+          <p:cNvSpPr>
+            <a:spLocks noGrp="1"/>
+          </p:cNvSpPr>
+          <p:nvPr>
+            <p:ph idx="1"/>
+          </p:nvPr>
+        </p:nvSpPr>
+        <p:spPr>
+          <a:xfrm>
+            <a:off x="381000" y="1143000"/>
+            <a:ext cx="8382000" cy="990600"/>
+          </a:xfrm>
+        </p:spPr>
+        <p:txBody>
+          <a:bodyPr/>
+          <a:lstStyle/>
+          <a:p>
+            <a:r>
+              <a:rPr lang="en-US" dirty="0"/>
+              <a:t>Why is the program still running when main() is done??</a:t>
+            </a:r>
+          </a:p>
+        </p:txBody>
+      </p:sp>
+      <p:sp>
+        <p:nvSpPr>
+          <p:cNvPr id="4" name="Footer Placeholder 3">
+            <a:extLst>
+              <a:ext uri="{FF2B5EF4-FFF2-40B4-BE49-F238E27FC236}">
+                <a16:creationId xmlns:a16="http://schemas.microsoft.com/office/drawing/2014/main" id="{32182962-36C0-BF6F-2E5F-BF06B5A228BA}"/>
+              </a:ext>
+            </a:extLst>
+          </p:cNvPr>
+          <p:cNvSpPr>
+            <a:spLocks noGrp="1"/>
+          </p:cNvSpPr>
+          <p:nvPr>
+            <p:ph type="ftr" sz="quarter" idx="10"/>
+          </p:nvPr>
+        </p:nvSpPr>
+        <p:spPr/>
+        <p:txBody>
+          <a:bodyPr/>
+          <a:lstStyle/>
+          <a:p>
+            <a:pPr>
+              <a:defRPr/>
+            </a:pPr>
+            <a:r>
+              <a:rPr lang="fr-FR" altLang="en-US"/>
+              <a:t>CS 1181 – Computer Science II    Dr. Michael Raymer</a:t>
+            </a:r>
+            <a:endParaRPr lang="en-US" altLang="en-US" dirty="0"/>
+          </a:p>
+        </p:txBody>
+      </p:sp>
+      <p:sp>
+        <p:nvSpPr>
+          <p:cNvPr id="5" name="Slide Number Placeholder 4">
+            <a:extLst>
+              <a:ext uri="{FF2B5EF4-FFF2-40B4-BE49-F238E27FC236}">
+                <a16:creationId xmlns:a16="http://schemas.microsoft.com/office/drawing/2014/main" id="{61E55713-1727-C366-319F-D870D979664A}"/>
+              </a:ext>
+            </a:extLst>
+          </p:cNvPr>
+          <p:cNvSpPr>
+            <a:spLocks noGrp="1"/>
+          </p:cNvSpPr>
+          <p:nvPr>
+            <p:ph type="sldNum" sz="quarter" idx="11"/>
+          </p:nvPr>
+        </p:nvSpPr>
+        <p:spPr/>
+        <p:txBody>
+          <a:bodyPr/>
+          <a:lstStyle/>
+          <a:p>
+            <a:fld id="{19B0E89C-C97D-402E-B9E0-A1BE29AA681C}" type="slidenum">
+              <a:rPr lang="en-US" altLang="en-US" smtClean="0"/>
+              <a:pPr/>
+              <a:t>3</a:t>
+            </a:fld>
+            <a:endParaRPr lang="en-US" altLang="en-US"/>
+          </a:p>
+        </p:txBody>
+      </p:sp>
+      <p:sp>
+        <p:nvSpPr>
+          <p:cNvPr id="6" name="Content Placeholder 2">
+            <a:extLst>
+              <a:ext uri="{FF2B5EF4-FFF2-40B4-BE49-F238E27FC236}">
+                <a16:creationId xmlns:a16="http://schemas.microsoft.com/office/drawing/2014/main" id="{D83EA0E4-1BE5-71A3-5DA8-954A636CC74A}"/>
+              </a:ext>
+            </a:extLst>
+          </p:cNvPr>
+          <p:cNvSpPr txBox="1">
+            <a:spLocks/>
+          </p:cNvSpPr>
+          <p:nvPr/>
+        </p:nvSpPr>
+        <p:spPr bwMode="auto">
+          <a:xfrm>
+            <a:off x="381000" y="4419600"/>
+            <a:ext cx="8382000" cy="1524000"/>
+          </a:xfrm>
+          <a:prstGeom prst="rect">
+            <a:avLst/>
+          </a:prstGeom>
+          <a:noFill/>
+          <a:ln>
+            <a:noFill/>
+          </a:ln>
+          <a:effectLst/>
+          <a:extLst>
+            <a:ext uri="{909E8E84-426E-40DD-AFC4-6F175D3DCCD1}">
+              <a14:hiddenFill xmlns:a14="http://schemas.microsoft.com/office/drawing/2010/main">
+                <a:solidFill>
+                  <a:schemeClr val="accent1"/>
+                </a:solidFill>
+              </a14:hiddenFill>
+            </a:ext>
+            <a:ext uri="{91240B29-F687-4F45-9708-019B960494DF}">
+              <a14:hiddenLine xmlns:a14="http://schemas.microsoft.com/office/drawing/2010/main" w="9525">
+                <a:solidFill>
+                  <a:schemeClr val="tx1"/>
+                </a:solidFill>
+                <a:miter lim="800000"/>
+                <a:headEnd/>
+                <a:tailEnd/>
+              </a14:hiddenLine>
+            </a:ext>
+            <a:ext uri="{AF507438-7753-43E0-B8FC-AC1667EBCBE1}">
+              <a14:hiddenEffects xmlns:a14="http://schemas.microsoft.com/office/drawing/2010/main">
+                <a:effectLst>
+                  <a:outerShdw dist="35921" dir="2700000" algn="ctr" rotWithShape="0">
+                    <a:schemeClr val="bg2"/>
+                  </a:outerShdw>
+                </a:effectLst>
+              </a14:hiddenEffects>
+            </a:ext>
+          </a:extLst>
+        </p:spPr>
+        <p:txBody>
+          <a:bodyPr vert="horz" wrap="square" lIns="91440" tIns="45720" rIns="91440" bIns="45720" numCol="1" anchor="t" anchorCtr="0" compatLnSpc="1">
+            <a:prstTxWarp prst="textNoShape">
+              <a:avLst/>
+            </a:prstTxWarp>
+          </a:bodyPr>
+          <a:lstStyle>
+            <a:lvl1pPr marL="342900" indent="-342900" algn="l" rtl="0" eaLnBrk="0" fontAlgn="base" hangingPunct="0">
+              <a:spcBef>
+                <a:spcPct val="20000"/>
+              </a:spcBef>
+              <a:spcAft>
+                <a:spcPct val="0"/>
+              </a:spcAft>
+              <a:buClr>
+                <a:srgbClr val="777777"/>
+              </a:buClr>
+              <a:buFont typeface="Symbol" panose="05050102010706020507" pitchFamily="18" charset="2"/>
+              <a:buChar char=""/>
+              <a:defRPr sz="3200" kern="1200">
+                <a:solidFill>
+                  <a:schemeClr val="tx1"/>
+                </a:solidFill>
+                <a:latin typeface="+mn-lt"/>
+                <a:ea typeface="+mn-ea"/>
+                <a:cs typeface="+mn-cs"/>
+              </a:defRPr>
+            </a:lvl1pPr>
+            <a:lvl2pPr marL="742950" indent="-285750" algn="l" rtl="0" eaLnBrk="0" fontAlgn="base" hangingPunct="0">
+              <a:spcBef>
+                <a:spcPct val="20000"/>
+              </a:spcBef>
+              <a:spcAft>
+                <a:spcPct val="0"/>
+              </a:spcAft>
+              <a:buChar char="•"/>
+              <a:defRPr sz="2800" kern="1200">
+                <a:solidFill>
+                  <a:schemeClr val="tx1"/>
+                </a:solidFill>
+                <a:latin typeface="+mn-lt"/>
+                <a:ea typeface="+mn-ea"/>
+                <a:cs typeface="+mn-cs"/>
+              </a:defRPr>
+            </a:lvl2pPr>
+            <a:lvl3pPr marL="1143000" indent="-228600" algn="l" rtl="0" eaLnBrk="0" fontAlgn="base" hangingPunct="0">
+              <a:spcBef>
+                <a:spcPct val="20000"/>
+              </a:spcBef>
+              <a:spcAft>
+                <a:spcPct val="0"/>
+              </a:spcAft>
+              <a:buSzPct val="65000"/>
+              <a:buFont typeface="Dreaming Outloud Pro" panose="03050502040302030504" pitchFamily="66" charset="0"/>
+              <a:buChar char=" "/>
+              <a:defRPr sz="2400" kern="1200">
+                <a:solidFill>
+                  <a:schemeClr val="tx1"/>
+                </a:solidFill>
+                <a:latin typeface="+mn-lt"/>
+                <a:ea typeface="+mn-ea"/>
+                <a:cs typeface="+mn-cs"/>
+              </a:defRPr>
+            </a:lvl3pPr>
+            <a:lvl4pPr marL="1600200" indent="-228600" algn="l" rtl="0" eaLnBrk="0" fontAlgn="base" hangingPunct="0">
+              <a:spcBef>
+                <a:spcPct val="20000"/>
+              </a:spcBef>
+              <a:spcAft>
+                <a:spcPct val="0"/>
+              </a:spcAft>
+              <a:buFont typeface="Wingdings" panose="05000000000000000000" pitchFamily="2" charset="2"/>
+              <a:buChar char="Ø"/>
+              <a:defRPr sz="2000" kern="1200">
+                <a:solidFill>
+                  <a:schemeClr val="tx1"/>
+                </a:solidFill>
+                <a:latin typeface="+mn-lt"/>
+                <a:ea typeface="+mn-ea"/>
+                <a:cs typeface="+mn-cs"/>
+              </a:defRPr>
+            </a:lvl4pPr>
+            <a:lvl5pPr marL="2057400" indent="-228600" algn="l" rtl="0" eaLnBrk="0" fontAlgn="base" hangingPunct="0">
+              <a:spcBef>
+                <a:spcPct val="20000"/>
+              </a:spcBef>
+              <a:spcAft>
+                <a:spcPct val="0"/>
+              </a:spcAft>
+              <a:buFont typeface="Dreaming Outloud Pro" panose="03050502040302030504" pitchFamily="66" charset="0"/>
+              <a:buChar char=" "/>
+              <a:defRPr sz="2000" kern="1200">
+                <a:solidFill>
+                  <a:schemeClr val="tx1"/>
+                </a:solidFill>
+                <a:latin typeface="+mn-lt"/>
+                <a:ea typeface="+mn-ea"/>
+                <a:cs typeface="+mn-cs"/>
+              </a:defRPr>
+            </a:lvl5pPr>
+            <a:lvl6pPr marL="2514600" indent="-228600" algn="l" defTabSz="914400" rtl="0" eaLnBrk="1" latinLnBrk="0" hangingPunct="1">
+              <a:lnSpc>
+                <a:spcPct val="90000"/>
+              </a:lnSpc>
+              <a:spcBef>
+                <a:spcPts val="500"/>
+              </a:spcBef>
+              <a:buFont typeface="Arial" panose="020B0604020202020204" pitchFamily="34" charset="0"/>
+              <a:buChar char="•"/>
+              <a:defRPr sz="1800" kern="1200">
+                <a:solidFill>
+                  <a:schemeClr val="tx1"/>
+                </a:solidFill>
+                <a:latin typeface="+mn-lt"/>
+                <a:ea typeface="+mn-ea"/>
+                <a:cs typeface="+mn-cs"/>
+              </a:defRPr>
+            </a:lvl6pPr>
+            <a:lvl7pPr marL="2971800" indent="-228600" algn="l" defTabSz="914400" rtl="0" eaLnBrk="1" latinLnBrk="0" hangingPunct="1">
+              <a:lnSpc>
+                <a:spcPct val="90000"/>
+              </a:lnSpc>
+              <a:spcBef>
+                <a:spcPts val="500"/>
+              </a:spcBef>
+              <a:buFont typeface="Arial" panose="020B0604020202020204" pitchFamily="34" charset="0"/>
+              <a:buChar char="•"/>
+              <a:defRPr sz="1800" kern="1200">
+                <a:solidFill>
+                  <a:schemeClr val="tx1"/>
+                </a:solidFill>
+                <a:latin typeface="+mn-lt"/>
+                <a:ea typeface="+mn-ea"/>
+                <a:cs typeface="+mn-cs"/>
+              </a:defRPr>
+            </a:lvl7pPr>
+            <a:lvl8pPr marL="3429000" indent="-228600" algn="l" defTabSz="914400" rtl="0" eaLnBrk="1" latinLnBrk="0" hangingPunct="1">
+              <a:lnSpc>
+                <a:spcPct val="90000"/>
+              </a:lnSpc>
+              <a:spcBef>
+                <a:spcPts val="500"/>
+              </a:spcBef>
+              <a:buFont typeface="Arial" panose="020B0604020202020204" pitchFamily="34" charset="0"/>
+              <a:buChar char="•"/>
+              <a:defRPr sz="1800" kern="1200">
+                <a:solidFill>
+                  <a:schemeClr val="tx1"/>
+                </a:solidFill>
+                <a:latin typeface="+mn-lt"/>
+                <a:ea typeface="+mn-ea"/>
+                <a:cs typeface="+mn-cs"/>
+              </a:defRPr>
+            </a:lvl8pPr>
+            <a:lvl9pPr marL="3886200" indent="-228600" algn="l" defTabSz="914400" rtl="0" eaLnBrk="1" latinLnBrk="0" hangingPunct="1">
+              <a:lnSpc>
+                <a:spcPct val="90000"/>
+              </a:lnSpc>
+              <a:spcBef>
+                <a:spcPts val="500"/>
+              </a:spcBef>
+              <a:buFont typeface="Arial" panose="020B0604020202020204" pitchFamily="34" charset="0"/>
+              <a:buChar char="•"/>
+              <a:defRPr sz="1800" kern="1200">
+                <a:solidFill>
+                  <a:schemeClr val="tx1"/>
+                </a:solidFill>
+                <a:latin typeface="+mn-lt"/>
+                <a:ea typeface="+mn-ea"/>
+                <a:cs typeface="+mn-cs"/>
+              </a:defRPr>
+            </a:lvl9pPr>
+          </a:lstStyle>
+          <a:p>
+            <a:r>
+              <a:rPr lang="en-US" dirty="0"/>
+              <a:t>The Event Dispatch Thread (EDT) waits for clicks, drags, re-sizes, keyclicks, and other events and responds to them.</a:t>
+            </a:r>
+          </a:p>
+        </p:txBody>
+      </p:sp>
+      <p:sp>
+        <p:nvSpPr>
+          <p:cNvPr id="8" name="TextBox 7">
+            <a:extLst>
+              <a:ext uri="{FF2B5EF4-FFF2-40B4-BE49-F238E27FC236}">
+                <a16:creationId xmlns:a16="http://schemas.microsoft.com/office/drawing/2014/main" id="{DD11ED09-FF3F-9D25-B8D5-DA46C1294FDE}"/>
+              </a:ext>
+            </a:extLst>
+          </p:cNvPr>
+          <p:cNvSpPr txBox="1"/>
+          <p:nvPr/>
+        </p:nvSpPr>
+        <p:spPr>
+          <a:xfrm>
+            <a:off x="1066800" y="2406759"/>
+            <a:ext cx="7010400" cy="1815882"/>
+          </a:xfrm>
+          <a:prstGeom prst="rect">
+            <a:avLst/>
+          </a:prstGeom>
+          <a:noFill/>
+        </p:spPr>
+        <p:txBody>
+          <a:bodyPr wrap="square">
+            <a:spAutoFit/>
+          </a:bodyPr>
+          <a:lstStyle/>
+          <a:p>
+            <a:r>
+              <a:rPr lang="en-US" sz="1400" b="0" dirty="0">
+                <a:solidFill>
+                  <a:srgbClr val="3B3B3B"/>
+                </a:solidFill>
+                <a:effectLst/>
+                <a:highlight>
+                  <a:srgbClr val="FFFFFF"/>
+                </a:highlight>
+                <a:latin typeface="Consolas" panose="020B0609020204030204" pitchFamily="49" charset="0"/>
+              </a:rPr>
+              <a:t>   </a:t>
+            </a:r>
+            <a:r>
+              <a:rPr lang="en-US" sz="1400" b="0" dirty="0">
+                <a:solidFill>
+                  <a:srgbClr val="0000FF"/>
+                </a:solidFill>
+                <a:effectLst/>
+                <a:highlight>
+                  <a:srgbClr val="FFFFFF"/>
+                </a:highlight>
+                <a:latin typeface="Consolas" panose="020B0609020204030204" pitchFamily="49" charset="0"/>
+              </a:rPr>
+              <a:t>public</a:t>
+            </a:r>
+            <a:r>
+              <a:rPr lang="en-US" sz="1400" b="0" dirty="0">
+                <a:solidFill>
+                  <a:srgbClr val="3B3B3B"/>
+                </a:solidFill>
+                <a:effectLst/>
+                <a:highlight>
+                  <a:srgbClr val="FFFFFF"/>
+                </a:highlight>
+                <a:latin typeface="Consolas" panose="020B0609020204030204" pitchFamily="49" charset="0"/>
+              </a:rPr>
+              <a:t> </a:t>
+            </a:r>
+            <a:r>
+              <a:rPr lang="en-US" sz="1400" b="0" dirty="0">
+                <a:solidFill>
+                  <a:srgbClr val="0000FF"/>
+                </a:solidFill>
+                <a:effectLst/>
+                <a:highlight>
+                  <a:srgbClr val="FFFFFF"/>
+                </a:highlight>
+                <a:latin typeface="Consolas" panose="020B0609020204030204" pitchFamily="49" charset="0"/>
+              </a:rPr>
+              <a:t>static</a:t>
+            </a:r>
+            <a:r>
+              <a:rPr lang="en-US" sz="1400" b="0" dirty="0">
+                <a:solidFill>
+                  <a:srgbClr val="3B3B3B"/>
+                </a:solidFill>
+                <a:effectLst/>
+                <a:highlight>
+                  <a:srgbClr val="FFFFFF"/>
+                </a:highlight>
+                <a:latin typeface="Consolas" panose="020B0609020204030204" pitchFamily="49" charset="0"/>
+              </a:rPr>
+              <a:t> </a:t>
+            </a:r>
+            <a:r>
+              <a:rPr lang="en-US" sz="1400" b="0" dirty="0">
+                <a:solidFill>
+                  <a:srgbClr val="267F99"/>
+                </a:solidFill>
+                <a:effectLst/>
+                <a:highlight>
+                  <a:srgbClr val="FFFFFF"/>
+                </a:highlight>
+                <a:latin typeface="Consolas" panose="020B0609020204030204" pitchFamily="49" charset="0"/>
+              </a:rPr>
+              <a:t>void</a:t>
+            </a:r>
+            <a:r>
+              <a:rPr lang="en-US" sz="1400" b="0" dirty="0">
+                <a:solidFill>
+                  <a:srgbClr val="3B3B3B"/>
+                </a:solidFill>
+                <a:effectLst/>
+                <a:highlight>
+                  <a:srgbClr val="FFFFFF"/>
+                </a:highlight>
+                <a:latin typeface="Consolas" panose="020B0609020204030204" pitchFamily="49" charset="0"/>
+              </a:rPr>
+              <a:t> </a:t>
+            </a:r>
+            <a:r>
+              <a:rPr lang="en-US" sz="1400" b="0" dirty="0">
+                <a:solidFill>
+                  <a:srgbClr val="795E26"/>
+                </a:solidFill>
+                <a:effectLst/>
+                <a:highlight>
+                  <a:srgbClr val="FFFFFF"/>
+                </a:highlight>
+                <a:latin typeface="Consolas" panose="020B0609020204030204" pitchFamily="49" charset="0"/>
+              </a:rPr>
+              <a:t>main</a:t>
+            </a:r>
+            <a:r>
+              <a:rPr lang="en-US" sz="1400" b="0" dirty="0">
+                <a:solidFill>
+                  <a:srgbClr val="3B3B3B"/>
+                </a:solidFill>
+                <a:effectLst/>
+                <a:highlight>
+                  <a:srgbClr val="FFFFFF"/>
+                </a:highlight>
+                <a:latin typeface="Consolas" panose="020B0609020204030204" pitchFamily="49" charset="0"/>
+              </a:rPr>
+              <a:t>(</a:t>
+            </a:r>
+            <a:r>
+              <a:rPr lang="en-US" sz="1400" b="0" dirty="0">
+                <a:solidFill>
+                  <a:srgbClr val="267F99"/>
+                </a:solidFill>
+                <a:effectLst/>
+                <a:highlight>
+                  <a:srgbClr val="FFFFFF"/>
+                </a:highlight>
+                <a:latin typeface="Consolas" panose="020B0609020204030204" pitchFamily="49" charset="0"/>
+              </a:rPr>
+              <a:t>String</a:t>
+            </a:r>
+            <a:r>
+              <a:rPr lang="en-US" sz="1400" b="0" dirty="0">
+                <a:solidFill>
+                  <a:srgbClr val="3B3B3B"/>
+                </a:solidFill>
+                <a:effectLst/>
+                <a:highlight>
+                  <a:srgbClr val="FFFFFF"/>
+                </a:highlight>
+                <a:latin typeface="Consolas" panose="020B0609020204030204" pitchFamily="49" charset="0"/>
+              </a:rPr>
+              <a:t> </a:t>
+            </a:r>
+            <a:r>
+              <a:rPr lang="en-US" sz="1400" b="0" dirty="0" err="1">
+                <a:solidFill>
+                  <a:srgbClr val="001080"/>
+                </a:solidFill>
+                <a:effectLst/>
+                <a:highlight>
+                  <a:srgbClr val="FFFFFF"/>
+                </a:highlight>
+                <a:latin typeface="Consolas" panose="020B0609020204030204" pitchFamily="49" charset="0"/>
+              </a:rPr>
+              <a:t>args</a:t>
+            </a:r>
+            <a:r>
+              <a:rPr lang="en-US" sz="1400" b="0" dirty="0">
+                <a:solidFill>
+                  <a:srgbClr val="3B3B3B"/>
+                </a:solidFill>
+                <a:effectLst/>
+                <a:highlight>
+                  <a:srgbClr val="FFFFFF"/>
+                </a:highlight>
+                <a:latin typeface="Consolas" panose="020B0609020204030204" pitchFamily="49" charset="0"/>
+              </a:rPr>
+              <a:t>[]){</a:t>
+            </a:r>
+          </a:p>
+          <a:p>
+            <a:r>
+              <a:rPr lang="en-US" sz="1400" b="0" dirty="0">
+                <a:solidFill>
+                  <a:srgbClr val="3B3B3B"/>
+                </a:solidFill>
+                <a:effectLst/>
+                <a:highlight>
+                  <a:srgbClr val="FFFFFF"/>
+                </a:highlight>
+                <a:latin typeface="Consolas" panose="020B0609020204030204" pitchFamily="49" charset="0"/>
+              </a:rPr>
+              <a:t>        </a:t>
+            </a:r>
+            <a:r>
+              <a:rPr lang="en-US" sz="1400" b="0" dirty="0" err="1">
+                <a:solidFill>
+                  <a:srgbClr val="267F99"/>
+                </a:solidFill>
+                <a:effectLst/>
+                <a:highlight>
+                  <a:srgbClr val="FFFFFF"/>
+                </a:highlight>
+                <a:latin typeface="Consolas" panose="020B0609020204030204" pitchFamily="49" charset="0"/>
+              </a:rPr>
+              <a:t>JFrame</a:t>
+            </a:r>
+            <a:r>
+              <a:rPr lang="en-US" sz="1400" b="0" dirty="0">
+                <a:solidFill>
+                  <a:srgbClr val="3B3B3B"/>
+                </a:solidFill>
+                <a:effectLst/>
+                <a:highlight>
+                  <a:srgbClr val="FFFFFF"/>
+                </a:highlight>
+                <a:latin typeface="Consolas" panose="020B0609020204030204" pitchFamily="49" charset="0"/>
+              </a:rPr>
+              <a:t> </a:t>
+            </a:r>
+            <a:r>
+              <a:rPr lang="en-US" sz="1400" b="0" dirty="0" err="1">
+                <a:solidFill>
+                  <a:srgbClr val="001080"/>
+                </a:solidFill>
+                <a:effectLst/>
+                <a:highlight>
+                  <a:srgbClr val="FFFFFF"/>
+                </a:highlight>
+                <a:latin typeface="Consolas" panose="020B0609020204030204" pitchFamily="49" charset="0"/>
+              </a:rPr>
+              <a:t>theWindow</a:t>
+            </a:r>
+            <a:r>
+              <a:rPr lang="en-US" sz="1400" b="0" dirty="0">
+                <a:solidFill>
+                  <a:srgbClr val="3B3B3B"/>
+                </a:solidFill>
+                <a:effectLst/>
+                <a:highlight>
+                  <a:srgbClr val="FFFFFF"/>
+                </a:highlight>
+                <a:latin typeface="Consolas" panose="020B0609020204030204" pitchFamily="49" charset="0"/>
+              </a:rPr>
+              <a:t> </a:t>
+            </a:r>
+            <a:r>
+              <a:rPr lang="en-US" sz="1400" b="0" dirty="0">
+                <a:solidFill>
+                  <a:srgbClr val="000000"/>
+                </a:solidFill>
+                <a:effectLst/>
+                <a:highlight>
+                  <a:srgbClr val="FFFFFF"/>
+                </a:highlight>
+                <a:latin typeface="Consolas" panose="020B0609020204030204" pitchFamily="49" charset="0"/>
+              </a:rPr>
+              <a:t>=</a:t>
+            </a:r>
+            <a:r>
+              <a:rPr lang="en-US" sz="1400" b="0" dirty="0">
+                <a:solidFill>
+                  <a:srgbClr val="3B3B3B"/>
+                </a:solidFill>
+                <a:effectLst/>
+                <a:highlight>
+                  <a:srgbClr val="FFFFFF"/>
+                </a:highlight>
+                <a:latin typeface="Consolas" panose="020B0609020204030204" pitchFamily="49" charset="0"/>
+              </a:rPr>
+              <a:t> </a:t>
+            </a:r>
+            <a:r>
+              <a:rPr lang="en-US" sz="1400" b="0" dirty="0">
+                <a:solidFill>
+                  <a:srgbClr val="AF00DB"/>
+                </a:solidFill>
+                <a:effectLst/>
+                <a:highlight>
+                  <a:srgbClr val="FFFFFF"/>
+                </a:highlight>
+                <a:latin typeface="Consolas" panose="020B0609020204030204" pitchFamily="49" charset="0"/>
+              </a:rPr>
+              <a:t>new</a:t>
+            </a:r>
+            <a:r>
+              <a:rPr lang="en-US" sz="1400" b="0" dirty="0">
+                <a:solidFill>
+                  <a:srgbClr val="3B3B3B"/>
+                </a:solidFill>
+                <a:effectLst/>
+                <a:highlight>
+                  <a:srgbClr val="FFFFFF"/>
+                </a:highlight>
+                <a:latin typeface="Consolas" panose="020B0609020204030204" pitchFamily="49" charset="0"/>
+              </a:rPr>
+              <a:t> </a:t>
+            </a:r>
+            <a:r>
+              <a:rPr lang="en-US" sz="1400" b="0" dirty="0" err="1">
+                <a:solidFill>
+                  <a:srgbClr val="795E26"/>
+                </a:solidFill>
+                <a:effectLst/>
+                <a:highlight>
+                  <a:srgbClr val="FFFFFF"/>
+                </a:highlight>
+                <a:latin typeface="Consolas" panose="020B0609020204030204" pitchFamily="49" charset="0"/>
+              </a:rPr>
+              <a:t>JFrame</a:t>
+            </a:r>
+            <a:r>
+              <a:rPr lang="en-US" sz="1400" b="0" dirty="0">
+                <a:solidFill>
+                  <a:srgbClr val="3B3B3B"/>
+                </a:solidFill>
+                <a:effectLst/>
+                <a:highlight>
+                  <a:srgbClr val="FFFFFF"/>
+                </a:highlight>
+                <a:latin typeface="Consolas" panose="020B0609020204030204" pitchFamily="49" charset="0"/>
+              </a:rPr>
+              <a:t>(</a:t>
+            </a:r>
+            <a:r>
+              <a:rPr lang="en-US" sz="1400" b="0" dirty="0">
+                <a:solidFill>
+                  <a:srgbClr val="A31515"/>
+                </a:solidFill>
+                <a:effectLst/>
+                <a:highlight>
+                  <a:srgbClr val="FFFFFF"/>
+                </a:highlight>
+                <a:latin typeface="Consolas" panose="020B0609020204030204" pitchFamily="49" charset="0"/>
+              </a:rPr>
+              <a:t>"Our first window!"</a:t>
+            </a:r>
+            <a:r>
+              <a:rPr lang="en-US" sz="1400" b="0" dirty="0">
+                <a:solidFill>
+                  <a:srgbClr val="3B3B3B"/>
+                </a:solidFill>
+                <a:effectLst/>
+                <a:highlight>
+                  <a:srgbClr val="FFFFFF"/>
+                </a:highlight>
+                <a:latin typeface="Consolas" panose="020B0609020204030204" pitchFamily="49" charset="0"/>
+              </a:rPr>
+              <a:t>);</a:t>
+            </a:r>
+          </a:p>
+          <a:p>
+            <a:r>
+              <a:rPr lang="en-US" sz="1400" b="0" dirty="0">
+                <a:solidFill>
+                  <a:srgbClr val="3B3B3B"/>
+                </a:solidFill>
+                <a:effectLst/>
+                <a:highlight>
+                  <a:srgbClr val="FFFFFF"/>
+                </a:highlight>
+                <a:latin typeface="Consolas" panose="020B0609020204030204" pitchFamily="49" charset="0"/>
+              </a:rPr>
+              <a:t>        </a:t>
+            </a:r>
+            <a:r>
+              <a:rPr lang="en-US" sz="1400" b="0" dirty="0" err="1">
+                <a:solidFill>
+                  <a:srgbClr val="001080"/>
+                </a:solidFill>
+                <a:effectLst/>
+                <a:highlight>
+                  <a:srgbClr val="FFFFFF"/>
+                </a:highlight>
+                <a:latin typeface="Consolas" panose="020B0609020204030204" pitchFamily="49" charset="0"/>
+              </a:rPr>
+              <a:t>theWindow</a:t>
+            </a:r>
+            <a:r>
+              <a:rPr lang="en-US" sz="1400" b="0" dirty="0" err="1">
+                <a:solidFill>
+                  <a:srgbClr val="3B3B3B"/>
+                </a:solidFill>
+                <a:effectLst/>
+                <a:highlight>
+                  <a:srgbClr val="FFFFFF"/>
+                </a:highlight>
+                <a:latin typeface="Consolas" panose="020B0609020204030204" pitchFamily="49" charset="0"/>
+              </a:rPr>
+              <a:t>.</a:t>
+            </a:r>
+            <a:r>
+              <a:rPr lang="en-US" sz="1400" b="0" dirty="0" err="1">
+                <a:solidFill>
+                  <a:srgbClr val="795E26"/>
+                </a:solidFill>
+                <a:effectLst/>
+                <a:highlight>
+                  <a:srgbClr val="FFFFFF"/>
+                </a:highlight>
+                <a:latin typeface="Consolas" panose="020B0609020204030204" pitchFamily="49" charset="0"/>
+              </a:rPr>
+              <a:t>setSize</a:t>
+            </a:r>
+            <a:r>
+              <a:rPr lang="en-US" sz="1400" b="0" dirty="0">
+                <a:solidFill>
+                  <a:srgbClr val="3B3B3B"/>
+                </a:solidFill>
+                <a:effectLst/>
+                <a:highlight>
+                  <a:srgbClr val="FFFFFF"/>
+                </a:highlight>
+                <a:latin typeface="Consolas" panose="020B0609020204030204" pitchFamily="49" charset="0"/>
+              </a:rPr>
+              <a:t>(</a:t>
+            </a:r>
+            <a:r>
+              <a:rPr lang="en-US" sz="1400" b="0" dirty="0">
+                <a:solidFill>
+                  <a:srgbClr val="098658"/>
+                </a:solidFill>
+                <a:effectLst/>
+                <a:highlight>
+                  <a:srgbClr val="FFFFFF"/>
+                </a:highlight>
+                <a:latin typeface="Consolas" panose="020B0609020204030204" pitchFamily="49" charset="0"/>
+              </a:rPr>
+              <a:t>300</a:t>
+            </a:r>
+            <a:r>
+              <a:rPr lang="en-US" sz="1400" b="0" dirty="0">
+                <a:solidFill>
+                  <a:srgbClr val="3B3B3B"/>
+                </a:solidFill>
+                <a:effectLst/>
+                <a:highlight>
+                  <a:srgbClr val="FFFFFF"/>
+                </a:highlight>
+                <a:latin typeface="Consolas" panose="020B0609020204030204" pitchFamily="49" charset="0"/>
+              </a:rPr>
+              <a:t>, </a:t>
+            </a:r>
+            <a:r>
+              <a:rPr lang="en-US" sz="1400" b="0" dirty="0">
+                <a:solidFill>
+                  <a:srgbClr val="098658"/>
+                </a:solidFill>
+                <a:effectLst/>
+                <a:highlight>
+                  <a:srgbClr val="FFFFFF"/>
+                </a:highlight>
+                <a:latin typeface="Consolas" panose="020B0609020204030204" pitchFamily="49" charset="0"/>
+              </a:rPr>
+              <a:t>300</a:t>
+            </a:r>
+            <a:r>
+              <a:rPr lang="en-US" sz="1400" b="0" dirty="0">
+                <a:solidFill>
+                  <a:srgbClr val="3B3B3B"/>
+                </a:solidFill>
+                <a:effectLst/>
+                <a:highlight>
+                  <a:srgbClr val="FFFFFF"/>
+                </a:highlight>
+                <a:latin typeface="Consolas" panose="020B0609020204030204" pitchFamily="49" charset="0"/>
+              </a:rPr>
+              <a:t>);</a:t>
+            </a:r>
+          </a:p>
+          <a:p>
+            <a:r>
+              <a:rPr lang="en-US" sz="1400" b="0" dirty="0">
+                <a:solidFill>
+                  <a:srgbClr val="3B3B3B"/>
+                </a:solidFill>
+                <a:effectLst/>
+                <a:highlight>
+                  <a:srgbClr val="FFFFFF"/>
+                </a:highlight>
+                <a:latin typeface="Consolas" panose="020B0609020204030204" pitchFamily="49" charset="0"/>
+              </a:rPr>
+              <a:t>        </a:t>
+            </a:r>
+            <a:r>
+              <a:rPr lang="en-US" sz="1400" b="0" dirty="0" err="1">
+                <a:solidFill>
+                  <a:srgbClr val="001080"/>
+                </a:solidFill>
+                <a:effectLst/>
+                <a:highlight>
+                  <a:srgbClr val="FFFFFF"/>
+                </a:highlight>
+                <a:latin typeface="Consolas" panose="020B0609020204030204" pitchFamily="49" charset="0"/>
+              </a:rPr>
+              <a:t>theWindow</a:t>
+            </a:r>
+            <a:r>
+              <a:rPr lang="en-US" sz="1400" b="0" dirty="0" err="1">
+                <a:solidFill>
+                  <a:srgbClr val="3B3B3B"/>
+                </a:solidFill>
+                <a:effectLst/>
+                <a:highlight>
+                  <a:srgbClr val="FFFFFF"/>
+                </a:highlight>
+                <a:latin typeface="Consolas" panose="020B0609020204030204" pitchFamily="49" charset="0"/>
+              </a:rPr>
+              <a:t>.</a:t>
+            </a:r>
+            <a:r>
+              <a:rPr lang="en-US" sz="1400" b="0" dirty="0" err="1">
+                <a:solidFill>
+                  <a:srgbClr val="795E26"/>
+                </a:solidFill>
+                <a:effectLst/>
+                <a:highlight>
+                  <a:srgbClr val="FFFFFF"/>
+                </a:highlight>
+                <a:latin typeface="Consolas" panose="020B0609020204030204" pitchFamily="49" charset="0"/>
+              </a:rPr>
+              <a:t>setLocation</a:t>
+            </a:r>
+            <a:r>
+              <a:rPr lang="en-US" sz="1400" b="0" dirty="0">
+                <a:solidFill>
+                  <a:srgbClr val="3B3B3B"/>
+                </a:solidFill>
+                <a:effectLst/>
+                <a:highlight>
+                  <a:srgbClr val="FFFFFF"/>
+                </a:highlight>
+                <a:latin typeface="Consolas" panose="020B0609020204030204" pitchFamily="49" charset="0"/>
+              </a:rPr>
+              <a:t>(</a:t>
+            </a:r>
+            <a:r>
+              <a:rPr lang="en-US" sz="1400" b="0" dirty="0">
+                <a:solidFill>
+                  <a:srgbClr val="098658"/>
+                </a:solidFill>
+                <a:effectLst/>
+                <a:highlight>
+                  <a:srgbClr val="FFFFFF"/>
+                </a:highlight>
+                <a:latin typeface="Consolas" panose="020B0609020204030204" pitchFamily="49" charset="0"/>
+              </a:rPr>
+              <a:t>200</a:t>
+            </a:r>
+            <a:r>
+              <a:rPr lang="en-US" sz="1400" b="0" dirty="0">
+                <a:solidFill>
+                  <a:srgbClr val="3B3B3B"/>
+                </a:solidFill>
+                <a:effectLst/>
+                <a:highlight>
+                  <a:srgbClr val="FFFFFF"/>
+                </a:highlight>
+                <a:latin typeface="Consolas" panose="020B0609020204030204" pitchFamily="49" charset="0"/>
+              </a:rPr>
+              <a:t>, </a:t>
+            </a:r>
+            <a:r>
+              <a:rPr lang="en-US" sz="1400" b="0" dirty="0">
+                <a:solidFill>
+                  <a:srgbClr val="098658"/>
+                </a:solidFill>
+                <a:effectLst/>
+                <a:highlight>
+                  <a:srgbClr val="FFFFFF"/>
+                </a:highlight>
+                <a:latin typeface="Consolas" panose="020B0609020204030204" pitchFamily="49" charset="0"/>
+              </a:rPr>
+              <a:t>400</a:t>
+            </a:r>
+            <a:r>
+              <a:rPr lang="en-US" sz="1400" b="0" dirty="0">
+                <a:solidFill>
+                  <a:srgbClr val="3B3B3B"/>
+                </a:solidFill>
+                <a:effectLst/>
+                <a:highlight>
+                  <a:srgbClr val="FFFFFF"/>
+                </a:highlight>
+                <a:latin typeface="Consolas" panose="020B0609020204030204" pitchFamily="49" charset="0"/>
+              </a:rPr>
+              <a:t>);</a:t>
+            </a:r>
+          </a:p>
+          <a:p>
+            <a:r>
+              <a:rPr lang="en-US" sz="1400" b="0" dirty="0">
+                <a:solidFill>
+                  <a:srgbClr val="3B3B3B"/>
+                </a:solidFill>
+                <a:effectLst/>
+                <a:highlight>
+                  <a:srgbClr val="FFFFFF"/>
+                </a:highlight>
+                <a:latin typeface="Consolas" panose="020B0609020204030204" pitchFamily="49" charset="0"/>
+              </a:rPr>
+              <a:t>        </a:t>
+            </a:r>
+            <a:r>
+              <a:rPr lang="en-US" sz="1400" b="0" dirty="0" err="1">
+                <a:solidFill>
+                  <a:srgbClr val="001080"/>
+                </a:solidFill>
+                <a:effectLst/>
+                <a:highlight>
+                  <a:srgbClr val="FFFFFF"/>
+                </a:highlight>
+                <a:latin typeface="Consolas" panose="020B0609020204030204" pitchFamily="49" charset="0"/>
+              </a:rPr>
+              <a:t>theWindow</a:t>
+            </a:r>
+            <a:r>
+              <a:rPr lang="en-US" sz="1400" b="0" dirty="0" err="1">
+                <a:solidFill>
+                  <a:srgbClr val="3B3B3B"/>
+                </a:solidFill>
+                <a:effectLst/>
+                <a:highlight>
+                  <a:srgbClr val="FFFFFF"/>
+                </a:highlight>
+                <a:latin typeface="Consolas" panose="020B0609020204030204" pitchFamily="49" charset="0"/>
+              </a:rPr>
+              <a:t>.</a:t>
+            </a:r>
+            <a:r>
+              <a:rPr lang="en-US" sz="1400" b="0" dirty="0" err="1">
+                <a:solidFill>
+                  <a:srgbClr val="795E26"/>
+                </a:solidFill>
+                <a:effectLst/>
+                <a:highlight>
+                  <a:srgbClr val="FFFFFF"/>
+                </a:highlight>
+                <a:latin typeface="Consolas" panose="020B0609020204030204" pitchFamily="49" charset="0"/>
+              </a:rPr>
+              <a:t>setDefaultCloseOperation</a:t>
+            </a:r>
+            <a:r>
+              <a:rPr lang="en-US" sz="1400" b="0" dirty="0">
+                <a:solidFill>
+                  <a:srgbClr val="3B3B3B"/>
+                </a:solidFill>
+                <a:effectLst/>
+                <a:highlight>
+                  <a:srgbClr val="FFFFFF"/>
+                </a:highlight>
+                <a:latin typeface="Consolas" panose="020B0609020204030204" pitchFamily="49" charset="0"/>
+              </a:rPr>
+              <a:t>(</a:t>
+            </a:r>
+            <a:r>
+              <a:rPr lang="en-US" sz="1400" b="0" dirty="0" err="1">
+                <a:solidFill>
+                  <a:srgbClr val="267F99"/>
+                </a:solidFill>
+                <a:effectLst/>
+                <a:highlight>
+                  <a:srgbClr val="FFFFFF"/>
+                </a:highlight>
+                <a:latin typeface="Consolas" panose="020B0609020204030204" pitchFamily="49" charset="0"/>
+              </a:rPr>
+              <a:t>JFrame</a:t>
+            </a:r>
+            <a:r>
+              <a:rPr lang="en-US" sz="1400" b="0" dirty="0" err="1">
+                <a:solidFill>
+                  <a:srgbClr val="3B3B3B"/>
+                </a:solidFill>
+                <a:effectLst/>
+                <a:highlight>
+                  <a:srgbClr val="FFFFFF"/>
+                </a:highlight>
+                <a:latin typeface="Consolas" panose="020B0609020204030204" pitchFamily="49" charset="0"/>
+              </a:rPr>
+              <a:t>.</a:t>
+            </a:r>
+            <a:r>
+              <a:rPr lang="en-US" sz="1400" b="0" dirty="0" err="1">
+                <a:solidFill>
+                  <a:srgbClr val="0070C1"/>
+                </a:solidFill>
+                <a:effectLst/>
+                <a:highlight>
+                  <a:srgbClr val="FFFFFF"/>
+                </a:highlight>
+                <a:latin typeface="Consolas" panose="020B0609020204030204" pitchFamily="49" charset="0"/>
+              </a:rPr>
+              <a:t>EXIT_ON_CLOSE</a:t>
+            </a:r>
+            <a:r>
+              <a:rPr lang="en-US" sz="1400" b="0" dirty="0">
+                <a:solidFill>
+                  <a:srgbClr val="3B3B3B"/>
+                </a:solidFill>
+                <a:effectLst/>
+                <a:highlight>
+                  <a:srgbClr val="FFFFFF"/>
+                </a:highlight>
+                <a:latin typeface="Consolas" panose="020B0609020204030204" pitchFamily="49" charset="0"/>
+              </a:rPr>
+              <a:t>);</a:t>
+            </a:r>
+          </a:p>
+          <a:p>
+            <a:r>
+              <a:rPr lang="en-US" sz="1400" b="0" dirty="0">
+                <a:solidFill>
+                  <a:srgbClr val="3B3B3B"/>
+                </a:solidFill>
+                <a:effectLst/>
+                <a:highlight>
+                  <a:srgbClr val="FFFFFF"/>
+                </a:highlight>
+                <a:latin typeface="Consolas" panose="020B0609020204030204" pitchFamily="49" charset="0"/>
+              </a:rPr>
+              <a:t>        </a:t>
+            </a:r>
+            <a:r>
+              <a:rPr lang="en-US" sz="1400" b="0" dirty="0" err="1">
+                <a:solidFill>
+                  <a:srgbClr val="001080"/>
+                </a:solidFill>
+                <a:effectLst/>
+                <a:highlight>
+                  <a:srgbClr val="FFFFFF"/>
+                </a:highlight>
+                <a:latin typeface="Consolas" panose="020B0609020204030204" pitchFamily="49" charset="0"/>
+              </a:rPr>
+              <a:t>theWindow</a:t>
+            </a:r>
+            <a:r>
+              <a:rPr lang="en-US" sz="1400" b="0" dirty="0" err="1">
+                <a:solidFill>
+                  <a:srgbClr val="3B3B3B"/>
+                </a:solidFill>
+                <a:effectLst/>
+                <a:highlight>
+                  <a:srgbClr val="FFFFFF"/>
+                </a:highlight>
+                <a:latin typeface="Consolas" panose="020B0609020204030204" pitchFamily="49" charset="0"/>
+              </a:rPr>
+              <a:t>.</a:t>
+            </a:r>
+            <a:r>
+              <a:rPr lang="en-US" sz="1400" b="0" dirty="0" err="1">
+                <a:solidFill>
+                  <a:srgbClr val="795E26"/>
+                </a:solidFill>
+                <a:effectLst/>
+                <a:highlight>
+                  <a:srgbClr val="FFFFFF"/>
+                </a:highlight>
+                <a:latin typeface="Consolas" panose="020B0609020204030204" pitchFamily="49" charset="0"/>
+              </a:rPr>
+              <a:t>setVisible</a:t>
+            </a:r>
+            <a:r>
+              <a:rPr lang="en-US" sz="1400" b="0" dirty="0">
+                <a:solidFill>
+                  <a:srgbClr val="3B3B3B"/>
+                </a:solidFill>
+                <a:effectLst/>
+                <a:highlight>
+                  <a:srgbClr val="FFFFFF"/>
+                </a:highlight>
+                <a:latin typeface="Consolas" panose="020B0609020204030204" pitchFamily="49" charset="0"/>
+              </a:rPr>
+              <a:t>(</a:t>
+            </a:r>
+            <a:r>
+              <a:rPr lang="en-US" sz="1400" b="0" dirty="0">
+                <a:solidFill>
+                  <a:srgbClr val="0000FF"/>
+                </a:solidFill>
+                <a:effectLst/>
+                <a:highlight>
+                  <a:srgbClr val="FFFFFF"/>
+                </a:highlight>
+                <a:latin typeface="Consolas" panose="020B0609020204030204" pitchFamily="49" charset="0"/>
+              </a:rPr>
+              <a:t>true</a:t>
+            </a:r>
+            <a:r>
+              <a:rPr lang="en-US" sz="1400" b="0" dirty="0">
+                <a:solidFill>
+                  <a:srgbClr val="3B3B3B"/>
+                </a:solidFill>
+                <a:effectLst/>
+                <a:highlight>
+                  <a:srgbClr val="FFFFFF"/>
+                </a:highlight>
+                <a:latin typeface="Consolas" panose="020B0609020204030204" pitchFamily="49" charset="0"/>
+              </a:rPr>
+              <a:t>);</a:t>
+            </a:r>
+          </a:p>
+          <a:p>
+            <a:r>
+              <a:rPr lang="en-US" sz="1400" b="0" dirty="0">
+                <a:solidFill>
+                  <a:srgbClr val="3B3B3B"/>
+                </a:solidFill>
+                <a:effectLst/>
+                <a:highlight>
+                  <a:srgbClr val="FFFFFF"/>
+                </a:highlight>
+                <a:latin typeface="Consolas" panose="020B0609020204030204" pitchFamily="49" charset="0"/>
+              </a:rPr>
+              <a:t>        </a:t>
+            </a:r>
+            <a:r>
+              <a:rPr lang="en-US" sz="1400" b="0" dirty="0" err="1">
+                <a:solidFill>
+                  <a:srgbClr val="267F99"/>
+                </a:solidFill>
+                <a:effectLst/>
+                <a:highlight>
+                  <a:srgbClr val="FFFFFF"/>
+                </a:highlight>
+                <a:latin typeface="Consolas" panose="020B0609020204030204" pitchFamily="49" charset="0"/>
+              </a:rPr>
+              <a:t>System</a:t>
+            </a:r>
+            <a:r>
+              <a:rPr lang="en-US" sz="1400" b="0" dirty="0" err="1">
+                <a:solidFill>
+                  <a:srgbClr val="3B3B3B"/>
+                </a:solidFill>
+                <a:effectLst/>
+                <a:highlight>
+                  <a:srgbClr val="FFFFFF"/>
+                </a:highlight>
+                <a:latin typeface="Consolas" panose="020B0609020204030204" pitchFamily="49" charset="0"/>
+              </a:rPr>
+              <a:t>.</a:t>
+            </a:r>
+            <a:r>
+              <a:rPr lang="en-US" sz="1400" b="0" dirty="0" err="1">
+                <a:solidFill>
+                  <a:srgbClr val="0070C1"/>
+                </a:solidFill>
+                <a:effectLst/>
+                <a:highlight>
+                  <a:srgbClr val="FFFFFF"/>
+                </a:highlight>
+                <a:latin typeface="Consolas" panose="020B0609020204030204" pitchFamily="49" charset="0"/>
+              </a:rPr>
+              <a:t>out</a:t>
+            </a:r>
+            <a:r>
+              <a:rPr lang="en-US" sz="1400" b="0" dirty="0" err="1">
+                <a:solidFill>
+                  <a:srgbClr val="3B3B3B"/>
+                </a:solidFill>
+                <a:effectLst/>
+                <a:highlight>
+                  <a:srgbClr val="FFFFFF"/>
+                </a:highlight>
+                <a:latin typeface="Consolas" panose="020B0609020204030204" pitchFamily="49" charset="0"/>
+              </a:rPr>
+              <a:t>.</a:t>
+            </a:r>
+            <a:r>
+              <a:rPr lang="en-US" sz="1400" b="0" dirty="0" err="1">
+                <a:solidFill>
+                  <a:srgbClr val="795E26"/>
+                </a:solidFill>
+                <a:effectLst/>
+                <a:highlight>
+                  <a:srgbClr val="FFFFFF"/>
+                </a:highlight>
+                <a:latin typeface="Consolas" panose="020B0609020204030204" pitchFamily="49" charset="0"/>
+              </a:rPr>
+              <a:t>println</a:t>
+            </a:r>
+            <a:r>
+              <a:rPr lang="en-US" sz="1400" b="0" dirty="0">
+                <a:solidFill>
+                  <a:srgbClr val="3B3B3B"/>
+                </a:solidFill>
+                <a:effectLst/>
+                <a:highlight>
+                  <a:srgbClr val="FFFFFF"/>
+                </a:highlight>
+                <a:latin typeface="Consolas" panose="020B0609020204030204" pitchFamily="49" charset="0"/>
+              </a:rPr>
+              <a:t>(</a:t>
+            </a:r>
+            <a:r>
+              <a:rPr lang="en-US" sz="1400" b="0" dirty="0">
+                <a:solidFill>
+                  <a:srgbClr val="A31515"/>
+                </a:solidFill>
+                <a:effectLst/>
+                <a:highlight>
+                  <a:srgbClr val="FFFFFF"/>
+                </a:highlight>
+                <a:latin typeface="Consolas" panose="020B0609020204030204" pitchFamily="49" charset="0"/>
+              </a:rPr>
+              <a:t>"Done!"</a:t>
+            </a:r>
+            <a:r>
+              <a:rPr lang="en-US" sz="1400" b="0" dirty="0">
+                <a:solidFill>
+                  <a:srgbClr val="3B3B3B"/>
+                </a:solidFill>
+                <a:effectLst/>
+                <a:highlight>
+                  <a:srgbClr val="FFFFFF"/>
+                </a:highlight>
+                <a:latin typeface="Consolas" panose="020B0609020204030204" pitchFamily="49" charset="0"/>
+              </a:rPr>
+              <a:t>);</a:t>
+            </a:r>
+          </a:p>
+          <a:p>
+            <a:r>
+              <a:rPr lang="en-US" sz="1400" b="0" dirty="0">
+                <a:solidFill>
+                  <a:srgbClr val="3B3B3B"/>
+                </a:solidFill>
+                <a:effectLst/>
+                <a:highlight>
+                  <a:srgbClr val="FFFFFF"/>
+                </a:highlight>
+                <a:latin typeface="Consolas" panose="020B0609020204030204" pitchFamily="49" charset="0"/>
+              </a:rPr>
+              <a:t>    }</a:t>
+            </a:r>
+          </a:p>
+        </p:txBody>
+      </p:sp>
+    </p:spTree>
+    <p:extLst>
+      <p:ext uri="{BB962C8B-B14F-4D97-AF65-F5344CB8AC3E}">
+        <p14:creationId xmlns:p14="http://schemas.microsoft.com/office/powerpoint/2010/main" val="1880220352"/>
+      </p:ext>
+    </p:extLst>
+  </p:cSld>
+  <p:clrMapOvr>
+    <a:masterClrMapping/>
+  </p:clrMapOvr>
+</p:sld>
+</file>
+
+<file path=ppt/slides/slide30.xml><?xml version="1.0" encoding="utf-8"?>
 <p:sld xmlns:a="http://schemas.openxmlformats.org/drawingml/2006/main" xmlns:r="http://schemas.openxmlformats.org/officeDocument/2006/relationships" xmlns:p="http://schemas.openxmlformats.org/presentationml/2006/main">
   <p:cSld>
     <p:spTree>
@@ -37180,7 +37012,7 @@
             <a:fld id="{19B0E89C-C97D-402E-B9E0-A1BE29AA681C}" type="slidenum">
               <a:rPr lang="en-US" altLang="en-US" smtClean="0"/>
               <a:pPr/>
-              <a:t>31</a:t>
+              <a:t>30</a:t>
             </a:fld>
             <a:endParaRPr lang="en-US" altLang="en-US"/>
           </a:p>
@@ -37421,7 +37253,7 @@
 </p:sld>
 </file>
 
-<file path=ppt/slides/slide32.xml><?xml version="1.0" encoding="utf-8"?>
+<file path=ppt/slides/slide31.xml><?xml version="1.0" encoding="utf-8"?>
 <p:sld xmlns:a="http://schemas.openxmlformats.org/drawingml/2006/main" xmlns:r="http://schemas.openxmlformats.org/officeDocument/2006/relationships" xmlns:p="http://schemas.openxmlformats.org/presentationml/2006/main">
   <p:cSld>
     <p:spTree>
@@ -37603,7 +37435,7 @@
             <a:fld id="{19B0E89C-C97D-402E-B9E0-A1BE29AA681C}" type="slidenum">
               <a:rPr lang="en-US" altLang="en-US" smtClean="0"/>
               <a:pPr/>
-              <a:t>32</a:t>
+              <a:t>31</a:t>
             </a:fld>
             <a:endParaRPr lang="en-US" altLang="en-US"/>
           </a:p>
@@ -37722,7 +37554,7 @@
 </p:sld>
 </file>
 
-<file path=ppt/slides/slide33.xml><?xml version="1.0" encoding="utf-8"?>
+<file path=ppt/slides/slide32.xml><?xml version="1.0" encoding="utf-8"?>
 <p:sld xmlns:a="http://schemas.openxmlformats.org/drawingml/2006/main" xmlns:r="http://schemas.openxmlformats.org/officeDocument/2006/relationships" xmlns:p="http://schemas.openxmlformats.org/presentationml/2006/main">
   <p:cSld>
     <p:spTree>
@@ -37902,7 +37734,7 @@
             <a:fld id="{19B0E89C-C97D-402E-B9E0-A1BE29AA681C}" type="slidenum">
               <a:rPr lang="en-US" altLang="en-US" smtClean="0"/>
               <a:pPr/>
-              <a:t>33</a:t>
+              <a:t>32</a:t>
             </a:fld>
             <a:endParaRPr lang="en-US" altLang="en-US"/>
           </a:p>
@@ -38654,7 +38486,7 @@
 </p:sld>
 </file>
 
-<file path=ppt/slides/slide34.xml><?xml version="1.0" encoding="utf-8"?>
+<file path=ppt/slides/slide33.xml><?xml version="1.0" encoding="utf-8"?>
 <p:sld xmlns:a="http://schemas.openxmlformats.org/drawingml/2006/main" xmlns:r="http://schemas.openxmlformats.org/officeDocument/2006/relationships" xmlns:p="http://schemas.openxmlformats.org/presentationml/2006/main">
   <p:cSld>
     <p:spTree>
@@ -38788,7 +38620,7 @@
             <a:fld id="{19B0E89C-C97D-402E-B9E0-A1BE29AA681C}" type="slidenum">
               <a:rPr lang="en-US" altLang="en-US" smtClean="0"/>
               <a:pPr/>
-              <a:t>34</a:t>
+              <a:t>33</a:t>
             </a:fld>
             <a:endParaRPr lang="en-US" altLang="en-US"/>
           </a:p>
@@ -38884,39 +38716,6 @@
       </p:sp>
       <p:sp>
         <p:nvSpPr>
-          <p:cNvPr id="3" name="Content Placeholder 2">
-            <a:extLst>
-              <a:ext uri="{FF2B5EF4-FFF2-40B4-BE49-F238E27FC236}">
-                <a16:creationId xmlns:a16="http://schemas.microsoft.com/office/drawing/2014/main" id="{7A90971C-E153-553E-5C03-63E51733E9CD}"/>
-              </a:ext>
-            </a:extLst>
-          </p:cNvPr>
-          <p:cNvSpPr>
-            <a:spLocks noGrp="1"/>
-          </p:cNvSpPr>
-          <p:nvPr>
-            <p:ph idx="1"/>
-          </p:nvPr>
-        </p:nvSpPr>
-        <p:spPr>
-          <a:xfrm>
-            <a:off x="381000" y="1143000"/>
-            <a:ext cx="8382000" cy="990600"/>
-          </a:xfrm>
-        </p:spPr>
-        <p:txBody>
-          <a:bodyPr/>
-          <a:lstStyle/>
-          <a:p>
-            <a:r>
-              <a:rPr lang="en-US" dirty="0"/>
-              <a:t>Why is the program still running when main() is done??</a:t>
-            </a:r>
-          </a:p>
-        </p:txBody>
-      </p:sp>
-      <p:sp>
-        <p:nvSpPr>
           <p:cNvPr id="4" name="Footer Placeholder 3">
             <a:extLst>
               <a:ext uri="{FF2B5EF4-FFF2-40B4-BE49-F238E27FC236}">
@@ -38979,1318 +38778,6 @@
       </p:sp>
       <p:sp>
         <p:nvSpPr>
-          <p:cNvPr id="6" name="Content Placeholder 2">
-            <a:extLst>
-              <a:ext uri="{FF2B5EF4-FFF2-40B4-BE49-F238E27FC236}">
-                <a16:creationId xmlns:a16="http://schemas.microsoft.com/office/drawing/2014/main" id="{D83EA0E4-1BE5-71A3-5DA8-954A636CC74A}"/>
-              </a:ext>
-            </a:extLst>
-          </p:cNvPr>
-          <p:cNvSpPr txBox="1">
-            <a:spLocks/>
-          </p:cNvSpPr>
-          <p:nvPr/>
-        </p:nvSpPr>
-        <p:spPr bwMode="auto">
-          <a:xfrm>
-            <a:off x="381000" y="4419600"/>
-            <a:ext cx="8382000" cy="1524000"/>
-          </a:xfrm>
-          <a:prstGeom prst="rect">
-            <a:avLst/>
-          </a:prstGeom>
-          <a:noFill/>
-          <a:ln>
-            <a:noFill/>
-          </a:ln>
-          <a:effectLst/>
-          <a:extLst>
-            <a:ext uri="{909E8E84-426E-40DD-AFC4-6F175D3DCCD1}">
-              <a14:hiddenFill xmlns:a14="http://schemas.microsoft.com/office/drawing/2010/main">
-                <a:solidFill>
-                  <a:schemeClr val="accent1"/>
-                </a:solidFill>
-              </a14:hiddenFill>
-            </a:ext>
-            <a:ext uri="{91240B29-F687-4F45-9708-019B960494DF}">
-              <a14:hiddenLine xmlns:a14="http://schemas.microsoft.com/office/drawing/2010/main" w="9525">
-                <a:solidFill>
-                  <a:schemeClr val="tx1"/>
-                </a:solidFill>
-                <a:miter lim="800000"/>
-                <a:headEnd/>
-                <a:tailEnd/>
-              </a14:hiddenLine>
-            </a:ext>
-            <a:ext uri="{AF507438-7753-43E0-B8FC-AC1667EBCBE1}">
-              <a14:hiddenEffects xmlns:a14="http://schemas.microsoft.com/office/drawing/2010/main">
-                <a:effectLst>
-                  <a:outerShdw dist="35921" dir="2700000" algn="ctr" rotWithShape="0">
-                    <a:schemeClr val="bg2"/>
-                  </a:outerShdw>
-                </a:effectLst>
-              </a14:hiddenEffects>
-            </a:ext>
-          </a:extLst>
-        </p:spPr>
-        <p:txBody>
-          <a:bodyPr vert="horz" wrap="square" lIns="91440" tIns="45720" rIns="91440" bIns="45720" numCol="1" anchor="t" anchorCtr="0" compatLnSpc="1">
-            <a:prstTxWarp prst="textNoShape">
-              <a:avLst/>
-            </a:prstTxWarp>
-          </a:bodyPr>
-          <a:lstStyle>
-            <a:lvl1pPr marL="342900" indent="-342900" algn="l" rtl="0" eaLnBrk="0" fontAlgn="base" hangingPunct="0">
-              <a:spcBef>
-                <a:spcPct val="20000"/>
-              </a:spcBef>
-              <a:spcAft>
-                <a:spcPct val="0"/>
-              </a:spcAft>
-              <a:buClr>
-                <a:srgbClr val="777777"/>
-              </a:buClr>
-              <a:buFont typeface="Symbol" panose="05050102010706020507" pitchFamily="18" charset="2"/>
-              <a:buChar char=""/>
-              <a:defRPr sz="3200" kern="1200">
-                <a:solidFill>
-                  <a:schemeClr val="tx1"/>
-                </a:solidFill>
-                <a:latin typeface="+mn-lt"/>
-                <a:ea typeface="+mn-ea"/>
-                <a:cs typeface="+mn-cs"/>
-              </a:defRPr>
-            </a:lvl1pPr>
-            <a:lvl2pPr marL="742950" indent="-285750" algn="l" rtl="0" eaLnBrk="0" fontAlgn="base" hangingPunct="0">
-              <a:spcBef>
-                <a:spcPct val="20000"/>
-              </a:spcBef>
-              <a:spcAft>
-                <a:spcPct val="0"/>
-              </a:spcAft>
-              <a:buChar char="•"/>
-              <a:defRPr sz="2800" kern="1200">
-                <a:solidFill>
-                  <a:schemeClr val="tx1"/>
-                </a:solidFill>
-                <a:latin typeface="+mn-lt"/>
-                <a:ea typeface="+mn-ea"/>
-                <a:cs typeface="+mn-cs"/>
-              </a:defRPr>
-            </a:lvl2pPr>
-            <a:lvl3pPr marL="1143000" indent="-228600" algn="l" rtl="0" eaLnBrk="0" fontAlgn="base" hangingPunct="0">
-              <a:spcBef>
-                <a:spcPct val="20000"/>
-              </a:spcBef>
-              <a:spcAft>
-                <a:spcPct val="0"/>
-              </a:spcAft>
-              <a:buSzPct val="65000"/>
-              <a:buFont typeface="Dreaming Outloud Pro" panose="03050502040302030504" pitchFamily="66" charset="0"/>
-              <a:buChar char=" "/>
-              <a:defRPr sz="2400" kern="1200">
-                <a:solidFill>
-                  <a:schemeClr val="tx1"/>
-                </a:solidFill>
-                <a:latin typeface="+mn-lt"/>
-                <a:ea typeface="+mn-ea"/>
-                <a:cs typeface="+mn-cs"/>
-              </a:defRPr>
-            </a:lvl3pPr>
-            <a:lvl4pPr marL="1600200" indent="-228600" algn="l" rtl="0" eaLnBrk="0" fontAlgn="base" hangingPunct="0">
-              <a:spcBef>
-                <a:spcPct val="20000"/>
-              </a:spcBef>
-              <a:spcAft>
-                <a:spcPct val="0"/>
-              </a:spcAft>
-              <a:buFont typeface="Wingdings" panose="05000000000000000000" pitchFamily="2" charset="2"/>
-              <a:buChar char="Ø"/>
-              <a:defRPr sz="2000" kern="1200">
-                <a:solidFill>
-                  <a:schemeClr val="tx1"/>
-                </a:solidFill>
-                <a:latin typeface="+mn-lt"/>
-                <a:ea typeface="+mn-ea"/>
-                <a:cs typeface="+mn-cs"/>
-              </a:defRPr>
-            </a:lvl4pPr>
-            <a:lvl5pPr marL="2057400" indent="-228600" algn="l" rtl="0" eaLnBrk="0" fontAlgn="base" hangingPunct="0">
-              <a:spcBef>
-                <a:spcPct val="20000"/>
-              </a:spcBef>
-              <a:spcAft>
-                <a:spcPct val="0"/>
-              </a:spcAft>
-              <a:buFont typeface="Dreaming Outloud Pro" panose="03050502040302030504" pitchFamily="66" charset="0"/>
-              <a:buChar char=" "/>
-              <a:defRPr sz="2000" kern="1200">
-                <a:solidFill>
-                  <a:schemeClr val="tx1"/>
-                </a:solidFill>
-                <a:latin typeface="+mn-lt"/>
-                <a:ea typeface="+mn-ea"/>
-                <a:cs typeface="+mn-cs"/>
-              </a:defRPr>
-            </a:lvl5pPr>
-            <a:lvl6pPr marL="2514600" indent="-228600" algn="l" defTabSz="914400" rtl="0" eaLnBrk="1" latinLnBrk="0" hangingPunct="1">
-              <a:lnSpc>
-                <a:spcPct val="90000"/>
-              </a:lnSpc>
-              <a:spcBef>
-                <a:spcPts val="500"/>
-              </a:spcBef>
-              <a:buFont typeface="Arial" panose="020B0604020202020204" pitchFamily="34" charset="0"/>
-              <a:buChar char="•"/>
-              <a:defRPr sz="1800" kern="1200">
-                <a:solidFill>
-                  <a:schemeClr val="tx1"/>
-                </a:solidFill>
-                <a:latin typeface="+mn-lt"/>
-                <a:ea typeface="+mn-ea"/>
-                <a:cs typeface="+mn-cs"/>
-              </a:defRPr>
-            </a:lvl6pPr>
-            <a:lvl7pPr marL="2971800" indent="-228600" algn="l" defTabSz="914400" rtl="0" eaLnBrk="1" latinLnBrk="0" hangingPunct="1">
-              <a:lnSpc>
-                <a:spcPct val="90000"/>
-              </a:lnSpc>
-              <a:spcBef>
-                <a:spcPts val="500"/>
-              </a:spcBef>
-              <a:buFont typeface="Arial" panose="020B0604020202020204" pitchFamily="34" charset="0"/>
-              <a:buChar char="•"/>
-              <a:defRPr sz="1800" kern="1200">
-                <a:solidFill>
-                  <a:schemeClr val="tx1"/>
-                </a:solidFill>
-                <a:latin typeface="+mn-lt"/>
-                <a:ea typeface="+mn-ea"/>
-                <a:cs typeface="+mn-cs"/>
-              </a:defRPr>
-            </a:lvl7pPr>
-            <a:lvl8pPr marL="3429000" indent="-228600" algn="l" defTabSz="914400" rtl="0" eaLnBrk="1" latinLnBrk="0" hangingPunct="1">
-              <a:lnSpc>
-                <a:spcPct val="90000"/>
-              </a:lnSpc>
-              <a:spcBef>
-                <a:spcPts val="500"/>
-              </a:spcBef>
-              <a:buFont typeface="Arial" panose="020B0604020202020204" pitchFamily="34" charset="0"/>
-              <a:buChar char="•"/>
-              <a:defRPr sz="1800" kern="1200">
-                <a:solidFill>
-                  <a:schemeClr val="tx1"/>
-                </a:solidFill>
-                <a:latin typeface="+mn-lt"/>
-                <a:ea typeface="+mn-ea"/>
-                <a:cs typeface="+mn-cs"/>
-              </a:defRPr>
-            </a:lvl8pPr>
-            <a:lvl9pPr marL="3886200" indent="-228600" algn="l" defTabSz="914400" rtl="0" eaLnBrk="1" latinLnBrk="0" hangingPunct="1">
-              <a:lnSpc>
-                <a:spcPct val="90000"/>
-              </a:lnSpc>
-              <a:spcBef>
-                <a:spcPts val="500"/>
-              </a:spcBef>
-              <a:buFont typeface="Arial" panose="020B0604020202020204" pitchFamily="34" charset="0"/>
-              <a:buChar char="•"/>
-              <a:defRPr sz="1800" kern="1200">
-                <a:solidFill>
-                  <a:schemeClr val="tx1"/>
-                </a:solidFill>
-                <a:latin typeface="+mn-lt"/>
-                <a:ea typeface="+mn-ea"/>
-                <a:cs typeface="+mn-cs"/>
-              </a:defRPr>
-            </a:lvl9pPr>
-          </a:lstStyle>
-          <a:p>
-            <a:r>
-              <a:rPr lang="en-US" dirty="0"/>
-              <a:t>The Event Dispatch Thread (EDT) waits for clicks, drags, re-sizes, keyclicks, and other events and responds to them.</a:t>
-            </a:r>
-          </a:p>
-        </p:txBody>
-      </p:sp>
-      <p:sp>
-        <p:nvSpPr>
-          <p:cNvPr id="8" name="TextBox 7">
-            <a:extLst>
-              <a:ext uri="{FF2B5EF4-FFF2-40B4-BE49-F238E27FC236}">
-                <a16:creationId xmlns:a16="http://schemas.microsoft.com/office/drawing/2014/main" id="{DD11ED09-FF3F-9D25-B8D5-DA46C1294FDE}"/>
-              </a:ext>
-            </a:extLst>
-          </p:cNvPr>
-          <p:cNvSpPr txBox="1"/>
-          <p:nvPr/>
-        </p:nvSpPr>
-        <p:spPr>
-          <a:xfrm>
-            <a:off x="1066800" y="2406759"/>
-            <a:ext cx="7010400" cy="1815882"/>
-          </a:xfrm>
-          <a:prstGeom prst="rect">
-            <a:avLst/>
-          </a:prstGeom>
-          <a:noFill/>
-        </p:spPr>
-        <p:txBody>
-          <a:bodyPr wrap="square">
-            <a:spAutoFit/>
-          </a:bodyPr>
-          <a:lstStyle/>
-          <a:p>
-            <a:r>
-              <a:rPr lang="en-US" sz="1400" b="0" dirty="0">
-                <a:solidFill>
-                  <a:srgbClr val="3B3B3B"/>
-                </a:solidFill>
-                <a:effectLst/>
-                <a:highlight>
-                  <a:srgbClr val="FFFFFF"/>
-                </a:highlight>
-                <a:latin typeface="Consolas" panose="020B0609020204030204" pitchFamily="49" charset="0"/>
-              </a:rPr>
-              <a:t>   </a:t>
-            </a:r>
-            <a:r>
-              <a:rPr lang="en-US" sz="1400" b="0" dirty="0">
-                <a:solidFill>
-                  <a:srgbClr val="0000FF"/>
-                </a:solidFill>
-                <a:effectLst/>
-                <a:highlight>
-                  <a:srgbClr val="FFFFFF"/>
-                </a:highlight>
-                <a:latin typeface="Consolas" panose="020B0609020204030204" pitchFamily="49" charset="0"/>
-              </a:rPr>
-              <a:t>public</a:t>
-            </a:r>
-            <a:r>
-              <a:rPr lang="en-US" sz="1400" b="0" dirty="0">
-                <a:solidFill>
-                  <a:srgbClr val="3B3B3B"/>
-                </a:solidFill>
-                <a:effectLst/>
-                <a:highlight>
-                  <a:srgbClr val="FFFFFF"/>
-                </a:highlight>
-                <a:latin typeface="Consolas" panose="020B0609020204030204" pitchFamily="49" charset="0"/>
-              </a:rPr>
-              <a:t> </a:t>
-            </a:r>
-            <a:r>
-              <a:rPr lang="en-US" sz="1400" b="0" dirty="0">
-                <a:solidFill>
-                  <a:srgbClr val="0000FF"/>
-                </a:solidFill>
-                <a:effectLst/>
-                <a:highlight>
-                  <a:srgbClr val="FFFFFF"/>
-                </a:highlight>
-                <a:latin typeface="Consolas" panose="020B0609020204030204" pitchFamily="49" charset="0"/>
-              </a:rPr>
-              <a:t>static</a:t>
-            </a:r>
-            <a:r>
-              <a:rPr lang="en-US" sz="1400" b="0" dirty="0">
-                <a:solidFill>
-                  <a:srgbClr val="3B3B3B"/>
-                </a:solidFill>
-                <a:effectLst/>
-                <a:highlight>
-                  <a:srgbClr val="FFFFFF"/>
-                </a:highlight>
-                <a:latin typeface="Consolas" panose="020B0609020204030204" pitchFamily="49" charset="0"/>
-              </a:rPr>
-              <a:t> </a:t>
-            </a:r>
-            <a:r>
-              <a:rPr lang="en-US" sz="1400" b="0" dirty="0">
-                <a:solidFill>
-                  <a:srgbClr val="267F99"/>
-                </a:solidFill>
-                <a:effectLst/>
-                <a:highlight>
-                  <a:srgbClr val="FFFFFF"/>
-                </a:highlight>
-                <a:latin typeface="Consolas" panose="020B0609020204030204" pitchFamily="49" charset="0"/>
-              </a:rPr>
-              <a:t>void</a:t>
-            </a:r>
-            <a:r>
-              <a:rPr lang="en-US" sz="1400" b="0" dirty="0">
-                <a:solidFill>
-                  <a:srgbClr val="3B3B3B"/>
-                </a:solidFill>
-                <a:effectLst/>
-                <a:highlight>
-                  <a:srgbClr val="FFFFFF"/>
-                </a:highlight>
-                <a:latin typeface="Consolas" panose="020B0609020204030204" pitchFamily="49" charset="0"/>
-              </a:rPr>
-              <a:t> </a:t>
-            </a:r>
-            <a:r>
-              <a:rPr lang="en-US" sz="1400" b="0" dirty="0">
-                <a:solidFill>
-                  <a:srgbClr val="795E26"/>
-                </a:solidFill>
-                <a:effectLst/>
-                <a:highlight>
-                  <a:srgbClr val="FFFFFF"/>
-                </a:highlight>
-                <a:latin typeface="Consolas" panose="020B0609020204030204" pitchFamily="49" charset="0"/>
-              </a:rPr>
-              <a:t>main</a:t>
-            </a:r>
-            <a:r>
-              <a:rPr lang="en-US" sz="1400" b="0" dirty="0">
-                <a:solidFill>
-                  <a:srgbClr val="3B3B3B"/>
-                </a:solidFill>
-                <a:effectLst/>
-                <a:highlight>
-                  <a:srgbClr val="FFFFFF"/>
-                </a:highlight>
-                <a:latin typeface="Consolas" panose="020B0609020204030204" pitchFamily="49" charset="0"/>
-              </a:rPr>
-              <a:t>(</a:t>
-            </a:r>
-            <a:r>
-              <a:rPr lang="en-US" sz="1400" b="0" dirty="0">
-                <a:solidFill>
-                  <a:srgbClr val="267F99"/>
-                </a:solidFill>
-                <a:effectLst/>
-                <a:highlight>
-                  <a:srgbClr val="FFFFFF"/>
-                </a:highlight>
-                <a:latin typeface="Consolas" panose="020B0609020204030204" pitchFamily="49" charset="0"/>
-              </a:rPr>
-              <a:t>String</a:t>
-            </a:r>
-            <a:r>
-              <a:rPr lang="en-US" sz="1400" b="0" dirty="0">
-                <a:solidFill>
-                  <a:srgbClr val="3B3B3B"/>
-                </a:solidFill>
-                <a:effectLst/>
-                <a:highlight>
-                  <a:srgbClr val="FFFFFF"/>
-                </a:highlight>
-                <a:latin typeface="Consolas" panose="020B0609020204030204" pitchFamily="49" charset="0"/>
-              </a:rPr>
-              <a:t> </a:t>
-            </a:r>
-            <a:r>
-              <a:rPr lang="en-US" sz="1400" b="0" dirty="0" err="1">
-                <a:solidFill>
-                  <a:srgbClr val="001080"/>
-                </a:solidFill>
-                <a:effectLst/>
-                <a:highlight>
-                  <a:srgbClr val="FFFFFF"/>
-                </a:highlight>
-                <a:latin typeface="Consolas" panose="020B0609020204030204" pitchFamily="49" charset="0"/>
-              </a:rPr>
-              <a:t>args</a:t>
-            </a:r>
-            <a:r>
-              <a:rPr lang="en-US" sz="1400" b="0" dirty="0">
-                <a:solidFill>
-                  <a:srgbClr val="3B3B3B"/>
-                </a:solidFill>
-                <a:effectLst/>
-                <a:highlight>
-                  <a:srgbClr val="FFFFFF"/>
-                </a:highlight>
-                <a:latin typeface="Consolas" panose="020B0609020204030204" pitchFamily="49" charset="0"/>
-              </a:rPr>
-              <a:t>[]){</a:t>
-            </a:r>
-          </a:p>
-          <a:p>
-            <a:r>
-              <a:rPr lang="en-US" sz="1400" b="0" dirty="0">
-                <a:solidFill>
-                  <a:srgbClr val="3B3B3B"/>
-                </a:solidFill>
-                <a:effectLst/>
-                <a:highlight>
-                  <a:srgbClr val="FFFFFF"/>
-                </a:highlight>
-                <a:latin typeface="Consolas" panose="020B0609020204030204" pitchFamily="49" charset="0"/>
-              </a:rPr>
-              <a:t>        </a:t>
-            </a:r>
-            <a:r>
-              <a:rPr lang="en-US" sz="1400" b="0" dirty="0" err="1">
-                <a:solidFill>
-                  <a:srgbClr val="267F99"/>
-                </a:solidFill>
-                <a:effectLst/>
-                <a:highlight>
-                  <a:srgbClr val="FFFFFF"/>
-                </a:highlight>
-                <a:latin typeface="Consolas" panose="020B0609020204030204" pitchFamily="49" charset="0"/>
-              </a:rPr>
-              <a:t>JFrame</a:t>
-            </a:r>
-            <a:r>
-              <a:rPr lang="en-US" sz="1400" b="0" dirty="0">
-                <a:solidFill>
-                  <a:srgbClr val="3B3B3B"/>
-                </a:solidFill>
-                <a:effectLst/>
-                <a:highlight>
-                  <a:srgbClr val="FFFFFF"/>
-                </a:highlight>
-                <a:latin typeface="Consolas" panose="020B0609020204030204" pitchFamily="49" charset="0"/>
-              </a:rPr>
-              <a:t> </a:t>
-            </a:r>
-            <a:r>
-              <a:rPr lang="en-US" sz="1400" b="0" dirty="0" err="1">
-                <a:solidFill>
-                  <a:srgbClr val="001080"/>
-                </a:solidFill>
-                <a:effectLst/>
-                <a:highlight>
-                  <a:srgbClr val="FFFFFF"/>
-                </a:highlight>
-                <a:latin typeface="Consolas" panose="020B0609020204030204" pitchFamily="49" charset="0"/>
-              </a:rPr>
-              <a:t>theWindow</a:t>
-            </a:r>
-            <a:r>
-              <a:rPr lang="en-US" sz="1400" b="0" dirty="0">
-                <a:solidFill>
-                  <a:srgbClr val="3B3B3B"/>
-                </a:solidFill>
-                <a:effectLst/>
-                <a:highlight>
-                  <a:srgbClr val="FFFFFF"/>
-                </a:highlight>
-                <a:latin typeface="Consolas" panose="020B0609020204030204" pitchFamily="49" charset="0"/>
-              </a:rPr>
-              <a:t> </a:t>
-            </a:r>
-            <a:r>
-              <a:rPr lang="en-US" sz="1400" b="0" dirty="0">
-                <a:solidFill>
-                  <a:srgbClr val="000000"/>
-                </a:solidFill>
-                <a:effectLst/>
-                <a:highlight>
-                  <a:srgbClr val="FFFFFF"/>
-                </a:highlight>
-                <a:latin typeface="Consolas" panose="020B0609020204030204" pitchFamily="49" charset="0"/>
-              </a:rPr>
-              <a:t>=</a:t>
-            </a:r>
-            <a:r>
-              <a:rPr lang="en-US" sz="1400" b="0" dirty="0">
-                <a:solidFill>
-                  <a:srgbClr val="3B3B3B"/>
-                </a:solidFill>
-                <a:effectLst/>
-                <a:highlight>
-                  <a:srgbClr val="FFFFFF"/>
-                </a:highlight>
-                <a:latin typeface="Consolas" panose="020B0609020204030204" pitchFamily="49" charset="0"/>
-              </a:rPr>
-              <a:t> </a:t>
-            </a:r>
-            <a:r>
-              <a:rPr lang="en-US" sz="1400" b="0" dirty="0">
-                <a:solidFill>
-                  <a:srgbClr val="AF00DB"/>
-                </a:solidFill>
-                <a:effectLst/>
-                <a:highlight>
-                  <a:srgbClr val="FFFFFF"/>
-                </a:highlight>
-                <a:latin typeface="Consolas" panose="020B0609020204030204" pitchFamily="49" charset="0"/>
-              </a:rPr>
-              <a:t>new</a:t>
-            </a:r>
-            <a:r>
-              <a:rPr lang="en-US" sz="1400" b="0" dirty="0">
-                <a:solidFill>
-                  <a:srgbClr val="3B3B3B"/>
-                </a:solidFill>
-                <a:effectLst/>
-                <a:highlight>
-                  <a:srgbClr val="FFFFFF"/>
-                </a:highlight>
-                <a:latin typeface="Consolas" panose="020B0609020204030204" pitchFamily="49" charset="0"/>
-              </a:rPr>
-              <a:t> </a:t>
-            </a:r>
-            <a:r>
-              <a:rPr lang="en-US" sz="1400" b="0" dirty="0" err="1">
-                <a:solidFill>
-                  <a:srgbClr val="795E26"/>
-                </a:solidFill>
-                <a:effectLst/>
-                <a:highlight>
-                  <a:srgbClr val="FFFFFF"/>
-                </a:highlight>
-                <a:latin typeface="Consolas" panose="020B0609020204030204" pitchFamily="49" charset="0"/>
-              </a:rPr>
-              <a:t>JFrame</a:t>
-            </a:r>
-            <a:r>
-              <a:rPr lang="en-US" sz="1400" b="0" dirty="0">
-                <a:solidFill>
-                  <a:srgbClr val="3B3B3B"/>
-                </a:solidFill>
-                <a:effectLst/>
-                <a:highlight>
-                  <a:srgbClr val="FFFFFF"/>
-                </a:highlight>
-                <a:latin typeface="Consolas" panose="020B0609020204030204" pitchFamily="49" charset="0"/>
-              </a:rPr>
-              <a:t>(</a:t>
-            </a:r>
-            <a:r>
-              <a:rPr lang="en-US" sz="1400" b="0" dirty="0">
-                <a:solidFill>
-                  <a:srgbClr val="A31515"/>
-                </a:solidFill>
-                <a:effectLst/>
-                <a:highlight>
-                  <a:srgbClr val="FFFFFF"/>
-                </a:highlight>
-                <a:latin typeface="Consolas" panose="020B0609020204030204" pitchFamily="49" charset="0"/>
-              </a:rPr>
-              <a:t>"Our first window!"</a:t>
-            </a:r>
-            <a:r>
-              <a:rPr lang="en-US" sz="1400" b="0" dirty="0">
-                <a:solidFill>
-                  <a:srgbClr val="3B3B3B"/>
-                </a:solidFill>
-                <a:effectLst/>
-                <a:highlight>
-                  <a:srgbClr val="FFFFFF"/>
-                </a:highlight>
-                <a:latin typeface="Consolas" panose="020B0609020204030204" pitchFamily="49" charset="0"/>
-              </a:rPr>
-              <a:t>);</a:t>
-            </a:r>
-          </a:p>
-          <a:p>
-            <a:r>
-              <a:rPr lang="en-US" sz="1400" b="0" dirty="0">
-                <a:solidFill>
-                  <a:srgbClr val="3B3B3B"/>
-                </a:solidFill>
-                <a:effectLst/>
-                <a:highlight>
-                  <a:srgbClr val="FFFFFF"/>
-                </a:highlight>
-                <a:latin typeface="Consolas" panose="020B0609020204030204" pitchFamily="49" charset="0"/>
-              </a:rPr>
-              <a:t>        </a:t>
-            </a:r>
-            <a:r>
-              <a:rPr lang="en-US" sz="1400" b="0" dirty="0" err="1">
-                <a:solidFill>
-                  <a:srgbClr val="001080"/>
-                </a:solidFill>
-                <a:effectLst/>
-                <a:highlight>
-                  <a:srgbClr val="FFFFFF"/>
-                </a:highlight>
-                <a:latin typeface="Consolas" panose="020B0609020204030204" pitchFamily="49" charset="0"/>
-              </a:rPr>
-              <a:t>theWindow</a:t>
-            </a:r>
-            <a:r>
-              <a:rPr lang="en-US" sz="1400" b="0" dirty="0" err="1">
-                <a:solidFill>
-                  <a:srgbClr val="3B3B3B"/>
-                </a:solidFill>
-                <a:effectLst/>
-                <a:highlight>
-                  <a:srgbClr val="FFFFFF"/>
-                </a:highlight>
-                <a:latin typeface="Consolas" panose="020B0609020204030204" pitchFamily="49" charset="0"/>
-              </a:rPr>
-              <a:t>.</a:t>
-            </a:r>
-            <a:r>
-              <a:rPr lang="en-US" sz="1400" b="0" dirty="0" err="1">
-                <a:solidFill>
-                  <a:srgbClr val="795E26"/>
-                </a:solidFill>
-                <a:effectLst/>
-                <a:highlight>
-                  <a:srgbClr val="FFFFFF"/>
-                </a:highlight>
-                <a:latin typeface="Consolas" panose="020B0609020204030204" pitchFamily="49" charset="0"/>
-              </a:rPr>
-              <a:t>setSize</a:t>
-            </a:r>
-            <a:r>
-              <a:rPr lang="en-US" sz="1400" b="0" dirty="0">
-                <a:solidFill>
-                  <a:srgbClr val="3B3B3B"/>
-                </a:solidFill>
-                <a:effectLst/>
-                <a:highlight>
-                  <a:srgbClr val="FFFFFF"/>
-                </a:highlight>
-                <a:latin typeface="Consolas" panose="020B0609020204030204" pitchFamily="49" charset="0"/>
-              </a:rPr>
-              <a:t>(</a:t>
-            </a:r>
-            <a:r>
-              <a:rPr lang="en-US" sz="1400" b="0" dirty="0">
-                <a:solidFill>
-                  <a:srgbClr val="098658"/>
-                </a:solidFill>
-                <a:effectLst/>
-                <a:highlight>
-                  <a:srgbClr val="FFFFFF"/>
-                </a:highlight>
-                <a:latin typeface="Consolas" panose="020B0609020204030204" pitchFamily="49" charset="0"/>
-              </a:rPr>
-              <a:t>300</a:t>
-            </a:r>
-            <a:r>
-              <a:rPr lang="en-US" sz="1400" b="0" dirty="0">
-                <a:solidFill>
-                  <a:srgbClr val="3B3B3B"/>
-                </a:solidFill>
-                <a:effectLst/>
-                <a:highlight>
-                  <a:srgbClr val="FFFFFF"/>
-                </a:highlight>
-                <a:latin typeface="Consolas" panose="020B0609020204030204" pitchFamily="49" charset="0"/>
-              </a:rPr>
-              <a:t>, </a:t>
-            </a:r>
-            <a:r>
-              <a:rPr lang="en-US" sz="1400" b="0" dirty="0">
-                <a:solidFill>
-                  <a:srgbClr val="098658"/>
-                </a:solidFill>
-                <a:effectLst/>
-                <a:highlight>
-                  <a:srgbClr val="FFFFFF"/>
-                </a:highlight>
-                <a:latin typeface="Consolas" panose="020B0609020204030204" pitchFamily="49" charset="0"/>
-              </a:rPr>
-              <a:t>300</a:t>
-            </a:r>
-            <a:r>
-              <a:rPr lang="en-US" sz="1400" b="0" dirty="0">
-                <a:solidFill>
-                  <a:srgbClr val="3B3B3B"/>
-                </a:solidFill>
-                <a:effectLst/>
-                <a:highlight>
-                  <a:srgbClr val="FFFFFF"/>
-                </a:highlight>
-                <a:latin typeface="Consolas" panose="020B0609020204030204" pitchFamily="49" charset="0"/>
-              </a:rPr>
-              <a:t>);</a:t>
-            </a:r>
-          </a:p>
-          <a:p>
-            <a:r>
-              <a:rPr lang="en-US" sz="1400" b="0" dirty="0">
-                <a:solidFill>
-                  <a:srgbClr val="3B3B3B"/>
-                </a:solidFill>
-                <a:effectLst/>
-                <a:highlight>
-                  <a:srgbClr val="FFFFFF"/>
-                </a:highlight>
-                <a:latin typeface="Consolas" panose="020B0609020204030204" pitchFamily="49" charset="0"/>
-              </a:rPr>
-              <a:t>        </a:t>
-            </a:r>
-            <a:r>
-              <a:rPr lang="en-US" sz="1400" b="0" dirty="0" err="1">
-                <a:solidFill>
-                  <a:srgbClr val="001080"/>
-                </a:solidFill>
-                <a:effectLst/>
-                <a:highlight>
-                  <a:srgbClr val="FFFFFF"/>
-                </a:highlight>
-                <a:latin typeface="Consolas" panose="020B0609020204030204" pitchFamily="49" charset="0"/>
-              </a:rPr>
-              <a:t>theWindow</a:t>
-            </a:r>
-            <a:r>
-              <a:rPr lang="en-US" sz="1400" b="0" dirty="0" err="1">
-                <a:solidFill>
-                  <a:srgbClr val="3B3B3B"/>
-                </a:solidFill>
-                <a:effectLst/>
-                <a:highlight>
-                  <a:srgbClr val="FFFFFF"/>
-                </a:highlight>
-                <a:latin typeface="Consolas" panose="020B0609020204030204" pitchFamily="49" charset="0"/>
-              </a:rPr>
-              <a:t>.</a:t>
-            </a:r>
-            <a:r>
-              <a:rPr lang="en-US" sz="1400" b="0" dirty="0" err="1">
-                <a:solidFill>
-                  <a:srgbClr val="795E26"/>
-                </a:solidFill>
-                <a:effectLst/>
-                <a:highlight>
-                  <a:srgbClr val="FFFFFF"/>
-                </a:highlight>
-                <a:latin typeface="Consolas" panose="020B0609020204030204" pitchFamily="49" charset="0"/>
-              </a:rPr>
-              <a:t>setLocation</a:t>
-            </a:r>
-            <a:r>
-              <a:rPr lang="en-US" sz="1400" b="0" dirty="0">
-                <a:solidFill>
-                  <a:srgbClr val="3B3B3B"/>
-                </a:solidFill>
-                <a:effectLst/>
-                <a:highlight>
-                  <a:srgbClr val="FFFFFF"/>
-                </a:highlight>
-                <a:latin typeface="Consolas" panose="020B0609020204030204" pitchFamily="49" charset="0"/>
-              </a:rPr>
-              <a:t>(</a:t>
-            </a:r>
-            <a:r>
-              <a:rPr lang="en-US" sz="1400" b="0" dirty="0">
-                <a:solidFill>
-                  <a:srgbClr val="098658"/>
-                </a:solidFill>
-                <a:effectLst/>
-                <a:highlight>
-                  <a:srgbClr val="FFFFFF"/>
-                </a:highlight>
-                <a:latin typeface="Consolas" panose="020B0609020204030204" pitchFamily="49" charset="0"/>
-              </a:rPr>
-              <a:t>200</a:t>
-            </a:r>
-            <a:r>
-              <a:rPr lang="en-US" sz="1400" b="0" dirty="0">
-                <a:solidFill>
-                  <a:srgbClr val="3B3B3B"/>
-                </a:solidFill>
-                <a:effectLst/>
-                <a:highlight>
-                  <a:srgbClr val="FFFFFF"/>
-                </a:highlight>
-                <a:latin typeface="Consolas" panose="020B0609020204030204" pitchFamily="49" charset="0"/>
-              </a:rPr>
-              <a:t>, </a:t>
-            </a:r>
-            <a:r>
-              <a:rPr lang="en-US" sz="1400" b="0" dirty="0">
-                <a:solidFill>
-                  <a:srgbClr val="098658"/>
-                </a:solidFill>
-                <a:effectLst/>
-                <a:highlight>
-                  <a:srgbClr val="FFFFFF"/>
-                </a:highlight>
-                <a:latin typeface="Consolas" panose="020B0609020204030204" pitchFamily="49" charset="0"/>
-              </a:rPr>
-              <a:t>400</a:t>
-            </a:r>
-            <a:r>
-              <a:rPr lang="en-US" sz="1400" b="0" dirty="0">
-                <a:solidFill>
-                  <a:srgbClr val="3B3B3B"/>
-                </a:solidFill>
-                <a:effectLst/>
-                <a:highlight>
-                  <a:srgbClr val="FFFFFF"/>
-                </a:highlight>
-                <a:latin typeface="Consolas" panose="020B0609020204030204" pitchFamily="49" charset="0"/>
-              </a:rPr>
-              <a:t>);</a:t>
-            </a:r>
-          </a:p>
-          <a:p>
-            <a:r>
-              <a:rPr lang="en-US" sz="1400" b="0" dirty="0">
-                <a:solidFill>
-                  <a:srgbClr val="3B3B3B"/>
-                </a:solidFill>
-                <a:effectLst/>
-                <a:highlight>
-                  <a:srgbClr val="FFFFFF"/>
-                </a:highlight>
-                <a:latin typeface="Consolas" panose="020B0609020204030204" pitchFamily="49" charset="0"/>
-              </a:rPr>
-              <a:t>        </a:t>
-            </a:r>
-            <a:r>
-              <a:rPr lang="en-US" sz="1400" b="0" dirty="0" err="1">
-                <a:solidFill>
-                  <a:srgbClr val="001080"/>
-                </a:solidFill>
-                <a:effectLst/>
-                <a:highlight>
-                  <a:srgbClr val="FFFFFF"/>
-                </a:highlight>
-                <a:latin typeface="Consolas" panose="020B0609020204030204" pitchFamily="49" charset="0"/>
-              </a:rPr>
-              <a:t>theWindow</a:t>
-            </a:r>
-            <a:r>
-              <a:rPr lang="en-US" sz="1400" b="0" dirty="0" err="1">
-                <a:solidFill>
-                  <a:srgbClr val="3B3B3B"/>
-                </a:solidFill>
-                <a:effectLst/>
-                <a:highlight>
-                  <a:srgbClr val="FFFFFF"/>
-                </a:highlight>
-                <a:latin typeface="Consolas" panose="020B0609020204030204" pitchFamily="49" charset="0"/>
-              </a:rPr>
-              <a:t>.</a:t>
-            </a:r>
-            <a:r>
-              <a:rPr lang="en-US" sz="1400" b="0" dirty="0" err="1">
-                <a:solidFill>
-                  <a:srgbClr val="795E26"/>
-                </a:solidFill>
-                <a:effectLst/>
-                <a:highlight>
-                  <a:srgbClr val="FFFFFF"/>
-                </a:highlight>
-                <a:latin typeface="Consolas" panose="020B0609020204030204" pitchFamily="49" charset="0"/>
-              </a:rPr>
-              <a:t>setDefaultCloseOperation</a:t>
-            </a:r>
-            <a:r>
-              <a:rPr lang="en-US" sz="1400" b="0" dirty="0">
-                <a:solidFill>
-                  <a:srgbClr val="3B3B3B"/>
-                </a:solidFill>
-                <a:effectLst/>
-                <a:highlight>
-                  <a:srgbClr val="FFFFFF"/>
-                </a:highlight>
-                <a:latin typeface="Consolas" panose="020B0609020204030204" pitchFamily="49" charset="0"/>
-              </a:rPr>
-              <a:t>(</a:t>
-            </a:r>
-            <a:r>
-              <a:rPr lang="en-US" sz="1400" b="0" dirty="0" err="1">
-                <a:solidFill>
-                  <a:srgbClr val="267F99"/>
-                </a:solidFill>
-                <a:effectLst/>
-                <a:highlight>
-                  <a:srgbClr val="FFFFFF"/>
-                </a:highlight>
-                <a:latin typeface="Consolas" panose="020B0609020204030204" pitchFamily="49" charset="0"/>
-              </a:rPr>
-              <a:t>JFrame</a:t>
-            </a:r>
-            <a:r>
-              <a:rPr lang="en-US" sz="1400" b="0" dirty="0" err="1">
-                <a:solidFill>
-                  <a:srgbClr val="3B3B3B"/>
-                </a:solidFill>
-                <a:effectLst/>
-                <a:highlight>
-                  <a:srgbClr val="FFFFFF"/>
-                </a:highlight>
-                <a:latin typeface="Consolas" panose="020B0609020204030204" pitchFamily="49" charset="0"/>
-              </a:rPr>
-              <a:t>.</a:t>
-            </a:r>
-            <a:r>
-              <a:rPr lang="en-US" sz="1400" b="0" dirty="0" err="1">
-                <a:solidFill>
-                  <a:srgbClr val="0070C1"/>
-                </a:solidFill>
-                <a:effectLst/>
-                <a:highlight>
-                  <a:srgbClr val="FFFFFF"/>
-                </a:highlight>
-                <a:latin typeface="Consolas" panose="020B0609020204030204" pitchFamily="49" charset="0"/>
-              </a:rPr>
-              <a:t>EXIT_ON_CLOSE</a:t>
-            </a:r>
-            <a:r>
-              <a:rPr lang="en-US" sz="1400" b="0" dirty="0">
-                <a:solidFill>
-                  <a:srgbClr val="3B3B3B"/>
-                </a:solidFill>
-                <a:effectLst/>
-                <a:highlight>
-                  <a:srgbClr val="FFFFFF"/>
-                </a:highlight>
-                <a:latin typeface="Consolas" panose="020B0609020204030204" pitchFamily="49" charset="0"/>
-              </a:rPr>
-              <a:t>);</a:t>
-            </a:r>
-          </a:p>
-          <a:p>
-            <a:r>
-              <a:rPr lang="en-US" sz="1400" b="0" dirty="0">
-                <a:solidFill>
-                  <a:srgbClr val="3B3B3B"/>
-                </a:solidFill>
-                <a:effectLst/>
-                <a:highlight>
-                  <a:srgbClr val="FFFFFF"/>
-                </a:highlight>
-                <a:latin typeface="Consolas" panose="020B0609020204030204" pitchFamily="49" charset="0"/>
-              </a:rPr>
-              <a:t>        </a:t>
-            </a:r>
-            <a:r>
-              <a:rPr lang="en-US" sz="1400" b="0" dirty="0" err="1">
-                <a:solidFill>
-                  <a:srgbClr val="001080"/>
-                </a:solidFill>
-                <a:effectLst/>
-                <a:highlight>
-                  <a:srgbClr val="FFFFFF"/>
-                </a:highlight>
-                <a:latin typeface="Consolas" panose="020B0609020204030204" pitchFamily="49" charset="0"/>
-              </a:rPr>
-              <a:t>theWindow</a:t>
-            </a:r>
-            <a:r>
-              <a:rPr lang="en-US" sz="1400" b="0" dirty="0" err="1">
-                <a:solidFill>
-                  <a:srgbClr val="3B3B3B"/>
-                </a:solidFill>
-                <a:effectLst/>
-                <a:highlight>
-                  <a:srgbClr val="FFFFFF"/>
-                </a:highlight>
-                <a:latin typeface="Consolas" panose="020B0609020204030204" pitchFamily="49" charset="0"/>
-              </a:rPr>
-              <a:t>.</a:t>
-            </a:r>
-            <a:r>
-              <a:rPr lang="en-US" sz="1400" b="0" dirty="0" err="1">
-                <a:solidFill>
-                  <a:srgbClr val="795E26"/>
-                </a:solidFill>
-                <a:effectLst/>
-                <a:highlight>
-                  <a:srgbClr val="FFFFFF"/>
-                </a:highlight>
-                <a:latin typeface="Consolas" panose="020B0609020204030204" pitchFamily="49" charset="0"/>
-              </a:rPr>
-              <a:t>setVisible</a:t>
-            </a:r>
-            <a:r>
-              <a:rPr lang="en-US" sz="1400" b="0" dirty="0">
-                <a:solidFill>
-                  <a:srgbClr val="3B3B3B"/>
-                </a:solidFill>
-                <a:effectLst/>
-                <a:highlight>
-                  <a:srgbClr val="FFFFFF"/>
-                </a:highlight>
-                <a:latin typeface="Consolas" panose="020B0609020204030204" pitchFamily="49" charset="0"/>
-              </a:rPr>
-              <a:t>(</a:t>
-            </a:r>
-            <a:r>
-              <a:rPr lang="en-US" sz="1400" b="0" dirty="0">
-                <a:solidFill>
-                  <a:srgbClr val="0000FF"/>
-                </a:solidFill>
-                <a:effectLst/>
-                <a:highlight>
-                  <a:srgbClr val="FFFFFF"/>
-                </a:highlight>
-                <a:latin typeface="Consolas" panose="020B0609020204030204" pitchFamily="49" charset="0"/>
-              </a:rPr>
-              <a:t>true</a:t>
-            </a:r>
-            <a:r>
-              <a:rPr lang="en-US" sz="1400" b="0" dirty="0">
-                <a:solidFill>
-                  <a:srgbClr val="3B3B3B"/>
-                </a:solidFill>
-                <a:effectLst/>
-                <a:highlight>
-                  <a:srgbClr val="FFFFFF"/>
-                </a:highlight>
-                <a:latin typeface="Consolas" panose="020B0609020204030204" pitchFamily="49" charset="0"/>
-              </a:rPr>
-              <a:t>);</a:t>
-            </a:r>
-          </a:p>
-          <a:p>
-            <a:r>
-              <a:rPr lang="en-US" sz="1400" b="0" dirty="0">
-                <a:solidFill>
-                  <a:srgbClr val="3B3B3B"/>
-                </a:solidFill>
-                <a:effectLst/>
-                <a:highlight>
-                  <a:srgbClr val="FFFFFF"/>
-                </a:highlight>
-                <a:latin typeface="Consolas" panose="020B0609020204030204" pitchFamily="49" charset="0"/>
-              </a:rPr>
-              <a:t>        </a:t>
-            </a:r>
-            <a:r>
-              <a:rPr lang="en-US" sz="1400" b="0" dirty="0" err="1">
-                <a:solidFill>
-                  <a:srgbClr val="267F99"/>
-                </a:solidFill>
-                <a:effectLst/>
-                <a:highlight>
-                  <a:srgbClr val="FFFFFF"/>
-                </a:highlight>
-                <a:latin typeface="Consolas" panose="020B0609020204030204" pitchFamily="49" charset="0"/>
-              </a:rPr>
-              <a:t>System</a:t>
-            </a:r>
-            <a:r>
-              <a:rPr lang="en-US" sz="1400" b="0" dirty="0" err="1">
-                <a:solidFill>
-                  <a:srgbClr val="3B3B3B"/>
-                </a:solidFill>
-                <a:effectLst/>
-                <a:highlight>
-                  <a:srgbClr val="FFFFFF"/>
-                </a:highlight>
-                <a:latin typeface="Consolas" panose="020B0609020204030204" pitchFamily="49" charset="0"/>
-              </a:rPr>
-              <a:t>.</a:t>
-            </a:r>
-            <a:r>
-              <a:rPr lang="en-US" sz="1400" b="0" dirty="0" err="1">
-                <a:solidFill>
-                  <a:srgbClr val="0070C1"/>
-                </a:solidFill>
-                <a:effectLst/>
-                <a:highlight>
-                  <a:srgbClr val="FFFFFF"/>
-                </a:highlight>
-                <a:latin typeface="Consolas" panose="020B0609020204030204" pitchFamily="49" charset="0"/>
-              </a:rPr>
-              <a:t>out</a:t>
-            </a:r>
-            <a:r>
-              <a:rPr lang="en-US" sz="1400" b="0" dirty="0" err="1">
-                <a:solidFill>
-                  <a:srgbClr val="3B3B3B"/>
-                </a:solidFill>
-                <a:effectLst/>
-                <a:highlight>
-                  <a:srgbClr val="FFFFFF"/>
-                </a:highlight>
-                <a:latin typeface="Consolas" panose="020B0609020204030204" pitchFamily="49" charset="0"/>
-              </a:rPr>
-              <a:t>.</a:t>
-            </a:r>
-            <a:r>
-              <a:rPr lang="en-US" sz="1400" b="0" dirty="0" err="1">
-                <a:solidFill>
-                  <a:srgbClr val="795E26"/>
-                </a:solidFill>
-                <a:effectLst/>
-                <a:highlight>
-                  <a:srgbClr val="FFFFFF"/>
-                </a:highlight>
-                <a:latin typeface="Consolas" panose="020B0609020204030204" pitchFamily="49" charset="0"/>
-              </a:rPr>
-              <a:t>println</a:t>
-            </a:r>
-            <a:r>
-              <a:rPr lang="en-US" sz="1400" b="0" dirty="0">
-                <a:solidFill>
-                  <a:srgbClr val="3B3B3B"/>
-                </a:solidFill>
-                <a:effectLst/>
-                <a:highlight>
-                  <a:srgbClr val="FFFFFF"/>
-                </a:highlight>
-                <a:latin typeface="Consolas" panose="020B0609020204030204" pitchFamily="49" charset="0"/>
-              </a:rPr>
-              <a:t>(</a:t>
-            </a:r>
-            <a:r>
-              <a:rPr lang="en-US" sz="1400" b="0" dirty="0">
-                <a:solidFill>
-                  <a:srgbClr val="A31515"/>
-                </a:solidFill>
-                <a:effectLst/>
-                <a:highlight>
-                  <a:srgbClr val="FFFFFF"/>
-                </a:highlight>
-                <a:latin typeface="Consolas" panose="020B0609020204030204" pitchFamily="49" charset="0"/>
-              </a:rPr>
-              <a:t>"Done!"</a:t>
-            </a:r>
-            <a:r>
-              <a:rPr lang="en-US" sz="1400" b="0" dirty="0">
-                <a:solidFill>
-                  <a:srgbClr val="3B3B3B"/>
-                </a:solidFill>
-                <a:effectLst/>
-                <a:highlight>
-                  <a:srgbClr val="FFFFFF"/>
-                </a:highlight>
-                <a:latin typeface="Consolas" panose="020B0609020204030204" pitchFamily="49" charset="0"/>
-              </a:rPr>
-              <a:t>);</a:t>
-            </a:r>
-          </a:p>
-          <a:p>
-            <a:r>
-              <a:rPr lang="en-US" sz="1400" b="0" dirty="0">
-                <a:solidFill>
-                  <a:srgbClr val="3B3B3B"/>
-                </a:solidFill>
-                <a:effectLst/>
-                <a:highlight>
-                  <a:srgbClr val="FFFFFF"/>
-                </a:highlight>
-                <a:latin typeface="Consolas" panose="020B0609020204030204" pitchFamily="49" charset="0"/>
-              </a:rPr>
-              <a:t>    }</a:t>
-            </a:r>
-          </a:p>
-        </p:txBody>
-      </p:sp>
-    </p:spTree>
-    <p:extLst>
-      <p:ext uri="{BB962C8B-B14F-4D97-AF65-F5344CB8AC3E}">
-        <p14:creationId xmlns:p14="http://schemas.microsoft.com/office/powerpoint/2010/main" val="1880220352"/>
-      </p:ext>
-    </p:extLst>
-  </p:cSld>
-  <p:clrMapOvr>
-    <a:masterClrMapping/>
-  </p:clrMapOvr>
-</p:sld>
-</file>
-
-<file path=ppt/slides/slide5.xml><?xml version="1.0" encoding="utf-8"?>
-<p:sld xmlns:a="http://schemas.openxmlformats.org/drawingml/2006/main" xmlns:r="http://schemas.openxmlformats.org/officeDocument/2006/relationships" xmlns:p="http://schemas.openxmlformats.org/presentationml/2006/main">
-  <p:cSld>
-    <p:spTree>
-      <p:nvGrpSpPr>
-        <p:cNvPr id="1" name=""/>
-        <p:cNvGrpSpPr/>
-        <p:nvPr/>
-      </p:nvGrpSpPr>
-      <p:grpSpPr>
-        <a:xfrm>
-          <a:off x="0" y="0"/>
-          <a:ext cx="0" cy="0"/>
-          <a:chOff x="0" y="0"/>
-          <a:chExt cx="0" cy="0"/>
-        </a:xfrm>
-      </p:grpSpPr>
-      <p:sp>
-        <p:nvSpPr>
-          <p:cNvPr id="2" name="Title 1">
-            <a:extLst>
-              <a:ext uri="{FF2B5EF4-FFF2-40B4-BE49-F238E27FC236}">
-                <a16:creationId xmlns:a16="http://schemas.microsoft.com/office/drawing/2014/main" id="{45B729C2-3DAA-F3D7-6DDB-DB860E51BF57}"/>
-              </a:ext>
-            </a:extLst>
-          </p:cNvPr>
-          <p:cNvSpPr>
-            <a:spLocks noGrp="1"/>
-          </p:cNvSpPr>
-          <p:nvPr>
-            <p:ph type="title"/>
-          </p:nvPr>
-        </p:nvSpPr>
-        <p:spPr/>
-        <p:txBody>
-          <a:bodyPr/>
-          <a:lstStyle/>
-          <a:p>
-            <a:r>
-              <a:rPr lang="en-US" dirty="0"/>
-              <a:t>Our First Execution Thread</a:t>
-            </a:r>
-          </a:p>
-        </p:txBody>
-      </p:sp>
-      <p:sp>
-        <p:nvSpPr>
-          <p:cNvPr id="4" name="Footer Placeholder 3">
-            <a:extLst>
-              <a:ext uri="{FF2B5EF4-FFF2-40B4-BE49-F238E27FC236}">
-                <a16:creationId xmlns:a16="http://schemas.microsoft.com/office/drawing/2014/main" id="{32182962-36C0-BF6F-2E5F-BF06B5A228BA}"/>
-              </a:ext>
-            </a:extLst>
-          </p:cNvPr>
-          <p:cNvSpPr>
-            <a:spLocks noGrp="1"/>
-          </p:cNvSpPr>
-          <p:nvPr>
-            <p:ph type="ftr" sz="quarter" idx="10"/>
-          </p:nvPr>
-        </p:nvSpPr>
-        <p:spPr/>
-        <p:txBody>
-          <a:bodyPr/>
-          <a:lstStyle/>
-          <a:p>
-            <a:pPr>
-              <a:defRPr/>
-            </a:pPr>
-            <a:r>
-              <a:rPr lang="fr-FR" altLang="en-US"/>
-              <a:t>CS 1181 – Computer Science II    Dr. Michael Raymer</a:t>
-            </a:r>
-            <a:endParaRPr lang="en-US" altLang="en-US" dirty="0"/>
-          </a:p>
-        </p:txBody>
-      </p:sp>
-      <p:sp>
-        <p:nvSpPr>
-          <p:cNvPr id="5" name="Slide Number Placeholder 4">
-            <a:extLst>
-              <a:ext uri="{FF2B5EF4-FFF2-40B4-BE49-F238E27FC236}">
-                <a16:creationId xmlns:a16="http://schemas.microsoft.com/office/drawing/2014/main" id="{61E55713-1727-C366-319F-D870D979664A}"/>
-              </a:ext>
-            </a:extLst>
-          </p:cNvPr>
-          <p:cNvSpPr>
-            <a:spLocks noGrp="1"/>
-          </p:cNvSpPr>
-          <p:nvPr>
-            <p:ph type="sldNum" sz="quarter" idx="11"/>
-          </p:nvPr>
-        </p:nvSpPr>
-        <p:spPr/>
-        <p:txBody>
-          <a:bodyPr/>
-          <a:lstStyle/>
-          <a:p>
-            <a:fld id="{19B0E89C-C97D-402E-B9E0-A1BE29AA681C}" type="slidenum">
-              <a:rPr lang="en-US" altLang="en-US" smtClean="0"/>
-              <a:pPr/>
-              <a:t>5</a:t>
-            </a:fld>
-            <a:endParaRPr lang="en-US" altLang="en-US"/>
-          </a:p>
-        </p:txBody>
-      </p:sp>
-      <p:sp>
-        <p:nvSpPr>
           <p:cNvPr id="8" name="TextBox 7">
             <a:extLst>
               <a:ext uri="{FF2B5EF4-FFF2-40B4-BE49-F238E27FC236}">
@@ -40304,7 +38791,7 @@
         <p:spPr>
           <a:xfrm>
             <a:off x="381000" y="2438400"/>
-            <a:ext cx="5334000" cy="1569660"/>
+            <a:ext cx="5334000" cy="1754326"/>
           </a:xfrm>
           <a:prstGeom prst="rect">
             <a:avLst/>
@@ -40473,6 +38960,42 @@
               </a:rPr>
               <a:t>[]){</a:t>
             </a:r>
+          </a:p>
+          <a:p>
+            <a:r>
+              <a:rPr lang="en-US" sz="1200" dirty="0">
+                <a:solidFill>
+                  <a:srgbClr val="3B3B3B"/>
+                </a:solidFill>
+                <a:highlight>
+                  <a:srgbClr val="FFFFFF"/>
+                </a:highlight>
+                <a:latin typeface="Consolas" panose="020B0609020204030204" pitchFamily="49" charset="0"/>
+              </a:rPr>
+              <a:t>    </a:t>
+            </a:r>
+            <a:r>
+              <a:rPr lang="en-US" sz="1200">
+                <a:solidFill>
+                  <a:srgbClr val="3B3B3B"/>
+                </a:solidFill>
+                <a:highlight>
+                  <a:srgbClr val="FFFFFF"/>
+                </a:highlight>
+                <a:latin typeface="Consolas" panose="020B0609020204030204" pitchFamily="49" charset="0"/>
+              </a:rPr>
+              <a:t>int clicks = 0;</a:t>
+            </a:r>
+            <a:endParaRPr lang="en-US" sz="1200" b="0" dirty="0">
+              <a:solidFill>
+                <a:srgbClr val="3B3B3B"/>
+              </a:solidFill>
+              <a:effectLst/>
+              <a:highlight>
+                <a:srgbClr val="FFFFFF"/>
+              </a:highlight>
+              <a:latin typeface="Consolas" panose="020B0609020204030204" pitchFamily="49" charset="0"/>
+            </a:endParaRPr>
           </a:p>
           <a:p>
             <a:r>
@@ -41649,6 +40172,224 @@
 </p:sld>
 </file>
 
+<file path=ppt/slides/slide5.xml><?xml version="1.0" encoding="utf-8"?>
+<p:sld xmlns:a="http://schemas.openxmlformats.org/drawingml/2006/main" xmlns:r="http://schemas.openxmlformats.org/officeDocument/2006/relationships" xmlns:p="http://schemas.openxmlformats.org/presentationml/2006/main">
+  <p:cSld>
+    <p:spTree>
+      <p:nvGrpSpPr>
+        <p:cNvPr id="1" name=""/>
+        <p:cNvGrpSpPr/>
+        <p:nvPr/>
+      </p:nvGrpSpPr>
+      <p:grpSpPr>
+        <a:xfrm>
+          <a:off x="0" y="0"/>
+          <a:ext cx="0" cy="0"/>
+          <a:chOff x="0" y="0"/>
+          <a:chExt cx="0" cy="0"/>
+        </a:xfrm>
+      </p:grpSpPr>
+      <p:sp>
+        <p:nvSpPr>
+          <p:cNvPr id="2" name="Title 1">
+            <a:extLst>
+              <a:ext uri="{FF2B5EF4-FFF2-40B4-BE49-F238E27FC236}">
+                <a16:creationId xmlns:a16="http://schemas.microsoft.com/office/drawing/2014/main" id="{79019A7A-0474-AD5E-705D-9A977DC60614}"/>
+              </a:ext>
+            </a:extLst>
+          </p:cNvPr>
+          <p:cNvSpPr>
+            <a:spLocks noGrp="1"/>
+          </p:cNvSpPr>
+          <p:nvPr>
+            <p:ph type="title"/>
+          </p:nvPr>
+        </p:nvSpPr>
+        <p:spPr/>
+        <p:txBody>
+          <a:bodyPr/>
+          <a:lstStyle/>
+          <a:p>
+            <a:r>
+              <a:rPr lang="en-US" dirty="0"/>
+              <a:t>Keeping track of data</a:t>
+            </a:r>
+          </a:p>
+        </p:txBody>
+      </p:sp>
+      <p:sp>
+        <p:nvSpPr>
+          <p:cNvPr id="3" name="Content Placeholder 2">
+            <a:extLst>
+              <a:ext uri="{FF2B5EF4-FFF2-40B4-BE49-F238E27FC236}">
+                <a16:creationId xmlns:a16="http://schemas.microsoft.com/office/drawing/2014/main" id="{FDA5BCBC-BC73-D8A6-1F79-28921FE6B579}"/>
+              </a:ext>
+            </a:extLst>
+          </p:cNvPr>
+          <p:cNvSpPr>
+            <a:spLocks noGrp="1"/>
+          </p:cNvSpPr>
+          <p:nvPr>
+            <p:ph idx="1"/>
+          </p:nvPr>
+        </p:nvSpPr>
+        <p:spPr>
+          <a:xfrm>
+            <a:off x="381000" y="1295400"/>
+            <a:ext cx="8382000" cy="4724400"/>
+          </a:xfrm>
+        </p:spPr>
+        <p:txBody>
+          <a:bodyPr/>
+          <a:lstStyle/>
+          <a:p>
+            <a:r>
+              <a:rPr lang="en-US" dirty="0"/>
+              <a:t>If main() is going to exit, where do we keep all our variables and data?</a:t>
+            </a:r>
+          </a:p>
+          <a:p>
+            <a:endParaRPr lang="en-US" dirty="0"/>
+          </a:p>
+          <a:p>
+            <a:r>
+              <a:rPr lang="en-US" dirty="0"/>
+              <a:t>There are several approaches, but we’ll usually create a </a:t>
+            </a:r>
+            <a:r>
+              <a:rPr lang="en-US" b="1" dirty="0">
+                <a:effectLst>
+                  <a:outerShdw blurRad="38100" dist="38100" dir="2700000" algn="tl">
+                    <a:srgbClr val="000000">
+                      <a:alpha val="43137"/>
+                    </a:srgbClr>
+                  </a:outerShdw>
+                </a:effectLst>
+              </a:rPr>
+              <a:t>subclass of </a:t>
+            </a:r>
+            <a:r>
+              <a:rPr lang="en-US" b="1" dirty="0" err="1">
+                <a:effectLst>
+                  <a:outerShdw blurRad="38100" dist="38100" dir="2700000" algn="tl">
+                    <a:srgbClr val="000000">
+                      <a:alpha val="43137"/>
+                    </a:srgbClr>
+                  </a:outerShdw>
+                </a:effectLst>
+              </a:rPr>
+              <a:t>JFrame</a:t>
+            </a:r>
+            <a:r>
+              <a:rPr lang="en-US" b="1" dirty="0">
+                <a:effectLst>
+                  <a:outerShdw blurRad="38100" dist="38100" dir="2700000" algn="tl">
+                    <a:srgbClr val="000000">
+                      <a:alpha val="43137"/>
+                    </a:srgbClr>
+                  </a:outerShdw>
+                </a:effectLst>
+              </a:rPr>
+              <a:t> </a:t>
+            </a:r>
+            <a:r>
+              <a:rPr lang="en-US" dirty="0"/>
+              <a:t>and use </a:t>
+            </a:r>
+            <a:r>
+              <a:rPr lang="en-US" b="1" dirty="0">
+                <a:effectLst>
+                  <a:outerShdw blurRad="38100" dist="38100" dir="2700000" algn="tl">
+                    <a:srgbClr val="000000">
+                      <a:alpha val="43137"/>
+                    </a:srgbClr>
+                  </a:outerShdw>
+                </a:effectLst>
+              </a:rPr>
+              <a:t>instance variables</a:t>
+            </a:r>
+            <a:r>
+              <a:rPr lang="en-US" dirty="0"/>
+              <a:t> for all our persistent data.  This data will live for as long as our main application window is not closed.</a:t>
+            </a:r>
+          </a:p>
+        </p:txBody>
+      </p:sp>
+      <p:sp>
+        <p:nvSpPr>
+          <p:cNvPr id="4" name="Footer Placeholder 3">
+            <a:extLst>
+              <a:ext uri="{FF2B5EF4-FFF2-40B4-BE49-F238E27FC236}">
+                <a16:creationId xmlns:a16="http://schemas.microsoft.com/office/drawing/2014/main" id="{9282F1CD-5902-3A3B-98A5-56CAAB8C1C24}"/>
+              </a:ext>
+            </a:extLst>
+          </p:cNvPr>
+          <p:cNvSpPr>
+            <a:spLocks noGrp="1"/>
+          </p:cNvSpPr>
+          <p:nvPr>
+            <p:ph type="ftr" sz="quarter" idx="10"/>
+          </p:nvPr>
+        </p:nvSpPr>
+        <p:spPr/>
+        <p:txBody>
+          <a:bodyPr/>
+          <a:lstStyle/>
+          <a:p>
+            <a:pPr>
+              <a:defRPr/>
+            </a:pPr>
+            <a:r>
+              <a:rPr lang="fr-FR" altLang="en-US"/>
+              <a:t>CS 1181 – Computer Science II    Dr. Michael Raymer</a:t>
+            </a:r>
+            <a:endParaRPr lang="en-US" altLang="en-US" dirty="0"/>
+          </a:p>
+        </p:txBody>
+      </p:sp>
+      <p:sp>
+        <p:nvSpPr>
+          <p:cNvPr id="5" name="Slide Number Placeholder 4">
+            <a:extLst>
+              <a:ext uri="{FF2B5EF4-FFF2-40B4-BE49-F238E27FC236}">
+                <a16:creationId xmlns:a16="http://schemas.microsoft.com/office/drawing/2014/main" id="{B8D00A54-2001-B54B-0C8B-D04E3D024A6F}"/>
+              </a:ext>
+            </a:extLst>
+          </p:cNvPr>
+          <p:cNvSpPr>
+            <a:spLocks noGrp="1"/>
+          </p:cNvSpPr>
+          <p:nvPr>
+            <p:ph type="sldNum" sz="quarter" idx="11"/>
+          </p:nvPr>
+        </p:nvSpPr>
+        <p:spPr/>
+        <p:txBody>
+          <a:bodyPr/>
+          <a:lstStyle/>
+          <a:p>
+            <a:fld id="{19B0E89C-C97D-402E-B9E0-A1BE29AA681C}" type="slidenum">
+              <a:rPr lang="en-US" altLang="en-US" smtClean="0"/>
+              <a:pPr/>
+              <a:t>5</a:t>
+            </a:fld>
+            <a:endParaRPr lang="en-US" altLang="en-US"/>
+          </a:p>
+        </p:txBody>
+      </p:sp>
+    </p:spTree>
+    <p:extLst>
+      <p:ext uri="{BB962C8B-B14F-4D97-AF65-F5344CB8AC3E}">
+        <p14:creationId xmlns:p14="http://schemas.microsoft.com/office/powerpoint/2010/main" val="4106567113"/>
+      </p:ext>
+    </p:extLst>
+  </p:cSld>
+  <p:clrMapOvr>
+    <a:masterClrMapping/>
+  </p:clrMapOvr>
+</p:sld>
+</file>
+
 <file path=ppt/slides/slide6.xml><?xml version="1.0" encoding="utf-8"?>
 <p:sld xmlns:a="http://schemas.openxmlformats.org/drawingml/2006/main" xmlns:r="http://schemas.openxmlformats.org/officeDocument/2006/relationships" xmlns:p="http://schemas.openxmlformats.org/presentationml/2006/main">
   <p:cSld>
@@ -41696,104 +40437,6 @@
       </p:sp>
       <p:sp>
         <p:nvSpPr>
-          <p:cNvPr id="3" name="Content Placeholder 2">
-            <a:extLst>
-              <a:ext uri="{FF2B5EF4-FFF2-40B4-BE49-F238E27FC236}">
-                <a16:creationId xmlns:a16="http://schemas.microsoft.com/office/drawing/2014/main" id="{FDA5BCBC-BC73-D8A6-1F79-28921FE6B579}"/>
-              </a:ext>
-            </a:extLst>
-          </p:cNvPr>
-          <p:cNvSpPr>
-            <a:spLocks noGrp="1"/>
-          </p:cNvSpPr>
-          <p:nvPr>
-            <p:ph idx="1"/>
-          </p:nvPr>
-        </p:nvSpPr>
-        <p:spPr>
-          <a:xfrm>
-            <a:off x="381000" y="1295400"/>
-            <a:ext cx="8382000" cy="4724400"/>
-          </a:xfrm>
-        </p:spPr>
-        <p:txBody>
-          <a:bodyPr/>
-          <a:lstStyle/>
-          <a:p>
-            <a:r>
-              <a:rPr lang="en-US" dirty="0"/>
-              <a:t>If main() is going to exit, where do we keep all our variables and data?</a:t>
-            </a:r>
-          </a:p>
-          <a:p>
-            <a:endParaRPr lang="en-US" dirty="0"/>
-          </a:p>
-          <a:p>
-            <a:r>
-              <a:rPr lang="en-US" dirty="0"/>
-              <a:t>There are several approaches, but we’ll usually create a </a:t>
-            </a:r>
-            <a:r>
-              <a:rPr lang="en-US" b="1" dirty="0">
-                <a:effectLst>
-                  <a:outerShdw blurRad="38100" dist="38100" dir="2700000" algn="tl">
-                    <a:srgbClr val="000000">
-                      <a:alpha val="43137"/>
-                    </a:srgbClr>
-                  </a:outerShdw>
-                </a:effectLst>
-              </a:rPr>
-              <a:t>subclass of </a:t>
-            </a:r>
-            <a:r>
-              <a:rPr lang="en-US" b="1" dirty="0" err="1">
-                <a:effectLst>
-                  <a:outerShdw blurRad="38100" dist="38100" dir="2700000" algn="tl">
-                    <a:srgbClr val="000000">
-                      <a:alpha val="43137"/>
-                    </a:srgbClr>
-                  </a:outerShdw>
-                </a:effectLst>
-              </a:rPr>
-              <a:t>JFrame</a:t>
-            </a:r>
-            <a:r>
-              <a:rPr lang="en-US" b="1" dirty="0">
-                <a:effectLst>
-                  <a:outerShdw blurRad="38100" dist="38100" dir="2700000" algn="tl">
-                    <a:srgbClr val="000000">
-                      <a:alpha val="43137"/>
-                    </a:srgbClr>
-                  </a:outerShdw>
-                </a:effectLst>
-              </a:rPr>
-              <a:t> </a:t>
-            </a:r>
-            <a:r>
-              <a:rPr lang="en-US" dirty="0"/>
-              <a:t>and use </a:t>
-            </a:r>
-            <a:r>
-              <a:rPr lang="en-US" b="1" dirty="0">
-                <a:effectLst>
-                  <a:outerShdw blurRad="38100" dist="38100" dir="2700000" algn="tl">
-                    <a:srgbClr val="000000">
-                      <a:alpha val="43137"/>
-                    </a:srgbClr>
-                  </a:outerShdw>
-                </a:effectLst>
-              </a:rPr>
-              <a:t>instance variables</a:t>
-            </a:r>
-            <a:r>
-              <a:rPr lang="en-US" dirty="0"/>
-              <a:t> for all our persistent data.  This data will live for as long as our main application window is not closed.</a:t>
-            </a:r>
-          </a:p>
-        </p:txBody>
-      </p:sp>
-      <p:sp>
-        <p:nvSpPr>
           <p:cNvPr id="4" name="Footer Placeholder 3">
             <a:extLst>
               <a:ext uri="{FF2B5EF4-FFF2-40B4-BE49-F238E27FC236}">
@@ -41849,126 +40492,6 @@
               <a:rPr lang="en-US" altLang="en-US" smtClean="0"/>
               <a:pPr/>
               <a:t>6</a:t>
-            </a:fld>
-            <a:endParaRPr lang="en-US" altLang="en-US"/>
-          </a:p>
-        </p:txBody>
-      </p:sp>
-    </p:spTree>
-    <p:extLst>
-      <p:ext uri="{BB962C8B-B14F-4D97-AF65-F5344CB8AC3E}">
-        <p14:creationId xmlns:p14="http://schemas.microsoft.com/office/powerpoint/2010/main" val="4106567113"/>
-      </p:ext>
-    </p:extLst>
-  </p:cSld>
-  <p:clrMapOvr>
-    <a:masterClrMapping/>
-  </p:clrMapOvr>
-</p:sld>
-</file>
-
-<file path=ppt/slides/slide7.xml><?xml version="1.0" encoding="utf-8"?>
-<p:sld xmlns:a="http://schemas.openxmlformats.org/drawingml/2006/main" xmlns:r="http://schemas.openxmlformats.org/officeDocument/2006/relationships" xmlns:p="http://schemas.openxmlformats.org/presentationml/2006/main">
-  <p:cSld>
-    <p:spTree>
-      <p:nvGrpSpPr>
-        <p:cNvPr id="1" name=""/>
-        <p:cNvGrpSpPr/>
-        <p:nvPr/>
-      </p:nvGrpSpPr>
-      <p:grpSpPr>
-        <a:xfrm>
-          <a:off x="0" y="0"/>
-          <a:ext cx="0" cy="0"/>
-          <a:chOff x="0" y="0"/>
-          <a:chExt cx="0" cy="0"/>
-        </a:xfrm>
-      </p:grpSpPr>
-      <p:sp>
-        <p:nvSpPr>
-          <p:cNvPr id="2" name="Title 1">
-            <a:extLst>
-              <a:ext uri="{FF2B5EF4-FFF2-40B4-BE49-F238E27FC236}">
-                <a16:creationId xmlns:a16="http://schemas.microsoft.com/office/drawing/2014/main" id="{79019A7A-0474-AD5E-705D-9A977DC60614}"/>
-              </a:ext>
-            </a:extLst>
-          </p:cNvPr>
-          <p:cNvSpPr>
-            <a:spLocks noGrp="1"/>
-          </p:cNvSpPr>
-          <p:nvPr>
-            <p:ph type="title"/>
-          </p:nvPr>
-        </p:nvSpPr>
-        <p:spPr/>
-        <p:txBody>
-          <a:bodyPr/>
-          <a:lstStyle/>
-          <a:p>
-            <a:r>
-              <a:rPr lang="en-US" dirty="0"/>
-              <a:t>Keeping track of data</a:t>
-            </a:r>
-          </a:p>
-        </p:txBody>
-      </p:sp>
-      <p:sp>
-        <p:nvSpPr>
-          <p:cNvPr id="4" name="Footer Placeholder 3">
-            <a:extLst>
-              <a:ext uri="{FF2B5EF4-FFF2-40B4-BE49-F238E27FC236}">
-                <a16:creationId xmlns:a16="http://schemas.microsoft.com/office/drawing/2014/main" id="{9282F1CD-5902-3A3B-98A5-56CAAB8C1C24}"/>
-              </a:ext>
-            </a:extLst>
-          </p:cNvPr>
-          <p:cNvSpPr>
-            <a:spLocks noGrp="1"/>
-          </p:cNvSpPr>
-          <p:nvPr>
-            <p:ph type="ftr" sz="quarter" idx="10"/>
-          </p:nvPr>
-        </p:nvSpPr>
-        <p:spPr/>
-        <p:txBody>
-          <a:bodyPr/>
-          <a:lstStyle/>
-          <a:p>
-            <a:pPr>
-              <a:defRPr/>
-            </a:pPr>
-            <a:r>
-              <a:rPr lang="fr-FR" altLang="en-US"/>
-              <a:t>CS 1181 – Computer Science II    Dr. Michael Raymer</a:t>
-            </a:r>
-            <a:endParaRPr lang="en-US" altLang="en-US" dirty="0"/>
-          </a:p>
-        </p:txBody>
-      </p:sp>
-      <p:sp>
-        <p:nvSpPr>
-          <p:cNvPr id="5" name="Slide Number Placeholder 4">
-            <a:extLst>
-              <a:ext uri="{FF2B5EF4-FFF2-40B4-BE49-F238E27FC236}">
-                <a16:creationId xmlns:a16="http://schemas.microsoft.com/office/drawing/2014/main" id="{B8D00A54-2001-B54B-0C8B-D04E3D024A6F}"/>
-              </a:ext>
-            </a:extLst>
-          </p:cNvPr>
-          <p:cNvSpPr>
-            <a:spLocks noGrp="1"/>
-          </p:cNvSpPr>
-          <p:nvPr>
-            <p:ph type="sldNum" sz="quarter" idx="11"/>
-          </p:nvPr>
-        </p:nvSpPr>
-        <p:spPr/>
-        <p:txBody>
-          <a:bodyPr/>
-          <a:lstStyle/>
-          <a:p>
-            <a:fld id="{19B0E89C-C97D-402E-B9E0-A1BE29AA681C}" type="slidenum">
-              <a:rPr lang="en-US" altLang="en-US" smtClean="0"/>
-              <a:pPr/>
-              <a:t>7</a:t>
             </a:fld>
             <a:endParaRPr lang="en-US" altLang="en-US"/>
           </a:p>
@@ -43656,7 +42179,7 @@
 </p:sld>
 </file>
 
-<file path=ppt/slides/slide8.xml><?xml version="1.0" encoding="utf-8"?>
+<file path=ppt/slides/slide7.xml><?xml version="1.0" encoding="utf-8"?>
 <p:sld xmlns:a="http://schemas.openxmlformats.org/drawingml/2006/main" xmlns:r="http://schemas.openxmlformats.org/officeDocument/2006/relationships" xmlns:p="http://schemas.openxmlformats.org/presentationml/2006/main">
   <p:cSld>
     <p:spTree>
@@ -43757,7 +42280,7 @@
             <a:fld id="{19B0E89C-C97D-402E-B9E0-A1BE29AA681C}" type="slidenum">
               <a:rPr lang="en-US" altLang="en-US" smtClean="0"/>
               <a:pPr/>
-              <a:t>8</a:t>
+              <a:t>7</a:t>
             </a:fld>
             <a:endParaRPr lang="en-US" altLang="en-US"/>
           </a:p>
@@ -45289,6 +43812,765 @@
     <p:extLst>
       <p:ext uri="{BB962C8B-B14F-4D97-AF65-F5344CB8AC3E}">
         <p14:creationId xmlns:p14="http://schemas.microsoft.com/office/powerpoint/2010/main" val="1417172917"/>
+      </p:ext>
+    </p:extLst>
+  </p:cSld>
+  <p:clrMapOvr>
+    <a:masterClrMapping/>
+  </p:clrMapOvr>
+</p:sld>
+</file>
+
+<file path=ppt/slides/slide8.xml><?xml version="1.0" encoding="utf-8"?>
+<p:sld xmlns:a="http://schemas.openxmlformats.org/drawingml/2006/main" xmlns:r="http://schemas.openxmlformats.org/officeDocument/2006/relationships" xmlns:p="http://schemas.openxmlformats.org/presentationml/2006/main">
+  <p:cSld>
+    <p:spTree>
+      <p:nvGrpSpPr>
+        <p:cNvPr id="1" name=""/>
+        <p:cNvGrpSpPr/>
+        <p:nvPr/>
+      </p:nvGrpSpPr>
+      <p:grpSpPr>
+        <a:xfrm>
+          <a:off x="0" y="0"/>
+          <a:ext cx="0" cy="0"/>
+          <a:chOff x="0" y="0"/>
+          <a:chExt cx="0" cy="0"/>
+        </a:xfrm>
+      </p:grpSpPr>
+      <p:sp>
+        <p:nvSpPr>
+          <p:cNvPr id="2" name="Title 1">
+            <a:extLst>
+              <a:ext uri="{FF2B5EF4-FFF2-40B4-BE49-F238E27FC236}">
+                <a16:creationId xmlns:a16="http://schemas.microsoft.com/office/drawing/2014/main" id="{EA3E4B51-D98E-F92E-3FE5-9ECAB36FB3BD}"/>
+              </a:ext>
+            </a:extLst>
+          </p:cNvPr>
+          <p:cNvSpPr>
+            <a:spLocks noGrp="1"/>
+          </p:cNvSpPr>
+          <p:nvPr>
+            <p:ph type="title"/>
+          </p:nvPr>
+        </p:nvSpPr>
+        <p:spPr/>
+        <p:txBody>
+          <a:bodyPr/>
+          <a:lstStyle/>
+          <a:p>
+            <a:r>
+              <a:rPr lang="en-US" dirty="0"/>
+              <a:t>Adding GUI Elements</a:t>
+            </a:r>
+          </a:p>
+        </p:txBody>
+      </p:sp>
+      <p:sp>
+        <p:nvSpPr>
+          <p:cNvPr id="3" name="Content Placeholder 2">
+            <a:extLst>
+              <a:ext uri="{FF2B5EF4-FFF2-40B4-BE49-F238E27FC236}">
+                <a16:creationId xmlns:a16="http://schemas.microsoft.com/office/drawing/2014/main" id="{733C795C-5163-77F9-B525-D1A3B0912085}"/>
+              </a:ext>
+            </a:extLst>
+          </p:cNvPr>
+          <p:cNvSpPr>
+            <a:spLocks noGrp="1"/>
+          </p:cNvSpPr>
+          <p:nvPr>
+            <p:ph idx="1"/>
+          </p:nvPr>
+        </p:nvSpPr>
+        <p:spPr>
+          <a:xfrm>
+            <a:off x="381000" y="1143000"/>
+            <a:ext cx="8382000" cy="4876800"/>
+          </a:xfrm>
+        </p:spPr>
+        <p:txBody>
+          <a:bodyPr/>
+          <a:lstStyle/>
+          <a:p>
+            <a:r>
+              <a:rPr lang="en-US" dirty="0"/>
+              <a:t>Java’s built-in GUI library, called Swing, has all kinds of useful GUI elements: buttons, sliders, scrollbars, labels, and more.</a:t>
+            </a:r>
+          </a:p>
+          <a:p>
+            <a:r>
+              <a:rPr lang="en-US" u="sng" dirty="0"/>
+              <a:t>Example:  A clickable button</a:t>
+            </a:r>
+            <a:endParaRPr lang="en-US" dirty="0"/>
+          </a:p>
+        </p:txBody>
+      </p:sp>
+      <p:sp>
+        <p:nvSpPr>
+          <p:cNvPr id="4" name="Footer Placeholder 3">
+            <a:extLst>
+              <a:ext uri="{FF2B5EF4-FFF2-40B4-BE49-F238E27FC236}">
+                <a16:creationId xmlns:a16="http://schemas.microsoft.com/office/drawing/2014/main" id="{F3607297-6D8D-314E-02DC-0DBD01D1873D}"/>
+              </a:ext>
+            </a:extLst>
+          </p:cNvPr>
+          <p:cNvSpPr>
+            <a:spLocks noGrp="1"/>
+          </p:cNvSpPr>
+          <p:nvPr>
+            <p:ph type="ftr" sz="quarter" idx="10"/>
+          </p:nvPr>
+        </p:nvSpPr>
+        <p:spPr/>
+        <p:txBody>
+          <a:bodyPr/>
+          <a:lstStyle/>
+          <a:p>
+            <a:pPr>
+              <a:defRPr/>
+            </a:pPr>
+            <a:r>
+              <a:rPr lang="fr-FR" altLang="en-US"/>
+              <a:t>CS 1181 – Computer Science II    Dr. Michael Raymer</a:t>
+            </a:r>
+            <a:endParaRPr lang="en-US" altLang="en-US" dirty="0"/>
+          </a:p>
+        </p:txBody>
+      </p:sp>
+      <p:sp>
+        <p:nvSpPr>
+          <p:cNvPr id="5" name="Slide Number Placeholder 4">
+            <a:extLst>
+              <a:ext uri="{FF2B5EF4-FFF2-40B4-BE49-F238E27FC236}">
+                <a16:creationId xmlns:a16="http://schemas.microsoft.com/office/drawing/2014/main" id="{37C33766-0675-9DB0-87ED-B725205AE229}"/>
+              </a:ext>
+            </a:extLst>
+          </p:cNvPr>
+          <p:cNvSpPr>
+            <a:spLocks noGrp="1"/>
+          </p:cNvSpPr>
+          <p:nvPr>
+            <p:ph type="sldNum" sz="quarter" idx="11"/>
+          </p:nvPr>
+        </p:nvSpPr>
+        <p:spPr/>
+        <p:txBody>
+          <a:bodyPr/>
+          <a:lstStyle/>
+          <a:p>
+            <a:fld id="{19B0E89C-C97D-402E-B9E0-A1BE29AA681C}" type="slidenum">
+              <a:rPr lang="en-US" altLang="en-US" smtClean="0"/>
+              <a:pPr/>
+              <a:t>8</a:t>
+            </a:fld>
+            <a:endParaRPr lang="en-US" altLang="en-US"/>
+          </a:p>
+        </p:txBody>
+      </p:sp>
+      <p:sp>
+        <p:nvSpPr>
+          <p:cNvPr id="8" name="TextBox 7">
+            <a:extLst>
+              <a:ext uri="{FF2B5EF4-FFF2-40B4-BE49-F238E27FC236}">
+                <a16:creationId xmlns:a16="http://schemas.microsoft.com/office/drawing/2014/main" id="{B14DF5A5-836F-1697-C73B-F271076706DA}"/>
+              </a:ext>
+            </a:extLst>
+          </p:cNvPr>
+          <p:cNvSpPr txBox="1"/>
+          <p:nvPr/>
+        </p:nvSpPr>
+        <p:spPr>
+          <a:xfrm>
+            <a:off x="838200" y="3683675"/>
+            <a:ext cx="7467600" cy="2031325"/>
+          </a:xfrm>
+          <a:prstGeom prst="rect">
+            <a:avLst/>
+          </a:prstGeom>
+          <a:noFill/>
+        </p:spPr>
+        <p:txBody>
+          <a:bodyPr wrap="square">
+            <a:spAutoFit/>
+          </a:bodyPr>
+          <a:lstStyle/>
+          <a:p>
+            <a:r>
+              <a:rPr lang="en-US" sz="1800" b="0" dirty="0">
+                <a:solidFill>
+                  <a:srgbClr val="3B3B3B"/>
+                </a:solidFill>
+                <a:effectLst/>
+                <a:highlight>
+                  <a:srgbClr val="FFFFFF"/>
+                </a:highlight>
+                <a:latin typeface="Consolas" panose="020B0609020204030204" pitchFamily="49" charset="0"/>
+              </a:rPr>
+              <a:t>    </a:t>
+            </a:r>
+            <a:r>
+              <a:rPr lang="en-US" sz="1800" b="0" dirty="0">
+                <a:solidFill>
+                  <a:srgbClr val="0000FF"/>
+                </a:solidFill>
+                <a:effectLst/>
+                <a:highlight>
+                  <a:srgbClr val="FFFFFF"/>
+                </a:highlight>
+                <a:latin typeface="Consolas" panose="020B0609020204030204" pitchFamily="49" charset="0"/>
+              </a:rPr>
+              <a:t>public</a:t>
+            </a:r>
+            <a:r>
+              <a:rPr lang="en-US" sz="1800" b="0" dirty="0">
+                <a:solidFill>
+                  <a:srgbClr val="3B3B3B"/>
+                </a:solidFill>
+                <a:effectLst/>
+                <a:highlight>
+                  <a:srgbClr val="FFFFFF"/>
+                </a:highlight>
+                <a:latin typeface="Consolas" panose="020B0609020204030204" pitchFamily="49" charset="0"/>
+              </a:rPr>
+              <a:t> </a:t>
+            </a:r>
+            <a:r>
+              <a:rPr lang="en-US" sz="1800" b="0" dirty="0" err="1">
+                <a:solidFill>
+                  <a:srgbClr val="795E26"/>
+                </a:solidFill>
+                <a:effectLst/>
+                <a:highlight>
+                  <a:srgbClr val="FFFFFF"/>
+                </a:highlight>
+                <a:latin typeface="Consolas" panose="020B0609020204030204" pitchFamily="49" charset="0"/>
+              </a:rPr>
+              <a:t>MainWindow</a:t>
+            </a:r>
+            <a:r>
+              <a:rPr lang="en-US" sz="1800" b="0" dirty="0">
+                <a:solidFill>
+                  <a:srgbClr val="3B3B3B"/>
+                </a:solidFill>
+                <a:effectLst/>
+                <a:highlight>
+                  <a:srgbClr val="FFFFFF"/>
+                </a:highlight>
+                <a:latin typeface="Consolas" panose="020B0609020204030204" pitchFamily="49" charset="0"/>
+              </a:rPr>
+              <a:t>(</a:t>
+            </a:r>
+            <a:r>
+              <a:rPr lang="en-US" sz="1800" b="0" dirty="0">
+                <a:solidFill>
+                  <a:srgbClr val="267F99"/>
+                </a:solidFill>
+                <a:effectLst/>
+                <a:highlight>
+                  <a:srgbClr val="FFFFFF"/>
+                </a:highlight>
+                <a:latin typeface="Consolas" panose="020B0609020204030204" pitchFamily="49" charset="0"/>
+              </a:rPr>
+              <a:t>String</a:t>
+            </a:r>
+            <a:r>
+              <a:rPr lang="en-US" sz="1800" b="0" dirty="0">
+                <a:solidFill>
+                  <a:srgbClr val="3B3B3B"/>
+                </a:solidFill>
+                <a:effectLst/>
+                <a:highlight>
+                  <a:srgbClr val="FFFFFF"/>
+                </a:highlight>
+                <a:latin typeface="Consolas" panose="020B0609020204030204" pitchFamily="49" charset="0"/>
+              </a:rPr>
+              <a:t> </a:t>
+            </a:r>
+            <a:r>
+              <a:rPr lang="en-US" sz="1800" b="0" dirty="0">
+                <a:solidFill>
+                  <a:srgbClr val="001080"/>
+                </a:solidFill>
+                <a:effectLst/>
+                <a:highlight>
+                  <a:srgbClr val="FFFFFF"/>
+                </a:highlight>
+                <a:latin typeface="Consolas" panose="020B0609020204030204" pitchFamily="49" charset="0"/>
+              </a:rPr>
+              <a:t>title</a:t>
+            </a:r>
+            <a:r>
+              <a:rPr lang="en-US" sz="1800" b="0" dirty="0">
+                <a:solidFill>
+                  <a:srgbClr val="3B3B3B"/>
+                </a:solidFill>
+                <a:effectLst/>
+                <a:highlight>
+                  <a:srgbClr val="FFFFFF"/>
+                </a:highlight>
+                <a:latin typeface="Consolas" panose="020B0609020204030204" pitchFamily="49" charset="0"/>
+              </a:rPr>
+              <a:t>){</a:t>
+            </a:r>
+          </a:p>
+          <a:p>
+            <a:r>
+              <a:rPr lang="en-US" sz="1800" b="0" dirty="0">
+                <a:solidFill>
+                  <a:srgbClr val="3B3B3B"/>
+                </a:solidFill>
+                <a:effectLst/>
+                <a:highlight>
+                  <a:srgbClr val="FFFFFF"/>
+                </a:highlight>
+                <a:latin typeface="Consolas" panose="020B0609020204030204" pitchFamily="49" charset="0"/>
+              </a:rPr>
+              <a:t>        </a:t>
+            </a:r>
+            <a:r>
+              <a:rPr lang="en-US" sz="1800" b="0" dirty="0">
+                <a:solidFill>
+                  <a:srgbClr val="0000FF"/>
+                </a:solidFill>
+                <a:effectLst/>
+                <a:highlight>
+                  <a:srgbClr val="FFFFFF"/>
+                </a:highlight>
+                <a:latin typeface="Consolas" panose="020B0609020204030204" pitchFamily="49" charset="0"/>
+              </a:rPr>
+              <a:t>super</a:t>
+            </a:r>
+            <a:r>
+              <a:rPr lang="en-US" sz="1800" b="0" dirty="0">
+                <a:solidFill>
+                  <a:srgbClr val="3B3B3B"/>
+                </a:solidFill>
+                <a:effectLst/>
+                <a:highlight>
+                  <a:srgbClr val="FFFFFF"/>
+                </a:highlight>
+                <a:latin typeface="Consolas" panose="020B0609020204030204" pitchFamily="49" charset="0"/>
+              </a:rPr>
+              <a:t>(</a:t>
+            </a:r>
+            <a:r>
+              <a:rPr lang="en-US" sz="1800" b="0" dirty="0">
+                <a:solidFill>
+                  <a:srgbClr val="001080"/>
+                </a:solidFill>
+                <a:effectLst/>
+                <a:highlight>
+                  <a:srgbClr val="FFFFFF"/>
+                </a:highlight>
+                <a:latin typeface="Consolas" panose="020B0609020204030204" pitchFamily="49" charset="0"/>
+              </a:rPr>
+              <a:t>title</a:t>
+            </a:r>
+            <a:r>
+              <a:rPr lang="en-US" sz="1800" b="0" dirty="0">
+                <a:solidFill>
+                  <a:srgbClr val="3B3B3B"/>
+                </a:solidFill>
+                <a:effectLst/>
+                <a:highlight>
+                  <a:srgbClr val="FFFFFF"/>
+                </a:highlight>
+                <a:latin typeface="Consolas" panose="020B0609020204030204" pitchFamily="49" charset="0"/>
+              </a:rPr>
+              <a:t>);</a:t>
+            </a:r>
+          </a:p>
+          <a:p>
+            <a:r>
+              <a:rPr lang="en-US" sz="1800" b="0" dirty="0">
+                <a:solidFill>
+                  <a:srgbClr val="3B3B3B"/>
+                </a:solidFill>
+                <a:effectLst/>
+                <a:highlight>
+                  <a:srgbClr val="FFFFFF"/>
+                </a:highlight>
+                <a:latin typeface="Consolas" panose="020B0609020204030204" pitchFamily="49" charset="0"/>
+              </a:rPr>
+              <a:t>        </a:t>
+            </a:r>
+            <a:r>
+              <a:rPr lang="en-US" sz="1800" b="0" dirty="0" err="1">
+                <a:solidFill>
+                  <a:srgbClr val="001080"/>
+                </a:solidFill>
+                <a:effectLst/>
+                <a:highlight>
+                  <a:srgbClr val="FFFFFF"/>
+                </a:highlight>
+                <a:latin typeface="Consolas" panose="020B0609020204030204" pitchFamily="49" charset="0"/>
+              </a:rPr>
+              <a:t>clickCount</a:t>
+            </a:r>
+            <a:r>
+              <a:rPr lang="en-US" sz="1800" b="0" dirty="0">
+                <a:solidFill>
+                  <a:srgbClr val="3B3B3B"/>
+                </a:solidFill>
+                <a:effectLst/>
+                <a:highlight>
+                  <a:srgbClr val="FFFFFF"/>
+                </a:highlight>
+                <a:latin typeface="Consolas" panose="020B0609020204030204" pitchFamily="49" charset="0"/>
+              </a:rPr>
+              <a:t> </a:t>
+            </a:r>
+            <a:r>
+              <a:rPr lang="en-US" sz="1800" b="0" dirty="0">
+                <a:solidFill>
+                  <a:srgbClr val="000000"/>
+                </a:solidFill>
+                <a:effectLst/>
+                <a:highlight>
+                  <a:srgbClr val="FFFFFF"/>
+                </a:highlight>
+                <a:latin typeface="Consolas" panose="020B0609020204030204" pitchFamily="49" charset="0"/>
+              </a:rPr>
+              <a:t>=</a:t>
+            </a:r>
+            <a:r>
+              <a:rPr lang="en-US" sz="1800" b="0" dirty="0">
+                <a:solidFill>
+                  <a:srgbClr val="3B3B3B"/>
+                </a:solidFill>
+                <a:effectLst/>
+                <a:highlight>
+                  <a:srgbClr val="FFFFFF"/>
+                </a:highlight>
+                <a:latin typeface="Consolas" panose="020B0609020204030204" pitchFamily="49" charset="0"/>
+              </a:rPr>
+              <a:t> </a:t>
+            </a:r>
+            <a:r>
+              <a:rPr lang="en-US" sz="1800" b="0" dirty="0">
+                <a:solidFill>
+                  <a:srgbClr val="098658"/>
+                </a:solidFill>
+                <a:effectLst/>
+                <a:highlight>
+                  <a:srgbClr val="FFFFFF"/>
+                </a:highlight>
+                <a:latin typeface="Consolas" panose="020B0609020204030204" pitchFamily="49" charset="0"/>
+              </a:rPr>
+              <a:t>0</a:t>
+            </a:r>
+            <a:r>
+              <a:rPr lang="en-US" sz="1800" b="0" dirty="0">
+                <a:solidFill>
+                  <a:srgbClr val="3B3B3B"/>
+                </a:solidFill>
+                <a:effectLst/>
+                <a:highlight>
+                  <a:srgbClr val="FFFFFF"/>
+                </a:highlight>
+                <a:latin typeface="Consolas" panose="020B0609020204030204" pitchFamily="49" charset="0"/>
+              </a:rPr>
+              <a:t>;</a:t>
+            </a:r>
+          </a:p>
+          <a:p>
+            <a:br>
+              <a:rPr lang="en-US" sz="1800" b="0" dirty="0">
+                <a:solidFill>
+                  <a:srgbClr val="3B3B3B"/>
+                </a:solidFill>
+                <a:effectLst/>
+                <a:highlight>
+                  <a:srgbClr val="FFFFFF"/>
+                </a:highlight>
+                <a:latin typeface="Consolas" panose="020B0609020204030204" pitchFamily="49" charset="0"/>
+              </a:rPr>
+            </a:br>
+            <a:r>
+              <a:rPr lang="en-US" sz="1800" b="0" dirty="0">
+                <a:solidFill>
+                  <a:srgbClr val="3B3B3B"/>
+                </a:solidFill>
+                <a:effectLst/>
+                <a:highlight>
+                  <a:srgbClr val="FFFFFF"/>
+                </a:highlight>
+                <a:latin typeface="Consolas" panose="020B0609020204030204" pitchFamily="49" charset="0"/>
+              </a:rPr>
+              <a:t>        </a:t>
+            </a:r>
+            <a:r>
+              <a:rPr lang="en-US" sz="1800" b="0" dirty="0" err="1">
+                <a:solidFill>
+                  <a:srgbClr val="267F99"/>
+                </a:solidFill>
+                <a:effectLst/>
+                <a:highlight>
+                  <a:srgbClr val="FFFFFF"/>
+                </a:highlight>
+                <a:latin typeface="Consolas" panose="020B0609020204030204" pitchFamily="49" charset="0"/>
+              </a:rPr>
+              <a:t>JButton</a:t>
+            </a:r>
+            <a:r>
+              <a:rPr lang="en-US" sz="1800" b="0" dirty="0">
+                <a:solidFill>
+                  <a:srgbClr val="3B3B3B"/>
+                </a:solidFill>
+                <a:effectLst/>
+                <a:highlight>
+                  <a:srgbClr val="FFFFFF"/>
+                </a:highlight>
+                <a:latin typeface="Consolas" panose="020B0609020204030204" pitchFamily="49" charset="0"/>
+              </a:rPr>
+              <a:t> </a:t>
+            </a:r>
+            <a:r>
+              <a:rPr lang="en-US" sz="1800" b="0" dirty="0" err="1">
+                <a:solidFill>
+                  <a:srgbClr val="001080"/>
+                </a:solidFill>
+                <a:effectLst/>
+                <a:highlight>
+                  <a:srgbClr val="FFFFFF"/>
+                </a:highlight>
+                <a:latin typeface="Consolas" panose="020B0609020204030204" pitchFamily="49" charset="0"/>
+              </a:rPr>
+              <a:t>aButton</a:t>
+            </a:r>
+            <a:r>
+              <a:rPr lang="en-US" sz="1800" b="0" dirty="0">
+                <a:solidFill>
+                  <a:srgbClr val="3B3B3B"/>
+                </a:solidFill>
+                <a:effectLst/>
+                <a:highlight>
+                  <a:srgbClr val="FFFFFF"/>
+                </a:highlight>
+                <a:latin typeface="Consolas" panose="020B0609020204030204" pitchFamily="49" charset="0"/>
+              </a:rPr>
+              <a:t> </a:t>
+            </a:r>
+            <a:r>
+              <a:rPr lang="en-US" sz="1800" b="0" dirty="0">
+                <a:solidFill>
+                  <a:srgbClr val="000000"/>
+                </a:solidFill>
+                <a:effectLst/>
+                <a:highlight>
+                  <a:srgbClr val="FFFFFF"/>
+                </a:highlight>
+                <a:latin typeface="Consolas" panose="020B0609020204030204" pitchFamily="49" charset="0"/>
+              </a:rPr>
+              <a:t>=</a:t>
+            </a:r>
+            <a:r>
+              <a:rPr lang="en-US" sz="1800" b="0" dirty="0">
+                <a:solidFill>
+                  <a:srgbClr val="3B3B3B"/>
+                </a:solidFill>
+                <a:effectLst/>
+                <a:highlight>
+                  <a:srgbClr val="FFFFFF"/>
+                </a:highlight>
+                <a:latin typeface="Consolas" panose="020B0609020204030204" pitchFamily="49" charset="0"/>
+              </a:rPr>
+              <a:t> </a:t>
+            </a:r>
+            <a:r>
+              <a:rPr lang="en-US" sz="1800" b="0" dirty="0">
+                <a:solidFill>
+                  <a:srgbClr val="AF00DB"/>
+                </a:solidFill>
+                <a:effectLst/>
+                <a:highlight>
+                  <a:srgbClr val="FFFFFF"/>
+                </a:highlight>
+                <a:latin typeface="Consolas" panose="020B0609020204030204" pitchFamily="49" charset="0"/>
+              </a:rPr>
+              <a:t>new</a:t>
+            </a:r>
+            <a:r>
+              <a:rPr lang="en-US" sz="1800" b="0" dirty="0">
+                <a:solidFill>
+                  <a:srgbClr val="3B3B3B"/>
+                </a:solidFill>
+                <a:effectLst/>
+                <a:highlight>
+                  <a:srgbClr val="FFFFFF"/>
+                </a:highlight>
+                <a:latin typeface="Consolas" panose="020B0609020204030204" pitchFamily="49" charset="0"/>
+              </a:rPr>
+              <a:t> </a:t>
+            </a:r>
+            <a:r>
+              <a:rPr lang="en-US" sz="1800" b="0" dirty="0" err="1">
+                <a:solidFill>
+                  <a:srgbClr val="795E26"/>
+                </a:solidFill>
+                <a:effectLst/>
+                <a:highlight>
+                  <a:srgbClr val="FFFFFF"/>
+                </a:highlight>
+                <a:latin typeface="Consolas" panose="020B0609020204030204" pitchFamily="49" charset="0"/>
+              </a:rPr>
+              <a:t>JButton</a:t>
+            </a:r>
+            <a:r>
+              <a:rPr lang="en-US" sz="1800" b="0" dirty="0">
+                <a:solidFill>
+                  <a:srgbClr val="3B3B3B"/>
+                </a:solidFill>
+                <a:effectLst/>
+                <a:highlight>
+                  <a:srgbClr val="FFFFFF"/>
+                </a:highlight>
+                <a:latin typeface="Consolas" panose="020B0609020204030204" pitchFamily="49" charset="0"/>
+              </a:rPr>
+              <a:t>(</a:t>
+            </a:r>
+            <a:r>
+              <a:rPr lang="en-US" sz="1800" b="0" dirty="0">
+                <a:solidFill>
+                  <a:srgbClr val="A31515"/>
+                </a:solidFill>
+                <a:effectLst/>
+                <a:highlight>
+                  <a:srgbClr val="FFFFFF"/>
+                </a:highlight>
+                <a:latin typeface="Consolas" panose="020B0609020204030204" pitchFamily="49" charset="0"/>
+              </a:rPr>
+              <a:t>"Click me!"</a:t>
+            </a:r>
+            <a:r>
+              <a:rPr lang="en-US" sz="1800" b="0" dirty="0">
+                <a:solidFill>
+                  <a:srgbClr val="3B3B3B"/>
+                </a:solidFill>
+                <a:effectLst/>
+                <a:highlight>
+                  <a:srgbClr val="FFFFFF"/>
+                </a:highlight>
+                <a:latin typeface="Consolas" panose="020B0609020204030204" pitchFamily="49" charset="0"/>
+              </a:rPr>
+              <a:t>);</a:t>
+            </a:r>
+          </a:p>
+          <a:p>
+            <a:r>
+              <a:rPr lang="en-US" sz="1800" b="0" dirty="0">
+                <a:solidFill>
+                  <a:srgbClr val="3B3B3B"/>
+                </a:solidFill>
+                <a:effectLst/>
+                <a:highlight>
+                  <a:srgbClr val="FFFFFF"/>
+                </a:highlight>
+                <a:latin typeface="Consolas" panose="020B0609020204030204" pitchFamily="49" charset="0"/>
+              </a:rPr>
+              <a:t>        </a:t>
+            </a:r>
+            <a:r>
+              <a:rPr lang="en-US" sz="1800" b="0" dirty="0" err="1">
+                <a:solidFill>
+                  <a:srgbClr val="0000FF"/>
+                </a:solidFill>
+                <a:effectLst/>
+                <a:highlight>
+                  <a:srgbClr val="FFFFFF"/>
+                </a:highlight>
+                <a:latin typeface="Consolas" panose="020B0609020204030204" pitchFamily="49" charset="0"/>
+              </a:rPr>
+              <a:t>this</a:t>
+            </a:r>
+            <a:r>
+              <a:rPr lang="en-US" sz="1800" b="0" dirty="0" err="1">
+                <a:solidFill>
+                  <a:srgbClr val="3B3B3B"/>
+                </a:solidFill>
+                <a:effectLst/>
+                <a:highlight>
+                  <a:srgbClr val="FFFFFF"/>
+                </a:highlight>
+                <a:latin typeface="Consolas" panose="020B0609020204030204" pitchFamily="49" charset="0"/>
+              </a:rPr>
+              <a:t>.</a:t>
+            </a:r>
+            <a:r>
+              <a:rPr lang="en-US" sz="1800" b="0" dirty="0" err="1">
+                <a:solidFill>
+                  <a:srgbClr val="795E26"/>
+                </a:solidFill>
+                <a:effectLst/>
+                <a:highlight>
+                  <a:srgbClr val="FFFFFF"/>
+                </a:highlight>
+                <a:latin typeface="Consolas" panose="020B0609020204030204" pitchFamily="49" charset="0"/>
+              </a:rPr>
+              <a:t>add</a:t>
+            </a:r>
+            <a:r>
+              <a:rPr lang="en-US" sz="1800" b="0" dirty="0">
+                <a:solidFill>
+                  <a:srgbClr val="3B3B3B"/>
+                </a:solidFill>
+                <a:effectLst/>
+                <a:highlight>
+                  <a:srgbClr val="FFFFFF"/>
+                </a:highlight>
+                <a:latin typeface="Consolas" panose="020B0609020204030204" pitchFamily="49" charset="0"/>
+              </a:rPr>
+              <a:t>(</a:t>
+            </a:r>
+            <a:r>
+              <a:rPr lang="en-US" sz="1800" b="0" dirty="0" err="1">
+                <a:solidFill>
+                  <a:srgbClr val="001080"/>
+                </a:solidFill>
+                <a:effectLst/>
+                <a:highlight>
+                  <a:srgbClr val="FFFFFF"/>
+                </a:highlight>
+                <a:latin typeface="Consolas" panose="020B0609020204030204" pitchFamily="49" charset="0"/>
+              </a:rPr>
+              <a:t>aButton</a:t>
+            </a:r>
+            <a:r>
+              <a:rPr lang="en-US" sz="1800" b="0" dirty="0">
+                <a:solidFill>
+                  <a:srgbClr val="3B3B3B"/>
+                </a:solidFill>
+                <a:effectLst/>
+                <a:highlight>
+                  <a:srgbClr val="FFFFFF"/>
+                </a:highlight>
+                <a:latin typeface="Consolas" panose="020B0609020204030204" pitchFamily="49" charset="0"/>
+              </a:rPr>
+              <a:t>);</a:t>
+            </a:r>
+          </a:p>
+          <a:p>
+            <a:r>
+              <a:rPr lang="en-US" sz="1800" b="0" dirty="0">
+                <a:solidFill>
+                  <a:srgbClr val="3B3B3B"/>
+                </a:solidFill>
+                <a:effectLst/>
+                <a:highlight>
+                  <a:srgbClr val="FFFFFF"/>
+                </a:highlight>
+                <a:latin typeface="Consolas" panose="020B0609020204030204" pitchFamily="49" charset="0"/>
+              </a:rPr>
+              <a:t>    }</a:t>
+            </a:r>
+          </a:p>
+        </p:txBody>
+      </p:sp>
+    </p:spTree>
+    <p:extLst>
+      <p:ext uri="{BB962C8B-B14F-4D97-AF65-F5344CB8AC3E}">
+        <p14:creationId xmlns:p14="http://schemas.microsoft.com/office/powerpoint/2010/main" val="3750150717"/>
       </p:ext>
     </p:extLst>
   </p:cSld>
@@ -45361,8 +44643,8 @@
         </p:nvSpPr>
         <p:spPr>
           <a:xfrm>
-            <a:off x="381000" y="1143000"/>
-            <a:ext cx="8382000" cy="4876800"/>
+            <a:off x="381000" y="1219200"/>
+            <a:ext cx="8382000" cy="609600"/>
           </a:xfrm>
         </p:spPr>
         <p:txBody>
@@ -45371,15 +44653,24 @@
           <a:p>
             <a:r>
               <a:rPr lang="en-US" dirty="0"/>
-              <a:t>Java’s built-in GUI library, called Swing, has all kinds of useful GUI elements: buttons, sliders, scrollbars, labels, and more.</a:t>
-            </a:r>
-          </a:p>
-          <a:p>
+              <a:t>BUT… a </a:t>
+            </a:r>
+            <a:r>
+              <a:rPr lang="en-US" dirty="0" err="1"/>
+              <a:t>JFrame</a:t>
+            </a:r>
+            <a:r>
+              <a:rPr lang="en-US" dirty="0"/>
+              <a:t> only shows </a:t>
+            </a:r>
             <a:r>
               <a:rPr lang="en-US" u="sng" dirty="0"/>
-              <a:t>Example:  A clickable button</a:t>
-            </a:r>
-            <a:endParaRPr lang="en-US" dirty="0"/>
+              <a:t>one</a:t>
+            </a:r>
+            <a:r>
+              <a:rPr lang="en-US" dirty="0"/>
+              <a:t> item:</a:t>
+            </a:r>
           </a:p>
         </p:txBody>
       </p:sp>
@@ -45447,10 +44738,247 @@
       </p:sp>
       <p:sp>
         <p:nvSpPr>
-          <p:cNvPr id="8" name="TextBox 7">
+          <p:cNvPr id="9" name="Content Placeholder 2">
             <a:extLst>
               <a:ext uri="{FF2B5EF4-FFF2-40B4-BE49-F238E27FC236}">
-                <a16:creationId xmlns:a16="http://schemas.microsoft.com/office/drawing/2014/main" id="{B14DF5A5-836F-1697-C73B-F271076706DA}"/>
+                <a16:creationId xmlns:a16="http://schemas.microsoft.com/office/drawing/2014/main" id="{911B8906-E0D2-5AB7-C6C8-D6C6606B0064}"/>
+              </a:ext>
+            </a:extLst>
+          </p:cNvPr>
+          <p:cNvSpPr txBox="1">
+            <a:spLocks/>
+          </p:cNvSpPr>
+          <p:nvPr/>
+        </p:nvSpPr>
+        <p:spPr bwMode="auto">
+          <a:xfrm>
+            <a:off x="381000" y="5334000"/>
+            <a:ext cx="8382000" cy="609600"/>
+          </a:xfrm>
+          <a:prstGeom prst="rect">
+            <a:avLst/>
+          </a:prstGeom>
+          <a:noFill/>
+          <a:ln>
+            <a:noFill/>
+          </a:ln>
+          <a:effectLst/>
+          <a:extLst>
+            <a:ext uri="{909E8E84-426E-40DD-AFC4-6F175D3DCCD1}">
+              <a14:hiddenFill xmlns:a14="http://schemas.microsoft.com/office/drawing/2010/main">
+                <a:solidFill>
+                  <a:schemeClr val="accent1"/>
+                </a:solidFill>
+              </a14:hiddenFill>
+            </a:ext>
+            <a:ext uri="{91240B29-F687-4F45-9708-019B960494DF}">
+              <a14:hiddenLine xmlns:a14="http://schemas.microsoft.com/office/drawing/2010/main" w="9525">
+                <a:solidFill>
+                  <a:schemeClr val="tx1"/>
+                </a:solidFill>
+                <a:miter lim="800000"/>
+                <a:headEnd/>
+                <a:tailEnd/>
+              </a14:hiddenLine>
+            </a:ext>
+            <a:ext uri="{AF507438-7753-43E0-B8FC-AC1667EBCBE1}">
+              <a14:hiddenEffects xmlns:a14="http://schemas.microsoft.com/office/drawing/2010/main">
+                <a:effectLst>
+                  <a:outerShdw dist="35921" dir="2700000" algn="ctr" rotWithShape="0">
+                    <a:schemeClr val="bg2"/>
+                  </a:outerShdw>
+                </a:effectLst>
+              </a14:hiddenEffects>
+            </a:ext>
+          </a:extLst>
+        </p:spPr>
+        <p:txBody>
+          <a:bodyPr vert="horz" wrap="square" lIns="91440" tIns="45720" rIns="91440" bIns="45720" numCol="1" anchor="t" anchorCtr="0" compatLnSpc="1">
+            <a:prstTxWarp prst="textNoShape">
+              <a:avLst/>
+            </a:prstTxWarp>
+          </a:bodyPr>
+          <a:lstStyle>
+            <a:lvl1pPr marL="342900" indent="-342900" algn="l" rtl="0" eaLnBrk="0" fontAlgn="base" hangingPunct="0">
+              <a:spcBef>
+                <a:spcPct val="20000"/>
+              </a:spcBef>
+              <a:spcAft>
+                <a:spcPct val="0"/>
+              </a:spcAft>
+              <a:buClr>
+                <a:srgbClr val="777777"/>
+              </a:buClr>
+              <a:buFont typeface="Symbol" panose="05050102010706020507" pitchFamily="18" charset="2"/>
+              <a:buChar char=""/>
+              <a:defRPr sz="3200" kern="1200">
+                <a:solidFill>
+                  <a:schemeClr val="tx1"/>
+                </a:solidFill>
+                <a:latin typeface="+mn-lt"/>
+                <a:ea typeface="+mn-ea"/>
+                <a:cs typeface="+mn-cs"/>
+              </a:defRPr>
+            </a:lvl1pPr>
+            <a:lvl2pPr marL="742950" indent="-285750" algn="l" rtl="0" eaLnBrk="0" fontAlgn="base" hangingPunct="0">
+              <a:spcBef>
+                <a:spcPct val="20000"/>
+              </a:spcBef>
+              <a:spcAft>
+                <a:spcPct val="0"/>
+              </a:spcAft>
+              <a:buChar char="•"/>
+              <a:defRPr sz="2800" kern="1200">
+                <a:solidFill>
+                  <a:schemeClr val="tx1"/>
+                </a:solidFill>
+                <a:latin typeface="+mn-lt"/>
+                <a:ea typeface="+mn-ea"/>
+                <a:cs typeface="+mn-cs"/>
+              </a:defRPr>
+            </a:lvl2pPr>
+            <a:lvl3pPr marL="1143000" indent="-228600" algn="l" rtl="0" eaLnBrk="0" fontAlgn="base" hangingPunct="0">
+              <a:spcBef>
+                <a:spcPct val="20000"/>
+              </a:spcBef>
+              <a:spcAft>
+                <a:spcPct val="0"/>
+              </a:spcAft>
+              <a:buSzPct val="65000"/>
+              <a:buFont typeface="Dreaming Outloud Pro" panose="03050502040302030504" pitchFamily="66" charset="0"/>
+              <a:buChar char=" "/>
+              <a:defRPr sz="2400" kern="1200">
+                <a:solidFill>
+                  <a:schemeClr val="tx1"/>
+                </a:solidFill>
+                <a:latin typeface="+mn-lt"/>
+                <a:ea typeface="+mn-ea"/>
+                <a:cs typeface="+mn-cs"/>
+              </a:defRPr>
+            </a:lvl3pPr>
+            <a:lvl4pPr marL="1600200" indent="-228600" algn="l" rtl="0" eaLnBrk="0" fontAlgn="base" hangingPunct="0">
+              <a:spcBef>
+                <a:spcPct val="20000"/>
+              </a:spcBef>
+              <a:spcAft>
+                <a:spcPct val="0"/>
+              </a:spcAft>
+              <a:buFont typeface="Wingdings" panose="05000000000000000000" pitchFamily="2" charset="2"/>
+              <a:buChar char="Ø"/>
+              <a:defRPr sz="2000" kern="1200">
+                <a:solidFill>
+                  <a:schemeClr val="tx1"/>
+                </a:solidFill>
+                <a:latin typeface="+mn-lt"/>
+                <a:ea typeface="+mn-ea"/>
+                <a:cs typeface="+mn-cs"/>
+              </a:defRPr>
+            </a:lvl4pPr>
+            <a:lvl5pPr marL="2057400" indent="-228600" algn="l" rtl="0" eaLnBrk="0" fontAlgn="base" hangingPunct="0">
+              <a:spcBef>
+                <a:spcPct val="20000"/>
+              </a:spcBef>
+              <a:spcAft>
+                <a:spcPct val="0"/>
+              </a:spcAft>
+              <a:buFont typeface="Dreaming Outloud Pro" panose="03050502040302030504" pitchFamily="66" charset="0"/>
+              <a:buChar char=" "/>
+              <a:defRPr sz="2000" kern="1200">
+                <a:solidFill>
+                  <a:schemeClr val="tx1"/>
+                </a:solidFill>
+                <a:latin typeface="+mn-lt"/>
+                <a:ea typeface="+mn-ea"/>
+                <a:cs typeface="+mn-cs"/>
+              </a:defRPr>
+            </a:lvl5pPr>
+            <a:lvl6pPr marL="2514600" indent="-228600" algn="l" defTabSz="914400" rtl="0" eaLnBrk="1" latinLnBrk="0" hangingPunct="1">
+              <a:lnSpc>
+                <a:spcPct val="90000"/>
+              </a:lnSpc>
+              <a:spcBef>
+                <a:spcPts val="500"/>
+              </a:spcBef>
+              <a:buFont typeface="Arial" panose="020B0604020202020204" pitchFamily="34" charset="0"/>
+              <a:buChar char="•"/>
+              <a:defRPr sz="1800" kern="1200">
+                <a:solidFill>
+                  <a:schemeClr val="tx1"/>
+                </a:solidFill>
+                <a:latin typeface="+mn-lt"/>
+                <a:ea typeface="+mn-ea"/>
+                <a:cs typeface="+mn-cs"/>
+              </a:defRPr>
+            </a:lvl6pPr>
+            <a:lvl7pPr marL="2971800" indent="-228600" algn="l" defTabSz="914400" rtl="0" eaLnBrk="1" latinLnBrk="0" hangingPunct="1">
+              <a:lnSpc>
+                <a:spcPct val="90000"/>
+              </a:lnSpc>
+              <a:spcBef>
+                <a:spcPts val="500"/>
+              </a:spcBef>
+              <a:buFont typeface="Arial" panose="020B0604020202020204" pitchFamily="34" charset="0"/>
+              <a:buChar char="•"/>
+              <a:defRPr sz="1800" kern="1200">
+                <a:solidFill>
+                  <a:schemeClr val="tx1"/>
+                </a:solidFill>
+                <a:latin typeface="+mn-lt"/>
+                <a:ea typeface="+mn-ea"/>
+                <a:cs typeface="+mn-cs"/>
+              </a:defRPr>
+            </a:lvl7pPr>
+            <a:lvl8pPr marL="3429000" indent="-228600" algn="l" defTabSz="914400" rtl="0" eaLnBrk="1" latinLnBrk="0" hangingPunct="1">
+              <a:lnSpc>
+                <a:spcPct val="90000"/>
+              </a:lnSpc>
+              <a:spcBef>
+                <a:spcPts val="500"/>
+              </a:spcBef>
+              <a:buFont typeface="Arial" panose="020B0604020202020204" pitchFamily="34" charset="0"/>
+              <a:buChar char="•"/>
+              <a:defRPr sz="1800" kern="1200">
+                <a:solidFill>
+                  <a:schemeClr val="tx1"/>
+                </a:solidFill>
+                <a:latin typeface="+mn-lt"/>
+                <a:ea typeface="+mn-ea"/>
+                <a:cs typeface="+mn-cs"/>
+              </a:defRPr>
+            </a:lvl8pPr>
+            <a:lvl9pPr marL="3886200" indent="-228600" algn="l" defTabSz="914400" rtl="0" eaLnBrk="1" latinLnBrk="0" hangingPunct="1">
+              <a:lnSpc>
+                <a:spcPct val="90000"/>
+              </a:lnSpc>
+              <a:spcBef>
+                <a:spcPts val="500"/>
+              </a:spcBef>
+              <a:buFont typeface="Arial" panose="020B0604020202020204" pitchFamily="34" charset="0"/>
+              <a:buChar char="•"/>
+              <a:defRPr sz="1800" kern="1200">
+                <a:solidFill>
+                  <a:schemeClr val="tx1"/>
+                </a:solidFill>
+                <a:latin typeface="+mn-lt"/>
+                <a:ea typeface="+mn-ea"/>
+                <a:cs typeface="+mn-cs"/>
+              </a:defRPr>
+            </a:lvl9pPr>
+          </a:lstStyle>
+          <a:p>
+            <a:r>
+              <a:rPr lang="en-US" dirty="0"/>
+              <a:t>So, what do we do about that?</a:t>
+            </a:r>
+          </a:p>
+        </p:txBody>
+      </p:sp>
+      <p:sp>
+        <p:nvSpPr>
+          <p:cNvPr id="7" name="TextBox 6">
+            <a:extLst>
+              <a:ext uri="{FF2B5EF4-FFF2-40B4-BE49-F238E27FC236}">
+                <a16:creationId xmlns:a16="http://schemas.microsoft.com/office/drawing/2014/main" id="{4C4A172A-020D-D9AA-0D7B-9D12F0527709}"/>
               </a:ext>
             </a:extLst>
           </p:cNvPr>
@@ -45459,8 +44987,8 @@
         </p:nvSpPr>
         <p:spPr>
           <a:xfrm>
-            <a:off x="838200" y="3683675"/>
-            <a:ext cx="7467600" cy="2031325"/>
+            <a:off x="914400" y="1967023"/>
+            <a:ext cx="7467600" cy="2554545"/>
           </a:xfrm>
           <a:prstGeom prst="rect">
             <a:avLst/>
@@ -45474,7 +45002,7 @@
           <a:lstStyle/>
           <a:p>
             <a:r>
-              <a:rPr lang="en-US" sz="1800" b="0" dirty="0">
+              <a:rPr lang="en-US" sz="1600" b="0" dirty="0">
                 <a:solidFill>
                   <a:srgbClr val="3B3B3B"/>
                 </a:solidFill>
@@ -45487,7 +45015,7 @@
               <a:t>    </a:t>
             </a:r>
             <a:r>
-              <a:rPr lang="en-US" sz="1800" b="0" dirty="0">
+              <a:rPr lang="en-US" sz="1600" b="0" dirty="0">
                 <a:solidFill>
                   <a:srgbClr val="0000FF"/>
                 </a:solidFill>
@@ -45500,7 +45028,7 @@
               <a:t>public</a:t>
             </a:r>
             <a:r>
-              <a:rPr lang="en-US" sz="1800" b="0" dirty="0">
+              <a:rPr lang="en-US" sz="1600" b="0" dirty="0">
                 <a:solidFill>
                   <a:srgbClr val="3B3B3B"/>
                 </a:solidFill>
@@ -45513,7 +45041,7 @@
               <a:t> </a:t>
             </a:r>
             <a:r>
-              <a:rPr lang="en-US" sz="1800" b="0" dirty="0" err="1">
+              <a:rPr lang="en-US" sz="1600" b="0" dirty="0" err="1">
                 <a:solidFill>
                   <a:srgbClr val="795E26"/>
                 </a:solidFill>
@@ -45526,7 +45054,7 @@
               <a:t>MainWindow</a:t>
             </a:r>
             <a:r>
-              <a:rPr lang="en-US" sz="1800" b="0" dirty="0">
+              <a:rPr lang="en-US" sz="1600" b="0" dirty="0">
                 <a:solidFill>
                   <a:srgbClr val="3B3B3B"/>
                 </a:solidFill>
@@ -45539,7 +45067,7 @@
               <a:t>(</a:t>
             </a:r>
             <a:r>
-              <a:rPr lang="en-US" sz="1800" b="0" dirty="0">
+              <a:rPr lang="en-US" sz="1600" b="0" dirty="0">
                 <a:solidFill>
                   <a:srgbClr val="267F99"/>
                 </a:solidFill>
@@ -45552,7 +45080,7 @@
               <a:t>String</a:t>
             </a:r>
             <a:r>
-              <a:rPr lang="en-US" sz="1800" b="0" dirty="0">
+              <a:rPr lang="en-US" sz="1600" b="0" dirty="0">
                 <a:solidFill>
                   <a:srgbClr val="3B3B3B"/>
                 </a:solidFill>
@@ -45565,7 +45093,7 @@
               <a:t> </a:t>
             </a:r>
             <a:r>
-              <a:rPr lang="en-US" sz="1800" b="0" dirty="0">
+              <a:rPr lang="en-US" sz="1600" b="0" dirty="0">
                 <a:solidFill>
                   <a:srgbClr val="001080"/>
                 </a:solidFill>
@@ -45578,7 +45106,7 @@
               <a:t>title</a:t>
             </a:r>
             <a:r>
-              <a:rPr lang="en-US" sz="1800" b="0" dirty="0">
+              <a:rPr lang="en-US" sz="1600" b="0" dirty="0">
                 <a:solidFill>
                   <a:srgbClr val="3B3B3B"/>
                 </a:solidFill>
@@ -45593,7 +45121,7 @@
           </a:p>
           <a:p>
             <a:r>
-              <a:rPr lang="en-US" sz="1800" b="0" dirty="0">
+              <a:rPr lang="en-US" sz="1600" b="0" dirty="0">
                 <a:solidFill>
                   <a:srgbClr val="3B3B3B"/>
                 </a:solidFill>
@@ -45606,7 +45134,7 @@
               <a:t>        </a:t>
             </a:r>
             <a:r>
-              <a:rPr lang="en-US" sz="1800" b="0" dirty="0">
+              <a:rPr lang="en-US" sz="1600" b="0" dirty="0">
                 <a:solidFill>
                   <a:srgbClr val="0000FF"/>
                 </a:solidFill>
@@ -45619,7 +45147,7 @@
               <a:t>super</a:t>
             </a:r>
             <a:r>
-              <a:rPr lang="en-US" sz="1800" b="0" dirty="0">
+              <a:rPr lang="en-US" sz="1600" b="0" dirty="0">
                 <a:solidFill>
                   <a:srgbClr val="3B3B3B"/>
                 </a:solidFill>
@@ -45632,7 +45160,7 @@
               <a:t>(</a:t>
             </a:r>
             <a:r>
-              <a:rPr lang="en-US" sz="1800" b="0" dirty="0">
+              <a:rPr lang="en-US" sz="1600" b="0" dirty="0">
                 <a:solidFill>
                   <a:srgbClr val="001080"/>
                 </a:solidFill>
@@ -45645,7 +45173,7 @@
               <a:t>title</a:t>
             </a:r>
             <a:r>
-              <a:rPr lang="en-US" sz="1800" b="0" dirty="0">
+              <a:rPr lang="en-US" sz="1600" b="0" dirty="0">
                 <a:solidFill>
                   <a:srgbClr val="3B3B3B"/>
                 </a:solidFill>
@@ -45660,7 +45188,7 @@
           </a:p>
           <a:p>
             <a:r>
-              <a:rPr lang="en-US" sz="1800" b="0" dirty="0">
+              <a:rPr lang="en-US" sz="1600" b="0" dirty="0">
                 <a:solidFill>
                   <a:srgbClr val="3B3B3B"/>
                 </a:solidFill>
@@ -45673,7 +45201,7 @@
               <a:t>        </a:t>
             </a:r>
             <a:r>
-              <a:rPr lang="en-US" sz="1800" b="0" dirty="0" err="1">
+              <a:rPr lang="en-US" sz="1600" b="0" dirty="0" err="1">
                 <a:solidFill>
                   <a:srgbClr val="001080"/>
                 </a:solidFill>
@@ -45686,7 +45214,7 @@
               <a:t>clickCount</a:t>
             </a:r>
             <a:r>
-              <a:rPr lang="en-US" sz="1800" b="0" dirty="0">
+              <a:rPr lang="en-US" sz="1600" b="0" dirty="0">
                 <a:solidFill>
                   <a:srgbClr val="3B3B3B"/>
                 </a:solidFill>
@@ -45699,7 +45227,7 @@
               <a:t> </a:t>
             </a:r>
             <a:r>
-              <a:rPr lang="en-US" sz="1800" b="0" dirty="0">
+              <a:rPr lang="en-US" sz="1600" b="0" dirty="0">
                 <a:solidFill>
                   <a:srgbClr val="000000"/>
                 </a:solidFill>
@@ -45712,7 +45240,7 @@
               <a:t>=</a:t>
             </a:r>
             <a:r>
-              <a:rPr lang="en-US" sz="1800" b="0" dirty="0">
+              <a:rPr lang="en-US" sz="1600" b="0" dirty="0">
                 <a:solidFill>
                   <a:srgbClr val="3B3B3B"/>
                 </a:solidFill>
@@ -45725,7 +45253,7 @@
               <a:t> </a:t>
             </a:r>
             <a:r>
-              <a:rPr lang="en-US" sz="1800" b="0" dirty="0">
+              <a:rPr lang="en-US" sz="1600" b="0" dirty="0">
                 <a:solidFill>
                   <a:srgbClr val="098658"/>
                 </a:solidFill>
@@ -45738,7 +45266,7 @@
               <a:t>0</a:t>
             </a:r>
             <a:r>
-              <a:rPr lang="en-US" sz="1800" b="0" dirty="0">
+              <a:rPr lang="en-US" sz="1600" b="0" dirty="0">
                 <a:solidFill>
                   <a:srgbClr val="3B3B3B"/>
                 </a:solidFill>
@@ -45753,7 +45281,7 @@
           </a:p>
           <a:p>
             <a:br>
-              <a:rPr lang="en-US" sz="1800" b="0" dirty="0">
+              <a:rPr lang="en-US" sz="1600" b="0" dirty="0">
                 <a:solidFill>
                   <a:srgbClr val="3B3B3B"/>
                 </a:solidFill>
@@ -45765,7 +45293,7 @@
               </a:rPr>
             </a:br>
             <a:r>
-              <a:rPr lang="en-US" sz="1800" b="0" dirty="0">
+              <a:rPr lang="en-US" sz="1600" b="0" dirty="0">
                 <a:solidFill>
                   <a:srgbClr val="3B3B3B"/>
                 </a:solidFill>
@@ -45778,7 +45306,7 @@
               <a:t>        </a:t>
             </a:r>
             <a:r>
-              <a:rPr lang="en-US" sz="1800" b="0" dirty="0" err="1">
+              <a:rPr lang="en-US" sz="1600" b="0" dirty="0" err="1">
                 <a:solidFill>
                   <a:srgbClr val="267F99"/>
                 </a:solidFill>
@@ -45791,7 +45319,7 @@
               <a:t>JButton</a:t>
             </a:r>
             <a:r>
-              <a:rPr lang="en-US" sz="1800" b="0" dirty="0">
+              <a:rPr lang="en-US" sz="1600" b="0" dirty="0">
                 <a:solidFill>
                   <a:srgbClr val="3B3B3B"/>
                 </a:solidFill>
@@ -45804,7 +45332,7 @@
               <a:t> </a:t>
             </a:r>
             <a:r>
-              <a:rPr lang="en-US" sz="1800" b="0" dirty="0" err="1">
+              <a:rPr lang="en-US" sz="1600" b="0" dirty="0" err="1">
                 <a:solidFill>
                   <a:srgbClr val="001080"/>
                 </a:solidFill>
@@ -45817,7 +45345,7 @@
               <a:t>aButton</a:t>
             </a:r>
             <a:r>
-              <a:rPr lang="en-US" sz="1800" b="0" dirty="0">
+              <a:rPr lang="en-US" sz="1600" b="0" dirty="0">
                 <a:solidFill>
                   <a:srgbClr val="3B3B3B"/>
                 </a:solidFill>
@@ -45830,7 +45358,7 @@
               <a:t> </a:t>
             </a:r>
             <a:r>
-              <a:rPr lang="en-US" sz="1800" b="0" dirty="0">
+              <a:rPr lang="en-US" sz="1600" b="0" dirty="0">
                 <a:solidFill>
                   <a:srgbClr val="000000"/>
                 </a:solidFill>
@@ -45843,7 +45371,7 @@
               <a:t>=</a:t>
             </a:r>
             <a:r>
-              <a:rPr lang="en-US" sz="1800" b="0" dirty="0">
+              <a:rPr lang="en-US" sz="1600" b="0" dirty="0">
                 <a:solidFill>
                   <a:srgbClr val="3B3B3B"/>
                 </a:solidFill>
@@ -45856,7 +45384,7 @@
               <a:t> </a:t>
             </a:r>
             <a:r>
-              <a:rPr lang="en-US" sz="1800" b="0" dirty="0">
+              <a:rPr lang="en-US" sz="1600" b="0" dirty="0">
                 <a:solidFill>
                   <a:srgbClr val="AF00DB"/>
                 </a:solidFill>
@@ -45869,7 +45397,7 @@
               <a:t>new</a:t>
             </a:r>
             <a:r>
-              <a:rPr lang="en-US" sz="1800" b="0" dirty="0">
+              <a:rPr lang="en-US" sz="1600" b="0" dirty="0">
                 <a:solidFill>
                   <a:srgbClr val="3B3B3B"/>
                 </a:solidFill>
@@ -45882,7 +45410,7 @@
               <a:t> </a:t>
             </a:r>
             <a:r>
-              <a:rPr lang="en-US" sz="1800" b="0" dirty="0" err="1">
+              <a:rPr lang="en-US" sz="1600" b="0" dirty="0" err="1">
                 <a:solidFill>
                   <a:srgbClr val="795E26"/>
                 </a:solidFill>
@@ -45895,7 +45423,7 @@
               <a:t>JButton</a:t>
             </a:r>
             <a:r>
-              <a:rPr lang="en-US" sz="1800" b="0" dirty="0">
+              <a:rPr lang="en-US" sz="1600" b="0" dirty="0">
                 <a:solidFill>
                   <a:srgbClr val="3B3B3B"/>
                 </a:solidFill>
@@ -45908,7 +45436,7 @@
               <a:t>(</a:t>
             </a:r>
             <a:r>
-              <a:rPr lang="en-US" sz="1800" b="0" dirty="0">
+              <a:rPr lang="en-US" sz="1600" b="0" dirty="0">
                 <a:solidFill>
                   <a:srgbClr val="A31515"/>
                 </a:solidFill>
@@ -45921,7 +45449,7 @@
               <a:t>"Click me!"</a:t>
             </a:r>
             <a:r>
-              <a:rPr lang="en-US" sz="1800" b="0" dirty="0">
+              <a:rPr lang="en-US" sz="1600" b="0" dirty="0">
                 <a:solidFill>
                   <a:srgbClr val="3B3B3B"/>
                 </a:solidFill>
@@ -45936,7 +45464,7 @@
           </a:p>
           <a:p>
             <a:r>
-              <a:rPr lang="en-US" sz="1800" b="0" dirty="0">
+              <a:rPr lang="en-US" sz="1600" b="0" dirty="0">
                 <a:solidFill>
                   <a:srgbClr val="3B3B3B"/>
                 </a:solidFill>
@@ -45949,7 +45477,7 @@
               <a:t>        </a:t>
             </a:r>
             <a:r>
-              <a:rPr lang="en-US" sz="1800" b="0" dirty="0" err="1">
+              <a:rPr lang="en-US" sz="1600" b="0" dirty="0" err="1">
                 <a:solidFill>
                   <a:srgbClr val="0000FF"/>
                 </a:solidFill>
@@ -45962,7 +45490,7 @@
               <a:t>this</a:t>
             </a:r>
             <a:r>
-              <a:rPr lang="en-US" sz="1800" b="0" dirty="0" err="1">
+              <a:rPr lang="en-US" sz="1600" b="0" dirty="0" err="1">
                 <a:solidFill>
                   <a:srgbClr val="3B3B3B"/>
                 </a:solidFill>
@@ -45975,7 +45503,7 @@
               <a:t>.</a:t>
             </a:r>
             <a:r>
-              <a:rPr lang="en-US" sz="1800" b="0" dirty="0" err="1">
+              <a:rPr lang="en-US" sz="1600" b="0" dirty="0" err="1">
                 <a:solidFill>
                   <a:srgbClr val="795E26"/>
                 </a:solidFill>
@@ -45988,7 +45516,7 @@
               <a:t>add</a:t>
             </a:r>
             <a:r>
-              <a:rPr lang="en-US" sz="1800" b="0" dirty="0">
+              <a:rPr lang="en-US" sz="1600" b="0" dirty="0">
                 <a:solidFill>
                   <a:srgbClr val="3B3B3B"/>
                 </a:solidFill>
@@ -46001,7 +45529,7 @@
               <a:t>(</a:t>
             </a:r>
             <a:r>
-              <a:rPr lang="en-US" sz="1800" b="0" dirty="0" err="1">
+              <a:rPr lang="en-US" sz="1600" b="0" dirty="0" err="1">
                 <a:solidFill>
                   <a:srgbClr val="001080"/>
                 </a:solidFill>
@@ -46014,7 +45542,7 @@
               <a:t>aButton</a:t>
             </a:r>
             <a:r>
-              <a:rPr lang="en-US" sz="1800" b="0" dirty="0">
+              <a:rPr lang="en-US" sz="1600" b="0" dirty="0">
                 <a:solidFill>
                   <a:srgbClr val="3B3B3B"/>
                 </a:solidFill>
@@ -46029,7 +45557,283 @@
           </a:p>
           <a:p>
             <a:r>
-              <a:rPr lang="en-US" sz="1800" b="0" dirty="0">
+              <a:rPr lang="en-US" sz="1600" b="0" dirty="0">
+                <a:solidFill>
+                  <a:srgbClr val="3B3B3B"/>
+                </a:solidFill>
+                <a:effectLst/>
+                <a:highlight>
+                  <a:srgbClr val="FFFFFF"/>
+                </a:highlight>
+                <a:latin typeface="Consolas" panose="020B0609020204030204" pitchFamily="49" charset="0"/>
+              </a:rPr>
+              <a:t>        </a:t>
+            </a:r>
+            <a:r>
+              <a:rPr lang="en-US" sz="1600" b="0" dirty="0" err="1">
+                <a:solidFill>
+                  <a:srgbClr val="267F99"/>
+                </a:solidFill>
+                <a:effectLst/>
+                <a:highlight>
+                  <a:srgbClr val="FFFFFF"/>
+                </a:highlight>
+                <a:latin typeface="Consolas" panose="020B0609020204030204" pitchFamily="49" charset="0"/>
+              </a:rPr>
+              <a:t>JButton</a:t>
+            </a:r>
+            <a:r>
+              <a:rPr lang="en-US" sz="1600" b="0" dirty="0">
+                <a:solidFill>
+                  <a:srgbClr val="3B3B3B"/>
+                </a:solidFill>
+                <a:effectLst/>
+                <a:highlight>
+                  <a:srgbClr val="FFFFFF"/>
+                </a:highlight>
+                <a:latin typeface="Consolas" panose="020B0609020204030204" pitchFamily="49" charset="0"/>
+              </a:rPr>
+              <a:t> </a:t>
+            </a:r>
+            <a:r>
+              <a:rPr lang="en-US" sz="1600" b="0" dirty="0" err="1">
+                <a:solidFill>
+                  <a:srgbClr val="001080"/>
+                </a:solidFill>
+                <a:effectLst/>
+                <a:highlight>
+                  <a:srgbClr val="FFFFFF"/>
+                </a:highlight>
+                <a:latin typeface="Consolas" panose="020B0609020204030204" pitchFamily="49" charset="0"/>
+              </a:rPr>
+              <a:t>otherButton</a:t>
+            </a:r>
+            <a:r>
+              <a:rPr lang="en-US" sz="1600" b="0" dirty="0">
+                <a:solidFill>
+                  <a:srgbClr val="3B3B3B"/>
+                </a:solidFill>
+                <a:effectLst/>
+                <a:highlight>
+                  <a:srgbClr val="FFFFFF"/>
+                </a:highlight>
+                <a:latin typeface="Consolas" panose="020B0609020204030204" pitchFamily="49" charset="0"/>
+              </a:rPr>
+              <a:t> </a:t>
+            </a:r>
+            <a:r>
+              <a:rPr lang="en-US" sz="1600" b="0" dirty="0">
+                <a:solidFill>
+                  <a:srgbClr val="000000"/>
+                </a:solidFill>
+                <a:effectLst/>
+                <a:highlight>
+                  <a:srgbClr val="FFFFFF"/>
+                </a:highlight>
+                <a:latin typeface="Consolas" panose="020B0609020204030204" pitchFamily="49" charset="0"/>
+              </a:rPr>
+              <a:t>=</a:t>
+            </a:r>
+            <a:r>
+              <a:rPr lang="en-US" sz="1600" b="0" dirty="0">
+                <a:solidFill>
+                  <a:srgbClr val="3B3B3B"/>
+                </a:solidFill>
+                <a:effectLst/>
+                <a:highlight>
+                  <a:srgbClr val="FFFFFF"/>
+                </a:highlight>
+                <a:latin typeface="Consolas" panose="020B0609020204030204" pitchFamily="49" charset="0"/>
+              </a:rPr>
+              <a:t> </a:t>
+            </a:r>
+            <a:r>
+              <a:rPr lang="en-US" sz="1600" b="0" dirty="0">
+                <a:solidFill>
+                  <a:srgbClr val="AF00DB"/>
+                </a:solidFill>
+                <a:effectLst/>
+                <a:highlight>
+                  <a:srgbClr val="FFFFFF"/>
+                </a:highlight>
+                <a:latin typeface="Consolas" panose="020B0609020204030204" pitchFamily="49" charset="0"/>
+              </a:rPr>
+              <a:t>new</a:t>
+            </a:r>
+            <a:r>
+              <a:rPr lang="en-US" sz="1600" b="0" dirty="0">
+                <a:solidFill>
+                  <a:srgbClr val="3B3B3B"/>
+                </a:solidFill>
+                <a:effectLst/>
+                <a:highlight>
+                  <a:srgbClr val="FFFFFF"/>
+                </a:highlight>
+                <a:latin typeface="Consolas" panose="020B0609020204030204" pitchFamily="49" charset="0"/>
+              </a:rPr>
+              <a:t> </a:t>
+            </a:r>
+            <a:r>
+              <a:rPr lang="en-US" sz="1600" b="0" dirty="0" err="1">
+                <a:solidFill>
+                  <a:srgbClr val="795E26"/>
+                </a:solidFill>
+                <a:effectLst/>
+                <a:highlight>
+                  <a:srgbClr val="FFFFFF"/>
+                </a:highlight>
+                <a:latin typeface="Consolas" panose="020B0609020204030204" pitchFamily="49" charset="0"/>
+              </a:rPr>
+              <a:t>JButton</a:t>
+            </a:r>
+            <a:r>
+              <a:rPr lang="en-US" sz="1600" b="0" dirty="0">
+                <a:solidFill>
+                  <a:srgbClr val="3B3B3B"/>
+                </a:solidFill>
+                <a:effectLst/>
+                <a:highlight>
+                  <a:srgbClr val="FFFFFF"/>
+                </a:highlight>
+                <a:latin typeface="Consolas" panose="020B0609020204030204" pitchFamily="49" charset="0"/>
+              </a:rPr>
+              <a:t>(</a:t>
+            </a:r>
+            <a:r>
+              <a:rPr lang="en-US" sz="1600" b="0" dirty="0">
+                <a:solidFill>
+                  <a:srgbClr val="A31515"/>
+                </a:solidFill>
+                <a:effectLst/>
+                <a:highlight>
+                  <a:srgbClr val="FFFFFF"/>
+                </a:highlight>
+                <a:latin typeface="Consolas" panose="020B0609020204030204" pitchFamily="49" charset="0"/>
+              </a:rPr>
+              <a:t>"Click me too!"</a:t>
+            </a:r>
+            <a:r>
+              <a:rPr lang="en-US" sz="1600" b="0" dirty="0">
+                <a:solidFill>
+                  <a:srgbClr val="3B3B3B"/>
+                </a:solidFill>
+                <a:effectLst/>
+                <a:highlight>
+                  <a:srgbClr val="FFFFFF"/>
+                </a:highlight>
+                <a:latin typeface="Consolas" panose="020B0609020204030204" pitchFamily="49" charset="0"/>
+              </a:rPr>
+              <a:t>);</a:t>
+            </a:r>
+          </a:p>
+          <a:p>
+            <a:r>
+              <a:rPr lang="en-US" sz="1600" b="0" dirty="0">
+                <a:solidFill>
+                  <a:srgbClr val="3B3B3B"/>
+                </a:solidFill>
+                <a:effectLst/>
+                <a:highlight>
+                  <a:srgbClr val="FFFFFF"/>
+                </a:highlight>
+                <a:latin typeface="Consolas" panose="020B0609020204030204" pitchFamily="49" charset="0"/>
+              </a:rPr>
+              <a:t>        </a:t>
+            </a:r>
+            <a:r>
+              <a:rPr lang="en-US" sz="1600" b="0" dirty="0" err="1">
+                <a:solidFill>
+                  <a:srgbClr val="0000FF"/>
+                </a:solidFill>
+                <a:effectLst/>
+                <a:highlight>
+                  <a:srgbClr val="FFFFFF"/>
+                </a:highlight>
+                <a:latin typeface="Consolas" panose="020B0609020204030204" pitchFamily="49" charset="0"/>
+              </a:rPr>
+              <a:t>this</a:t>
+            </a:r>
+            <a:r>
+              <a:rPr lang="en-US" sz="1600" b="0" dirty="0" err="1">
+                <a:solidFill>
+                  <a:srgbClr val="3B3B3B"/>
+                </a:solidFill>
+                <a:effectLst/>
+                <a:highlight>
+                  <a:srgbClr val="FFFFFF"/>
+                </a:highlight>
+                <a:latin typeface="Consolas" panose="020B0609020204030204" pitchFamily="49" charset="0"/>
+              </a:rPr>
+              <a:t>.</a:t>
+            </a:r>
+            <a:r>
+              <a:rPr lang="en-US" sz="1600" b="0" dirty="0" err="1">
+                <a:solidFill>
+                  <a:srgbClr val="795E26"/>
+                </a:solidFill>
+                <a:effectLst/>
+                <a:highlight>
+                  <a:srgbClr val="FFFFFF"/>
+                </a:highlight>
+                <a:latin typeface="Consolas" panose="020B0609020204030204" pitchFamily="49" charset="0"/>
+              </a:rPr>
+              <a:t>add</a:t>
+            </a:r>
+            <a:r>
+              <a:rPr lang="en-US" sz="1600" b="0" dirty="0">
+                <a:solidFill>
+                  <a:srgbClr val="3B3B3B"/>
+                </a:solidFill>
+                <a:effectLst/>
+                <a:highlight>
+                  <a:srgbClr val="FFFFFF"/>
+                </a:highlight>
+                <a:latin typeface="Consolas" panose="020B0609020204030204" pitchFamily="49" charset="0"/>
+              </a:rPr>
+              <a:t>(</a:t>
+            </a:r>
+            <a:r>
+              <a:rPr lang="en-US" sz="1600" b="0" dirty="0" err="1">
+                <a:solidFill>
+                  <a:srgbClr val="001080"/>
+                </a:solidFill>
+                <a:effectLst/>
+                <a:highlight>
+                  <a:srgbClr val="FFFFFF"/>
+                </a:highlight>
+                <a:latin typeface="Consolas" panose="020B0609020204030204" pitchFamily="49" charset="0"/>
+              </a:rPr>
+              <a:t>otherButton</a:t>
+            </a:r>
+            <a:r>
+              <a:rPr lang="en-US" sz="1600" b="0" dirty="0">
+                <a:solidFill>
+                  <a:srgbClr val="3B3B3B"/>
+                </a:solidFill>
+                <a:effectLst/>
+                <a:highlight>
+                  <a:srgbClr val="FFFFFF"/>
+                </a:highlight>
+                <a:latin typeface="Consolas" panose="020B0609020204030204" pitchFamily="49" charset="0"/>
+              </a:rPr>
+              <a:t>);</a:t>
+            </a:r>
+          </a:p>
+          <a:p>
+            <a:br>
+              <a:rPr lang="en-US" sz="1600" b="0" dirty="0">
+                <a:solidFill>
+                  <a:srgbClr val="3B3B3B"/>
+                </a:solidFill>
+                <a:effectLst/>
+                <a:highlight>
+                  <a:srgbClr val="FFFFFF"/>
+                </a:highlight>
+                <a:latin typeface="Consolas" panose="020B0609020204030204" pitchFamily="49" charset="0"/>
+              </a:rPr>
+            </a:br>
+            <a:r>
+              <a:rPr lang="en-US" sz="1600" b="0" dirty="0">
                 <a:solidFill>
                   <a:srgbClr val="3B3B3B"/>
                 </a:solidFill>
@@ -46040,6 +45844,96 @@
                 <a:latin typeface="Consolas" panose="020B0609020204030204" pitchFamily="49" charset="0"/>
               </a:rPr>
               <a:t>    }</a:t>
+            </a:r>
+          </a:p>
+        </p:txBody>
+      </p:sp>
+      <p:pic>
+        <p:nvPicPr>
+          <p:cNvPr id="8" name="Picture 7" descr="A black and white logo of a person making a &quot;hush&quot; gesture.">
+            <a:extLst>
+              <a:ext uri="{FF2B5EF4-FFF2-40B4-BE49-F238E27FC236}">
+                <a16:creationId xmlns:a16="http://schemas.microsoft.com/office/drawing/2014/main" id="{CB24AD74-9522-15A2-ADA7-5EE3F1BFDEBB}"/>
+              </a:ext>
+            </a:extLst>
+          </p:cNvPr>
+          <p:cNvPicPr>
+            <a:picLocks noChangeAspect="1"/>
+          </p:cNvPicPr>
+          <p:nvPr/>
+        </p:nvPicPr>
+        <p:blipFill>
+          <a:blip r:embed="rId2">
+            <a:clrChange>
+              <a:clrFrom>
+                <a:srgbClr val="FFFFFF"/>
+              </a:clrFrom>
+              <a:clrTo>
+                <a:srgbClr val="FFFFFF">
+                  <a:alpha val="0"/>
+                </a:srgbClr>
+              </a:clrTo>
+            </a:clrChange>
+          </a:blip>
+          <a:srcRect l="31111" t="30000" r="31111" b="31111"/>
+          <a:stretch/>
+        </p:blipFill>
+        <p:spPr>
+          <a:xfrm>
+            <a:off x="6949998" y="2081000"/>
+            <a:ext cx="685800" cy="705971"/>
+          </a:xfrm>
+          <a:prstGeom prst="rect">
+            <a:avLst/>
+          </a:prstGeom>
+        </p:spPr>
+      </p:pic>
+      <p:sp>
+        <p:nvSpPr>
+          <p:cNvPr id="10" name="Speech Bubble: Oval 9">
+            <a:extLst>
+              <a:ext uri="{FF2B5EF4-FFF2-40B4-BE49-F238E27FC236}">
+                <a16:creationId xmlns:a16="http://schemas.microsoft.com/office/drawing/2014/main" id="{2C4815EF-9018-6856-0359-FBDE03CA5EF9}"/>
+              </a:ext>
+            </a:extLst>
+          </p:cNvPr>
+          <p:cNvSpPr/>
+          <p:nvPr/>
+        </p:nvSpPr>
+        <p:spPr>
+          <a:xfrm>
+            <a:off x="7292898" y="462235"/>
+            <a:ext cx="1676400" cy="1447800"/>
+          </a:xfrm>
+          <a:prstGeom prst="wedgeEllipseCallout">
+            <a:avLst>
+              <a:gd name="adj1" fmla="val -38128"/>
+              <a:gd name="adj2" fmla="val 63013"/>
+            </a:avLst>
+          </a:prstGeom>
+        </p:spPr>
+        <p:style>
+          <a:lnRef idx="2">
+            <a:schemeClr val="dk1"/>
+          </a:lnRef>
+          <a:fillRef idx="1">
+            <a:schemeClr val="lt1"/>
+          </a:fillRef>
+          <a:effectRef idx="0">
+            <a:schemeClr val="dk1"/>
+          </a:effectRef>
+          <a:fontRef idx="minor">
+            <a:schemeClr val="dk1"/>
+          </a:fontRef>
+        </p:style>
+        <p:txBody>
+          <a:bodyPr rtlCol="0" anchor="ctr"/>
+          <a:lstStyle/>
+          <a:p>
+            <a:pPr algn="ctr"/>
+            <a:r>
+              <a:rPr lang="en-US" sz="1600" dirty="0"/>
+              <a:t>I’m lying, but we’ll get to that later.</a:t>
             </a:r>
           </a:p>
         </p:txBody>
@@ -46047,7 +45941,7 @@
     </p:spTree>
     <p:extLst>
       <p:ext uri="{BB962C8B-B14F-4D97-AF65-F5344CB8AC3E}">
-        <p14:creationId xmlns:p14="http://schemas.microsoft.com/office/powerpoint/2010/main" val="3750150717"/>
+        <p14:creationId xmlns:p14="http://schemas.microsoft.com/office/powerpoint/2010/main" val="1554973696"/>
       </p:ext>
     </p:extLst>
   </p:cSld>
@@ -47069,6 +46963,68 @@
 </file>
 
 <file path=customXml/item1.xml><?xml version="1.0" encoding="utf-8"?>
+<?mso-contentType ?>
+<FormTemplates xmlns="http://schemas.microsoft.com/sharepoint/v3/contenttype/forms">
+  <Display>DocumentLibraryForm</Display>
+  <Edit>DocumentLibraryForm</Edit>
+  <New>DocumentLibraryForm</New>
+</FormTemplates>
+</file>
+
+<file path=customXml/item2.xml><?xml version="1.0" encoding="utf-8"?>
+<p:properties xmlns:p="http://schemas.microsoft.com/office/2006/metadata/properties" xmlns:xsi="http://www.w3.org/2001/XMLSchema-instance" xmlns:pc="http://schemas.microsoft.com/office/infopath/2007/PartnerControls">
+  <documentManagement>
+    <Invited_Students xmlns="ec914106-4023-4d62-800a-0989b013d7ae" xsi:nil="true"/>
+    <TeamsChannelId xmlns="ec914106-4023-4d62-800a-0989b013d7ae" xsi:nil="true"/>
+    <DefaultSectionNames xmlns="ec914106-4023-4d62-800a-0989b013d7ae" xsi:nil="true"/>
+    <Self_Registration_Enabled xmlns="ec914106-4023-4d62-800a-0989b013d7ae" xsi:nil="true"/>
+    <CultureName xmlns="ec914106-4023-4d62-800a-0989b013d7ae" xsi:nil="true"/>
+    <Student_Groups xmlns="ec914106-4023-4d62-800a-0989b013d7ae">
+      <UserInfo>
+        <DisplayName/>
+        <AccountId xsi:nil="true"/>
+        <AccountType/>
+      </UserInfo>
+    </Student_Groups>
+    <Has_Teacher_Only_SectionGroup xmlns="ec914106-4023-4d62-800a-0989b013d7ae" xsi:nil="true"/>
+    <AppVersion xmlns="ec914106-4023-4d62-800a-0989b013d7ae" xsi:nil="true"/>
+    <Teams_Channel_Section_Location xmlns="ec914106-4023-4d62-800a-0989b013d7ae" xsi:nil="true"/>
+    <Math_Settings xmlns="ec914106-4023-4d62-800a-0989b013d7ae" xsi:nil="true"/>
+    <Owner xmlns="ec914106-4023-4d62-800a-0989b013d7ae">
+      <UserInfo>
+        <DisplayName/>
+        <AccountId xsi:nil="true"/>
+        <AccountType/>
+      </UserInfo>
+    </Owner>
+    <Invited_Teachers xmlns="ec914106-4023-4d62-800a-0989b013d7ae" xsi:nil="true"/>
+    <IsNotebookLocked xmlns="ec914106-4023-4d62-800a-0989b013d7ae" xsi:nil="true"/>
+    <Is_Collaboration_Space_Locked xmlns="ec914106-4023-4d62-800a-0989b013d7ae" xsi:nil="true"/>
+    <_activity xmlns="ec914106-4023-4d62-800a-0989b013d7ae" xsi:nil="true"/>
+    <Templates xmlns="ec914106-4023-4d62-800a-0989b013d7ae" xsi:nil="true"/>
+    <NotebookType xmlns="ec914106-4023-4d62-800a-0989b013d7ae" xsi:nil="true"/>
+    <Distribution_Groups xmlns="ec914106-4023-4d62-800a-0989b013d7ae" xsi:nil="true"/>
+    <LMS_Mappings xmlns="ec914106-4023-4d62-800a-0989b013d7ae" xsi:nil="true"/>
+    <FolderType xmlns="ec914106-4023-4d62-800a-0989b013d7ae" xsi:nil="true"/>
+    <Teachers xmlns="ec914106-4023-4d62-800a-0989b013d7ae">
+      <UserInfo>
+        <DisplayName/>
+        <AccountId xsi:nil="true"/>
+        <AccountType/>
+      </UserInfo>
+    </Teachers>
+    <Students xmlns="ec914106-4023-4d62-800a-0989b013d7ae">
+      <UserInfo>
+        <DisplayName/>
+        <AccountId xsi:nil="true"/>
+        <AccountType/>
+      </UserInfo>
+    </Students>
+  </documentManagement>
+</p:properties>
+</file>
+
+<file path=customXml/item3.xml><?xml version="1.0" encoding="utf-8"?>
 <ct:contentTypeSchema xmlns:ct="http://schemas.microsoft.com/office/2006/metadata/contentType" xmlns:ma="http://schemas.microsoft.com/office/2006/metadata/properties/metaAttributes" ct:_="" ma:_="" ma:contentTypeName="Document" ma:contentTypeID="0x0101009BA8C64042A6704EA3EB4DC41C4FB05F" ma:contentTypeVersion="38" ma:contentTypeDescription="Create a new document." ma:contentTypeScope="" ma:versionID="bf4ae4a69332618c3e03d65c43393afd">
   <xsd:schema xmlns:xsd="http://www.w3.org/2001/XMLSchema" xmlns:xs="http://www.w3.org/2001/XMLSchema" xmlns:p="http://schemas.microsoft.com/office/2006/metadata/properties" xmlns:ns3="3b402ec5-cb89-4739-911d-5dd1c5e01384" xmlns:ns4="ec914106-4023-4d62-800a-0989b013d7ae" targetNamespace="http://schemas.microsoft.com/office/2006/metadata/properties" ma:root="true" ma:fieldsID="f0fe23496be744e10d46861378f316da" ns3:_="" ns4:_="">
     <xsd:import namespace="3b402ec5-cb89-4739-911d-5dd1c5e01384"/>
@@ -47509,83 +47465,10 @@
 </ct:contentTypeSchema>
 </file>
 
-<file path=customXml/item2.xml><?xml version="1.0" encoding="utf-8"?>
-<p:properties xmlns:p="http://schemas.microsoft.com/office/2006/metadata/properties" xmlns:xsi="http://www.w3.org/2001/XMLSchema-instance" xmlns:pc="http://schemas.microsoft.com/office/infopath/2007/PartnerControls">
-  <documentManagement>
-    <Invited_Students xmlns="ec914106-4023-4d62-800a-0989b013d7ae" xsi:nil="true"/>
-    <TeamsChannelId xmlns="ec914106-4023-4d62-800a-0989b013d7ae" xsi:nil="true"/>
-    <DefaultSectionNames xmlns="ec914106-4023-4d62-800a-0989b013d7ae" xsi:nil="true"/>
-    <Self_Registration_Enabled xmlns="ec914106-4023-4d62-800a-0989b013d7ae" xsi:nil="true"/>
-    <CultureName xmlns="ec914106-4023-4d62-800a-0989b013d7ae" xsi:nil="true"/>
-    <Student_Groups xmlns="ec914106-4023-4d62-800a-0989b013d7ae">
-      <UserInfo>
-        <DisplayName/>
-        <AccountId xsi:nil="true"/>
-        <AccountType/>
-      </UserInfo>
-    </Student_Groups>
-    <Has_Teacher_Only_SectionGroup xmlns="ec914106-4023-4d62-800a-0989b013d7ae" xsi:nil="true"/>
-    <AppVersion xmlns="ec914106-4023-4d62-800a-0989b013d7ae" xsi:nil="true"/>
-    <Teams_Channel_Section_Location xmlns="ec914106-4023-4d62-800a-0989b013d7ae" xsi:nil="true"/>
-    <Math_Settings xmlns="ec914106-4023-4d62-800a-0989b013d7ae" xsi:nil="true"/>
-    <Owner xmlns="ec914106-4023-4d62-800a-0989b013d7ae">
-      <UserInfo>
-        <DisplayName/>
-        <AccountId xsi:nil="true"/>
-        <AccountType/>
-      </UserInfo>
-    </Owner>
-    <Invited_Teachers xmlns="ec914106-4023-4d62-800a-0989b013d7ae" xsi:nil="true"/>
-    <IsNotebookLocked xmlns="ec914106-4023-4d62-800a-0989b013d7ae" xsi:nil="true"/>
-    <Is_Collaboration_Space_Locked xmlns="ec914106-4023-4d62-800a-0989b013d7ae" xsi:nil="true"/>
-    <_activity xmlns="ec914106-4023-4d62-800a-0989b013d7ae" xsi:nil="true"/>
-    <Templates xmlns="ec914106-4023-4d62-800a-0989b013d7ae" xsi:nil="true"/>
-    <NotebookType xmlns="ec914106-4023-4d62-800a-0989b013d7ae" xsi:nil="true"/>
-    <Distribution_Groups xmlns="ec914106-4023-4d62-800a-0989b013d7ae" xsi:nil="true"/>
-    <LMS_Mappings xmlns="ec914106-4023-4d62-800a-0989b013d7ae" xsi:nil="true"/>
-    <FolderType xmlns="ec914106-4023-4d62-800a-0989b013d7ae" xsi:nil="true"/>
-    <Teachers xmlns="ec914106-4023-4d62-800a-0989b013d7ae">
-      <UserInfo>
-        <DisplayName/>
-        <AccountId xsi:nil="true"/>
-        <AccountType/>
-      </UserInfo>
-    </Teachers>
-    <Students xmlns="ec914106-4023-4d62-800a-0989b013d7ae">
-      <UserInfo>
-        <DisplayName/>
-        <AccountId xsi:nil="true"/>
-        <AccountType/>
-      </UserInfo>
-    </Students>
-  </documentManagement>
-</p:properties>
-</file>
-
-<file path=customXml/item3.xml><?xml version="1.0" encoding="utf-8"?>
-<?mso-contentType ?>
-<FormTemplates xmlns="http://schemas.microsoft.com/sharepoint/v3/contenttype/forms">
-  <Display>DocumentLibraryForm</Display>
-  <Edit>DocumentLibraryForm</Edit>
-  <New>DocumentLibraryForm</New>
-</FormTemplates>
-</file>
-
 <file path=customXml/itemProps1.xml><?xml version="1.0" encoding="utf-8"?>
-<ds:datastoreItem xmlns:ds="http://schemas.openxmlformats.org/officeDocument/2006/customXml" ds:itemID="{BCEFC554-2353-41F4-B9DE-4E354DBABA5E}">
+<ds:datastoreItem xmlns:ds="http://schemas.openxmlformats.org/officeDocument/2006/customXml" ds:itemID="{EB197284-9703-44A9-BDA7-BAABB0FFB9E9}">
   <ds:schemaRefs>
-    <ds:schemaRef ds:uri="http://schemas.microsoft.com/office/2006/metadata/contentType"/>
-    <ds:schemaRef ds:uri="http://schemas.microsoft.com/office/2006/metadata/properties/metaAttributes"/>
-    <ds:schemaRef ds:uri="http://www.w3.org/2001/XMLSchema"/>
-    <ds:schemaRef ds:uri="http://schemas.microsoft.com/office/2006/metadata/properties"/>
-    <ds:schemaRef ds:uri="3b402ec5-cb89-4739-911d-5dd1c5e01384"/>
-    <ds:schemaRef ds:uri="ec914106-4023-4d62-800a-0989b013d7ae"/>
-    <ds:schemaRef ds:uri="http://schemas.microsoft.com/office/2006/documentManagement/types"/>
-    <ds:schemaRef ds:uri="http://schemas.microsoft.com/office/infopath/2007/PartnerControls"/>
-    <ds:schemaRef ds:uri="http://schemas.openxmlformats.org/package/2006/metadata/core-properties"/>
-    <ds:schemaRef ds:uri="http://purl.org/dc/elements/1.1/"/>
-    <ds:schemaRef ds:uri="http://purl.org/dc/terms/"/>
-    <ds:schemaRef ds:uri="http://schemas.microsoft.com/internal/obd"/>
+    <ds:schemaRef ds:uri="http://schemas.microsoft.com/sharepoint/v3/contenttype/forms"/>
   </ds:schemaRefs>
 </ds:datastoreItem>
 </file>
@@ -47608,9 +47491,20 @@
 </file>
 
 <file path=customXml/itemProps3.xml><?xml version="1.0" encoding="utf-8"?>
-<ds:datastoreItem xmlns:ds="http://schemas.openxmlformats.org/officeDocument/2006/customXml" ds:itemID="{EB197284-9703-44A9-BDA7-BAABB0FFB9E9}">
+<ds:datastoreItem xmlns:ds="http://schemas.openxmlformats.org/officeDocument/2006/customXml" ds:itemID="{BCEFC554-2353-41F4-B9DE-4E354DBABA5E}">
   <ds:schemaRefs>
-    <ds:schemaRef ds:uri="http://schemas.microsoft.com/sharepoint/v3/contenttype/forms"/>
+    <ds:schemaRef ds:uri="http://schemas.microsoft.com/office/2006/metadata/contentType"/>
+    <ds:schemaRef ds:uri="http://schemas.microsoft.com/office/2006/metadata/properties/metaAttributes"/>
+    <ds:schemaRef ds:uri="http://www.w3.org/2001/XMLSchema"/>
+    <ds:schemaRef ds:uri="http://schemas.microsoft.com/office/2006/metadata/properties"/>
+    <ds:schemaRef ds:uri="3b402ec5-cb89-4739-911d-5dd1c5e01384"/>
+    <ds:schemaRef ds:uri="ec914106-4023-4d62-800a-0989b013d7ae"/>
+    <ds:schemaRef ds:uri="http://schemas.microsoft.com/office/2006/documentManagement/types"/>
+    <ds:schemaRef ds:uri="http://schemas.microsoft.com/office/infopath/2007/PartnerControls"/>
+    <ds:schemaRef ds:uri="http://schemas.openxmlformats.org/package/2006/metadata/core-properties"/>
+    <ds:schemaRef ds:uri="http://purl.org/dc/elements/1.1/"/>
+    <ds:schemaRef ds:uri="http://purl.org/dc/terms/"/>
+    <ds:schemaRef ds:uri="http://schemas.microsoft.com/internal/obd"/>
   </ds:schemaRefs>
 </ds:datastoreItem>
 </file>
--- a/Lecture Slides/04 Graphics and GUIs.pptx
+++ b/Lecture Slides/04 Graphics and GUIs.pptx
@@ -5,10 +5,10 @@
     <p:sldMasterId id="2147483648" r:id="rId4"/>
   </p:sldMasterIdLst>
   <p:notesMasterIdLst>
-    <p:notesMasterId r:id="rId38"/>
+    <p:notesMasterId r:id="rId39"/>
   </p:notesMasterIdLst>
   <p:handoutMasterIdLst>
-    <p:handoutMasterId r:id="rId39"/>
+    <p:handoutMasterId r:id="rId40"/>
   </p:handoutMasterIdLst>
   <p:sldIdLst>
     <p:sldId id="256" r:id="rId5"/>
@@ -24,26 +24,27 @@
     <p:sldId id="267" r:id="rId15"/>
     <p:sldId id="268" r:id="rId16"/>
     <p:sldId id="264" r:id="rId17"/>
-    <p:sldId id="266" r:id="rId18"/>
-    <p:sldId id="269" r:id="rId19"/>
-    <p:sldId id="270" r:id="rId20"/>
-    <p:sldId id="271" r:id="rId21"/>
-    <p:sldId id="272" r:id="rId22"/>
-    <p:sldId id="273" r:id="rId23"/>
-    <p:sldId id="274" r:id="rId24"/>
-    <p:sldId id="276" r:id="rId25"/>
-    <p:sldId id="277" r:id="rId26"/>
-    <p:sldId id="278" r:id="rId27"/>
-    <p:sldId id="279" r:id="rId28"/>
-    <p:sldId id="275" r:id="rId29"/>
-    <p:sldId id="287" r:id="rId30"/>
-    <p:sldId id="280" r:id="rId31"/>
-    <p:sldId id="281" r:id="rId32"/>
-    <p:sldId id="282" r:id="rId33"/>
-    <p:sldId id="283" r:id="rId34"/>
-    <p:sldId id="284" r:id="rId35"/>
-    <p:sldId id="285" r:id="rId36"/>
-    <p:sldId id="286" r:id="rId37"/>
+    <p:sldId id="289" r:id="rId18"/>
+    <p:sldId id="266" r:id="rId19"/>
+    <p:sldId id="269" r:id="rId20"/>
+    <p:sldId id="270" r:id="rId21"/>
+    <p:sldId id="271" r:id="rId22"/>
+    <p:sldId id="272" r:id="rId23"/>
+    <p:sldId id="273" r:id="rId24"/>
+    <p:sldId id="274" r:id="rId25"/>
+    <p:sldId id="276" r:id="rId26"/>
+    <p:sldId id="277" r:id="rId27"/>
+    <p:sldId id="278" r:id="rId28"/>
+    <p:sldId id="279" r:id="rId29"/>
+    <p:sldId id="275" r:id="rId30"/>
+    <p:sldId id="287" r:id="rId31"/>
+    <p:sldId id="280" r:id="rId32"/>
+    <p:sldId id="281" r:id="rId33"/>
+    <p:sldId id="282" r:id="rId34"/>
+    <p:sldId id="283" r:id="rId35"/>
+    <p:sldId id="284" r:id="rId36"/>
+    <p:sldId id="285" r:id="rId37"/>
+    <p:sldId id="286" r:id="rId38"/>
   </p:sldIdLst>
   <p:sldSz cx="9144000" cy="6858000" type="screen4x3"/>
   <p:notesSz cx="6858000" cy="9144000"/>
@@ -194,6 +195,14 @@
 </p:presentation>
 </file>
 
+<file path=ppt/revisionInfo.xml><?xml version="1.0" encoding="utf-8"?>
+<p1510:revInfo xmlns:a="http://schemas.openxmlformats.org/drawingml/2006/main" xmlns:r="http://schemas.openxmlformats.org/officeDocument/2006/relationships" xmlns:p1510="http://schemas.microsoft.com/office/powerpoint/2015/10/main">
+  <p1510:revLst>
+    <p1510:client id="{868473B7-D1CC-4586-8D54-9827FB9591DF}" v="2" dt="2024-09-27T19:47:04.130"/>
+  </p1510:revLst>
+</p1510:revInfo>
+</file>
+
 <file path=ppt/changesInfos/changesInfo1.xml><?xml version="1.0" encoding="utf-8"?>
 <pc:chgInfo xmlns:a="http://schemas.openxmlformats.org/drawingml/2006/main" xmlns:r="http://schemas.openxmlformats.org/officeDocument/2006/relationships" xmlns:ac="http://schemas.microsoft.com/office/drawing/2013/main/command" xmlns:pc="http://schemas.microsoft.com/office/powerpoint/2013/main/command">
   <pc:docChgLst>
@@ -3247,7 +3256,7 @@
   <pc:docChgLst>
     <pc:chgData name="Raymer, Michael L." userId="96c2fb1d-e79c-4ca3-9876-783e98fdd04a" providerId="ADAL" clId="{868473B7-D1CC-4586-8D54-9827FB9591DF}"/>
     <pc:docChg chg="addSld delSld modSld">
-      <pc:chgData name="Raymer, Michael L." userId="96c2fb1d-e79c-4ca3-9876-783e98fdd04a" providerId="ADAL" clId="{868473B7-D1CC-4586-8D54-9827FB9591DF}" dt="2024-09-25T16:01:11.446" v="43" actId="20577"/>
+      <pc:chgData name="Raymer, Michael L." userId="96c2fb1d-e79c-4ca3-9876-783e98fdd04a" providerId="ADAL" clId="{868473B7-D1CC-4586-8D54-9827FB9591DF}" dt="2024-09-27T19:47:04.130" v="53"/>
       <pc:docMkLst>
         <pc:docMk/>
       </pc:docMkLst>
@@ -3265,6 +3274,37 @@
             <ac:spMk id="8" creationId="{DD11ED09-FF3F-9D25-B8D5-DA46C1294FDE}"/>
           </ac:spMkLst>
         </pc:spChg>
+      </pc:sldChg>
+      <pc:sldChg chg="addSp delSp modSp new mod">
+        <pc:chgData name="Raymer, Michael L." userId="96c2fb1d-e79c-4ca3-9876-783e98fdd04a" providerId="ADAL" clId="{868473B7-D1CC-4586-8D54-9827FB9591DF}" dt="2024-09-27T19:47:04.130" v="53"/>
+        <pc:sldMkLst>
+          <pc:docMk/>
+          <pc:sldMk cId="538711957" sldId="289"/>
+        </pc:sldMkLst>
+        <pc:spChg chg="del">
+          <ac:chgData name="Raymer, Michael L." userId="96c2fb1d-e79c-4ca3-9876-783e98fdd04a" providerId="ADAL" clId="{868473B7-D1CC-4586-8D54-9827FB9591DF}" dt="2024-09-27T15:41:06.935" v="45" actId="478"/>
+          <ac:spMkLst>
+            <pc:docMk/>
+            <pc:sldMk cId="538711957" sldId="289"/>
+            <ac:spMk id="3" creationId="{D0B56342-91FE-05C0-BBEC-07B0F6C0876D}"/>
+          </ac:spMkLst>
+        </pc:spChg>
+        <pc:spChg chg="add mod">
+          <ac:chgData name="Raymer, Michael L." userId="96c2fb1d-e79c-4ca3-9876-783e98fdd04a" providerId="ADAL" clId="{868473B7-D1CC-4586-8D54-9827FB9591DF}" dt="2024-09-27T15:41:26.834" v="52" actId="404"/>
+          <ac:spMkLst>
+            <pc:docMk/>
+            <pc:sldMk cId="538711957" sldId="289"/>
+            <ac:spMk id="7" creationId="{41B07C30-F203-E488-C3F5-C74C520F30CF}"/>
+          </ac:spMkLst>
+        </pc:spChg>
+        <pc:inkChg chg="add">
+          <ac:chgData name="Raymer, Michael L." userId="96c2fb1d-e79c-4ca3-9876-783e98fdd04a" providerId="ADAL" clId="{868473B7-D1CC-4586-8D54-9827FB9591DF}" dt="2024-09-27T19:47:04.130" v="53"/>
+          <ac:inkMkLst>
+            <pc:docMk/>
+            <pc:sldMk cId="538711957" sldId="289"/>
+            <ac:inkMk id="8" creationId="{EC3B2801-E10B-6F6D-51DC-F781F2919913}"/>
+          </ac:inkMkLst>
+        </pc:inkChg>
       </pc:sldChg>
       <pc:sldChg chg="modSp new del mod">
         <pc:chgData name="Raymer, Michael L." userId="96c2fb1d-e79c-4ca3-9876-783e98fdd04a" providerId="ADAL" clId="{868473B7-D1CC-4586-8D54-9827FB9591DF}" dt="2024-09-25T14:57:45.232" v="23" actId="47"/>
@@ -6512,6 +6552,107 @@
     <inkml:context xml:id="ctx0">
       <inkml:inkSource xml:id="inkSrc0">
         <inkml:traceFormat>
+          <inkml:channel name="X" type="integer" max="25920" units="cm"/>
+          <inkml:channel name="Y" type="integer" max="17280" units="cm"/>
+          <inkml:channel name="F" type="integer" max="4095" units="dev"/>
+          <inkml:channel name="T" type="integer" max="2.14748E9" units="dev"/>
+        </inkml:traceFormat>
+        <inkml:channelProperties>
+          <inkml:channelProperty channel="X" name="resolution" value="1000" units="1/cm"/>
+          <inkml:channelProperty channel="Y" name="resolution" value="1000" units="1/cm"/>
+          <inkml:channelProperty channel="F" name="resolution" value="0" units="1/dev"/>
+          <inkml:channelProperty channel="T" name="resolution" value="1" units="1/dev"/>
+        </inkml:channelProperties>
+      </inkml:inkSource>
+      <inkml:timestamp xml:id="ts0" timeString="2024-09-27T15:41:48.802"/>
+    </inkml:context>
+    <inkml:brush xml:id="br0">
+      <inkml:brushProperty name="width" value="0.05292" units="cm"/>
+      <inkml:brushProperty name="height" value="0.05292" units="cm"/>
+      <inkml:brushProperty name="color" value="#FF0000"/>
+    </inkml:brush>
+  </inkml:definitions>
+  <inkml:trace contextRef="#ctx0" brushRef="#br0">8843 5196 528 0,'-7'-6'300'0,"5"2"-152"0,-4-1-107 15,-3 1 50-15,1 1-68 0,-1-3-21 0,0 3-54 16,2 1-21-16,0 1-23 0,-4-3-26 0,3 3-19 15,0 0 79-15,-5-2-52 0,3 2 21 0,1 1 59 16,-4-3 42-16,0 1 47 0,0 1 68 0,-1-3 43 16,-2 0-68-16,3 3 43 0,-2-2-7 0,0-1-18 15,1 0-18-15,0 1-18 0,0 0-38 0,1 2-11 16,1-3-8-16,-1 2-7 0,0-1-11 0,-1 2-2 16,0-2-1-16,-1 1-2 0,-2 1 2 0,0-1 2 15,0-1-3-15,0-2 5 0,-1 3 5 0,0 0 4 16,-2-1 1-16,4-2 8 0,-5 2 8 0,2 1 2 15,-4-2 1-15,2 2 1 0,2-1-4 0,2 1-4 0,-8-3 2 16,1 2-4-16,3 0-11 0,0 0-3 0,-1 2-3 16,-6-1-4-16,-1 2 1 0,-2-1-1 0,5 2-5 15,-2-1-1-15,-4 1 0 0,3 0 1 0,2 1 2 16,-1 0 0-16,0-2-2 0,1 0 0 0,1 2 0 16,1-1 0-16,0 0 0 0,-5-1-1 0,1 0 0 15,0-1-1-15,1 2 3 0,-4-3-1 0,2-2 1 16,-1 3 2-16,2 0-1 0,0-1 1 0,0 1 0 15,1 0 1-15,1 1-3 0,1 3 2 0,-3-2 0 16,5 0-1-16,0 2-2 0,-8-1 0 0,2-1 0 16,3 3-1-16,-2-4-2 0,-1 1-1 0,-3 3-4 15,-2 0-1-15,-1-2 1 0,8 3-1 0,-7-1-1 16,3 2 2-16,0-2 2 0,3 2-1 0,-3-3 5 16,-1 1 0-16,2 0 1 0,-2-1 1 0,-1-1 1 15,1 0 3-15,-3-2-2 0,2 0 3 0,2 2 0 16,-2-2 1-16,4 2-2 0,0-1 0 0,1 1-1 15,1-1 1-15,-2 1-2 0,4 0-2 0,-3 1 1 16,-1-1-1-16,0 1 1 0,-2 0-2 0,6 0 1 0,-2 0 0 16,-2-3-1-16,-1 2-1 0,3-1-1 0,4-1 1 15,0 0-6-15,-6 1-3 0,3-1-5 16,-2 0 1-16,2 0 0 0,0-1 4 0,-3 0-3 16,0-1 2-16,-2 2 5 0,0-4 7 0,2 1 7 15,-2 0 0-15,2 0 4 0,-1 1-1 0,-1-1 6 16,6 3-4-16,-3-3 2 0,1 3-3 0,1-1-1 15,1 1-4-15,-3-1-1 0,3 1-1 0,-1-1-4 16,-4-2-1-16,3 2 1 0,4 0 0 0,-4 0-3 0,-4 0 2 16,6 0 0-16,-3 0-2 0,4 1 2 0,1 1 0 0,-5 0 0 15,3 0-1-15,-1 1 2 0,6-1-1 16,-4 2 1-16,-2-2-2 0,2-1 2 0,-4 0 2 16,4 0-3-16,-1 0 0 0,-2-2 1 0,0 2 1 15,0-3 0-15,4 2 0 0,-2 0-1 0,3 0-1 16,0 1 2-16,0-1 2 0,1 3-4 15,1-2 0-15,1 1 1 0,0 3 0 0,1-2 1 0,-2 1-1 16,-1-1-1-16,1-1 0 0,3 2 1 0,-4-1 0 16,3-1 0-16,-2-1 0 0,-7 0 0 0,5 0 0 15,2 2 0-15,-4-2 0 0,0-1 1 0,-3 1-1 16,2 0 2-16,-3-1 1 0,8 1-2 0,-4 0 4 16,-2 0 3-16,2 0-1 0,-1 0 1 0,1 1 1 15,-1-1 0-15,-2 1-1 0,3 0 0 0,-3 3-2 16,1-1-4-16,-3 2-2 0,-30 6-1 15,32-5-3-15,-1 1-3 0,-1 0 0 0,0 4-4 16,3 0 3-16,2-2 0 0,-2 1-2 0,2 0 2 16,-1 1 2-16,-1 0 0 0,4 0 3 0,2-4 3 15,-1 1-1-15,-3 3 0 0,2 0 1 0,2-2-1 16,3 1 1-16,-2 0 0 0,-5 2 0 0,2 0 0 0,0 1 0 16,2-2 1-16,-2 1-1 0,-1 1 1 0,1 0 0 15,0-1-1-15,-1-1 0 0,2 4 0 16,0-2 0-16,0 0 0 0,2-1 0 0,-1 0 1 15,-2-2-2-15,3 2 1 0,2-1 1 0,-2-2 0 16,4 0-1-16,2 0 0 0,-1-1 0 0,6 2-2 16,1 1 1-16,2 0-3 0,1-2-1 15,3 2 0-15,2 1 0 0,-2-1-1 0,2 0 1 0,3-2 0 0,1 3 0 16,0-1-4-16,1 0 2 0,1-3-2 0,-5 0-2 0,8 3 0 16,-1-2-1-16,0 1 1 0,0-4 1 15,2 1 5-15,-1 1-1 0,5 0 3 0,3-1 0 16,-5-1 2-16,1-1 3 0,3 2 3 0,2-4 0 15,2 4-1-15,-5-3 3 0,7 4-3 0,-1-5 4 16,4 3 0-16,-2-2-1 0,5 2-1 0,1-1-2 16,2 0 0-16,1-1 0 0,3 5 1 0,-2-3-3 15,-2 1 0-15,1 2-1 0,3-4 1 0,1 3 1 16,-7-1 2-16,0-4-2 0,-2 0 0 0,8 4 4 16,-2-4-1-16,-1-1-1 0,-2 1 0 0,7-1 2 15,-2-1-3-15,4-1 0 0,-2 0 2 0,2-3-3 16,1 2 0-16,-2-3 0 0,0 1-3 0,0 1 1 15,0 0 1-15,-1 4-1 0,4-2-1 0,-1 3 0 16,-2-1 2-16,-1 5-2 0,0-3 0 0,-3 3-1 16,-1-2 1-16,-1 4-3 0,-2 0 1 0,-4 1-1 15,0 1-2-15,-2-1 0 0,2 1 1 0,-5 0 4 16,-1 0-3-16,7-1 3 0,1 0 0 0,-5-1 3 0,3-3 0 16,4 2 1-16,5-3-2 0,2-3-1 0,-1 1 2 15,-2-4-2-15,6-3 0 0,2 3-2 16,-2-4 1-16,3 3 0 0,5-3-2 0,-1 2 0 15,3 2-3-15,-1 1 0 0,-3 0-11 0,2 1 0 16,-7 1-7-16,3-1-2 0,-4 3-4 0,-2-1-5 16,3 2 2-16,-3 0-2 0,0 1 12 0,2 2 2 15,2-2 4-15,-3 4 4 0,-3-3 8 0,-4 1 2 0,3 0 4 16,0-2 5-16,-2 1 1 0,-4-2 2 0,1 1 4 16,7-2-2-16,2-1 4 0,-2 0-1 0,-4-2-3 15,7-1-2-15,0 1-1 0,2 0-2 0,-2 0-5 0,-1 0-1 16,-3-1-2-16,2 2 0 0,-1-1 0 15,3 1 0-15,0 0-3 0,0 1 2 0,3 1-1 16,-1-3 0-16,2 1-1 0,1 1-3 0,-1-1 1 16,-1 2-2-16,-3-3 6 0,5 0-3 0,-1 2 1 15,0 1 3-15,2-1 2 0,-3 0 1 16,2 1 1-16,-5-1 3 0,-4 0-3 0,5 3 3 0,0-2 1 16,-7 0 1-16,-2 1 0 0,3-1 2 0,6 1-1 15,2-3 0-15,-1 1 1 0,-1-3-3 0,7 0 0 16,-1-2-4-16,1-1 1 0,1-2-4 0,3-1 0 15,4-1 0-15,-2 0 0 0,2 0 0 0,-3 0-1 16,4-1 1-16,-6 2-2 0,2-2 3 0,-3 3 2 16,-2-1-2-16,-2 1-1 0,-1 0 0 0,2 2 1 15,-1-1 0-15,2 1 0 0,-1 1-1 0,-1-1-2 16,1 2 2-16,-3-1 0 0,3 1-2 0,-10-1 2 0,0 2-1 16,3 1 0-16,0-1-1 0,-5 1 2 0,1 0-1 15,-3 2 1-15,2-2 0 0,-1 0-1 16,0-1 1-16,-5 1 1 0,3-1 2 0,-3 0 1 0,-1-1-1 15,-1 0 0-15,3-3 1 0,-1 2-1 16,1-1 2-16,2-3-1 0,-1 3 1 0,0 0-1 16,1-4-1-16,0 2 1 0,-1-3 1 0,-1 0 2 15,-1 1-3-15,2-1 0 0,-1-1-2 0,-1 0 1 16,2 3-1-16,1-2-2 0,0 0 0 0,1 0-1 16,2 2-2-16,-4-1 2 0,-1 2-2 0,0-1 0 0,3-3 0 15,-1 2 1-15,-5 1-1 0,-2-2 0 0,-1 1 1 16,5-2 2-16,-5-1 1 0,1 1 0 0,-4 1 2 15,2 0 0-15,-2-2 2 0,0 2 2 0,0 1-1 16,-4-4 0-16,0 2 1 0,-1 0 1 0,-2-2-2 16,-2 1-1-16,2 1 2 0,-8-4-3 0,0-1-2 15,0 6-4-15,0-5-6 0,-5 1-4 16,3 2-2-16,-4-2-6 0,1 1-2 0,3-2-3 0,-4 2 2 16,0 0 3-16,1-1 4 0,-1-1 3 15,-5-3 4-15,5 3 5 0,-2 0 1 0,-1 3 2 0,1-6 2 16,-3 3 2-16,0-1 1 0,0 4-1 0,3-2 1 15,-8-2 1-15,3 0 0 0,-1 2-1 0,-2-1 0 16,-1 2-1-16,0-1-1 0,-2-3-1 0,-2 3 0 16,4 1 0-16,-4-2-1 0,1 1 4 0,-2 1 1 15,2-4 2-15,-2 4-1 0,1-1 4 0,-2-1 3 16,0 0 3-16,0 0 2 0,0-1-1 0,-2 1 5 16,-1 1 1-16,-3-2 2 0,0 0 0 0,4 2 3 0,2 2-2 15,-6-1 6-15,0 0 1 0,3 0-5 16,3 4-2-16,-3 0-1 0,0-3-1 0,-4 0-4 15,-1 0-2-15,6 4-9 0,-2-4-1 0,-4 2-1 16,4-1-3-16,1 4 2 0,-1-1-5 0,0 2 0 16,1-1 1-16,0 0-1 0,-2 0 0 0,1 2 1 15,-2-1 0-15,0 0 1 0,0-1 1 0,-1 2-1 16,-1-2 0-16,0 2 0 0,-2 2 1 0,1-3 0 16,-3 2-1-16,2 1 0 0,1 0 1 0,-1 1 0 0,-6 2-1 15,-1-1 0-15,5 0 1 0,-1 2-3 0,0 0 0 16,-11 0 0-16,-2 2-1 0,1-2 0 0,2 0-2 15,-9 4 1-15,1 1-4 0,-6-2 3 0,-7 5 1 16,4-2-7-16,-4 1-2 0,-3 0 3 0,-1 1-20 16,-3 1-42-16,-3 0-31 0,1-1-62 0,-3-3 115 15,-6 1-106-15,5 1-58 0</inkml:trace>
+  <inkml:trace contextRef="#ctx0" brushRef="#br0" timeOffset="3908.87">1902 11479 788 0,'5'-8'427'0,"1"-2"-220"0,-1 4-138 0,-1 4 60 0,2 0-57 16,-3 0-14-16,2 2-31 0,-1-1-4 0,0 1-1 0,1 1-6 15,-4 0-2-15,1 1-5 0,1 1-6 0,-2 0-9 16,1-1-4-16,-2-1 0 0,0 1-3 0,-3 1 5 16,2 1-1-16,-2-1 7 0,0 0 3 15,-1 3 19-15,-1 0 1 0,2 3 0 0,-2 2 1 16,0 8-1-16,-1-5 0 0,-2 18-7 0,1-2-2 15,-1 9-10-15,-1 7-1 0,-1 8 0 0,1-2-1 16,-1 6 0-16,-1 5 0 0,3-7 0 0,-1 2 0 16,0-8 1-16,3-3-2 0,0-3 1 0,-1 2 3 15,4-13-2-15,1-3 3 0,-2-5 6 0,2-3 6 16,2-18 2-16,0 4 5 0,0-13 0 0,4-14 3 16,-2 0 2-16,2-14-4 0,3-5-3 0,-1-12-8 15,2-1-3-15,2-9-2 0,0 0-3 0,0-4-5 16,0-1 1-16,0 1-4 0,1-1-3 0,-1 4-8 15,0-3-1-15,1 13-6 0,0-1-1 0,-1 7 0 16,1 7-7-16,-3 14 5 0,1 0 0 0,-3 10 5 16,-1 7-1-16,-3 6 6 0,2 4 0 0,-3 5 2 15,2 13 2-15,-2 4-1 0,0-1 2 0,-1 3 3 0,1 5 3 16,4-1-1-16,0 5 4 0,1-1 0 0,-2 1 4 16,5-8 5-16,0 1 13 0,2 1 5 15,0-5 4-15,-1-1 3 0,-2-8 2 0,-2-1 0 0,-1-6 1 16,-2-1-5-16,2-3-10 0,-2 0-4 0,-2-4-4 15,-1 0-4-15,-1 0-1 0,3 2-1 16,-1-3-3-16,0 0 1 0,-3 0-3 0,2 0 1 16,2 0-3-16,0 0 0 0,-2-1-1 0,4 2-1 0,2-4 1 15,0-1-1-15,0-2 1 0,2-3 0 0,0-3 0 0,5-4 2 16,1-10-2-16,1 3 0 0,-2-4 2 0,2-7-2 16,4 4-1-16,-1-7 0 0,-2 9 0 0,-3 1-2 15,1 1-3-15,-3 8-1 0,-2 6-3 16,-5 11-6-16,0 1-1 0,-3 10-1 0,-1 10-2 0,-4 13 4 15,1-5 3-15,-7 27-1 0,0-5 4 16,0 7 7-16,-1 2 4 0,-2 6-1 0,2 0 3 16,-1-2 4-16,1-3 6 0,2-5 5 0,2-1 3 15,0-7 3-15,6-16 0 0,2-5-5 0,3 3-3 16,0-13-16-16,5-11-18 0,3-9-31 0,1-11-215 16,7-23 216-16,-1 10-133 0,-2-12-78 0</inkml:trace>
+  <inkml:trace contextRef="#ctx0" brushRef="#br0" timeOffset="4640.03">2608 11718 1181 0,'-12'20'518'0,"0"-6"-288"0,2-1-147 0,1 0 94 15,-1-2-86-15,-2-1-27 0,3-1-41 0,6-1-8 16,1 3-3-16,1-1-10 0,2 1-9 0,-2 0-23 15,-1-1-5-15,2 1-6 0,3 1-1 0,1 3 1 16,-2-1 3-16,0 0 5 0,3 2 2 0,3-5 19 16,0 5 6-16,2-6 5 0,1-2 8 15,0-6 6-15,3 4 2 0,2-13 0 0,-2-1 2 0,4-3 0 16,2-7-2-16,1-3-3 0,-1-3-3 16,-3 3-5-16,2-6-3 0,2-3-6 0,-1-1-2 15,-4 2 0-15,1 1-2 0,-4-3-1 0,3 0-2 16,-6 1-1-16,1-2 3 0,-5 10 5 0,0-3 4 15,-2 0 0-15,-2 7 1 0,1 5 2 0,-3 6 3 16,0-1-2-16,-2 7-1 0,-1 2 5 0,-1 14-3 16,-1-6 2-16,-2 18-2 0,1-3 0 0,-1 9-1 15,0-1 3-15,0 8-4 0,0 1-1 0,3-1-2 16,2 5-1-16,1-5 1 0,0 0 0 0,1-6 1 16,2 0-1-16,1-3 2 0,-1-2-1 0,3-6 3 0,-2-3-4 15,2 3 2-15,-1 1 0 0,-1-2-1 0,-1 0 2 16,1 0-2-16,-2 5 0 0,-1 3 1 0,-1-2 0 15,-3 0-1-15,-1 2-1 0,-3-1-1 0,-1 3 1 16,-4-1-1-16,-2 1 2 0,-1-2 3 0,-3 0 3 16,0-3 5-16,-2-1 15 0,-1-2 8 15,3-6 2-15,-2-1 5 0,2-7 7 0,-1 2-2 0,-1-14-2 16,3 1-4-16,1-7-18 0,-1-6-5 0,4-6-6 16,-3-1-4-16,1-8-10 0,4-1-2 15,3-2-2-15,0-3-2 0,2 5 2 0,7-7-5 0,1-6 0 16,8 1-1-16,-2 7 2 0,8-2-2 0,1 2 0 0,6 0 3 15,4 11 1-15,0-7 2 0,-2 18 2 0,4 0 1 16,5-1 0-16,0 9-1 0,3 0-2 0,5 5-30 16,-1 0-13-16,6 3-12 0,-4-1-14 15,-2 2-53-15,2 1-37 0,-14 0-79 0,2 3 155 0,-6-4-116 16,-2 1-53-16</inkml:trace>
+  <inkml:trace contextRef="#ctx0" brushRef="#br0" timeOffset="5135.71">3300 11591 580 0,'9'-9'292'0,"-2"-1"-161"0,-1-4-78 15,4 0 54-15,-2-3-54 0,-1-2-4 0,1 2 4 16,1 1 2-16,-2-1 0 0,1 1 0 0,-4 2-1 16,-2 2 4-16,-2 3 0 0,3 0-3 0,-5 9-4 15,-1-3-3-15,-1 8-13 0,-2-1-7 0,1 11-8 16,0-3-7-16,-3 7-15 0,2 4-5 0,-4 2-1 15,3 3-6-15,0-4-1 0,0 6-3 0,0 9 3 16,-2-3 2-16,4-1 3 0,1 3 2 0,-1 0 5 0,0 5 12 16,0-2 11-16,1 2 11 0,1-13 8 0,0 3 17 15,2-1 4-15,1-8 5 0,2-3 1 0,3-7-8 16,0 3-7-16,3-7-7 0,3-1-10 0,3-5-17 16,1 0-5-16,2-1-4 0,5-1-5 0,2-2-2 15,-1-1-1-15,3-4-1 0,2 3 2 0,0 0 0 16,1-2-1-16,0-2 0 0,-1 3 1 0,2-2 0 15,-1 3-1-15,-2-1-2 0,-1-1-11 0,-4 1-10 16,-7 1-14-16,1 2-55 0,-1-1-35 0,-4 0-51 16,-4 1-102-16,-4 0 190 0,-2-1-169 15,-5-4-82-15</inkml:trace>
+  <inkml:trace contextRef="#ctx0" brushRef="#br0" timeOffset="5331.63">3965 11534 1802 0,'-11'36'718'0,"0"1"-512"0,-2 2-158 16,3 2 40-16,-3-1-69 0,2-1-18 0,1 3-13 15,0-4-15-15,4-4-43 0,-2 0-20 0,4-11-24 16,-3 5-23-16,6-10-73 0,-2 2 5 0,3-11-81 15,3 1 169-15,1-6-118 0,1-4-39 0</inkml:trace>
+  <inkml:trace contextRef="#ctx0" brushRef="#br0" timeOffset="5771.63">4465 11512 1636 0,'-16'13'688'0,"-4"2"-463"16,0 0-164-16,2-4 40 0,0 2-35 0,4-2-53 15,-1-5-11-15,0 1-27 0,-3 2-16 0,6-5-16 16,-1 1-10-16,0-1-9 0,-5 1-13 0,3-1 2 16,-2-1 5-16,4 2 24 0,-2 1 18 15,2 2 19-15,1 0 13 0,3-2 14 0,3 2 20 16,-1 1 4-16,5-1 3 0,2 3 5 0,4-7-5 0,0 3-5 15,10-6-6-15,-1 0-4 0,9-1-7 16,-3 0-3-16,13-7-4 0,-2 3-5 0,6-3-1 16,5 2 0-16,1-1 0 0,-3 3 1 0,0 0 0 15,2 1-1-15,-7 4 2 0,-1-4 0 0,-5 2 2 0,-11 8-2 0,0 4 7 16,0-1 4-16,-8-1 1 0,-4 7 4 0,-5-1 4 16,-4 10 13-16,-11 1 3 0,3 0 8 0,-9-2-1 15,-8 5 3-15,0 0 0 0,-6 0-1 16,0-2-4-16,-2-5-10 0,1 1-6 0,1-3-4 15,3-3-6-15,4-7-4 0,-1 2-18 0,9-12-11 16,0 4-8-16,6-7-34 0,-2-1-16 0,15-10-26 16,-3 0-28-16,7-6-142 0,7-3 197 0,6-1-114 15,5-4-60-15</inkml:trace>
+  <inkml:trace contextRef="#ctx0" brushRef="#br0" timeOffset="6718.55">5017 11413 1360 0,'-14'2'634'0,"2"-2"-384"0,1 0-168 0,0 0 52 16,0-4-53-16,6 2-39 0,-3-1-25 0,5 2-32 16,3-2-19-16,0 3-46 0,0 0-16 0,1 3-20 15,0 0-11-15,0 5-3 0,0 6-23 16,-1 14 2-16,1-6 2 0,-1 10 29 0,-5 13-18 0,-1 2 6 15,-2 13 3-15,1 1 5 0,-6 4 37 16,0-3 28-16,-1 5 40 0,3-11 33 0,2-5 86 16,-3 3 33-16,7-19 14 0,-1 2 15 0,3-10 24 15,-2 0-14-15,3-11-26 0,0 0-19 0,2-8-51 16,-1-7-19-16,1-4-7 0,0-4-9 0,1-7-40 16,1-7-7-16,-2-4-9 0,0 0-9 0,-1 2-6 0,-6-6-6 0,3-6-12 15,0-1-2-15,-4 5 9 0,1-5 5 0,-2 2 5 16,0-3 10-16,-1-3 7 0,1-1 13 0,-1 14 16 15,1-1 20-15,-2 2 7 0,3 7 4 0,0 5 0 16,2 7-2-16,-2 2-3 0,3 5-4 0,-1 3-6 16,2 7-17-16,-2-4-5 0,5 10-3 15,0-1-3-15,1 0 3 0,1 1 4 0,7-3 0 16,0 2 1-16,3-3 6 0,3-3 3 0,6-5 0 16,-2-1 1-16,-1 1-2 0,9-7-3 0,1-1-1 15,4 2-1-15,-5-5-4 0,4 1-4 0,-1-3-3 0,5 0 0 16,0-1-3-16,0 0 2 0,-4 6-1 0,1-5 0 15,2 3-1-15,-1 4 2 0,-3-1 0 0,-4 2 0 16,-2 1 1-16,-3-1-1 0,-1 1 1 0,-8 1-2 16,-1-1 0-16,-5 2-1 0,2-2-1 0,-7 0 1 15,2 0 0-15,-5-2-1 0,-3-2 1 0,1-2 0 16,-1 0 3-16,-7-2-2 0,1-1 1 0,0 0 3 16,-4-3 1-16,2 2 2 0,-3-1 3 0,4 3-1 15,1 3 2-15,-3 2-1 0,-1 1 1 0,3 2-9 16,1 7 0-16,0 1-4 0,-2 6-6 0,2 10-2 15,-1-3-3-15,5 3 2 0,2 6-1 0,0 0 2 16,4 4 1-16,3-4 0 0,8-4 8 0,0 1 0 16,6-5 2-16,7-5 1 0,6-7 5 0,1 0 3 15,6-6 1-15,1-6 1 0,4-5-5 0,1 0 2 16,-1-7-2-16,-1 1 0 0,-4-3-3 16,3-3 1-16,-10 4-2 0,3-3 1 0,-6 2-2 15,-3 0 1-15,-4 3 0 0,1 0 1 0,-3 2-2 0,-5 5 1 0,-2-5 1 16,1 5 2-16,-2 1 3 0,-3 2-1 0,-2 3 5 15,-1 1 4-15,-3 6 3 0,-1-4 0 0,-2 9-2 16,-2 6 0-16,0-1-4 0,-3 8-1 0,1 1-3 16,0 7-10-16,-1 0-2 0,1 5-7 15,2-3-1-15,0-3 2 0,1 3 0 0,1-12-2 0,2 3 3 16,1-9 1-16,0 1 1 0,2-12 4 16,0 1 4-16,1-7 2 0,3-4 3 0,0-6 0 15,2 0-1-15,3-7 3 0,1-5 0 0,4-4-5 16,2 0 1-16,-3 0-5 0,5-4-1 0,-1-6-2 15,1-1 1-15,2 5-3 0,-4 0-1 0,5-1 2 0,0-4-4 16,7 1 3-16,-4 0-1 0,2 10 1 0,1-2-6 16,0 2 1-16,-2 4-1 0,-2 9-2 0,-2 9-2 15,1 2-2-15,-6 10-1 0,0 7 1 0,-7 15 2 16,1-5 5-16,-9 23 0 0,-1-6 1 0,-3 5 7 16,0 2 1-16,-7 0 5 0,2 2 4 0,-2-4 14 15,0-2 2-15,2-10 4 0,0 0 4 0,2-5-1 16,4-17-2-16,-1-2-11 0,1 1-12 0,1-12-21 15,5-4-22-15,1-12-28 0,3-6-150 0,9-17 165 16,-5 6-106-16,4-6-53 0</inkml:trace>
+  <inkml:trace contextRef="#ctx0" brushRef="#br0" timeOffset="7216.26">6384 11881 520 0,'12'-16'237'16,"0"3"-163"-16,1-1-40 0,-1 7-11 0,-1-3 14 15,0 7 51-15,1 0 22 0,-6 6 15 16,3-1 18-16,-4 6 27 0,0 2 5 0,-1 0-3 15,0 1-9-15,0-2-42 0,0-1-13 0,3 0 0 16,-2 2-11-16,2-4-30 0,0-3-8 0,0 0-10 0,2-2-6 16,3-4-12-16,-1 1-4 0,1-3-17 0,0-3-6 15,-2 0-4-15,3-4-2 0,-2-1-5 0,-5-3-14 16,1 3-3-16,-5-3 1 0,-2-2-11 0,-7 2-5 16,4 0 1-16,-13-1 2 0,2 5 0 0,-3 2 9 15,-2-3 6-15,-8 11-1 0,2 1 13 0,-2 2 9 16,-2 8 2-16,1 3 3 0,-1 1 6 0,0 3 5 15,0 4 1-15,8 3-1 0,-1-1-1 0,2-3-3 16,12 2-1-16,-1 0-5 0,-3 1-3 0,9-3-3 16,2-3-3-16,1 1-3 0,5-1-2 0,4 0 1 15,-3-2-1-15,7-2 4 0,6 1-2 0,-1-1-1 16,5-2 0-16,3-1-1 0,1 1-15 0,0-2-12 16,1 0-13-16,0-2-13 0,2-3-30 0,-1 1-15 15,5-7-18-15,-1 2-12 0,4-5-22 0,-1 2-9 16,3-7-10-16,-3 1-15 0,2-3 119 0,-3-2-68 15,-3 2-3-15</inkml:trace>
+  <inkml:trace contextRef="#ctx0" brushRef="#br0" timeOffset="7535.21">7030 11831 328 0,'-3'-10'335'16,"2"0"-69"-16,-2 5-136 0,0 1 91 0,-1-3-32 0,0 2-21 0,1 4-14 16,-3 0-40-16,2 1-14 0,0 2-17 0,-1 4-11 15,1 0-37-15,-1 1-7 0,3 3-7 0,-1-3-7 16,0 2-9-16,1 1-2 0,2-3-3 0,0 0 0 15,-1 1 5-15,1-2 2 0,-1 2 0 0,0 1 0 16,0 2 2-16,0 1 1 0,-3 4 0 16,2 1-2-16,-1-2-6 0,1 3-2 0,-2 4-4 15,2 0-2-15,-1-2-3 0,2-2 0 0,0-3-1 0,1 2-2 16,2-5 3-16,0 4 3 0,0-9 3 0,3-1 8 16,1 0 9-16,1-3 5 0,1-3 6 0,3-6 14 15,-3 1 4-15,5-5 3 0,-2-3 2 0,1-7 0 16,0 3-2-16,1-9-4 0,-1 2-2 0,-3-2-2 15,3-2-5-15,-5-3-1 0,3 4-1 0,-3-4-3 16,-1 0-4-16,1-1-2 0,-3 2 1 0,1 3-9 16,-1 3-1-16,2 2 0 0,-1-2-2 0,1 6-5 15,-1 7-1-15,-2 4-2 0,5 2-13 0,3 9-11 16,-1-3-9-16,4 11-15 0,5 7-69 0,1-2-54 16,7 10-99-16,2-4 186 0,2 1-161 0,-4-2-83 15</inkml:trace>
+  <inkml:trace contextRef="#ctx0" brushRef="#br0" timeOffset="9045.08">4296 12596 845 0,'0'7'509'0,"0"-2"-226"15,-4-2-166-15,0-1 74 0,0 0-55 0,0-1-26 16,0-1-41-16,2 2-12 0,-4-2-10 0,3 0-9 16,-2 0-21-16,1-1 1 0,-4-1-12 0,1 1-2 15,-1-2-7-15,-1 0 0 0,-2 3 0 0,1 0-1 16,0-1 6-16,-1 2-7 0,-2 3 8 0,0-3 1 15,1 2 3-15,-2 2 1 0,2 0 2 0,-5 3 3 16,-1 1-2-16,0-2 3 0,4 1-2 0,-4 5-1 16,1 1-3-16,-1 1-2 0,-1 0-1 0,3 3-5 15,-1 0 0-15,1 2 0 0,-3 1-3 0,1-1-2 16,3 1 3-16,-1 5-2 0,1-2 0 0,2 1 1 16,-4 0 1-16,8 1-2 0,1 3 1 0,0-1 3 15,2 0-1-15,2 2 1 0,0-2 1 0,0 2 2 16,3-1 1-16,1-1 0 0,0-2 3 0,0-2 0 15,4-2-2-15,0 2 2 0,1 2-1 0,2-5-2 0,1 0 0 16,-1-3 0-16,3 6-1 0,5-2-2 16,-3 0 1-16,0-5-2 0,3 3 0 0,1-1-1 15,0 0-1-15,0-2 0 0,0 0 0 0,0-1 0 16,-1-1 2-16,3-2 0 0,-2 1 0 0,1-1 2 16,2 3-2-16,-3-2 3 0,2-1-1 0,2 2 3 15,-3 0-2-15,2 1 4 0,1-4 0 0,-1-2-1 16,2-3 1-16,2 2-1 0,-3-2 0 0,2-4-4 0,6-2-2 15,-1-1-2-15,-3 0-3 0,2-2-3 0,3-2-2 16,2-3-1-16,2-3-2 0,-1 0 2 0,-7 2 1 16,4-5 3-16,3 3 1 0,-6-1 4 0,-1 2 2 15,-5 2 1-15,1 0 4 0,-3 3-1 0,-2-1 2 16,-4 4-1-16,1-3 2 0,-2 2-1 16,-1-2 8-16,-1 0 7 0,1-1 1 0,-4-2 0 0,2 0 4 15,1-3 5-15,-3 1 0 0,4-3 0 0,-3-1-5 16,0-4-6-16,1 0-3 0,2-6-2 0,-1 1-3 15,-2 2-7-15,-1-8 0 0,2-3-1 0,1 2-4 16,-2 0 0-16,0 0 0 0,0 3-1 0,-2-6-2 16,1 2 1-16,-2-1-1 0,-3 6 1 0,3 1 2 15,-2-2 1-15,-2 3 3 0,-1 2 0 0,-1 1 3 16,-3 3 3-16,1 1-2 0,-1 1 2 0,-2-2-1 16,-1 2 1-16,-2-1-1 0,1 0 1 0,2-2-2 15,-2 2-1-15,-1-4-1 0,1-1 0 0,-3 0-3 16,4-2 2-16,-4-1-4 0,1 0-1 0,-3 1-1 15,0 0-4-15,-1 0-2 0,-2 1-2 0,3 4-1 0,-5 4-6 16,-4-2-8-16,-2 1-1 0,1 3-2 16,-4 3-1-16,-5 0 0 0,-6 5-6 0,-9 5-4 0,2-2 2 15,-6 5 3-15,-9 8-19 0,2 2-15 16,-8 4-21-16,2 3-36 0,-13 2 86 0,7 1-56 16,-4 1-21-16</inkml:trace>
+  <inkml:trace contextRef="#ctx0" brushRef="#br0" timeOffset="12522.67">13068 5425 707 0,'0'8'315'0,"-2"-7"-200"0,-1 1-82 15,-3 0 11-15,3-2-18 0,1 0-20 0,-1 2-21 16,0-4-40-16,2 1-21 0,-3 0-23 0,1-1-19 15,-3-3-12-15,-2 1 17 0,0-1 31 0,-2-1 32 16,0 3 45-16,-4-5 31 0,-2 3 44 0,-1-1 26 16,2 0 20-16,-4 3-10 0,0-2-21 0,-5-2-20 15,-3 3-18-15,0-1-14 0,3 1-22 0,-8-1-7 16,0 1-5-16,-3 2-4 0,-1 1-4 0,-3-2-2 16,2 2 2-16,-2 1 1 0,-1-2 0 0,0 2 8 15,0 0 9-15,-2-3 6 0,1 3 9 0,-2-2 22 16,3-1 5-16,-3-2 6 0,4 2 7 0,-2-3 5 15,1 1-3-15,4-2-3 0,-1-2-7 0,3 3-17 16,1-2-8-16,2-2-7 0,-2 2-6 0,7-1-12 0,4 1-6 16,-10 0-8-16,0 0-5 0,4-1-6 0,-2 4-5 15,2-1-2-15,-5 3-10 0,-3 4 0 0,-1-1 2 16,7 3 5-16,-4 4 3 0,1 0 2 0,0 1 5 16,0 2 4-16,-1 2 9 0,0 1-1 15,-1 1 3-15,3 1-1 0,0 2 6 0,0 1 7 16,4-1 2-16,-1 2 2 0,5-3 6 0,-2 3 5 0,4-2 0 15,0 0 2-15,2-1 0 0,2 0-2 16,3 0 1-16,-1-3-1 0,3 0-3 0,0-4-1 0,0 3 3 16,1-2 0-16,1 0-4 0,0-2 0 0,0-2-5 0,-2 2-2 15,0-1-1-15,-1 0-2 0,9 2-5 0,-6-3 0 16,0 1-3-16,2 1-1 0,-1 0 0 0,5 0-1 16,2 0-4-16,-2-1-3 0,4 2-4 0,1 1-5 15,3-2-4-15,5 3-2 0,1-2-3 0,4 2-2 16,-3-1 1-16,10 1 0 0,-2-2 6 0,5 0 4 15,1 0 6-15,4-4 0 0,1 3 7 16,3-2 3-16,1-1 3 0,3-2 4 0,2 5 0 16,-7-3 5-16,5 1-2 0,3 2 5 0,1-3-1 15,-2 3-2-15,-4-1-1 0,-1 3-1 0,4-3 0 16,-3 3-3-16,1-1 1 0,-5 1-5 0,3 2-1 16,1 0 1-16,0-1 0 0,3 0 0 0,-1 0-3 15,0 0 1-15,2 2 1 0,-3-4 0 0,3-2 1 16,-3 1 1-16,0-7-1 0,1 2 0 0,2-2 3 15,-2 0 3-15,7-1-1 0,0-2 3 0,1-1 4 16,5-2 1-16,-2 3 1 0,2-3 2 0,0-2 0 16,1-1-2-16,1 2-2 0,3 1-1 0,-10 1-3 0,3 1-2 15,5-2-2-15,0 3-2 0,-6 1-3 0,-4-1 0 16,1 0 0-16,4-2-13 0,1 4-4 0,-2-1-2 16,-4 1-6-16,9-2-6 0,-1 2-4 0,3 0-1 15,-4 0-3-15,3-1 12 0,0-1 2 16,-2 1 5-16,5 1 4 0,-2-3 13 0,0 0 7 15,3 1 4-15,-1-1 0 0,1-1 23 0,0 0 6 0,0-2 1 16,-3 0 4-16,3 2 4 0,0 0 1 16,5 1 0-16,-4-1 3 0,-5 3-19 0,-1 0-6 0,12 4-3 15,1 1-4-15,-11-3-7 0,2 4-2 0,-1-1-3 0,6 1-4 16,2 2-4-16,3 1 1 0,-12-4-1 16,13 1 1-16,-2 4-4 0,2-1-1 0,0 0-1 15,1-2 1-15,2 0 0 0,-1-1-1 0,7 2 2 16,-4-4 0-16,-1-1 3 0,0-3 0 0,-1 1 2 0,6-2 0 15,-2 0 4-15,1-4 0 0,-4-1 2 16,1 1 6-16,4 1-1 0,0 5 2 0,1-4 0 16,-2 2 0-16,1 2-1 0,-5 0 1 0,0 1-4 15,-6 1-5-15,-9 2-1 0,11-1 0 0,5 0-3 16,-16 2 2-16,3 1-2 0,-1 0-1 0,8 2 1 16,0-1-1-16,3 0 2 0,-12 2-2 0,7 0 1 15,-3-3 1-15,3 2 1 0,-1 0 0 0,-4-2 1 16,1 2 1-16,-3-4-2 0,2 1 2 0,0 0 1 15,-2 0-1-15,5 0-3 0,-5-1 2 0,1-1 2 16,2 2-3-16,-4-1 0 0,3-2 1 0,-4-1 0 16,-1 0-1-16,-3 0 1 0,-1 0 2 0,-3-1-1 0,-8 0 0 15,7-1 2-15,-3 1 0 0,-5 0-2 0,-3 0 1 16,0-1-1-16,7 0 0 0,-4-2 0 0,3 0 0 16,-4 2-2-16,4-2 2 0,-1 0 1 15,-2-3 3-15,-1 1 3 0,-1-1 4 0,1 1 4 16,-3-3 2-16,0-1 1 0,2 0 0 0,0 1 3 0,-7-3-6 15,5-3-1-15,-1 2-6 0,0 0-3 16,-4-3-5-16,0 1-1 0,-7-1-6 0,5 2-5 16,-3-1-4-16,-3 1-4 0,-4 0-5 0,-1 1-2 15,-3-4-1-15,0 3-2 0,-3 2 4 0,-3-2 2 0,1-1 1 16,-1 0 3-16,0 0 9 0,-2 3 1 0,2-2 2 16,-4-3 6-16,0 3 2 0,2 0 3 0,-4 0 4 15,0-1 3-15,0 0 3 0,-1 1-1 0,-3-1 1 16,1-1-3-16,-1 2 1 0,-2 0-4 0,0 0 0 15,-3-2-8-15,0 2-5 0,-3-5-6 0,-2 2-2 16,-3-1-10-16,0 1-5 0,-8-1-1 0,1 2-5 16,-4-4 1-16,-5 4 0 0,-2-4 3 0,-1 3 0 15,4 4 7-15,-5-3 4 0,-7 1-2 0,-1-3 3 16,3 4 7-16,-3 2 0 0,-3 0 0 0,-8-4 5 16,-2 1 0-16,-3 0 2 0,10 2 4 0,-11-3 1 15,2 1-1-15,-1 0 1 0,-3 0-1 0,0 1 0 16,0 0 0-16,-2 0-2 0,-3 3-1 0,-3 1-4 15,1-1 0-15,-8 3-1 0,3 0 1 0,-2 3-4 16,-4 1 1-16,-1 1-3 0,-5-1-5 0,1 0-14 16,-1 3-4-16,-2 3-3 0,-2-3-4 0,1 0 1 15,-3 0 1-15,5 1 3 0,0 1 8 0,10-1 15 0,2 0 5 16,-11-1 6-16,0 1 2 0,12 3 7 0,-4-3 2 16,2-1-1-16,-14 0 13 0,0 0 4 15,1 1 2-15,14 1 1 0,-11 1 5 0,0-2-4 0,3 2 0 16,-1 0 0-16,5 3-15 0,0-1-3 15,2 0-4-15,-2 0-3 0,6-1-8 0,-2 2-2 16,9-1-6-16,-3 2 3 0,4-3-8 0,-3 1-1 16,7-1 0-16,0 0 3 0,2 1 5 0,-1-3 6 15,5 3 6-15,-1-1 3 0,8-2 14 0,6 3 1 0,-6-2 7 16,-2 0-1-16,12 0 3 0,-2-1-5 0,1-2-3 0,-4 0-2 16,3-3-4-16,-2 1-2 0,10 0-6 15,-6-2-1-15,-2-1-4 0,5 1 0 0,-4-2-1 16,-2 0-2-16,0 0-1 0,-3-2 1 0,-1 3 0 15,-1 2-2-15,-1-3 2 0,-6 5-1 0,2 0 0 16,-6 0-1-16,4 1 0 0,-14 1-2 0,4 3-6 16,-5 2-29-16,-5 0-18 0,-7 3-21 0,-1 0-27 15,0 6-134-15,-6 1 174 0,1 1-114 0,-7 1-60 16</inkml:trace>
+  <inkml:trace contextRef="#ctx0" brushRef="#br0" timeOffset="13825.55">4485 12675 690 0,'-3'7'326'16,"4"0"-174"-16,0-2-100 0,1-1 71 0,1-3-66 15,2 2-33-15,0 1-6 0,2-2 0 16,1-2-2-16,1 2-5 0,0-1-1 0,2 2-4 16,-1-3-2-16,1 1-4 0,0-1 0 0,1 3 0 15,-2-1 0-15,1 1 0 0,1 2 0 0,-1-3-1 16,1 7 1-16,-1-5-1 0,0 4 1 0,-1 2 0 15,0-2-2-15,0 0 2 0,-5 1-2 0,7 2 2 16,-3-3-1-16,0 1 0 0,0-3 1 0,0 1 0 0,2-1 1 16,3 2 3-16,-1-1 0 0,-5-3 0 15,5 1 5-15,-2-1 3 0,1-2-2 0,1 1 1 0,0-1 3 16,-1-2 0-16,2 0 0 0,3 1 1 0,-1-1-1 16,-1 0 0-16,1 0 1 0,1-1 1 0,-1 1 3 15,0 0 2-15,1 0-2 0,-1 0 3 0,1 0 0 16,1 0-3-16,1 1-1 0,1-1-1 0,2 0-7 15,1 0-1-15,5-1-3 0,-1-1-2 0,-2 1-3 16,2 0-1-16,4-2 2 0,-3 2-2 0,-1 0 0 16,-5-3 0-16,2 2 1 0,1 0-1 0,-3 2 0 15,2-1 2-15,-9 1-1 0,6 0-1 0,0 0 1 16,-4 1 1-16,2 3-1 0,1 1 4 0,-1-1 1 16,1 2 1-16,0-2 4 0,2 4 2 15,-2 0 1-15,1 0 0 0,4-1 1 0,-4 1 2 16,1-1-2-16,1 0-3 0,1 2 0 0,-2-1-4 15,2-1 0-15,0 1-2 0,-4 0 1 0,5 0-3 16,-4-1 2-16,1 0 2 0,-1 1 4 0,-4-3 2 0,2-1 0 0,3 1 8 16,0-1 2-16,-2 1 1 0,1-2 0 15,-2-1 0-15,5 0-5 0,0 3 1 0,0-2-2 0,-2-2-7 16,2 1-3-16,-3-2-1 0,1 0-2 0,1 2-4 16,-3-2 2-16,2 0-3 0,-1 0 0 15,0 2-1-15,-2-2 0 0,3 2 0 0,-2-1 0 16,1 2 1-16,-2 3-1 0,1-3 0 0,-1 4 1 15,-1-2 0-15,0 3 0 0,-2 1 1 0,0 0-2 16,3 2-1-16,-5-4 2 0,-4 0-1 0,5 2 1 16,-3 1 2-16,1-1-1 0,-4-3 1 0,1 2 2 0,-2-1 0 15,2 0-2-15,-1 1 3 0,-1-1-3 0,6-3 1 16,-5 2 1-16,3-2-2 0,0 1-2 0,3-3-1 16,0-1-5-16,0-1-12 0,-3-1-17 0,-2-3-75 15,2 1-48-15,-3-4-100 0,0-3 186 0,-6-4-175 16,2 1-87-16</inkml:trace>
+  <inkml:trace contextRef="#ctx0" brushRef="#br0" timeOffset="14307.88">6527 12873 486 0,'2'-2'387'0,"0"2"-120"0,2 0-144 15,-2 1 117-15,0 2-79 0,1-2-35 0,1 2-27 16,1 0-35-16,1 0-11 0,4 3-11 16,0-5-10-16,1 2-17 0,3 0-7 0,5 2-4 15,-1-4-1-15,-1 2-3 0,1-1-1 0,7 1-3 16,-1 1 4-16,0-2-2 0,1 2 2 0,-2-3-2 0,4 3 1 16,2-2 0-16,1 2 2 0,-8-3 1 0,3 2 3 15,1 0 0-15,-2 2 0 0,-3-2 1 0,0 4 0 16,-1-3-1-16,-4 4-1 0,-3 3-3 0,-4 2-8 15,1-2-3-15,-14 13-2 0,1 1 0 0,-8 1-1 16,3 0 2-16,-16 12 2 0,6-4 5 0,-10 5 10 16,-1 0 4-16,-1-2 4 0,-2-1 1 0,-1 2 10 15,-3-4-1-15,1-1 0 0,2-1-3 0,2-7-4 16,7-4-2-16,-2 1-8 0,2-3-10 0,4-4-22 16,8-6-23-16,5-4-36 0,0-3 62 0,9-13-45 15,-2 4-20-15</inkml:trace>
+  <inkml:trace contextRef="#ctx0" brushRef="#br0" timeOffset="31734.56">8593 13069 750 0,'-2'-2'347'15,"3"1"-185"-15,-4-5-86 0,6 3 43 0,-1-1-20 16,0 0 0-16,1 3-3 0,-3 0-2 0,0-1-14 16,4 2-3-16,-1 2-3 0,-4-2-7 0,1 1-7 15,-2 2 0-15,-2-2-2 0,4 0-3 0,0 0-12 0,-2 1-6 16,-3-2-2-16,2 1-3 0,1 0-10 0,-1-1-4 16,-5 0-3-16,4 0 5 0,-2 0 0 0,1-1 2 15,4 0-2-15,-6-2-1 0,-2-1 1 0,5 2 0 16,2 0-1-16,-6 1-5 0,4-2-3 0,-2 3-2 15,-4-1 0-15,-1-1-2 0,3 2-2 0,-3 2 0 16,1-1 0-16,-2 1-4 0,-3 0 3 16,3 1-3-16,1 0 0 0,2 2-1 0,-2-2 1 0,0-2-1 15,2 4 0-15,-1-3 0 0,2 0-2 0,3 2 0 16,-2-1 2-16,2 0 0 0,0 2-1 0,0-1 1 16,0 2-3-16,1 0 3 0,-1 1 0 0,0 2 0 0,-3-2 0 15,2 5-1-15,0 1 1 0,0 0-2 16,-1 1 2-16,2-2-1 0,-2 3 0 0,1-2-2 0,2 3 0 15,1-1-1-15,-1-1 2 0,3 0 0 0,1-2-2 16,0 2-1-16,2-4 2 0,2 1-1 0,1-3 1 16,0 1 0-16,4-3-1 0,-1 0 1 15,3-1 3-15,1-2 0 0,3 2-1 0,-1 0 1 0,2-2 2 16,1 2 1-16,-1-3 1 0,0 1 0 16,0 2 0-16,-2-4-1 0,0 3 2 0,0-3-1 15,-2 2-1-15,-1 0-1 0,-1-2 2 0,-3-1-3 16,-2 1 0-16,0 0 2 0,3-3-3 0,-3 0-37 15,-1-3-28-15,1 0-36 0,0-1-59 0,6-5 115 16,1-1-88-16,0-1-40 0</inkml:trace>
+  <inkml:trace contextRef="#ctx0" brushRef="#br0" timeOffset="32295.84">8897 13084 462 0,'0'0'374'0,"0"1"-157"16,-1-1-119-16,-3 0 50 0,0 0-27 0,1 0 0 15,1 0-5-15,-2-1-3 0,0 2-18 0,0 1-1 16,-1-1-7-16,0 2-9 0,-2 1-5 0,0 1-21 15,1 0-9-15,-1-1-7 0,2 0-9 0,-2 2-13 16,0 1-3-16,2-2-3 0,-1 3-3 0,3 1-2 16,-3-3 0-16,1 3-1 0,1 1-1 0,0 0 2 15,0 0-3-15,0 1 0 0,0 0 0 0,1-1 0 16,1 0 0-16,1 0-1 0,0-2 1 0,-1 0 0 0,2-1-2 16,2-1 2-16,-1 2 0 0,0-2 0 0,1-2 0 15,0 2 0-15,3 1 2 0,0-1-2 0,1 0 1 16,-2-1-1-16,4 0 3 0,-1 2-2 0,2-2 1 15,1 1 1-15,0-1-3 0,-1 0 3 0,2-1-2 16,-2 1 0-16,3 0-1 0,-2 0 7 0,-5-3 0 16,9 2 4-16,-7-5 4 0,2 2-3 15,0-3 3-15,2 2 1 0,-4-3-1 0,4-3-4 0,-5 2-3 16,-1-4-3-16,-1 7-23 0,-2-3-17 16,0 1-27-16,2 0-38 0,-4 0-50 0,3 4-100 0,-2-1 173 15,-1 0-128-15,0 1-31 0</inkml:trace>
+  <inkml:trace contextRef="#ctx0" brushRef="#br0" timeOffset="32642.54">9170 13118 573 0,'0'-5'350'0,"2"3"-130"0,-2 0-107 0,1 2 69 16,0-2-22-16,-1 2-15 0,-1 3-11 0,-2-1-31 16,1 1-10-16,-1 4-16 0,2 1-12 0,-2-3-19 15,-1 6-7-15,2-2-5 0,0 0-5 0,0 0-10 0,2 0-4 16,0 2-2-16,0-2-1 0,0 1-7 0,2-1 1 15,1 2-2-15,-1 3-1 0,3-3-3 0,-2 0 0 16,-1 0 0-16,4 2 0 0,-3-2 0 0,1 2-1 16,0 0-3-16,-1-1-27 0,0 1-12 15,0-1-17-15,-1-2-17 0,-1 0-57 0,0 0-35 0,1-4-59 16,-2 0 138-16,2-3-115 0,1 0-48 0</inkml:trace>
+  <inkml:trace contextRef="#ctx0" brushRef="#br0" timeOffset="33066.1">9583 13097 1168 0,'-5'0'491'0,"2"1"-281"0,2-1-116 0,0 0 58 16,1 1-31-16,-2-1-46 0,-5-1 1 15,6 2-7-15,-5-1-5 0,1-1-11 0,-2 0-15 16,0 1-3-16,1 1-3 0,1-1-4 0,1 2-6 16,-4-2-1-16,5 2-3 0,-6-2 1 0,4 0-5 15,-3-2-3-15,0 1-1 0,2 3-3 0,-3-2-3 16,-1 0 1-16,2 4-4 0,3 1-1 0,-3 3 0 15,-2 1-2-15,1-1 0 0,1 2-1 0,1 0-1 0,0 4-1 0,0 1 0 16,-2 0 1-16,5-1-1 0,0 1-1 0,3 4 0 16,1-2 0-16,5 1 0 0,0 1 1 15,9-4 2-15,-2 1-2 0,0-1 2 0,4-3 2 16,4-4 1-16,3-1-1 0,1 0 0 0,0-4 0 16,-3-3 1-16,6-3 0 0,-1 0 0 0,-3-3-3 15,-1-1-17-15,-5-4-51 0,1 0-39 0,-6-4-56 16,0 2-93-16,-4-1 180 0,0-1-139 0,-8 3-51 15</inkml:trace>
+  <inkml:trace contextRef="#ctx0" brushRef="#br0" timeOffset="33392.57">9911 12879 1017 0,'-1'0'466'16,"-2"0"-284"-16,4 2-115 0,-4-1 36 16,-3 1-12-16,4 0-17 0,0 5-6 0,-2-2-4 15,0 4-2-15,0 2-4 0,-4 0-7 0,6 7-16 16,-2 1-6-16,2 2-3 0,-1 2-1 0,3 4-11 15,-3-1-5-15,-2 3-4 0,3 2-1 0,1 0-4 16,-4-1 0-16,3 0-1 0,1-2-6 0,-3 0-15 16,4-3-2-16,1 0-8 0,-1-2-10 0,0-5-8 0,0-8-13 0,0 1-51 15,-2-1-27-15,2-2-24 0,0-7-56 0,-2-3 143 16,4-6-136-16,2-6-57 0</inkml:trace>
+  <inkml:trace contextRef="#ctx0" brushRef="#br0" timeOffset="33800.47">10126 12862 936 0,'0'-1'499'16,"0"3"-286"-16,0-1-124 0,0 3 37 0,0 0-15 15,0 0-13-15,-1 2-6 0,-2 1-7 0,1 1-25 16,-2 1-10-16,0 0-8 0,-2 1-7 0,0 2-14 15,-1-1-6-15,1 1 1 0,-2-1-4 0,-2 2 0 16,1 0-1-16,-3-2-1 0,-1-1-2 0,2 2-1 16,-3-1 2-16,-3-4-3 0,1 2 1 0,2-2-4 15,-1-2 1-15,-5 0-1 0,7 2 1 0,-3-5-1 16,4 1-2-16,-1 0-1 0,-2 2-1 0,1-1 1 16,4-1-2-16,4 2-1 0,-4-2-6 0,6 4-1 15,-1-2 2-15,5 0 1 0,5 1-3 0,3 3 2 16,4-1 0-16,4-1 2 0,3 1 6 0,5 0 0 15,3 1 1-15,1-4 1 0,3 0 5 16,-1-1 1-16,2-3-1 0,0 2 1 0,0 0-1 16,-3-3 0-16,-4 4-1 0,1-2 0 0,-8 2-15 15,0-2-12-15,-6 2-15 0,-1 1-18 0,-6-1-63 16,-4 0-39-16,-3 3-66 0,-1-3 144 0,-2 2-107 0,-6 1-46 0</inkml:trace>
+  <inkml:trace contextRef="#ctx0" brushRef="#br0" timeOffset="34202.71">10305 13073 685 0,'6'-3'394'0,"4"1"-174"0,-4-4-107 16,3-2 57-16,-1-1-26 0,-2 0-23 0,-2-1-12 15,4 2-7-15,-2-1-9 0,-1 1-7 0,-2 2-20 16,0 1-6-16,-2 3-7 0,1 0-5 0,0 2-13 16,-4 0-3-16,1 3-4 0,-4 0-3 0,3-1-10 15,2 7-5-15,-6 1-3 0,-1 0-2 0,4 2-4 16,-4 2 0-16,3 2-1 0,-1 4-1 0,-2 2-1 15,-1-1 0-15,2 2-3 0,4 4 1 0,-2-1 2 16,0 2-2-16,2 1 2 0,4-1-1 0,2 0-1 16,3 0 1-16,-3-6 2 0,2-2-2 0,3-1-2 15,-1-5 2-15,5-3-2 0,-3-6 3 16,0 2 1-16,5-8-3 0,1 1 2 0,0-4-9 0,-2 0-4 16,-1-5-9-16,-1 1-10 0,0-3-44 0,-2-3-27 15,0 1-34-15,-2-1-57 0,-1-1-104 0,0 4 203 0,1-3-179 16,-2 0-108-16</inkml:trace>
+  <inkml:trace contextRef="#ctx0" brushRef="#br0" timeOffset="34482.94">10426 12991 635 0,'-13'3'465'16,"5"-2"-222"-16,-4 2-148 0,11-2 124 0,0-1-122 16,-3-2-13-16,4 0-14 0,5 0-5 0,0-1 1 15,2 1-2-15,3-4-2 0,2 0-7 0,2-3-11 16,0 0-1-16,4-1-6 0,0-1-1 0,0 0-12 16,0-1-3-16,-1 3-5 0,-2-1-2 0,3 2-5 15,-4 3-3-15,0 2-2 0,-2-1-9 0,-1 4-36 16,-1 0-19-16,-4 1-20 0,1 2-26 0,-2 0-39 15,-5 10-150-15,-2-4 120 0,-1-2-6 16</inkml:trace>
+  <inkml:trace contextRef="#ctx0" brushRef="#br0" timeOffset="34670.58">10265 13245 1087 0,'-3'0'480'0,"2"-2"-297"0,1 1-114 0,1 0 31 0,4-4-19 0,5-1-16 16,1 1-7-16,0-1-11 0,6 0-10 0,0 0-7 16,2-2-7-16,4 1-8 0,0-1-4 0,-2 2-10 15,3-5-53-15,0 6-37 0,0-4-40 0,0 2-64 16,2 1 134-16,-1 0-110 0,0 1-45 0</inkml:trace>
+  <inkml:trace contextRef="#ctx0" brushRef="#br0" timeOffset="34937.53">10775 12936 842 0,'-8'-2'388'0,"-1"-2"-220"0,4 1-90 0,2 0 37 16,-6-2-12-16,7 3-6 0,1 0-5 0,-1 0-16 15,2 0-9-15,1 0-9 0,-2 2-13 0,1 2-14 16,1 1-4-16,-1-2-5 0,0 2-3 0,0 1-6 0,2 3-5 16,3 7-1-16,-5-5-1 0,1 2-5 15,3 6-1-15,-1 6-2 0,1 1-9 0,-3 7-10 16,1-1 6-16,-3-7-23 0,2 10-34 0,-1-1-13 16,-2-2-19-16,1 1-19 0,0-5-11 0,-1 1 4 15,2-1-12-15,-1-3 17 0,0-6-5 0,1 3-14 16,0-11 89-16,-1 1-39 0,0-2-18 0</inkml:trace>
+  <inkml:trace contextRef="#ctx0" brushRef="#br0" timeOffset="35305.76">10731 12991 672 0,'0'-12'362'0,"0"3"-174"0,2 0-100 0,-2 0 70 16,0 3-53-16,0-1-10 0,0 3-2 0,0 1-2 15,1 1-14-15,-1-1-4 0,1 2-7 0,4-1-4 16,-1 1-5-16,0-2-4 0,4 1-5 0,-2-1 0 16,6 0-7-16,1-2-3 0,2 0-1 0,-2 1-2 15,0 0-8-15,5 1-2 0,1 1 1 0,0-1-3 16,-3 1-7-16,1 2-4 0,-1 6-3 0,2 1-2 16,-4 10-2-16,0-4 2 0,-4 6-3 0,-1 7 3 15,-2 2-2-15,-4 5 1 0,-3 3 2 0,-7 4-1 16,1 1 2-16,-6 3-2 0,-5-2 1 0,0 0 2 15,-1 5 2-15,-10-13 1 0,6 5 1 0,-3-7 16 16,-1 1 5-16,-3-13 4 0,1 2 1 0,-1-10 2 16,1-2-3-16,2-9-3 0,-2-1-3 0,3-7-18 15,0-5-7-15,4-3-5 0,0-1-8 0,4-2-19 0,5 0-12 16,-3-5-50-16,1 0-33 0,5 4-43 0,3-1-69 16,-1 2 150-16,7 0-148 0,4 0-61 0</inkml:trace>
+  <inkml:trace contextRef="#ctx0" brushRef="#br0" timeOffset="37392.83">7964 12376 679 0,'-7'-13'260'0,"-2"2"-154"0,3 2-61 0,-4-2 36 16,4 4-10-16,0-1-5 0,2 4-7 0,-2 0 9 15,1-1-5-15,-1 2-1 0,1 3 1 0,0 0-2 16,1-1-3-16,1 1-1 0,1 0-2 0,-1 1-2 16,2 3-1-16,0-3-1 0,1 2-5 0,0-1-9 15,0 1-2-15,2 4-7 0,1-2-1 0,0 5-9 16,-1-4-3-16,1 6-3 0,2 0-3 0,-1 3-3 16,2 2-2-16,-1 8 1 0,2 0-2 0,-3-5-2 15,2 10-1-15,1 9 0 0,-1-2 0 0,-2 0 0 16,1 0 1-16,-2 1-1 0,0 4 0 0,-3 2 2 15,2 2-1-15,-4-11 1 0,2 8-1 0,-1 0 2 16,0-1-2-16,1-3 1 0,-2-1 0 0,1 1-1 16,0-1 0-16,2 1-1 0,-1-3 1 15,-1 2-1-15,1 0 0 0,-2 2 1 0,-1-2 0 16,3-1 1-16,-4 0-1 0,0 1 1 0,0 0 1 16,0-3-1-16,1 1 0 0,-2 2-2 0,2-2 0 15,0 2 0-15,0 2 0 0,0-1 0 0,1-6 0 0,0 1 0 0,-2 9-2 16,2 0 2-16,-1-8 0 0,-2 3 0 0,3-1 0 15,-2 4-3-15,-2 1 2 0,2 0 0 16,-2-11-1-16,0 4 0 0,1 3 1 0,-1-5 1 0,1-1-1 16,1-4 1-16,-1-1 0 0,2-2-1 15,3 1 1-15,0-12 0 0,-1 2-1 0,2-10-2 16,1 5 0-16,3-6-1 0,-2-1 1 0,5-5-1 16,-3-2 2-16,5 2 0 0,0-3 1 0,2 0 1 15,1-4-1-15,3 0 2 0,0 0 2 16,2 3 0-16,-1-3-1 0,-1 3 0 0,-3-3 0 0,4 2-1 15,-2 2 1-15,0 0-2 0,-1-1 1 0,-2 0-1 0,5 1 0 16,1 5 0-16,2 1 1 0,-4-4-1 0,5 2 1 16,-5 2-1-16,5-1 0 0,1 1 0 0,-1-1 0 15,1 0-1-15,1 2 0 0,5 3 0 0,3-2 0 16,-3 1 1-16,10-3-1 0,0 2 0 0,4 1 1 16,-1-2-1-16,8-1 0 0,-1 0 1 0,5-2-1 15,1 2 1-15,7-2-1 0,-6-2 0 0,-3 0 0 16,3-1 1-16,3 3-2 0,4-1 1 0,-10 1 1 15,-3 1 0-15,4 2-1 0,9 1 2 0,-4 3-1 16,2 1 0-16,-7-1 1 0,5 1 2 0,2 1-3 16,-5 1 0-16,3-1 1 0,0 1 2 15,-1-2 2-15,0-1-1 0,1 2 2 0,0-1-2 0,-1-2 1 16,-1 2 0-16,1 0 1 0,0-3-4 0,1 2 3 16,-3-3-4-16,0 0 0 0,-1-3 1 15,3 2 0-15,-3-3 0 0,2 0-2 0,-3-2 4 16,3 0-3-16,3 2 1 0,-4-2 0 0,-6-1 0 0,-6 3-1 0,7-2 2 15,2 2-2-15,-9 1 0 0,-3 0 1 0,0 0-2 16,6 3 2-16,-6 1-2 0,5 0 3 0,-15 1-1 16,5 2 2-16,-5-2-2 0,-3 1 1 15,-2 0 2-15,-5-3-1 0,1 3 1 0,-3-4-2 16,-2 3 2-16,-4-6 0 0,3 2 1 0,-5-2-2 16,0-1 1-16,-4-2 4 0,2-1-1 0,-5-4-1 15,2-1 2-15,-4 1 4 0,0-5 3 0,-1-1 2 16,-1-3 2-16,-2 0-2 0,0-2 2 0,0-6 1 15,-2 3-4-15,2 2-4 0,0-8-5 0,1-4 0 16,-2 1-2-16,1-1-4 0,3 1-1 0,0-1-1 0,0-9 1 16,1 0-2-16,0 1 1 0,3 0-2 0,-2-9-1 15,2 0 1-15,1-5 1 0,0-1 0 0,1-8 0 16,0 1 1-16,1-4-1 0,-1 1 2 0,1 1 0 16,1-2 2-16,-5 3-2 0,1 1 1 0,-1 5 0 15,-1-3 0-15,-4 4 0 0,2 1 0 0,-5 3 2 16,1 3-2-16,-3 0 0 0,1 3 0 0,-3 2-2 15,0 3 0-15,-3 2 0 0,1 2-2 0,0 5-2 16,0 5-1-16,-4-4-2 0,2 1-1 0,1 6 0 16,1 1 0-16,1 0 1 0,-2 0 1 15,-1 1 1-15,1-1 1 0,2 5 2 0,1-1-1 0,0 2 3 16,1 0 1-16,3 3 1 0,-1 0 4 0,1 0 3 16,2 3 1-16,0 0 1 0,3 4 3 15,-1-3 0-15,1 3-3 0,2 2 1 0,-2-2-5 16,5 1-3-16,-1 2-1 0,0-3-2 0,-4 2 1 0,0-2-1 15,2 3-1-15,-1-1 1 0,1 1 1 0,1 2 1 0,-4-3 2 16,0 1 1-16,1 4 0 0,-1-2 0 16,-1-1 1-16,-4-1 0 0,0 1 0 0,-2 0 0 15,0 1-3-15,1-1 1 0,-1 0-2 0,0 1 1 0,-3-2 0 16,0 1 0-16,-1 0-1 0,0-1-1 16,-2-1 2-16,-4 3-3 0,-1-5 0 0,-2 3-1 0,-3-1 0 15,-2 0-4-15,-2-2 2 0,-5 3-1 16,0-3-2-16,-2 3-1 0,-2-1 3 0,-3 2-3 15,2 1 1-15,-6 1 0 0,-1 1-2 0,-7-3 2 16,1 5-1-16,6-2 1 0,-5 4 0 0,-5-1 2 16,1 1 0-16,3-2 1 0,5 2 1 0,-2 1 1 0,-10-1-1 15,2-1 1-15,-2 1 2 0,10 0-1 0,-9-1 2 16,0 1-1-16,2-1-1 0,-2-2 0 0,2 1 1 16,1 2-1-16,-2-3-1 0,0 0 1 0,3 0-1 15,1-1-1-15,2 0 0 0,3-1 1 0,1-1-4 16,-2-2 1-16,4-2-3 0,2 3-2 0,0-3-5 15,3 3-1-15,3-4 0 0,-1 3-3 0,-1-2-2 16,3-2 0-16,-2 3-1 0,1-3-2 0,6 1 3 16,-2 3-3-16,-6 0-4 0,1-1 0 0,5 2 3 15,1 1 0-15,0 0 1 0,-9-3 5 0,4 2 1 16,-2 1 6-16,8 2 6 0,-7-2 3 0,1 0 4 16,0 2 4-16,2 1 5 0,0 3 4 0,1-2 5 15,-1 1 0-15,0-1 0 0,2 2 1 16,-1 1 1-16,3 1-3 0,-2-2-2 0,2 1-4 15,0-1-3-15,1 3-3 0,1 1 1 0,-2-1-6 16,1 1-1-16,-1-1 0 0,0 1-2 0,4 2 0 16,-3-2-1-16,6 2-3 0,-1-4-1 0,4 1 2 0,8 2-3 0,-3-1-12 15,4-3-27-15,2 2-40 0,4-2-55 0,3-5-160 16,3 1 228-16,11-12-144 0,-4 4-80 0</inkml:trace>
+  <inkml:trace contextRef="#ctx0" brushRef="#br0" timeOffset="41963.05">16757 10439 778 0,'-12'3'403'0,"-1"2"-231"0,1-1-2 15,2-1-48-15,1 2-61 0,0-2 26 16,2-1-5-16,4 2-18 0,-1-2-5 0,4-2-7 16,-1 0-4-16,2 0-13 0,1-1-6 0,3 1-4 15,2 0-2-15,0 0-7 0,1 0-3 0,0 2-2 16,1 3-3-16,0-1-2 0,-3 10-4 0,-1 4 2 15,0-1-4-15,0 5 0 0,-3 5 0 0,0 4-2 0,-2 11-13 16,-5 7-4-16,1-4 0 0,-3 5-1 0,-4 6-1 16,0 0 2-16,-5 5 1 0,2-2 0 0,-1-1 14 15,1 1 4-15,1-3 0 0,1-5 0 0,2-2 1 16,1-1 0-16,1-5-1 0,2-2 2 0,1-9-2 16,1 2 0-16,4-12 0 0,-2 0-2 0,2-6-3 15,0 2 2-15,3-13-1 0,-1 1 3 0,3-4 1 16,0-3 1-16,1-3 3 0,0 0 4 0,0-2 5 15,1 2 1-15,2-4 4 0,0-1-1 0,-1 3-1 16,-1-1-1-16,3 3-1 0,0 1 2 0,4 1-2 16,-2-1 0-16,-3 6-1 0,4 4-2 0,1-1 0 15,-1 5 2-15,4-2-4 0,4 4-1 16,-2-1-3-16,7 0 0 0,0-2-4 0,6 1 0 16,1-2 1-16,4-2-2 0,7 0 0 0,7-6 0 0,-4 3 0 15,16-6 0-15,-4 1 0 0,6-4 0 16,2-1 0-16,9-2-1 0,-2 1 1 0,0-2-3 15,6 0 2-15,1-1-3 0,3 0 3 0,-8 3 1 0,6-2-3 0,7 1 0 16,0-2 1-16,-8 5 2 0,-1-1-1 0,3 3 2 16,10 1-1-16,-10 2 0 0,6-2 1 0,-14 4 0 15,9 4 1-15,-3-1-1 0,-4 3 1 0,-7 2-2 16,-11 4-1-16,8-1 1 0,-14 3 2 0,-3-1 1 16,-10-1-1-16,-1 2 0 0,-7 1 1 15,2-2 2-15,-6 1 0 0,1-1 1 0,-6 2-5 16,1-2 3-16,-3 2-1 0,-3-4 0 0,-3 1 1 15,0-4-1-15,-1 1-2 0,-1-2 1 0,-1-1 1 16,0-2-3-16,-2 0 2 0,1-2-2 0,0-4 0 16,1 3 0-16,-1-3 0 0,0-3 1 0,1 0 1 0,3-2 0 15,0-5 0-15,0 1 0 0,0 3 1 0,1-4 0 16,1-1-3-16,0 1 2 0,-2-4-2 0,-1 0 0 16,1-1 0-16,-2-4 2 0,2 1-1 0,-3-1 2 15,2-1 1-15,-3 2-3 0,0-1 1 0,-2-2 2 16,2 2-1-16,-11-4 0 0,2 0-2 0,-2-2 0 15,-2-2 0-15,-1-2 2 0,0-1-2 0,-5-1 2 16,4-2-2-16,-2-4-1 0,0 4 0 0,1 2 2 16,2-1-2-16,-2-4 1 0,0 1-1 0,3 3-1 15,2 1 1-15,0-1 0 0,4-4 1 0,0-3-3 16,-2 1 1-16,1 3 0 0,5-3 0 0,-3-2 1 16,2 0-1-16,4 3 0 0,-2 0 0 0,2 3 2 15,1 1-1-15,-1 1-2 0,-1 1 3 0,3 4-1 16,-6-1-1-16,2 2 0 0,-3-1 1 15,2 2-1-15,-1 1 0 0,-3 0 1 0,-2 5 0 16,0 0 1-16,-2 3 0 0,0 1 1 0,-1 4 0 0,-2 3-1 0,-4 1 3 16,2-1-1-16,-3 2-2 0,-2 3 0 0,3 1 2 15,-10 1 0-15,-4 3-3 0,2 0 1 0,-2 1-1 16,-5 3 2-16,5-1-1 0,-8 1 2 0,2-1-3 16,-1 0 1-16,1 0 1 0,0-1-1 0,0-3 2 15,-2 0-2-15,-2 0 0 0,1-1 0 16,1 0 0-16,-6-6 2 0,3 3-1 0,-6-1 0 15,1-1-1-15,-3-1 2 0,3-1 1 0,-5-1-2 16,-1 2 1-16,0 1-2 0,-1 0 1 0,-13-2 0 0,1 2 1 16,9 0-2-16,-9 1-2 0,-8 0 0 15,-2-1 1-15,0 0-3 0,8 0 2 0,-3 1 0 0,-7-1-2 16,-3 3 2-16,-1-1 2 0,14 1 1 0,-17-3 0 16,1 2 1-16,0-1-1 0,0 1 1 0,-1-2 1 15,2 3 0-15,-5-2-2 0,1 0 0 0,5 4 1 16,2-1 0-16,1 0 1 0,4 0 1 0,2 1 3 15,-1-3 1-15,9 3 1 0,-7 0-1 0,6-1-1 16,0 1 1-16,3 0 0 0,0 0-3 0,4 0-4 16,2 0 0-16,2 0 0 0,3 0 0 0,8 0 0 15,3 0-2-15,-5 0-1 0,3 0 1 0,4-1 0 16,3 1 0-16,1 0 0 0,-2 0-1 0,4-1 0 16,-1 0-1-16,9-1 0 0,0 2-7 0,-1-1-12 15,6-2-16-15,4 2-18 0,4-1-76 0,1 1-59 16,4-1 135-16,4 2-104 0,3-1-75 15</inkml:trace>
+  <inkml:trace contextRef="#ctx0" brushRef="#br0" timeOffset="42582.71">17185 10830 613 0,'10'1'371'15,"1"-2"-151"-15,-4-1-115 0,0-1 87 0,1-4-62 0,1 3 3 16,-3-1-16-16,0 0-23 0,-4 0-8 0,-1 2-7 0,1-1 2 16,0 3-24-16,1-2 12 0,-5 0-19 15,0 2-2-15,0 0-8 0,-1 0-6 0,1 0-5 16,-7-2-11-16,0 1-1 0,-2 2-4 0,-2-1-2 15,-2 1-4-15,1-1 0 0,-3 2-2 0,0 0 1 16,0 5-5-16,0-3-1 0,1 9-2 0,0 0-1 16,-3 4-2-16,1 3-1 0,3 7 0 0,-1-2-2 15,3 6 1-15,0 1-1 0,5 3 0 0,1-3-1 16,2 0 3-16,5-5-2 0,5 1-1 0,0 0 0 16,3-5 2-16,3-7 1 0,2-5 2 0,7-2-1 15,6-9-7-15,0 1-14 0,0-6-18 0,5-8-86 16,2 1-79-16,2-4 157 0,1-1-117 0,-3 0-96 15</inkml:trace>
+  <inkml:trace contextRef="#ctx0" brushRef="#br0" timeOffset="43128.5">17576 10709 533 0,'-3'6'456'0,"-5"-1"-149"16,0 2-159-16,-1 0 120 0,2 2-77 0,-2 1-58 15,0 2-17-15,1 1-13 0,0 1-14 0,1-2-31 0,1 3-9 16,1 3-7-16,-1-4-9 0,2 1-15 0,1-1-5 15,-1 2-5-15,3 1-4 0,1-1-2 0,-2 2 0 16,2-4-5-16,2 4-20 0,1-1-15 0,-1-3-20 16,0 3-23-16,0 1-71 0,0 0-52 0,1 1-100 15,-2-2 199-15,0 2-174 0,0 0-73 16</inkml:trace>
+  <inkml:trace contextRef="#ctx0" brushRef="#br0" timeOffset="43402.64">17718 10965 1000 0,'-9'12'471'15,"2"0"-259"-15,1 0-118 0,-3-3 58 0,5 0-41 16,1-3-10-16,3 3-8 0,-3-2-11 15,0 1-28-15,3-1-10 0,2 1-10 0,-2 1-11 0,1-3-16 16,1 1-2-16,-4 0-2 0,5 3-16 16,-2-1-17-16,-1 0-20 0,1-2-26 0,3 3-99 15,0-1-96-15,1 1 193 0,4-4-147 0,-2-5-100 16</inkml:trace>
+  <inkml:trace contextRef="#ctx0" brushRef="#br0" timeOffset="43770.32">18003 10946 736 0,'3'-5'449'16,"2"-1"-190"-16,-2 3-141 0,0-2 68 0,-1 2-46 15,2 0-25-15,0-2-25 0,-1 4-5 0,2-4-9 16,-3 1-11-16,1 1-19 0,-2 0-4 0,3-1-3 16,-1 2-3-16,-2-3-15 0,1 5-2 0,-1 0-4 0,-1-1 2 15,1 2 0-15,-1-1-3 0,0 0-3 0,-2 1 1 16,0 0-1-16,-1 0-2 0,-3 2-1 0,0 3-1 16,-1-4-3-16,-1 5 1 0,2 0-3 0,-4 3-1 15,0 0 0-15,1 3-1 0,0 1 3 0,0 2-3 16,-1 0 0-16,0 5-2 0,2-3 3 0,1 4-1 15,-1 0 0-15,4-1-1 0,1 0-3 0,1-2 1 16,2 0-2-16,6-8 2 0,1 3-4 0,-1-5 4 16,5-7-3-16,6-3-1 0,-1 0-8 15,2-6-15-15,3-3-18 0,4-4-26 0,5-8-102 16,9-7-86-16,-3 2 188 0,-3 0-142 0,5-6-104 16</inkml:trace>
+  <inkml:trace contextRef="#ctx0" brushRef="#br0" timeOffset="44013.14">18317 10717 1295 0,'-6'-2'566'0,"-1"-2"-399"15,0 2-115-15,5-6 3 0,2 2 1 16,2-1 6-16,-1 2 24 0,1 1 3 0,-1 0 3 16,4 4-16-16,-3 4-4 0,2 0-10 0,-2 5-10 15,-1 6-11-15,2 8-21 0,0-1-6 0,-1 9-5 16,1 3-2-16,-2 1-5 0,1 3-1 0,-2-1-4 15,0 0-4-15,2-6-23 0,-2 5-14 0,2-13-16 16,1 2-16-16,0-6-46 0,2-5-19 0,2-4-28 16,-1-1-33-16,1-7 125 0,0-3-81 0,3-6-11 15</inkml:trace>
+  <inkml:trace contextRef="#ctx0" brushRef="#br0" timeOffset="44269.05">18534 10621 553 0,'7'-10'365'0,"0"4"-128"0,0-2-117 0,2 2 86 16,-1 1-11-16,0 0-22 0,4 1-13 0,-2-1-24 15,2 3-10-15,0 0-9 0,-5 1-12 0,2 1-34 16,-3 1-12-16,-4 2-9 0,1 2-7 0,-3 0-18 16,-4 3-6-16,0 4-3 0,-3 5-1 0,-9 3-4 15,3-1 1-15,-4 2-4 0,-6 6-2 0,3 1 0 16,-9 1-1-16,1 3 0 0,1-2-2 0,0 2 1 15,2-1-2-15,3-1-1 0,4-3-1 16,-2 1 0-16,10-7-2 0,-1-3-2 0,6-1 0 16,-2 0-1-16,9-11 0 0,1 1-2 0,5-4 3 0,5-3 0 15,4-5-8-15,3 0-16 0,4-4-102 16,4-5-79-16,0 3 163 0,3-4-118 0,-4 3-70 0</inkml:trace>
+  <inkml:trace contextRef="#ctx0" brushRef="#br0" timeOffset="45246.82">18789 10941 981 0,'-7'-2'436'15,"5"0"-261"-15,-1 0-101 0,3-1 40 0,0 3-13 16,1-3-2-16,0 3-4 0,1 0-16 0,-1-1-8 16,1 8-10-16,0 1-10 0,-2 2-23 0,2 5-6 15,-2 5-8-15,1-2-4 0,-2 6-6 0,-2 0-3 16,3-2 0-16,-2 2 1 0,1-3-2 0,-2-4-2 0,-1-1-8 15,0 1-2-15,4-5-1 0,-1-4-1 0,0-2-2 16,1-2 1-16,3-8 0 0,-1 3 3 0,5-10 7 16,2-4 1-16,-2-2 4 0,3-7 1 0,-1-4 1 15,3-2 1-15,0-2 0 0,1-3 2 0,0 3 1 16,-1 3 2-16,1-2-1 0,0 1-1 0,1 0 1 16,-1 4 1-16,0 2 1 0,-3 2-1 0,3 3-1 15,-3 2 6-15,1 8-1 0,-3 7 3 0,2 2-2 16,-1 7-1-16,4 28 10 15,-11-16-11-15,1 2-7 0,-3 8-2 0,3 2 1 16,-2 0-2-16,-1-4 1 0,0-1-2 0,0 1 2 0,1-1-2 16,1-7 0-16,0 3 2 0,-1-8-1 0,0-6 2 15,6 3-1-15,-3-9 0 0,0-4 0 0,1-6 2 16,1 2-1-16,1-10 2 0,2-1-4 0,1-4 2 16,-4 1 0-16,3-8-3 0,-1 3 3 0,0-2-2 15,0 0 2-15,-5-1-3 0,5 1 1 0,-2 0-1 16,1 3-1-16,-1 3 2 0,-1 0-3 0,1 7 0 15,0 2-2-15,2 8 0 0,-3 3 1 0,-2 1 2 16,-1 11-4-16,-1 7-1 0,0 0 4 0,0 3 0 16,-2 5 1-16,1 3 0 0,0 2 0 0,0 5-1 15,0-1 2-15,2-3 0 0,-2 0 0 0,2-1 1 16,0-3-1-16,-2-6 1 0,4-4-1 0,-1 1 1 16,2-8 1-16,0-3 3 0,2-4 3 0,2 0 2 15,1-9 1-15,-1 4 0 0,3-8 4 0,-1 3 0 16,3-8-3-16,-1 2 0 0,1-2-1 0,3 0-3 15,-2 0-1-15,3-1 2 0,-4 3-3 0,2 1-1 0,0-1 4 16,2 1-1-16,-4 1-1 0,0 3 0 0,0-2-1 16,-1-1 2-16,-1 2 1 0,1-1 1 0,-5 1 0 15,-3-4 4-15,4 2 1 0,-5-2 3 0,2 0 3 16,-1 1 1-16,-5-3 1 0,2 2 2 0,-3 1-2 16,-1 6 0-16,-5-5-3 0,-5 4-3 0,-3 6-1 15,-3 7-4-15,0-3 1 0,-3 17-5 0,3-2-1 16,-3 5-3-16,1 4-1 0,10 10-3 0,-1-3 0 15,9 1-3-15,4 3-4 0,13-5-1 0,2-1-5 16,0-4-10-16,26-17-25 0,14-9-257 0,-2 4 257 16,1-12-145-16,16-12-97 0</inkml:trace>
+  <inkml:trace contextRef="#ctx0" brushRef="#br0" timeOffset="47107.07">5841 6512 89 0,'-4'0'147'0,"2"1"2"0,1-1-57 15,2-1 26-15,3-1 6 0,5 1 0 0,1-3-23 16,2 2-17-16,7-4-14 0,-3-1-7 0,6 0-12 15,-2 1-3-15,5-2-6 0,1 0-5 16,2 3-10-16,3 0-3 0,5 3-4 0,-4-1-1 0,1 1-9 16,3 2-4-16,-3-2-1 0,2 2 1 0,-7 0-2 15,-4-2-1-15,6 2 1 0,-1 0-3 0,-3 0-1 16,-1 0 0-16,1 0-2 0,4 0 1 16,3 3-4-16,-1-2 3 0,-4 1 0 0,9-2-3 0,-2 1 3 15,3-1-1-15,2 0 1 0,2-1 2 0,-4-2 5 16,5-3-1-16,0 2 1 0,0 0 2 15,0 0 1-15,4 2-2 0,-5-2 0 0,2 3 1 16,1 0-4-16,-2 2 0 0,-1-2-2 0,-2 2 0 16,-3-1-1-16,-2 4-1 0,4-4 0 0,-3 2-3 15,1 0-1-15,-2 2 0 0,-1 1 4 0,-2-2-1 0,-2 2 0 0,4-3 2 16,0 2 0-16,-7 0-1 0,0-3 1 16,0 0 0-16,6-1-1 0,-1 0 0 0,0-1 1 15,-2 1 0-15,6 0 0 0,-3-1 0 0,4 1 0 16,-1 0 0-16,-1-2-1 0,1 2 1 0,-1-2 1 15,-5 0 0-15,-3 0-1 0,4 1 1 0,-5 1-1 16,1-1 0-16,-4 2 0 0,1-1 0 0,-1 5 0 16,0-1-2-16,-1 2 1 0,0 1 0 0,-2 4-2 15,2-2 1-15,-3 2-1 0,1 1-1 0,-2-2 0 16,-1 1-1-16,-1 0 0 0,-2-2 2 0,8 2 1 16,-4 0 1-16,-1-4 1 0,3 3-1 0,0-3 1 0,4 1 2 15,2-4 1-15,0 3 3 0,-3-3 3 0,5-1 8 16,0 1 3-16,3 0 2 0,5-2 1 0,-4 4 4 15,3-1 1-15,1 1-1 0,-2-2-2 0,-3 2-4 16,3-2-1-16,-10 2-2 0,1 1 1 0,-1 0-4 16,-2-2-1-16,-4 2-3 0,-1 0 0 0,1-2-4 15,-1 1 0-15,-4 0 0 0,0 0-2 0,-2-4 2 16,-3-1-3-16,1 2 4 0,-2 3 0 0,-1-1 0 16,-2 0 1-16,0-3-1 0,0 2 4 15,-1 1-2-15,1 2 3 0,-4-5-4 0,1 0 2 0,0 0-3 16,-1 0 0-16,0 2-1 0,-1-3-6 0,1 1-21 15,0 1-35-15,0 3-68 0,0 0 97 16,-2-2-58-16,-1 2-35 0</inkml:trace>
+  <inkml:trace contextRef="#ctx0" brushRef="#br0" timeOffset="48658.77">17449 11412 55 0,'-1'3'86'0,"-1"-2"-12"0,2 0-45 15,-1 0 20-15,1-1-11 0,0-2-8 0,1-2-19 16,0 2-8-16,1-1-12 0,2 0-20 0,-2-1 24 16,1 1-14-16,0-3-6 0</inkml:trace>
+  <inkml:trace contextRef="#ctx0" brushRef="#br0" timeOffset="51128.12">17468 11380 157 0,'-3'1'217'0,"-1"-1"-26"0,1 0-97 0,1 0 62 16,-1 3-20-16,-1-3-11 0,2 0-12 0,1 0-30 15,-1-3-9-15,1 2-7 0,1-1-5 0,0-1-18 16,1 0-5-16,2-2-7 0,-1 3 1 0,0-5-10 16,2 3-1-16,-1 1-3 0,0-2-1 0,1 1 0 15,-2-1 2-15,1 2 1 0,-2-1 0 0,2 3 6 16,-2 1-2-16,-1 0 3 0,1-2 0 0,-1 2-5 0,-1 0-3 0,-2 2 3 15,2 0-5-15,0 1-7 0,0 1-2 16,-1-1 0-16,1 2-1 0,0-1 0 0,0 1-2 16,1 1-1-16,-1-1 0 0,1-1-1 0,0 3-1 15,-2 0 1-15,2 0-3 0,-1 3 0 0,1-1 2 16,0 0-2-16,0 1 0 0,0-1 2 0,0 4-2 16,0-2 0-16,0 1 1 0,-1 0 0 0,0 4-2 15,1-3 2-15,-1 2 0 0,0 1 0 0,-1-3-1 16,1 4 0-16,-1-2-1 0,1 0 1 0,0-2-1 15,0 3 1-15,1-5-1 0,-1 0 0 0,-1 1 1 16,2-1 0-16,0-1-2 0,-1 0 1 0,1 0 0 0,-1-2 0 16,1 2-1-16,-1 1 1 0,1-2-1 0,0 0 2 15,0 0 1-15,0 0-2 0,0 2 1 0,0 2-1 16,0-4 0-16,0 3 1 0,1-1-1 0,-1-3 0 16,0 5 0-16,0-4 0 0,0 0 0 0,0 0 1 15,-1-2 0-15,1 2-1 0,-2-1 2 0,1 1-2 16,0-2 1-16,1 1 0 0,0 0 1 0,-1-1-2 15,1-3 0-15,-2 3 2 0,2-3-3 0,0 0 1 16,0 3 0-16,-1-3 0 0,1 2 0 0,0-2 0 16,-1 1 0-16,1 0-2 0,0 3 2 0,0-1-2 15,-1-1 2-15,1 2-3 0,0 2-1 16,0 0 3-16,-1 1-1 0,-1-1 1 0,1-1-2 0,0 4 3 16,0-3 0-16,-1-2 0 0,1 2 2 0,0 0-2 15,-3-1-1-15,2 2 1 0,0-2 0 16,-1-1 0-16,2 4-1 0,-1-2 0 0,0-3 1 15,2 3-1-15,-1-1 0 0,0-1 0 0,1 0 1 0,0-3-2 0,0 1 2 16,0 2-1-16,0-2 0 0,2 2 1 0,0-1 0 16,1 2-1-16,-2-1 0 0,1 1 2 0,0 2 0 15,-2-1 0-15,0-1 0 0,0 0 0 16,0 4 0-16,0-1-1 0,0 1 0 0,0-1 0 16,0 2 0-16,-1 0 0 0,1 0 0 0,-1 0 0 15,0 1 0-15,0-1 2 0,1 3-1 0,-2-3-1 16,0-1 0-16,2 0 1 0,0 1 1 0,0-6-3 15,-1 4 0-15,1-2 1 0,0-3-1 0,0 1 3 16,0-2-1-16,0 1-1 0,0 0-1 0,0 0 2 16,1 1-1-16,-1-2-1 0,2 0 2 0,-2 1-1 0,0 0 0 15,1 1 0-15,1 0 3 0,-2-3-2 0,0 3 3 16,-1 0-1-16,-1-2 0 0,2 2-1 0,-3 1 1 16,2-1-1-16,0 1 1 0,-2-4-1 0,3 2-1 15,-1 0 3-15,-1-1-3 0,-3 1 0 0,4-3 2 16,-1 1-1-16,0-1-3 0,1 0 1 0,-2 1 1 15,2-2 0-15,1 0-1 0,1 2 2 0,-1-3-2 16,0 1 0-16,3 3 1 0,-3-3 0 0,2 0 1 16,-2 1-3-16,-1 0 0 0,1 0 1 0,-1 0 0 15,-1-2 1-15,1 0-1 0,0 2-1 0,0-1-2 16,0 1 3-16,2-2 2 0,-1 2-3 0,0-2 0 16,0 1 0-16,1-1 1 0,0-1 1 0,2 3 1 15,-2-3-2-15,-1 0 1 0,0-1 0 0,0 1 3 16,0-1-3-16,-1 0 1 0,-1 1 3 0,0-1 0 15,1 2 1-15,0-2 2 0,0 0-1 0,1 0 0 16,0 0 1-16,-1 0 0 0,0 0-2 16,0-1 1-16,0 0-2 0,1 1-2 0,-2 0 2 0,2 0-2 0,-3-1 1 15,0 0 0-15,3 0-3 0,-3 0 1 0,1 0 1 16,-2 1 1-16,-2-3-3 0,1 1 1 0,3 2 1 16,-4-2-2-16,0 2 1 0,-2-2 0 0,1 1 1 15,3-2-1-15,-2 3 3 0,-1 0-1 0,-1-1 0 16,2 1 2-16,2 0 2 0,1 0-4 15,-3-1 1-15,2 1 1 0,0 0-1 0,1 0-1 16,-2 0-1-16,-1-2-1 0,-2 2 0 0,0-2 0 16,4 2 1-16,-6 0-3 0,4-1 0 0,-4 1-1 15,2 0 0-15,4 0 0 0,-5 1 0 0,0 3-1 16,-1-2 1-16,0 1 1 0,1 0-1 0,0 0 1 0,-3 1 0 16,3 0-1-16,-2-1 1 0,3 0 1 0,-2-2-1 15,1 2-2-15,1-2-1 0,2-1 1 0,-1-2 0 16,2-3 0-16,-4-6-4 0,4 4 4 15,1-1 2-15,-2-1 0 0,0 0 0 0,-1 3 2 16,1-2 0-16,-5 6 0 0,0-1 1 0,-2 0 1 16,-1 3-2-16,0 0-1 0,-2 1 2 0,-2 2-1 15,-1-1 0-15,-3 0 0 0,-1 0-1 0,3-1-1 16,-6 3 1-16,-1-2-1 0,-1 1 1 0,3-1 0 16,1 1-1-16,-3-2 0 0,0 2 0 0,1-2 1 15,-1 1 0-15,7-2 0 0,-4-1 0 0,-1-1 0 16,3-1 0-16,-1-1 1 0,2-1 1 0,-4 0-1 15,1 0 0-15,-5 2-1 0,-1 0-1 16,1 0 2-16,-5 1 0 0,5 1-2 0,-4 1 0 0,2 2 1 16,4 1-1-16,-2-2 1 0,4 1 0 0,2 1-1 15,-1 0 0-15,2-1 1 0,-1 1-2 16,0-3 1-16,-2 0 0 0,3 1 0 0,1-1 0 0,1 2 1 0,-4-1-1 16,-3 0 1-16,5 0-1 0,-2 1 1 0,4 2-1 15,-7-2-1-15,2 1 0 0,-1-1 0 0,7 1-1 16,-1 0 2-16,-2-1 1 0,3 1-1 0,0 0 0 15,1-1 0-15,1-1 1 0,-1-1-1 16,1 2 0-16,0-2 0 0,1 1 0 0,-2-1 0 16,-4 1 0-16,0-1 0 0,2 1 0 0,-5 1 2 15,1-2 0-15,-1 0-2 0,0 0 0 0,-1 2 1 16,4-2 0-16,-1 2 0 0,1-1-1 0,0 1 0 16,0 0 0-16,4 1 0 0,0-2 0 0,-3-1 0 15,-1 1 0-15,3-1 0 0,1-1 1 0,1 0-1 0,-5-2 0 16,-2 2 0-16,1 0 1 0,-2 0-1 0,-4 0 1 15,3 1 0-15,-5 1-2 0,3 0 1 0,-1 1 0 16,-1 0-1-16,5 0 1 0,1 1 0 0,0-1 0 16,1 0 0-16,2-2 0 0,0 0 0 0,1 3 1 15,1-2 1-15,2 1-2 0,-4-2 1 0,-1 0-1 16,-1 2 1-16,-2-1-1 0,1 1 1 0,3-2-1 16,-3 0 0-16,-1-2 0 0,0 2-1 0,6 0 1 15,1-1 0-15,0 1 0 0,0-3-2 0,2 1 2 16,-2-1-1-16,6 2 0 0,-3-2-1 0,1 0 1 15,-1-1 0-15,1 1 1 0,-2 1 0 0,2 0 0 16,0-2 0-16,-2 2 0 0,1 0 1 0,-3-1 1 16,3 0-1-16,-5 1-1 0,5-2 1 0,-5 2-1 15,0-3 0-15,0 2 0 0,0 1 0 0,0 0 0 16,2 0-1-16,1 0 1 0,-4-1 0 0,4 1-1 16,0 2 1-16,-1 0 1 0,3-1 0 0,1 1-2 0,-4-3 1 15,0 3 0-15,4 2-1 0,0-2 1 0,-1 0 0 16,-1 1 0-16,1 2 0 0,0-1 0 0,2 1 0 15,0 2 0-15,-4-1 0 0,3 1 0 0,-7-1-1 16,2 0-1-16,-2 0 1 0,-3 0 1 0,1 2 0 16,-4-2-1-16,2 1 1 0,2-2 0 0,1 1 0 15,0 1 1-15,0 0 0 0,2 1-1 0,1-2 0 16,-1 2 0-16,0-1 1 0,2 0-1 16,-2-1-1-16,0 0 1 0,0 0-1 0,-2 0 2 0,-1 2-1 15,4-3 1-15,-6 1-1 0,-1 3 0 16,1-2 1-16,1 1 0 0,2-1 0 0,0-1-1 0,-5 1 0 15,4-1-1-15,1-1 2 0,4-2-1 0,-3 1 1 16,0 0 0-16,2 1-1 0,0-3 0 0,1 2 1 16,1-2-1-16,-1 1 1 0,-1 2-1 0,4-3-2 15,-2 1 2-15,2 2-1 0,1-1 1 0,-2-2-1 16,2 2 1-16,-3-3-1 0,2 1 1 0,-2-1 1 16,0 0-1-16,1 0 2 0,-1-1-3 0,0-1 1 15,3 3 1-15,-1-2 0 0,1 0-1 0,3 0 0 16,-1-3-2-16,0 1 1 0,-1-1 2 0,1 1-1 15,3 1 0-15,-2-1-1 0,-2 0 1 0,1 3 0 16,1-1 2-16,1-2-2 0,0 1 0 0,-1 1 1 16,3 0-1-16,0 2 0 0,-1-3 2 0,0 0-1 15,0 3 0-15,3-2 2 0,-2 2-3 0,0 0 1 16,0 1 0-16,-2 0 1 0,1-1-2 0,1 0 1 16,0 0-1-16,-2 0 2 0,-1 0 1 15,0-2-2-15,3 0 1 0,-3-2-1 0,2 3-1 0,-4-1 0 0,-5 0 0 16,1 0 0-16,4 0-1 0,-5 1 1 0,-2-1 0 15,1 2 0-15,0 0 0 0,-2 0 0 0,7 1 1 16,-4 0 0-16,3 2 0 0,3-1-1 0,-4 0 0 16,3-1 0-16,-1 3 3 0,0 0-2 0,3-3 1 15,0 3 0-15,-3-1-2 0,6 0 2 0,1-1-2 16,-1 1 0-16,1-2 1 0,4 2-2 0,-3 0-1 16,2-2 1-16,1 1 1 0,-1-2-1 15,2 1 1-15,-1-1-1 0,1 0 0 0,-1 0 1 0,-1 0 3 16,3-1-3-16,-2-2-1 0,0 4 0 15,1-1 1-15,1 0 0 0,0 0 1 0,0-1-1 0,1 1-2 16,-3 2 2-16,1 0 0 0,-2-2 0 0,0 3 1 16,0-2 1-16,-1 3-2 0,4 0 1 0,-5-1 1 15,4 0-1-15,2 0 1 0,-1 0-1 0,-1 0-1 16,2-2 0-16,-2 0 0 0,0-1 0 0,5 1 0 16,-3-1 0-16,0 0-2 0,-5 1 2 0,6-1-1 15,-1 0 1-15,0-1 1 0,0 1-1 0,-3-1 1 16,3 1-1-16,-1-1 2 0,1 1-2 0,-2-1 0 0,2 1-2 15,-6 0-14-15,4 0-12 0,1-1-15 16,0 1-20-16,1 0-32 0,2-1 65 0,6 0-51 16,-5-1-16-16</inkml:trace>
+  <inkml:trace contextRef="#ctx0" brushRef="#br0" timeOffset="51910.02">12067 12693 854 0,'-6'10'417'15,"-6"-2"-225"-15,3-6-111 0,-2 3 60 0,3-2-56 16,3 1-13-16,-1-3 1 0,2 2-9 0,-1-3-20 16,1 0-9-16,2 4-6 0,-2-4-2 0,1-2-11 0,2 2-2 15,0 3 0-15,-4 0-1 0,4 1-3 0,0 0 1 16,-1-3-1-16,-1 7 10 0,-4 1 2 0,3-1 2 16,-2 1 0-16,1-2 5 0,-4 2-1 0,3 1 2 15,0 0 0-15,-2-1-6 0,3 0-5 16,-2-1 0-16,-1 1-4 0,1 0-3 0,0 0-1 15,0-1-4-15,0 1 1 0,0 0-3 0,-1-1 1 16,1 0-4-16,0 0 0 0,-1 1-1 0,0 0 0 16,1-2 0-16,0 3-1 0,1-4 1 0,2 1-1 0,-3-1 0 15,-2-2 0-15,6 0 0 0,-1-1 0 0,2 1 0 16,-4-2 1-16,3 0-1 0,-1 1 1 0,3-1 0 16,-1 2 2-16,-3-3-2 0,-1 0 0 0,2 0 2 15,-2 0-3-15,0 2 2 0,-2-2-1 0,4 1 1 16,-4-1-2-16,3 1 1 0,-2 2-1 0,1 0 0 15,1-2 0-15,0 0-1 0,4 1-1 0,-5-1 0 16,5-1-1-16,-2 1-1 0,0-2-2 0,2 1-1 16,3 1 1-16,-2-2-1 0,7 0 0 0,-1 1 1 15,0 1 1-15,2-4 2 0,3 4 1 0,0-2 2 16,0 0 0-16,-4 0 1 0,3 0 1 0,0 0 3 16,7 4-1-16,-3 0 1 0,2 1 0 0,-1 2 0 15,3 1 1-15,-1 3 0 0,0-2 1 0,1 2-1 16,-4-1 0-16,0 0-2 0,-1 0 2 0,2 1 1 15,-2-2 0-15,0 3 0 0,-3 0 1 0,1-1 2 16,-1 0 1-16,-4-2 1 0,0 3-2 0,-1-4 0 16,0 2 0-16,-2-3-2 0,1 0 0 0,-2-3-4 15,0 2-1-15,1-2-3 0,0-3 2 0,-1 2-2 0,1-1 1 16,2-2-25-16,-1 0-31 0,-1-1-42 0,2-2-67 16,-3 0 122-16,0 2-109 0,-2-1-71 0</inkml:trace>
+  <inkml:trace contextRef="#ctx0" brushRef="#br0" timeOffset="57750.06">5288 8911 613 0,'-5'0'300'15,"-2"-1"-143"-15,0 1-79 0,1 2 34 0,-2-2-19 16,1 0-4-16,-2 1-2 0,1-1-13 0,-1-2-26 15,3 0-6-15,4 0-9 0,-1-1-1 0,0-1-9 16,2 1 1-16,0-2-4 0,1 3 1 0,0 0 1 16,-1-3-1-16,0 0 1 0,-3 0-2 0,1 2-2 15,-1 1-2-15,-3-1-1 0,3 2-2 0,-1-2-4 0,-5 3-3 16,0 4 0-16,2-2 0 0,-3-1-3 16,2 4-1-16,-1 2 1 0,-4-1 0 0,2-1-3 0,-1 3 3 15,3-4-1-15,-5 3-2 0,1-3 3 0,0 1-1 16,0-4 0-16,-1-1 0 0,-2 2 2 0,0-2-2 15,-2-4-1-15,-1 1 3 0,1 0-3 0,-2 3 0 16,-5-2 2-16,2 1-3 0,2-3 0 0,-4 4 0 16,0 3 2-16,1 0-3 0,-1 0 1 15,0 4 0-15,4 1-3 0,-1-2 2 0,-1 5 1 16,3-3-1-16,2 1-2 0,2-2 3 0,4-1-2 0,-4 1 1 16,3-3-1-16,2 0 2 0,3 1 0 0,0-3 0 0,-2-2 1 15,2-1-1-15,-1 1 3 0,5-6-1 0,-3 2 0 16,-3-4 1-16,4-1-2 0,-2 0 2 0,3 1-1 15,-4-2-2-15,1 2 1 0,-4 0-1 16,-1 4 2-16,4-1-2 0,-8 5 0 0,3 0-1 0,-4 2-1 16,-1 0 2-16,4 6 0 0,-2-2-1 15,0 0-1-15,3 4 1 0,-1-4 1 0,0 4-1 16,3-3 1-16,-1-2 0 0,4-1 1 0,-1 0-1 0,2-1 2 16,2-1-1-16,1 0 3 0,-1-2-2 15,1-2-2-15,1 0 4 0,-1 2-2 0,1-3 1 16,0 2 0-16,0 0 0 0,-1-2-2 0,1 0 2 15,-2 2 1-15,1-1-2 0,0-2 1 0,-2 4-2 16,-1-5 2-16,0 4-1 0,2-1 2 0,-2 1 3 16,0-1 3-16,-3 1 0 0,0 1 2 0,-1 0 3 15,3 0 0-15,-3 0 1 0,-1 0-2 0,-2 0-2 16,4 1-2-16,0-1 0 0,-1-1-3 0,4-1 0 0,-4 1-4 16,-1-1-1-16,2 1 1 0,3-2-2 0,-2 2 2 15,1-4-3-15,-1 4 2 0,4-1-1 0,-2 0 2 16,2 1-2-16,0 0 1 0,-3-2-1 0,1 3-1 15,-1-1 0-15,1 1 0 0,-1 0 1 16,0 0 0-16,0-1 0 0,-1 1-1 0,0 2 2 0,1 3 0 16,-2-2 0-16,-1 3-1 0,0-3 0 15,1 2-1-15,-2 2 1 0,-1 1-1 0,1-4 1 0,-1 2-1 16,0 0 1-16,-1 0-2 0,-1-1 1 16,0-3 2-16,1 2 0 0,1-2-2 0,0-1 1 0,-8-1 0 15,3 0-1-15,3 0 2 0,-5-1-2 0,4 1 1 0,-6 0-1 16,5 1 0-16,-2-1 0 0,6 8 0 0,-1-1 0 15,-2 0-2-15,4 5 1 0,0-1-2 0,0 4 1 16,1-1 1-16,0-2-1 0,2 1 1 0,1 1-2 16,0-1-1-16,1-1 3 0,3 3-1 0,-1-5-2 15,1 3 1-15,2-5-1 0,-2 2 1 0,4-2 1 16,-1 0-1-16,-3-4-3 0,5-1 1 16,-1 2-2-16,2-2 0 0,0 5 1 0,0-4-2 15,0 0 2-15,2 3-2 0,3 3 1 0,-4 0 1 16,0 0 3-16,1 0 1 0,0-1 0 0,2 5 0 15,1 0 0-15,-1 1 2 0,-1-3 0 0,1 1 0 16,2 2 0-16,-3 1-1 0,1 0-1 0,1 0 2 16,-1 0-2-16,1 1 1 0,-1 1-1 0,2-4 2 15,0 2-2-15,1-6-1 0,-1 4-1 0,2-3-2 16,-1-2 2-16,4-3-2 0,-1-3 2 0,2 2 1 16,2-3 3-16,3-1 0 0,0-1 1 0,5-1 3 15,2 0 1-15,2 0-1 0,3-3 1 0,-4 1-3 0,-1 1-1 16,5 0 0-16,-1-3 2 0,-4 1-3 0,-5 1 0 15,1-2 1-15,1 3 0 0,0 0 2 0,1-2-2 16,-5 3-1-16,3 1 0 0,0 0 2 0,-2 3-1 16,1 1 1-16,0-1-2 0,-2-1-1 0,2 2 1 15,1-1 1-15,-1 1-1 0,1 1 2 0,-2-2-2 16,3-1 1-16,-1 3-1 0,0-1 1 16,-3 1-1-16,1-3 0 0,2-1 0 0,-3 1 0 0,-1-2 1 15,0 1-1-15,-1-1 2 0,2-3-1 0,-1 0 0 16,0-2-1-16,-4 2 2 0,1 0-1 0,2-3-1 15,2-1 3-15,-4 2-2 0,1-2 0 0,1 2 0 0,2 2 0 16,3-1-1-16,-1-1 1 0,1 4 0 0,2 1-1 16,-2-1 0-16,3 1 1 0,4 2 0 0,-1-2-1 15,-2 2 1-15,1-1-1 0,-5 0 1 0,0-2-1 16,3 1 1-16,-6 0-2 0,-1-2 1 16,2 1 2-16,-3-1-2 0,4-2 0 0,-1 2 0 0,1 2 0 15,-3-3 0-15,2 0 1 0,-1 1-1 16,-2 1 0-16,1-1-1 0,2 1 0 0,1-2 1 15,-3 3 0-15,2-2 0 0,2 2-2 0,4 3 1 16,0 0 1-16,0 1 0 0,-4-1 1 0,2 3-1 16,1 0 0-16,-2-1 0 0,1 0 1 0,-2-2 0 15,0 4-1-15,2-1 0 0,-2 3 0 0,3-6 1 16,-1 3 0-16,0-1 1 0,0 1-2 0,1-3 2 16,2 0 0-16,-2 0 0 0,4-1-2 0,-6 1 2 15,4-2 0-15,-3 5 0 0,-3-4 0 0,-1 2 0 16,-2 1 1-16,1 0 0 0,-6-1 0 0,2 0-1 0,-4-1 0 15,2 1 0-15,2 2-1 0,0-1 1 0,-2-1 0 16,-1-1-1-16,3 4 1 0,-1-1-2 0,2 0 2 16,-3-1 1-16,1-1-1 0,-2 0-1 0,1 2-1 15,-1-3 0-15,1-1 2 0,0 1 2 0,-1-2-4 16,1-1 2-16,0 0 0 0,1-3 1 0,3-1 1 16,0 0-3-16,1-2-1 0,-1 1 2 0,5-1-1 15,-1 1-1-15,-1-2 1 0,0 0 0 0,1 3-1 16,-4-2 1-16,4 2 0 0,-5 1 1 0,2 1-1 15,-1-1 1-15,-3 3 0 0,1 0-1 0,-2-2 1 16,6 2-1-16,-6 0-1 0,-2-1 1 0,-1-1-1 0,3 1 2 16,0 0-2-16,0-2 1 0,-1 5 1 0,-1-7-2 15,1 3 1-15,1-1 1 0,-2-2 0 0,-2-3 6 16,1 3 9-16,-3-5 6 0,5 3 4 0,-1-2 11 16,-3 0 1-16,8 0 2 0,-4-3 1 0,2 3-6 15,0-2-8-15,0 1-6 0,-2-1-4 0,2 3-10 16,-2 1-1-16,-5-2-3 0,3 4 0 15,-1-1-4-15,-2 1 2 0,3 2 1 0,-2-1-1 16,-4 0-1-16,3 1-1 0,6 1 0 0,-5-3-1 16,-1 3 0-16,3-1-1 0,-1-4 0 0,1 2-2 15,-1-2 0-15,1 0 1 0,-3-1-2 0,3-1-1 16,-2-1 2-16,-1 0-2 0,-1-1 0 0,0-2 1 16,1-1 0-16,-4 1 1 0,0 1 0 0,-1-3 1 15,4 0-1-15,-3 0 1 0,-1 1-1 0,-2 0-1 16,1-1-3-16,-3 2 0 0,4-2-1 0,-2 3 0 15,0 1 1-15,-1 1 1 0,-1-1-1 0,4 4 3 16,-2-2 1-16,-2 1 2 0,-2-1 2 0,3 3 0 0,-3 0 0 16,3-2 0-16,-4 2 0 0,1-2 3 0,0 1-1 15,-3 0 0-15,2-3 0 0,-2-2 1 0,0 1-1 16,-3-2 0-16,1 1 0 0,-1-1-1 0,1 0 0 16,1 0-1-16,-1 2 2 0,-4-3-2 0,3 3 1 15,-1 1 0-15,2 3 0 0,-1-2 1 0,2 2-1 16,-2 4 1-16,-1-2-2 0,2 2 0 0,-3-1 0 15,1 2-1-15,1-3 1 0,-3 2-2 16,0-1 0-16,0-1 2 0,2-1-2 0,-3-1 1 0,5-2-2 16,-2 2 2-16,3 0-1 0,1 7-2 0,-7-6 0 15,5 0 0-15,0 2 2 0,-4 2-2 0,1 3 2 0,-7-3-2 16,-3-1 0-16,1-3 4 0,5 5 0 0,-6 0-2 16,1 1-1-16,1-2 2 0,1 2-1 0,7 2 1 15,-3 1-2-15,4 2 2 0,-1-2-1 0,2 1 1 16,1 1 1-16,-2-5 0 0,2 1-1 0,-1 0 2 15,1 0 1-15,-1-2-2 0,1 0 1 16,-3-2-1-16,2-1 1 0,5 3-2 0,-2-1 0 0,0-3-1 16,3 1 1-16,-1 2 0 0,-3-4-1 0,6 5 2 15,-6-3-2-15,1 2 2 0,0-2 0 0,-3 3 1 16,2 1-2-16,-4 4 1 0,1-2 1 16,-4 3-1-16,0 1 0 0,3-1 1 0,-5 1-1 15,1 1 1-15,2-5 1 0,-1-1-1 0,1 1 0 16,3 0 2-16,0-2 0 0,0 0 0 0,2 0 3 15,-1 0-3-15,3 0 0 0,-2-2-1 0,1-1 0 16,1-1 1-16,2-1-3 0,-1-1 0 0,1 2-5 16,1-2-28-16,1 4-38 0,1-1-51 0,1 2-125 0,3 5 187 0,1 2-157 15,-1-2-152-15</inkml:trace>
+  <inkml:trace contextRef="#ctx0" brushRef="#br0" timeOffset="76173.73">5152 12665 543 0,'8'9'201'0,"-2"-4"-156"0,0-3-38 0,1 2-12 15,-1-2-9-15,5-2-1 0,-4 0 1 0,-2 0-2 16,2 0 3-16,-7 3 0 0,0-1 5 0,-2 0 47 16,-5 3-11-16,-2-1 49 0,2-1 13 15,0 0 13-15,-2 1 4 0,-1-2 18 0,2 3 1 16,-1-4-39-16,1 1 23 0,0 0-46 0,3 4-11 0,-2-4-11 16,2 0-6-16,1 5-18 0,0 1-3 15,1 2-3-15,0 3-2 0,2 3-3 0,-1 5 0 16,2 1-1-16,-1 5 0 0,1 3 0 0,0 1-2 15,1 1 1-15,2 2-2 0,0-1 2 0,1-5-2 16,0 4-1-16,2-14-2 0,0-2 2 0,2-7 3 16,1-8 2-16,2-7 2 0,1-4 1 0,3-11 4 15,1-5 1-15,1-2 2 0,-1-3-3 0,-1 1 0 0,-6-2-3 16,5-4 2-16,-3-2-1 0,-2 10-3 0,-4-1 0 16,-2 0 1-16,-3 1 0 0,1 5-2 0,2-4 3 15,-7 16-2-15,2 2 0 0,-2 0-3 0,2 12 2 16,-6 7-3-16,-2 12 1 0,-6 0-1 0,0 12-3 15,2 1 0-15,-1 10-1 0,-6-4 2 0,11 0-2 16,-2 1 1-16,6-10-2 0,-1 5-3 0,9-22 2 16,3 6-3-16,1-17-1 0,8-6 0 0,-1-14 0 15,4 0-2-15,7-8 1 0,1-11 5 16,-2-1-4-16,-1-3 4 0,0 3 2 0,-5-2-1 0,6-4 2 16,-2-3 0-16,-8 8 0 0,2 1 0 0,0 1 1 0,-1-1-1 15,0 10-1-15,1-5 2 0,-5 16-2 0,-3 10 2 16,2 0 0-16,-3 14 0 0,-3 12-1 0,-3 18 1 15,0-2 0-15,-3 19 0 0,1 1 0 0,-4 10-1 16,0 0 0-16,0 2-1 0,1 1 1 0,2-13-1 16,-1 7-1-16,6-26-3 0,0 3 0 0,3-17-1 15,2-13 3-15,8-11 1 0,-1-7 3 16,-1-4 4-16,4-15 2 0,3-9 7 0,-1 0 1 16,1 0 4-16,-1-5-2 0,-1 0 0 0,-1-4 1 0,-1 1-1 15,1-3-1-15,-8 9-3 0,1-3 2 16,2 4-4-16,-5 0-1 0,-4 9 4 0,-1 6-1 15,-1 4-2-15,-1 10 1 0,-3 13-2 0,-7 17-1 16,-2-2 0-16,-3 20 0 0,-1 6-5 0,-3 13-2 16,1-1-1-16,0 12-1 0,0-2 1 0,4-4-3 15,0 4 0-15,7-15 0 0,-1 3 0 0,6-12-4 16,3-11-3-16,6-14 2 0,1 1-3 0,2-8 4 0,5-15-1 0,6-9-1 16,1-1 2-16,-3-3 2 0,4-8 2 15,-4-1 1-15,1-11 1 0,-3-4 0 0,2-1 0 16,-7 6 1-16,-3-7 1 0,2 0 0 0,-2 1 0 15,-2 2 0-15,-1 5 1 0,-3 0 1 0,1 5-1 16,-4 7 2-16,1 9-5 0,-2-4 1 0,-4 23-2 16,0 0-1-16,-2 14-2 0,1-3 1 0,2 26-2 15,0-3-1-15,-1 9 4 0,4 9-2 16,-5-3 0-16,4 1 1 0,0-4-17 0,-1-3-5 0,10-15-6 16,-5 1-2-16,-2-9-4 0,12-22 1 0,3-2-3 15,-3-2 1-15,7-7 19 0,-2-8 3 0,-1-6 6 0,6-10 5 16,-2-13 2-16,1 6 3 0,-4-5 6 0,1-8 2 15,-1 0 2-15,-4-2 0 0,-2 2 0 0,-2 4 3 16,1 0-1-16,-5 5-2 0,-1 3-1 0,-3 5-1 16,2-1 1-16,-3 19 1 0,1-2 3 0,-1 12 0 15,0-4 1-15,-2 31-2 0,2-7-1 16,-1 19-2-16,0 8-2 0,-1 7-2 0,0 0-3 0,2 10-3 16,0 3 1-16,0-3-2 0,2 1 1 0,-1-9-1 15,6-10 0-15,3-2-3 0,2-1-3 16,-1-9 0-16,7-15-1 0,5-7 0 0,2-7 0 15,5-18-1-15,-1 6 2 0,-4-14 1 0,3-14 5 16,1-1 0-16,-6-12 0 0,-1 0 2 0,-2-5 2 16,-3 1 2-16,0-4 0 0,-4 3-1 0,-3 3 2 15,0-2 1-15,-7 8-1 0,1 0 1 0,-4 9 1 16,0-4 3-16,-4 22-1 0,0 0 2 0,-3 15-4 16,-2 10 0-16,2 24 0 0,-3 1-3 0,2 1-1 0,-1 27-5 0,1 13-1 15,0-1 1-15,2 0-1 0,2 4 0 16,2-5 1-16,2 7 0 0,3-11-2 0,0 7 0 15,6-29-1-15,5-1-4 0,1-3 1 0,3-15-1 16,3-9 0-16,6-14 3 0,0-2 3 0,3-13 1 16,3-2 0-16,-1-18 4 0,-1 1 1 0,2-9 1 15,-1-1 0-15,-8-6 1 0,4-2-1 0,-12-1 2 16,0 0 0-16,-6 1-2 0,4 0 3 0,-12 5-3 16,2-3 2-16,0 6-2 0,-4 0 1 0,-2 10 1 15,1 0 2-15,0 4 4 0,-3 25-2 0,2 6 1 16,-1 1-3-16,-3 12 1 0,3 17-2 0,1 7-2 0,-5 16-4 15,-2 22-2-15,2-6-1 0,0 1 0 0,1 11 0 16,1-3 0-16,-1 1 0 0,3-16-3 0,8-10-2 16,0-1-4-16,6-20 1 0,-2-8 0 0,5-15 1 15,1 2 1-15,2-18 0 0,-1 2 3 0,-1-13 2 16,-1 1 5-16,0-11 0 0,-1-1 3 0,-3-5 3 16,-3-4 2-16,-1 0 0 0,1 1 3 0,-4-2 4 15,-1 0-1-15,0-2 3 0,-1 1-3 0,2 7-1 16,-3 2-3-16,0 2 3 0,0-2 0 15,0 8 0-15,0 9 0 0,1 6-2 0,1 9 2 0,2 19-2 16,-1-8 1-16,3 20-5 0,3 9 0 16,0 2-5-16,2 11-1 0,-1 0-1 0,5 0-2 15,1 0-1-15,0-3-6 0,5-13-19 0,3-10-57 16,0 5-33-16,4-32-57 0,2 5-100 0,-1-21 188 16,3 4-142-16,-6-33-49 0</inkml:trace>
+  <inkml:trace contextRef="#ctx0" brushRef="#br0" timeOffset="77485.02">4443 13526 875 0,'-4'1'364'0,"7"-1"-234"0,0-1-76 16,0-1 28-16,1 2-4 0,0 0 4 0,1 2 7 16,-1 1 0-16,0 1-4 0,-1-2-6 15,-1 2-6-15,2 0-18 0,0 5-8 0,-2-2-4 16,-1-2-5-16,0 2-13 0,1 2-3 0,-2-2-3 0,1 8-2 16,-1-2-2-16,-3-2 0 0,3 2-6 0,-1 2-2 15,-2-3-1-15,2 1-1 0,1 2-2 0,0-1 1 16,0-1-3-16,1-1 0 0,1 2 3 0,2 1-3 15,0 0 4-15,3 2-3 0,0 1 1 0,0 0 0 16,-2 1 0-16,4 2 0 0,-1-1-1 0,0-1 2 16,0 2-2-16,0 1 1 0,0-2 0 0,-1 1 0 15,-1 0-1-15,1 1-1 0,-1-1 2 0,0-2 0 16,-2 0-2-16,2 2 1 0,-2 1 0 0,1-3-1 16,-1 0 1-16,0 1 0 0,0 6 1 0,0 1-1 15,-1 0 0-15,1-4 0 0,0 4-2 0,1 1 1 16,0-2 0-16,3 2 0 0,0-4-1 0,-1 1 0 15,2 2 0-15,1 1 0 0,3 0 0 0,-1 0 1 16,-1-2-1-16,3 0 0 0,0 5 0 0,-1-3 0 16,-3 1 0-16,2-2 1 0,-3 3 0 0,0 1 0 15,-1 0 1-15,-3-2 0 0,-2 3-1 0,2 0 0 16,-3 2 3-16,1 1-4 0,-2-7 1 0,4 3-2 0,-3 4 0 16,4 1 1-16,-4-5 0 0,1-2 1 0,3 0-2 15,0 6 1-15,2-1 0 0,-2-2 1 0,4-3-1 16,-2 4 0-16,1-2-1 0,0 2-1 0,3-2 2 15,-2-3 0-15,1 0-1 0,-1-4 0 0,1 2 1 16,-1-4 1-16,4 2 1 0,-3-3-2 0,-3 0 1 16,3 0-1-16,-2-1 1 0,-1-1 1 0,1 0-2 15,1 1 0-15,0 1 0 0,-1 1 1 16,2-1 0-16,-3-2 0 0,-2-1 0 0,4 4-2 0,-2-1 2 16,0-3 0-16,-1 0-1 0,1 0 0 0,1 3 1 15,1 1-1-15,1 2 1 0,1-4-1 0,2 2 0 16,-4-2 0-16,2-1 2 0,4-1-1 0,-2-1 3 15,4-1 0-15,-3-3 0 0,1-2 2 0,-1 1 0 16,5 2 0-16,0-4-1 0,-3-2 0 0,3-1-3 16,-2 0 1-16,4 0-1 0,-2 1-1 0,2-3 2 15,-1-1-2-15,3 3 0 0,0-1-1 0,3 2 0 16,-1-3 1-16,4 0 0 0,-3 0-1 0,0 1 0 0,-3-3 0 16,4-1-1-16,0 2 1 0,-4-1 0 15,-5-2 0-15,2 0 0 0,7 1 0 0,-2-1 0 16,1 1 1-16,-4-1-1 0,5 1 0 0,1 0 2 15,0 1-1-15,0 1 0 0,-1-1 2 0,0-1-1 16,0 0 0-16,1 3 0 0,-3-2 2 0,2 0-1 16,-4 2-1-16,0-3 2 0,-2 0 2 0,2 2 2 15,-2-3 1-15,0 0 2 0,0-1 4 0,1-4 2 16,-2 3-2-16,2-2 2 0,-1 0 1 0,-1-2-2 16,1 5-1-16,0-4-1 0,-4 4-5 0,0-4 0 0,3 1 2 15,0 2-3-15,-2 2-2 0,0-1 0 0,-1 0-1 0,0 1-2 16,0 3 1-16,1-1 0 0,-4 1-3 15,4 0 3-15,-4-3-4 0,2 0 1 0,-2-2-1 16,1 1-33-16,0 0-29 0,-1-3-33 0,0-3-43 16,-2-3 95-16,1 2-76 0,-6-10-35 0</inkml:trace>
+  <inkml:trace contextRef="#ctx0" brushRef="#br0" timeOffset="77914.77">6452 16100 637 0,'-2'2'472'0,"1"0"-213"0,0-1-144 15,1-1 122-15,0 3-86 0,0-1-26 16,0 0-22-16,2 0-22 0,0 3 10 0,0-3-7 0,0 3-6 16,2 2-5-16,0-2-19 0,-1 1-7 15,4 1-4-15,-1 0-7 0,2 1-13 0,0 0-5 16,2 1-4-16,1-2-3 0,4 3-4 0,-1-1-1 16,8 0-4-16,-4 1 1 0,2-1-3 0,2 2 1 15,-1 5 0-15,-1-4 1 0,2 4 0 0,-3 2 1 16,0 2-1-16,-1 3 3 0,-2-4-1 0,-4 5 1 0,-1 1 3 15,2 2 0-15,-6-2-1 0,-5-1 2 0,-1 1 1 0,-3 2 1 16,-7 0 2-16,1 0-1 0,0-4-3 16,-5 4 1-16,1-4-1 0,-2 2-1 0,3-3 0 15,1-5-7-15,-2-1-12 0,3-5-12 0,0-3-19 16,-2-8-97-16,4 0-72 0,-6-8 156 0,-1-9-120 16,1-8-94-16</inkml:trace>
+  <inkml:trace contextRef="#ctx0" brushRef="#br0" timeOffset="80113">8787 8894 541 0,'-8'0'273'0,"0"-1"-127"0,-2-1-71 0,4 1 21 16,-2-1-2-16,3 1 19 0,-3-2 3 0,1 1-25 16,3-1-9-16,-2 1-6 0,1-3 2 0,0 2-4 15,1 0-4-15,-1-4-18 0,-3 2-4 0,3-1-7 16,-1-2-7-16,0 4-5 0,-4-2-13 0,2 0-5 16,-2 3-2-16,-10-1-5 0,1 2-4 0,0 0-3 15,-12 1-5-15,3 0 2 0,-6 1-5 0,-3 0-1 16,-1 6-2-16,2 0 3 0,-6-1 2 15,1 4 0-15,-2-1 6 0,3 3-4 0,4-2 7 0,-2-2-1 0,-9 3 4 16,0-2-3-16,8 0 2 0,-4-1 0 0,2 1-2 16,-8-1 2-16,5-1-1 0,-3 2 4 0,10-3-2 15,-2-1-1-15,-2 0-1 0,2 1 2 0,-1-1 1 16,1-2-1-16,2 1-2 0,-2 0 0 0,5-1-1 16,1 0 0-16,-1-1 1 0,6 0-1 0,-2-1 2 15,6 2-2-15,0-2 1 0,1 0-1 0,-2-3 2 16,0 1-1-16,1 1 1 0,-4-1-3 15,5 1 0-15,-3-1-1 0,-1-1 2 0,2 0-1 16,0 3-1-16,6 1 1 0,1 0-2 0,-5 4 3 16,1-1 0-16,2 0 0 0,-1 4-2 0,1-1 2 0,-4 3-2 15,2 5-2-15,-2 1 3 0,2-4-4 0,2 4 3 16,-6-1-2-16,5 1 1 0,-3 2-1 0,5-4 1 16,-1 2 0-16,2-2 0 0,1 4 1 0,1-5-3 15,3 3 2-15,3 3-1 0,2-2-1 0,0 0 2 16,0 0 1-16,4-2-2 0,2-1 1 0,0 4 1 15,-1-4 0-15,3 0 0 0,0 1 0 0,0-1 0 16,3 4 1-16,0-2-2 0,-1 0 2 0,0-3 1 16,3-2-2-16,3 3 0 0,-2 0 1 0,1-3-1 15,3-1-2-15,5-1 2 0,-1-1-4 0,4 0-1 16,0 1 1-16,-5-5-1 0,10 0 0 0,1-1-1 16,-3-1 1-16,6 2-2 0,0-4 2 0,3-4 3 15,6 2 0-15,4-1-1 0,2 2 2 0,-2-4 0 16,10 5 1-16,-5-3 2 0,4 1 0 15,0 1 0-15,-2 1-1 0,4 0 0 0,-1-2 0 0,-1 0 1 16,3 0-1-16,2 2-1 0,-7 0 2 0,4 0-1 0,5 2-1 16,3 0 2-16,-10 0 0 0,0 0 0 0,6 2-2 15,4-2 2-15,2 3-1 0,1-2 0 0,-11 3 1 16,9 0-1-16,1 1-2 0,-6 1-2 0,4-2 2 16,0 3-1-16,0-2-1 0,4-1 1 0,-1 1 1 15,2-3 1-15,3 1 1 0,-3-2 1 0,6 3 1 16,-2-6 0-16,-1 2 1 0,2-3-1 15,1 0-1-15,6-2 0 0,-4 3 1 0,4-4 0 0,-5-1 0 16,3 2-1-16,3 2 1 0,4 0-1 16,-3-1 1-16,-12-2-1 0,-1 2 0 0,5-1 0 15,4 3 1-15,-9-1 0 0,-7 1 0 0,3-1 0 0,8 2 0 16,-2 1 0-16,3 0 0 0,-14 2-1 0,11-2-2 16,2-2-2-16,-5 1-2 0,7 1-6 0,-6-3-2 15,0 1-3-15,5-1 1 0,-4 0 0 0,3-4 3 16,-1 3 1-16,3-1 1 0,-4-2 5 0,1 1 3 15,0 0 2-15,4 0 0 0,0 1 0 0,-2 0 0 16,-2 0 1-16,-2 0 1 0,-2 2 1 0,2 0 2 16,-4-1-2-16,1 1 0 0,1 1 0 0,-12 0 2 15,6 1-4-15,4-1 1 0,1 0 1 0,-6 1-2 16,-4-1 1-16,3 2-1 0,10-2 1 0,1-1-1 16,-4 0 2-16,-5 0-2 0,7-3 0 0,3 2 0 15,-4-3 2-15,3-2-2 0,1 1 0 0,-3 0 1 16,4-1-1-16,-3 2 0 0,5 0 0 0,-2 0 2 15,2 2-3-15,-2-2 1 0,-6 1 0 0,4-1 1 16,-7-2-1-16,4 2 0 0,-2 0 2 0,-4-2-2 16,1 4 0-16,3-2 0 0,-7 1 0 0,-1-3 0 0,10 3 0 15,1 0 0-15,-8 1 0 0,0-2 0 0,0 2 0 16,6-3 0-16,0 4 0 0,1 1 0 0,-12-3 0 16,12 4 0-16,-5-2 0 0,0 0 2 0,-2-1-2 15,-1-2 2-15,1 4-1 0,1-2 0 0,-3-1-1 16,1-1 2-16,-1 1 1 0,1 0-1 15,2-2 0-15,-5-1 1 0,3 2 2 0,-8-4-1 16,2 3 2-16,-2-4 0 0,0 0 1 0,-2 1-2 16,2-1 3-16,-1-1-3 0,4 1-1 0,-1 2 1 0,1-2-3 15,-7 1 1-15,-4 1-3 0,6 0 1 16,-2-1 0-16,-4 3 0 0,-6 0 0 0,1-1 2 0,5 1-1 16,2 2-2-16,-1 0 2 0,-8 3 0 0,3-4-1 15,-2-1 2-15,-2-1-1 0,0-1-2 0,-2 2 1 16,-2-4 2-16,-2-2-1 0,1 2 0 0,-2 0 0 15,2 0 0-15,-2-6 1 0,-4 3 2 0,-3-2 3 16,2 3 1-16,-5-7-1 0,-3 2 3 0,-6-2 1 16,-2 0 0-16,-8 0-1 0,2 0-1 0,-8 1-2 15,-6-1 0-15,-7 1-2 0,3 2 0 0,-1 1-1 16,-7 4-3-16,-6-2 1 0,-2-1 2 0,5 4-3 16,-6 0-1-16,-2 2 1 0,-13-4-1 0,-7 1-2 15,4-1 1-15,1 6-3 0,-11-2-2 0,-5 0 1 16,0 0-2-16,-2 0 0 0,-1 3-1 0,-2 2 1 15,-2-3 1-15,-3 1 1 0,-6-1 2 0,6 2 1 16,-9 4-2-16,-1 0 3 0,-2-4-1 0,-3 2 4 16,-4 2-3-16,2-1 0 0,0 2 0 0,-3-1 1 15,-4 0 1-15,-1-1-2 0,17 2 0 0,-7 1 0 0,-13 1 0 16,-1-2 0-16,12 1 0 0,3 1 0 0,0 0 0 16,-14 1 0-16,2-1 0 0,-3-1 0 0,18 3 1 15,-15-3 0-15,0 0-1 0,0 0-2 0,1 5 0 16,0-4 1-16,6 1-2 0,-3 0 0 0,-4 6-2 15,1-3-5-15,1 0 2 0,-2 0-1 0,4 1 2 16,0 5-3-16,-8-2 3 0,6 0-1 0,0-1 1 16,4 4 4-16,0 0 2 0,-1-1 0 0,-1-1 0 15,3 1 1-15,3-1 3 0,1 0-2 16,-1 0 2-16,15-1 1 0,1 0-1 0,-10 1-1 0,1-1 4 16,13-2-3-16,3 0-2 0,-3 0 3 0,-6 1-3 15,6 0-1-15,-2 0 3 0,15-4-3 0,-10 3 0 16,-3-2 1-16,8 0-1 0,1 0 0 0,3 0 0 15,-1-2 0-15,2 3 0 0,1-4 0 0,0 0 0 16,5-1 0-16,-1-1 1 0,4 4-2 0,2-5 2 16,-3 1 2-16,6 0-3 0,0-2 2 0,6 0 4 15,0 0 0-15,-1-5 2 0,-1-2 4 0,4 0 9 16,-2 0 3-16,2-2 6 0,1 1 2 0,3 2 2 16,4-1 2-16,-7-1 6 0,2 2 2 0,6-2-7 15,2 2-1-15,-7 0-2 0,-7-3-2 0,-1 0-4 16,1 1-3-16,4 3-9 0,-4 2-4 0,-9-4-5 15,7 5-2-15,3-2-5 0,-1 4-57 0,1 0-54 16,0 3-113-16,4-1 174 0,4-2-147 0,0 2-88 16</inkml:trace>
+  <inkml:trace contextRef="#ctx0" brushRef="#br0" timeOffset="82008.7">8005 15582 954 0,'8'-1'436'15,"-3"-5"-267"-15,2-3-111 0,-4-1 39 0,1 3-18 16,2-5-26-16,-1-1-10 0,-2-2-10 0,4 2-4 16,-2-2-3-16,0 1-4 0,-1 1-10 0,-4-4 1 15,4 2-4-15,-3 1-1 0,1 3 1 0,-4-2 0 16,1 7 2-16,-3-1-1 0,-2 4 0 0,-2 2 0 16,-1 3 0-16,-2 0 0 0,4 4-1 0,-4 5-1 0,-2 3 7 15,2-2 1-15,1 1-1 0,-1 4 0 0,0 1 1 0,0 5-1 16,2 2-2-16,-1-1-1 0,1 0-8 15,3 10-2-15,-4 0-1 0,2 2 0 0,0 6-1 16,2 6-1-16,-1-1 1 0,3 6 0 0,-1 3 0 16,2 3 0-16,-1 0 1 0,0 6-1 0,1-6 1 15,1 3 1-15,0 1-1 0,-1-1-1 0,1 1 3 16,-1-4 0-16,2 1-1 0,0-2-1 0,-4 2 0 16,2-11 1-16,-3-2-1 0,0 3 4 0,1 1-1 15,-2-8 0-15,0-4 2 0,0-2 1 0,0 2 1 16,0-6 1-16,1 3 2 0,1-13-1 0,0 2 0 15,0-1-1-15,0-5 0 0,0-2 1 0,1-4-2 16,1-3-3-16,-1-1-1 0,2-1 0 0,1-1-2 16,-1-4 1-16,1-1 0 0,1 0-1 0,0-1-1 15,0 2 2-15,0-2-1 0,0 1-2 0,0-3 2 16,1 2-1-16,-1-1-3 0,1-1 2 0,0 0-1 16,-1-2-1-16,3 3 1 0,-2-1 1 0,2 0-2 0,1 1 0 15,4 2 2-15,-3 1-2 0,3 1 1 0,1 1 0 16,1-3-1-16,6 3 0 0,5 1-1 0,-3 0-1 15,5 1 2-15,11 3-1 0,0-2-1 0,9 3-1 16,-2 1 2-16,3-2-1 0,2 3-2 16,0-3 3-16,2-2-2 0,3-1 1 0,-2 2 0 0,7-3 3 15,-1-1-2-15,8-3 3 0,-1 3 1 0,7-6-1 16,2 1 1-16,7 0 0 0,-6-1 2 16,7-1-3-16,-1 0 1 0,5 0-1 0,1 2 0 15,7-1 0-15,-5 1-1 0,-13-2 1 0,4 1-1 0,17-2 0 16,2 3 1-16,-16 0 0 0,4 0 0 0,-5 1 0 15,15 1 1-15,-2 4-1 0,4-1 2 0,-21 1 0 16,9 2-1-16,1-1 0 0,-4 2 1 0,4 3 0 16,-4-1 1-16,-9-4 1 0,6 2 1 0,-6 0-1 15,3-6 1-15,-3 3 1 0,-7-6-3 0,0-3 3 16,-4-1-2-16,2 3 0 0,-13-6-1 0,4-3-1 16,-10 4 3-16,-2-4-2 0,-4 3 2 0,-4-2-1 15,-5 2 4-15,-5 0-1 0,-7 2 2 0,-1 0 3 16,-3 2 1-16,-8 2 3 0,-3-1 1 0,0 1 1 15,-4 1-5-15,-3 1 2 0,-3 2-1 0,0 0-3 16,-8 2-2-16,3-2-2 0,-1 1-2 0,-2 2-2 16,1-3 2-16,-2 0-2 0,1-1-2 0,0-2-1 15,2 0-1-15,0-4-1 0,2-3-1 0,1-4-1 16,1 2-1-16,3-8 0 0,-1 0-3 0,4-4 3 16,-2 0 0-16,5-8-3 0,-1 1 3 0,1-2 1 15,1-5-3-15,1-2 1 0,2 1 2 0,2-5 1 16,-1-1-1-16,3-4 2 0,-2 0 0 0,2 7 0 0,2-8 1 15,2-6 0-15,-3-2 2 0,1 6-1 0,1-2 0 16,0-1 1-16,2-13-1 0,1-1 0 16,-1 0 1-16,-1 3-1 0,4-9 0 0,-2 1 0 0,3-4 0 15,-2-1 1-15,3 5 1 0,-4 1-1 16,1 3 1-16,-4 6 1 0,-4 9 1 0,0-4 1 16,-6 20-1-16,-1 0 0 0,-10 7-2 0,3-2-2 15,-10 14-7-15,2-1-7 0,-1 7-17 0,-8 2-5 0,1 4-2 16,-1 1-3-16,5 2 1 0,1 2 3 0,-2 1 3 15,1 2 7-15,2-1 14 0,3 0 5 0,4 0 1 0,-1-2 2 16,4 0 1-16,-1 1 0 0,2-2 1 0,0-2 1 16,1-3-1-16,-2-1 3 0,4 1 0 0,-6-4 1 15,1 1 0-15,0-1 1 0,-8-1-2 0,-2-1 1 16,3 4 1-16,-10-5-1 0,-4 2 1 0,0 5-2 16,-3-4 0-16,-3 3-3 0,0 2-1 15,-4 0-3-15,2 3-2 0,-6 2 0 0,-3-2-5 16,-4 2 0-16,-2 1 2 0,-3-1 1 0,0 0 1 15,5 2 3-15,0-3 2 0,-14 0 0 0,3 1 5 16,7-2 3-16,-1-2 2 0,-2 2 1 0,-10-3 6 16,-3-1 2-16,0 2 2 0,4-2 1 0,-12-1 1 15,1 2 2-15,-4-3 0 0,0 2 0 0,-10 3-3 16,1-1-3-16,-1 3-2 0,-1 1 1 0,-1 2-3 16,-2-1-2-16,-3 6-1 0,0 1 1 0,6 0-2 15,-4-1 2-15,1 2-1 0,2 2 1 0,5 1 1 16,3-1 2-16,8 4-1 0,1-3 2 0,1-2-1 15,10 3 1-15,7-2-1 0,2-2-2 0,7-2-3 0,20 0-5 16,0 0-11-16,-3-2-20 0,16 2-35 0,12-2-50 16,6 2-94-16,8 4 155 0,13 1-104 0,-5-2-55 15</inkml:trace>
+  <inkml:trace contextRef="#ctx0" brushRef="#br0" timeOffset="82582.1">8678 15992 1245 0,'-6'0'467'0,"5"1"-352"0,1 0-91 0,1 0 8 16,0-1-11-16,4 2-2 0,0 1 6 0,0-1 2 15,1 2 3-15,1 2-4 0,-3 0-1 0,3 1-6 16,-2 1-5-16,1 3-2 0,-1 0-3 0,-2 1 0 16,2 2-2-16,-2-3-1 0,3 2-2 0,-4 1 0 0,-1-7-3 15,1 0 0-15,1 1 0 0,-1-4-1 0,-1-3 0 16,2-1-1-16,-1-5-2 0,4-9 0 0,-1 5 2 16,1-11 0-16,2-9-1 0,1 1-1 0,0-8 2 15,0-1-1-15,3-5 2 0,1-3 0 0,1-1 1 16,0 1-1-16,4 1 0 0,-3-1 0 15,8 2 0-15,-4 1 1 0,2 3 1 0,0 1 0 16,-1 11 1-16,-1-2 3 0,-4 8 4 0,-1 4 1 16,-4 15 0-16,5 1-1 0,-7 3-1 0,0 21-1 0,1 9 0 15,0 1-2-15,-1 7-3 0,-2 7 0 0,2 6 1 0,-5 9-1 16,-1 10-1-16,3-2 2 0,-5-13-3 0,0 4-9 16,0 0-12-16,0-11-8 0,2-11-14 0,1-14-54 15,2 0-38-15,2-17-80 0,2-6 147 0,1-18-127 16,1 5-62-16</inkml:trace>
+  <inkml:trace contextRef="#ctx0" brushRef="#br0" timeOffset="82797.41">8832 15893 1262 0,'1'-7'476'16,"-1"-2"-353"-16,9-3-95 0,-4 1 19 0,8-2-30 16,-1 0 1-16,6 0 1 0,0 4 2 0,2 1 2 15,1 1-3-15,-4 5-2 0,4 1-2 0,-4 1-5 0,-5 5-5 16,5 5 1-16,-2-2-3 0,-2 2-10 0,-1 1-14 16,2 0-17-16,-2 0-80 0,3-1-67 0,2 2 138 15,-1 0-103-15,3-4-84 0</inkml:trace>
+  <inkml:trace contextRef="#ctx0" brushRef="#br0" timeOffset="83230.14">9678 15570 1362 0,'-3'-1'514'0,"0"2"-378"15,-2 1-107-15,-3 2 19 0,0 1-27 0,3 0-14 16,-2 2 1-16,0 0-1 0,-1 2 2 0,-4 0-3 15,3 1 2-15,1-2-5 0,-4 4 1 16,0 0 0-16,-1 1-1 0,-1-1 1 0,1 4 1 16,0 0 2-16,-3 2-1 0,0 0-2 0,4 4 3 15,-3-4-2-15,2 4-1 0,2 1 0 0,2-1-3 16,-2 1 0-16,11-2-1 0,0 2 4 0,3-3 4 16,5 1 4-16,8-5 3 0,0 0-1 0,6-4 5 15,4-3 1-15,4-5 0 0,0-2-3 0,0-1-6 0,3-6-3 0,7-4-1 16,-2 2-1-16,-1 0-5 0,-1-3-14 15,-1 3-23-15,4-5-100 0,-5 3-102 0,4-1 185 16,-11 4-133-16,0-9-116 0</inkml:trace>
+  <inkml:trace contextRef="#ctx0" brushRef="#br0" timeOffset="83682.22">10240 15639 886 0,'0'-7'431'0,"5"2"-248"0,-3 2-121 16,-4-3 48-16,2 1-39 0,-1-2-23 0,-1 4-14 15,0-2-2-15,-4 4 1 0,1-1-5 0,-5 2-7 16,-1 0-6-16,-5 7-4 0,1-2 0 0,-1 1-6 15,-3 5 0-15,-2 2-1 0,-2 1 1 0,2 2-3 16,1-2 3-16,-1-1 1 0,1 5-1 0,0-4 1 16,0 4 1-16,5-7 0 0,4 2-1 0,1-2 0 15,3 0-3-15,3-2-1 0,2-2 0 0,5 2 0 16,5-2-1-16,4-5 0 0,7 3 3 0,-7-2 1 16,13-1 0-16,-1 0 1 0,6-2-2 15,-3-1 1-15,6 4-2 0,-1 1 3 0,0-3-4 16,1 2 2-16,-5 0 1 0,3 4 0 0,-7 5 2 15,-2-1 2-15,-16 3 1 0,6-1 0 0,-6 1 1 0,-12 6 0 0,-6 2 3 16,-2-2 0-16,-4-4-3 0,-2 3 1 0,0-1-1 16,-9 3 0-16,-5-2-1 0,1-2-1 0,5-5-2 15,-5 0-3-15,0-1 0 0,1-3-5 0,-3-3-7 16,6-7-19-16,-3 0-10 0,2-2-13 16,7-3-17-16,5-2-70 0,-4 1-50 0,20-3 125 15,-5 0-92-15,8 0-57 0</inkml:trace>
+  <inkml:trace contextRef="#ctx0" brushRef="#br0" timeOffset="83978.6">10655 15744 1482 0,'-2'8'596'0,"-2"-3"-411"0,-6-1-137 15,-1 0 18-15,-2-2-21 0,-1 1-25 0,1 2-10 16,-1-2 2-16,4 5-2 0,-2-2 0 0,1 1-6 15,1 2-2-15,4 3-2 0,2-1-1 0,3 5-2 16,1 2-1-16,4 2-2 0,3-1 1 0,0 1 0 16,10-3-2-16,6 0 0 0,0 1 1 0,3-4 1 15,6-6 0-15,5 0-1 0,5-5 0 0,5-6 1 16,1 2 4-16,-11-10 3 0,4-5 23 0,-2 0 8 16,-8-9 8-16,-7 0 10 0,-10 2 23 0,-3-2 2 15,-9 2 2-15,-6 2-1 0,-21 4-21 0,5-4-8 16,-32 13-11-16,3 1-12 0,-11 6-53 15,-1-2-30-15,-14 16-38 0,1-1-49 0,-3 7 101 16,0 5-80-16,3 8-32 0</inkml:trace>
+  <inkml:trace contextRef="#ctx0" brushRef="#br0" timeOffset="84519.28">8529 16597 1175 0,'-3'0'452'0,"-3"1"-308"0,-5-1-87 15,-3 0 16-15,0 0-5 0,0 2-10 0,-4 0 2 16,0 1 3-16,-1-1 2 0,0 0-14 0,4 4-8 0,-3 5-2 16,-2 0-4-16,3-2-12 0,2 7-1 0,3 0-2 15,-1 6-3-15,2 5-3 0,-2-1-3 0,6 0-3 16,4 3-3-16,0-2 1 0,3 2-2 0,4-3-3 15,6-3-3-15,2 0 0 0,5-6-1 0,2-4 0 16,9-9-2-16,-3 3-5 0,14-9-19 16,-2-1-28-16,1-8-127 0,2 1 150 0,-1-9-87 0,2-1-70 15</inkml:trace>
+  <inkml:trace contextRef="#ctx0" brushRef="#br0" timeOffset="84877.25">8833 16491 936 0,'-4'4'457'15,"-3"0"-248"-15,-2 4-120 0,0 5 54 0,-2-3-28 16,4 4-21-16,-1 2-10 0,-2 3-24 0,0-1-13 16,1 0-9-16,2 0-11 0,-1 3-16 0,0 1-3 15,2-1-5-15,-1 3-1 0,3-3-2 0,-2 2 0 16,5 1-1-16,-1 0 0 0,2-5-2 0,0 1-2 16,3-6 1-16,1 2-1 0,1-3 0 0,3-6-2 0,1-1 2 15,1-1-2-15,-1 0 2 0,2-3 1 0,2-1 0 16,2-2-2-16,-1-4 1 0,0-1 2 0,3 1 0 15,5-4 2-15,-3-1-2 0,5-2 1 0,-3-2-2 16,0 3-22-16,0-2-22 0,-2-1-39 0,-3 1-57 16,1-4 105-16,-2 3-75 0,3-3-35 0</inkml:trace>
+  <inkml:trace contextRef="#ctx0" brushRef="#br0" timeOffset="85096.49">9153 16529 1499 0,'-1'-4'598'0,"1"0"-412"0,0 3-123 0,0 1 20 16,1-3-16-16,0 8-1 0,0 1-2 0,-1 5-13 16,1-1-9-16,0 9-10 0,-4-2-9 0,1 7-16 15,-3 3-1-15,2 5-7 0,-3-5-10 0,2 1-18 0,0 4-23 16,-2 1-88-16,4 1-65 0,-1-5 150 15,0-3-118-15,3-3-57 0</inkml:trace>
+  <inkml:trace contextRef="#ctx0" brushRef="#br0" timeOffset="85454.7">9779 16624 848 0,'-3'5'379'16,"-5"-4"-236"-16,-1 1-92 0,-1-2 48 0,-1-1-38 0,0-3-9 0,2 3-8 16,-2-3 4-16,0 2 2 0,1-1-2 0,0 0 1 15,-2 0 6-15,1 0 6 0,-1 2 2 0,1 0 2 16,1 1 5-16,-1 0-1 0,0 1-5 0,-1 1-5 15,4 0-16-15,-2 2-9 0,2 5-5 0,-3-2-5 16,0 0-11-16,1 4-1 0,0 0 0 0,1 4 1 16,-2 5-5-16,1-1 0 0,-1-3-2 0,4 5-2 15,2 1 1-15,-2 2-4 0,1 0-1 0,3-3-2 16,2 1 0-16,2 1-3 0,5-2 1 0,3-3-4 16,-2 1 0-16,13-4-4 0,-1 0-9 0,5-5-27 15,0 2-16-15,12-11-27 0,-1 0-35 0,4-3 85 16,6-7-67-16,10 0-20 0</inkml:trace>
+  <inkml:trace contextRef="#ctx0" brushRef="#br0" timeOffset="85761.76">10101 16624 265 0,'-8'0'175'16,"-1"0"-112"-16,4-4-36 0,1 2 42 0,0 0-15 15,0-4 46-15,1 4 18 0,0-1 17 0,2-2 13 0,0 1 35 16,-1 0-2-16,2-1-7 0,2 1-6 16,0 2-28-16,0-3-8 0,3 3-10 0,-1 2-7 15,1 0-28-15,-2 0-7 0,0 9-14 0,1 1-9 16,-2 4-24-16,-1-2-7 0,-3 20-8 0,-2-2-8 15,-1 5-26-15,-4 8-14 0,0 2-10 0,-5-4-15 16,-1 7-42-16,-2-5-29 0,1-7-35 0,1 0-49 16,2-5-81-16,0-14 192 0,4 0-166 0,0 1-96 15</inkml:trace>
+  <inkml:trace contextRef="#ctx0" brushRef="#br0" timeOffset="86078.02">10581 16390 1341 0,'2'16'612'15,"-2"3"-428"-15,0 1-143 0,-5 0 6 16,0-1-14-16,-1-1-20 0,-3 5-1 0,-3-2-2 0,1 3 0 16,-1-7-3-16,-4 2-2 0,-2-1 0 15,-2-3 0-15,-3-1 0 0,-1-2-3 0,3 4 1 16,-4-5 1-16,0 2-1 0,1 1 1 0,-2-1 0 15,2-2-2-15,1 1 1 0,3 1-2 0,-6-2 2 16,7-2-3-16,0 3 0 0,3-2-1 0,3 2 0 16,3 1-3-16,-1-1 2 0,3-1 0 0,6-1-2 0,-2 4-1 15,0-3 0-15,2-3 0 0,2 0 0 0,1 0 0 0,2 0-2 16,4-2 0-16,-4 2 2 0,6-4 0 0,3 1 2 16,0 0 2-16,4-2 1 0,0 2 1 0,7-2 5 15,-1-1 0-15,6 0 1 0,1-1 0 0,-2 0-1 16,2 0-11-16,2-1-25 0,-5-2-37 15,1 3 53-15,0-1-32 0,-5 0-21 0</inkml:trace>
+  <inkml:trace contextRef="#ctx0" brushRef="#br0" timeOffset="86447.7">10548 16606 1079 0,'-3'1'523'0,"1"2"-298"16,1 2-140-16,-3-1 79 0,2 3-89 0,0-2-13 15,-1 10-8-15,-2-2-5 0,2 6-18 16,-4 2-8-16,1 1-6 0,0 4-4 0,1-2-5 0,-4 4-3 0,1 4-1 16,2 0-1-16,-1-5-3 0,2 2 0 0,0 0 0 15,1 0-2-15,4-1-2 0,0 1-1 0,0-10-7 16,5 0-24-16,3-2-13 0,2-4-8 0,4-5-8 16,1-8-30-16,-1 0-21 0,7-7-27 0,0-4-27 15,-1-5 111-15,1 0-63 0,-3-6-17 0</inkml:trace>
+  <inkml:trace contextRef="#ctx0" brushRef="#br0" timeOffset="86709.54">10471 16667 1270 0,'-5'1'507'0,"6"-5"-350"0,2 3-103 0,5-4 24 16,1-2-13-16,1 0-5 0,0 0 3 0,1 1-1 0,3-3-7 15,4 2-7-15,-3-4-7 0,0 2-18 16,2-1-4-16,1 1-6 0,2-1-2 0,3 1-5 16,-3 1-2-16,-5 4 0 0,4 1-11 0,-2-1-15 15,-1 4-20-15,-4 1-20 0,-9 5-71 0,0 0-39 0,-3 3-65 16,-1-2 151-16,-9 7-151 0,3-1-55 15</inkml:trace>
+  <inkml:trace contextRef="#ctx0" brushRef="#br0" timeOffset="86874.08">10401 16845 1319 0,'1'1'554'0,"4"1"-351"16,0 2-123-16,1-3 46 0,3 1-42 15,3-2-34-15,-4-2 0 0,6 1-1 0,3 1-2 16,-3-1-27-16,1-3-10 0,2 4-19 0,-1-4-20 16,1 0-79-16,2 1-56 0,-1-5-101 0,-1 0 191 15,1-2-185-15,-2-3-93 0</inkml:trace>
+  <inkml:trace contextRef="#ctx0" brushRef="#br0" timeOffset="87187.05">10881 16620 460 0,'0'8'241'0,"-3"0"-85"15,3-2-59-15,-3 1 39 0,2-2-4 0,0 2 8 0,-1 0 7 16,7 1 0-16,-5-2-26 0,-2-1-7 16,3 3-9-16,2 0-6 0,1 2-15 0,2-2-6 15,-6 3-10-15,3 0-9 0,-3 2-20 0,4-1-8 16,-9 5-7-16,5-2-5 0,0 4-13 0,-2-1-7 16,-2 4-9-16,-1-2-13 0,2-1-14 0,-3 2-19 0,0 1-50 15,0 0-26-15,-3-4-27 0,4-1-29 0,-3-2-36 16,-3-2 131-16,3-6-96 0,0 2 4 0</inkml:trace>
+  <inkml:trace contextRef="#ctx0" brushRef="#br0" timeOffset="87516.19">10869 16579 796 0,'-9'5'402'0,"4"0"-233"0,0 1-101 16,-1-3 33-16,1 2-21 0,0-2-15 0,2 1 1 15,4 1 5-15,0-1 3 0,2-3-15 0,-1 1 4 16,4 1-4-16,2-3-3 0,-1 0 4 0,9-1 4 16,-5-2-3-16,2 1-1 0,1-2-4 0,6 0-10 15,-2-1-2-15,-1 1-6 0,3 0-6 0,-2 2-15 16,-2-2-2-16,-1 5-4 0,-2 1-3 0,-1 3 1 16,-1 4 1-16,-4 3-2 0,-2 2 2 0,-4 4 0 15,-1 4-1-15,-11 8 0 0,1 0 1 0,-1-3-5 0,-8 9 0 16,-2 3 2-16,-1-1-3 0,-3-3 1 0,2-2-1 15,0-4-1-15,-7 2 6 0,-2-6 9 0,1 3 7 16,4-13 4-16,-4 2 7 0,1-2 1 0,0-3 0 16,4-5-1-16,5-7-7 0,0 0-10 0,6-8-9 15,1-2-20-15,6-10-139 0,-3 4-134 0,10-8 225 16,-2-1-152-16,2-7-141 0</inkml:trace>
+  <inkml:trace contextRef="#ctx0" brushRef="#br0" timeOffset="90270.7">16804 14755 1161 0,'6'-2'582'0,"-4"2"-338"0,-2 2-156 15,0-2 89-15,0 0-76 0,-4 0-51 16,4-1-7-16,-4 1 0 0,4 1-3 0,-1 0-12 16,-3 1-8-16,5 3-7 0,-2 0-5 0,0 6-6 15,1 1-1-15,-1 9 0 0,0 1 0 0,1-1-1 0,-10 16-1 0,-2 8 2 16,3 0 0-16,-5 0 1 0,-1 8 0 16,-20 65 1-16,18-50-1 0,0 2 1 15,0-11-3-15,-2 4 3 0,2 2-3 0,-1-3 2 16,4-5-1-16,-2-3 2 0,0-1-1 0,3-4 0 15,-1-2 2-15,3-5 0 0,0 2-1 0,2-12 0 16,0-1-1-16,2-8-3 0,-1 1-3 0,8-15-2 16,-1 1 0-16,2-9-2 0,5-2-1 0,4-7-4 15,0-1 3-15,-1 0 4 0,9-9 0 0,4-8 1 16,1 1 0-16,0 1 3 0,5-5-1 0,5 0 2 0,5-4 1 16,5 2-1-16,-2-2 0 0,-2 14 1 0,7 0 1 15,2-1-1-15,-2 12 0 0,4 2 0 0,7 10 0 16,-4 1-2-16,6 6 3 0,-1 2-1 0,1 7 0 15,3 0-1-15,-3 3 2 0,10 5-2 0,-3-2 1 16,0 3 0-16,10-1-3 0,-3 1 0 0,13 2 2 16,-3 0 1-16,7-5 0 0,-4 1 3 0,2-2 1 15,5-1 1-15,0-3 4 0,3 0-2 0,-20-4 0 16,3-4-1-16,18 0 2 0,-1-2-1 0,-11 0-2 16,1-3 1-16,-4 0-2 0,13-3 1 0,0-3-2 15,3 2 2-15,-17-4-2 0,8 1-2 0,1-2 1 16,0-3 0-16,0 1-1 0,-3 2 0 0,-4-2 1 15,-2 0-2-15,-8-1 3 0,-1 3-2 0,-1-2-1 16,-7 5 0-16,-5 0 1 0,-11 2 0 16,6-1 3-16,-15 5 0 0,1 2-1 0,-8 2 4 15,-7 2 2-15,-9-1-1 0,3-2 3 0,-6 2 2 16,-6 2-2-16,-3-4 1 0,1 0 1 0,-3-3-2 0,-1 2-3 0,-2 0 2 16,0 0-2-16,-2-3-2 0,-1 0 0 0,1-1 0 15,1 1-3-15,-3-3-1 0,0 0 2 0,4-1-5 16,-1-2 1-16,1 0-2 0,1 0-2 0,-1-3-1 15,1-4-1-15,0-2 2 0,0-3-1 0,1-1 3 16,0-2-3-16,1 1 1 0,2-8 1 0,-1 3 1 16,1-4 1-16,0 2 0 0,1-9-2 15,-2-1 0-15,-1-6 6 0,0-1-1 0,0-8 1 16,-2-3 0-16,1-5 1 0,-1-7-1 0,0-10 3 16,0 2-1-16,0 7-2 0,0-9-2 0,3-13 1 15,-1 3-2-15,-1 5 1 0,2 1 0 0,1 1-1 0,3-10-1 16,2 6 0-16,-1-3 1 0,1 15 0 0,3-9 0 15,0 2-1-15,0 3 1 0,-1 3-1 0,-2 1 1 16,0 0 0-16,-3 3 0 0,-1 2 0 0,-5 8 0 16,1-2-1-16,-10 16-4 0,1-5-2 0,-4 11-6 15,1-1-2-15,-5 16-3 0,-2-1-3 0,-3 7-4 16,0 4 0-16,-3 2-1 0,3 5 4 0,-5 4 7 16,1 1 3-16,-5 3 1 0,4 0 3 0,2 2 7 15,0-2-1-15,-5 4 3 0,-3-3 2 0,5 0 1 16,1-2 0-16,2 1 5 0,-6-2 10 0,1 0 1 15,-1-1 2-15,5-4 1 0,-7-1 2 0,1 0 1 16,-3-3 0-16,-7-4-3 0,-4 1-4 0,0-1-4 16,-8-1-1-16,-5 3-2 0,-8 3-4 15,1-5-2-15,-15 8-1 0,3-1-2 0,-14 4-3 16,5-1 0-16,-27 6 0 0,5 1 0 0,-10 0 0 0,-10 4 0 16,-5-1-1-16,-2 1 1 0,14 1 3 0,-9-3-3 0,-18 1 2 15,-3-2 0-15,18 0 2 0,-3-3-2 0,7-4 2 16,-25 3 0-16,6-5-1 0,-2 1 4 0,30-3-2 15,-9-3 0-15,1-1 0 0,7-1 0 0,12-2-2 16,17-2-4-16,2-2-13 0,15 0-17 0,5 2-24 16,23 0-119-16,2-1-124 0,13 4 226 15,11 2-160-15,16 4-131 0</inkml:trace>
+  <inkml:trace contextRef="#ctx0" brushRef="#br0" timeOffset="90781.17">17391 15114 632 0,'-12'3'148'0,"3"1"-127"0,0 1-32 0</inkml:trace>
+  <inkml:trace contextRef="#ctx0" brushRef="#br0" timeOffset="90996.86">17334 15130 904 0,'-2'-7'484'0,"5"2"-229"0,-3-4-135 0,2 2 73 15,-2-1-26-15,0 1-17 0,0-3-16 0,-3 2-38 16,-3-1-12-16,-4-2-13 0,5 2-15 0,-6 1-24 16,0-1-8-16,-4 1-7 0,0 5-3 15,2-5-8-15,-6 10-2 0,-4 2 0 0,-2-2-2 16,2 2-2-16,-2 3-3 0,3 3 0 0,-2 3-4 16,4 2 0-16,-2-1 0 0,10 2-3 0,1 6-1 15,2 4 0-15,4 0-1 0,5 2 3 0,7 5 1 16,1-1-1-16,6 3 0 0,6 0 2 0,12-1-1 15,-6 1-6-15,16-7-17 0,-4 2-16 0,4-7-49 16,3 5-22-16,-2-12-28 0,1-1-32 0,-2-6 104 16,-3-4-90-16,3-5-10 0</inkml:trace>
+  <inkml:trace contextRef="#ctx0" brushRef="#br0" timeOffset="91402.32">17663 15051 987 0,'6'-4'442'15,"0"1"-283"-15,-6 1-106 0,0-1 57 0,-1 3-69 16,-2-2-9-16,-2 4-1 0,3-2-1 0,-5 5-4 16,4-2-1-16,-4 4-8 0,2-1-1 0,-1 3-4 15,-2-1-3-15,-1 2 0 0,-1 1-2 0,2 2 1 16,-2 2-4-16,-1 1 0 0,-1 2-2 0,2-2 0 16,3 5-1-16,-2 5-3 0,-1-1 2 15,2-1-3-15,3 2 1 0,1-1 1 0,1 0 0 16,3-2-2-16,0 4 0 0,1-11 1 0,5 1-1 15,-2-3-2-15,3-2 2 0,-1 0-2 0,5-3 1 16,-2-2 1-16,2-2 0 0,0-3 2 0,5-2-2 16,-4 0 3-16,10-4-2 0,-4-3 2 0,-1-4-20 15,3 1-19-15,1-6-30 0,0 1-40 0,2-5 80 16,-3-2-59-16,2-4-27 0</inkml:trace>
+  <inkml:trace contextRef="#ctx0" brushRef="#br0" timeOffset="91593.82">17771 15309 1172 0,'10'-6'468'16,"-4"3"-326"-16,2-6-99 0,6-3 11 16,-2-3-10-16,0 2-16 0,2-1-3 0,-2-1 1 0,0 5 1 15,2-2-2-15,-4 1-9 0,0 8-3 0,-1-1-1 16,1-1-4-16,-3 3-6 0,-1 2 0 0,-2 2-2 0,0 7-27 15,-3 5-18-15,1-4-22 0,-2 3-38 0,-2 13 75 16,2-1-59-16,-2 5-25 0</inkml:trace>
+  <inkml:trace contextRef="#ctx0" brushRef="#br0" timeOffset="91928.02">18137 15275 1274 0,'9'-3'553'0,"-6"-4"-345"0,-2 2-126 0,-1-3 45 16,0 0-19-16,0 2-16 0,-2-2-6 0,2-1-10 16,0 2-10-16,-2-4-13 0,-1 1-9 0,-1-1-20 15,0 0-6-15,-4 0-4 0,3 1-1 0,-5 1-6 0,2 4-2 0,-3 3-1 16,1 2-3-16,-2 1-1 0,2 8-1 0,-2 4-2 15,-1 7-4-15,-2 11 1 0,0-3-1 0,2 2-1 16,-3 11-9-16,3 0-6 0,1 4-6 16,2-2-8-16,3-1-24 0,1-1-11 0,5-2-13 15,3-4-11-15,9-11-7 0,-2-1-2 0,8-7 1 16,3-10-4-16,8-8-18 0,-2 2-19 0,11-20-30 16,-4 3-52-16,3-10 156 0,3 2-104 0,-21-5-35 31</inkml:trace>
+  <inkml:trace contextRef="#ctx0" brushRef="#br0" timeOffset="92145.01">18383 15050 1486 0,'-8'4'599'15,"3"-1"-417"-15,-1 1-128 0,3 1 19 0,2 0-24 0,1 0-12 0,0 0-4 0,0 1-5 16,0 1-8-16,2 0-5 0,-1 0-7 0,-1-1-3 15,1 1-4-15,0 3 1 0,-1 3 0 0,-3 5-1 16,1-3-1-16,0 4-6 0,-4 5-27 16,2 2-16-16,-2 0-19 0,1 4-22 0,-1 1-90 15,2-1-72-15,-1 2 168 0,1-3-128 0,4-2-74 16</inkml:trace>
+  <inkml:trace contextRef="#ctx0" brushRef="#br0" timeOffset="92453.71">18540 15049 972 0,'13'-18'470'0,"-3"5"-259"15,-1 2-125-15,-5 5 59 0,1 1-29 0,-3 1-20 16,0 3-10-16,-2 2-16 0,0-1-7 0,-2 9-8 16,-3-3-3-16,0 4-15 0,1 2-3 0,-7 4-5 15,0-1-4-15,-4 3-6 0,-3 1-2 0,-2-2-3 16,0 2-5-16,-2 1-4 0,0 0-1 0,1-5-1 15,-1 3 0-15,4-5 0 0,1-3-2 0,-1 2 1 16,3 0 0-16,1-4-2 0,2 0 0 0,3-3-1 0,-1 3 0 16,5-1-2-16,-1 0 2 0,6 1-4 0,-2 1 0 15,1 1 0-15,1 2 1 0,1 1 0 0,6 4-1 16,-1-2 1-16,2 4 0 0,0 1 2 0,7-2 2 16,0 2-1-16,6-2 0 0,-1-2 1 0,1-1 1 15,0 0 1-15,3-7-1 0,-2-2-1 0,-1 0-7 16,0-4-17-16,-1-2-24 0,-1-1-36 0,-5-3 62 15,-2-3-42-15,-8-6-21 0</inkml:trace>
+  <inkml:trace contextRef="#ctx0" brushRef="#br0" timeOffset="93418.67">18785 15339 920 0,'-15'10'447'15,"-2"0"-243"-15,11-4-115 0,-5-2 42 0,6-1-30 0,3 2-18 0,-1-5-13 16,2 4-3-16,3-4-9 0,1 1-3 0,-2-2-20 16,4-2-4-16,-3-5-6 0,0 5-4 0,4 1-9 15,-4-3-3-15,-2 2 0 0,1 2-3 0,0 0-2 16,-1 8-1-16,-1 9-2 0,-2-4 2 0,-3-2-2 16,1 9-1-16,-1-1 0 0,-3 1-1 0,4 0-2 15,-4 0 0-15,7-4 0 0,0-2-1 0,3 3-2 16,4-6 0-16,1-4 0 0,3-4 1 0,-2 2 3 15,1-8 0-15,3-2 2 0,-1-7 0 0,0 2 1 16,0-7 0-16,0 0 1 0,2-2 5 0,-1-1 2 16,-2-2 0-16,-1-1 3 0,1 0 3 0,-1-2-2 15,1 0 1-15,0 3 1 0,-3 3-7 0,1 0-2 0,-1-2-2 16,0 3 0-16,0 6-3 0,-3 2 0 0,-1 6 0 16,-1 1-1-16,-2 12 0 0,0-4-1 0,-3 11-1 15,-2 7-1-15,0-2-1 0,0 8 2 0,3 4-3 16,-2-2-2-16,1 0-2 0,2 2 0 0,2-5 0 15,1-6 1-15,1 1 0 0,2-8-1 0,3-5 1 16,1-6 5-16,-1 2 4 0,7-10 0 0,-3-6 2 16,2-4 1-16,1 3 2 0,0-12-1 15,0 1 3-15,0 0 2 0,0-6-2 0,-3 1 0 16,1 5 0-16,0 0 1 0,-7 4-5 0,5 1 2 16,-1 0-1-16,-5 4-5 0,2 3 1 0,-1 0-1 0,1 2-1 15,-2 7 0-15,2-4 1 0,-5 10-1 0,-1 4 0 16,4 1 0-16,-4 8 0 0,2 0 2 0,-3 7-1 15,0 0 0-15,1 2 0 0,1-1-1 0,1 0 2 16,0 1 1-16,0-4-1 0,-2-1-1 0,4-8 1 16,-1 5 1-16,3-14 0 0,4 4 1 0,1-8-1 15,4-5 1-15,1-10 0 0,0 0-1 0,2-5 1 16,2-9 0-16,-1 1 0 0,-2-2-1 0,-5 1 0 16,2 2 0-16,-3-5 2 0,0 1 4 0,-1 5-2 15,-5 2 1-15,1 2 0 0,-3-2 1 0,-3 3 0 16,1-1 1-16,-4 5 0 0,-3 4 1 0,2 2 1 15,-4 2 0-15,-1 9 4 0,-6 5 1 0,2 5-1 16,-5 11 0-16,2 0 0 0,1 14-6 0,-3-4 0 16,4 14-2-16,-4-4-3 0,10 4-2 0,-3-1-2 15,11 0-6-15,0 0-14 0,4-12-51 0,8-2-38 16,8-14-59-16,2 0-103 0,7-17 190 0,5-11-141 16,-1-16-54-16</inkml:trace>
+  <inkml:trace contextRef="#ctx0" brushRef="#br0" timeOffset="94030.05">19710 15175 1572 0,'-6'-8'104'0,"-3"-2"-46"16,3 4-19-16,5 0-9 0,2 1 9 0,-2-2 0 16,1-4 50-16,-1-3-10 0,3-3-13 0,4 5 3 15,5-6 3-15,0 4 2 0,2-5-10 0,3-1-3 16,2 1-6-16,2 2-8 0,-2 3-15 0,5 2-3 0,7 4-6 15,-4-2-4-15,1 6-6 0,1 4-4 0,0 1-3 16,-2 4-1-16,-4 8-1 0,4-2-3 0,-10 9-1 16,-3 8-1-16,-3 2-3 0,-4 10-2 0,-7 8-1 15,-14 8-13-15,7 1-3 0,-18 8-4 0,-2 0-2 16,-5 2-5-16,-3 0 0 0,-1-8 0 0,-2-1 6 16,4-9 15-16,-3 4 8 0,4-25 6 0,2 6 10 15,4-14 21-15,0-8 5 0,-1-11 4 0,3 0 5 16,4-4 1-16,2-10 2 0,-2-6 10 0,1-1-7 15,1-1-13-15,4-2-1 0,5 1-5 0,0-6-4 16,8 1-6-16,-3-3-3 0,11 7-12 0,6-1 4 16,1-1-4-16,8 3 0 0,3 5-1 0,8 5-1 15,1 2-1-15,7 4-3 0,5 7 0 0,8 6-4 16,0-1-1-16,8 10-24 0,4-1-41 0,8 5 56 16,-3-2-30-16,7-4-17 0</inkml:trace>
+  <inkml:trace contextRef="#ctx0" brushRef="#br0" timeOffset="96993.54">5921 10152 1206 0,'-8'6'437'0,"2"2"-328"15,6-2-82-15,4 3-1 0,-1-1-6 0,3-1-9 0,6-1 0 16,6-2 0-16,0 2-4 0,0-3-3 15,6-3-1-15,5 0-2 0,7-4 0 0,11-3-1 16,-3 2 0-16,2-4-1 0,8-3 1 0,0 0 0 16,3-2 1-16,0 4 1 0,5 2 3 0,-1-7 0 15,2 6 3-15,-3-4 2 0,5 3-1 0,1 3 0 16,0-5 0-16,2 4-2 0,0-2-2 0,-2 0 1 16,4 3-3-16,-2 0-2 0,4 2 1 0,-4-3 0 15,4 7-2-15,-3-3 2 0,-1-1-1 0,3 4-1 16,-2-3 0-16,5 3 3 0,-15-2-3 0,4 1-2 0,10-1 2 15,-2-2 0-15,-9 0 0 0,1 1 0 0,-2-2 0 16,9 3 0-16,-3-5 1 0,1-1 1 0,-11 2 0 16,9 0 0-16,-1 6 12 0,0-2 4 0,-2-3 5 15,-7 4 6-15,-2 1 3 0,-5 1 2 0,-3 2-2 16,-3 6 2-16,-1-7-11 0,-8 11-5 0,-1-3-4 16,-6 1-5-16,4 0-4 0,-9-5 1 15,0 3 0-15,-5-3 0 0,-5 0-1 0,-4-3-1 0,2 4 1 16,-6-4 0-16,-2 1 1 0,-2-3-2 0,-1 0-1 15,-1 0-1-15,-4-2-6 0,-1 1-31 16,-2-1-22-16,0-2-37 0,-1 4-53 0,1 0 104 0,-2 2-100 16,1 2-53-16</inkml:trace>
+  <inkml:trace contextRef="#ctx0" brushRef="#br0" timeOffset="99172.84">18057 15927 714 0,'2'1'388'0,"1"-3"-201"16,1 2-108-16,-2 0 38 0,-2 0-18 0,2-1-19 16,0 1 0-16,1 0-5 0,1 0-1 0,-2-1-18 15,0 2-3-15,1 1-6 0,0 0-8 0,0 0-4 16,0 2-12-16,-1-2-2 0,1 2-6 0,1 3-5 15,1-2-5-15,-1 1 0 0,-4 0-2 0,0 2 0 16,-1-1-1-16,2 2 1 0,-4 2-3 0,2-2 0 16,-6 4 0-16,4 0 1 0,-2 4-1 0,0 0 0 15,-1 3-5-15,0 2-4 0,0-1-2 0,-1 3-4 16,3-4-3-16,-2 0-9 0,3 10-10 0,-1-4-6 16,2-3 2-16,0 5-1 0,0-4 1 0,0 5-4 15,1-2 2-15,1 4 5 0,1-8 10 0,-1 4 3 16,1-3 2-16,2 1 5 0,0 0 3 0,2-3 9 15,0 1 4-15,-1-3 0 0,-3-4 2 0,1-2 8 16,-1 3 4-16,-1-8 3 0,0 4 9 0,-4-5 10 16,0-2 5-16,-2 1 5 0,-1-3 4 0,0 0 7 15,-2-2 2-15,0 3-2 0,0-2-4 0,0-1-8 0,1 2-2 16,-4-4 0-16,3 2-1 0,0 3-11 0,1-5-2 16,3 3-2-16,-3-2-4 0,6 1-4 0,-3 0-5 15,5 0-5-15,-1 1-2 0,1 0-2 0,0-1-2 16,1-1-1-16,2 1 0 0,-1 1-2 15,1 0 2-15,0 2 0 0,0-3 0 0,0 0 0 16,-1 0 0-16,-1-2 0 0,1 4 1 0,-2-4 3 16,3 3-2-16,-3-1 1 0,0 2-2 0,0-1 1 15,0-2-1-15,-3 3 1 0,2 1 0 0,-2-5-2 16,0 3-1-16,-1-3-4 0,0 0 4 0,1 6-4 0,-3-4 0 16,2 2-3-16,-1-3 1 0,0 0-1 0,-2-1 2 15,-2 0 0-15,-2-4 1 0,0 0 3 0,1 1 0 0,-6-4 3 16,-1 0 1-16,-1-1 3 0,-2 0-3 15,0 2 4-15,-1-3 2 0,-2 0 1 0,-7-2 1 16,5 1 2-16,-1 3-2 0,-1-1 0 0,-2-1 4 16,-2-1-5-16,0 3-1 0,2 2-5 0,-1 1 0 15,-3 2-3-15,1-6 2 0,-8 6-2 0,4-2-2 16,-2 2 2-16,-4 0 0 0,-1 0 1 0,1 1 0 16,5-1 1-16,-2 2-1 0,-6-1 3 15,-2 0-3-15,8 0 1 0,-2 0 0 0,2 0-1 0,-9-1 1 16,1-2-2-16,-2 2 3 0,9 1-3 0,-8-1 0 15,-4-1 2-15,2 0-1 0,-2 1 0 0,-3-1 1 16,1 2 1-16,-4-2-2 0,-2-1 2 0,-1 2-2 16,2 1 1-16,-5 0-2 0,0 0 1 0,0 1-3 15,-1-1 0-15,-1 1-1 0,1 0-1 0,0 0 1 16,-2 0-1-16,-5 0 1 0,2-1-1 0,1-2 3 16,-3 1 0-16,6 0 0 0,-9 0 1 0,11-2 1 0,1 1 0 15,-5 0 0-15,-3-1 2 0,12 3-3 0,-1-2 1 16,-3-1 1-16,-4-1 0 0,-2 3-2 0,-1-1 1 15,9 3-1-15,-10-1-1 0,1-2 0 0,-3 5-1 16,-3-2 0-16,3 1-2 0,0 0 1 16,0 0 1-16,4 2 0 0,0-2 1 0,-3 1 1 15,4 1-2-15,0 1 1 0,1-1 3 0,0 0 1 16,3-3-1-16,-2 2 0 0,3-2 1 0,1 0 2 16,0-4 1-16,3 2 1 0,4-3-3 0,-1 0 0 15,3 3 2-15,1-7-3 0,7 3 0 0,6 2-3 0,-6-1-1 16,1-1 0-16,5 1-4 0,3-1 0 0,-3 0-2 15,-3 5-2-15,0-3-1 0,-1 0 0 0,8 4-1 16,-5 0-4-16,0 1-1 0,2 2 2 0,-2 1 0 16,2-1 3-16,-2 1 1 0,-2 1 0 0,2-2 5 0,-5 4 1 15,4-2 5-15,1 2-1 0,-1-1 2 16,3 1 8-16,0 0 2 0,4-3 1 0,1 2 2 16,2-4 6-16,0 0 2 0,1-2 4 0,2 0 1 15,2 0-3-15,8-1-1 0,0 1 3 0,-3-2-4 16,7 1-5-16,5-1-4 0,1 0-5 0,1 2-5 15,4-1-4-15,-1 0-4 0,4 1-3 0,0-1-3 16,-1 0 0-16,1 1 0 0,0 0 1 0,1 0 1 16,1 0 0-16,-1 0 3 0,0-1 0 0,-1 1 2 15,0-1 1-15,1 1 0 0,-1-1 0 0,-1-1 2 16,0 2 0-16,0 0 1 0,0 2-3 0,1-2-13 16,-1 0-11-16,2 0-14 0,1 0-20 0,5-3-101 15,0-1-79-15,8-3 172 0,-2 0-129 0,0-2-56 0</inkml:trace>
+  <inkml:trace contextRef="#ctx0" brushRef="#br0" timeOffset="99970.1">11869 16262 1047 0,'-7'3'439'0,"3"-5"-286"0,-4 0-97 0,6 0 26 16,-1-1-18-16,2 3-6 0,0 0 1 0,-1 2-9 15,1-2-2-15,0 2-8 0,1-1-6 0,0 0-7 16,-3 0-3-16,-3 5-3 0,1-2-2 0,1-2-5 0,-1 4-4 16,0-1 2-16,-3 2-2 0,2 1-4 0,2-3 1 15,-3-1-1-15,-1 2-3 0,-2-2 1 0,0 3 0 16,0-4-3-16,-1 3-1 0,-2-3 2 0,2 3-1 16,-3-1-1-16,2 0 2 0,-2 0-1 0,0 1-1 15,1 0 0-15,3 0 1 0,-2-1-1 0,6 2 0 16,-1-1-2-16,3 2-2 0,-1-2 1 0,2-1 0 15,1 2 0-15,0-1-1 0,2-1 3 0,-2 1-4 16,2-1 5-16,-1-1 0 0,0 0 0 0,1 0 0 16,-1-1 0-16,0 1 1 0,1-3 0 0,0 1 3 15,0-1-2-15,0 1 0 0,0-2-1 0,0 1 1 0,0-1 0 16,0 1 0-16,1 1 2 0,-1-1-2 0,0 0 2 16,0-1 0-16,0 0 1 0,0 0 0 15,0 0 2-15,0 0 0 0,0-1-1 0,-1 2 0 0,1 0-2 16,0 0 2-16,0 7-3 0,0-5 1 0,0 2-2 15,0 3 0-15,0 2-1 0,-1-3-1 0,0 3 1 16,-1-2 0-16,-2 1-1 0,3 3 1 0,-2 1 0 16,0-1 0-16,-2-2-1 0,2 3 2 15,1-2-1-15,-3-2-1 0,3 6 2 0,-1-4-2 16,1 0-2-16,2 1 1 0,0-3 0 0,1 1 1 16,4 4 0-16,1 1 0 0,3-8 0 0,4 7 0 15,0-7 0-15,6 5 0 0,3-4 2 0,2 3-2 16,-1-5-5-16,4 0-22 0,1 4-29 0,-1-5 45 15,-1 1-26-15,1 1-16 0</inkml:trace>
+</inkml:ink>
+</file>
+
+<file path=ppt/ink/ink10.xml><?xml version="1.0" encoding="utf-8"?>
+<inkml:ink xmlns:inkml="http://www.w3.org/2003/InkML">
+  <inkml:definitions>
+    <inkml:context xml:id="ctx0">
+      <inkml:inkSource xml:id="inkSrc0">
+        <inkml:traceFormat>
           <inkml:channel name="X" type="integer" min="-2.14748E9" max="2.14748E9" units="cm"/>
           <inkml:channel name="Y" type="integer" min="-2.14748E9" max="2.14748E9" units="cm"/>
           <inkml:channel name="F" type="integer" max="32767" units="dev"/>
@@ -6522,18 +6663,18 @@
           <inkml:channelProperty channel="F" name="resolution" value="0" units="1/dev"/>
         </inkml:channelProperties>
       </inkml:inkSource>
-      <inkml:timestamp xml:id="ts0" timeString="2024-05-14T15:33:21.447"/>
+      <inkml:timestamp xml:id="ts0" timeString="2024-05-14T17:10:49.784"/>
     </inkml:context>
     <inkml:brush xml:id="br0">
       <inkml:brushProperty name="width" value="0.035" units="cm"/>
       <inkml:brushProperty name="height" value="0.035" units="cm"/>
     </inkml:brush>
   </inkml:definitions>
-  <inkml:trace contextRef="#ctx0" brushRef="#br0">1 119 24575,'1'60'0,"13"78"0,-9-112 0,11 35 0,3 13 0,-15-40 0,-2 0 0,-3 63 0,-1-29 0,2-53 0,-2 0 0,-5 25 0,-3 27 0,9-42 0,1 1 0,-2 1 0,-7 41 0,4-37 0,2 0 0,0 0 0,2 0 0,6 53 0,-3-71 0,0-1 0,1 0 0,9 21 0,-8-21 0,0 0 0,0 0 0,2 20 0,-6-29 0,1 0 0,-1 0 0,0 0 0,1 0 0,-1 0 0,1-1 0,0 1 0,0 0 0,0 0 0,1-1 0,-1 1 0,1 0 0,2 3 0,-2-5 0,0 0 0,0 0 0,0 0 0,0 0 0,0 0 0,0 0 0,0 0 0,0-1 0,1 1 0,-1-1 0,0 0 0,0 0 0,0 0 0,1 0 0,-1 0 0,0 0 0,0 0 0,4-2 0,129-7 0,-58 6 0,-3-6 0,-55 5 0,0 2 0,0 0 0,0 1 0,0 1 0,25 2 0,80 11 0,246-7 0,-208-8 0,-58 1 0,111 3 0,-94 18 0,-98-16 0,1 1 0,-1 1 0,37 14 0,-30-9 0,37 9 0,168 24 0,-106-21 0,-60-13 0,34 5 0,0-4 0,105-4 0,313-7 0,-391 9 0,-22 0 0,402-6 0,-295-4 0,-213 1 0,0 0 0,0 0 0,1 0 0,-1 0 0,0 0 0,0 0 0,0-1 0,1 1 0,-1-1 0,0 1 0,0-1 0,0 0 0,0 0 0,0 0 0,0 0 0,0 0 0,-1 0 0,1-1 0,0 1 0,0-1 0,2-2 0,-3 1 0,0 0 0,0 0 0,0 0 0,-1 0 0,1 0 0,-1 0 0,0 0 0,1-1 0,-1 1 0,-1 0 0,1 0 0,0 0 0,-1 0 0,0 0 0,-1-5 0,-75-224 0,30 103 0,29 76 0,6 22 0,2 0 0,1-1 0,-6-40 0,7 26 0,-3 1 0,-2 1 0,-26-64 0,31 85 0,2 0 0,1 0 0,0 0 0,2 0 0,1-1 0,0 1 0,2-1 0,4-39 0,-2 54 0,0 0 0,1 0 0,0 0 0,0 0 0,1 1 0,6-11 0,11-27 0,-16 24 0,-1 0 0,-1-1 0,-1 1 0,0-1 0,-2 1 0,-3-23 0,2-12 0,1 55 0,0 0 0,0-1 0,0 1 0,0 0 0,-1 0 0,1-1 0,0 1 0,-1 0 0,0 0 0,1 0 0,-1 0 0,0-1 0,0 1 0,0 0 0,-1 1 0,1-1 0,0 0 0,-1 0 0,1 0 0,-1 1 0,1-1 0,-1 1 0,-2-2 0,-1 1 0,0 0 0,0 0 0,0 0 0,-1 1 0,1 0 0,0 0 0,-1 0 0,1 1 0,-6 0 0,-273 1 0,-94-6 0,311 1 0,0 3 0,1 3 0,-129 20 0,135-15 0,-1-3 0,-118-7 0,161 3 0,-103-10 0,-58 0 0,-458 10 0,482-10 0,11 0 0,-218 11 0,348-2 0,0 0 0,0-1 0,-14-4 0,13 2 0,-1 1 0,-20-1 0,4 4 0,0 2 0,0 1 0,-34 8 0,-21-3 0,66-8 0,0 2 0,1 0 0,-28 6 0,-14 6 0,-1-3 0,-95 4 0,93-10 0,14 6-1365,38-8-5461</inkml:trace>
+  <inkml:trace contextRef="#ctx0" brushRef="#br0">862 243 24575,'-3'0'0,"-1"1"0,0-1 0,1 1 0,-1 0 0,1 1 0,-6 2 0,-5 1 0,-29 10 0,1 2 0,1 1 0,-64 39 0,49-26 0,-1-2 0,-64 23 0,106-46 0,1 0 0,0 1 0,-22 14 0,28-16 0,-17 9 0,17-11 0,1 1 0,-14 8 0,19-10 0,-1 0 0,0 0 0,1 0 0,0 1 0,0-1 0,0 1 0,0-1 0,1 1 0,-1-1 0,-2 7 0,-23 76 0,-19 103 0,33-131 0,-8 59 0,6-33 0,12-60 0,0 23 0,2-26 0,-7 37 0,-5-7 0,4-15 0,1 1 0,-5 62 0,14 90 0,0-183 0,0 0 0,0-1 0,0 1 0,0 0 0,1 0 0,0-1 0,0 1 0,0-1 0,5 7 0,3 1 0,19 21 0,-11-14 0,-3-4 0,1 0 0,22 14 0,20 19 0,-6 2 0,59 61 0,-25-28 0,-30-30 0,-22-22 0,2-2 0,1-1 0,0-1 0,3-1 0,63 30 0,-72-42 0,59 18 0,35 1 0,-6 1 0,57 12 0,-119-36 0,78 4 0,59-8 0,-143-6 0,210 7 0,-133 5 0,101 6 0,-174-18 0,-1-1 0,54-9 0,-36 3 0,-37 4 0,70-14 0,-98 14 0,1 1 0,-1-2 0,-1 0 0,1 1 0,0-1 0,-1 0 0,1-1 0,8-8 0,11-8 0,-24 20 0,106-77 0,-87 60 0,0-1 0,31-35 0,-26 27 0,0 0 0,48-35 0,-21 18 0,-33 30 0,0-1 0,2 2 0,-1 0 0,46-18 0,3-2 0,-64 29 0,11-4 0,-1 0 0,0-2 0,0 0 0,23-20 0,1-7 0,79-80 0,-114 111 0,0-1 0,0 1 0,-1-1 0,0 0 0,4-12 0,10-38 0,-14 42 0,1-7 0,-1 1 0,1-40 0,-7-44 0,0 87 0,0 0 0,-2-1 0,0 2 0,-14-35 0,1 16 0,-26-43 0,34 65 0,-2 0 0,0 0 0,0 1 0,-20-18 0,-40-44 0,9 8 0,39 45 0,1-2 0,-31-44 0,-241-318 0,220 296 0,61 74 0,6 9 0,1-1 0,0 0 0,1 0 0,-1 0 0,2-1 0,-5-10 0,-50-128 0,44 110 0,-32-59 0,43 91 0,1 1 0,-1-1 0,1 1 0,-1 0 0,0 0 0,-1 0 0,1 1 0,-1 0 0,0-1 0,0 1 0,-10-5 0,5 4 0,1 0 0,-2 1 0,1 0 0,0 0 0,-21-2 0,-152-7 0,-1 12 0,76 1 0,90 0 0,0 1 0,0 0 0,-28 7 0,28-4 0,-2-2 0,-35 3 0,3-2 0,-1 2 0,-51 12 0,47-8 0,-34 4 0,-104 21 0,176-32 0,-1 0 0,1-2 0,0 0 0,-31-2 0,5 0 0,-182 1 0,221 0 0,1 0 0,-1 1 0,0 0 0,1 0 0,-1 0 0,1 1 0,-1-1 0,1 2 0,-6 1 0,-6 5 0,-21 14 0,-7 4 0,25-16 0,14-7 0,-1 0 0,1-1 0,-1 0 0,-1 0 0,-7 2 0,9-3 23,0 0 0,0 0-1,-7 5 1,-3 0-1479,10-4-5370</inkml:trace>
 </inkml:ink>
 </file>
 
-<file path=ppt/ink/ink10.xml><?xml version="1.0" encoding="utf-8"?>
+<file path=ppt/ink/ink11.xml><?xml version="1.0" encoding="utf-8"?>
 <inkml:ink xmlns:inkml="http://www.w3.org/2003/InkML">
   <inkml:definitions>
     <inkml:context xml:id="ctx0">
@@ -6560,7 +6701,7 @@
 </inkml:ink>
 </file>
 
-<file path=ppt/ink/ink11.xml><?xml version="1.0" encoding="utf-8"?>
+<file path=ppt/ink/ink12.xml><?xml version="1.0" encoding="utf-8"?>
 <inkml:ink xmlns:inkml="http://www.w3.org/2003/InkML">
   <inkml:definitions>
     <inkml:context xml:id="ctx0">
@@ -6587,7 +6728,7 @@
 </inkml:ink>
 </file>
 
-<file path=ppt/ink/ink12.xml><?xml version="1.0" encoding="utf-8"?>
+<file path=ppt/ink/ink13.xml><?xml version="1.0" encoding="utf-8"?>
 <inkml:ink xmlns:inkml="http://www.w3.org/2003/InkML">
   <inkml:definitions>
     <inkml:context xml:id="ctx0">
@@ -6630,6 +6771,33 @@
           <inkml:channelProperty channel="F" name="resolution" value="0" units="1/dev"/>
         </inkml:channelProperties>
       </inkml:inkSource>
+      <inkml:timestamp xml:id="ts0" timeString="2024-05-14T15:33:21.447"/>
+    </inkml:context>
+    <inkml:brush xml:id="br0">
+      <inkml:brushProperty name="width" value="0.035" units="cm"/>
+      <inkml:brushProperty name="height" value="0.035" units="cm"/>
+    </inkml:brush>
+  </inkml:definitions>
+  <inkml:trace contextRef="#ctx0" brushRef="#br0">1 119 24575,'1'60'0,"13"78"0,-9-112 0,11 35 0,3 13 0,-15-40 0,-2 0 0,-3 63 0,-1-29 0,2-53 0,-2 0 0,-5 25 0,-3 27 0,9-42 0,1 1 0,-2 1 0,-7 41 0,4-37 0,2 0 0,0 0 0,2 0 0,6 53 0,-3-71 0,0-1 0,1 0 0,9 21 0,-8-21 0,0 0 0,0 0 0,2 20 0,-6-29 0,1 0 0,-1 0 0,0 0 0,1 0 0,-1 0 0,1-1 0,0 1 0,0 0 0,0 0 0,1-1 0,-1 1 0,1 0 0,2 3 0,-2-5 0,0 0 0,0 0 0,0 0 0,0 0 0,0 0 0,0 0 0,0 0 0,0-1 0,1 1 0,-1-1 0,0 0 0,0 0 0,0 0 0,1 0 0,-1 0 0,0 0 0,0 0 0,4-2 0,129-7 0,-58 6 0,-3-6 0,-55 5 0,0 2 0,0 0 0,0 1 0,0 1 0,25 2 0,80 11 0,246-7 0,-208-8 0,-58 1 0,111 3 0,-94 18 0,-98-16 0,1 1 0,-1 1 0,37 14 0,-30-9 0,37 9 0,168 24 0,-106-21 0,-60-13 0,34 5 0,0-4 0,105-4 0,313-7 0,-391 9 0,-22 0 0,402-6 0,-295-4 0,-213 1 0,0 0 0,0 0 0,1 0 0,-1 0 0,0 0 0,0 0 0,0-1 0,1 1 0,-1-1 0,0 1 0,0-1 0,0 0 0,0 0 0,0 0 0,0 0 0,0 0 0,-1 0 0,1-1 0,0 1 0,0-1 0,2-2 0,-3 1 0,0 0 0,0 0 0,0 0 0,-1 0 0,1 0 0,-1 0 0,0 0 0,1-1 0,-1 1 0,-1 0 0,1 0 0,0 0 0,-1 0 0,0 0 0,-1-5 0,-75-224 0,30 103 0,29 76 0,6 22 0,2 0 0,1-1 0,-6-40 0,7 26 0,-3 1 0,-2 1 0,-26-64 0,31 85 0,2 0 0,1 0 0,0 0 0,2 0 0,1-1 0,0 1 0,2-1 0,4-39 0,-2 54 0,0 0 0,1 0 0,0 0 0,0 0 0,1 1 0,6-11 0,11-27 0,-16 24 0,-1 0 0,-1-1 0,-1 1 0,0-1 0,-2 1 0,-3-23 0,2-12 0,1 55 0,0 0 0,0-1 0,0 1 0,0 0 0,-1 0 0,1-1 0,0 1 0,-1 0 0,0 0 0,1 0 0,-1 0 0,0-1 0,0 1 0,0 0 0,-1 1 0,1-1 0,0 0 0,-1 0 0,1 0 0,-1 1 0,1-1 0,-1 1 0,-2-2 0,-1 1 0,0 0 0,0 0 0,0 0 0,-1 1 0,1 0 0,0 0 0,-1 0 0,1 1 0,-6 0 0,-273 1 0,-94-6 0,311 1 0,0 3 0,1 3 0,-129 20 0,135-15 0,-1-3 0,-118-7 0,161 3 0,-103-10 0,-58 0 0,-458 10 0,482-10 0,11 0 0,-218 11 0,348-2 0,0 0 0,0-1 0,-14-4 0,13 2 0,-1 1 0,-20-1 0,4 4 0,0 2 0,0 1 0,-34 8 0,-21-3 0,66-8 0,0 2 0,1 0 0,-28 6 0,-14 6 0,-1-3 0,-95 4 0,93-10 0,14 6-1365,38-8-5461</inkml:trace>
+</inkml:ink>
+</file>
+
+<file path=ppt/ink/ink3.xml><?xml version="1.0" encoding="utf-8"?>
+<inkml:ink xmlns:inkml="http://www.w3.org/2003/InkML">
+  <inkml:definitions>
+    <inkml:context xml:id="ctx0">
+      <inkml:inkSource xml:id="inkSrc0">
+        <inkml:traceFormat>
+          <inkml:channel name="X" type="integer" min="-2.14748E9" max="2.14748E9" units="cm"/>
+          <inkml:channel name="Y" type="integer" min="-2.14748E9" max="2.14748E9" units="cm"/>
+          <inkml:channel name="F" type="integer" max="32767" units="dev"/>
+        </inkml:traceFormat>
+        <inkml:channelProperties>
+          <inkml:channelProperty channel="X" name="resolution" value="1000" units="1/cm"/>
+          <inkml:channelProperty channel="Y" name="resolution" value="1000" units="1/cm"/>
+          <inkml:channelProperty channel="F" name="resolution" value="0" units="1/dev"/>
+        </inkml:channelProperties>
+      </inkml:inkSource>
       <inkml:timestamp xml:id="ts0" timeString="2024-05-14T15:33:38.504"/>
     </inkml:context>
     <inkml:brush xml:id="br0">
@@ -6641,7 +6809,7 @@
 </inkml:ink>
 </file>
 
-<file path=ppt/ink/ink3.xml><?xml version="1.0" encoding="utf-8"?>
+<file path=ppt/ink/ink4.xml><?xml version="1.0" encoding="utf-8"?>
 <inkml:ink xmlns:inkml="http://www.w3.org/2003/InkML">
   <inkml:definitions>
     <inkml:context xml:id="ctx0">
@@ -6668,7 +6836,7 @@
 </inkml:ink>
 </file>
 
-<file path=ppt/ink/ink4.xml><?xml version="1.0" encoding="utf-8"?>
+<file path=ppt/ink/ink5.xml><?xml version="1.0" encoding="utf-8"?>
 <inkml:ink xmlns:inkml="http://www.w3.org/2003/InkML">
   <inkml:definitions>
     <inkml:context xml:id="ctx0">
@@ -6695,7 +6863,7 @@
 </inkml:ink>
 </file>
 
-<file path=ppt/ink/ink5.xml><?xml version="1.0" encoding="utf-8"?>
+<file path=ppt/ink/ink6.xml><?xml version="1.0" encoding="utf-8"?>
 <inkml:ink xmlns:inkml="http://www.w3.org/2003/InkML">
   <inkml:definitions>
     <inkml:context xml:id="ctx0">
@@ -6722,7 +6890,7 @@
 </inkml:ink>
 </file>
 
-<file path=ppt/ink/ink6.xml><?xml version="1.0" encoding="utf-8"?>
+<file path=ppt/ink/ink7.xml><?xml version="1.0" encoding="utf-8"?>
 <inkml:ink xmlns:inkml="http://www.w3.org/2003/InkML">
   <inkml:definitions>
     <inkml:context xml:id="ctx0">
@@ -6749,7 +6917,7 @@
 </inkml:ink>
 </file>
 
-<file path=ppt/ink/ink7.xml><?xml version="1.0" encoding="utf-8"?>
+<file path=ppt/ink/ink8.xml><?xml version="1.0" encoding="utf-8"?>
 <inkml:ink xmlns:inkml="http://www.w3.org/2003/InkML">
   <inkml:definitions>
     <inkml:context xml:id="ctx0">
@@ -6776,7 +6944,7 @@
 </inkml:ink>
 </file>
 
-<file path=ppt/ink/ink8.xml><?xml version="1.0" encoding="utf-8"?>
+<file path=ppt/ink/ink9.xml><?xml version="1.0" encoding="utf-8"?>
 <inkml:ink xmlns:inkml="http://www.w3.org/2003/InkML">
   <inkml:definitions>
     <inkml:context xml:id="ctx0">
@@ -6800,33 +6968,6 @@
     </inkml:brush>
   </inkml:definitions>
   <inkml:trace contextRef="#ctx0" brushRef="#br0">1441 385 24575,'-6'1'0,"0"0"0,-1 0 0,2 0 0,-1 1 0,0 0 0,-10 5 0,-7 1 0,-48 16 0,1 2 0,2 3 0,-108 62 0,83-42 0,-4-3 0,-105 36 0,177-73 0,2 2 0,0-1 0,-37 24 0,46-26 0,-28 13 0,29-16 0,1 1 0,-23 14 0,32-17 0,-2 0 0,1 0 0,0 1 0,1 0 0,-1 0 0,1 0 0,0 0 0,0 0 0,0 0 0,-3 10 0,-40 120 0,-30 165 0,55-209 0,-15 94 0,11-52 0,20-97 0,-1 39 0,5-42 0,-12 59 0,-8-13 0,5-22 0,2 1 0,-7 98 0,23 144 0,-1-291 0,0-1 0,1 1 0,0-1 0,1 1 0,-1-1 0,2 1 0,-1-1 0,1 0 0,8 10 0,4 3 0,33 31 0,-19-21 0,-5-6 0,2-1 0,35 24 0,35 29 0,-10 4 0,98 95 0,-41-43 0,-49-48 0,-39-35 0,4-2 0,1-2 0,2-3 0,3-1 0,107 48 0,-122-67 0,100 28 0,57 4 0,-9-1 0,96 21 0,-200-58 0,131 6 0,98-13 0,-240-9 0,353 10 0,-223 10 0,169 8 0,-292-27 0,-1-4 0,91-13 0,-61 5 0,-61 7 0,115-23 0,-161 23 0,-1-1 0,0 0 0,-1-1 0,1 0 0,-1 0 0,-1 0 0,1-2 0,15-13 0,18-11 0,-41 29 0,176-121 0,-142 96 0,-2-1 0,52-57 0,-45 42 0,2 2 0,80-57 0,-35 30 0,-57 46 0,2 0 0,2 2 0,1 1 0,74-30 0,6-2 0,-108 46 0,20-6 0,-1-3 0,-2 1 0,0-3 0,39-30 0,2-11 0,133-128 0,-192 176 0,1 0 0,-2-1 0,0 0 0,-1 0 0,8-18 0,16-63 0,-24 68 0,3-9 0,-3-1 0,3-63 0,-12-69 0,0 136 0,-2 2 0,0-1 0,-3 1 0,-21-54 0,1 24 0,-44-67 0,56 103 0,-2-1 0,0 1 0,-1 1 0,-33-26 0,-66-72 0,14 12 0,66 71 0,1-1 0,-52-72 0,-402-502 0,368 467 0,102 120 0,9 12 0,1 0 0,1-1 0,2 0 0,-1 0 0,1-1 0,-7-16 0,-84-202 0,74 172 0,-54-92 0,74 144 0,-1 1 0,0 0 0,0 0 0,0 1 0,-1 0 0,0 0 0,-2 0 0,1 1 0,0 0 0,0 0 0,-17-7 0,9 5 0,0 1 0,-1 1 0,-1-1 0,1 3 0,-34-6 0,-255-10 0,-2 19 0,129 1 0,149 1 0,-1 1 0,1 1 0,-47 10 0,46-7 0,-1-1 0,-60 3 0,4-3 0,1 3 0,-87 20 0,78-13 0,-56 7 0,-174 32 0,295-50 0,-2-1 0,1-2 0,0 0 0,-51-4 0,7 0 0,-303 2 0,369 0 0,2 1 0,-2 0 0,0 0 0,0 1 0,1 1 0,0-1 0,0 0 0,0 2 0,-9 3 0,-10 7 0,-37 23 0,-9 5 0,40-24 0,24-12 0,-1 0 0,0-1 0,0 0 0,-2-1 0,-13 5 0,17-7 23,-1 2 0,0-1-1,-12 8 1,-5 0-1479,16-7-5370</inkml:trace>
-</inkml:ink>
-</file>
-
-<file path=ppt/ink/ink9.xml><?xml version="1.0" encoding="utf-8"?>
-<inkml:ink xmlns:inkml="http://www.w3.org/2003/InkML">
-  <inkml:definitions>
-    <inkml:context xml:id="ctx0">
-      <inkml:inkSource xml:id="inkSrc0">
-        <inkml:traceFormat>
-          <inkml:channel name="X" type="integer" min="-2.14748E9" max="2.14748E9" units="cm"/>
-          <inkml:channel name="Y" type="integer" min="-2.14748E9" max="2.14748E9" units="cm"/>
-          <inkml:channel name="F" type="integer" max="32767" units="dev"/>
-        </inkml:traceFormat>
-        <inkml:channelProperties>
-          <inkml:channelProperty channel="X" name="resolution" value="1000" units="1/cm"/>
-          <inkml:channelProperty channel="Y" name="resolution" value="1000" units="1/cm"/>
-          <inkml:channelProperty channel="F" name="resolution" value="0" units="1/dev"/>
-        </inkml:channelProperties>
-      </inkml:inkSource>
-      <inkml:timestamp xml:id="ts0" timeString="2024-05-14T17:10:49.784"/>
-    </inkml:context>
-    <inkml:brush xml:id="br0">
-      <inkml:brushProperty name="width" value="0.035" units="cm"/>
-      <inkml:brushProperty name="height" value="0.035" units="cm"/>
-    </inkml:brush>
-  </inkml:definitions>
-  <inkml:trace contextRef="#ctx0" brushRef="#br0">862 243 24575,'-3'0'0,"-1"1"0,0-1 0,1 1 0,-1 0 0,1 1 0,-6 2 0,-5 1 0,-29 10 0,1 2 0,1 1 0,-64 39 0,49-26 0,-1-2 0,-64 23 0,106-46 0,1 0 0,0 1 0,-22 14 0,28-16 0,-17 9 0,17-11 0,1 1 0,-14 8 0,19-10 0,-1 0 0,0 0 0,1 0 0,0 1 0,0-1 0,0 1 0,0-1 0,1 1 0,-1-1 0,-2 7 0,-23 76 0,-19 103 0,33-131 0,-8 59 0,6-33 0,12-60 0,0 23 0,2-26 0,-7 37 0,-5-7 0,4-15 0,1 1 0,-5 62 0,14 90 0,0-183 0,0 0 0,0-1 0,0 1 0,0 0 0,1 0 0,0-1 0,0 1 0,0-1 0,5 7 0,3 1 0,19 21 0,-11-14 0,-3-4 0,1 0 0,22 14 0,20 19 0,-6 2 0,59 61 0,-25-28 0,-30-30 0,-22-22 0,2-2 0,1-1 0,0-1 0,3-1 0,63 30 0,-72-42 0,59 18 0,35 1 0,-6 1 0,57 12 0,-119-36 0,78 4 0,59-8 0,-143-6 0,210 7 0,-133 5 0,101 6 0,-174-18 0,-1-1 0,54-9 0,-36 3 0,-37 4 0,70-14 0,-98 14 0,1 1 0,-1-2 0,-1 0 0,1 1 0,0-1 0,-1 0 0,1-1 0,8-8 0,11-8 0,-24 20 0,106-77 0,-87 60 0,0-1 0,31-35 0,-26 27 0,0 0 0,48-35 0,-21 18 0,-33 30 0,0-1 0,2 2 0,-1 0 0,46-18 0,3-2 0,-64 29 0,11-4 0,-1 0 0,0-2 0,0 0 0,23-20 0,1-7 0,79-80 0,-114 111 0,0-1 0,0 1 0,-1-1 0,0 0 0,4-12 0,10-38 0,-14 42 0,1-7 0,-1 1 0,1-40 0,-7-44 0,0 87 0,0 0 0,-2-1 0,0 2 0,-14-35 0,1 16 0,-26-43 0,34 65 0,-2 0 0,0 0 0,0 1 0,-20-18 0,-40-44 0,9 8 0,39 45 0,1-2 0,-31-44 0,-241-318 0,220 296 0,61 74 0,6 9 0,1-1 0,0 0 0,1 0 0,-1 0 0,2-1 0,-5-10 0,-50-128 0,44 110 0,-32-59 0,43 91 0,1 1 0,-1-1 0,1 1 0,-1 0 0,0 0 0,-1 0 0,1 1 0,-1 0 0,0-1 0,0 1 0,-10-5 0,5 4 0,1 0 0,-2 1 0,1 0 0,0 0 0,-21-2 0,-152-7 0,-1 12 0,76 1 0,90 0 0,0 1 0,0 0 0,-28 7 0,28-4 0,-2-2 0,-35 3 0,3-2 0,-1 2 0,-51 12 0,47-8 0,-34 4 0,-104 21 0,176-32 0,-1 0 0,1-2 0,0 0 0,-31-2 0,5 0 0,-182 1 0,221 0 0,1 0 0,-1 1 0,0 0 0,1 0 0,-1 0 0,1 1 0,-1-1 0,1 2 0,-6 1 0,-6 5 0,-21 14 0,-7 4 0,25-16 0,14-7 0,-1 0 0,1-1 0,-1 0 0,-1 0 0,-7 2 0,9-3 23,0 0 0,0 0-1,-7 5 1,-3 0-1479,10-4-5370</inkml:trace>
 </inkml:ink>
 </file>
 
@@ -15335,6 +15476,757 @@
           <p:cNvPr id="2" name="Title 1">
             <a:extLst>
               <a:ext uri="{FF2B5EF4-FFF2-40B4-BE49-F238E27FC236}">
+                <a16:creationId xmlns:a16="http://schemas.microsoft.com/office/drawing/2014/main" id="{1E063B0A-7569-99FD-39AC-160271A19431}"/>
+              </a:ext>
+            </a:extLst>
+          </p:cNvPr>
+          <p:cNvSpPr>
+            <a:spLocks noGrp="1"/>
+          </p:cNvSpPr>
+          <p:nvPr>
+            <p:ph type="title"/>
+          </p:nvPr>
+        </p:nvSpPr>
+        <p:spPr/>
+        <p:txBody>
+          <a:bodyPr/>
+          <a:lstStyle/>
+          <a:p>
+            <a:endParaRPr lang="en-US"/>
+          </a:p>
+        </p:txBody>
+      </p:sp>
+      <p:sp>
+        <p:nvSpPr>
+          <p:cNvPr id="4" name="Footer Placeholder 3">
+            <a:extLst>
+              <a:ext uri="{FF2B5EF4-FFF2-40B4-BE49-F238E27FC236}">
+                <a16:creationId xmlns:a16="http://schemas.microsoft.com/office/drawing/2014/main" id="{63E1B328-0C47-4747-9AD9-CD9E2DA98417}"/>
+              </a:ext>
+            </a:extLst>
+          </p:cNvPr>
+          <p:cNvSpPr>
+            <a:spLocks noGrp="1"/>
+          </p:cNvSpPr>
+          <p:nvPr>
+            <p:ph type="ftr" sz="quarter" idx="10"/>
+          </p:nvPr>
+        </p:nvSpPr>
+        <p:spPr/>
+        <p:txBody>
+          <a:bodyPr/>
+          <a:lstStyle/>
+          <a:p>
+            <a:pPr>
+              <a:defRPr/>
+            </a:pPr>
+            <a:r>
+              <a:rPr lang="fr-FR" altLang="en-US"/>
+              <a:t>CS 1181 – Computer Science II    Dr. Michael Raymer</a:t>
+            </a:r>
+            <a:endParaRPr lang="en-US" altLang="en-US" dirty="0"/>
+          </a:p>
+        </p:txBody>
+      </p:sp>
+      <p:sp>
+        <p:nvSpPr>
+          <p:cNvPr id="5" name="Slide Number Placeholder 4">
+            <a:extLst>
+              <a:ext uri="{FF2B5EF4-FFF2-40B4-BE49-F238E27FC236}">
+                <a16:creationId xmlns:a16="http://schemas.microsoft.com/office/drawing/2014/main" id="{B98F6F7B-3B25-78D2-5D41-20DDA9FB42D4}"/>
+              </a:ext>
+            </a:extLst>
+          </p:cNvPr>
+          <p:cNvSpPr>
+            <a:spLocks noGrp="1"/>
+          </p:cNvSpPr>
+          <p:nvPr>
+            <p:ph type="sldNum" sz="quarter" idx="11"/>
+          </p:nvPr>
+        </p:nvSpPr>
+        <p:spPr/>
+        <p:txBody>
+          <a:bodyPr/>
+          <a:lstStyle/>
+          <a:p>
+            <a:fld id="{19B0E89C-C97D-402E-B9E0-A1BE29AA681C}" type="slidenum">
+              <a:rPr lang="en-US" altLang="en-US" smtClean="0"/>
+              <a:pPr/>
+              <a:t>14</a:t>
+            </a:fld>
+            <a:endParaRPr lang="en-US" altLang="en-US"/>
+          </a:p>
+        </p:txBody>
+      </p:sp>
+      <p:sp>
+        <p:nvSpPr>
+          <p:cNvPr id="7" name="TextBox 6">
+            <a:extLst>
+              <a:ext uri="{FF2B5EF4-FFF2-40B4-BE49-F238E27FC236}">
+                <a16:creationId xmlns:a16="http://schemas.microsoft.com/office/drawing/2014/main" id="{41B07C30-F203-E488-C3F5-C74C520F30CF}"/>
+              </a:ext>
+            </a:extLst>
+          </p:cNvPr>
+          <p:cNvSpPr txBox="1"/>
+          <p:nvPr/>
+        </p:nvSpPr>
+        <p:spPr>
+          <a:xfrm>
+            <a:off x="304800" y="1447800"/>
+            <a:ext cx="7010400" cy="2246769"/>
+          </a:xfrm>
+          <a:prstGeom prst="rect">
+            <a:avLst/>
+          </a:prstGeom>
+          <a:noFill/>
+        </p:spPr>
+        <p:txBody>
+          <a:bodyPr wrap="square">
+            <a:spAutoFit/>
+          </a:bodyPr>
+          <a:lstStyle/>
+          <a:p>
+            <a:r>
+              <a:rPr lang="en-US" sz="1400" b="0" dirty="0">
+                <a:solidFill>
+                  <a:srgbClr val="000000"/>
+                </a:solidFill>
+                <a:effectLst/>
+                <a:latin typeface="Consolas" panose="020B0609020204030204" pitchFamily="49" charset="0"/>
+              </a:rPr>
+              <a:t> </a:t>
+            </a:r>
+            <a:r>
+              <a:rPr lang="en-US" sz="1400" b="0" dirty="0" err="1">
+                <a:solidFill>
+                  <a:srgbClr val="0000FF"/>
+                </a:solidFill>
+                <a:effectLst/>
+                <a:latin typeface="Consolas" panose="020B0609020204030204" pitchFamily="49" charset="0"/>
+              </a:rPr>
+              <a:t>JButton</a:t>
+            </a:r>
+            <a:r>
+              <a:rPr lang="en-US" sz="1400" b="0" dirty="0">
+                <a:solidFill>
+                  <a:srgbClr val="000000"/>
+                </a:solidFill>
+                <a:effectLst/>
+                <a:latin typeface="Consolas" panose="020B0609020204030204" pitchFamily="49" charset="0"/>
+              </a:rPr>
+              <a:t> button = </a:t>
+            </a:r>
+            <a:r>
+              <a:rPr lang="en-US" sz="1400" b="0" dirty="0">
+                <a:solidFill>
+                  <a:srgbClr val="0000FF"/>
+                </a:solidFill>
+                <a:effectLst/>
+                <a:latin typeface="Consolas" panose="020B0609020204030204" pitchFamily="49" charset="0"/>
+              </a:rPr>
+              <a:t>new</a:t>
+            </a:r>
+            <a:r>
+              <a:rPr lang="en-US" sz="1400" b="0" dirty="0">
+                <a:solidFill>
+                  <a:srgbClr val="000000"/>
+                </a:solidFill>
+                <a:effectLst/>
+                <a:latin typeface="Consolas" panose="020B0609020204030204" pitchFamily="49" charset="0"/>
+              </a:rPr>
+              <a:t> </a:t>
+            </a:r>
+            <a:r>
+              <a:rPr lang="en-US" sz="1400" b="0" dirty="0" err="1">
+                <a:solidFill>
+                  <a:srgbClr val="000000"/>
+                </a:solidFill>
+                <a:effectLst/>
+                <a:latin typeface="Consolas" panose="020B0609020204030204" pitchFamily="49" charset="0"/>
+              </a:rPr>
+              <a:t>JButton</a:t>
+            </a:r>
+            <a:r>
+              <a:rPr lang="en-US" sz="1400" b="0" dirty="0">
+                <a:solidFill>
+                  <a:srgbClr val="000000"/>
+                </a:solidFill>
+                <a:effectLst/>
+                <a:latin typeface="Consolas" panose="020B0609020204030204" pitchFamily="49" charset="0"/>
+              </a:rPr>
+              <a:t>(</a:t>
+            </a:r>
+            <a:r>
+              <a:rPr lang="en-US" sz="1400" b="0" dirty="0">
+                <a:solidFill>
+                  <a:srgbClr val="A31515"/>
+                </a:solidFill>
+                <a:effectLst/>
+                <a:latin typeface="Consolas" panose="020B0609020204030204" pitchFamily="49" charset="0"/>
+              </a:rPr>
+              <a:t>"Click me"</a:t>
+            </a:r>
+            <a:r>
+              <a:rPr lang="en-US" sz="1400" b="0" dirty="0">
+                <a:solidFill>
+                  <a:srgbClr val="000000"/>
+                </a:solidFill>
+                <a:effectLst/>
+                <a:latin typeface="Consolas" panose="020B0609020204030204" pitchFamily="49" charset="0"/>
+              </a:rPr>
+              <a:t>);</a:t>
+            </a:r>
+          </a:p>
+          <a:p>
+            <a:r>
+              <a:rPr lang="en-US" sz="1400" b="0" dirty="0">
+                <a:solidFill>
+                  <a:srgbClr val="000000"/>
+                </a:solidFill>
+                <a:effectLst/>
+                <a:latin typeface="Consolas" panose="020B0609020204030204" pitchFamily="49" charset="0"/>
+              </a:rPr>
+              <a:t>        </a:t>
+            </a:r>
+            <a:r>
+              <a:rPr lang="en-US" sz="1400" b="0" dirty="0" err="1">
+                <a:solidFill>
+                  <a:srgbClr val="000000"/>
+                </a:solidFill>
+                <a:effectLst/>
+                <a:latin typeface="Consolas" panose="020B0609020204030204" pitchFamily="49" charset="0"/>
+              </a:rPr>
+              <a:t>content.add</a:t>
+            </a:r>
+            <a:r>
+              <a:rPr lang="en-US" sz="1400" b="0" dirty="0">
+                <a:solidFill>
+                  <a:srgbClr val="000000"/>
+                </a:solidFill>
+                <a:effectLst/>
+                <a:latin typeface="Consolas" panose="020B0609020204030204" pitchFamily="49" charset="0"/>
+              </a:rPr>
+              <a:t>(button);</a:t>
+            </a:r>
+          </a:p>
+          <a:p>
+            <a:r>
+              <a:rPr lang="en-US" sz="1400" b="0" dirty="0">
+                <a:solidFill>
+                  <a:srgbClr val="000000"/>
+                </a:solidFill>
+                <a:effectLst/>
+                <a:latin typeface="Consolas" panose="020B0609020204030204" pitchFamily="49" charset="0"/>
+              </a:rPr>
+              <a:t>        </a:t>
+            </a:r>
+            <a:r>
+              <a:rPr lang="en-US" sz="1400" b="0" dirty="0" err="1">
+                <a:solidFill>
+                  <a:srgbClr val="0000FF"/>
+                </a:solidFill>
+                <a:effectLst/>
+                <a:latin typeface="Consolas" panose="020B0609020204030204" pitchFamily="49" charset="0"/>
+              </a:rPr>
+              <a:t>ButtonListener</a:t>
+            </a:r>
+            <a:r>
+              <a:rPr lang="en-US" sz="1400" b="0" dirty="0">
+                <a:solidFill>
+                  <a:srgbClr val="000000"/>
+                </a:solidFill>
+                <a:effectLst/>
+                <a:latin typeface="Consolas" panose="020B0609020204030204" pitchFamily="49" charset="0"/>
+              </a:rPr>
+              <a:t> </a:t>
+            </a:r>
+            <a:r>
+              <a:rPr lang="en-US" sz="1400" b="0" dirty="0" err="1">
+                <a:solidFill>
+                  <a:srgbClr val="000000"/>
+                </a:solidFill>
+                <a:effectLst/>
+                <a:latin typeface="Consolas" panose="020B0609020204030204" pitchFamily="49" charset="0"/>
+              </a:rPr>
+              <a:t>myListener</a:t>
+            </a:r>
+            <a:r>
+              <a:rPr lang="en-US" sz="1400" b="0" dirty="0">
+                <a:solidFill>
+                  <a:srgbClr val="000000"/>
+                </a:solidFill>
+                <a:effectLst/>
+                <a:latin typeface="Consolas" panose="020B0609020204030204" pitchFamily="49" charset="0"/>
+              </a:rPr>
+              <a:t> = </a:t>
+            </a:r>
+            <a:r>
+              <a:rPr lang="en-US" sz="1400" b="0" dirty="0">
+                <a:solidFill>
+                  <a:srgbClr val="0000FF"/>
+                </a:solidFill>
+                <a:effectLst/>
+                <a:latin typeface="Consolas" panose="020B0609020204030204" pitchFamily="49" charset="0"/>
+              </a:rPr>
+              <a:t>new</a:t>
+            </a:r>
+            <a:r>
+              <a:rPr lang="en-US" sz="1400" b="0" dirty="0">
+                <a:solidFill>
+                  <a:srgbClr val="000000"/>
+                </a:solidFill>
+                <a:effectLst/>
+                <a:latin typeface="Consolas" panose="020B0609020204030204" pitchFamily="49" charset="0"/>
+              </a:rPr>
+              <a:t> </a:t>
+            </a:r>
+            <a:r>
+              <a:rPr lang="en-US" sz="1400" b="0" dirty="0" err="1">
+                <a:solidFill>
+                  <a:srgbClr val="000000"/>
+                </a:solidFill>
+                <a:effectLst/>
+                <a:latin typeface="Consolas" panose="020B0609020204030204" pitchFamily="49" charset="0"/>
+              </a:rPr>
+              <a:t>ButtonListener</a:t>
+            </a:r>
+            <a:r>
+              <a:rPr lang="en-US" sz="1400" b="0" dirty="0">
+                <a:solidFill>
+                  <a:srgbClr val="000000"/>
+                </a:solidFill>
+                <a:effectLst/>
+                <a:latin typeface="Consolas" panose="020B0609020204030204" pitchFamily="49" charset="0"/>
+              </a:rPr>
+              <a:t>(</a:t>
+            </a:r>
+            <a:r>
+              <a:rPr lang="en-US" sz="1400" b="0" dirty="0">
+                <a:solidFill>
+                  <a:srgbClr val="A31515"/>
+                </a:solidFill>
+                <a:effectLst/>
+                <a:latin typeface="Consolas" panose="020B0609020204030204" pitchFamily="49" charset="0"/>
+              </a:rPr>
+              <a:t>"CLICKED"</a:t>
+            </a:r>
+            <a:r>
+              <a:rPr lang="en-US" sz="1400" b="0" dirty="0">
+                <a:solidFill>
+                  <a:srgbClr val="000000"/>
+                </a:solidFill>
+                <a:effectLst/>
+                <a:latin typeface="Consolas" panose="020B0609020204030204" pitchFamily="49" charset="0"/>
+              </a:rPr>
+              <a:t>);</a:t>
+            </a:r>
+          </a:p>
+          <a:p>
+            <a:r>
+              <a:rPr lang="en-US" sz="1400" b="0" dirty="0">
+                <a:solidFill>
+                  <a:srgbClr val="000000"/>
+                </a:solidFill>
+                <a:effectLst/>
+                <a:latin typeface="Consolas" panose="020B0609020204030204" pitchFamily="49" charset="0"/>
+              </a:rPr>
+              <a:t>        </a:t>
+            </a:r>
+            <a:r>
+              <a:rPr lang="en-US" sz="1400" b="0" dirty="0" err="1">
+                <a:solidFill>
+                  <a:srgbClr val="000000"/>
+                </a:solidFill>
+                <a:effectLst/>
+                <a:latin typeface="Consolas" panose="020B0609020204030204" pitchFamily="49" charset="0"/>
+              </a:rPr>
+              <a:t>button.addActionListener</a:t>
+            </a:r>
+            <a:r>
+              <a:rPr lang="en-US" sz="1400" b="0" dirty="0">
+                <a:solidFill>
+                  <a:srgbClr val="000000"/>
+                </a:solidFill>
+                <a:effectLst/>
+                <a:latin typeface="Consolas" panose="020B0609020204030204" pitchFamily="49" charset="0"/>
+              </a:rPr>
+              <a:t>(</a:t>
+            </a:r>
+            <a:r>
+              <a:rPr lang="en-US" sz="1400" b="0" dirty="0" err="1">
+                <a:solidFill>
+                  <a:srgbClr val="000000"/>
+                </a:solidFill>
+                <a:effectLst/>
+                <a:latin typeface="Consolas" panose="020B0609020204030204" pitchFamily="49" charset="0"/>
+              </a:rPr>
+              <a:t>myListener</a:t>
+            </a:r>
+            <a:r>
+              <a:rPr lang="en-US" sz="1400" b="0" dirty="0">
+                <a:solidFill>
+                  <a:srgbClr val="000000"/>
+                </a:solidFill>
+                <a:effectLst/>
+                <a:latin typeface="Consolas" panose="020B0609020204030204" pitchFamily="49" charset="0"/>
+              </a:rPr>
+              <a:t>);</a:t>
+            </a:r>
+          </a:p>
+          <a:p>
+            <a:br>
+              <a:rPr lang="en-US" sz="1400" b="0" dirty="0">
+                <a:solidFill>
+                  <a:srgbClr val="000000"/>
+                </a:solidFill>
+                <a:effectLst/>
+                <a:latin typeface="Consolas" panose="020B0609020204030204" pitchFamily="49" charset="0"/>
+              </a:rPr>
+            </a:br>
+            <a:br>
+              <a:rPr lang="en-US" sz="1400" b="0" dirty="0">
+                <a:solidFill>
+                  <a:srgbClr val="000000"/>
+                </a:solidFill>
+                <a:effectLst/>
+                <a:latin typeface="Consolas" panose="020B0609020204030204" pitchFamily="49" charset="0"/>
+              </a:rPr>
+            </a:br>
+            <a:r>
+              <a:rPr lang="en-US" sz="1400" b="0" dirty="0">
+                <a:solidFill>
+                  <a:srgbClr val="000000"/>
+                </a:solidFill>
+                <a:effectLst/>
+                <a:latin typeface="Consolas" panose="020B0609020204030204" pitchFamily="49" charset="0"/>
+              </a:rPr>
+              <a:t>        </a:t>
+            </a:r>
+            <a:r>
+              <a:rPr lang="en-US" sz="1400" b="0" dirty="0" err="1">
+                <a:solidFill>
+                  <a:srgbClr val="0000FF"/>
+                </a:solidFill>
+                <a:effectLst/>
+                <a:latin typeface="Consolas" panose="020B0609020204030204" pitchFamily="49" charset="0"/>
+              </a:rPr>
+              <a:t>JButton</a:t>
+            </a:r>
+            <a:r>
+              <a:rPr lang="en-US" sz="1400" b="0" dirty="0">
+                <a:solidFill>
+                  <a:srgbClr val="000000"/>
+                </a:solidFill>
+                <a:effectLst/>
+                <a:latin typeface="Consolas" panose="020B0609020204030204" pitchFamily="49" charset="0"/>
+              </a:rPr>
+              <a:t> button2 = </a:t>
+            </a:r>
+            <a:r>
+              <a:rPr lang="en-US" sz="1400" b="0" dirty="0">
+                <a:solidFill>
+                  <a:srgbClr val="0000FF"/>
+                </a:solidFill>
+                <a:effectLst/>
+                <a:latin typeface="Consolas" panose="020B0609020204030204" pitchFamily="49" charset="0"/>
+              </a:rPr>
+              <a:t>new</a:t>
+            </a:r>
+            <a:r>
+              <a:rPr lang="en-US" sz="1400" b="0" dirty="0">
+                <a:solidFill>
+                  <a:srgbClr val="000000"/>
+                </a:solidFill>
+                <a:effectLst/>
+                <a:latin typeface="Consolas" panose="020B0609020204030204" pitchFamily="49" charset="0"/>
+              </a:rPr>
+              <a:t> </a:t>
+            </a:r>
+            <a:r>
+              <a:rPr lang="en-US" sz="1400" b="0" dirty="0" err="1">
+                <a:solidFill>
+                  <a:srgbClr val="000000"/>
+                </a:solidFill>
+                <a:effectLst/>
+                <a:latin typeface="Consolas" panose="020B0609020204030204" pitchFamily="49" charset="0"/>
+              </a:rPr>
+              <a:t>JButton</a:t>
+            </a:r>
+            <a:r>
+              <a:rPr lang="en-US" sz="1400" b="0" dirty="0">
+                <a:solidFill>
+                  <a:srgbClr val="000000"/>
+                </a:solidFill>
+                <a:effectLst/>
+                <a:latin typeface="Consolas" panose="020B0609020204030204" pitchFamily="49" charset="0"/>
+              </a:rPr>
+              <a:t>(</a:t>
+            </a:r>
+            <a:r>
+              <a:rPr lang="en-US" sz="1400" b="0" dirty="0">
+                <a:solidFill>
+                  <a:srgbClr val="A31515"/>
+                </a:solidFill>
+                <a:effectLst/>
+                <a:latin typeface="Consolas" panose="020B0609020204030204" pitchFamily="49" charset="0"/>
+              </a:rPr>
+              <a:t>"Click me 2"</a:t>
+            </a:r>
+            <a:r>
+              <a:rPr lang="en-US" sz="1400" b="0" dirty="0">
+                <a:solidFill>
+                  <a:srgbClr val="000000"/>
+                </a:solidFill>
+                <a:effectLst/>
+                <a:latin typeface="Consolas" panose="020B0609020204030204" pitchFamily="49" charset="0"/>
+              </a:rPr>
+              <a:t>);</a:t>
+            </a:r>
+          </a:p>
+          <a:p>
+            <a:r>
+              <a:rPr lang="en-US" sz="1400" b="0" dirty="0">
+                <a:solidFill>
+                  <a:srgbClr val="000000"/>
+                </a:solidFill>
+                <a:effectLst/>
+                <a:latin typeface="Consolas" panose="020B0609020204030204" pitchFamily="49" charset="0"/>
+              </a:rPr>
+              <a:t>        </a:t>
+            </a:r>
+            <a:r>
+              <a:rPr lang="en-US" sz="1400" b="0" dirty="0" err="1">
+                <a:solidFill>
+                  <a:srgbClr val="000000"/>
+                </a:solidFill>
+                <a:effectLst/>
+                <a:latin typeface="Consolas" panose="020B0609020204030204" pitchFamily="49" charset="0"/>
+              </a:rPr>
+              <a:t>content.add</a:t>
+            </a:r>
+            <a:r>
+              <a:rPr lang="en-US" sz="1400" b="0" dirty="0">
+                <a:solidFill>
+                  <a:srgbClr val="000000"/>
+                </a:solidFill>
+                <a:effectLst/>
+                <a:latin typeface="Consolas" panose="020B0609020204030204" pitchFamily="49" charset="0"/>
+              </a:rPr>
+              <a:t>(button2);</a:t>
+            </a:r>
+          </a:p>
+          <a:p>
+            <a:r>
+              <a:rPr lang="en-US" sz="1400" b="0" dirty="0">
+                <a:solidFill>
+                  <a:srgbClr val="000000"/>
+                </a:solidFill>
+                <a:effectLst/>
+                <a:latin typeface="Consolas" panose="020B0609020204030204" pitchFamily="49" charset="0"/>
+              </a:rPr>
+              <a:t>        </a:t>
+            </a:r>
+            <a:r>
+              <a:rPr lang="en-US" sz="1400" b="0" dirty="0" err="1">
+                <a:solidFill>
+                  <a:srgbClr val="000000"/>
+                </a:solidFill>
+                <a:effectLst/>
+                <a:latin typeface="Consolas" panose="020B0609020204030204" pitchFamily="49" charset="0"/>
+              </a:rPr>
+              <a:t>myListener</a:t>
+            </a:r>
+            <a:r>
+              <a:rPr lang="en-US" sz="1400" b="0" dirty="0">
+                <a:solidFill>
+                  <a:srgbClr val="000000"/>
+                </a:solidFill>
+                <a:effectLst/>
+                <a:latin typeface="Consolas" panose="020B0609020204030204" pitchFamily="49" charset="0"/>
+              </a:rPr>
+              <a:t> = </a:t>
+            </a:r>
+            <a:r>
+              <a:rPr lang="en-US" sz="1400" b="0" dirty="0">
+                <a:solidFill>
+                  <a:srgbClr val="0000FF"/>
+                </a:solidFill>
+                <a:effectLst/>
+                <a:latin typeface="Consolas" panose="020B0609020204030204" pitchFamily="49" charset="0"/>
+              </a:rPr>
+              <a:t>new</a:t>
+            </a:r>
+            <a:r>
+              <a:rPr lang="en-US" sz="1400" b="0" dirty="0">
+                <a:solidFill>
+                  <a:srgbClr val="000000"/>
+                </a:solidFill>
+                <a:effectLst/>
+                <a:latin typeface="Consolas" panose="020B0609020204030204" pitchFamily="49" charset="0"/>
+              </a:rPr>
+              <a:t> </a:t>
+            </a:r>
+            <a:r>
+              <a:rPr lang="en-US" sz="1400" b="0" dirty="0" err="1">
+                <a:solidFill>
+                  <a:srgbClr val="000000"/>
+                </a:solidFill>
+                <a:effectLst/>
+                <a:latin typeface="Consolas" panose="020B0609020204030204" pitchFamily="49" charset="0"/>
+              </a:rPr>
+              <a:t>ButtonListener</a:t>
+            </a:r>
+            <a:r>
+              <a:rPr lang="en-US" sz="1400" b="0" dirty="0">
+                <a:solidFill>
+                  <a:srgbClr val="000000"/>
+                </a:solidFill>
+                <a:effectLst/>
+                <a:latin typeface="Consolas" panose="020B0609020204030204" pitchFamily="49" charset="0"/>
+              </a:rPr>
+              <a:t>(</a:t>
+            </a:r>
+            <a:r>
+              <a:rPr lang="en-US" sz="1400" b="0" dirty="0">
+                <a:solidFill>
+                  <a:srgbClr val="A31515"/>
+                </a:solidFill>
+                <a:effectLst/>
+                <a:latin typeface="Consolas" panose="020B0609020204030204" pitchFamily="49" charset="0"/>
+              </a:rPr>
+              <a:t>"ALSO CLICKED"</a:t>
+            </a:r>
+            <a:r>
+              <a:rPr lang="en-US" sz="1400" b="0" dirty="0">
+                <a:solidFill>
+                  <a:srgbClr val="000000"/>
+                </a:solidFill>
+                <a:effectLst/>
+                <a:latin typeface="Consolas" panose="020B0609020204030204" pitchFamily="49" charset="0"/>
+              </a:rPr>
+              <a:t>)</a:t>
+            </a:r>
+          </a:p>
+          <a:p>
+            <a:r>
+              <a:rPr lang="en-US" sz="1400" b="0" dirty="0">
+                <a:solidFill>
+                  <a:srgbClr val="000000"/>
+                </a:solidFill>
+                <a:effectLst/>
+                <a:latin typeface="Consolas" panose="020B0609020204030204" pitchFamily="49" charset="0"/>
+              </a:rPr>
+              <a:t>        button2.addActionListener(</a:t>
+            </a:r>
+            <a:r>
+              <a:rPr lang="en-US" sz="1400" b="0" dirty="0" err="1">
+                <a:solidFill>
+                  <a:srgbClr val="000000"/>
+                </a:solidFill>
+                <a:effectLst/>
+                <a:latin typeface="Consolas" panose="020B0609020204030204" pitchFamily="49" charset="0"/>
+              </a:rPr>
+              <a:t>myListener</a:t>
+            </a:r>
+            <a:r>
+              <a:rPr lang="en-US" sz="1400" b="0" dirty="0">
+                <a:solidFill>
+                  <a:srgbClr val="000000"/>
+                </a:solidFill>
+                <a:effectLst/>
+                <a:latin typeface="Consolas" panose="020B0609020204030204" pitchFamily="49" charset="0"/>
+              </a:rPr>
+              <a:t>);</a:t>
+            </a:r>
+          </a:p>
+        </p:txBody>
+      </p:sp>
+      <mc:AlternateContent xmlns:mc="http://schemas.openxmlformats.org/markup-compatibility/2006">
+        <mc:Choice xmlns:p14="http://schemas.microsoft.com/office/powerpoint/2010/main" Requires="p14">
+          <p:contentPart p14:bwMode="auto" r:id="rId2">
+            <p14:nvContentPartPr>
+              <p14:cNvPr id="8" name="Ink 7">
+                <a:extLst>
+                  <a:ext uri="{FF2B5EF4-FFF2-40B4-BE49-F238E27FC236}">
+                    <a16:creationId xmlns:a16="http://schemas.microsoft.com/office/drawing/2014/main" id="{EC3B2801-E10B-6F6D-51DC-F781F2919913}"/>
+                  </a:ext>
+                </a:extLst>
+              </p14:cNvPr>
+              <p14:cNvContentPartPr/>
+              <p14:nvPr/>
+            </p14:nvContentPartPr>
+            <p14:xfrm>
+              <a:off x="645120" y="1816560"/>
+              <a:ext cx="6852240" cy="4471200"/>
+            </p14:xfrm>
+          </p:contentPart>
+        </mc:Choice>
+        <mc:Fallback>
+          <p:pic>
+            <p:nvPicPr>
+              <p:cNvPr id="8" name="Ink 7">
+                <a:extLst>
+                  <a:ext uri="{FF2B5EF4-FFF2-40B4-BE49-F238E27FC236}">
+                    <a16:creationId xmlns:a16="http://schemas.microsoft.com/office/drawing/2014/main" id="{EC3B2801-E10B-6F6D-51DC-F781F2919913}"/>
+                  </a:ext>
+                </a:extLst>
+              </p:cNvPr>
+              <p:cNvPicPr/>
+              <p:nvPr/>
+            </p:nvPicPr>
+            <p:blipFill>
+              <a:blip r:embed="rId3"/>
+              <a:stretch>
+                <a:fillRect/>
+              </a:stretch>
+            </p:blipFill>
+            <p:spPr>
+              <a:xfrm>
+                <a:off x="635760" y="1807200"/>
+                <a:ext cx="6870960" cy="4489920"/>
+              </a:xfrm>
+              <a:prstGeom prst="rect">
+                <a:avLst/>
+              </a:prstGeom>
+            </p:spPr>
+          </p:pic>
+        </mc:Fallback>
+      </mc:AlternateContent>
+    </p:spTree>
+    <p:extLst>
+      <p:ext uri="{BB962C8B-B14F-4D97-AF65-F5344CB8AC3E}">
+        <p14:creationId xmlns:p14="http://schemas.microsoft.com/office/powerpoint/2010/main" val="538711957"/>
+      </p:ext>
+    </p:extLst>
+  </p:cSld>
+  <p:clrMapOvr>
+    <a:masterClrMapping/>
+  </p:clrMapOvr>
+</p:sld>
+</file>
+
+<file path=ppt/slides/slide15.xml><?xml version="1.0" encoding="utf-8"?>
+<p:sld xmlns:a="http://schemas.openxmlformats.org/drawingml/2006/main" xmlns:r="http://schemas.openxmlformats.org/officeDocument/2006/relationships" xmlns:p="http://schemas.openxmlformats.org/presentationml/2006/main">
+  <p:cSld>
+    <p:spTree>
+      <p:nvGrpSpPr>
+        <p:cNvPr id="1" name=""/>
+        <p:cNvGrpSpPr/>
+        <p:nvPr/>
+      </p:nvGrpSpPr>
+      <p:grpSpPr>
+        <a:xfrm>
+          <a:off x="0" y="0"/>
+          <a:ext cx="0" cy="0"/>
+          <a:chOff x="0" y="0"/>
+          <a:chExt cx="0" cy="0"/>
+        </a:xfrm>
+      </p:grpSpPr>
+      <p:sp>
+        <p:nvSpPr>
+          <p:cNvPr id="2" name="Title 1">
+            <a:extLst>
+              <a:ext uri="{FF2B5EF4-FFF2-40B4-BE49-F238E27FC236}">
                 <a16:creationId xmlns:a16="http://schemas.microsoft.com/office/drawing/2014/main" id="{ED705772-B572-D7BA-2A27-32FFAD3241A4}"/>
               </a:ext>
             </a:extLst>
@@ -15478,7 +16370,7 @@
             <a:fld id="{19B0E89C-C97D-402E-B9E0-A1BE29AA681C}" type="slidenum">
               <a:rPr lang="en-US" altLang="en-US" smtClean="0"/>
               <a:pPr/>
-              <a:t>14</a:t>
+              <a:t>15</a:t>
             </a:fld>
             <a:endParaRPr lang="en-US" altLang="en-US"/>
           </a:p>
@@ -16878,7 +17770,7 @@
 </p:sld>
 </file>
 
-<file path=ppt/slides/slide15.xml><?xml version="1.0" encoding="utf-8"?>
+<file path=ppt/slides/slide16.xml><?xml version="1.0" encoding="utf-8"?>
 <p:sld xmlns:a="http://schemas.openxmlformats.org/drawingml/2006/main" xmlns:r="http://schemas.openxmlformats.org/officeDocument/2006/relationships" xmlns:p="http://schemas.openxmlformats.org/presentationml/2006/main">
   <p:cSld>
     <p:spTree>
@@ -16979,7 +17871,7 @@
             <a:fld id="{19B0E89C-C97D-402E-B9E0-A1BE29AA681C}" type="slidenum">
               <a:rPr lang="en-US" altLang="en-US" smtClean="0"/>
               <a:pPr/>
-              <a:t>15</a:t>
+              <a:t>16</a:t>
             </a:fld>
             <a:endParaRPr lang="en-US" altLang="en-US"/>
           </a:p>
@@ -19424,7 +20316,7 @@
 </p:sld>
 </file>
 
-<file path=ppt/slides/slide16.xml><?xml version="1.0" encoding="utf-8"?>
+<file path=ppt/slides/slide17.xml><?xml version="1.0" encoding="utf-8"?>
 <p:sld xmlns:a="http://schemas.openxmlformats.org/drawingml/2006/main" xmlns:r="http://schemas.openxmlformats.org/officeDocument/2006/relationships" xmlns:p="http://schemas.openxmlformats.org/presentationml/2006/main">
   <p:cSld>
     <p:spTree>
@@ -19525,7 +20417,7 @@
             <a:fld id="{19B0E89C-C97D-402E-B9E0-A1BE29AA681C}" type="slidenum">
               <a:rPr lang="en-US" altLang="en-US" smtClean="0"/>
               <a:pPr/>
-              <a:t>16</a:t>
+              <a:t>17</a:t>
             </a:fld>
             <a:endParaRPr lang="en-US" altLang="en-US"/>
           </a:p>
@@ -21550,7 +22442,7 @@
 </p:sld>
 </file>
 
-<file path=ppt/slides/slide17.xml><?xml version="1.0" encoding="utf-8"?>
+<file path=ppt/slides/slide18.xml><?xml version="1.0" encoding="utf-8"?>
 <p:sld xmlns:a="http://schemas.openxmlformats.org/drawingml/2006/main" xmlns:r="http://schemas.openxmlformats.org/officeDocument/2006/relationships" xmlns:p="http://schemas.openxmlformats.org/presentationml/2006/main">
   <p:cSld>
     <p:spTree>
@@ -21774,7 +22666,7 @@
             <a:fld id="{19B0E89C-C97D-402E-B9E0-A1BE29AA681C}" type="slidenum">
               <a:rPr lang="en-US" altLang="en-US" smtClean="0"/>
               <a:pPr/>
-              <a:t>17</a:t>
+              <a:t>18</a:t>
             </a:fld>
             <a:endParaRPr lang="en-US" altLang="en-US"/>
           </a:p>
@@ -21793,7 +22685,7 @@
 </p:sld>
 </file>
 
-<file path=ppt/slides/slide18.xml><?xml version="1.0" encoding="utf-8"?>
+<file path=ppt/slides/slide19.xml><?xml version="1.0" encoding="utf-8"?>
 <p:sld xmlns:a="http://schemas.openxmlformats.org/drawingml/2006/main" xmlns:r="http://schemas.openxmlformats.org/officeDocument/2006/relationships" xmlns:p="http://schemas.openxmlformats.org/presentationml/2006/main">
   <p:cSld>
     <p:spTree>
@@ -21894,7 +22786,7 @@
             <a:fld id="{19B0E89C-C97D-402E-B9E0-A1BE29AA681C}" type="slidenum">
               <a:rPr lang="en-US" altLang="en-US" smtClean="0"/>
               <a:pPr/>
-              <a:t>18</a:t>
+              <a:t>19</a:t>
             </a:fld>
             <a:endParaRPr lang="en-US" altLang="en-US"/>
           </a:p>
@@ -23759,1081 +24651,6 @@
     <p:extLst>
       <p:ext uri="{BB962C8B-B14F-4D97-AF65-F5344CB8AC3E}">
         <p14:creationId xmlns:p14="http://schemas.microsoft.com/office/powerpoint/2010/main" val="2187929995"/>
-      </p:ext>
-    </p:extLst>
-  </p:cSld>
-  <p:clrMapOvr>
-    <a:masterClrMapping/>
-  </p:clrMapOvr>
-</p:sld>
-</file>
-
-<file path=ppt/slides/slide19.xml><?xml version="1.0" encoding="utf-8"?>
-<p:sld xmlns:a="http://schemas.openxmlformats.org/drawingml/2006/main" xmlns:r="http://schemas.openxmlformats.org/officeDocument/2006/relationships" xmlns:p="http://schemas.openxmlformats.org/presentationml/2006/main">
-  <p:cSld>
-    <p:spTree>
-      <p:nvGrpSpPr>
-        <p:cNvPr id="1" name=""/>
-        <p:cNvGrpSpPr/>
-        <p:nvPr/>
-      </p:nvGrpSpPr>
-      <p:grpSpPr>
-        <a:xfrm>
-          <a:off x="0" y="0"/>
-          <a:ext cx="0" cy="0"/>
-          <a:chOff x="0" y="0"/>
-          <a:chExt cx="0" cy="0"/>
-        </a:xfrm>
-      </p:grpSpPr>
-      <p:sp>
-        <p:nvSpPr>
-          <p:cNvPr id="2" name="Title 1">
-            <a:extLst>
-              <a:ext uri="{FF2B5EF4-FFF2-40B4-BE49-F238E27FC236}">
-                <a16:creationId xmlns:a16="http://schemas.microsoft.com/office/drawing/2014/main" id="{0FE9524B-791C-73D0-787E-D034454EFA0E}"/>
-              </a:ext>
-            </a:extLst>
-          </p:cNvPr>
-          <p:cNvSpPr>
-            <a:spLocks noGrp="1"/>
-          </p:cNvSpPr>
-          <p:nvPr>
-            <p:ph type="title"/>
-          </p:nvPr>
-        </p:nvSpPr>
-        <p:spPr/>
-        <p:txBody>
-          <a:bodyPr/>
-          <a:lstStyle/>
-          <a:p>
-            <a:r>
-              <a:rPr lang="en-US" dirty="0"/>
-              <a:t>Anonymous Inner Classes</a:t>
-            </a:r>
-          </a:p>
-        </p:txBody>
-      </p:sp>
-      <p:sp>
-        <p:nvSpPr>
-          <p:cNvPr id="3" name="Content Placeholder 2">
-            <a:extLst>
-              <a:ext uri="{FF2B5EF4-FFF2-40B4-BE49-F238E27FC236}">
-                <a16:creationId xmlns:a16="http://schemas.microsoft.com/office/drawing/2014/main" id="{4E624060-FF79-F38C-EC6A-DB48248B15E3}"/>
-              </a:ext>
-            </a:extLst>
-          </p:cNvPr>
-          <p:cNvSpPr>
-            <a:spLocks noGrp="1"/>
-          </p:cNvSpPr>
-          <p:nvPr>
-            <p:ph idx="1"/>
-          </p:nvPr>
-        </p:nvSpPr>
-        <p:spPr>
-          <a:xfrm>
-            <a:off x="381000" y="990600"/>
-            <a:ext cx="8382000" cy="1600200"/>
-          </a:xfrm>
-        </p:spPr>
-        <p:txBody>
-          <a:bodyPr/>
-          <a:lstStyle/>
-          <a:p>
-            <a:r>
-              <a:rPr lang="en-US" dirty="0"/>
-              <a:t>If we aren’t going to re-use the class, we can create it </a:t>
-            </a:r>
-            <a:r>
-              <a:rPr lang="en-US" b="1" dirty="0">
-                <a:effectLst>
-                  <a:outerShdw blurRad="38100" dist="38100" dir="2700000" algn="tl">
-                    <a:srgbClr val="000000">
-                      <a:alpha val="43137"/>
-                    </a:srgbClr>
-                  </a:outerShdw>
-                </a:effectLst>
-              </a:rPr>
-              <a:t>inside</a:t>
-            </a:r>
-            <a:r>
-              <a:rPr lang="en-US" dirty="0"/>
-              <a:t> the call to </a:t>
-            </a:r>
-            <a:r>
-              <a:rPr lang="en-US" dirty="0" err="1"/>
-              <a:t>addActionListener</a:t>
-            </a:r>
-            <a:r>
-              <a:rPr lang="en-US" dirty="0"/>
-              <a:t>()</a:t>
-            </a:r>
-          </a:p>
-        </p:txBody>
-      </p:sp>
-      <p:sp>
-        <p:nvSpPr>
-          <p:cNvPr id="4" name="Footer Placeholder 3">
-            <a:extLst>
-              <a:ext uri="{FF2B5EF4-FFF2-40B4-BE49-F238E27FC236}">
-                <a16:creationId xmlns:a16="http://schemas.microsoft.com/office/drawing/2014/main" id="{B8513A32-5475-42A7-5852-2397EEBCD4BC}"/>
-              </a:ext>
-            </a:extLst>
-          </p:cNvPr>
-          <p:cNvSpPr>
-            <a:spLocks noGrp="1"/>
-          </p:cNvSpPr>
-          <p:nvPr>
-            <p:ph type="ftr" sz="quarter" idx="10"/>
-          </p:nvPr>
-        </p:nvSpPr>
-        <p:spPr/>
-        <p:txBody>
-          <a:bodyPr/>
-          <a:lstStyle/>
-          <a:p>
-            <a:pPr>
-              <a:defRPr/>
-            </a:pPr>
-            <a:r>
-              <a:rPr lang="fr-FR" altLang="en-US"/>
-              <a:t>CS 1181 – Computer Science II    Dr. Michael Raymer</a:t>
-            </a:r>
-            <a:endParaRPr lang="en-US" altLang="en-US" dirty="0"/>
-          </a:p>
-        </p:txBody>
-      </p:sp>
-      <p:sp>
-        <p:nvSpPr>
-          <p:cNvPr id="5" name="Slide Number Placeholder 4">
-            <a:extLst>
-              <a:ext uri="{FF2B5EF4-FFF2-40B4-BE49-F238E27FC236}">
-                <a16:creationId xmlns:a16="http://schemas.microsoft.com/office/drawing/2014/main" id="{701176F9-F3FB-B869-DCA3-A789595880CE}"/>
-              </a:ext>
-            </a:extLst>
-          </p:cNvPr>
-          <p:cNvSpPr>
-            <a:spLocks noGrp="1"/>
-          </p:cNvSpPr>
-          <p:nvPr>
-            <p:ph type="sldNum" sz="quarter" idx="11"/>
-          </p:nvPr>
-        </p:nvSpPr>
-        <p:spPr/>
-        <p:txBody>
-          <a:bodyPr/>
-          <a:lstStyle/>
-          <a:p>
-            <a:fld id="{19B0E89C-C97D-402E-B9E0-A1BE29AA681C}" type="slidenum">
-              <a:rPr lang="en-US" altLang="en-US" smtClean="0"/>
-              <a:pPr/>
-              <a:t>19</a:t>
-            </a:fld>
-            <a:endParaRPr lang="en-US" altLang="en-US"/>
-          </a:p>
-        </p:txBody>
-      </p:sp>
-      <p:sp>
-        <p:nvSpPr>
-          <p:cNvPr id="7" name="TextBox 6">
-            <a:extLst>
-              <a:ext uri="{FF2B5EF4-FFF2-40B4-BE49-F238E27FC236}">
-                <a16:creationId xmlns:a16="http://schemas.microsoft.com/office/drawing/2014/main" id="{C409E33D-A58B-9997-83B6-FBCFD3E0BB66}"/>
-              </a:ext>
-            </a:extLst>
-          </p:cNvPr>
-          <p:cNvSpPr txBox="1"/>
-          <p:nvPr/>
-        </p:nvSpPr>
-        <p:spPr>
-          <a:xfrm>
-            <a:off x="609600" y="2949476"/>
-            <a:ext cx="8382000" cy="2308324"/>
-          </a:xfrm>
-          <a:prstGeom prst="rect">
-            <a:avLst/>
-          </a:prstGeom>
-          <a:noFill/>
-        </p:spPr>
-        <p:txBody>
-          <a:bodyPr wrap="square">
-            <a:spAutoFit/>
-          </a:bodyPr>
-          <a:lstStyle/>
-          <a:p>
-            <a:r>
-              <a:rPr lang="en-US" sz="1600" b="0" dirty="0">
-                <a:solidFill>
-                  <a:srgbClr val="3B3B3B"/>
-                </a:solidFill>
-                <a:effectLst/>
-                <a:highlight>
-                  <a:srgbClr val="FFFFFF"/>
-                </a:highlight>
-                <a:latin typeface="Consolas" panose="020B0609020204030204" pitchFamily="49" charset="0"/>
-              </a:rPr>
-              <a:t>       </a:t>
-            </a:r>
-            <a:r>
-              <a:rPr lang="en-US" sz="1600" b="0" dirty="0" err="1">
-                <a:solidFill>
-                  <a:srgbClr val="267F99"/>
-                </a:solidFill>
-                <a:effectLst/>
-                <a:highlight>
-                  <a:srgbClr val="FFFFFF"/>
-                </a:highlight>
-                <a:latin typeface="Consolas" panose="020B0609020204030204" pitchFamily="49" charset="0"/>
-              </a:rPr>
-              <a:t>JButton</a:t>
-            </a:r>
-            <a:r>
-              <a:rPr lang="en-US" sz="1600" b="0" dirty="0">
-                <a:solidFill>
-                  <a:srgbClr val="3B3B3B"/>
-                </a:solidFill>
-                <a:effectLst/>
-                <a:highlight>
-                  <a:srgbClr val="FFFFFF"/>
-                </a:highlight>
-                <a:latin typeface="Consolas" panose="020B0609020204030204" pitchFamily="49" charset="0"/>
-              </a:rPr>
-              <a:t> </a:t>
-            </a:r>
-            <a:r>
-              <a:rPr lang="en-US" sz="1600" b="0" dirty="0" err="1">
-                <a:solidFill>
-                  <a:srgbClr val="001080"/>
-                </a:solidFill>
-                <a:effectLst/>
-                <a:highlight>
-                  <a:srgbClr val="FFFFFF"/>
-                </a:highlight>
-                <a:latin typeface="Consolas" panose="020B0609020204030204" pitchFamily="49" charset="0"/>
-              </a:rPr>
-              <a:t>aButton</a:t>
-            </a:r>
-            <a:r>
-              <a:rPr lang="en-US" sz="1600" b="0" dirty="0">
-                <a:solidFill>
-                  <a:srgbClr val="3B3B3B"/>
-                </a:solidFill>
-                <a:effectLst/>
-                <a:highlight>
-                  <a:srgbClr val="FFFFFF"/>
-                </a:highlight>
-                <a:latin typeface="Consolas" panose="020B0609020204030204" pitchFamily="49" charset="0"/>
-              </a:rPr>
-              <a:t> </a:t>
-            </a:r>
-            <a:r>
-              <a:rPr lang="en-US" sz="1600" b="0" dirty="0">
-                <a:solidFill>
-                  <a:srgbClr val="000000"/>
-                </a:solidFill>
-                <a:effectLst/>
-                <a:highlight>
-                  <a:srgbClr val="FFFFFF"/>
-                </a:highlight>
-                <a:latin typeface="Consolas" panose="020B0609020204030204" pitchFamily="49" charset="0"/>
-              </a:rPr>
-              <a:t>=</a:t>
-            </a:r>
-            <a:r>
-              <a:rPr lang="en-US" sz="1600" b="0" dirty="0">
-                <a:solidFill>
-                  <a:srgbClr val="3B3B3B"/>
-                </a:solidFill>
-                <a:effectLst/>
-                <a:highlight>
-                  <a:srgbClr val="FFFFFF"/>
-                </a:highlight>
-                <a:latin typeface="Consolas" panose="020B0609020204030204" pitchFamily="49" charset="0"/>
-              </a:rPr>
-              <a:t> </a:t>
-            </a:r>
-            <a:r>
-              <a:rPr lang="en-US" sz="1600" b="0" dirty="0">
-                <a:solidFill>
-                  <a:srgbClr val="AF00DB"/>
-                </a:solidFill>
-                <a:effectLst/>
-                <a:highlight>
-                  <a:srgbClr val="FFFFFF"/>
-                </a:highlight>
-                <a:latin typeface="Consolas" panose="020B0609020204030204" pitchFamily="49" charset="0"/>
-              </a:rPr>
-              <a:t>new</a:t>
-            </a:r>
-            <a:r>
-              <a:rPr lang="en-US" sz="1600" b="0" dirty="0">
-                <a:solidFill>
-                  <a:srgbClr val="3B3B3B"/>
-                </a:solidFill>
-                <a:effectLst/>
-                <a:highlight>
-                  <a:srgbClr val="FFFFFF"/>
-                </a:highlight>
-                <a:latin typeface="Consolas" panose="020B0609020204030204" pitchFamily="49" charset="0"/>
-              </a:rPr>
-              <a:t> </a:t>
-            </a:r>
-            <a:r>
-              <a:rPr lang="en-US" sz="1600" b="0" dirty="0" err="1">
-                <a:solidFill>
-                  <a:srgbClr val="795E26"/>
-                </a:solidFill>
-                <a:effectLst/>
-                <a:highlight>
-                  <a:srgbClr val="FFFFFF"/>
-                </a:highlight>
-                <a:latin typeface="Consolas" panose="020B0609020204030204" pitchFamily="49" charset="0"/>
-              </a:rPr>
-              <a:t>JButton</a:t>
-            </a:r>
-            <a:r>
-              <a:rPr lang="en-US" sz="1600" b="0" dirty="0">
-                <a:solidFill>
-                  <a:srgbClr val="3B3B3B"/>
-                </a:solidFill>
-                <a:effectLst/>
-                <a:highlight>
-                  <a:srgbClr val="FFFFFF"/>
-                </a:highlight>
-                <a:latin typeface="Consolas" panose="020B0609020204030204" pitchFamily="49" charset="0"/>
-              </a:rPr>
-              <a:t>(</a:t>
-            </a:r>
-            <a:r>
-              <a:rPr lang="en-US" sz="1600" b="0" dirty="0">
-                <a:solidFill>
-                  <a:srgbClr val="A31515"/>
-                </a:solidFill>
-                <a:effectLst/>
-                <a:highlight>
-                  <a:srgbClr val="FFFFFF"/>
-                </a:highlight>
-                <a:latin typeface="Consolas" panose="020B0609020204030204" pitchFamily="49" charset="0"/>
-              </a:rPr>
-              <a:t>"Click me!"</a:t>
-            </a:r>
-            <a:r>
-              <a:rPr lang="en-US" sz="1600" b="0" dirty="0">
-                <a:solidFill>
-                  <a:srgbClr val="3B3B3B"/>
-                </a:solidFill>
-                <a:effectLst/>
-                <a:highlight>
-                  <a:srgbClr val="FFFFFF"/>
-                </a:highlight>
-                <a:latin typeface="Consolas" panose="020B0609020204030204" pitchFamily="49" charset="0"/>
-              </a:rPr>
-              <a:t>);</a:t>
-            </a:r>
-          </a:p>
-          <a:p>
-            <a:r>
-              <a:rPr lang="en-US" sz="1600" b="0" dirty="0">
-                <a:solidFill>
-                  <a:srgbClr val="3B3B3B"/>
-                </a:solidFill>
-                <a:effectLst/>
-                <a:highlight>
-                  <a:srgbClr val="FFFFFF"/>
-                </a:highlight>
-                <a:latin typeface="Consolas" panose="020B0609020204030204" pitchFamily="49" charset="0"/>
-              </a:rPr>
-              <a:t>       </a:t>
-            </a:r>
-            <a:r>
-              <a:rPr lang="en-US" sz="1600" b="0" dirty="0" err="1">
-                <a:solidFill>
-                  <a:srgbClr val="001080"/>
-                </a:solidFill>
-                <a:effectLst/>
-                <a:highlight>
-                  <a:srgbClr val="FFFFFF"/>
-                </a:highlight>
-                <a:latin typeface="Consolas" panose="020B0609020204030204" pitchFamily="49" charset="0"/>
-              </a:rPr>
-              <a:t>aButton</a:t>
-            </a:r>
-            <a:r>
-              <a:rPr lang="en-US" sz="1600" b="0" dirty="0" err="1">
-                <a:solidFill>
-                  <a:srgbClr val="3B3B3B"/>
-                </a:solidFill>
-                <a:effectLst/>
-                <a:highlight>
-                  <a:srgbClr val="FFFFFF"/>
-                </a:highlight>
-                <a:latin typeface="Consolas" panose="020B0609020204030204" pitchFamily="49" charset="0"/>
-              </a:rPr>
-              <a:t>.</a:t>
-            </a:r>
-            <a:r>
-              <a:rPr lang="en-US" sz="1600" b="0" dirty="0" err="1">
-                <a:solidFill>
-                  <a:srgbClr val="795E26"/>
-                </a:solidFill>
-                <a:effectLst/>
-                <a:highlight>
-                  <a:srgbClr val="FFFFFF"/>
-                </a:highlight>
-                <a:latin typeface="Consolas" panose="020B0609020204030204" pitchFamily="49" charset="0"/>
-              </a:rPr>
-              <a:t>addActionListener</a:t>
-            </a:r>
-            <a:r>
-              <a:rPr lang="en-US" sz="1600" b="0" dirty="0">
-                <a:solidFill>
-                  <a:srgbClr val="3B3B3B"/>
-                </a:solidFill>
-                <a:effectLst/>
-                <a:highlight>
-                  <a:srgbClr val="FFFFFF"/>
-                </a:highlight>
-                <a:latin typeface="Consolas" panose="020B0609020204030204" pitchFamily="49" charset="0"/>
-              </a:rPr>
-              <a:t>(</a:t>
-            </a:r>
-            <a:r>
-              <a:rPr lang="en-US" sz="1600" b="0" dirty="0">
-                <a:solidFill>
-                  <a:srgbClr val="AF00DB"/>
-                </a:solidFill>
-                <a:effectLst/>
-                <a:highlight>
-                  <a:srgbClr val="FFFFFF"/>
-                </a:highlight>
-                <a:latin typeface="Consolas" panose="020B0609020204030204" pitchFamily="49" charset="0"/>
-              </a:rPr>
-              <a:t>new</a:t>
-            </a:r>
-            <a:r>
-              <a:rPr lang="en-US" sz="1600" b="0" dirty="0">
-                <a:solidFill>
-                  <a:srgbClr val="3B3B3B"/>
-                </a:solidFill>
-                <a:effectLst/>
-                <a:highlight>
-                  <a:srgbClr val="FFFFFF"/>
-                </a:highlight>
-                <a:latin typeface="Consolas" panose="020B0609020204030204" pitchFamily="49" charset="0"/>
-              </a:rPr>
-              <a:t> </a:t>
-            </a:r>
-            <a:r>
-              <a:rPr lang="en-US" sz="1600" b="0" dirty="0">
-                <a:solidFill>
-                  <a:srgbClr val="795E26"/>
-                </a:solidFill>
-                <a:effectLst/>
-                <a:highlight>
-                  <a:srgbClr val="FFFFFF"/>
-                </a:highlight>
-                <a:latin typeface="Consolas" panose="020B0609020204030204" pitchFamily="49" charset="0"/>
-              </a:rPr>
-              <a:t>ActionListener</a:t>
-            </a:r>
-            <a:r>
-              <a:rPr lang="en-US" sz="1600" b="0" dirty="0">
-                <a:solidFill>
-                  <a:srgbClr val="3B3B3B"/>
-                </a:solidFill>
-                <a:effectLst/>
-                <a:highlight>
-                  <a:srgbClr val="FFFFFF"/>
-                </a:highlight>
-                <a:latin typeface="Consolas" panose="020B0609020204030204" pitchFamily="49" charset="0"/>
-              </a:rPr>
-              <a:t>(){</a:t>
-            </a:r>
-          </a:p>
-          <a:p>
-            <a:r>
-              <a:rPr lang="en-US" sz="1600" b="0" dirty="0">
-                <a:solidFill>
-                  <a:srgbClr val="3B3B3B"/>
-                </a:solidFill>
-                <a:effectLst/>
-                <a:highlight>
-                  <a:srgbClr val="FFFFFF"/>
-                </a:highlight>
-                <a:latin typeface="Consolas" panose="020B0609020204030204" pitchFamily="49" charset="0"/>
-              </a:rPr>
-              <a:t>            @</a:t>
-            </a:r>
-            <a:r>
-              <a:rPr lang="en-US" sz="1600" b="0" dirty="0">
-                <a:solidFill>
-                  <a:srgbClr val="267F99"/>
-                </a:solidFill>
-                <a:effectLst/>
-                <a:highlight>
-                  <a:srgbClr val="FFFFFF"/>
-                </a:highlight>
-                <a:latin typeface="Consolas" panose="020B0609020204030204" pitchFamily="49" charset="0"/>
-              </a:rPr>
-              <a:t>Override</a:t>
-            </a:r>
-            <a:endParaRPr lang="en-US" sz="1600" b="0" dirty="0">
-              <a:solidFill>
-                <a:srgbClr val="3B3B3B"/>
-              </a:solidFill>
-              <a:effectLst/>
-              <a:highlight>
-                <a:srgbClr val="FFFFFF"/>
-              </a:highlight>
-              <a:latin typeface="Consolas" panose="020B0609020204030204" pitchFamily="49" charset="0"/>
-            </a:endParaRPr>
-          </a:p>
-          <a:p>
-            <a:r>
-              <a:rPr lang="en-US" sz="1600" b="0" dirty="0">
-                <a:solidFill>
-                  <a:srgbClr val="3B3B3B"/>
-                </a:solidFill>
-                <a:effectLst/>
-                <a:highlight>
-                  <a:srgbClr val="FFFFFF"/>
-                </a:highlight>
-                <a:latin typeface="Consolas" panose="020B0609020204030204" pitchFamily="49" charset="0"/>
-              </a:rPr>
-              <a:t>            </a:t>
-            </a:r>
-            <a:r>
-              <a:rPr lang="en-US" sz="1600" b="0" dirty="0">
-                <a:solidFill>
-                  <a:srgbClr val="0000FF"/>
-                </a:solidFill>
-                <a:effectLst/>
-                <a:highlight>
-                  <a:srgbClr val="FFFFFF"/>
-                </a:highlight>
-                <a:latin typeface="Consolas" panose="020B0609020204030204" pitchFamily="49" charset="0"/>
-              </a:rPr>
-              <a:t>public</a:t>
-            </a:r>
-            <a:r>
-              <a:rPr lang="en-US" sz="1600" b="0" dirty="0">
-                <a:solidFill>
-                  <a:srgbClr val="3B3B3B"/>
-                </a:solidFill>
-                <a:effectLst/>
-                <a:highlight>
-                  <a:srgbClr val="FFFFFF"/>
-                </a:highlight>
-                <a:latin typeface="Consolas" panose="020B0609020204030204" pitchFamily="49" charset="0"/>
-              </a:rPr>
-              <a:t> </a:t>
-            </a:r>
-            <a:r>
-              <a:rPr lang="en-US" sz="1600" b="0" dirty="0">
-                <a:solidFill>
-                  <a:srgbClr val="267F99"/>
-                </a:solidFill>
-                <a:effectLst/>
-                <a:highlight>
-                  <a:srgbClr val="FFFFFF"/>
-                </a:highlight>
-                <a:latin typeface="Consolas" panose="020B0609020204030204" pitchFamily="49" charset="0"/>
-              </a:rPr>
-              <a:t>void</a:t>
-            </a:r>
-            <a:r>
-              <a:rPr lang="en-US" sz="1600" b="0" dirty="0">
-                <a:solidFill>
-                  <a:srgbClr val="3B3B3B"/>
-                </a:solidFill>
-                <a:effectLst/>
-                <a:highlight>
-                  <a:srgbClr val="FFFFFF"/>
-                </a:highlight>
-                <a:latin typeface="Consolas" panose="020B0609020204030204" pitchFamily="49" charset="0"/>
-              </a:rPr>
-              <a:t> </a:t>
-            </a:r>
-            <a:r>
-              <a:rPr lang="en-US" sz="1600" b="0" dirty="0" err="1">
-                <a:solidFill>
-                  <a:srgbClr val="795E26"/>
-                </a:solidFill>
-                <a:effectLst/>
-                <a:highlight>
-                  <a:srgbClr val="FFFFFF"/>
-                </a:highlight>
-                <a:latin typeface="Consolas" panose="020B0609020204030204" pitchFamily="49" charset="0"/>
-              </a:rPr>
-              <a:t>actionPerformed</a:t>
-            </a:r>
-            <a:r>
-              <a:rPr lang="en-US" sz="1600" b="0" dirty="0">
-                <a:solidFill>
-                  <a:srgbClr val="3B3B3B"/>
-                </a:solidFill>
-                <a:effectLst/>
-                <a:highlight>
-                  <a:srgbClr val="FFFFFF"/>
-                </a:highlight>
-                <a:latin typeface="Consolas" panose="020B0609020204030204" pitchFamily="49" charset="0"/>
-              </a:rPr>
-              <a:t>(</a:t>
-            </a:r>
-            <a:r>
-              <a:rPr lang="en-US" sz="1600" b="0" dirty="0" err="1">
-                <a:solidFill>
-                  <a:srgbClr val="267F99"/>
-                </a:solidFill>
-                <a:effectLst/>
-                <a:highlight>
-                  <a:srgbClr val="FFFFFF"/>
-                </a:highlight>
-                <a:latin typeface="Consolas" panose="020B0609020204030204" pitchFamily="49" charset="0"/>
-              </a:rPr>
-              <a:t>ActionEvent</a:t>
-            </a:r>
-            <a:r>
-              <a:rPr lang="en-US" sz="1600" b="0" dirty="0">
-                <a:solidFill>
-                  <a:srgbClr val="3B3B3B"/>
-                </a:solidFill>
-                <a:effectLst/>
-                <a:highlight>
-                  <a:srgbClr val="FFFFFF"/>
-                </a:highlight>
-                <a:latin typeface="Consolas" panose="020B0609020204030204" pitchFamily="49" charset="0"/>
-              </a:rPr>
-              <a:t> </a:t>
-            </a:r>
-            <a:r>
-              <a:rPr lang="en-US" sz="1600" b="0" dirty="0">
-                <a:solidFill>
-                  <a:srgbClr val="001080"/>
-                </a:solidFill>
-                <a:effectLst/>
-                <a:highlight>
-                  <a:srgbClr val="FFFFFF"/>
-                </a:highlight>
-                <a:latin typeface="Consolas" panose="020B0609020204030204" pitchFamily="49" charset="0"/>
-              </a:rPr>
-              <a:t>e</a:t>
-            </a:r>
-            <a:r>
-              <a:rPr lang="en-US" sz="1600" b="0" dirty="0">
-                <a:solidFill>
-                  <a:srgbClr val="3B3B3B"/>
-                </a:solidFill>
-                <a:effectLst/>
-                <a:highlight>
-                  <a:srgbClr val="FFFFFF"/>
-                </a:highlight>
-                <a:latin typeface="Consolas" panose="020B0609020204030204" pitchFamily="49" charset="0"/>
-              </a:rPr>
-              <a:t>) {</a:t>
-            </a:r>
-          </a:p>
-          <a:p>
-            <a:r>
-              <a:rPr lang="en-US" sz="1600" b="0" dirty="0">
-                <a:solidFill>
-                  <a:srgbClr val="3B3B3B"/>
-                </a:solidFill>
-                <a:effectLst/>
-                <a:highlight>
-                  <a:srgbClr val="FFFFFF"/>
-                </a:highlight>
-                <a:latin typeface="Consolas" panose="020B0609020204030204" pitchFamily="49" charset="0"/>
-              </a:rPr>
-              <a:t>                </a:t>
-            </a:r>
-            <a:r>
-              <a:rPr lang="en-US" sz="1600" b="0" dirty="0" err="1">
-                <a:solidFill>
-                  <a:srgbClr val="001080"/>
-                </a:solidFill>
-                <a:effectLst/>
-                <a:highlight>
-                  <a:srgbClr val="FFFFFF"/>
-                </a:highlight>
-                <a:latin typeface="Consolas" panose="020B0609020204030204" pitchFamily="49" charset="0"/>
-              </a:rPr>
-              <a:t>clickCount</a:t>
-            </a:r>
-            <a:r>
-              <a:rPr lang="en-US" sz="1600" b="0" dirty="0">
-                <a:solidFill>
-                  <a:srgbClr val="000000"/>
-                </a:solidFill>
-                <a:effectLst/>
-                <a:highlight>
-                  <a:srgbClr val="FFFFFF"/>
-                </a:highlight>
-                <a:latin typeface="Consolas" panose="020B0609020204030204" pitchFamily="49" charset="0"/>
-              </a:rPr>
-              <a:t>++</a:t>
-            </a:r>
-            <a:r>
-              <a:rPr lang="en-US" sz="1600" b="0" dirty="0">
-                <a:solidFill>
-                  <a:srgbClr val="3B3B3B"/>
-                </a:solidFill>
-                <a:effectLst/>
-                <a:highlight>
-                  <a:srgbClr val="FFFFFF"/>
-                </a:highlight>
-                <a:latin typeface="Consolas" panose="020B0609020204030204" pitchFamily="49" charset="0"/>
-              </a:rPr>
-              <a:t>;</a:t>
-            </a:r>
-          </a:p>
-          <a:p>
-            <a:r>
-              <a:rPr lang="en-US" sz="1600" b="0" dirty="0">
-                <a:solidFill>
-                  <a:srgbClr val="3B3B3B"/>
-                </a:solidFill>
-                <a:effectLst/>
-                <a:highlight>
-                  <a:srgbClr val="FFFFFF"/>
-                </a:highlight>
-                <a:latin typeface="Consolas" panose="020B0609020204030204" pitchFamily="49" charset="0"/>
-              </a:rPr>
-              <a:t>                </a:t>
-            </a:r>
-            <a:r>
-              <a:rPr lang="en-US" sz="1600" b="0" dirty="0" err="1">
-                <a:solidFill>
-                  <a:srgbClr val="267F99"/>
-                </a:solidFill>
-                <a:effectLst/>
-                <a:highlight>
-                  <a:srgbClr val="FFFFFF"/>
-                </a:highlight>
-                <a:latin typeface="Consolas" panose="020B0609020204030204" pitchFamily="49" charset="0"/>
-              </a:rPr>
-              <a:t>System</a:t>
-            </a:r>
-            <a:r>
-              <a:rPr lang="en-US" sz="1600" b="0" dirty="0" err="1">
-                <a:solidFill>
-                  <a:srgbClr val="3B3B3B"/>
-                </a:solidFill>
-                <a:effectLst/>
-                <a:highlight>
-                  <a:srgbClr val="FFFFFF"/>
-                </a:highlight>
-                <a:latin typeface="Consolas" panose="020B0609020204030204" pitchFamily="49" charset="0"/>
-              </a:rPr>
-              <a:t>.</a:t>
-            </a:r>
-            <a:r>
-              <a:rPr lang="en-US" sz="1600" b="0" dirty="0" err="1">
-                <a:solidFill>
-                  <a:srgbClr val="0070C1"/>
-                </a:solidFill>
-                <a:effectLst/>
-                <a:highlight>
-                  <a:srgbClr val="FFFFFF"/>
-                </a:highlight>
-                <a:latin typeface="Consolas" panose="020B0609020204030204" pitchFamily="49" charset="0"/>
-              </a:rPr>
-              <a:t>out</a:t>
-            </a:r>
-            <a:r>
-              <a:rPr lang="en-US" sz="1600" b="0" dirty="0" err="1">
-                <a:solidFill>
-                  <a:srgbClr val="3B3B3B"/>
-                </a:solidFill>
-                <a:effectLst/>
-                <a:highlight>
-                  <a:srgbClr val="FFFFFF"/>
-                </a:highlight>
-                <a:latin typeface="Consolas" panose="020B0609020204030204" pitchFamily="49" charset="0"/>
-              </a:rPr>
-              <a:t>.</a:t>
-            </a:r>
-            <a:r>
-              <a:rPr lang="en-US" sz="1600" b="0" dirty="0" err="1">
-                <a:solidFill>
-                  <a:srgbClr val="795E26"/>
-                </a:solidFill>
-                <a:effectLst/>
-                <a:highlight>
-                  <a:srgbClr val="FFFFFF"/>
-                </a:highlight>
-                <a:latin typeface="Consolas" panose="020B0609020204030204" pitchFamily="49" charset="0"/>
-              </a:rPr>
-              <a:t>println</a:t>
-            </a:r>
-            <a:r>
-              <a:rPr lang="en-US" sz="1600" b="0" dirty="0">
-                <a:solidFill>
-                  <a:srgbClr val="3B3B3B"/>
-                </a:solidFill>
-                <a:effectLst/>
-                <a:highlight>
-                  <a:srgbClr val="FFFFFF"/>
-                </a:highlight>
-                <a:latin typeface="Consolas" panose="020B0609020204030204" pitchFamily="49" charset="0"/>
-              </a:rPr>
-              <a:t>(</a:t>
-            </a:r>
-            <a:r>
-              <a:rPr lang="en-US" sz="1600" b="0" dirty="0">
-                <a:solidFill>
-                  <a:srgbClr val="A31515"/>
-                </a:solidFill>
-                <a:effectLst/>
-                <a:highlight>
-                  <a:srgbClr val="FFFFFF"/>
-                </a:highlight>
-                <a:latin typeface="Consolas" panose="020B0609020204030204" pitchFamily="49" charset="0"/>
-              </a:rPr>
-              <a:t>"The button has been clicked "</a:t>
-            </a:r>
-            <a:endParaRPr lang="en-US" sz="1600" dirty="0">
-              <a:solidFill>
-                <a:srgbClr val="3B3B3B"/>
-              </a:solidFill>
-              <a:highlight>
-                <a:srgbClr val="FFFFFF"/>
-              </a:highlight>
-              <a:latin typeface="Consolas" panose="020B0609020204030204" pitchFamily="49" charset="0"/>
-            </a:endParaRPr>
-          </a:p>
-          <a:p>
-            <a:r>
-              <a:rPr lang="en-US" sz="1600" b="0" dirty="0">
-                <a:solidFill>
-                  <a:srgbClr val="3B3B3B"/>
-                </a:solidFill>
-                <a:effectLst/>
-                <a:highlight>
-                  <a:srgbClr val="FFFFFF"/>
-                </a:highlight>
-                <a:latin typeface="Consolas" panose="020B0609020204030204" pitchFamily="49" charset="0"/>
-              </a:rPr>
-              <a:t>                    </a:t>
-            </a:r>
-            <a:r>
-              <a:rPr lang="en-US" sz="1600" b="0" dirty="0">
-                <a:solidFill>
-                  <a:srgbClr val="000000"/>
-                </a:solidFill>
-                <a:effectLst/>
-                <a:highlight>
-                  <a:srgbClr val="FFFFFF"/>
-                </a:highlight>
-                <a:latin typeface="Consolas" panose="020B0609020204030204" pitchFamily="49" charset="0"/>
-              </a:rPr>
-              <a:t>+</a:t>
-            </a:r>
-            <a:r>
-              <a:rPr lang="en-US" sz="1600" b="0" dirty="0">
-                <a:solidFill>
-                  <a:srgbClr val="3B3B3B"/>
-                </a:solidFill>
-                <a:effectLst/>
-                <a:highlight>
-                  <a:srgbClr val="FFFFFF"/>
-                </a:highlight>
-                <a:latin typeface="Consolas" panose="020B0609020204030204" pitchFamily="49" charset="0"/>
-              </a:rPr>
-              <a:t> </a:t>
-            </a:r>
-            <a:r>
-              <a:rPr lang="en-US" sz="1600" b="0" dirty="0" err="1">
-                <a:solidFill>
-                  <a:srgbClr val="001080"/>
-                </a:solidFill>
-                <a:effectLst/>
-                <a:highlight>
-                  <a:srgbClr val="FFFFFF"/>
-                </a:highlight>
-                <a:latin typeface="Consolas" panose="020B0609020204030204" pitchFamily="49" charset="0"/>
-              </a:rPr>
-              <a:t>clickCount</a:t>
-            </a:r>
-            <a:r>
-              <a:rPr lang="en-US" sz="1600" b="0" dirty="0">
-                <a:solidFill>
-                  <a:srgbClr val="3B3B3B"/>
-                </a:solidFill>
-                <a:effectLst/>
-                <a:highlight>
-                  <a:srgbClr val="FFFFFF"/>
-                </a:highlight>
-                <a:latin typeface="Consolas" panose="020B0609020204030204" pitchFamily="49" charset="0"/>
-              </a:rPr>
-              <a:t> </a:t>
-            </a:r>
-            <a:r>
-              <a:rPr lang="en-US" sz="1600" b="0" dirty="0">
-                <a:solidFill>
-                  <a:srgbClr val="000000"/>
-                </a:solidFill>
-                <a:effectLst/>
-                <a:highlight>
-                  <a:srgbClr val="FFFFFF"/>
-                </a:highlight>
-                <a:latin typeface="Consolas" panose="020B0609020204030204" pitchFamily="49" charset="0"/>
-              </a:rPr>
-              <a:t>+</a:t>
-            </a:r>
-            <a:r>
-              <a:rPr lang="en-US" sz="1600" b="0" dirty="0">
-                <a:solidFill>
-                  <a:srgbClr val="3B3B3B"/>
-                </a:solidFill>
-                <a:effectLst/>
-                <a:highlight>
-                  <a:srgbClr val="FFFFFF"/>
-                </a:highlight>
-                <a:latin typeface="Consolas" panose="020B0609020204030204" pitchFamily="49" charset="0"/>
-              </a:rPr>
-              <a:t> </a:t>
-            </a:r>
-            <a:r>
-              <a:rPr lang="en-US" sz="1600" b="0" dirty="0">
-                <a:solidFill>
-                  <a:srgbClr val="A31515"/>
-                </a:solidFill>
-                <a:effectLst/>
-                <a:highlight>
-                  <a:srgbClr val="FFFFFF"/>
-                </a:highlight>
-                <a:latin typeface="Consolas" panose="020B0609020204030204" pitchFamily="49" charset="0"/>
-              </a:rPr>
-              <a:t>" times"</a:t>
-            </a:r>
-            <a:r>
-              <a:rPr lang="en-US" sz="1600" b="0" dirty="0">
-                <a:solidFill>
-                  <a:srgbClr val="3B3B3B"/>
-                </a:solidFill>
-                <a:effectLst/>
-                <a:highlight>
-                  <a:srgbClr val="FFFFFF"/>
-                </a:highlight>
-                <a:latin typeface="Consolas" panose="020B0609020204030204" pitchFamily="49" charset="0"/>
-              </a:rPr>
-              <a:t>);</a:t>
-            </a:r>
-          </a:p>
-          <a:p>
-            <a:r>
-              <a:rPr lang="en-US" sz="1600" b="0" dirty="0">
-                <a:solidFill>
-                  <a:srgbClr val="3B3B3B"/>
-                </a:solidFill>
-                <a:effectLst/>
-                <a:highlight>
-                  <a:srgbClr val="FFFFFF"/>
-                </a:highlight>
-                <a:latin typeface="Consolas" panose="020B0609020204030204" pitchFamily="49" charset="0"/>
-              </a:rPr>
-              <a:t>            }});</a:t>
-            </a:r>
-          </a:p>
-          <a:p>
-            <a:r>
-              <a:rPr lang="en-US" sz="1600" b="0" dirty="0">
-                <a:solidFill>
-                  <a:srgbClr val="3B3B3B"/>
-                </a:solidFill>
-                <a:effectLst/>
-                <a:highlight>
-                  <a:srgbClr val="FFFFFF"/>
-                </a:highlight>
-                <a:latin typeface="Consolas" panose="020B0609020204030204" pitchFamily="49" charset="0"/>
-              </a:rPr>
-              <a:t>        </a:t>
-            </a:r>
-            <a:r>
-              <a:rPr lang="en-US" sz="1600" b="0" dirty="0" err="1">
-                <a:solidFill>
-                  <a:srgbClr val="001080"/>
-                </a:solidFill>
-                <a:effectLst/>
-                <a:highlight>
-                  <a:srgbClr val="FFFFFF"/>
-                </a:highlight>
-                <a:latin typeface="Consolas" panose="020B0609020204030204" pitchFamily="49" charset="0"/>
-              </a:rPr>
-              <a:t>content</a:t>
-            </a:r>
-            <a:r>
-              <a:rPr lang="en-US" sz="1600" b="0" dirty="0" err="1">
-                <a:solidFill>
-                  <a:srgbClr val="3B3B3B"/>
-                </a:solidFill>
-                <a:effectLst/>
-                <a:highlight>
-                  <a:srgbClr val="FFFFFF"/>
-                </a:highlight>
-                <a:latin typeface="Consolas" panose="020B0609020204030204" pitchFamily="49" charset="0"/>
-              </a:rPr>
-              <a:t>.</a:t>
-            </a:r>
-            <a:r>
-              <a:rPr lang="en-US" sz="1600" b="0" dirty="0" err="1">
-                <a:solidFill>
-                  <a:srgbClr val="795E26"/>
-                </a:solidFill>
-                <a:effectLst/>
-                <a:highlight>
-                  <a:srgbClr val="FFFFFF"/>
-                </a:highlight>
-                <a:latin typeface="Consolas" panose="020B0609020204030204" pitchFamily="49" charset="0"/>
-              </a:rPr>
-              <a:t>add</a:t>
-            </a:r>
-            <a:r>
-              <a:rPr lang="en-US" sz="1600" b="0" dirty="0">
-                <a:solidFill>
-                  <a:srgbClr val="3B3B3B"/>
-                </a:solidFill>
-                <a:effectLst/>
-                <a:highlight>
-                  <a:srgbClr val="FFFFFF"/>
-                </a:highlight>
-                <a:latin typeface="Consolas" panose="020B0609020204030204" pitchFamily="49" charset="0"/>
-              </a:rPr>
-              <a:t>(</a:t>
-            </a:r>
-            <a:r>
-              <a:rPr lang="en-US" sz="1600" b="0" dirty="0" err="1">
-                <a:solidFill>
-                  <a:srgbClr val="001080"/>
-                </a:solidFill>
-                <a:effectLst/>
-                <a:highlight>
-                  <a:srgbClr val="FFFFFF"/>
-                </a:highlight>
-                <a:latin typeface="Consolas" panose="020B0609020204030204" pitchFamily="49" charset="0"/>
-              </a:rPr>
-              <a:t>aButton</a:t>
-            </a:r>
-            <a:r>
-              <a:rPr lang="en-US" sz="1600" b="0" dirty="0">
-                <a:solidFill>
-                  <a:srgbClr val="3B3B3B"/>
-                </a:solidFill>
-                <a:effectLst/>
-                <a:highlight>
-                  <a:srgbClr val="FFFFFF"/>
-                </a:highlight>
-                <a:latin typeface="Consolas" panose="020B0609020204030204" pitchFamily="49" charset="0"/>
-              </a:rPr>
-              <a:t>);</a:t>
-            </a:r>
-          </a:p>
-        </p:txBody>
-      </p:sp>
-    </p:spTree>
-    <p:extLst>
-      <p:ext uri="{BB962C8B-B14F-4D97-AF65-F5344CB8AC3E}">
-        <p14:creationId xmlns:p14="http://schemas.microsoft.com/office/powerpoint/2010/main" val="1503911380"/>
       </p:ext>
     </p:extLst>
   </p:cSld>
@@ -26391,6 +26208,63 @@
       </p:sp>
       <p:sp>
         <p:nvSpPr>
+          <p:cNvPr id="3" name="Content Placeholder 2">
+            <a:extLst>
+              <a:ext uri="{FF2B5EF4-FFF2-40B4-BE49-F238E27FC236}">
+                <a16:creationId xmlns:a16="http://schemas.microsoft.com/office/drawing/2014/main" id="{4E624060-FF79-F38C-EC6A-DB48248B15E3}"/>
+              </a:ext>
+            </a:extLst>
+          </p:cNvPr>
+          <p:cNvSpPr>
+            <a:spLocks noGrp="1"/>
+          </p:cNvSpPr>
+          <p:nvPr>
+            <p:ph idx="1"/>
+          </p:nvPr>
+        </p:nvSpPr>
+        <p:spPr>
+          <a:xfrm>
+            <a:off x="381000" y="990600"/>
+            <a:ext cx="8382000" cy="1600200"/>
+          </a:xfrm>
+        </p:spPr>
+        <p:txBody>
+          <a:bodyPr/>
+          <a:lstStyle/>
+          <a:p>
+            <a:r>
+              <a:rPr lang="en-US" dirty="0"/>
+              <a:t>If we aren’t going to re-use the class, we can create it </a:t>
+            </a:r>
+            <a:r>
+              <a:rPr lang="en-US" b="1" dirty="0">
+                <a:effectLst>
+                  <a:outerShdw blurRad="38100" dist="38100" dir="2700000" algn="tl">
+                    <a:srgbClr val="000000">
+                      <a:alpha val="43137"/>
+                    </a:srgbClr>
+                  </a:outerShdw>
+                </a:effectLst>
+              </a:rPr>
+              <a:t>inside</a:t>
+            </a:r>
+            <a:r>
+              <a:rPr lang="en-US" dirty="0"/>
+              <a:t> the call to </a:t>
+            </a:r>
+            <a:r>
+              <a:rPr lang="en-US" dirty="0" err="1"/>
+              <a:t>addActionListener</a:t>
+            </a:r>
+            <a:r>
+              <a:rPr lang="en-US" dirty="0"/>
+              <a:t>()</a:t>
+            </a:r>
+          </a:p>
+        </p:txBody>
+      </p:sp>
+      <p:sp>
+        <p:nvSpPr>
           <p:cNvPr id="4" name="Footer Placeholder 3">
             <a:extLst>
               <a:ext uri="{FF2B5EF4-FFF2-40B4-BE49-F238E27FC236}">
@@ -26446,6 +26320,1024 @@
               <a:rPr lang="en-US" altLang="en-US" smtClean="0"/>
               <a:pPr/>
               <a:t>20</a:t>
+            </a:fld>
+            <a:endParaRPr lang="en-US" altLang="en-US"/>
+          </a:p>
+        </p:txBody>
+      </p:sp>
+      <p:sp>
+        <p:nvSpPr>
+          <p:cNvPr id="7" name="TextBox 6">
+            <a:extLst>
+              <a:ext uri="{FF2B5EF4-FFF2-40B4-BE49-F238E27FC236}">
+                <a16:creationId xmlns:a16="http://schemas.microsoft.com/office/drawing/2014/main" id="{C409E33D-A58B-9997-83B6-FBCFD3E0BB66}"/>
+              </a:ext>
+            </a:extLst>
+          </p:cNvPr>
+          <p:cNvSpPr txBox="1"/>
+          <p:nvPr/>
+        </p:nvSpPr>
+        <p:spPr>
+          <a:xfrm>
+            <a:off x="609600" y="2949476"/>
+            <a:ext cx="8382000" cy="2308324"/>
+          </a:xfrm>
+          <a:prstGeom prst="rect">
+            <a:avLst/>
+          </a:prstGeom>
+          <a:noFill/>
+        </p:spPr>
+        <p:txBody>
+          <a:bodyPr wrap="square">
+            <a:spAutoFit/>
+          </a:bodyPr>
+          <a:lstStyle/>
+          <a:p>
+            <a:r>
+              <a:rPr lang="en-US" sz="1600" b="0" dirty="0">
+                <a:solidFill>
+                  <a:srgbClr val="3B3B3B"/>
+                </a:solidFill>
+                <a:effectLst/>
+                <a:highlight>
+                  <a:srgbClr val="FFFFFF"/>
+                </a:highlight>
+                <a:latin typeface="Consolas" panose="020B0609020204030204" pitchFamily="49" charset="0"/>
+              </a:rPr>
+              <a:t>       </a:t>
+            </a:r>
+            <a:r>
+              <a:rPr lang="en-US" sz="1600" b="0" dirty="0" err="1">
+                <a:solidFill>
+                  <a:srgbClr val="267F99"/>
+                </a:solidFill>
+                <a:effectLst/>
+                <a:highlight>
+                  <a:srgbClr val="FFFFFF"/>
+                </a:highlight>
+                <a:latin typeface="Consolas" panose="020B0609020204030204" pitchFamily="49" charset="0"/>
+              </a:rPr>
+              <a:t>JButton</a:t>
+            </a:r>
+            <a:r>
+              <a:rPr lang="en-US" sz="1600" b="0" dirty="0">
+                <a:solidFill>
+                  <a:srgbClr val="3B3B3B"/>
+                </a:solidFill>
+                <a:effectLst/>
+                <a:highlight>
+                  <a:srgbClr val="FFFFFF"/>
+                </a:highlight>
+                <a:latin typeface="Consolas" panose="020B0609020204030204" pitchFamily="49" charset="0"/>
+              </a:rPr>
+              <a:t> </a:t>
+            </a:r>
+            <a:r>
+              <a:rPr lang="en-US" sz="1600" b="0" dirty="0" err="1">
+                <a:solidFill>
+                  <a:srgbClr val="001080"/>
+                </a:solidFill>
+                <a:effectLst/>
+                <a:highlight>
+                  <a:srgbClr val="FFFFFF"/>
+                </a:highlight>
+                <a:latin typeface="Consolas" panose="020B0609020204030204" pitchFamily="49" charset="0"/>
+              </a:rPr>
+              <a:t>aButton</a:t>
+            </a:r>
+            <a:r>
+              <a:rPr lang="en-US" sz="1600" b="0" dirty="0">
+                <a:solidFill>
+                  <a:srgbClr val="3B3B3B"/>
+                </a:solidFill>
+                <a:effectLst/>
+                <a:highlight>
+                  <a:srgbClr val="FFFFFF"/>
+                </a:highlight>
+                <a:latin typeface="Consolas" panose="020B0609020204030204" pitchFamily="49" charset="0"/>
+              </a:rPr>
+              <a:t> </a:t>
+            </a:r>
+            <a:r>
+              <a:rPr lang="en-US" sz="1600" b="0" dirty="0">
+                <a:solidFill>
+                  <a:srgbClr val="000000"/>
+                </a:solidFill>
+                <a:effectLst/>
+                <a:highlight>
+                  <a:srgbClr val="FFFFFF"/>
+                </a:highlight>
+                <a:latin typeface="Consolas" panose="020B0609020204030204" pitchFamily="49" charset="0"/>
+              </a:rPr>
+              <a:t>=</a:t>
+            </a:r>
+            <a:r>
+              <a:rPr lang="en-US" sz="1600" b="0" dirty="0">
+                <a:solidFill>
+                  <a:srgbClr val="3B3B3B"/>
+                </a:solidFill>
+                <a:effectLst/>
+                <a:highlight>
+                  <a:srgbClr val="FFFFFF"/>
+                </a:highlight>
+                <a:latin typeface="Consolas" panose="020B0609020204030204" pitchFamily="49" charset="0"/>
+              </a:rPr>
+              <a:t> </a:t>
+            </a:r>
+            <a:r>
+              <a:rPr lang="en-US" sz="1600" b="0" dirty="0">
+                <a:solidFill>
+                  <a:srgbClr val="AF00DB"/>
+                </a:solidFill>
+                <a:effectLst/>
+                <a:highlight>
+                  <a:srgbClr val="FFFFFF"/>
+                </a:highlight>
+                <a:latin typeface="Consolas" panose="020B0609020204030204" pitchFamily="49" charset="0"/>
+              </a:rPr>
+              <a:t>new</a:t>
+            </a:r>
+            <a:r>
+              <a:rPr lang="en-US" sz="1600" b="0" dirty="0">
+                <a:solidFill>
+                  <a:srgbClr val="3B3B3B"/>
+                </a:solidFill>
+                <a:effectLst/>
+                <a:highlight>
+                  <a:srgbClr val="FFFFFF"/>
+                </a:highlight>
+                <a:latin typeface="Consolas" panose="020B0609020204030204" pitchFamily="49" charset="0"/>
+              </a:rPr>
+              <a:t> </a:t>
+            </a:r>
+            <a:r>
+              <a:rPr lang="en-US" sz="1600" b="0" dirty="0" err="1">
+                <a:solidFill>
+                  <a:srgbClr val="795E26"/>
+                </a:solidFill>
+                <a:effectLst/>
+                <a:highlight>
+                  <a:srgbClr val="FFFFFF"/>
+                </a:highlight>
+                <a:latin typeface="Consolas" panose="020B0609020204030204" pitchFamily="49" charset="0"/>
+              </a:rPr>
+              <a:t>JButton</a:t>
+            </a:r>
+            <a:r>
+              <a:rPr lang="en-US" sz="1600" b="0" dirty="0">
+                <a:solidFill>
+                  <a:srgbClr val="3B3B3B"/>
+                </a:solidFill>
+                <a:effectLst/>
+                <a:highlight>
+                  <a:srgbClr val="FFFFFF"/>
+                </a:highlight>
+                <a:latin typeface="Consolas" panose="020B0609020204030204" pitchFamily="49" charset="0"/>
+              </a:rPr>
+              <a:t>(</a:t>
+            </a:r>
+            <a:r>
+              <a:rPr lang="en-US" sz="1600" b="0" dirty="0">
+                <a:solidFill>
+                  <a:srgbClr val="A31515"/>
+                </a:solidFill>
+                <a:effectLst/>
+                <a:highlight>
+                  <a:srgbClr val="FFFFFF"/>
+                </a:highlight>
+                <a:latin typeface="Consolas" panose="020B0609020204030204" pitchFamily="49" charset="0"/>
+              </a:rPr>
+              <a:t>"Click me!"</a:t>
+            </a:r>
+            <a:r>
+              <a:rPr lang="en-US" sz="1600" b="0" dirty="0">
+                <a:solidFill>
+                  <a:srgbClr val="3B3B3B"/>
+                </a:solidFill>
+                <a:effectLst/>
+                <a:highlight>
+                  <a:srgbClr val="FFFFFF"/>
+                </a:highlight>
+                <a:latin typeface="Consolas" panose="020B0609020204030204" pitchFamily="49" charset="0"/>
+              </a:rPr>
+              <a:t>);</a:t>
+            </a:r>
+          </a:p>
+          <a:p>
+            <a:r>
+              <a:rPr lang="en-US" sz="1600" b="0" dirty="0">
+                <a:solidFill>
+                  <a:srgbClr val="3B3B3B"/>
+                </a:solidFill>
+                <a:effectLst/>
+                <a:highlight>
+                  <a:srgbClr val="FFFFFF"/>
+                </a:highlight>
+                <a:latin typeface="Consolas" panose="020B0609020204030204" pitchFamily="49" charset="0"/>
+              </a:rPr>
+              <a:t>       </a:t>
+            </a:r>
+            <a:r>
+              <a:rPr lang="en-US" sz="1600" b="0" dirty="0" err="1">
+                <a:solidFill>
+                  <a:srgbClr val="001080"/>
+                </a:solidFill>
+                <a:effectLst/>
+                <a:highlight>
+                  <a:srgbClr val="FFFFFF"/>
+                </a:highlight>
+                <a:latin typeface="Consolas" panose="020B0609020204030204" pitchFamily="49" charset="0"/>
+              </a:rPr>
+              <a:t>aButton</a:t>
+            </a:r>
+            <a:r>
+              <a:rPr lang="en-US" sz="1600" b="0" dirty="0" err="1">
+                <a:solidFill>
+                  <a:srgbClr val="3B3B3B"/>
+                </a:solidFill>
+                <a:effectLst/>
+                <a:highlight>
+                  <a:srgbClr val="FFFFFF"/>
+                </a:highlight>
+                <a:latin typeface="Consolas" panose="020B0609020204030204" pitchFamily="49" charset="0"/>
+              </a:rPr>
+              <a:t>.</a:t>
+            </a:r>
+            <a:r>
+              <a:rPr lang="en-US" sz="1600" b="0" dirty="0" err="1">
+                <a:solidFill>
+                  <a:srgbClr val="795E26"/>
+                </a:solidFill>
+                <a:effectLst/>
+                <a:highlight>
+                  <a:srgbClr val="FFFFFF"/>
+                </a:highlight>
+                <a:latin typeface="Consolas" panose="020B0609020204030204" pitchFamily="49" charset="0"/>
+              </a:rPr>
+              <a:t>addActionListener</a:t>
+            </a:r>
+            <a:r>
+              <a:rPr lang="en-US" sz="1600" b="0" dirty="0">
+                <a:solidFill>
+                  <a:srgbClr val="3B3B3B"/>
+                </a:solidFill>
+                <a:effectLst/>
+                <a:highlight>
+                  <a:srgbClr val="FFFFFF"/>
+                </a:highlight>
+                <a:latin typeface="Consolas" panose="020B0609020204030204" pitchFamily="49" charset="0"/>
+              </a:rPr>
+              <a:t>(</a:t>
+            </a:r>
+            <a:r>
+              <a:rPr lang="en-US" sz="1600" b="0" dirty="0">
+                <a:solidFill>
+                  <a:srgbClr val="AF00DB"/>
+                </a:solidFill>
+                <a:effectLst/>
+                <a:highlight>
+                  <a:srgbClr val="FFFFFF"/>
+                </a:highlight>
+                <a:latin typeface="Consolas" panose="020B0609020204030204" pitchFamily="49" charset="0"/>
+              </a:rPr>
+              <a:t>new</a:t>
+            </a:r>
+            <a:r>
+              <a:rPr lang="en-US" sz="1600" b="0" dirty="0">
+                <a:solidFill>
+                  <a:srgbClr val="3B3B3B"/>
+                </a:solidFill>
+                <a:effectLst/>
+                <a:highlight>
+                  <a:srgbClr val="FFFFFF"/>
+                </a:highlight>
+                <a:latin typeface="Consolas" panose="020B0609020204030204" pitchFamily="49" charset="0"/>
+              </a:rPr>
+              <a:t> </a:t>
+            </a:r>
+            <a:r>
+              <a:rPr lang="en-US" sz="1600" b="0" dirty="0">
+                <a:solidFill>
+                  <a:srgbClr val="795E26"/>
+                </a:solidFill>
+                <a:effectLst/>
+                <a:highlight>
+                  <a:srgbClr val="FFFFFF"/>
+                </a:highlight>
+                <a:latin typeface="Consolas" panose="020B0609020204030204" pitchFamily="49" charset="0"/>
+              </a:rPr>
+              <a:t>ActionListener</a:t>
+            </a:r>
+            <a:r>
+              <a:rPr lang="en-US" sz="1600" b="0" dirty="0">
+                <a:solidFill>
+                  <a:srgbClr val="3B3B3B"/>
+                </a:solidFill>
+                <a:effectLst/>
+                <a:highlight>
+                  <a:srgbClr val="FFFFFF"/>
+                </a:highlight>
+                <a:latin typeface="Consolas" panose="020B0609020204030204" pitchFamily="49" charset="0"/>
+              </a:rPr>
+              <a:t>(){</a:t>
+            </a:r>
+          </a:p>
+          <a:p>
+            <a:r>
+              <a:rPr lang="en-US" sz="1600" b="0" dirty="0">
+                <a:solidFill>
+                  <a:srgbClr val="3B3B3B"/>
+                </a:solidFill>
+                <a:effectLst/>
+                <a:highlight>
+                  <a:srgbClr val="FFFFFF"/>
+                </a:highlight>
+                <a:latin typeface="Consolas" panose="020B0609020204030204" pitchFamily="49" charset="0"/>
+              </a:rPr>
+              <a:t>            @</a:t>
+            </a:r>
+            <a:r>
+              <a:rPr lang="en-US" sz="1600" b="0" dirty="0">
+                <a:solidFill>
+                  <a:srgbClr val="267F99"/>
+                </a:solidFill>
+                <a:effectLst/>
+                <a:highlight>
+                  <a:srgbClr val="FFFFFF"/>
+                </a:highlight>
+                <a:latin typeface="Consolas" panose="020B0609020204030204" pitchFamily="49" charset="0"/>
+              </a:rPr>
+              <a:t>Override</a:t>
+            </a:r>
+            <a:endParaRPr lang="en-US" sz="1600" b="0" dirty="0">
+              <a:solidFill>
+                <a:srgbClr val="3B3B3B"/>
+              </a:solidFill>
+              <a:effectLst/>
+              <a:highlight>
+                <a:srgbClr val="FFFFFF"/>
+              </a:highlight>
+              <a:latin typeface="Consolas" panose="020B0609020204030204" pitchFamily="49" charset="0"/>
+            </a:endParaRPr>
+          </a:p>
+          <a:p>
+            <a:r>
+              <a:rPr lang="en-US" sz="1600" b="0" dirty="0">
+                <a:solidFill>
+                  <a:srgbClr val="3B3B3B"/>
+                </a:solidFill>
+                <a:effectLst/>
+                <a:highlight>
+                  <a:srgbClr val="FFFFFF"/>
+                </a:highlight>
+                <a:latin typeface="Consolas" panose="020B0609020204030204" pitchFamily="49" charset="0"/>
+              </a:rPr>
+              <a:t>            </a:t>
+            </a:r>
+            <a:r>
+              <a:rPr lang="en-US" sz="1600" b="0" dirty="0">
+                <a:solidFill>
+                  <a:srgbClr val="0000FF"/>
+                </a:solidFill>
+                <a:effectLst/>
+                <a:highlight>
+                  <a:srgbClr val="FFFFFF"/>
+                </a:highlight>
+                <a:latin typeface="Consolas" panose="020B0609020204030204" pitchFamily="49" charset="0"/>
+              </a:rPr>
+              <a:t>public</a:t>
+            </a:r>
+            <a:r>
+              <a:rPr lang="en-US" sz="1600" b="0" dirty="0">
+                <a:solidFill>
+                  <a:srgbClr val="3B3B3B"/>
+                </a:solidFill>
+                <a:effectLst/>
+                <a:highlight>
+                  <a:srgbClr val="FFFFFF"/>
+                </a:highlight>
+                <a:latin typeface="Consolas" panose="020B0609020204030204" pitchFamily="49" charset="0"/>
+              </a:rPr>
+              <a:t> </a:t>
+            </a:r>
+            <a:r>
+              <a:rPr lang="en-US" sz="1600" b="0" dirty="0">
+                <a:solidFill>
+                  <a:srgbClr val="267F99"/>
+                </a:solidFill>
+                <a:effectLst/>
+                <a:highlight>
+                  <a:srgbClr val="FFFFFF"/>
+                </a:highlight>
+                <a:latin typeface="Consolas" panose="020B0609020204030204" pitchFamily="49" charset="0"/>
+              </a:rPr>
+              <a:t>void</a:t>
+            </a:r>
+            <a:r>
+              <a:rPr lang="en-US" sz="1600" b="0" dirty="0">
+                <a:solidFill>
+                  <a:srgbClr val="3B3B3B"/>
+                </a:solidFill>
+                <a:effectLst/>
+                <a:highlight>
+                  <a:srgbClr val="FFFFFF"/>
+                </a:highlight>
+                <a:latin typeface="Consolas" panose="020B0609020204030204" pitchFamily="49" charset="0"/>
+              </a:rPr>
+              <a:t> </a:t>
+            </a:r>
+            <a:r>
+              <a:rPr lang="en-US" sz="1600" b="0" dirty="0" err="1">
+                <a:solidFill>
+                  <a:srgbClr val="795E26"/>
+                </a:solidFill>
+                <a:effectLst/>
+                <a:highlight>
+                  <a:srgbClr val="FFFFFF"/>
+                </a:highlight>
+                <a:latin typeface="Consolas" panose="020B0609020204030204" pitchFamily="49" charset="0"/>
+              </a:rPr>
+              <a:t>actionPerformed</a:t>
+            </a:r>
+            <a:r>
+              <a:rPr lang="en-US" sz="1600" b="0" dirty="0">
+                <a:solidFill>
+                  <a:srgbClr val="3B3B3B"/>
+                </a:solidFill>
+                <a:effectLst/>
+                <a:highlight>
+                  <a:srgbClr val="FFFFFF"/>
+                </a:highlight>
+                <a:latin typeface="Consolas" panose="020B0609020204030204" pitchFamily="49" charset="0"/>
+              </a:rPr>
+              <a:t>(</a:t>
+            </a:r>
+            <a:r>
+              <a:rPr lang="en-US" sz="1600" b="0" dirty="0" err="1">
+                <a:solidFill>
+                  <a:srgbClr val="267F99"/>
+                </a:solidFill>
+                <a:effectLst/>
+                <a:highlight>
+                  <a:srgbClr val="FFFFFF"/>
+                </a:highlight>
+                <a:latin typeface="Consolas" panose="020B0609020204030204" pitchFamily="49" charset="0"/>
+              </a:rPr>
+              <a:t>ActionEvent</a:t>
+            </a:r>
+            <a:r>
+              <a:rPr lang="en-US" sz="1600" b="0" dirty="0">
+                <a:solidFill>
+                  <a:srgbClr val="3B3B3B"/>
+                </a:solidFill>
+                <a:effectLst/>
+                <a:highlight>
+                  <a:srgbClr val="FFFFFF"/>
+                </a:highlight>
+                <a:latin typeface="Consolas" panose="020B0609020204030204" pitchFamily="49" charset="0"/>
+              </a:rPr>
+              <a:t> </a:t>
+            </a:r>
+            <a:r>
+              <a:rPr lang="en-US" sz="1600" b="0" dirty="0">
+                <a:solidFill>
+                  <a:srgbClr val="001080"/>
+                </a:solidFill>
+                <a:effectLst/>
+                <a:highlight>
+                  <a:srgbClr val="FFFFFF"/>
+                </a:highlight>
+                <a:latin typeface="Consolas" panose="020B0609020204030204" pitchFamily="49" charset="0"/>
+              </a:rPr>
+              <a:t>e</a:t>
+            </a:r>
+            <a:r>
+              <a:rPr lang="en-US" sz="1600" b="0" dirty="0">
+                <a:solidFill>
+                  <a:srgbClr val="3B3B3B"/>
+                </a:solidFill>
+                <a:effectLst/>
+                <a:highlight>
+                  <a:srgbClr val="FFFFFF"/>
+                </a:highlight>
+                <a:latin typeface="Consolas" panose="020B0609020204030204" pitchFamily="49" charset="0"/>
+              </a:rPr>
+              <a:t>) {</a:t>
+            </a:r>
+          </a:p>
+          <a:p>
+            <a:r>
+              <a:rPr lang="en-US" sz="1600" b="0" dirty="0">
+                <a:solidFill>
+                  <a:srgbClr val="3B3B3B"/>
+                </a:solidFill>
+                <a:effectLst/>
+                <a:highlight>
+                  <a:srgbClr val="FFFFFF"/>
+                </a:highlight>
+                <a:latin typeface="Consolas" panose="020B0609020204030204" pitchFamily="49" charset="0"/>
+              </a:rPr>
+              <a:t>                </a:t>
+            </a:r>
+            <a:r>
+              <a:rPr lang="en-US" sz="1600" b="0" dirty="0" err="1">
+                <a:solidFill>
+                  <a:srgbClr val="001080"/>
+                </a:solidFill>
+                <a:effectLst/>
+                <a:highlight>
+                  <a:srgbClr val="FFFFFF"/>
+                </a:highlight>
+                <a:latin typeface="Consolas" panose="020B0609020204030204" pitchFamily="49" charset="0"/>
+              </a:rPr>
+              <a:t>clickCount</a:t>
+            </a:r>
+            <a:r>
+              <a:rPr lang="en-US" sz="1600" b="0" dirty="0">
+                <a:solidFill>
+                  <a:srgbClr val="000000"/>
+                </a:solidFill>
+                <a:effectLst/>
+                <a:highlight>
+                  <a:srgbClr val="FFFFFF"/>
+                </a:highlight>
+                <a:latin typeface="Consolas" panose="020B0609020204030204" pitchFamily="49" charset="0"/>
+              </a:rPr>
+              <a:t>++</a:t>
+            </a:r>
+            <a:r>
+              <a:rPr lang="en-US" sz="1600" b="0" dirty="0">
+                <a:solidFill>
+                  <a:srgbClr val="3B3B3B"/>
+                </a:solidFill>
+                <a:effectLst/>
+                <a:highlight>
+                  <a:srgbClr val="FFFFFF"/>
+                </a:highlight>
+                <a:latin typeface="Consolas" panose="020B0609020204030204" pitchFamily="49" charset="0"/>
+              </a:rPr>
+              <a:t>;</a:t>
+            </a:r>
+          </a:p>
+          <a:p>
+            <a:r>
+              <a:rPr lang="en-US" sz="1600" b="0" dirty="0">
+                <a:solidFill>
+                  <a:srgbClr val="3B3B3B"/>
+                </a:solidFill>
+                <a:effectLst/>
+                <a:highlight>
+                  <a:srgbClr val="FFFFFF"/>
+                </a:highlight>
+                <a:latin typeface="Consolas" panose="020B0609020204030204" pitchFamily="49" charset="0"/>
+              </a:rPr>
+              <a:t>                </a:t>
+            </a:r>
+            <a:r>
+              <a:rPr lang="en-US" sz="1600" b="0" dirty="0" err="1">
+                <a:solidFill>
+                  <a:srgbClr val="267F99"/>
+                </a:solidFill>
+                <a:effectLst/>
+                <a:highlight>
+                  <a:srgbClr val="FFFFFF"/>
+                </a:highlight>
+                <a:latin typeface="Consolas" panose="020B0609020204030204" pitchFamily="49" charset="0"/>
+              </a:rPr>
+              <a:t>System</a:t>
+            </a:r>
+            <a:r>
+              <a:rPr lang="en-US" sz="1600" b="0" dirty="0" err="1">
+                <a:solidFill>
+                  <a:srgbClr val="3B3B3B"/>
+                </a:solidFill>
+                <a:effectLst/>
+                <a:highlight>
+                  <a:srgbClr val="FFFFFF"/>
+                </a:highlight>
+                <a:latin typeface="Consolas" panose="020B0609020204030204" pitchFamily="49" charset="0"/>
+              </a:rPr>
+              <a:t>.</a:t>
+            </a:r>
+            <a:r>
+              <a:rPr lang="en-US" sz="1600" b="0" dirty="0" err="1">
+                <a:solidFill>
+                  <a:srgbClr val="0070C1"/>
+                </a:solidFill>
+                <a:effectLst/>
+                <a:highlight>
+                  <a:srgbClr val="FFFFFF"/>
+                </a:highlight>
+                <a:latin typeface="Consolas" panose="020B0609020204030204" pitchFamily="49" charset="0"/>
+              </a:rPr>
+              <a:t>out</a:t>
+            </a:r>
+            <a:r>
+              <a:rPr lang="en-US" sz="1600" b="0" dirty="0" err="1">
+                <a:solidFill>
+                  <a:srgbClr val="3B3B3B"/>
+                </a:solidFill>
+                <a:effectLst/>
+                <a:highlight>
+                  <a:srgbClr val="FFFFFF"/>
+                </a:highlight>
+                <a:latin typeface="Consolas" panose="020B0609020204030204" pitchFamily="49" charset="0"/>
+              </a:rPr>
+              <a:t>.</a:t>
+            </a:r>
+            <a:r>
+              <a:rPr lang="en-US" sz="1600" b="0" dirty="0" err="1">
+                <a:solidFill>
+                  <a:srgbClr val="795E26"/>
+                </a:solidFill>
+                <a:effectLst/>
+                <a:highlight>
+                  <a:srgbClr val="FFFFFF"/>
+                </a:highlight>
+                <a:latin typeface="Consolas" panose="020B0609020204030204" pitchFamily="49" charset="0"/>
+              </a:rPr>
+              <a:t>println</a:t>
+            </a:r>
+            <a:r>
+              <a:rPr lang="en-US" sz="1600" b="0" dirty="0">
+                <a:solidFill>
+                  <a:srgbClr val="3B3B3B"/>
+                </a:solidFill>
+                <a:effectLst/>
+                <a:highlight>
+                  <a:srgbClr val="FFFFFF"/>
+                </a:highlight>
+                <a:latin typeface="Consolas" panose="020B0609020204030204" pitchFamily="49" charset="0"/>
+              </a:rPr>
+              <a:t>(</a:t>
+            </a:r>
+            <a:r>
+              <a:rPr lang="en-US" sz="1600" b="0" dirty="0">
+                <a:solidFill>
+                  <a:srgbClr val="A31515"/>
+                </a:solidFill>
+                <a:effectLst/>
+                <a:highlight>
+                  <a:srgbClr val="FFFFFF"/>
+                </a:highlight>
+                <a:latin typeface="Consolas" panose="020B0609020204030204" pitchFamily="49" charset="0"/>
+              </a:rPr>
+              <a:t>"The button has been clicked "</a:t>
+            </a:r>
+            <a:endParaRPr lang="en-US" sz="1600" dirty="0">
+              <a:solidFill>
+                <a:srgbClr val="3B3B3B"/>
+              </a:solidFill>
+              <a:highlight>
+                <a:srgbClr val="FFFFFF"/>
+              </a:highlight>
+              <a:latin typeface="Consolas" panose="020B0609020204030204" pitchFamily="49" charset="0"/>
+            </a:endParaRPr>
+          </a:p>
+          <a:p>
+            <a:r>
+              <a:rPr lang="en-US" sz="1600" b="0" dirty="0">
+                <a:solidFill>
+                  <a:srgbClr val="3B3B3B"/>
+                </a:solidFill>
+                <a:effectLst/>
+                <a:highlight>
+                  <a:srgbClr val="FFFFFF"/>
+                </a:highlight>
+                <a:latin typeface="Consolas" panose="020B0609020204030204" pitchFamily="49" charset="0"/>
+              </a:rPr>
+              <a:t>                    </a:t>
+            </a:r>
+            <a:r>
+              <a:rPr lang="en-US" sz="1600" b="0" dirty="0">
+                <a:solidFill>
+                  <a:srgbClr val="000000"/>
+                </a:solidFill>
+                <a:effectLst/>
+                <a:highlight>
+                  <a:srgbClr val="FFFFFF"/>
+                </a:highlight>
+                <a:latin typeface="Consolas" panose="020B0609020204030204" pitchFamily="49" charset="0"/>
+              </a:rPr>
+              <a:t>+</a:t>
+            </a:r>
+            <a:r>
+              <a:rPr lang="en-US" sz="1600" b="0" dirty="0">
+                <a:solidFill>
+                  <a:srgbClr val="3B3B3B"/>
+                </a:solidFill>
+                <a:effectLst/>
+                <a:highlight>
+                  <a:srgbClr val="FFFFFF"/>
+                </a:highlight>
+                <a:latin typeface="Consolas" panose="020B0609020204030204" pitchFamily="49" charset="0"/>
+              </a:rPr>
+              <a:t> </a:t>
+            </a:r>
+            <a:r>
+              <a:rPr lang="en-US" sz="1600" b="0" dirty="0" err="1">
+                <a:solidFill>
+                  <a:srgbClr val="001080"/>
+                </a:solidFill>
+                <a:effectLst/>
+                <a:highlight>
+                  <a:srgbClr val="FFFFFF"/>
+                </a:highlight>
+                <a:latin typeface="Consolas" panose="020B0609020204030204" pitchFamily="49" charset="0"/>
+              </a:rPr>
+              <a:t>clickCount</a:t>
+            </a:r>
+            <a:r>
+              <a:rPr lang="en-US" sz="1600" b="0" dirty="0">
+                <a:solidFill>
+                  <a:srgbClr val="3B3B3B"/>
+                </a:solidFill>
+                <a:effectLst/>
+                <a:highlight>
+                  <a:srgbClr val="FFFFFF"/>
+                </a:highlight>
+                <a:latin typeface="Consolas" panose="020B0609020204030204" pitchFamily="49" charset="0"/>
+              </a:rPr>
+              <a:t> </a:t>
+            </a:r>
+            <a:r>
+              <a:rPr lang="en-US" sz="1600" b="0" dirty="0">
+                <a:solidFill>
+                  <a:srgbClr val="000000"/>
+                </a:solidFill>
+                <a:effectLst/>
+                <a:highlight>
+                  <a:srgbClr val="FFFFFF"/>
+                </a:highlight>
+                <a:latin typeface="Consolas" panose="020B0609020204030204" pitchFamily="49" charset="0"/>
+              </a:rPr>
+              <a:t>+</a:t>
+            </a:r>
+            <a:r>
+              <a:rPr lang="en-US" sz="1600" b="0" dirty="0">
+                <a:solidFill>
+                  <a:srgbClr val="3B3B3B"/>
+                </a:solidFill>
+                <a:effectLst/>
+                <a:highlight>
+                  <a:srgbClr val="FFFFFF"/>
+                </a:highlight>
+                <a:latin typeface="Consolas" panose="020B0609020204030204" pitchFamily="49" charset="0"/>
+              </a:rPr>
+              <a:t> </a:t>
+            </a:r>
+            <a:r>
+              <a:rPr lang="en-US" sz="1600" b="0" dirty="0">
+                <a:solidFill>
+                  <a:srgbClr val="A31515"/>
+                </a:solidFill>
+                <a:effectLst/>
+                <a:highlight>
+                  <a:srgbClr val="FFFFFF"/>
+                </a:highlight>
+                <a:latin typeface="Consolas" panose="020B0609020204030204" pitchFamily="49" charset="0"/>
+              </a:rPr>
+              <a:t>" times"</a:t>
+            </a:r>
+            <a:r>
+              <a:rPr lang="en-US" sz="1600" b="0" dirty="0">
+                <a:solidFill>
+                  <a:srgbClr val="3B3B3B"/>
+                </a:solidFill>
+                <a:effectLst/>
+                <a:highlight>
+                  <a:srgbClr val="FFFFFF"/>
+                </a:highlight>
+                <a:latin typeface="Consolas" panose="020B0609020204030204" pitchFamily="49" charset="0"/>
+              </a:rPr>
+              <a:t>);</a:t>
+            </a:r>
+          </a:p>
+          <a:p>
+            <a:r>
+              <a:rPr lang="en-US" sz="1600" b="0" dirty="0">
+                <a:solidFill>
+                  <a:srgbClr val="3B3B3B"/>
+                </a:solidFill>
+                <a:effectLst/>
+                <a:highlight>
+                  <a:srgbClr val="FFFFFF"/>
+                </a:highlight>
+                <a:latin typeface="Consolas" panose="020B0609020204030204" pitchFamily="49" charset="0"/>
+              </a:rPr>
+              <a:t>            }});</a:t>
+            </a:r>
+          </a:p>
+          <a:p>
+            <a:r>
+              <a:rPr lang="en-US" sz="1600" b="0" dirty="0">
+                <a:solidFill>
+                  <a:srgbClr val="3B3B3B"/>
+                </a:solidFill>
+                <a:effectLst/>
+                <a:highlight>
+                  <a:srgbClr val="FFFFFF"/>
+                </a:highlight>
+                <a:latin typeface="Consolas" panose="020B0609020204030204" pitchFamily="49" charset="0"/>
+              </a:rPr>
+              <a:t>        </a:t>
+            </a:r>
+            <a:r>
+              <a:rPr lang="en-US" sz="1600" b="0" dirty="0" err="1">
+                <a:solidFill>
+                  <a:srgbClr val="001080"/>
+                </a:solidFill>
+                <a:effectLst/>
+                <a:highlight>
+                  <a:srgbClr val="FFFFFF"/>
+                </a:highlight>
+                <a:latin typeface="Consolas" panose="020B0609020204030204" pitchFamily="49" charset="0"/>
+              </a:rPr>
+              <a:t>content</a:t>
+            </a:r>
+            <a:r>
+              <a:rPr lang="en-US" sz="1600" b="0" dirty="0" err="1">
+                <a:solidFill>
+                  <a:srgbClr val="3B3B3B"/>
+                </a:solidFill>
+                <a:effectLst/>
+                <a:highlight>
+                  <a:srgbClr val="FFFFFF"/>
+                </a:highlight>
+                <a:latin typeface="Consolas" panose="020B0609020204030204" pitchFamily="49" charset="0"/>
+              </a:rPr>
+              <a:t>.</a:t>
+            </a:r>
+            <a:r>
+              <a:rPr lang="en-US" sz="1600" b="0" dirty="0" err="1">
+                <a:solidFill>
+                  <a:srgbClr val="795E26"/>
+                </a:solidFill>
+                <a:effectLst/>
+                <a:highlight>
+                  <a:srgbClr val="FFFFFF"/>
+                </a:highlight>
+                <a:latin typeface="Consolas" panose="020B0609020204030204" pitchFamily="49" charset="0"/>
+              </a:rPr>
+              <a:t>add</a:t>
+            </a:r>
+            <a:r>
+              <a:rPr lang="en-US" sz="1600" b="0" dirty="0">
+                <a:solidFill>
+                  <a:srgbClr val="3B3B3B"/>
+                </a:solidFill>
+                <a:effectLst/>
+                <a:highlight>
+                  <a:srgbClr val="FFFFFF"/>
+                </a:highlight>
+                <a:latin typeface="Consolas" panose="020B0609020204030204" pitchFamily="49" charset="0"/>
+              </a:rPr>
+              <a:t>(</a:t>
+            </a:r>
+            <a:r>
+              <a:rPr lang="en-US" sz="1600" b="0" dirty="0" err="1">
+                <a:solidFill>
+                  <a:srgbClr val="001080"/>
+                </a:solidFill>
+                <a:effectLst/>
+                <a:highlight>
+                  <a:srgbClr val="FFFFFF"/>
+                </a:highlight>
+                <a:latin typeface="Consolas" panose="020B0609020204030204" pitchFamily="49" charset="0"/>
+              </a:rPr>
+              <a:t>aButton</a:t>
+            </a:r>
+            <a:r>
+              <a:rPr lang="en-US" sz="1600" b="0" dirty="0">
+                <a:solidFill>
+                  <a:srgbClr val="3B3B3B"/>
+                </a:solidFill>
+                <a:effectLst/>
+                <a:highlight>
+                  <a:srgbClr val="FFFFFF"/>
+                </a:highlight>
+                <a:latin typeface="Consolas" panose="020B0609020204030204" pitchFamily="49" charset="0"/>
+              </a:rPr>
+              <a:t>);</a:t>
+            </a:r>
+          </a:p>
+        </p:txBody>
+      </p:sp>
+    </p:spTree>
+    <p:extLst>
+      <p:ext uri="{BB962C8B-B14F-4D97-AF65-F5344CB8AC3E}">
+        <p14:creationId xmlns:p14="http://schemas.microsoft.com/office/powerpoint/2010/main" val="1503911380"/>
+      </p:ext>
+    </p:extLst>
+  </p:cSld>
+  <p:clrMapOvr>
+    <a:masterClrMapping/>
+  </p:clrMapOvr>
+</p:sld>
+</file>
+
+<file path=ppt/slides/slide21.xml><?xml version="1.0" encoding="utf-8"?>
+<p:sld xmlns:a="http://schemas.openxmlformats.org/drawingml/2006/main" xmlns:r="http://schemas.openxmlformats.org/officeDocument/2006/relationships" xmlns:p="http://schemas.openxmlformats.org/presentationml/2006/main">
+  <p:cSld>
+    <p:spTree>
+      <p:nvGrpSpPr>
+        <p:cNvPr id="1" name=""/>
+        <p:cNvGrpSpPr/>
+        <p:nvPr/>
+      </p:nvGrpSpPr>
+      <p:grpSpPr>
+        <a:xfrm>
+          <a:off x="0" y="0"/>
+          <a:ext cx="0" cy="0"/>
+          <a:chOff x="0" y="0"/>
+          <a:chExt cx="0" cy="0"/>
+        </a:xfrm>
+      </p:grpSpPr>
+      <p:sp>
+        <p:nvSpPr>
+          <p:cNvPr id="2" name="Title 1">
+            <a:extLst>
+              <a:ext uri="{FF2B5EF4-FFF2-40B4-BE49-F238E27FC236}">
+                <a16:creationId xmlns:a16="http://schemas.microsoft.com/office/drawing/2014/main" id="{0FE9524B-791C-73D0-787E-D034454EFA0E}"/>
+              </a:ext>
+            </a:extLst>
+          </p:cNvPr>
+          <p:cNvSpPr>
+            <a:spLocks noGrp="1"/>
+          </p:cNvSpPr>
+          <p:nvPr>
+            <p:ph type="title"/>
+          </p:nvPr>
+        </p:nvSpPr>
+        <p:spPr/>
+        <p:txBody>
+          <a:bodyPr/>
+          <a:lstStyle/>
+          <a:p>
+            <a:r>
+              <a:rPr lang="en-US" dirty="0"/>
+              <a:t>Anonymous Inner Classes</a:t>
+            </a:r>
+          </a:p>
+        </p:txBody>
+      </p:sp>
+      <p:sp>
+        <p:nvSpPr>
+          <p:cNvPr id="4" name="Footer Placeholder 3">
+            <a:extLst>
+              <a:ext uri="{FF2B5EF4-FFF2-40B4-BE49-F238E27FC236}">
+                <a16:creationId xmlns:a16="http://schemas.microsoft.com/office/drawing/2014/main" id="{B8513A32-5475-42A7-5852-2397EEBCD4BC}"/>
+              </a:ext>
+            </a:extLst>
+          </p:cNvPr>
+          <p:cNvSpPr>
+            <a:spLocks noGrp="1"/>
+          </p:cNvSpPr>
+          <p:nvPr>
+            <p:ph type="ftr" sz="quarter" idx="10"/>
+          </p:nvPr>
+        </p:nvSpPr>
+        <p:spPr/>
+        <p:txBody>
+          <a:bodyPr/>
+          <a:lstStyle/>
+          <a:p>
+            <a:pPr>
+              <a:defRPr/>
+            </a:pPr>
+            <a:r>
+              <a:rPr lang="fr-FR" altLang="en-US"/>
+              <a:t>CS 1181 – Computer Science II    Dr. Michael Raymer</a:t>
+            </a:r>
+            <a:endParaRPr lang="en-US" altLang="en-US" dirty="0"/>
+          </a:p>
+        </p:txBody>
+      </p:sp>
+      <p:sp>
+        <p:nvSpPr>
+          <p:cNvPr id="5" name="Slide Number Placeholder 4">
+            <a:extLst>
+              <a:ext uri="{FF2B5EF4-FFF2-40B4-BE49-F238E27FC236}">
+                <a16:creationId xmlns:a16="http://schemas.microsoft.com/office/drawing/2014/main" id="{701176F9-F3FB-B869-DCA3-A789595880CE}"/>
+              </a:ext>
+            </a:extLst>
+          </p:cNvPr>
+          <p:cNvSpPr>
+            <a:spLocks noGrp="1"/>
+          </p:cNvSpPr>
+          <p:nvPr>
+            <p:ph type="sldNum" sz="quarter" idx="11"/>
+          </p:nvPr>
+        </p:nvSpPr>
+        <p:spPr/>
+        <p:txBody>
+          <a:bodyPr/>
+          <a:lstStyle/>
+          <a:p>
+            <a:fld id="{19B0E89C-C97D-402E-B9E0-A1BE29AA681C}" type="slidenum">
+              <a:rPr lang="en-US" altLang="en-US" smtClean="0"/>
+              <a:pPr/>
+              <a:t>21</a:t>
             </a:fld>
             <a:endParaRPr lang="en-US" altLang="en-US"/>
           </a:p>
@@ -27344,7 +28236,7 @@
 </p:sld>
 </file>
 
-<file path=ppt/slides/slide21.xml><?xml version="1.0" encoding="utf-8"?>
+<file path=ppt/slides/slide22.xml><?xml version="1.0" encoding="utf-8"?>
 <p:sld xmlns:a="http://schemas.openxmlformats.org/drawingml/2006/main" xmlns:r="http://schemas.openxmlformats.org/officeDocument/2006/relationships" xmlns:p="http://schemas.openxmlformats.org/presentationml/2006/main">
   <p:cSld>
     <p:spTree>
@@ -27478,7 +28370,7 @@
             <a:fld id="{19B0E89C-C97D-402E-B9E0-A1BE29AA681C}" type="slidenum">
               <a:rPr lang="en-US" altLang="en-US" smtClean="0"/>
               <a:pPr/>
-              <a:t>21</a:t>
+              <a:t>22</a:t>
             </a:fld>
             <a:endParaRPr lang="en-US" altLang="en-US"/>
           </a:p>
@@ -28093,7 +28985,7 @@
 </p:sld>
 </file>
 
-<file path=ppt/slides/slide22.xml><?xml version="1.0" encoding="utf-8"?>
+<file path=ppt/slides/slide23.xml><?xml version="1.0" encoding="utf-8"?>
 <p:sld xmlns:a="http://schemas.openxmlformats.org/drawingml/2006/main" xmlns:r="http://schemas.openxmlformats.org/officeDocument/2006/relationships" xmlns:p="http://schemas.openxmlformats.org/presentationml/2006/main">
   <p:cSld>
     <p:spTree>
@@ -28194,7 +29086,7 @@
             <a:fld id="{19B0E89C-C97D-402E-B9E0-A1BE29AA681C}" type="slidenum">
               <a:rPr lang="en-US" altLang="en-US" smtClean="0"/>
               <a:pPr/>
-              <a:t>22</a:t>
+              <a:t>23</a:t>
             </a:fld>
             <a:endParaRPr lang="en-US" altLang="en-US"/>
           </a:p>
@@ -28662,7 +29554,7 @@
 </p:sld>
 </file>
 
-<file path=ppt/slides/slide23.xml><?xml version="1.0" encoding="utf-8"?>
+<file path=ppt/slides/slide24.xml><?xml version="1.0" encoding="utf-8"?>
 <p:sld xmlns:a="http://schemas.openxmlformats.org/drawingml/2006/main" xmlns:r="http://schemas.openxmlformats.org/officeDocument/2006/relationships" xmlns:p="http://schemas.openxmlformats.org/presentationml/2006/main">
   <p:cSld>
     <p:spTree>
@@ -28763,7 +29655,7 @@
             <a:fld id="{19B0E89C-C97D-402E-B9E0-A1BE29AA681C}" type="slidenum">
               <a:rPr lang="en-US" altLang="en-US" smtClean="0"/>
               <a:pPr/>
-              <a:t>23</a:t>
+              <a:t>24</a:t>
             </a:fld>
             <a:endParaRPr lang="en-US" altLang="en-US"/>
           </a:p>
@@ -29334,7 +30226,7 @@
 </p:sld>
 </file>
 
-<file path=ppt/slides/slide24.xml><?xml version="1.0" encoding="utf-8"?>
+<file path=ppt/slides/slide25.xml><?xml version="1.0" encoding="utf-8"?>
 <p:sld xmlns:a="http://schemas.openxmlformats.org/drawingml/2006/main" xmlns:r="http://schemas.openxmlformats.org/officeDocument/2006/relationships" xmlns:p="http://schemas.openxmlformats.org/presentationml/2006/main">
   <p:cSld>
     <p:spTree>
@@ -29435,7 +30327,7 @@
             <a:fld id="{19B0E89C-C97D-402E-B9E0-A1BE29AA681C}" type="slidenum">
               <a:rPr lang="en-US" altLang="en-US" smtClean="0"/>
               <a:pPr/>
-              <a:t>24</a:t>
+              <a:t>25</a:t>
             </a:fld>
             <a:endParaRPr lang="en-US" altLang="en-US"/>
           </a:p>
@@ -30106,7 +30998,7 @@
 </p:sld>
 </file>
 
-<file path=ppt/slides/slide25.xml><?xml version="1.0" encoding="utf-8"?>
+<file path=ppt/slides/slide26.xml><?xml version="1.0" encoding="utf-8"?>
 <p:sld xmlns:a="http://schemas.openxmlformats.org/drawingml/2006/main" xmlns:r="http://schemas.openxmlformats.org/officeDocument/2006/relationships" xmlns:p="http://schemas.openxmlformats.org/presentationml/2006/main">
   <p:cSld>
     <p:spTree>
@@ -30207,7 +31099,7 @@
             <a:fld id="{19B0E89C-C97D-402E-B9E0-A1BE29AA681C}" type="slidenum">
               <a:rPr lang="en-US" altLang="en-US" smtClean="0"/>
               <a:pPr/>
-              <a:t>25</a:t>
+              <a:t>26</a:t>
             </a:fld>
             <a:endParaRPr lang="en-US" altLang="en-US"/>
           </a:p>
@@ -32776,7 +33668,7 @@
 </p:sld>
 </file>
 
-<file path=ppt/slides/slide26.xml><?xml version="1.0" encoding="utf-8"?>
+<file path=ppt/slides/slide27.xml><?xml version="1.0" encoding="utf-8"?>
 <p:sld xmlns:a="http://schemas.openxmlformats.org/drawingml/2006/main" xmlns:r="http://schemas.openxmlformats.org/officeDocument/2006/relationships" xmlns:p="http://schemas.openxmlformats.org/presentationml/2006/main">
   <p:cSld>
     <p:spTree>
@@ -32930,7 +33822,7 @@
             <a:fld id="{19B0E89C-C97D-402E-B9E0-A1BE29AA681C}" type="slidenum">
               <a:rPr lang="en-US" altLang="en-US" smtClean="0"/>
               <a:pPr/>
-              <a:t>26</a:t>
+              <a:t>27</a:t>
             </a:fld>
             <a:endParaRPr lang="en-US" altLang="en-US"/>
           </a:p>
@@ -33869,7 +34761,7 @@
 </p:sld>
 </file>
 
-<file path=ppt/slides/slide27.xml><?xml version="1.0" encoding="utf-8"?>
+<file path=ppt/slides/slide28.xml><?xml version="1.0" encoding="utf-8"?>
 <p:sld xmlns:a="http://schemas.openxmlformats.org/drawingml/2006/main" xmlns:r="http://schemas.openxmlformats.org/officeDocument/2006/relationships" xmlns:p="http://schemas.openxmlformats.org/presentationml/2006/main">
   <p:cSld>
     <p:spTree>
@@ -34106,7 +34998,7 @@
             <a:fld id="{19B0E89C-C97D-402E-B9E0-A1BE29AA681C}" type="slidenum">
               <a:rPr lang="en-US" altLang="en-US" smtClean="0"/>
               <a:pPr/>
-              <a:t>27</a:t>
+              <a:t>28</a:t>
             </a:fld>
             <a:endParaRPr lang="en-US" altLang="en-US"/>
           </a:p>
@@ -34232,7 +35124,7 @@
 </p:sld>
 </file>
 
-<file path=ppt/slides/slide28.xml><?xml version="1.0" encoding="utf-8"?>
+<file path=ppt/slides/slide29.xml><?xml version="1.0" encoding="utf-8"?>
 <p:sld xmlns:a="http://schemas.openxmlformats.org/drawingml/2006/main" xmlns:r="http://schemas.openxmlformats.org/officeDocument/2006/relationships" xmlns:p="http://schemas.openxmlformats.org/presentationml/2006/main">
   <p:cSld>
     <p:spTree>
@@ -34334,7 +35226,7 @@
             <a:fld id="{19B0E89C-C97D-402E-B9E0-A1BE29AA681C}" type="slidenum">
               <a:rPr lang="en-US" altLang="en-US" smtClean="0"/>
               <a:pPr/>
-              <a:t>28</a:t>
+              <a:t>29</a:t>
             </a:fld>
             <a:endParaRPr lang="en-US" altLang="en-US"/>
           </a:p>
@@ -34591,7 +35483,1352 @@
 </p:sld>
 </file>
 
-<file path=ppt/slides/slide29.xml><?xml version="1.0" encoding="utf-8"?>
+<file path=ppt/slides/slide3.xml><?xml version="1.0" encoding="utf-8"?>
+<p:sld xmlns:a="http://schemas.openxmlformats.org/drawingml/2006/main" xmlns:r="http://schemas.openxmlformats.org/officeDocument/2006/relationships" xmlns:p="http://schemas.openxmlformats.org/presentationml/2006/main">
+  <p:cSld>
+    <p:spTree>
+      <p:nvGrpSpPr>
+        <p:cNvPr id="1" name=""/>
+        <p:cNvGrpSpPr/>
+        <p:nvPr/>
+      </p:nvGrpSpPr>
+      <p:grpSpPr>
+        <a:xfrm>
+          <a:off x="0" y="0"/>
+          <a:ext cx="0" cy="0"/>
+          <a:chOff x="0" y="0"/>
+          <a:chExt cx="0" cy="0"/>
+        </a:xfrm>
+      </p:grpSpPr>
+      <p:sp>
+        <p:nvSpPr>
+          <p:cNvPr id="2" name="Title 1">
+            <a:extLst>
+              <a:ext uri="{FF2B5EF4-FFF2-40B4-BE49-F238E27FC236}">
+                <a16:creationId xmlns:a16="http://schemas.microsoft.com/office/drawing/2014/main" id="{45B729C2-3DAA-F3D7-6DDB-DB860E51BF57}"/>
+              </a:ext>
+            </a:extLst>
+          </p:cNvPr>
+          <p:cNvSpPr>
+            <a:spLocks noGrp="1"/>
+          </p:cNvSpPr>
+          <p:nvPr>
+            <p:ph type="title"/>
+          </p:nvPr>
+        </p:nvSpPr>
+        <p:spPr/>
+        <p:txBody>
+          <a:bodyPr/>
+          <a:lstStyle/>
+          <a:p>
+            <a:r>
+              <a:rPr lang="en-US" dirty="0"/>
+              <a:t>Our First Execution Thread</a:t>
+            </a:r>
+          </a:p>
+        </p:txBody>
+      </p:sp>
+      <p:sp>
+        <p:nvSpPr>
+          <p:cNvPr id="3" name="Content Placeholder 2">
+            <a:extLst>
+              <a:ext uri="{FF2B5EF4-FFF2-40B4-BE49-F238E27FC236}">
+                <a16:creationId xmlns:a16="http://schemas.microsoft.com/office/drawing/2014/main" id="{7A90971C-E153-553E-5C03-63E51733E9CD}"/>
+              </a:ext>
+            </a:extLst>
+          </p:cNvPr>
+          <p:cNvSpPr>
+            <a:spLocks noGrp="1"/>
+          </p:cNvSpPr>
+          <p:nvPr>
+            <p:ph idx="1"/>
+          </p:nvPr>
+        </p:nvSpPr>
+        <p:spPr>
+          <a:xfrm>
+            <a:off x="381000" y="1143000"/>
+            <a:ext cx="8382000" cy="990600"/>
+          </a:xfrm>
+        </p:spPr>
+        <p:txBody>
+          <a:bodyPr/>
+          <a:lstStyle/>
+          <a:p>
+            <a:r>
+              <a:rPr lang="en-US" dirty="0"/>
+              <a:t>Why is the program still running when main() is done??</a:t>
+            </a:r>
+          </a:p>
+        </p:txBody>
+      </p:sp>
+      <p:sp>
+        <p:nvSpPr>
+          <p:cNvPr id="4" name="Footer Placeholder 3">
+            <a:extLst>
+              <a:ext uri="{FF2B5EF4-FFF2-40B4-BE49-F238E27FC236}">
+                <a16:creationId xmlns:a16="http://schemas.microsoft.com/office/drawing/2014/main" id="{32182962-36C0-BF6F-2E5F-BF06B5A228BA}"/>
+              </a:ext>
+            </a:extLst>
+          </p:cNvPr>
+          <p:cNvSpPr>
+            <a:spLocks noGrp="1"/>
+          </p:cNvSpPr>
+          <p:nvPr>
+            <p:ph type="ftr" sz="quarter" idx="10"/>
+          </p:nvPr>
+        </p:nvSpPr>
+        <p:spPr/>
+        <p:txBody>
+          <a:bodyPr/>
+          <a:lstStyle/>
+          <a:p>
+            <a:pPr>
+              <a:defRPr/>
+            </a:pPr>
+            <a:r>
+              <a:rPr lang="fr-FR" altLang="en-US"/>
+              <a:t>CS 1181 – Computer Science II    Dr. Michael Raymer</a:t>
+            </a:r>
+            <a:endParaRPr lang="en-US" altLang="en-US" dirty="0"/>
+          </a:p>
+        </p:txBody>
+      </p:sp>
+      <p:sp>
+        <p:nvSpPr>
+          <p:cNvPr id="5" name="Slide Number Placeholder 4">
+            <a:extLst>
+              <a:ext uri="{FF2B5EF4-FFF2-40B4-BE49-F238E27FC236}">
+                <a16:creationId xmlns:a16="http://schemas.microsoft.com/office/drawing/2014/main" id="{61E55713-1727-C366-319F-D870D979664A}"/>
+              </a:ext>
+            </a:extLst>
+          </p:cNvPr>
+          <p:cNvSpPr>
+            <a:spLocks noGrp="1"/>
+          </p:cNvSpPr>
+          <p:nvPr>
+            <p:ph type="sldNum" sz="quarter" idx="11"/>
+          </p:nvPr>
+        </p:nvSpPr>
+        <p:spPr/>
+        <p:txBody>
+          <a:bodyPr/>
+          <a:lstStyle/>
+          <a:p>
+            <a:fld id="{19B0E89C-C97D-402E-B9E0-A1BE29AA681C}" type="slidenum">
+              <a:rPr lang="en-US" altLang="en-US" smtClean="0"/>
+              <a:pPr/>
+              <a:t>3</a:t>
+            </a:fld>
+            <a:endParaRPr lang="en-US" altLang="en-US"/>
+          </a:p>
+        </p:txBody>
+      </p:sp>
+      <p:sp>
+        <p:nvSpPr>
+          <p:cNvPr id="6" name="Content Placeholder 2">
+            <a:extLst>
+              <a:ext uri="{FF2B5EF4-FFF2-40B4-BE49-F238E27FC236}">
+                <a16:creationId xmlns:a16="http://schemas.microsoft.com/office/drawing/2014/main" id="{D83EA0E4-1BE5-71A3-5DA8-954A636CC74A}"/>
+              </a:ext>
+            </a:extLst>
+          </p:cNvPr>
+          <p:cNvSpPr txBox="1">
+            <a:spLocks/>
+          </p:cNvSpPr>
+          <p:nvPr/>
+        </p:nvSpPr>
+        <p:spPr bwMode="auto">
+          <a:xfrm>
+            <a:off x="381000" y="4419600"/>
+            <a:ext cx="8382000" cy="1524000"/>
+          </a:xfrm>
+          <a:prstGeom prst="rect">
+            <a:avLst/>
+          </a:prstGeom>
+          <a:noFill/>
+          <a:ln>
+            <a:noFill/>
+          </a:ln>
+          <a:effectLst/>
+          <a:extLst>
+            <a:ext uri="{909E8E84-426E-40DD-AFC4-6F175D3DCCD1}">
+              <a14:hiddenFill xmlns:a14="http://schemas.microsoft.com/office/drawing/2010/main">
+                <a:solidFill>
+                  <a:schemeClr val="accent1"/>
+                </a:solidFill>
+              </a14:hiddenFill>
+            </a:ext>
+            <a:ext uri="{91240B29-F687-4F45-9708-019B960494DF}">
+              <a14:hiddenLine xmlns:a14="http://schemas.microsoft.com/office/drawing/2010/main" w="9525">
+                <a:solidFill>
+                  <a:schemeClr val="tx1"/>
+                </a:solidFill>
+                <a:miter lim="800000"/>
+                <a:headEnd/>
+                <a:tailEnd/>
+              </a14:hiddenLine>
+            </a:ext>
+            <a:ext uri="{AF507438-7753-43E0-B8FC-AC1667EBCBE1}">
+              <a14:hiddenEffects xmlns:a14="http://schemas.microsoft.com/office/drawing/2010/main">
+                <a:effectLst>
+                  <a:outerShdw dist="35921" dir="2700000" algn="ctr" rotWithShape="0">
+                    <a:schemeClr val="bg2"/>
+                  </a:outerShdw>
+                </a:effectLst>
+              </a14:hiddenEffects>
+            </a:ext>
+          </a:extLst>
+        </p:spPr>
+        <p:txBody>
+          <a:bodyPr vert="horz" wrap="square" lIns="91440" tIns="45720" rIns="91440" bIns="45720" numCol="1" anchor="t" anchorCtr="0" compatLnSpc="1">
+            <a:prstTxWarp prst="textNoShape">
+              <a:avLst/>
+            </a:prstTxWarp>
+          </a:bodyPr>
+          <a:lstStyle>
+            <a:lvl1pPr marL="342900" indent="-342900" algn="l" rtl="0" eaLnBrk="0" fontAlgn="base" hangingPunct="0">
+              <a:spcBef>
+                <a:spcPct val="20000"/>
+              </a:spcBef>
+              <a:spcAft>
+                <a:spcPct val="0"/>
+              </a:spcAft>
+              <a:buClr>
+                <a:srgbClr val="777777"/>
+              </a:buClr>
+              <a:buFont typeface="Symbol" panose="05050102010706020507" pitchFamily="18" charset="2"/>
+              <a:buChar char=""/>
+              <a:defRPr sz="3200" kern="1200">
+                <a:solidFill>
+                  <a:schemeClr val="tx1"/>
+                </a:solidFill>
+                <a:latin typeface="+mn-lt"/>
+                <a:ea typeface="+mn-ea"/>
+                <a:cs typeface="+mn-cs"/>
+              </a:defRPr>
+            </a:lvl1pPr>
+            <a:lvl2pPr marL="742950" indent="-285750" algn="l" rtl="0" eaLnBrk="0" fontAlgn="base" hangingPunct="0">
+              <a:spcBef>
+                <a:spcPct val="20000"/>
+              </a:spcBef>
+              <a:spcAft>
+                <a:spcPct val="0"/>
+              </a:spcAft>
+              <a:buChar char="•"/>
+              <a:defRPr sz="2800" kern="1200">
+                <a:solidFill>
+                  <a:schemeClr val="tx1"/>
+                </a:solidFill>
+                <a:latin typeface="+mn-lt"/>
+                <a:ea typeface="+mn-ea"/>
+                <a:cs typeface="+mn-cs"/>
+              </a:defRPr>
+            </a:lvl2pPr>
+            <a:lvl3pPr marL="1143000" indent="-228600" algn="l" rtl="0" eaLnBrk="0" fontAlgn="base" hangingPunct="0">
+              <a:spcBef>
+                <a:spcPct val="20000"/>
+              </a:spcBef>
+              <a:spcAft>
+                <a:spcPct val="0"/>
+              </a:spcAft>
+              <a:buSzPct val="65000"/>
+              <a:buFont typeface="Dreaming Outloud Pro" panose="03050502040302030504" pitchFamily="66" charset="0"/>
+              <a:buChar char=" "/>
+              <a:defRPr sz="2400" kern="1200">
+                <a:solidFill>
+                  <a:schemeClr val="tx1"/>
+                </a:solidFill>
+                <a:latin typeface="+mn-lt"/>
+                <a:ea typeface="+mn-ea"/>
+                <a:cs typeface="+mn-cs"/>
+              </a:defRPr>
+            </a:lvl3pPr>
+            <a:lvl4pPr marL="1600200" indent="-228600" algn="l" rtl="0" eaLnBrk="0" fontAlgn="base" hangingPunct="0">
+              <a:spcBef>
+                <a:spcPct val="20000"/>
+              </a:spcBef>
+              <a:spcAft>
+                <a:spcPct val="0"/>
+              </a:spcAft>
+              <a:buFont typeface="Wingdings" panose="05000000000000000000" pitchFamily="2" charset="2"/>
+              <a:buChar char="Ø"/>
+              <a:defRPr sz="2000" kern="1200">
+                <a:solidFill>
+                  <a:schemeClr val="tx1"/>
+                </a:solidFill>
+                <a:latin typeface="+mn-lt"/>
+                <a:ea typeface="+mn-ea"/>
+                <a:cs typeface="+mn-cs"/>
+              </a:defRPr>
+            </a:lvl4pPr>
+            <a:lvl5pPr marL="2057400" indent="-228600" algn="l" rtl="0" eaLnBrk="0" fontAlgn="base" hangingPunct="0">
+              <a:spcBef>
+                <a:spcPct val="20000"/>
+              </a:spcBef>
+              <a:spcAft>
+                <a:spcPct val="0"/>
+              </a:spcAft>
+              <a:buFont typeface="Dreaming Outloud Pro" panose="03050502040302030504" pitchFamily="66" charset="0"/>
+              <a:buChar char=" "/>
+              <a:defRPr sz="2000" kern="1200">
+                <a:solidFill>
+                  <a:schemeClr val="tx1"/>
+                </a:solidFill>
+                <a:latin typeface="+mn-lt"/>
+                <a:ea typeface="+mn-ea"/>
+                <a:cs typeface="+mn-cs"/>
+              </a:defRPr>
+            </a:lvl5pPr>
+            <a:lvl6pPr marL="2514600" indent="-228600" algn="l" defTabSz="914400" rtl="0" eaLnBrk="1" latinLnBrk="0" hangingPunct="1">
+              <a:lnSpc>
+                <a:spcPct val="90000"/>
+              </a:lnSpc>
+              <a:spcBef>
+                <a:spcPts val="500"/>
+              </a:spcBef>
+              <a:buFont typeface="Arial" panose="020B0604020202020204" pitchFamily="34" charset="0"/>
+              <a:buChar char="•"/>
+              <a:defRPr sz="1800" kern="1200">
+                <a:solidFill>
+                  <a:schemeClr val="tx1"/>
+                </a:solidFill>
+                <a:latin typeface="+mn-lt"/>
+                <a:ea typeface="+mn-ea"/>
+                <a:cs typeface="+mn-cs"/>
+              </a:defRPr>
+            </a:lvl6pPr>
+            <a:lvl7pPr marL="2971800" indent="-228600" algn="l" defTabSz="914400" rtl="0" eaLnBrk="1" latinLnBrk="0" hangingPunct="1">
+              <a:lnSpc>
+                <a:spcPct val="90000"/>
+              </a:lnSpc>
+              <a:spcBef>
+                <a:spcPts val="500"/>
+              </a:spcBef>
+              <a:buFont typeface="Arial" panose="020B0604020202020204" pitchFamily="34" charset="0"/>
+              <a:buChar char="•"/>
+              <a:defRPr sz="1800" kern="1200">
+                <a:solidFill>
+                  <a:schemeClr val="tx1"/>
+                </a:solidFill>
+                <a:latin typeface="+mn-lt"/>
+                <a:ea typeface="+mn-ea"/>
+                <a:cs typeface="+mn-cs"/>
+              </a:defRPr>
+            </a:lvl7pPr>
+            <a:lvl8pPr marL="3429000" indent="-228600" algn="l" defTabSz="914400" rtl="0" eaLnBrk="1" latinLnBrk="0" hangingPunct="1">
+              <a:lnSpc>
+                <a:spcPct val="90000"/>
+              </a:lnSpc>
+              <a:spcBef>
+                <a:spcPts val="500"/>
+              </a:spcBef>
+              <a:buFont typeface="Arial" panose="020B0604020202020204" pitchFamily="34" charset="0"/>
+              <a:buChar char="•"/>
+              <a:defRPr sz="1800" kern="1200">
+                <a:solidFill>
+                  <a:schemeClr val="tx1"/>
+                </a:solidFill>
+                <a:latin typeface="+mn-lt"/>
+                <a:ea typeface="+mn-ea"/>
+                <a:cs typeface="+mn-cs"/>
+              </a:defRPr>
+            </a:lvl8pPr>
+            <a:lvl9pPr marL="3886200" indent="-228600" algn="l" defTabSz="914400" rtl="0" eaLnBrk="1" latinLnBrk="0" hangingPunct="1">
+              <a:lnSpc>
+                <a:spcPct val="90000"/>
+              </a:lnSpc>
+              <a:spcBef>
+                <a:spcPts val="500"/>
+              </a:spcBef>
+              <a:buFont typeface="Arial" panose="020B0604020202020204" pitchFamily="34" charset="0"/>
+              <a:buChar char="•"/>
+              <a:defRPr sz="1800" kern="1200">
+                <a:solidFill>
+                  <a:schemeClr val="tx1"/>
+                </a:solidFill>
+                <a:latin typeface="+mn-lt"/>
+                <a:ea typeface="+mn-ea"/>
+                <a:cs typeface="+mn-cs"/>
+              </a:defRPr>
+            </a:lvl9pPr>
+          </a:lstStyle>
+          <a:p>
+            <a:r>
+              <a:rPr lang="en-US" dirty="0"/>
+              <a:t>The Event Dispatch Thread (EDT) waits for clicks, drags, re-sizes, keyclicks, and other events and responds to them.</a:t>
+            </a:r>
+          </a:p>
+        </p:txBody>
+      </p:sp>
+      <p:sp>
+        <p:nvSpPr>
+          <p:cNvPr id="8" name="TextBox 7">
+            <a:extLst>
+              <a:ext uri="{FF2B5EF4-FFF2-40B4-BE49-F238E27FC236}">
+                <a16:creationId xmlns:a16="http://schemas.microsoft.com/office/drawing/2014/main" id="{DD11ED09-FF3F-9D25-B8D5-DA46C1294FDE}"/>
+              </a:ext>
+            </a:extLst>
+          </p:cNvPr>
+          <p:cNvSpPr txBox="1"/>
+          <p:nvPr/>
+        </p:nvSpPr>
+        <p:spPr>
+          <a:xfrm>
+            <a:off x="1066800" y="2406759"/>
+            <a:ext cx="7010400" cy="1815882"/>
+          </a:xfrm>
+          <a:prstGeom prst="rect">
+            <a:avLst/>
+          </a:prstGeom>
+          <a:noFill/>
+        </p:spPr>
+        <p:txBody>
+          <a:bodyPr wrap="square">
+            <a:spAutoFit/>
+          </a:bodyPr>
+          <a:lstStyle/>
+          <a:p>
+            <a:r>
+              <a:rPr lang="en-US" sz="1400" b="0" dirty="0">
+                <a:solidFill>
+                  <a:srgbClr val="3B3B3B"/>
+                </a:solidFill>
+                <a:effectLst/>
+                <a:highlight>
+                  <a:srgbClr val="FFFFFF"/>
+                </a:highlight>
+                <a:latin typeface="Consolas" panose="020B0609020204030204" pitchFamily="49" charset="0"/>
+              </a:rPr>
+              <a:t>   </a:t>
+            </a:r>
+            <a:r>
+              <a:rPr lang="en-US" sz="1400" b="0" dirty="0">
+                <a:solidFill>
+                  <a:srgbClr val="0000FF"/>
+                </a:solidFill>
+                <a:effectLst/>
+                <a:highlight>
+                  <a:srgbClr val="FFFFFF"/>
+                </a:highlight>
+                <a:latin typeface="Consolas" panose="020B0609020204030204" pitchFamily="49" charset="0"/>
+              </a:rPr>
+              <a:t>public</a:t>
+            </a:r>
+            <a:r>
+              <a:rPr lang="en-US" sz="1400" b="0" dirty="0">
+                <a:solidFill>
+                  <a:srgbClr val="3B3B3B"/>
+                </a:solidFill>
+                <a:effectLst/>
+                <a:highlight>
+                  <a:srgbClr val="FFFFFF"/>
+                </a:highlight>
+                <a:latin typeface="Consolas" panose="020B0609020204030204" pitchFamily="49" charset="0"/>
+              </a:rPr>
+              <a:t> </a:t>
+            </a:r>
+            <a:r>
+              <a:rPr lang="en-US" sz="1400" b="0" dirty="0">
+                <a:solidFill>
+                  <a:srgbClr val="0000FF"/>
+                </a:solidFill>
+                <a:effectLst/>
+                <a:highlight>
+                  <a:srgbClr val="FFFFFF"/>
+                </a:highlight>
+                <a:latin typeface="Consolas" panose="020B0609020204030204" pitchFamily="49" charset="0"/>
+              </a:rPr>
+              <a:t>static</a:t>
+            </a:r>
+            <a:r>
+              <a:rPr lang="en-US" sz="1400" b="0" dirty="0">
+                <a:solidFill>
+                  <a:srgbClr val="3B3B3B"/>
+                </a:solidFill>
+                <a:effectLst/>
+                <a:highlight>
+                  <a:srgbClr val="FFFFFF"/>
+                </a:highlight>
+                <a:latin typeface="Consolas" panose="020B0609020204030204" pitchFamily="49" charset="0"/>
+              </a:rPr>
+              <a:t> </a:t>
+            </a:r>
+            <a:r>
+              <a:rPr lang="en-US" sz="1400" b="0" dirty="0">
+                <a:solidFill>
+                  <a:srgbClr val="267F99"/>
+                </a:solidFill>
+                <a:effectLst/>
+                <a:highlight>
+                  <a:srgbClr val="FFFFFF"/>
+                </a:highlight>
+                <a:latin typeface="Consolas" panose="020B0609020204030204" pitchFamily="49" charset="0"/>
+              </a:rPr>
+              <a:t>void</a:t>
+            </a:r>
+            <a:r>
+              <a:rPr lang="en-US" sz="1400" b="0" dirty="0">
+                <a:solidFill>
+                  <a:srgbClr val="3B3B3B"/>
+                </a:solidFill>
+                <a:effectLst/>
+                <a:highlight>
+                  <a:srgbClr val="FFFFFF"/>
+                </a:highlight>
+                <a:latin typeface="Consolas" panose="020B0609020204030204" pitchFamily="49" charset="0"/>
+              </a:rPr>
+              <a:t> </a:t>
+            </a:r>
+            <a:r>
+              <a:rPr lang="en-US" sz="1400" b="0" dirty="0">
+                <a:solidFill>
+                  <a:srgbClr val="795E26"/>
+                </a:solidFill>
+                <a:effectLst/>
+                <a:highlight>
+                  <a:srgbClr val="FFFFFF"/>
+                </a:highlight>
+                <a:latin typeface="Consolas" panose="020B0609020204030204" pitchFamily="49" charset="0"/>
+              </a:rPr>
+              <a:t>main</a:t>
+            </a:r>
+            <a:r>
+              <a:rPr lang="en-US" sz="1400" b="0" dirty="0">
+                <a:solidFill>
+                  <a:srgbClr val="3B3B3B"/>
+                </a:solidFill>
+                <a:effectLst/>
+                <a:highlight>
+                  <a:srgbClr val="FFFFFF"/>
+                </a:highlight>
+                <a:latin typeface="Consolas" panose="020B0609020204030204" pitchFamily="49" charset="0"/>
+              </a:rPr>
+              <a:t>(</a:t>
+            </a:r>
+            <a:r>
+              <a:rPr lang="en-US" sz="1400" b="0" dirty="0">
+                <a:solidFill>
+                  <a:srgbClr val="267F99"/>
+                </a:solidFill>
+                <a:effectLst/>
+                <a:highlight>
+                  <a:srgbClr val="FFFFFF"/>
+                </a:highlight>
+                <a:latin typeface="Consolas" panose="020B0609020204030204" pitchFamily="49" charset="0"/>
+              </a:rPr>
+              <a:t>String</a:t>
+            </a:r>
+            <a:r>
+              <a:rPr lang="en-US" sz="1400" b="0" dirty="0">
+                <a:solidFill>
+                  <a:srgbClr val="3B3B3B"/>
+                </a:solidFill>
+                <a:effectLst/>
+                <a:highlight>
+                  <a:srgbClr val="FFFFFF"/>
+                </a:highlight>
+                <a:latin typeface="Consolas" panose="020B0609020204030204" pitchFamily="49" charset="0"/>
+              </a:rPr>
+              <a:t> </a:t>
+            </a:r>
+            <a:r>
+              <a:rPr lang="en-US" sz="1400" b="0" dirty="0" err="1">
+                <a:solidFill>
+                  <a:srgbClr val="001080"/>
+                </a:solidFill>
+                <a:effectLst/>
+                <a:highlight>
+                  <a:srgbClr val="FFFFFF"/>
+                </a:highlight>
+                <a:latin typeface="Consolas" panose="020B0609020204030204" pitchFamily="49" charset="0"/>
+              </a:rPr>
+              <a:t>args</a:t>
+            </a:r>
+            <a:r>
+              <a:rPr lang="en-US" sz="1400" b="0" dirty="0">
+                <a:solidFill>
+                  <a:srgbClr val="3B3B3B"/>
+                </a:solidFill>
+                <a:effectLst/>
+                <a:highlight>
+                  <a:srgbClr val="FFFFFF"/>
+                </a:highlight>
+                <a:latin typeface="Consolas" panose="020B0609020204030204" pitchFamily="49" charset="0"/>
+              </a:rPr>
+              <a:t>[]){</a:t>
+            </a:r>
+          </a:p>
+          <a:p>
+            <a:r>
+              <a:rPr lang="en-US" sz="1400" b="0" dirty="0">
+                <a:solidFill>
+                  <a:srgbClr val="3B3B3B"/>
+                </a:solidFill>
+                <a:effectLst/>
+                <a:highlight>
+                  <a:srgbClr val="FFFFFF"/>
+                </a:highlight>
+                <a:latin typeface="Consolas" panose="020B0609020204030204" pitchFamily="49" charset="0"/>
+              </a:rPr>
+              <a:t>        </a:t>
+            </a:r>
+            <a:r>
+              <a:rPr lang="en-US" sz="1400" b="0" dirty="0" err="1">
+                <a:solidFill>
+                  <a:srgbClr val="267F99"/>
+                </a:solidFill>
+                <a:effectLst/>
+                <a:highlight>
+                  <a:srgbClr val="FFFFFF"/>
+                </a:highlight>
+                <a:latin typeface="Consolas" panose="020B0609020204030204" pitchFamily="49" charset="0"/>
+              </a:rPr>
+              <a:t>JFrame</a:t>
+            </a:r>
+            <a:r>
+              <a:rPr lang="en-US" sz="1400" b="0" dirty="0">
+                <a:solidFill>
+                  <a:srgbClr val="3B3B3B"/>
+                </a:solidFill>
+                <a:effectLst/>
+                <a:highlight>
+                  <a:srgbClr val="FFFFFF"/>
+                </a:highlight>
+                <a:latin typeface="Consolas" panose="020B0609020204030204" pitchFamily="49" charset="0"/>
+              </a:rPr>
+              <a:t> </a:t>
+            </a:r>
+            <a:r>
+              <a:rPr lang="en-US" sz="1400" b="0" dirty="0" err="1">
+                <a:solidFill>
+                  <a:srgbClr val="001080"/>
+                </a:solidFill>
+                <a:effectLst/>
+                <a:highlight>
+                  <a:srgbClr val="FFFFFF"/>
+                </a:highlight>
+                <a:latin typeface="Consolas" panose="020B0609020204030204" pitchFamily="49" charset="0"/>
+              </a:rPr>
+              <a:t>theWindow</a:t>
+            </a:r>
+            <a:r>
+              <a:rPr lang="en-US" sz="1400" b="0" dirty="0">
+                <a:solidFill>
+                  <a:srgbClr val="3B3B3B"/>
+                </a:solidFill>
+                <a:effectLst/>
+                <a:highlight>
+                  <a:srgbClr val="FFFFFF"/>
+                </a:highlight>
+                <a:latin typeface="Consolas" panose="020B0609020204030204" pitchFamily="49" charset="0"/>
+              </a:rPr>
+              <a:t> </a:t>
+            </a:r>
+            <a:r>
+              <a:rPr lang="en-US" sz="1400" b="0" dirty="0">
+                <a:solidFill>
+                  <a:srgbClr val="000000"/>
+                </a:solidFill>
+                <a:effectLst/>
+                <a:highlight>
+                  <a:srgbClr val="FFFFFF"/>
+                </a:highlight>
+                <a:latin typeface="Consolas" panose="020B0609020204030204" pitchFamily="49" charset="0"/>
+              </a:rPr>
+              <a:t>=</a:t>
+            </a:r>
+            <a:r>
+              <a:rPr lang="en-US" sz="1400" b="0" dirty="0">
+                <a:solidFill>
+                  <a:srgbClr val="3B3B3B"/>
+                </a:solidFill>
+                <a:effectLst/>
+                <a:highlight>
+                  <a:srgbClr val="FFFFFF"/>
+                </a:highlight>
+                <a:latin typeface="Consolas" panose="020B0609020204030204" pitchFamily="49" charset="0"/>
+              </a:rPr>
+              <a:t> </a:t>
+            </a:r>
+            <a:r>
+              <a:rPr lang="en-US" sz="1400" b="0" dirty="0">
+                <a:solidFill>
+                  <a:srgbClr val="AF00DB"/>
+                </a:solidFill>
+                <a:effectLst/>
+                <a:highlight>
+                  <a:srgbClr val="FFFFFF"/>
+                </a:highlight>
+                <a:latin typeface="Consolas" panose="020B0609020204030204" pitchFamily="49" charset="0"/>
+              </a:rPr>
+              <a:t>new</a:t>
+            </a:r>
+            <a:r>
+              <a:rPr lang="en-US" sz="1400" b="0" dirty="0">
+                <a:solidFill>
+                  <a:srgbClr val="3B3B3B"/>
+                </a:solidFill>
+                <a:effectLst/>
+                <a:highlight>
+                  <a:srgbClr val="FFFFFF"/>
+                </a:highlight>
+                <a:latin typeface="Consolas" panose="020B0609020204030204" pitchFamily="49" charset="0"/>
+              </a:rPr>
+              <a:t> </a:t>
+            </a:r>
+            <a:r>
+              <a:rPr lang="en-US" sz="1400" b="0" dirty="0" err="1">
+                <a:solidFill>
+                  <a:srgbClr val="795E26"/>
+                </a:solidFill>
+                <a:effectLst/>
+                <a:highlight>
+                  <a:srgbClr val="FFFFFF"/>
+                </a:highlight>
+                <a:latin typeface="Consolas" panose="020B0609020204030204" pitchFamily="49" charset="0"/>
+              </a:rPr>
+              <a:t>JFrame</a:t>
+            </a:r>
+            <a:r>
+              <a:rPr lang="en-US" sz="1400" b="0" dirty="0">
+                <a:solidFill>
+                  <a:srgbClr val="3B3B3B"/>
+                </a:solidFill>
+                <a:effectLst/>
+                <a:highlight>
+                  <a:srgbClr val="FFFFFF"/>
+                </a:highlight>
+                <a:latin typeface="Consolas" panose="020B0609020204030204" pitchFamily="49" charset="0"/>
+              </a:rPr>
+              <a:t>(</a:t>
+            </a:r>
+            <a:r>
+              <a:rPr lang="en-US" sz="1400" b="0" dirty="0">
+                <a:solidFill>
+                  <a:srgbClr val="A31515"/>
+                </a:solidFill>
+                <a:effectLst/>
+                <a:highlight>
+                  <a:srgbClr val="FFFFFF"/>
+                </a:highlight>
+                <a:latin typeface="Consolas" panose="020B0609020204030204" pitchFamily="49" charset="0"/>
+              </a:rPr>
+              <a:t>"Our first window!"</a:t>
+            </a:r>
+            <a:r>
+              <a:rPr lang="en-US" sz="1400" b="0" dirty="0">
+                <a:solidFill>
+                  <a:srgbClr val="3B3B3B"/>
+                </a:solidFill>
+                <a:effectLst/>
+                <a:highlight>
+                  <a:srgbClr val="FFFFFF"/>
+                </a:highlight>
+                <a:latin typeface="Consolas" panose="020B0609020204030204" pitchFamily="49" charset="0"/>
+              </a:rPr>
+              <a:t>);</a:t>
+            </a:r>
+          </a:p>
+          <a:p>
+            <a:r>
+              <a:rPr lang="en-US" sz="1400" b="0" dirty="0">
+                <a:solidFill>
+                  <a:srgbClr val="3B3B3B"/>
+                </a:solidFill>
+                <a:effectLst/>
+                <a:highlight>
+                  <a:srgbClr val="FFFFFF"/>
+                </a:highlight>
+                <a:latin typeface="Consolas" panose="020B0609020204030204" pitchFamily="49" charset="0"/>
+              </a:rPr>
+              <a:t>        </a:t>
+            </a:r>
+            <a:r>
+              <a:rPr lang="en-US" sz="1400" b="0" dirty="0" err="1">
+                <a:solidFill>
+                  <a:srgbClr val="001080"/>
+                </a:solidFill>
+                <a:effectLst/>
+                <a:highlight>
+                  <a:srgbClr val="FFFFFF"/>
+                </a:highlight>
+                <a:latin typeface="Consolas" panose="020B0609020204030204" pitchFamily="49" charset="0"/>
+              </a:rPr>
+              <a:t>theWindow</a:t>
+            </a:r>
+            <a:r>
+              <a:rPr lang="en-US" sz="1400" b="0" dirty="0" err="1">
+                <a:solidFill>
+                  <a:srgbClr val="3B3B3B"/>
+                </a:solidFill>
+                <a:effectLst/>
+                <a:highlight>
+                  <a:srgbClr val="FFFFFF"/>
+                </a:highlight>
+                <a:latin typeface="Consolas" panose="020B0609020204030204" pitchFamily="49" charset="0"/>
+              </a:rPr>
+              <a:t>.</a:t>
+            </a:r>
+            <a:r>
+              <a:rPr lang="en-US" sz="1400" b="0" dirty="0" err="1">
+                <a:solidFill>
+                  <a:srgbClr val="795E26"/>
+                </a:solidFill>
+                <a:effectLst/>
+                <a:highlight>
+                  <a:srgbClr val="FFFFFF"/>
+                </a:highlight>
+                <a:latin typeface="Consolas" panose="020B0609020204030204" pitchFamily="49" charset="0"/>
+              </a:rPr>
+              <a:t>setSize</a:t>
+            </a:r>
+            <a:r>
+              <a:rPr lang="en-US" sz="1400" b="0" dirty="0">
+                <a:solidFill>
+                  <a:srgbClr val="3B3B3B"/>
+                </a:solidFill>
+                <a:effectLst/>
+                <a:highlight>
+                  <a:srgbClr val="FFFFFF"/>
+                </a:highlight>
+                <a:latin typeface="Consolas" panose="020B0609020204030204" pitchFamily="49" charset="0"/>
+              </a:rPr>
+              <a:t>(</a:t>
+            </a:r>
+            <a:r>
+              <a:rPr lang="en-US" sz="1400" b="0" dirty="0">
+                <a:solidFill>
+                  <a:srgbClr val="098658"/>
+                </a:solidFill>
+                <a:effectLst/>
+                <a:highlight>
+                  <a:srgbClr val="FFFFFF"/>
+                </a:highlight>
+                <a:latin typeface="Consolas" panose="020B0609020204030204" pitchFamily="49" charset="0"/>
+              </a:rPr>
+              <a:t>300</a:t>
+            </a:r>
+            <a:r>
+              <a:rPr lang="en-US" sz="1400" b="0" dirty="0">
+                <a:solidFill>
+                  <a:srgbClr val="3B3B3B"/>
+                </a:solidFill>
+                <a:effectLst/>
+                <a:highlight>
+                  <a:srgbClr val="FFFFFF"/>
+                </a:highlight>
+                <a:latin typeface="Consolas" panose="020B0609020204030204" pitchFamily="49" charset="0"/>
+              </a:rPr>
+              <a:t>, </a:t>
+            </a:r>
+            <a:r>
+              <a:rPr lang="en-US" sz="1400" b="0" dirty="0">
+                <a:solidFill>
+                  <a:srgbClr val="098658"/>
+                </a:solidFill>
+                <a:effectLst/>
+                <a:highlight>
+                  <a:srgbClr val="FFFFFF"/>
+                </a:highlight>
+                <a:latin typeface="Consolas" panose="020B0609020204030204" pitchFamily="49" charset="0"/>
+              </a:rPr>
+              <a:t>300</a:t>
+            </a:r>
+            <a:r>
+              <a:rPr lang="en-US" sz="1400" b="0" dirty="0">
+                <a:solidFill>
+                  <a:srgbClr val="3B3B3B"/>
+                </a:solidFill>
+                <a:effectLst/>
+                <a:highlight>
+                  <a:srgbClr val="FFFFFF"/>
+                </a:highlight>
+                <a:latin typeface="Consolas" panose="020B0609020204030204" pitchFamily="49" charset="0"/>
+              </a:rPr>
+              <a:t>);</a:t>
+            </a:r>
+          </a:p>
+          <a:p>
+            <a:r>
+              <a:rPr lang="en-US" sz="1400" b="0" dirty="0">
+                <a:solidFill>
+                  <a:srgbClr val="3B3B3B"/>
+                </a:solidFill>
+                <a:effectLst/>
+                <a:highlight>
+                  <a:srgbClr val="FFFFFF"/>
+                </a:highlight>
+                <a:latin typeface="Consolas" panose="020B0609020204030204" pitchFamily="49" charset="0"/>
+              </a:rPr>
+              <a:t>        </a:t>
+            </a:r>
+            <a:r>
+              <a:rPr lang="en-US" sz="1400" b="0" dirty="0" err="1">
+                <a:solidFill>
+                  <a:srgbClr val="001080"/>
+                </a:solidFill>
+                <a:effectLst/>
+                <a:highlight>
+                  <a:srgbClr val="FFFFFF"/>
+                </a:highlight>
+                <a:latin typeface="Consolas" panose="020B0609020204030204" pitchFamily="49" charset="0"/>
+              </a:rPr>
+              <a:t>theWindow</a:t>
+            </a:r>
+            <a:r>
+              <a:rPr lang="en-US" sz="1400" b="0" dirty="0" err="1">
+                <a:solidFill>
+                  <a:srgbClr val="3B3B3B"/>
+                </a:solidFill>
+                <a:effectLst/>
+                <a:highlight>
+                  <a:srgbClr val="FFFFFF"/>
+                </a:highlight>
+                <a:latin typeface="Consolas" panose="020B0609020204030204" pitchFamily="49" charset="0"/>
+              </a:rPr>
+              <a:t>.</a:t>
+            </a:r>
+            <a:r>
+              <a:rPr lang="en-US" sz="1400" b="0" dirty="0" err="1">
+                <a:solidFill>
+                  <a:srgbClr val="795E26"/>
+                </a:solidFill>
+                <a:effectLst/>
+                <a:highlight>
+                  <a:srgbClr val="FFFFFF"/>
+                </a:highlight>
+                <a:latin typeface="Consolas" panose="020B0609020204030204" pitchFamily="49" charset="0"/>
+              </a:rPr>
+              <a:t>setLocation</a:t>
+            </a:r>
+            <a:r>
+              <a:rPr lang="en-US" sz="1400" b="0" dirty="0">
+                <a:solidFill>
+                  <a:srgbClr val="3B3B3B"/>
+                </a:solidFill>
+                <a:effectLst/>
+                <a:highlight>
+                  <a:srgbClr val="FFFFFF"/>
+                </a:highlight>
+                <a:latin typeface="Consolas" panose="020B0609020204030204" pitchFamily="49" charset="0"/>
+              </a:rPr>
+              <a:t>(</a:t>
+            </a:r>
+            <a:r>
+              <a:rPr lang="en-US" sz="1400" b="0" dirty="0">
+                <a:solidFill>
+                  <a:srgbClr val="098658"/>
+                </a:solidFill>
+                <a:effectLst/>
+                <a:highlight>
+                  <a:srgbClr val="FFFFFF"/>
+                </a:highlight>
+                <a:latin typeface="Consolas" panose="020B0609020204030204" pitchFamily="49" charset="0"/>
+              </a:rPr>
+              <a:t>200</a:t>
+            </a:r>
+            <a:r>
+              <a:rPr lang="en-US" sz="1400" b="0" dirty="0">
+                <a:solidFill>
+                  <a:srgbClr val="3B3B3B"/>
+                </a:solidFill>
+                <a:effectLst/>
+                <a:highlight>
+                  <a:srgbClr val="FFFFFF"/>
+                </a:highlight>
+                <a:latin typeface="Consolas" panose="020B0609020204030204" pitchFamily="49" charset="0"/>
+              </a:rPr>
+              <a:t>, </a:t>
+            </a:r>
+            <a:r>
+              <a:rPr lang="en-US" sz="1400" b="0" dirty="0">
+                <a:solidFill>
+                  <a:srgbClr val="098658"/>
+                </a:solidFill>
+                <a:effectLst/>
+                <a:highlight>
+                  <a:srgbClr val="FFFFFF"/>
+                </a:highlight>
+                <a:latin typeface="Consolas" panose="020B0609020204030204" pitchFamily="49" charset="0"/>
+              </a:rPr>
+              <a:t>400</a:t>
+            </a:r>
+            <a:r>
+              <a:rPr lang="en-US" sz="1400" b="0" dirty="0">
+                <a:solidFill>
+                  <a:srgbClr val="3B3B3B"/>
+                </a:solidFill>
+                <a:effectLst/>
+                <a:highlight>
+                  <a:srgbClr val="FFFFFF"/>
+                </a:highlight>
+                <a:latin typeface="Consolas" panose="020B0609020204030204" pitchFamily="49" charset="0"/>
+              </a:rPr>
+              <a:t>);</a:t>
+            </a:r>
+          </a:p>
+          <a:p>
+            <a:r>
+              <a:rPr lang="en-US" sz="1400" b="0" dirty="0">
+                <a:solidFill>
+                  <a:srgbClr val="3B3B3B"/>
+                </a:solidFill>
+                <a:effectLst/>
+                <a:highlight>
+                  <a:srgbClr val="FFFFFF"/>
+                </a:highlight>
+                <a:latin typeface="Consolas" panose="020B0609020204030204" pitchFamily="49" charset="0"/>
+              </a:rPr>
+              <a:t>        </a:t>
+            </a:r>
+            <a:r>
+              <a:rPr lang="en-US" sz="1400" b="0" dirty="0" err="1">
+                <a:solidFill>
+                  <a:srgbClr val="001080"/>
+                </a:solidFill>
+                <a:effectLst/>
+                <a:highlight>
+                  <a:srgbClr val="FFFFFF"/>
+                </a:highlight>
+                <a:latin typeface="Consolas" panose="020B0609020204030204" pitchFamily="49" charset="0"/>
+              </a:rPr>
+              <a:t>theWindow</a:t>
+            </a:r>
+            <a:r>
+              <a:rPr lang="en-US" sz="1400" b="0" dirty="0" err="1">
+                <a:solidFill>
+                  <a:srgbClr val="3B3B3B"/>
+                </a:solidFill>
+                <a:effectLst/>
+                <a:highlight>
+                  <a:srgbClr val="FFFFFF"/>
+                </a:highlight>
+                <a:latin typeface="Consolas" panose="020B0609020204030204" pitchFamily="49" charset="0"/>
+              </a:rPr>
+              <a:t>.</a:t>
+            </a:r>
+            <a:r>
+              <a:rPr lang="en-US" sz="1400" b="0" dirty="0" err="1">
+                <a:solidFill>
+                  <a:srgbClr val="795E26"/>
+                </a:solidFill>
+                <a:effectLst/>
+                <a:highlight>
+                  <a:srgbClr val="FFFFFF"/>
+                </a:highlight>
+                <a:latin typeface="Consolas" panose="020B0609020204030204" pitchFamily="49" charset="0"/>
+              </a:rPr>
+              <a:t>setDefaultCloseOperation</a:t>
+            </a:r>
+            <a:r>
+              <a:rPr lang="en-US" sz="1400" b="0" dirty="0">
+                <a:solidFill>
+                  <a:srgbClr val="3B3B3B"/>
+                </a:solidFill>
+                <a:effectLst/>
+                <a:highlight>
+                  <a:srgbClr val="FFFFFF"/>
+                </a:highlight>
+                <a:latin typeface="Consolas" panose="020B0609020204030204" pitchFamily="49" charset="0"/>
+              </a:rPr>
+              <a:t>(</a:t>
+            </a:r>
+            <a:r>
+              <a:rPr lang="en-US" sz="1400" b="0" dirty="0" err="1">
+                <a:solidFill>
+                  <a:srgbClr val="267F99"/>
+                </a:solidFill>
+                <a:effectLst/>
+                <a:highlight>
+                  <a:srgbClr val="FFFFFF"/>
+                </a:highlight>
+                <a:latin typeface="Consolas" panose="020B0609020204030204" pitchFamily="49" charset="0"/>
+              </a:rPr>
+              <a:t>JFrame</a:t>
+            </a:r>
+            <a:r>
+              <a:rPr lang="en-US" sz="1400" b="0" dirty="0" err="1">
+                <a:solidFill>
+                  <a:srgbClr val="3B3B3B"/>
+                </a:solidFill>
+                <a:effectLst/>
+                <a:highlight>
+                  <a:srgbClr val="FFFFFF"/>
+                </a:highlight>
+                <a:latin typeface="Consolas" panose="020B0609020204030204" pitchFamily="49" charset="0"/>
+              </a:rPr>
+              <a:t>.</a:t>
+            </a:r>
+            <a:r>
+              <a:rPr lang="en-US" sz="1400" b="0" dirty="0" err="1">
+                <a:solidFill>
+                  <a:srgbClr val="0070C1"/>
+                </a:solidFill>
+                <a:effectLst/>
+                <a:highlight>
+                  <a:srgbClr val="FFFFFF"/>
+                </a:highlight>
+                <a:latin typeface="Consolas" panose="020B0609020204030204" pitchFamily="49" charset="0"/>
+              </a:rPr>
+              <a:t>EXIT_ON_CLOSE</a:t>
+            </a:r>
+            <a:r>
+              <a:rPr lang="en-US" sz="1400" b="0" dirty="0">
+                <a:solidFill>
+                  <a:srgbClr val="3B3B3B"/>
+                </a:solidFill>
+                <a:effectLst/>
+                <a:highlight>
+                  <a:srgbClr val="FFFFFF"/>
+                </a:highlight>
+                <a:latin typeface="Consolas" panose="020B0609020204030204" pitchFamily="49" charset="0"/>
+              </a:rPr>
+              <a:t>);</a:t>
+            </a:r>
+          </a:p>
+          <a:p>
+            <a:r>
+              <a:rPr lang="en-US" sz="1400" b="0" dirty="0">
+                <a:solidFill>
+                  <a:srgbClr val="3B3B3B"/>
+                </a:solidFill>
+                <a:effectLst/>
+                <a:highlight>
+                  <a:srgbClr val="FFFFFF"/>
+                </a:highlight>
+                <a:latin typeface="Consolas" panose="020B0609020204030204" pitchFamily="49" charset="0"/>
+              </a:rPr>
+              <a:t>        </a:t>
+            </a:r>
+            <a:r>
+              <a:rPr lang="en-US" sz="1400" b="0" dirty="0" err="1">
+                <a:solidFill>
+                  <a:srgbClr val="001080"/>
+                </a:solidFill>
+                <a:effectLst/>
+                <a:highlight>
+                  <a:srgbClr val="FFFFFF"/>
+                </a:highlight>
+                <a:latin typeface="Consolas" panose="020B0609020204030204" pitchFamily="49" charset="0"/>
+              </a:rPr>
+              <a:t>theWindow</a:t>
+            </a:r>
+            <a:r>
+              <a:rPr lang="en-US" sz="1400" b="0" dirty="0" err="1">
+                <a:solidFill>
+                  <a:srgbClr val="3B3B3B"/>
+                </a:solidFill>
+                <a:effectLst/>
+                <a:highlight>
+                  <a:srgbClr val="FFFFFF"/>
+                </a:highlight>
+                <a:latin typeface="Consolas" panose="020B0609020204030204" pitchFamily="49" charset="0"/>
+              </a:rPr>
+              <a:t>.</a:t>
+            </a:r>
+            <a:r>
+              <a:rPr lang="en-US" sz="1400" b="0" dirty="0" err="1">
+                <a:solidFill>
+                  <a:srgbClr val="795E26"/>
+                </a:solidFill>
+                <a:effectLst/>
+                <a:highlight>
+                  <a:srgbClr val="FFFFFF"/>
+                </a:highlight>
+                <a:latin typeface="Consolas" panose="020B0609020204030204" pitchFamily="49" charset="0"/>
+              </a:rPr>
+              <a:t>setVisible</a:t>
+            </a:r>
+            <a:r>
+              <a:rPr lang="en-US" sz="1400" b="0" dirty="0">
+                <a:solidFill>
+                  <a:srgbClr val="3B3B3B"/>
+                </a:solidFill>
+                <a:effectLst/>
+                <a:highlight>
+                  <a:srgbClr val="FFFFFF"/>
+                </a:highlight>
+                <a:latin typeface="Consolas" panose="020B0609020204030204" pitchFamily="49" charset="0"/>
+              </a:rPr>
+              <a:t>(</a:t>
+            </a:r>
+            <a:r>
+              <a:rPr lang="en-US" sz="1400" b="0" dirty="0">
+                <a:solidFill>
+                  <a:srgbClr val="0000FF"/>
+                </a:solidFill>
+                <a:effectLst/>
+                <a:highlight>
+                  <a:srgbClr val="FFFFFF"/>
+                </a:highlight>
+                <a:latin typeface="Consolas" panose="020B0609020204030204" pitchFamily="49" charset="0"/>
+              </a:rPr>
+              <a:t>true</a:t>
+            </a:r>
+            <a:r>
+              <a:rPr lang="en-US" sz="1400" b="0" dirty="0">
+                <a:solidFill>
+                  <a:srgbClr val="3B3B3B"/>
+                </a:solidFill>
+                <a:effectLst/>
+                <a:highlight>
+                  <a:srgbClr val="FFFFFF"/>
+                </a:highlight>
+                <a:latin typeface="Consolas" panose="020B0609020204030204" pitchFamily="49" charset="0"/>
+              </a:rPr>
+              <a:t>);</a:t>
+            </a:r>
+          </a:p>
+          <a:p>
+            <a:r>
+              <a:rPr lang="en-US" sz="1400" b="0" dirty="0">
+                <a:solidFill>
+                  <a:srgbClr val="3B3B3B"/>
+                </a:solidFill>
+                <a:effectLst/>
+                <a:highlight>
+                  <a:srgbClr val="FFFFFF"/>
+                </a:highlight>
+                <a:latin typeface="Consolas" panose="020B0609020204030204" pitchFamily="49" charset="0"/>
+              </a:rPr>
+              <a:t>        </a:t>
+            </a:r>
+            <a:r>
+              <a:rPr lang="en-US" sz="1400" b="0" dirty="0" err="1">
+                <a:solidFill>
+                  <a:srgbClr val="267F99"/>
+                </a:solidFill>
+                <a:effectLst/>
+                <a:highlight>
+                  <a:srgbClr val="FFFFFF"/>
+                </a:highlight>
+                <a:latin typeface="Consolas" panose="020B0609020204030204" pitchFamily="49" charset="0"/>
+              </a:rPr>
+              <a:t>System</a:t>
+            </a:r>
+            <a:r>
+              <a:rPr lang="en-US" sz="1400" b="0" dirty="0" err="1">
+                <a:solidFill>
+                  <a:srgbClr val="3B3B3B"/>
+                </a:solidFill>
+                <a:effectLst/>
+                <a:highlight>
+                  <a:srgbClr val="FFFFFF"/>
+                </a:highlight>
+                <a:latin typeface="Consolas" panose="020B0609020204030204" pitchFamily="49" charset="0"/>
+              </a:rPr>
+              <a:t>.</a:t>
+            </a:r>
+            <a:r>
+              <a:rPr lang="en-US" sz="1400" b="0" dirty="0" err="1">
+                <a:solidFill>
+                  <a:srgbClr val="0070C1"/>
+                </a:solidFill>
+                <a:effectLst/>
+                <a:highlight>
+                  <a:srgbClr val="FFFFFF"/>
+                </a:highlight>
+                <a:latin typeface="Consolas" panose="020B0609020204030204" pitchFamily="49" charset="0"/>
+              </a:rPr>
+              <a:t>out</a:t>
+            </a:r>
+            <a:r>
+              <a:rPr lang="en-US" sz="1400" b="0" dirty="0" err="1">
+                <a:solidFill>
+                  <a:srgbClr val="3B3B3B"/>
+                </a:solidFill>
+                <a:effectLst/>
+                <a:highlight>
+                  <a:srgbClr val="FFFFFF"/>
+                </a:highlight>
+                <a:latin typeface="Consolas" panose="020B0609020204030204" pitchFamily="49" charset="0"/>
+              </a:rPr>
+              <a:t>.</a:t>
+            </a:r>
+            <a:r>
+              <a:rPr lang="en-US" sz="1400" b="0" dirty="0" err="1">
+                <a:solidFill>
+                  <a:srgbClr val="795E26"/>
+                </a:solidFill>
+                <a:effectLst/>
+                <a:highlight>
+                  <a:srgbClr val="FFFFFF"/>
+                </a:highlight>
+                <a:latin typeface="Consolas" panose="020B0609020204030204" pitchFamily="49" charset="0"/>
+              </a:rPr>
+              <a:t>println</a:t>
+            </a:r>
+            <a:r>
+              <a:rPr lang="en-US" sz="1400" b="0" dirty="0">
+                <a:solidFill>
+                  <a:srgbClr val="3B3B3B"/>
+                </a:solidFill>
+                <a:effectLst/>
+                <a:highlight>
+                  <a:srgbClr val="FFFFFF"/>
+                </a:highlight>
+                <a:latin typeface="Consolas" panose="020B0609020204030204" pitchFamily="49" charset="0"/>
+              </a:rPr>
+              <a:t>(</a:t>
+            </a:r>
+            <a:r>
+              <a:rPr lang="en-US" sz="1400" b="0" dirty="0">
+                <a:solidFill>
+                  <a:srgbClr val="A31515"/>
+                </a:solidFill>
+                <a:effectLst/>
+                <a:highlight>
+                  <a:srgbClr val="FFFFFF"/>
+                </a:highlight>
+                <a:latin typeface="Consolas" panose="020B0609020204030204" pitchFamily="49" charset="0"/>
+              </a:rPr>
+              <a:t>"Done!"</a:t>
+            </a:r>
+            <a:r>
+              <a:rPr lang="en-US" sz="1400" b="0" dirty="0">
+                <a:solidFill>
+                  <a:srgbClr val="3B3B3B"/>
+                </a:solidFill>
+                <a:effectLst/>
+                <a:highlight>
+                  <a:srgbClr val="FFFFFF"/>
+                </a:highlight>
+                <a:latin typeface="Consolas" panose="020B0609020204030204" pitchFamily="49" charset="0"/>
+              </a:rPr>
+              <a:t>);</a:t>
+            </a:r>
+          </a:p>
+          <a:p>
+            <a:r>
+              <a:rPr lang="en-US" sz="1400" b="0" dirty="0">
+                <a:solidFill>
+                  <a:srgbClr val="3B3B3B"/>
+                </a:solidFill>
+                <a:effectLst/>
+                <a:highlight>
+                  <a:srgbClr val="FFFFFF"/>
+                </a:highlight>
+                <a:latin typeface="Consolas" panose="020B0609020204030204" pitchFamily="49" charset="0"/>
+              </a:rPr>
+              <a:t>    }</a:t>
+            </a:r>
+          </a:p>
+        </p:txBody>
+      </p:sp>
+    </p:spTree>
+    <p:extLst>
+      <p:ext uri="{BB962C8B-B14F-4D97-AF65-F5344CB8AC3E}">
+        <p14:creationId xmlns:p14="http://schemas.microsoft.com/office/powerpoint/2010/main" val="1880220352"/>
+      </p:ext>
+    </p:extLst>
+  </p:cSld>
+  <p:clrMapOvr>
+    <a:masterClrMapping/>
+  </p:clrMapOvr>
+</p:sld>
+</file>
+
+<file path=ppt/slides/slide30.xml><?xml version="1.0" encoding="utf-8"?>
 <p:sld xmlns:a="http://schemas.openxmlformats.org/drawingml/2006/main" xmlns:r="http://schemas.openxmlformats.org/officeDocument/2006/relationships" xmlns:p="http://schemas.openxmlformats.org/presentationml/2006/main">
   <p:cSld>
     <p:spTree>
@@ -34737,7 +36974,7 @@
             <a:fld id="{19B0E89C-C97D-402E-B9E0-A1BE29AA681C}" type="slidenum">
               <a:rPr lang="en-US" altLang="en-US" smtClean="0"/>
               <a:pPr/>
-              <a:t>29</a:t>
+              <a:t>30</a:t>
             </a:fld>
             <a:endParaRPr lang="en-US" altLang="en-US"/>
           </a:p>
@@ -35565,1352 +37802,7 @@
 </p:sld>
 </file>
 
-<file path=ppt/slides/slide3.xml><?xml version="1.0" encoding="utf-8"?>
-<p:sld xmlns:a="http://schemas.openxmlformats.org/drawingml/2006/main" xmlns:r="http://schemas.openxmlformats.org/officeDocument/2006/relationships" xmlns:p="http://schemas.openxmlformats.org/presentationml/2006/main">
-  <p:cSld>
-    <p:spTree>
-      <p:nvGrpSpPr>
-        <p:cNvPr id="1" name=""/>
-        <p:cNvGrpSpPr/>
-        <p:nvPr/>
-      </p:nvGrpSpPr>
-      <p:grpSpPr>
-        <a:xfrm>
-          <a:off x="0" y="0"/>
-          <a:ext cx="0" cy="0"/>
-          <a:chOff x="0" y="0"/>
-          <a:chExt cx="0" cy="0"/>
-        </a:xfrm>
-      </p:grpSpPr>
-      <p:sp>
-        <p:nvSpPr>
-          <p:cNvPr id="2" name="Title 1">
-            <a:extLst>
-              <a:ext uri="{FF2B5EF4-FFF2-40B4-BE49-F238E27FC236}">
-                <a16:creationId xmlns:a16="http://schemas.microsoft.com/office/drawing/2014/main" id="{45B729C2-3DAA-F3D7-6DDB-DB860E51BF57}"/>
-              </a:ext>
-            </a:extLst>
-          </p:cNvPr>
-          <p:cNvSpPr>
-            <a:spLocks noGrp="1"/>
-          </p:cNvSpPr>
-          <p:nvPr>
-            <p:ph type="title"/>
-          </p:nvPr>
-        </p:nvSpPr>
-        <p:spPr/>
-        <p:txBody>
-          <a:bodyPr/>
-          <a:lstStyle/>
-          <a:p>
-            <a:r>
-              <a:rPr lang="en-US" dirty="0"/>
-              <a:t>Our First Execution Thread</a:t>
-            </a:r>
-          </a:p>
-        </p:txBody>
-      </p:sp>
-      <p:sp>
-        <p:nvSpPr>
-          <p:cNvPr id="3" name="Content Placeholder 2">
-            <a:extLst>
-              <a:ext uri="{FF2B5EF4-FFF2-40B4-BE49-F238E27FC236}">
-                <a16:creationId xmlns:a16="http://schemas.microsoft.com/office/drawing/2014/main" id="{7A90971C-E153-553E-5C03-63E51733E9CD}"/>
-              </a:ext>
-            </a:extLst>
-          </p:cNvPr>
-          <p:cNvSpPr>
-            <a:spLocks noGrp="1"/>
-          </p:cNvSpPr>
-          <p:nvPr>
-            <p:ph idx="1"/>
-          </p:nvPr>
-        </p:nvSpPr>
-        <p:spPr>
-          <a:xfrm>
-            <a:off x="381000" y="1143000"/>
-            <a:ext cx="8382000" cy="990600"/>
-          </a:xfrm>
-        </p:spPr>
-        <p:txBody>
-          <a:bodyPr/>
-          <a:lstStyle/>
-          <a:p>
-            <a:r>
-              <a:rPr lang="en-US" dirty="0"/>
-              <a:t>Why is the program still running when main() is done??</a:t>
-            </a:r>
-          </a:p>
-        </p:txBody>
-      </p:sp>
-      <p:sp>
-        <p:nvSpPr>
-          <p:cNvPr id="4" name="Footer Placeholder 3">
-            <a:extLst>
-              <a:ext uri="{FF2B5EF4-FFF2-40B4-BE49-F238E27FC236}">
-                <a16:creationId xmlns:a16="http://schemas.microsoft.com/office/drawing/2014/main" id="{32182962-36C0-BF6F-2E5F-BF06B5A228BA}"/>
-              </a:ext>
-            </a:extLst>
-          </p:cNvPr>
-          <p:cNvSpPr>
-            <a:spLocks noGrp="1"/>
-          </p:cNvSpPr>
-          <p:nvPr>
-            <p:ph type="ftr" sz="quarter" idx="10"/>
-          </p:nvPr>
-        </p:nvSpPr>
-        <p:spPr/>
-        <p:txBody>
-          <a:bodyPr/>
-          <a:lstStyle/>
-          <a:p>
-            <a:pPr>
-              <a:defRPr/>
-            </a:pPr>
-            <a:r>
-              <a:rPr lang="fr-FR" altLang="en-US"/>
-              <a:t>CS 1181 – Computer Science II    Dr. Michael Raymer</a:t>
-            </a:r>
-            <a:endParaRPr lang="en-US" altLang="en-US" dirty="0"/>
-          </a:p>
-        </p:txBody>
-      </p:sp>
-      <p:sp>
-        <p:nvSpPr>
-          <p:cNvPr id="5" name="Slide Number Placeholder 4">
-            <a:extLst>
-              <a:ext uri="{FF2B5EF4-FFF2-40B4-BE49-F238E27FC236}">
-                <a16:creationId xmlns:a16="http://schemas.microsoft.com/office/drawing/2014/main" id="{61E55713-1727-C366-319F-D870D979664A}"/>
-              </a:ext>
-            </a:extLst>
-          </p:cNvPr>
-          <p:cNvSpPr>
-            <a:spLocks noGrp="1"/>
-          </p:cNvSpPr>
-          <p:nvPr>
-            <p:ph type="sldNum" sz="quarter" idx="11"/>
-          </p:nvPr>
-        </p:nvSpPr>
-        <p:spPr/>
-        <p:txBody>
-          <a:bodyPr/>
-          <a:lstStyle/>
-          <a:p>
-            <a:fld id="{19B0E89C-C97D-402E-B9E0-A1BE29AA681C}" type="slidenum">
-              <a:rPr lang="en-US" altLang="en-US" smtClean="0"/>
-              <a:pPr/>
-              <a:t>3</a:t>
-            </a:fld>
-            <a:endParaRPr lang="en-US" altLang="en-US"/>
-          </a:p>
-        </p:txBody>
-      </p:sp>
-      <p:sp>
-        <p:nvSpPr>
-          <p:cNvPr id="6" name="Content Placeholder 2">
-            <a:extLst>
-              <a:ext uri="{FF2B5EF4-FFF2-40B4-BE49-F238E27FC236}">
-                <a16:creationId xmlns:a16="http://schemas.microsoft.com/office/drawing/2014/main" id="{D83EA0E4-1BE5-71A3-5DA8-954A636CC74A}"/>
-              </a:ext>
-            </a:extLst>
-          </p:cNvPr>
-          <p:cNvSpPr txBox="1">
-            <a:spLocks/>
-          </p:cNvSpPr>
-          <p:nvPr/>
-        </p:nvSpPr>
-        <p:spPr bwMode="auto">
-          <a:xfrm>
-            <a:off x="381000" y="4419600"/>
-            <a:ext cx="8382000" cy="1524000"/>
-          </a:xfrm>
-          <a:prstGeom prst="rect">
-            <a:avLst/>
-          </a:prstGeom>
-          <a:noFill/>
-          <a:ln>
-            <a:noFill/>
-          </a:ln>
-          <a:effectLst/>
-          <a:extLst>
-            <a:ext uri="{909E8E84-426E-40DD-AFC4-6F175D3DCCD1}">
-              <a14:hiddenFill xmlns:a14="http://schemas.microsoft.com/office/drawing/2010/main">
-                <a:solidFill>
-                  <a:schemeClr val="accent1"/>
-                </a:solidFill>
-              </a14:hiddenFill>
-            </a:ext>
-            <a:ext uri="{91240B29-F687-4F45-9708-019B960494DF}">
-              <a14:hiddenLine xmlns:a14="http://schemas.microsoft.com/office/drawing/2010/main" w="9525">
-                <a:solidFill>
-                  <a:schemeClr val="tx1"/>
-                </a:solidFill>
-                <a:miter lim="800000"/>
-                <a:headEnd/>
-                <a:tailEnd/>
-              </a14:hiddenLine>
-            </a:ext>
-            <a:ext uri="{AF507438-7753-43E0-B8FC-AC1667EBCBE1}">
-              <a14:hiddenEffects xmlns:a14="http://schemas.microsoft.com/office/drawing/2010/main">
-                <a:effectLst>
-                  <a:outerShdw dist="35921" dir="2700000" algn="ctr" rotWithShape="0">
-                    <a:schemeClr val="bg2"/>
-                  </a:outerShdw>
-                </a:effectLst>
-              </a14:hiddenEffects>
-            </a:ext>
-          </a:extLst>
-        </p:spPr>
-        <p:txBody>
-          <a:bodyPr vert="horz" wrap="square" lIns="91440" tIns="45720" rIns="91440" bIns="45720" numCol="1" anchor="t" anchorCtr="0" compatLnSpc="1">
-            <a:prstTxWarp prst="textNoShape">
-              <a:avLst/>
-            </a:prstTxWarp>
-          </a:bodyPr>
-          <a:lstStyle>
-            <a:lvl1pPr marL="342900" indent="-342900" algn="l" rtl="0" eaLnBrk="0" fontAlgn="base" hangingPunct="0">
-              <a:spcBef>
-                <a:spcPct val="20000"/>
-              </a:spcBef>
-              <a:spcAft>
-                <a:spcPct val="0"/>
-              </a:spcAft>
-              <a:buClr>
-                <a:srgbClr val="777777"/>
-              </a:buClr>
-              <a:buFont typeface="Symbol" panose="05050102010706020507" pitchFamily="18" charset="2"/>
-              <a:buChar char=""/>
-              <a:defRPr sz="3200" kern="1200">
-                <a:solidFill>
-                  <a:schemeClr val="tx1"/>
-                </a:solidFill>
-                <a:latin typeface="+mn-lt"/>
-                <a:ea typeface="+mn-ea"/>
-                <a:cs typeface="+mn-cs"/>
-              </a:defRPr>
-            </a:lvl1pPr>
-            <a:lvl2pPr marL="742950" indent="-285750" algn="l" rtl="0" eaLnBrk="0" fontAlgn="base" hangingPunct="0">
-              <a:spcBef>
-                <a:spcPct val="20000"/>
-              </a:spcBef>
-              <a:spcAft>
-                <a:spcPct val="0"/>
-              </a:spcAft>
-              <a:buChar char="•"/>
-              <a:defRPr sz="2800" kern="1200">
-                <a:solidFill>
-                  <a:schemeClr val="tx1"/>
-                </a:solidFill>
-                <a:latin typeface="+mn-lt"/>
-                <a:ea typeface="+mn-ea"/>
-                <a:cs typeface="+mn-cs"/>
-              </a:defRPr>
-            </a:lvl2pPr>
-            <a:lvl3pPr marL="1143000" indent="-228600" algn="l" rtl="0" eaLnBrk="0" fontAlgn="base" hangingPunct="0">
-              <a:spcBef>
-                <a:spcPct val="20000"/>
-              </a:spcBef>
-              <a:spcAft>
-                <a:spcPct val="0"/>
-              </a:spcAft>
-              <a:buSzPct val="65000"/>
-              <a:buFont typeface="Dreaming Outloud Pro" panose="03050502040302030504" pitchFamily="66" charset="0"/>
-              <a:buChar char=" "/>
-              <a:defRPr sz="2400" kern="1200">
-                <a:solidFill>
-                  <a:schemeClr val="tx1"/>
-                </a:solidFill>
-                <a:latin typeface="+mn-lt"/>
-                <a:ea typeface="+mn-ea"/>
-                <a:cs typeface="+mn-cs"/>
-              </a:defRPr>
-            </a:lvl3pPr>
-            <a:lvl4pPr marL="1600200" indent="-228600" algn="l" rtl="0" eaLnBrk="0" fontAlgn="base" hangingPunct="0">
-              <a:spcBef>
-                <a:spcPct val="20000"/>
-              </a:spcBef>
-              <a:spcAft>
-                <a:spcPct val="0"/>
-              </a:spcAft>
-              <a:buFont typeface="Wingdings" panose="05000000000000000000" pitchFamily="2" charset="2"/>
-              <a:buChar char="Ø"/>
-              <a:defRPr sz="2000" kern="1200">
-                <a:solidFill>
-                  <a:schemeClr val="tx1"/>
-                </a:solidFill>
-                <a:latin typeface="+mn-lt"/>
-                <a:ea typeface="+mn-ea"/>
-                <a:cs typeface="+mn-cs"/>
-              </a:defRPr>
-            </a:lvl4pPr>
-            <a:lvl5pPr marL="2057400" indent="-228600" algn="l" rtl="0" eaLnBrk="0" fontAlgn="base" hangingPunct="0">
-              <a:spcBef>
-                <a:spcPct val="20000"/>
-              </a:spcBef>
-              <a:spcAft>
-                <a:spcPct val="0"/>
-              </a:spcAft>
-              <a:buFont typeface="Dreaming Outloud Pro" panose="03050502040302030504" pitchFamily="66" charset="0"/>
-              <a:buChar char=" "/>
-              <a:defRPr sz="2000" kern="1200">
-                <a:solidFill>
-                  <a:schemeClr val="tx1"/>
-                </a:solidFill>
-                <a:latin typeface="+mn-lt"/>
-                <a:ea typeface="+mn-ea"/>
-                <a:cs typeface="+mn-cs"/>
-              </a:defRPr>
-            </a:lvl5pPr>
-            <a:lvl6pPr marL="2514600" indent="-228600" algn="l" defTabSz="914400" rtl="0" eaLnBrk="1" latinLnBrk="0" hangingPunct="1">
-              <a:lnSpc>
-                <a:spcPct val="90000"/>
-              </a:lnSpc>
-              <a:spcBef>
-                <a:spcPts val="500"/>
-              </a:spcBef>
-              <a:buFont typeface="Arial" panose="020B0604020202020204" pitchFamily="34" charset="0"/>
-              <a:buChar char="•"/>
-              <a:defRPr sz="1800" kern="1200">
-                <a:solidFill>
-                  <a:schemeClr val="tx1"/>
-                </a:solidFill>
-                <a:latin typeface="+mn-lt"/>
-                <a:ea typeface="+mn-ea"/>
-                <a:cs typeface="+mn-cs"/>
-              </a:defRPr>
-            </a:lvl6pPr>
-            <a:lvl7pPr marL="2971800" indent="-228600" algn="l" defTabSz="914400" rtl="0" eaLnBrk="1" latinLnBrk="0" hangingPunct="1">
-              <a:lnSpc>
-                <a:spcPct val="90000"/>
-              </a:lnSpc>
-              <a:spcBef>
-                <a:spcPts val="500"/>
-              </a:spcBef>
-              <a:buFont typeface="Arial" panose="020B0604020202020204" pitchFamily="34" charset="0"/>
-              <a:buChar char="•"/>
-              <a:defRPr sz="1800" kern="1200">
-                <a:solidFill>
-                  <a:schemeClr val="tx1"/>
-                </a:solidFill>
-                <a:latin typeface="+mn-lt"/>
-                <a:ea typeface="+mn-ea"/>
-                <a:cs typeface="+mn-cs"/>
-              </a:defRPr>
-            </a:lvl7pPr>
-            <a:lvl8pPr marL="3429000" indent="-228600" algn="l" defTabSz="914400" rtl="0" eaLnBrk="1" latinLnBrk="0" hangingPunct="1">
-              <a:lnSpc>
-                <a:spcPct val="90000"/>
-              </a:lnSpc>
-              <a:spcBef>
-                <a:spcPts val="500"/>
-              </a:spcBef>
-              <a:buFont typeface="Arial" panose="020B0604020202020204" pitchFamily="34" charset="0"/>
-              <a:buChar char="•"/>
-              <a:defRPr sz="1800" kern="1200">
-                <a:solidFill>
-                  <a:schemeClr val="tx1"/>
-                </a:solidFill>
-                <a:latin typeface="+mn-lt"/>
-                <a:ea typeface="+mn-ea"/>
-                <a:cs typeface="+mn-cs"/>
-              </a:defRPr>
-            </a:lvl8pPr>
-            <a:lvl9pPr marL="3886200" indent="-228600" algn="l" defTabSz="914400" rtl="0" eaLnBrk="1" latinLnBrk="0" hangingPunct="1">
-              <a:lnSpc>
-                <a:spcPct val="90000"/>
-              </a:lnSpc>
-              <a:spcBef>
-                <a:spcPts val="500"/>
-              </a:spcBef>
-              <a:buFont typeface="Arial" panose="020B0604020202020204" pitchFamily="34" charset="0"/>
-              <a:buChar char="•"/>
-              <a:defRPr sz="1800" kern="1200">
-                <a:solidFill>
-                  <a:schemeClr val="tx1"/>
-                </a:solidFill>
-                <a:latin typeface="+mn-lt"/>
-                <a:ea typeface="+mn-ea"/>
-                <a:cs typeface="+mn-cs"/>
-              </a:defRPr>
-            </a:lvl9pPr>
-          </a:lstStyle>
-          <a:p>
-            <a:r>
-              <a:rPr lang="en-US" dirty="0"/>
-              <a:t>The Event Dispatch Thread (EDT) waits for clicks, drags, re-sizes, keyclicks, and other events and responds to them.</a:t>
-            </a:r>
-          </a:p>
-        </p:txBody>
-      </p:sp>
-      <p:sp>
-        <p:nvSpPr>
-          <p:cNvPr id="8" name="TextBox 7">
-            <a:extLst>
-              <a:ext uri="{FF2B5EF4-FFF2-40B4-BE49-F238E27FC236}">
-                <a16:creationId xmlns:a16="http://schemas.microsoft.com/office/drawing/2014/main" id="{DD11ED09-FF3F-9D25-B8D5-DA46C1294FDE}"/>
-              </a:ext>
-            </a:extLst>
-          </p:cNvPr>
-          <p:cNvSpPr txBox="1"/>
-          <p:nvPr/>
-        </p:nvSpPr>
-        <p:spPr>
-          <a:xfrm>
-            <a:off x="1066800" y="2406759"/>
-            <a:ext cx="7010400" cy="1815882"/>
-          </a:xfrm>
-          <a:prstGeom prst="rect">
-            <a:avLst/>
-          </a:prstGeom>
-          <a:noFill/>
-        </p:spPr>
-        <p:txBody>
-          <a:bodyPr wrap="square">
-            <a:spAutoFit/>
-          </a:bodyPr>
-          <a:lstStyle/>
-          <a:p>
-            <a:r>
-              <a:rPr lang="en-US" sz="1400" b="0" dirty="0">
-                <a:solidFill>
-                  <a:srgbClr val="3B3B3B"/>
-                </a:solidFill>
-                <a:effectLst/>
-                <a:highlight>
-                  <a:srgbClr val="FFFFFF"/>
-                </a:highlight>
-                <a:latin typeface="Consolas" panose="020B0609020204030204" pitchFamily="49" charset="0"/>
-              </a:rPr>
-              <a:t>   </a:t>
-            </a:r>
-            <a:r>
-              <a:rPr lang="en-US" sz="1400" b="0" dirty="0">
-                <a:solidFill>
-                  <a:srgbClr val="0000FF"/>
-                </a:solidFill>
-                <a:effectLst/>
-                <a:highlight>
-                  <a:srgbClr val="FFFFFF"/>
-                </a:highlight>
-                <a:latin typeface="Consolas" panose="020B0609020204030204" pitchFamily="49" charset="0"/>
-              </a:rPr>
-              <a:t>public</a:t>
-            </a:r>
-            <a:r>
-              <a:rPr lang="en-US" sz="1400" b="0" dirty="0">
-                <a:solidFill>
-                  <a:srgbClr val="3B3B3B"/>
-                </a:solidFill>
-                <a:effectLst/>
-                <a:highlight>
-                  <a:srgbClr val="FFFFFF"/>
-                </a:highlight>
-                <a:latin typeface="Consolas" panose="020B0609020204030204" pitchFamily="49" charset="0"/>
-              </a:rPr>
-              <a:t> </a:t>
-            </a:r>
-            <a:r>
-              <a:rPr lang="en-US" sz="1400" b="0" dirty="0">
-                <a:solidFill>
-                  <a:srgbClr val="0000FF"/>
-                </a:solidFill>
-                <a:effectLst/>
-                <a:highlight>
-                  <a:srgbClr val="FFFFFF"/>
-                </a:highlight>
-                <a:latin typeface="Consolas" panose="020B0609020204030204" pitchFamily="49" charset="0"/>
-              </a:rPr>
-              <a:t>static</a:t>
-            </a:r>
-            <a:r>
-              <a:rPr lang="en-US" sz="1400" b="0" dirty="0">
-                <a:solidFill>
-                  <a:srgbClr val="3B3B3B"/>
-                </a:solidFill>
-                <a:effectLst/>
-                <a:highlight>
-                  <a:srgbClr val="FFFFFF"/>
-                </a:highlight>
-                <a:latin typeface="Consolas" panose="020B0609020204030204" pitchFamily="49" charset="0"/>
-              </a:rPr>
-              <a:t> </a:t>
-            </a:r>
-            <a:r>
-              <a:rPr lang="en-US" sz="1400" b="0" dirty="0">
-                <a:solidFill>
-                  <a:srgbClr val="267F99"/>
-                </a:solidFill>
-                <a:effectLst/>
-                <a:highlight>
-                  <a:srgbClr val="FFFFFF"/>
-                </a:highlight>
-                <a:latin typeface="Consolas" panose="020B0609020204030204" pitchFamily="49" charset="0"/>
-              </a:rPr>
-              <a:t>void</a:t>
-            </a:r>
-            <a:r>
-              <a:rPr lang="en-US" sz="1400" b="0" dirty="0">
-                <a:solidFill>
-                  <a:srgbClr val="3B3B3B"/>
-                </a:solidFill>
-                <a:effectLst/>
-                <a:highlight>
-                  <a:srgbClr val="FFFFFF"/>
-                </a:highlight>
-                <a:latin typeface="Consolas" panose="020B0609020204030204" pitchFamily="49" charset="0"/>
-              </a:rPr>
-              <a:t> </a:t>
-            </a:r>
-            <a:r>
-              <a:rPr lang="en-US" sz="1400" b="0" dirty="0">
-                <a:solidFill>
-                  <a:srgbClr val="795E26"/>
-                </a:solidFill>
-                <a:effectLst/>
-                <a:highlight>
-                  <a:srgbClr val="FFFFFF"/>
-                </a:highlight>
-                <a:latin typeface="Consolas" panose="020B0609020204030204" pitchFamily="49" charset="0"/>
-              </a:rPr>
-              <a:t>main</a:t>
-            </a:r>
-            <a:r>
-              <a:rPr lang="en-US" sz="1400" b="0" dirty="0">
-                <a:solidFill>
-                  <a:srgbClr val="3B3B3B"/>
-                </a:solidFill>
-                <a:effectLst/>
-                <a:highlight>
-                  <a:srgbClr val="FFFFFF"/>
-                </a:highlight>
-                <a:latin typeface="Consolas" panose="020B0609020204030204" pitchFamily="49" charset="0"/>
-              </a:rPr>
-              <a:t>(</a:t>
-            </a:r>
-            <a:r>
-              <a:rPr lang="en-US" sz="1400" b="0" dirty="0">
-                <a:solidFill>
-                  <a:srgbClr val="267F99"/>
-                </a:solidFill>
-                <a:effectLst/>
-                <a:highlight>
-                  <a:srgbClr val="FFFFFF"/>
-                </a:highlight>
-                <a:latin typeface="Consolas" panose="020B0609020204030204" pitchFamily="49" charset="0"/>
-              </a:rPr>
-              <a:t>String</a:t>
-            </a:r>
-            <a:r>
-              <a:rPr lang="en-US" sz="1400" b="0" dirty="0">
-                <a:solidFill>
-                  <a:srgbClr val="3B3B3B"/>
-                </a:solidFill>
-                <a:effectLst/>
-                <a:highlight>
-                  <a:srgbClr val="FFFFFF"/>
-                </a:highlight>
-                <a:latin typeface="Consolas" panose="020B0609020204030204" pitchFamily="49" charset="0"/>
-              </a:rPr>
-              <a:t> </a:t>
-            </a:r>
-            <a:r>
-              <a:rPr lang="en-US" sz="1400" b="0" dirty="0" err="1">
-                <a:solidFill>
-                  <a:srgbClr val="001080"/>
-                </a:solidFill>
-                <a:effectLst/>
-                <a:highlight>
-                  <a:srgbClr val="FFFFFF"/>
-                </a:highlight>
-                <a:latin typeface="Consolas" panose="020B0609020204030204" pitchFamily="49" charset="0"/>
-              </a:rPr>
-              <a:t>args</a:t>
-            </a:r>
-            <a:r>
-              <a:rPr lang="en-US" sz="1400" b="0" dirty="0">
-                <a:solidFill>
-                  <a:srgbClr val="3B3B3B"/>
-                </a:solidFill>
-                <a:effectLst/>
-                <a:highlight>
-                  <a:srgbClr val="FFFFFF"/>
-                </a:highlight>
-                <a:latin typeface="Consolas" panose="020B0609020204030204" pitchFamily="49" charset="0"/>
-              </a:rPr>
-              <a:t>[]){</a:t>
-            </a:r>
-          </a:p>
-          <a:p>
-            <a:r>
-              <a:rPr lang="en-US" sz="1400" b="0" dirty="0">
-                <a:solidFill>
-                  <a:srgbClr val="3B3B3B"/>
-                </a:solidFill>
-                <a:effectLst/>
-                <a:highlight>
-                  <a:srgbClr val="FFFFFF"/>
-                </a:highlight>
-                <a:latin typeface="Consolas" panose="020B0609020204030204" pitchFamily="49" charset="0"/>
-              </a:rPr>
-              <a:t>        </a:t>
-            </a:r>
-            <a:r>
-              <a:rPr lang="en-US" sz="1400" b="0" dirty="0" err="1">
-                <a:solidFill>
-                  <a:srgbClr val="267F99"/>
-                </a:solidFill>
-                <a:effectLst/>
-                <a:highlight>
-                  <a:srgbClr val="FFFFFF"/>
-                </a:highlight>
-                <a:latin typeface="Consolas" panose="020B0609020204030204" pitchFamily="49" charset="0"/>
-              </a:rPr>
-              <a:t>JFrame</a:t>
-            </a:r>
-            <a:r>
-              <a:rPr lang="en-US" sz="1400" b="0" dirty="0">
-                <a:solidFill>
-                  <a:srgbClr val="3B3B3B"/>
-                </a:solidFill>
-                <a:effectLst/>
-                <a:highlight>
-                  <a:srgbClr val="FFFFFF"/>
-                </a:highlight>
-                <a:latin typeface="Consolas" panose="020B0609020204030204" pitchFamily="49" charset="0"/>
-              </a:rPr>
-              <a:t> </a:t>
-            </a:r>
-            <a:r>
-              <a:rPr lang="en-US" sz="1400" b="0" dirty="0" err="1">
-                <a:solidFill>
-                  <a:srgbClr val="001080"/>
-                </a:solidFill>
-                <a:effectLst/>
-                <a:highlight>
-                  <a:srgbClr val="FFFFFF"/>
-                </a:highlight>
-                <a:latin typeface="Consolas" panose="020B0609020204030204" pitchFamily="49" charset="0"/>
-              </a:rPr>
-              <a:t>theWindow</a:t>
-            </a:r>
-            <a:r>
-              <a:rPr lang="en-US" sz="1400" b="0" dirty="0">
-                <a:solidFill>
-                  <a:srgbClr val="3B3B3B"/>
-                </a:solidFill>
-                <a:effectLst/>
-                <a:highlight>
-                  <a:srgbClr val="FFFFFF"/>
-                </a:highlight>
-                <a:latin typeface="Consolas" panose="020B0609020204030204" pitchFamily="49" charset="0"/>
-              </a:rPr>
-              <a:t> </a:t>
-            </a:r>
-            <a:r>
-              <a:rPr lang="en-US" sz="1400" b="0" dirty="0">
-                <a:solidFill>
-                  <a:srgbClr val="000000"/>
-                </a:solidFill>
-                <a:effectLst/>
-                <a:highlight>
-                  <a:srgbClr val="FFFFFF"/>
-                </a:highlight>
-                <a:latin typeface="Consolas" panose="020B0609020204030204" pitchFamily="49" charset="0"/>
-              </a:rPr>
-              <a:t>=</a:t>
-            </a:r>
-            <a:r>
-              <a:rPr lang="en-US" sz="1400" b="0" dirty="0">
-                <a:solidFill>
-                  <a:srgbClr val="3B3B3B"/>
-                </a:solidFill>
-                <a:effectLst/>
-                <a:highlight>
-                  <a:srgbClr val="FFFFFF"/>
-                </a:highlight>
-                <a:latin typeface="Consolas" panose="020B0609020204030204" pitchFamily="49" charset="0"/>
-              </a:rPr>
-              <a:t> </a:t>
-            </a:r>
-            <a:r>
-              <a:rPr lang="en-US" sz="1400" b="0" dirty="0">
-                <a:solidFill>
-                  <a:srgbClr val="AF00DB"/>
-                </a:solidFill>
-                <a:effectLst/>
-                <a:highlight>
-                  <a:srgbClr val="FFFFFF"/>
-                </a:highlight>
-                <a:latin typeface="Consolas" panose="020B0609020204030204" pitchFamily="49" charset="0"/>
-              </a:rPr>
-              <a:t>new</a:t>
-            </a:r>
-            <a:r>
-              <a:rPr lang="en-US" sz="1400" b="0" dirty="0">
-                <a:solidFill>
-                  <a:srgbClr val="3B3B3B"/>
-                </a:solidFill>
-                <a:effectLst/>
-                <a:highlight>
-                  <a:srgbClr val="FFFFFF"/>
-                </a:highlight>
-                <a:latin typeface="Consolas" panose="020B0609020204030204" pitchFamily="49" charset="0"/>
-              </a:rPr>
-              <a:t> </a:t>
-            </a:r>
-            <a:r>
-              <a:rPr lang="en-US" sz="1400" b="0" dirty="0" err="1">
-                <a:solidFill>
-                  <a:srgbClr val="795E26"/>
-                </a:solidFill>
-                <a:effectLst/>
-                <a:highlight>
-                  <a:srgbClr val="FFFFFF"/>
-                </a:highlight>
-                <a:latin typeface="Consolas" panose="020B0609020204030204" pitchFamily="49" charset="0"/>
-              </a:rPr>
-              <a:t>JFrame</a:t>
-            </a:r>
-            <a:r>
-              <a:rPr lang="en-US" sz="1400" b="0" dirty="0">
-                <a:solidFill>
-                  <a:srgbClr val="3B3B3B"/>
-                </a:solidFill>
-                <a:effectLst/>
-                <a:highlight>
-                  <a:srgbClr val="FFFFFF"/>
-                </a:highlight>
-                <a:latin typeface="Consolas" panose="020B0609020204030204" pitchFamily="49" charset="0"/>
-              </a:rPr>
-              <a:t>(</a:t>
-            </a:r>
-            <a:r>
-              <a:rPr lang="en-US" sz="1400" b="0" dirty="0">
-                <a:solidFill>
-                  <a:srgbClr val="A31515"/>
-                </a:solidFill>
-                <a:effectLst/>
-                <a:highlight>
-                  <a:srgbClr val="FFFFFF"/>
-                </a:highlight>
-                <a:latin typeface="Consolas" panose="020B0609020204030204" pitchFamily="49" charset="0"/>
-              </a:rPr>
-              <a:t>"Our first window!"</a:t>
-            </a:r>
-            <a:r>
-              <a:rPr lang="en-US" sz="1400" b="0" dirty="0">
-                <a:solidFill>
-                  <a:srgbClr val="3B3B3B"/>
-                </a:solidFill>
-                <a:effectLst/>
-                <a:highlight>
-                  <a:srgbClr val="FFFFFF"/>
-                </a:highlight>
-                <a:latin typeface="Consolas" panose="020B0609020204030204" pitchFamily="49" charset="0"/>
-              </a:rPr>
-              <a:t>);</a:t>
-            </a:r>
-          </a:p>
-          <a:p>
-            <a:r>
-              <a:rPr lang="en-US" sz="1400" b="0" dirty="0">
-                <a:solidFill>
-                  <a:srgbClr val="3B3B3B"/>
-                </a:solidFill>
-                <a:effectLst/>
-                <a:highlight>
-                  <a:srgbClr val="FFFFFF"/>
-                </a:highlight>
-                <a:latin typeface="Consolas" panose="020B0609020204030204" pitchFamily="49" charset="0"/>
-              </a:rPr>
-              <a:t>        </a:t>
-            </a:r>
-            <a:r>
-              <a:rPr lang="en-US" sz="1400" b="0" dirty="0" err="1">
-                <a:solidFill>
-                  <a:srgbClr val="001080"/>
-                </a:solidFill>
-                <a:effectLst/>
-                <a:highlight>
-                  <a:srgbClr val="FFFFFF"/>
-                </a:highlight>
-                <a:latin typeface="Consolas" panose="020B0609020204030204" pitchFamily="49" charset="0"/>
-              </a:rPr>
-              <a:t>theWindow</a:t>
-            </a:r>
-            <a:r>
-              <a:rPr lang="en-US" sz="1400" b="0" dirty="0" err="1">
-                <a:solidFill>
-                  <a:srgbClr val="3B3B3B"/>
-                </a:solidFill>
-                <a:effectLst/>
-                <a:highlight>
-                  <a:srgbClr val="FFFFFF"/>
-                </a:highlight>
-                <a:latin typeface="Consolas" panose="020B0609020204030204" pitchFamily="49" charset="0"/>
-              </a:rPr>
-              <a:t>.</a:t>
-            </a:r>
-            <a:r>
-              <a:rPr lang="en-US" sz="1400" b="0" dirty="0" err="1">
-                <a:solidFill>
-                  <a:srgbClr val="795E26"/>
-                </a:solidFill>
-                <a:effectLst/>
-                <a:highlight>
-                  <a:srgbClr val="FFFFFF"/>
-                </a:highlight>
-                <a:latin typeface="Consolas" panose="020B0609020204030204" pitchFamily="49" charset="0"/>
-              </a:rPr>
-              <a:t>setSize</a:t>
-            </a:r>
-            <a:r>
-              <a:rPr lang="en-US" sz="1400" b="0" dirty="0">
-                <a:solidFill>
-                  <a:srgbClr val="3B3B3B"/>
-                </a:solidFill>
-                <a:effectLst/>
-                <a:highlight>
-                  <a:srgbClr val="FFFFFF"/>
-                </a:highlight>
-                <a:latin typeface="Consolas" panose="020B0609020204030204" pitchFamily="49" charset="0"/>
-              </a:rPr>
-              <a:t>(</a:t>
-            </a:r>
-            <a:r>
-              <a:rPr lang="en-US" sz="1400" b="0" dirty="0">
-                <a:solidFill>
-                  <a:srgbClr val="098658"/>
-                </a:solidFill>
-                <a:effectLst/>
-                <a:highlight>
-                  <a:srgbClr val="FFFFFF"/>
-                </a:highlight>
-                <a:latin typeface="Consolas" panose="020B0609020204030204" pitchFamily="49" charset="0"/>
-              </a:rPr>
-              <a:t>300</a:t>
-            </a:r>
-            <a:r>
-              <a:rPr lang="en-US" sz="1400" b="0" dirty="0">
-                <a:solidFill>
-                  <a:srgbClr val="3B3B3B"/>
-                </a:solidFill>
-                <a:effectLst/>
-                <a:highlight>
-                  <a:srgbClr val="FFFFFF"/>
-                </a:highlight>
-                <a:latin typeface="Consolas" panose="020B0609020204030204" pitchFamily="49" charset="0"/>
-              </a:rPr>
-              <a:t>, </a:t>
-            </a:r>
-            <a:r>
-              <a:rPr lang="en-US" sz="1400" b="0" dirty="0">
-                <a:solidFill>
-                  <a:srgbClr val="098658"/>
-                </a:solidFill>
-                <a:effectLst/>
-                <a:highlight>
-                  <a:srgbClr val="FFFFFF"/>
-                </a:highlight>
-                <a:latin typeface="Consolas" panose="020B0609020204030204" pitchFamily="49" charset="0"/>
-              </a:rPr>
-              <a:t>300</a:t>
-            </a:r>
-            <a:r>
-              <a:rPr lang="en-US" sz="1400" b="0" dirty="0">
-                <a:solidFill>
-                  <a:srgbClr val="3B3B3B"/>
-                </a:solidFill>
-                <a:effectLst/>
-                <a:highlight>
-                  <a:srgbClr val="FFFFFF"/>
-                </a:highlight>
-                <a:latin typeface="Consolas" panose="020B0609020204030204" pitchFamily="49" charset="0"/>
-              </a:rPr>
-              <a:t>);</a:t>
-            </a:r>
-          </a:p>
-          <a:p>
-            <a:r>
-              <a:rPr lang="en-US" sz="1400" b="0" dirty="0">
-                <a:solidFill>
-                  <a:srgbClr val="3B3B3B"/>
-                </a:solidFill>
-                <a:effectLst/>
-                <a:highlight>
-                  <a:srgbClr val="FFFFFF"/>
-                </a:highlight>
-                <a:latin typeface="Consolas" panose="020B0609020204030204" pitchFamily="49" charset="0"/>
-              </a:rPr>
-              <a:t>        </a:t>
-            </a:r>
-            <a:r>
-              <a:rPr lang="en-US" sz="1400" b="0" dirty="0" err="1">
-                <a:solidFill>
-                  <a:srgbClr val="001080"/>
-                </a:solidFill>
-                <a:effectLst/>
-                <a:highlight>
-                  <a:srgbClr val="FFFFFF"/>
-                </a:highlight>
-                <a:latin typeface="Consolas" panose="020B0609020204030204" pitchFamily="49" charset="0"/>
-              </a:rPr>
-              <a:t>theWindow</a:t>
-            </a:r>
-            <a:r>
-              <a:rPr lang="en-US" sz="1400" b="0" dirty="0" err="1">
-                <a:solidFill>
-                  <a:srgbClr val="3B3B3B"/>
-                </a:solidFill>
-                <a:effectLst/>
-                <a:highlight>
-                  <a:srgbClr val="FFFFFF"/>
-                </a:highlight>
-                <a:latin typeface="Consolas" panose="020B0609020204030204" pitchFamily="49" charset="0"/>
-              </a:rPr>
-              <a:t>.</a:t>
-            </a:r>
-            <a:r>
-              <a:rPr lang="en-US" sz="1400" b="0" dirty="0" err="1">
-                <a:solidFill>
-                  <a:srgbClr val="795E26"/>
-                </a:solidFill>
-                <a:effectLst/>
-                <a:highlight>
-                  <a:srgbClr val="FFFFFF"/>
-                </a:highlight>
-                <a:latin typeface="Consolas" panose="020B0609020204030204" pitchFamily="49" charset="0"/>
-              </a:rPr>
-              <a:t>setLocation</a:t>
-            </a:r>
-            <a:r>
-              <a:rPr lang="en-US" sz="1400" b="0" dirty="0">
-                <a:solidFill>
-                  <a:srgbClr val="3B3B3B"/>
-                </a:solidFill>
-                <a:effectLst/>
-                <a:highlight>
-                  <a:srgbClr val="FFFFFF"/>
-                </a:highlight>
-                <a:latin typeface="Consolas" panose="020B0609020204030204" pitchFamily="49" charset="0"/>
-              </a:rPr>
-              <a:t>(</a:t>
-            </a:r>
-            <a:r>
-              <a:rPr lang="en-US" sz="1400" b="0" dirty="0">
-                <a:solidFill>
-                  <a:srgbClr val="098658"/>
-                </a:solidFill>
-                <a:effectLst/>
-                <a:highlight>
-                  <a:srgbClr val="FFFFFF"/>
-                </a:highlight>
-                <a:latin typeface="Consolas" panose="020B0609020204030204" pitchFamily="49" charset="0"/>
-              </a:rPr>
-              <a:t>200</a:t>
-            </a:r>
-            <a:r>
-              <a:rPr lang="en-US" sz="1400" b="0" dirty="0">
-                <a:solidFill>
-                  <a:srgbClr val="3B3B3B"/>
-                </a:solidFill>
-                <a:effectLst/>
-                <a:highlight>
-                  <a:srgbClr val="FFFFFF"/>
-                </a:highlight>
-                <a:latin typeface="Consolas" panose="020B0609020204030204" pitchFamily="49" charset="0"/>
-              </a:rPr>
-              <a:t>, </a:t>
-            </a:r>
-            <a:r>
-              <a:rPr lang="en-US" sz="1400" b="0" dirty="0">
-                <a:solidFill>
-                  <a:srgbClr val="098658"/>
-                </a:solidFill>
-                <a:effectLst/>
-                <a:highlight>
-                  <a:srgbClr val="FFFFFF"/>
-                </a:highlight>
-                <a:latin typeface="Consolas" panose="020B0609020204030204" pitchFamily="49" charset="0"/>
-              </a:rPr>
-              <a:t>400</a:t>
-            </a:r>
-            <a:r>
-              <a:rPr lang="en-US" sz="1400" b="0" dirty="0">
-                <a:solidFill>
-                  <a:srgbClr val="3B3B3B"/>
-                </a:solidFill>
-                <a:effectLst/>
-                <a:highlight>
-                  <a:srgbClr val="FFFFFF"/>
-                </a:highlight>
-                <a:latin typeface="Consolas" panose="020B0609020204030204" pitchFamily="49" charset="0"/>
-              </a:rPr>
-              <a:t>);</a:t>
-            </a:r>
-          </a:p>
-          <a:p>
-            <a:r>
-              <a:rPr lang="en-US" sz="1400" b="0" dirty="0">
-                <a:solidFill>
-                  <a:srgbClr val="3B3B3B"/>
-                </a:solidFill>
-                <a:effectLst/>
-                <a:highlight>
-                  <a:srgbClr val="FFFFFF"/>
-                </a:highlight>
-                <a:latin typeface="Consolas" panose="020B0609020204030204" pitchFamily="49" charset="0"/>
-              </a:rPr>
-              <a:t>        </a:t>
-            </a:r>
-            <a:r>
-              <a:rPr lang="en-US" sz="1400" b="0" dirty="0" err="1">
-                <a:solidFill>
-                  <a:srgbClr val="001080"/>
-                </a:solidFill>
-                <a:effectLst/>
-                <a:highlight>
-                  <a:srgbClr val="FFFFFF"/>
-                </a:highlight>
-                <a:latin typeface="Consolas" panose="020B0609020204030204" pitchFamily="49" charset="0"/>
-              </a:rPr>
-              <a:t>theWindow</a:t>
-            </a:r>
-            <a:r>
-              <a:rPr lang="en-US" sz="1400" b="0" dirty="0" err="1">
-                <a:solidFill>
-                  <a:srgbClr val="3B3B3B"/>
-                </a:solidFill>
-                <a:effectLst/>
-                <a:highlight>
-                  <a:srgbClr val="FFFFFF"/>
-                </a:highlight>
-                <a:latin typeface="Consolas" panose="020B0609020204030204" pitchFamily="49" charset="0"/>
-              </a:rPr>
-              <a:t>.</a:t>
-            </a:r>
-            <a:r>
-              <a:rPr lang="en-US" sz="1400" b="0" dirty="0" err="1">
-                <a:solidFill>
-                  <a:srgbClr val="795E26"/>
-                </a:solidFill>
-                <a:effectLst/>
-                <a:highlight>
-                  <a:srgbClr val="FFFFFF"/>
-                </a:highlight>
-                <a:latin typeface="Consolas" panose="020B0609020204030204" pitchFamily="49" charset="0"/>
-              </a:rPr>
-              <a:t>setDefaultCloseOperation</a:t>
-            </a:r>
-            <a:r>
-              <a:rPr lang="en-US" sz="1400" b="0" dirty="0">
-                <a:solidFill>
-                  <a:srgbClr val="3B3B3B"/>
-                </a:solidFill>
-                <a:effectLst/>
-                <a:highlight>
-                  <a:srgbClr val="FFFFFF"/>
-                </a:highlight>
-                <a:latin typeface="Consolas" panose="020B0609020204030204" pitchFamily="49" charset="0"/>
-              </a:rPr>
-              <a:t>(</a:t>
-            </a:r>
-            <a:r>
-              <a:rPr lang="en-US" sz="1400" b="0" dirty="0" err="1">
-                <a:solidFill>
-                  <a:srgbClr val="267F99"/>
-                </a:solidFill>
-                <a:effectLst/>
-                <a:highlight>
-                  <a:srgbClr val="FFFFFF"/>
-                </a:highlight>
-                <a:latin typeface="Consolas" panose="020B0609020204030204" pitchFamily="49" charset="0"/>
-              </a:rPr>
-              <a:t>JFrame</a:t>
-            </a:r>
-            <a:r>
-              <a:rPr lang="en-US" sz="1400" b="0" dirty="0" err="1">
-                <a:solidFill>
-                  <a:srgbClr val="3B3B3B"/>
-                </a:solidFill>
-                <a:effectLst/>
-                <a:highlight>
-                  <a:srgbClr val="FFFFFF"/>
-                </a:highlight>
-                <a:latin typeface="Consolas" panose="020B0609020204030204" pitchFamily="49" charset="0"/>
-              </a:rPr>
-              <a:t>.</a:t>
-            </a:r>
-            <a:r>
-              <a:rPr lang="en-US" sz="1400" b="0" dirty="0" err="1">
-                <a:solidFill>
-                  <a:srgbClr val="0070C1"/>
-                </a:solidFill>
-                <a:effectLst/>
-                <a:highlight>
-                  <a:srgbClr val="FFFFFF"/>
-                </a:highlight>
-                <a:latin typeface="Consolas" panose="020B0609020204030204" pitchFamily="49" charset="0"/>
-              </a:rPr>
-              <a:t>EXIT_ON_CLOSE</a:t>
-            </a:r>
-            <a:r>
-              <a:rPr lang="en-US" sz="1400" b="0" dirty="0">
-                <a:solidFill>
-                  <a:srgbClr val="3B3B3B"/>
-                </a:solidFill>
-                <a:effectLst/>
-                <a:highlight>
-                  <a:srgbClr val="FFFFFF"/>
-                </a:highlight>
-                <a:latin typeface="Consolas" panose="020B0609020204030204" pitchFamily="49" charset="0"/>
-              </a:rPr>
-              <a:t>);</a:t>
-            </a:r>
-          </a:p>
-          <a:p>
-            <a:r>
-              <a:rPr lang="en-US" sz="1400" b="0" dirty="0">
-                <a:solidFill>
-                  <a:srgbClr val="3B3B3B"/>
-                </a:solidFill>
-                <a:effectLst/>
-                <a:highlight>
-                  <a:srgbClr val="FFFFFF"/>
-                </a:highlight>
-                <a:latin typeface="Consolas" panose="020B0609020204030204" pitchFamily="49" charset="0"/>
-              </a:rPr>
-              <a:t>        </a:t>
-            </a:r>
-            <a:r>
-              <a:rPr lang="en-US" sz="1400" b="0" dirty="0" err="1">
-                <a:solidFill>
-                  <a:srgbClr val="001080"/>
-                </a:solidFill>
-                <a:effectLst/>
-                <a:highlight>
-                  <a:srgbClr val="FFFFFF"/>
-                </a:highlight>
-                <a:latin typeface="Consolas" panose="020B0609020204030204" pitchFamily="49" charset="0"/>
-              </a:rPr>
-              <a:t>theWindow</a:t>
-            </a:r>
-            <a:r>
-              <a:rPr lang="en-US" sz="1400" b="0" dirty="0" err="1">
-                <a:solidFill>
-                  <a:srgbClr val="3B3B3B"/>
-                </a:solidFill>
-                <a:effectLst/>
-                <a:highlight>
-                  <a:srgbClr val="FFFFFF"/>
-                </a:highlight>
-                <a:latin typeface="Consolas" panose="020B0609020204030204" pitchFamily="49" charset="0"/>
-              </a:rPr>
-              <a:t>.</a:t>
-            </a:r>
-            <a:r>
-              <a:rPr lang="en-US" sz="1400" b="0" dirty="0" err="1">
-                <a:solidFill>
-                  <a:srgbClr val="795E26"/>
-                </a:solidFill>
-                <a:effectLst/>
-                <a:highlight>
-                  <a:srgbClr val="FFFFFF"/>
-                </a:highlight>
-                <a:latin typeface="Consolas" panose="020B0609020204030204" pitchFamily="49" charset="0"/>
-              </a:rPr>
-              <a:t>setVisible</a:t>
-            </a:r>
-            <a:r>
-              <a:rPr lang="en-US" sz="1400" b="0" dirty="0">
-                <a:solidFill>
-                  <a:srgbClr val="3B3B3B"/>
-                </a:solidFill>
-                <a:effectLst/>
-                <a:highlight>
-                  <a:srgbClr val="FFFFFF"/>
-                </a:highlight>
-                <a:latin typeface="Consolas" panose="020B0609020204030204" pitchFamily="49" charset="0"/>
-              </a:rPr>
-              <a:t>(</a:t>
-            </a:r>
-            <a:r>
-              <a:rPr lang="en-US" sz="1400" b="0" dirty="0">
-                <a:solidFill>
-                  <a:srgbClr val="0000FF"/>
-                </a:solidFill>
-                <a:effectLst/>
-                <a:highlight>
-                  <a:srgbClr val="FFFFFF"/>
-                </a:highlight>
-                <a:latin typeface="Consolas" panose="020B0609020204030204" pitchFamily="49" charset="0"/>
-              </a:rPr>
-              <a:t>true</a:t>
-            </a:r>
-            <a:r>
-              <a:rPr lang="en-US" sz="1400" b="0" dirty="0">
-                <a:solidFill>
-                  <a:srgbClr val="3B3B3B"/>
-                </a:solidFill>
-                <a:effectLst/>
-                <a:highlight>
-                  <a:srgbClr val="FFFFFF"/>
-                </a:highlight>
-                <a:latin typeface="Consolas" panose="020B0609020204030204" pitchFamily="49" charset="0"/>
-              </a:rPr>
-              <a:t>);</a:t>
-            </a:r>
-          </a:p>
-          <a:p>
-            <a:r>
-              <a:rPr lang="en-US" sz="1400" b="0" dirty="0">
-                <a:solidFill>
-                  <a:srgbClr val="3B3B3B"/>
-                </a:solidFill>
-                <a:effectLst/>
-                <a:highlight>
-                  <a:srgbClr val="FFFFFF"/>
-                </a:highlight>
-                <a:latin typeface="Consolas" panose="020B0609020204030204" pitchFamily="49" charset="0"/>
-              </a:rPr>
-              <a:t>        </a:t>
-            </a:r>
-            <a:r>
-              <a:rPr lang="en-US" sz="1400" b="0" dirty="0" err="1">
-                <a:solidFill>
-                  <a:srgbClr val="267F99"/>
-                </a:solidFill>
-                <a:effectLst/>
-                <a:highlight>
-                  <a:srgbClr val="FFFFFF"/>
-                </a:highlight>
-                <a:latin typeface="Consolas" panose="020B0609020204030204" pitchFamily="49" charset="0"/>
-              </a:rPr>
-              <a:t>System</a:t>
-            </a:r>
-            <a:r>
-              <a:rPr lang="en-US" sz="1400" b="0" dirty="0" err="1">
-                <a:solidFill>
-                  <a:srgbClr val="3B3B3B"/>
-                </a:solidFill>
-                <a:effectLst/>
-                <a:highlight>
-                  <a:srgbClr val="FFFFFF"/>
-                </a:highlight>
-                <a:latin typeface="Consolas" panose="020B0609020204030204" pitchFamily="49" charset="0"/>
-              </a:rPr>
-              <a:t>.</a:t>
-            </a:r>
-            <a:r>
-              <a:rPr lang="en-US" sz="1400" b="0" dirty="0" err="1">
-                <a:solidFill>
-                  <a:srgbClr val="0070C1"/>
-                </a:solidFill>
-                <a:effectLst/>
-                <a:highlight>
-                  <a:srgbClr val="FFFFFF"/>
-                </a:highlight>
-                <a:latin typeface="Consolas" panose="020B0609020204030204" pitchFamily="49" charset="0"/>
-              </a:rPr>
-              <a:t>out</a:t>
-            </a:r>
-            <a:r>
-              <a:rPr lang="en-US" sz="1400" b="0" dirty="0" err="1">
-                <a:solidFill>
-                  <a:srgbClr val="3B3B3B"/>
-                </a:solidFill>
-                <a:effectLst/>
-                <a:highlight>
-                  <a:srgbClr val="FFFFFF"/>
-                </a:highlight>
-                <a:latin typeface="Consolas" panose="020B0609020204030204" pitchFamily="49" charset="0"/>
-              </a:rPr>
-              <a:t>.</a:t>
-            </a:r>
-            <a:r>
-              <a:rPr lang="en-US" sz="1400" b="0" dirty="0" err="1">
-                <a:solidFill>
-                  <a:srgbClr val="795E26"/>
-                </a:solidFill>
-                <a:effectLst/>
-                <a:highlight>
-                  <a:srgbClr val="FFFFFF"/>
-                </a:highlight>
-                <a:latin typeface="Consolas" panose="020B0609020204030204" pitchFamily="49" charset="0"/>
-              </a:rPr>
-              <a:t>println</a:t>
-            </a:r>
-            <a:r>
-              <a:rPr lang="en-US" sz="1400" b="0" dirty="0">
-                <a:solidFill>
-                  <a:srgbClr val="3B3B3B"/>
-                </a:solidFill>
-                <a:effectLst/>
-                <a:highlight>
-                  <a:srgbClr val="FFFFFF"/>
-                </a:highlight>
-                <a:latin typeface="Consolas" panose="020B0609020204030204" pitchFamily="49" charset="0"/>
-              </a:rPr>
-              <a:t>(</a:t>
-            </a:r>
-            <a:r>
-              <a:rPr lang="en-US" sz="1400" b="0" dirty="0">
-                <a:solidFill>
-                  <a:srgbClr val="A31515"/>
-                </a:solidFill>
-                <a:effectLst/>
-                <a:highlight>
-                  <a:srgbClr val="FFFFFF"/>
-                </a:highlight>
-                <a:latin typeface="Consolas" panose="020B0609020204030204" pitchFamily="49" charset="0"/>
-              </a:rPr>
-              <a:t>"Done!"</a:t>
-            </a:r>
-            <a:r>
-              <a:rPr lang="en-US" sz="1400" b="0" dirty="0">
-                <a:solidFill>
-                  <a:srgbClr val="3B3B3B"/>
-                </a:solidFill>
-                <a:effectLst/>
-                <a:highlight>
-                  <a:srgbClr val="FFFFFF"/>
-                </a:highlight>
-                <a:latin typeface="Consolas" panose="020B0609020204030204" pitchFamily="49" charset="0"/>
-              </a:rPr>
-              <a:t>);</a:t>
-            </a:r>
-          </a:p>
-          <a:p>
-            <a:r>
-              <a:rPr lang="en-US" sz="1400" b="0" dirty="0">
-                <a:solidFill>
-                  <a:srgbClr val="3B3B3B"/>
-                </a:solidFill>
-                <a:effectLst/>
-                <a:highlight>
-                  <a:srgbClr val="FFFFFF"/>
-                </a:highlight>
-                <a:latin typeface="Consolas" panose="020B0609020204030204" pitchFamily="49" charset="0"/>
-              </a:rPr>
-              <a:t>    }</a:t>
-            </a:r>
-          </a:p>
-        </p:txBody>
-      </p:sp>
-    </p:spTree>
-    <p:extLst>
-      <p:ext uri="{BB962C8B-B14F-4D97-AF65-F5344CB8AC3E}">
-        <p14:creationId xmlns:p14="http://schemas.microsoft.com/office/powerpoint/2010/main" val="1880220352"/>
-      </p:ext>
-    </p:extLst>
-  </p:cSld>
-  <p:clrMapOvr>
-    <a:masterClrMapping/>
-  </p:clrMapOvr>
-</p:sld>
-</file>
-
-<file path=ppt/slides/slide30.xml><?xml version="1.0" encoding="utf-8"?>
+<file path=ppt/slides/slide31.xml><?xml version="1.0" encoding="utf-8"?>
 <p:sld xmlns:a="http://schemas.openxmlformats.org/drawingml/2006/main" xmlns:r="http://schemas.openxmlformats.org/officeDocument/2006/relationships" xmlns:p="http://schemas.openxmlformats.org/presentationml/2006/main">
   <p:cSld>
     <p:spTree>
@@ -37012,7 +37904,7 @@
             <a:fld id="{19B0E89C-C97D-402E-B9E0-A1BE29AA681C}" type="slidenum">
               <a:rPr lang="en-US" altLang="en-US" smtClean="0"/>
               <a:pPr/>
-              <a:t>30</a:t>
+              <a:t>31</a:t>
             </a:fld>
             <a:endParaRPr lang="en-US" altLang="en-US"/>
           </a:p>
@@ -37253,7 +38145,7 @@
 </p:sld>
 </file>
 
-<file path=ppt/slides/slide31.xml><?xml version="1.0" encoding="utf-8"?>
+<file path=ppt/slides/slide32.xml><?xml version="1.0" encoding="utf-8"?>
 <p:sld xmlns:a="http://schemas.openxmlformats.org/drawingml/2006/main" xmlns:r="http://schemas.openxmlformats.org/officeDocument/2006/relationships" xmlns:p="http://schemas.openxmlformats.org/presentationml/2006/main">
   <p:cSld>
     <p:spTree>
@@ -37435,7 +38327,7 @@
             <a:fld id="{19B0E89C-C97D-402E-B9E0-A1BE29AA681C}" type="slidenum">
               <a:rPr lang="en-US" altLang="en-US" smtClean="0"/>
               <a:pPr/>
-              <a:t>31</a:t>
+              <a:t>32</a:t>
             </a:fld>
             <a:endParaRPr lang="en-US" altLang="en-US"/>
           </a:p>
@@ -37554,7 +38446,7 @@
 </p:sld>
 </file>
 
-<file path=ppt/slides/slide32.xml><?xml version="1.0" encoding="utf-8"?>
+<file path=ppt/slides/slide33.xml><?xml version="1.0" encoding="utf-8"?>
 <p:sld xmlns:a="http://schemas.openxmlformats.org/drawingml/2006/main" xmlns:r="http://schemas.openxmlformats.org/officeDocument/2006/relationships" xmlns:p="http://schemas.openxmlformats.org/presentationml/2006/main">
   <p:cSld>
     <p:spTree>
@@ -37734,7 +38626,7 @@
             <a:fld id="{19B0E89C-C97D-402E-B9E0-A1BE29AA681C}" type="slidenum">
               <a:rPr lang="en-US" altLang="en-US" smtClean="0"/>
               <a:pPr/>
-              <a:t>32</a:t>
+              <a:t>33</a:t>
             </a:fld>
             <a:endParaRPr lang="en-US" altLang="en-US"/>
           </a:p>
@@ -38486,7 +39378,7 @@
 </p:sld>
 </file>
 
-<file path=ppt/slides/slide33.xml><?xml version="1.0" encoding="utf-8"?>
+<file path=ppt/slides/slide34.xml><?xml version="1.0" encoding="utf-8"?>
 <p:sld xmlns:a="http://schemas.openxmlformats.org/drawingml/2006/main" xmlns:r="http://schemas.openxmlformats.org/officeDocument/2006/relationships" xmlns:p="http://schemas.openxmlformats.org/presentationml/2006/main">
   <p:cSld>
     <p:spTree>
@@ -38620,7 +39512,7 @@
             <a:fld id="{19B0E89C-C97D-402E-B9E0-A1BE29AA681C}" type="slidenum">
               <a:rPr lang="en-US" altLang="en-US" smtClean="0"/>
               <a:pPr/>
-              <a:t>33</a:t>
+              <a:t>34</a:t>
             </a:fld>
             <a:endParaRPr lang="en-US" altLang="en-US"/>
           </a:p>
@@ -46972,59 +47864,6 @@
 </file>
 
 <file path=customXml/item2.xml><?xml version="1.0" encoding="utf-8"?>
-<p:properties xmlns:p="http://schemas.microsoft.com/office/2006/metadata/properties" xmlns:xsi="http://www.w3.org/2001/XMLSchema-instance" xmlns:pc="http://schemas.microsoft.com/office/infopath/2007/PartnerControls">
-  <documentManagement>
-    <Invited_Students xmlns="ec914106-4023-4d62-800a-0989b013d7ae" xsi:nil="true"/>
-    <TeamsChannelId xmlns="ec914106-4023-4d62-800a-0989b013d7ae" xsi:nil="true"/>
-    <DefaultSectionNames xmlns="ec914106-4023-4d62-800a-0989b013d7ae" xsi:nil="true"/>
-    <Self_Registration_Enabled xmlns="ec914106-4023-4d62-800a-0989b013d7ae" xsi:nil="true"/>
-    <CultureName xmlns="ec914106-4023-4d62-800a-0989b013d7ae" xsi:nil="true"/>
-    <Student_Groups xmlns="ec914106-4023-4d62-800a-0989b013d7ae">
-      <UserInfo>
-        <DisplayName/>
-        <AccountId xsi:nil="true"/>
-        <AccountType/>
-      </UserInfo>
-    </Student_Groups>
-    <Has_Teacher_Only_SectionGroup xmlns="ec914106-4023-4d62-800a-0989b013d7ae" xsi:nil="true"/>
-    <AppVersion xmlns="ec914106-4023-4d62-800a-0989b013d7ae" xsi:nil="true"/>
-    <Teams_Channel_Section_Location xmlns="ec914106-4023-4d62-800a-0989b013d7ae" xsi:nil="true"/>
-    <Math_Settings xmlns="ec914106-4023-4d62-800a-0989b013d7ae" xsi:nil="true"/>
-    <Owner xmlns="ec914106-4023-4d62-800a-0989b013d7ae">
-      <UserInfo>
-        <DisplayName/>
-        <AccountId xsi:nil="true"/>
-        <AccountType/>
-      </UserInfo>
-    </Owner>
-    <Invited_Teachers xmlns="ec914106-4023-4d62-800a-0989b013d7ae" xsi:nil="true"/>
-    <IsNotebookLocked xmlns="ec914106-4023-4d62-800a-0989b013d7ae" xsi:nil="true"/>
-    <Is_Collaboration_Space_Locked xmlns="ec914106-4023-4d62-800a-0989b013d7ae" xsi:nil="true"/>
-    <_activity xmlns="ec914106-4023-4d62-800a-0989b013d7ae" xsi:nil="true"/>
-    <Templates xmlns="ec914106-4023-4d62-800a-0989b013d7ae" xsi:nil="true"/>
-    <NotebookType xmlns="ec914106-4023-4d62-800a-0989b013d7ae" xsi:nil="true"/>
-    <Distribution_Groups xmlns="ec914106-4023-4d62-800a-0989b013d7ae" xsi:nil="true"/>
-    <LMS_Mappings xmlns="ec914106-4023-4d62-800a-0989b013d7ae" xsi:nil="true"/>
-    <FolderType xmlns="ec914106-4023-4d62-800a-0989b013d7ae" xsi:nil="true"/>
-    <Teachers xmlns="ec914106-4023-4d62-800a-0989b013d7ae">
-      <UserInfo>
-        <DisplayName/>
-        <AccountId xsi:nil="true"/>
-        <AccountType/>
-      </UserInfo>
-    </Teachers>
-    <Students xmlns="ec914106-4023-4d62-800a-0989b013d7ae">
-      <UserInfo>
-        <DisplayName/>
-        <AccountId xsi:nil="true"/>
-        <AccountType/>
-      </UserInfo>
-    </Students>
-  </documentManagement>
-</p:properties>
-</file>
-
-<file path=customXml/item3.xml><?xml version="1.0" encoding="utf-8"?>
 <ct:contentTypeSchema xmlns:ct="http://schemas.microsoft.com/office/2006/metadata/contentType" xmlns:ma="http://schemas.microsoft.com/office/2006/metadata/properties/metaAttributes" ct:_="" ma:_="" ma:contentTypeName="Document" ma:contentTypeID="0x0101009BA8C64042A6704EA3EB4DC41C4FB05F" ma:contentTypeVersion="38" ma:contentTypeDescription="Create a new document." ma:contentTypeScope="" ma:versionID="bf4ae4a69332618c3e03d65c43393afd">
   <xsd:schema xmlns:xsd="http://www.w3.org/2001/XMLSchema" xmlns:xs="http://www.w3.org/2001/XMLSchema" xmlns:p="http://schemas.microsoft.com/office/2006/metadata/properties" xmlns:ns3="3b402ec5-cb89-4739-911d-5dd1c5e01384" xmlns:ns4="ec914106-4023-4d62-800a-0989b013d7ae" targetNamespace="http://schemas.microsoft.com/office/2006/metadata/properties" ma:root="true" ma:fieldsID="f0fe23496be744e10d46861378f316da" ns3:_="" ns4:_="">
     <xsd:import namespace="3b402ec5-cb89-4739-911d-5dd1c5e01384"/>
@@ -47465,6 +48304,59 @@
 </ct:contentTypeSchema>
 </file>
 
+<file path=customXml/item3.xml><?xml version="1.0" encoding="utf-8"?>
+<p:properties xmlns:p="http://schemas.microsoft.com/office/2006/metadata/properties" xmlns:xsi="http://www.w3.org/2001/XMLSchema-instance" xmlns:pc="http://schemas.microsoft.com/office/infopath/2007/PartnerControls">
+  <documentManagement>
+    <Invited_Students xmlns="ec914106-4023-4d62-800a-0989b013d7ae" xsi:nil="true"/>
+    <TeamsChannelId xmlns="ec914106-4023-4d62-800a-0989b013d7ae" xsi:nil="true"/>
+    <DefaultSectionNames xmlns="ec914106-4023-4d62-800a-0989b013d7ae" xsi:nil="true"/>
+    <Self_Registration_Enabled xmlns="ec914106-4023-4d62-800a-0989b013d7ae" xsi:nil="true"/>
+    <CultureName xmlns="ec914106-4023-4d62-800a-0989b013d7ae" xsi:nil="true"/>
+    <Student_Groups xmlns="ec914106-4023-4d62-800a-0989b013d7ae">
+      <UserInfo>
+        <DisplayName/>
+        <AccountId xsi:nil="true"/>
+        <AccountType/>
+      </UserInfo>
+    </Student_Groups>
+    <Has_Teacher_Only_SectionGroup xmlns="ec914106-4023-4d62-800a-0989b013d7ae" xsi:nil="true"/>
+    <AppVersion xmlns="ec914106-4023-4d62-800a-0989b013d7ae" xsi:nil="true"/>
+    <Teams_Channel_Section_Location xmlns="ec914106-4023-4d62-800a-0989b013d7ae" xsi:nil="true"/>
+    <Math_Settings xmlns="ec914106-4023-4d62-800a-0989b013d7ae" xsi:nil="true"/>
+    <Owner xmlns="ec914106-4023-4d62-800a-0989b013d7ae">
+      <UserInfo>
+        <DisplayName/>
+        <AccountId xsi:nil="true"/>
+        <AccountType/>
+      </UserInfo>
+    </Owner>
+    <Invited_Teachers xmlns="ec914106-4023-4d62-800a-0989b013d7ae" xsi:nil="true"/>
+    <IsNotebookLocked xmlns="ec914106-4023-4d62-800a-0989b013d7ae" xsi:nil="true"/>
+    <Is_Collaboration_Space_Locked xmlns="ec914106-4023-4d62-800a-0989b013d7ae" xsi:nil="true"/>
+    <_activity xmlns="ec914106-4023-4d62-800a-0989b013d7ae" xsi:nil="true"/>
+    <Templates xmlns="ec914106-4023-4d62-800a-0989b013d7ae" xsi:nil="true"/>
+    <NotebookType xmlns="ec914106-4023-4d62-800a-0989b013d7ae" xsi:nil="true"/>
+    <Distribution_Groups xmlns="ec914106-4023-4d62-800a-0989b013d7ae" xsi:nil="true"/>
+    <LMS_Mappings xmlns="ec914106-4023-4d62-800a-0989b013d7ae" xsi:nil="true"/>
+    <FolderType xmlns="ec914106-4023-4d62-800a-0989b013d7ae" xsi:nil="true"/>
+    <Teachers xmlns="ec914106-4023-4d62-800a-0989b013d7ae">
+      <UserInfo>
+        <DisplayName/>
+        <AccountId xsi:nil="true"/>
+        <AccountType/>
+      </UserInfo>
+    </Teachers>
+    <Students xmlns="ec914106-4023-4d62-800a-0989b013d7ae">
+      <UserInfo>
+        <DisplayName/>
+        <AccountId xsi:nil="true"/>
+        <AccountType/>
+      </UserInfo>
+    </Students>
+  </documentManagement>
+</p:properties>
+</file>
+
 <file path=customXml/itemProps1.xml><?xml version="1.0" encoding="utf-8"?>
 <ds:datastoreItem xmlns:ds="http://schemas.openxmlformats.org/officeDocument/2006/customXml" ds:itemID="{EB197284-9703-44A9-BDA7-BAABB0FFB9E9}">
   <ds:schemaRefs>
@@ -47474,23 +48366,6 @@
 </file>
 
 <file path=customXml/itemProps2.xml><?xml version="1.0" encoding="utf-8"?>
-<ds:datastoreItem xmlns:ds="http://schemas.openxmlformats.org/officeDocument/2006/customXml" ds:itemID="{CDA71DE4-3AE9-478E-9111-978128D747CB}">
-  <ds:schemaRefs>
-    <ds:schemaRef ds:uri="http://www.w3.org/XML/1998/namespace"/>
-    <ds:schemaRef ds:uri="3b402ec5-cb89-4739-911d-5dd1c5e01384"/>
-    <ds:schemaRef ds:uri="http://schemas.microsoft.com/office/2006/metadata/properties"/>
-    <ds:schemaRef ds:uri="http://schemas.microsoft.com/office/2006/documentManagement/types"/>
-    <ds:schemaRef ds:uri="http://schemas.openxmlformats.org/package/2006/metadata/core-properties"/>
-    <ds:schemaRef ds:uri="http://purl.org/dc/dcmitype/"/>
-    <ds:schemaRef ds:uri="http://purl.org/dc/terms/"/>
-    <ds:schemaRef ds:uri="http://schemas.microsoft.com/office/infopath/2007/PartnerControls"/>
-    <ds:schemaRef ds:uri="ec914106-4023-4d62-800a-0989b013d7ae"/>
-    <ds:schemaRef ds:uri="http://purl.org/dc/elements/1.1/"/>
-  </ds:schemaRefs>
-</ds:datastoreItem>
-</file>
-
-<file path=customXml/itemProps3.xml><?xml version="1.0" encoding="utf-8"?>
 <ds:datastoreItem xmlns:ds="http://schemas.openxmlformats.org/officeDocument/2006/customXml" ds:itemID="{BCEFC554-2353-41F4-B9DE-4E354DBABA5E}">
   <ds:schemaRefs>
     <ds:schemaRef ds:uri="http://schemas.microsoft.com/office/2006/metadata/contentType"/>
@@ -47507,4 +48382,21 @@
     <ds:schemaRef ds:uri="http://schemas.microsoft.com/internal/obd"/>
   </ds:schemaRefs>
 </ds:datastoreItem>
+</file>
+
+<file path=customXml/itemProps3.xml><?xml version="1.0" encoding="utf-8"?>
+<ds:datastoreItem xmlns:ds="http://schemas.openxmlformats.org/officeDocument/2006/customXml" ds:itemID="{CDA71DE4-3AE9-478E-9111-978128D747CB}">
+  <ds:schemaRefs>
+    <ds:schemaRef ds:uri="http://www.w3.org/XML/1998/namespace"/>
+    <ds:schemaRef ds:uri="3b402ec5-cb89-4739-911d-5dd1c5e01384"/>
+    <ds:schemaRef ds:uri="http://schemas.microsoft.com/office/2006/metadata/properties"/>
+    <ds:schemaRef ds:uri="http://schemas.microsoft.com/office/2006/documentManagement/types"/>
+    <ds:schemaRef ds:uri="http://schemas.openxmlformats.org/package/2006/metadata/core-properties"/>
+    <ds:schemaRef ds:uri="http://purl.org/dc/dcmitype/"/>
+    <ds:schemaRef ds:uri="http://purl.org/dc/terms/"/>
+    <ds:schemaRef ds:uri="http://schemas.microsoft.com/office/infopath/2007/PartnerControls"/>
+    <ds:schemaRef ds:uri="ec914106-4023-4d62-800a-0989b013d7ae"/>
+    <ds:schemaRef ds:uri="http://purl.org/dc/elements/1.1/"/>
+  </ds:schemaRefs>
+</ds:datastoreItem>
 </file>